--- a/Audits/EPWS2223HausenKochZimmer Audit 3.pptx
+++ b/Audits/EPWS2223HausenKochZimmer Audit 3.pptx
@@ -239,7 +239,7 @@
           <a:p>
             <a:fld id="{14D7B175-9C0D-422E-AF9B-B2B60FEC5750}" type="datetimeFigureOut">
               <a:rPr lang="de-DE" smtClean="0"/>
-              <a:t>15.12.2022</a:t>
+              <a:t>10.01.2023</a:t>
             </a:fld>
             <a:endParaRPr lang="de-DE"/>
           </a:p>
@@ -417,7 +417,7 @@
           <a:p>
             <a:fld id="{331B08D1-1B10-48CA-BD23-DF971FF342A1}" type="datetimeFigureOut">
               <a:rPr lang="de-DE" smtClean="0"/>
-              <a:t>15.12.2022</a:t>
+              <a:t>10.01.2023</a:t>
             </a:fld>
             <a:endParaRPr lang="de-DE"/>
           </a:p>
@@ -1672,7 +1672,7 @@
           <a:p>
             <a:fld id="{ED1BC4C9-1A13-4EE7-AF10-A080FF9505FC}" type="datetime1">
               <a:rPr lang="de-DE" smtClean="0"/>
-              <a:t>15.12.2022</a:t>
+              <a:t>10.01.2023</a:t>
             </a:fld>
             <a:endParaRPr lang="de-DE"/>
           </a:p>
@@ -1870,7 +1870,7 @@
           <a:p>
             <a:fld id="{6C2AB422-32FC-42F3-9689-2B0D08DB4456}" type="datetime1">
               <a:rPr lang="de-DE" smtClean="0"/>
-              <a:t>15.12.2022</a:t>
+              <a:t>10.01.2023</a:t>
             </a:fld>
             <a:endParaRPr lang="de-DE"/>
           </a:p>
@@ -2078,7 +2078,7 @@
           <a:p>
             <a:fld id="{C1537AD8-4C02-4B23-A319-CD41525F0575}" type="datetime1">
               <a:rPr lang="de-DE" smtClean="0"/>
-              <a:t>15.12.2022</a:t>
+              <a:t>10.01.2023</a:t>
             </a:fld>
             <a:endParaRPr lang="de-DE"/>
           </a:p>
@@ -2276,7 +2276,7 @@
           <a:p>
             <a:fld id="{2542ACB1-0C11-4D97-B345-5791D5AFEBBD}" type="datetime1">
               <a:rPr lang="de-DE" smtClean="0"/>
-              <a:t>15.12.2022</a:t>
+              <a:t>10.01.2023</a:t>
             </a:fld>
             <a:endParaRPr lang="de-DE"/>
           </a:p>
@@ -2551,7 +2551,7 @@
           <a:p>
             <a:fld id="{CF8A9434-0CF4-4502-AC01-E50C47A78749}" type="datetime1">
               <a:rPr lang="de-DE" smtClean="0"/>
-              <a:t>15.12.2022</a:t>
+              <a:t>10.01.2023</a:t>
             </a:fld>
             <a:endParaRPr lang="de-DE"/>
           </a:p>
@@ -2816,7 +2816,7 @@
           <a:p>
             <a:fld id="{1C66BAD7-5AD9-4620-853F-EAED5CE5CCA9}" type="datetime1">
               <a:rPr lang="de-DE" smtClean="0"/>
-              <a:t>15.12.2022</a:t>
+              <a:t>10.01.2023</a:t>
             </a:fld>
             <a:endParaRPr lang="de-DE"/>
           </a:p>
@@ -3233,7 +3233,7 @@
           <a:p>
             <a:fld id="{F97251B6-C000-4B8B-8F25-F55B863C7B50}" type="datetime1">
               <a:rPr lang="de-DE" smtClean="0"/>
-              <a:t>15.12.2022</a:t>
+              <a:t>10.01.2023</a:t>
             </a:fld>
             <a:endParaRPr lang="de-DE"/>
           </a:p>
@@ -3379,7 +3379,7 @@
           <a:p>
             <a:fld id="{D7BA6ECB-C460-4FAF-AB91-F9078068F532}" type="datetime1">
               <a:rPr lang="de-DE" smtClean="0"/>
-              <a:t>15.12.2022</a:t>
+              <a:t>10.01.2023</a:t>
             </a:fld>
             <a:endParaRPr lang="de-DE"/>
           </a:p>
@@ -3492,7 +3492,7 @@
           <a:p>
             <a:fld id="{D1F6BFF4-EBC5-41EE-80C5-C44105A7A9B4}" type="datetime1">
               <a:rPr lang="de-DE" smtClean="0"/>
-              <a:t>15.12.2022</a:t>
+              <a:t>10.01.2023</a:t>
             </a:fld>
             <a:endParaRPr lang="de-DE"/>
           </a:p>
@@ -3803,7 +3803,7 @@
           <a:p>
             <a:fld id="{FEDC9D51-5166-4312-BA3B-571CE0B8ECE6}" type="datetime1">
               <a:rPr lang="de-DE" smtClean="0"/>
-              <a:t>15.12.2022</a:t>
+              <a:t>10.01.2023</a:t>
             </a:fld>
             <a:endParaRPr lang="de-DE"/>
           </a:p>
@@ -4096,7 +4096,7 @@
           <a:p>
             <a:fld id="{0D75F604-7643-422C-9716-5D15F8DAA7CB}" type="datetime1">
               <a:rPr lang="de-DE" smtClean="0"/>
-              <a:t>15.12.2022</a:t>
+              <a:t>10.01.2023</a:t>
             </a:fld>
             <a:endParaRPr lang="de-DE"/>
           </a:p>
@@ -4379,7 +4379,7 @@
           <a:p>
             <a:fld id="{EAE11A2B-C0F6-4A44-84BB-6682D02704B4}" type="datetime1">
               <a:rPr lang="de-DE" smtClean="0"/>
-              <a:t>15.12.2022</a:t>
+              <a:t>10.01.2023</a:t>
             </a:fld>
             <a:endParaRPr lang="de-DE"/>
           </a:p>
@@ -5705,19 +5705,25 @@
           <a:bodyPr/>
           <a:lstStyle/>
           <a:p>
+            <a:pPr algn="ctr"/>
             <a:r>
               <a:rPr lang="de-DE" dirty="0"/>
               <a:t> </a:t>
             </a:r>
-          </a:p>
-        </p:txBody>
-      </p:sp>
-      <p:sp>
-        <p:nvSpPr>
-          <p:cNvPr id="3" name="Inhaltsplatzhalter 2">
-            <a:extLst>
-              <a:ext uri="{FF2B5EF4-FFF2-40B4-BE49-F238E27FC236}">
-                <a16:creationId xmlns:a16="http://schemas.microsoft.com/office/drawing/2014/main" id="{26828B3D-0288-9D01-3FAB-ED2A638AE90B}"/>
+            <a:r>
+              <a:rPr lang="de-DE" dirty="0" err="1"/>
+              <a:t>ToDos</a:t>
+            </a:r>
+            <a:endParaRPr lang="de-DE" dirty="0"/>
+          </a:p>
+        </p:txBody>
+      </p:sp>
+      <p:sp>
+        <p:nvSpPr>
+          <p:cNvPr id="6" name="Inhaltsplatzhalter 5">
+            <a:extLst>
+              <a:ext uri="{FF2B5EF4-FFF2-40B4-BE49-F238E27FC236}">
+                <a16:creationId xmlns:a16="http://schemas.microsoft.com/office/drawing/2014/main" id="{DF0E3F5A-7EE9-24A6-C4BF-E37D9B670A03}"/>
               </a:ext>
             </a:extLst>
           </p:cNvPr>
@@ -5732,6 +5738,52 @@
         <p:txBody>
           <a:bodyPr/>
           <a:lstStyle/>
+          <a:p>
+            <a:r>
+              <a:rPr lang="de-DE" b="0" i="0" dirty="0">
+                <a:effectLst/>
+                <a:latin typeface="gg sans"/>
+              </a:rPr>
+              <a:t>Anforderungen</a:t>
+            </a:r>
+          </a:p>
+          <a:p>
+            <a:r>
+              <a:rPr lang="de-DE" dirty="0"/>
+              <a:t>Risikoanalyse</a:t>
+            </a:r>
+          </a:p>
+          <a:p>
+            <a:r>
+              <a:rPr lang="de-DE" dirty="0"/>
+              <a:t>Userprofiles</a:t>
+            </a:r>
+          </a:p>
+          <a:p>
+            <a:r>
+              <a:rPr lang="de-DE" dirty="0" err="1"/>
+              <a:t>Usecases</a:t>
+            </a:r>
+            <a:endParaRPr lang="de-DE" dirty="0"/>
+          </a:p>
+          <a:p>
+            <a:r>
+              <a:rPr lang="de-DE" dirty="0"/>
+              <a:t>PoCs</a:t>
+            </a:r>
+          </a:p>
+          <a:p>
+            <a:r>
+              <a:rPr lang="de-DE" dirty="0"/>
+              <a:t>Zeitplan (bis Audit 4)</a:t>
+            </a:r>
+          </a:p>
+          <a:p>
+            <a:r>
+              <a:rPr lang="de-DE" dirty="0"/>
+              <a:t>Projektplan Meeting Art</a:t>
+            </a:r>
+          </a:p>
           <a:p>
             <a:endParaRPr lang="de-DE" dirty="0"/>
           </a:p>

--- a/Audits/EPWS2223HausenKochZimmer Audit 3.pptx
+++ b/Audits/EPWS2223HausenKochZimmer Audit 3.pptx
@@ -14,8 +14,8 @@
     <p:sldId id="256" r:id="rId2"/>
     <p:sldId id="257" r:id="rId3"/>
     <p:sldId id="258" r:id="rId4"/>
-    <p:sldId id="259" r:id="rId5"/>
-    <p:sldId id="260" r:id="rId6"/>
+    <p:sldId id="260" r:id="rId5"/>
+    <p:sldId id="259" r:id="rId6"/>
     <p:sldId id="261" r:id="rId7"/>
     <p:sldId id="262" r:id="rId8"/>
     <p:sldId id="263" r:id="rId9"/>
@@ -127,8 +127,8 @@
             <p14:sldId id="256"/>
             <p14:sldId id="257"/>
             <p14:sldId id="258"/>
+            <p14:sldId id="260"/>
             <p14:sldId id="259"/>
-            <p14:sldId id="260"/>
             <p14:sldId id="261"/>
             <p14:sldId id="262"/>
             <p14:sldId id="263"/>
@@ -1095,7 +1095,7 @@
     </p:spTree>
     <p:extLst>
       <p:ext uri="{BB962C8B-B14F-4D97-AF65-F5344CB8AC3E}">
-        <p14:creationId xmlns:p14="http://schemas.microsoft.com/office/powerpoint/2010/main" val="1653405182"/>
+        <p14:creationId xmlns:p14="http://schemas.microsoft.com/office/powerpoint/2010/main" val="3745376474"/>
       </p:ext>
     </p:extLst>
   </p:cSld>
@@ -1179,7 +1179,7 @@
     </p:spTree>
     <p:extLst>
       <p:ext uri="{BB962C8B-B14F-4D97-AF65-F5344CB8AC3E}">
-        <p14:creationId xmlns:p14="http://schemas.microsoft.com/office/powerpoint/2010/main" val="3745376474"/>
+        <p14:creationId xmlns:p14="http://schemas.microsoft.com/office/powerpoint/2010/main" val="1653405182"/>
       </p:ext>
     </p:extLst>
   </p:cSld>
@@ -5566,7 +5566,7 @@
             <a:pPr algn="ctr"/>
             <a:r>
               <a:rPr lang="de-DE" dirty="0"/>
-              <a:t>Projektplan</a:t>
+              <a:t>Projektplan/Zeitplan</a:t>
             </a:r>
           </a:p>
         </p:txBody>
@@ -5600,20 +5600,6 @@
             <a:endParaRPr lang="de-DE" sz="3200" dirty="0">
               <a:hlinkClick r:id="rId3"/>
             </a:endParaRPr>
-          </a:p>
-          <a:p>
-            <a:pPr lvl="0"/>
-            <a:r>
-              <a:rPr lang="de-DE" sz="3200" dirty="0"/>
-              <a:t>Artefakte als Darstellung, Link als Extra</a:t>
-            </a:r>
-          </a:p>
-          <a:p>
-            <a:pPr lvl="0"/>
-            <a:r>
-              <a:rPr lang="de-DE" sz="3200" dirty="0"/>
-              <a:t>Notiz beschreibend, bzw. erklärend</a:t>
-            </a:r>
           </a:p>
         </p:txBody>
       </p:sp>
@@ -5706,14 +5692,6 @@
           <a:lstStyle/>
           <a:p>
             <a:pPr algn="ctr"/>
-            <a:r>
-              <a:rPr lang="de-DE" dirty="0"/>
-              <a:t> </a:t>
-            </a:r>
-            <a:r>
-              <a:rPr lang="de-DE" dirty="0" err="1"/>
-              <a:t>ToDos</a:t>
-            </a:r>
             <a:endParaRPr lang="de-DE" dirty="0"/>
           </a:p>
         </p:txBody>
@@ -5738,52 +5716,6 @@
         <p:txBody>
           <a:bodyPr/>
           <a:lstStyle/>
-          <a:p>
-            <a:r>
-              <a:rPr lang="de-DE" b="0" i="0" dirty="0">
-                <a:effectLst/>
-                <a:latin typeface="gg sans"/>
-              </a:rPr>
-              <a:t>Anforderungen</a:t>
-            </a:r>
-          </a:p>
-          <a:p>
-            <a:r>
-              <a:rPr lang="de-DE" dirty="0"/>
-              <a:t>Risikoanalyse</a:t>
-            </a:r>
-          </a:p>
-          <a:p>
-            <a:r>
-              <a:rPr lang="de-DE" dirty="0"/>
-              <a:t>Userprofiles</a:t>
-            </a:r>
-          </a:p>
-          <a:p>
-            <a:r>
-              <a:rPr lang="de-DE" dirty="0" err="1"/>
-              <a:t>Usecases</a:t>
-            </a:r>
-            <a:endParaRPr lang="de-DE" dirty="0"/>
-          </a:p>
-          <a:p>
-            <a:r>
-              <a:rPr lang="de-DE" dirty="0"/>
-              <a:t>PoCs</a:t>
-            </a:r>
-          </a:p>
-          <a:p>
-            <a:r>
-              <a:rPr lang="de-DE" dirty="0"/>
-              <a:t>Zeitplan (bis Audit 4)</a:t>
-            </a:r>
-          </a:p>
-          <a:p>
-            <a:r>
-              <a:rPr lang="de-DE" dirty="0"/>
-              <a:t>Projektplan Meeting Art</a:t>
-            </a:r>
-          </a:p>
           <a:p>
             <a:endParaRPr lang="de-DE" dirty="0"/>
           </a:p>
@@ -5883,6 +5815,31 @@
       </p:sp>
       <p:sp>
         <p:nvSpPr>
+          <p:cNvPr id="3" name="Inhaltsplatzhalter 2">
+            <a:extLst>
+              <a:ext uri="{FF2B5EF4-FFF2-40B4-BE49-F238E27FC236}">
+                <a16:creationId xmlns:a16="http://schemas.microsoft.com/office/drawing/2014/main" id="{26828B3D-0288-9D01-3FAB-ED2A638AE90B}"/>
+              </a:ext>
+            </a:extLst>
+          </p:cNvPr>
+          <p:cNvSpPr>
+            <a:spLocks noGrp="1"/>
+          </p:cNvSpPr>
+          <p:nvPr>
+            <p:ph idx="1"/>
+          </p:nvPr>
+        </p:nvSpPr>
+        <p:spPr/>
+        <p:txBody>
+          <a:bodyPr/>
+          <a:lstStyle/>
+          <a:p>
+            <a:endParaRPr lang="de-DE" dirty="0"/>
+          </a:p>
+        </p:txBody>
+      </p:sp>
+      <p:sp>
+        <p:nvSpPr>
           <p:cNvPr id="5" name="Foliennummernplatzhalter 4">
             <a:extLst>
               <a:ext uri="{FF2B5EF4-FFF2-40B4-BE49-F238E27FC236}">
@@ -5921,7 +5878,7 @@
     </p:spTree>
     <p:extLst>
       <p:ext uri="{BB962C8B-B14F-4D97-AF65-F5344CB8AC3E}">
-        <p14:creationId xmlns:p14="http://schemas.microsoft.com/office/powerpoint/2010/main" val="1602302725"/>
+        <p14:creationId xmlns:p14="http://schemas.microsoft.com/office/powerpoint/2010/main" val="738318702"/>
       </p:ext>
     </p:extLst>
   </p:cSld>
@@ -5950,10 +5907,10 @@
       </p:grpSpPr>
       <p:sp>
         <p:nvSpPr>
-          <p:cNvPr id="2" name="Titel 1">
-            <a:extLst>
-              <a:ext uri="{FF2B5EF4-FFF2-40B4-BE49-F238E27FC236}">
-                <a16:creationId xmlns:a16="http://schemas.microsoft.com/office/drawing/2014/main" id="{4AC7DED0-9976-693C-8B24-D84F23C8E7B6}"/>
+          <p:cNvPr id="3" name="Titel 2">
+            <a:extLst>
+              <a:ext uri="{FF2B5EF4-FFF2-40B4-BE49-F238E27FC236}">
+                <a16:creationId xmlns:a16="http://schemas.microsoft.com/office/drawing/2014/main" id="{53AD19EA-19FD-31C3-9A36-EC2C3ECA7425}"/>
               </a:ext>
             </a:extLst>
           </p:cNvPr>
@@ -5975,10 +5932,10 @@
       </p:sp>
       <p:sp>
         <p:nvSpPr>
-          <p:cNvPr id="3" name="Inhaltsplatzhalter 2">
-            <a:extLst>
-              <a:ext uri="{FF2B5EF4-FFF2-40B4-BE49-F238E27FC236}">
-                <a16:creationId xmlns:a16="http://schemas.microsoft.com/office/drawing/2014/main" id="{26828B3D-0288-9D01-3FAB-ED2A638AE90B}"/>
+          <p:cNvPr id="4" name="Inhaltsplatzhalter 3">
+            <a:extLst>
+              <a:ext uri="{FF2B5EF4-FFF2-40B4-BE49-F238E27FC236}">
+                <a16:creationId xmlns:a16="http://schemas.microsoft.com/office/drawing/2014/main" id="{43D36CD5-C13A-93D9-C18B-BCA6C25AEC2A}"/>
               </a:ext>
             </a:extLst>
           </p:cNvPr>
@@ -6038,7 +5995,7 @@
     </p:spTree>
     <p:extLst>
       <p:ext uri="{BB962C8B-B14F-4D97-AF65-F5344CB8AC3E}">
-        <p14:creationId xmlns:p14="http://schemas.microsoft.com/office/powerpoint/2010/main" val="738318702"/>
+        <p14:creationId xmlns:p14="http://schemas.microsoft.com/office/powerpoint/2010/main" val="1602302725"/>
       </p:ext>
     </p:extLst>
   </p:cSld>

--- a/Audits/EPWS2223HausenKochZimmer Audit 3.pptx
+++ b/Audits/EPWS2223HausenKochZimmer Audit 3.pptx
@@ -239,7 +239,7 @@
           <a:p>
             <a:fld id="{14D7B175-9C0D-422E-AF9B-B2B60FEC5750}" type="datetimeFigureOut">
               <a:rPr lang="de-DE" smtClean="0"/>
-              <a:t>10.01.2023</a:t>
+              <a:t>11.01.2023</a:t>
             </a:fld>
             <a:endParaRPr lang="de-DE"/>
           </a:p>
@@ -417,7 +417,7 @@
           <a:p>
             <a:fld id="{331B08D1-1B10-48CA-BD23-DF971FF342A1}" type="datetimeFigureOut">
               <a:rPr lang="de-DE" smtClean="0"/>
-              <a:t>10.01.2023</a:t>
+              <a:t>11.01.2023</a:t>
             </a:fld>
             <a:endParaRPr lang="de-DE"/>
           </a:p>
@@ -981,6 +981,126 @@
           <a:bodyPr/>
           <a:lstStyle/>
           <a:p>
+            <a:pPr marL="0" marR="0" lvl="0" indent="0" algn="l" defTabSz="914400" rtl="0" eaLnBrk="1" fontAlgn="auto" latinLnBrk="0" hangingPunct="1">
+              <a:lnSpc>
+                <a:spcPct val="100000"/>
+              </a:lnSpc>
+              <a:spcBef>
+                <a:spcPts val="0"/>
+              </a:spcBef>
+              <a:spcAft>
+                <a:spcPts val="0"/>
+              </a:spcAft>
+              <a:buClrTx/>
+              <a:buSzTx/>
+              <a:buFontTx/>
+              <a:buNone/>
+              <a:tabLst/>
+              <a:defRPr/>
+            </a:pPr>
+            <a:r>
+              <a:rPr lang="de-DE" b="0" i="0" dirty="0">
+                <a:solidFill>
+                  <a:srgbClr val="374151"/>
+                </a:solidFill>
+                <a:effectLst/>
+                <a:latin typeface="Söhne"/>
+              </a:rPr>
+              <a:t>Dieser Code implementiert eine Pub/Sub-Funktionalität für eine Android-App. Es gibt zwei Schaltflächen in der Benutzeroberfläche, eine zum Abonnieren (</a:t>
+            </a:r>
+            <a:r>
+              <a:rPr lang="de-DE" b="0" i="0" dirty="0" err="1">
+                <a:solidFill>
+                  <a:srgbClr val="374151"/>
+                </a:solidFill>
+                <a:effectLst/>
+                <a:latin typeface="Söhne"/>
+              </a:rPr>
+              <a:t>subscribe</a:t>
+            </a:r>
+            <a:r>
+              <a:rPr lang="de-DE" b="0" i="0" dirty="0">
+                <a:solidFill>
+                  <a:srgbClr val="374151"/>
+                </a:solidFill>
+                <a:effectLst/>
+                <a:latin typeface="Söhne"/>
+              </a:rPr>
+              <a:t>) und eine zum Veröffentlichen (publish). Beim Klicken auf die Schaltfläche „</a:t>
+            </a:r>
+            <a:r>
+              <a:rPr lang="de-DE" b="0" i="0" dirty="0" err="1">
+                <a:solidFill>
+                  <a:srgbClr val="374151"/>
+                </a:solidFill>
+                <a:effectLst/>
+                <a:latin typeface="Söhne"/>
+              </a:rPr>
+              <a:t>Subscribe</a:t>
+            </a:r>
+            <a:r>
+              <a:rPr lang="de-DE" b="0" i="0" dirty="0">
+                <a:solidFill>
+                  <a:srgbClr val="374151"/>
+                </a:solidFill>
+                <a:effectLst/>
+                <a:latin typeface="Söhne"/>
+              </a:rPr>
+              <a:t>" wird geprüft, ob der Benutzername bereits in der Liste der Abonnenten enthalten ist. Wenn nicht, wird der Benutzername zur Liste hinzugefügt. Wenn der Benutzername bereits in der Liste vorhanden ist, wird er aus der Liste entfernt und eine Meldung „</a:t>
+            </a:r>
+            <a:r>
+              <a:rPr lang="de-DE" b="0" i="0" dirty="0" err="1">
+                <a:solidFill>
+                  <a:srgbClr val="374151"/>
+                </a:solidFill>
+                <a:effectLst/>
+                <a:latin typeface="Söhne"/>
+              </a:rPr>
+              <a:t>Unsubscribed</a:t>
+            </a:r>
+            <a:r>
+              <a:rPr lang="de-DE" b="0" i="0" dirty="0">
+                <a:solidFill>
+                  <a:srgbClr val="374151"/>
+                </a:solidFill>
+                <a:effectLst/>
+                <a:latin typeface="Söhne"/>
+              </a:rPr>
+              <a:t>" angezeigt. Beim Klicken auf die Schaltfläche "Veröffentlichen" soll ein Abonnent die Möglichkeit haben, ein Bild zu einer  Stadt hochzuladen und anschließend werden alle Abonnenten in der Liste benachrichtigt. Wenn ein User nicht </a:t>
+            </a:r>
+            <a:r>
+              <a:rPr lang="de-DE" b="0" i="0" dirty="0" err="1">
+                <a:solidFill>
+                  <a:srgbClr val="374151"/>
+                </a:solidFill>
+                <a:effectLst/>
+                <a:latin typeface="Söhne"/>
+              </a:rPr>
+              <a:t>subscribed</a:t>
+            </a:r>
+            <a:r>
+              <a:rPr lang="de-DE" b="0" i="0" dirty="0">
+                <a:solidFill>
+                  <a:srgbClr val="374151"/>
+                </a:solidFill>
+                <a:effectLst/>
+                <a:latin typeface="Söhne"/>
+              </a:rPr>
+              <a:t> ist, hat er nicht die Möglichkeit, ein Bild zu einer </a:t>
+            </a:r>
+            <a:r>
+              <a:rPr lang="de-DE" b="0" i="0">
+                <a:solidFill>
+                  <a:srgbClr val="374151"/>
+                </a:solidFill>
+                <a:effectLst/>
+                <a:latin typeface="Söhne"/>
+              </a:rPr>
+              <a:t>Stadt hochzuladen.</a:t>
+            </a:r>
+            <a:endParaRPr lang="de-DE" dirty="0"/>
+          </a:p>
+          <a:p>
             <a:endParaRPr lang="de-DE" dirty="0"/>
           </a:p>
         </p:txBody>
@@ -1672,7 +1792,7 @@
           <a:p>
             <a:fld id="{ED1BC4C9-1A13-4EE7-AF10-A080FF9505FC}" type="datetime1">
               <a:rPr lang="de-DE" smtClean="0"/>
-              <a:t>10.01.2023</a:t>
+              <a:t>11.01.2023</a:t>
             </a:fld>
             <a:endParaRPr lang="de-DE"/>
           </a:p>
@@ -1870,7 +1990,7 @@
           <a:p>
             <a:fld id="{6C2AB422-32FC-42F3-9689-2B0D08DB4456}" type="datetime1">
               <a:rPr lang="de-DE" smtClean="0"/>
-              <a:t>10.01.2023</a:t>
+              <a:t>11.01.2023</a:t>
             </a:fld>
             <a:endParaRPr lang="de-DE"/>
           </a:p>
@@ -2078,7 +2198,7 @@
           <a:p>
             <a:fld id="{C1537AD8-4C02-4B23-A319-CD41525F0575}" type="datetime1">
               <a:rPr lang="de-DE" smtClean="0"/>
-              <a:t>10.01.2023</a:t>
+              <a:t>11.01.2023</a:t>
             </a:fld>
             <a:endParaRPr lang="de-DE"/>
           </a:p>
@@ -2276,7 +2396,7 @@
           <a:p>
             <a:fld id="{2542ACB1-0C11-4D97-B345-5791D5AFEBBD}" type="datetime1">
               <a:rPr lang="de-DE" smtClean="0"/>
-              <a:t>10.01.2023</a:t>
+              <a:t>11.01.2023</a:t>
             </a:fld>
             <a:endParaRPr lang="de-DE"/>
           </a:p>
@@ -2551,7 +2671,7 @@
           <a:p>
             <a:fld id="{CF8A9434-0CF4-4502-AC01-E50C47A78749}" type="datetime1">
               <a:rPr lang="de-DE" smtClean="0"/>
-              <a:t>10.01.2023</a:t>
+              <a:t>11.01.2023</a:t>
             </a:fld>
             <a:endParaRPr lang="de-DE"/>
           </a:p>
@@ -2816,7 +2936,7 @@
           <a:p>
             <a:fld id="{1C66BAD7-5AD9-4620-853F-EAED5CE5CCA9}" type="datetime1">
               <a:rPr lang="de-DE" smtClean="0"/>
-              <a:t>10.01.2023</a:t>
+              <a:t>11.01.2023</a:t>
             </a:fld>
             <a:endParaRPr lang="de-DE"/>
           </a:p>
@@ -3233,7 +3353,7 @@
           <a:p>
             <a:fld id="{F97251B6-C000-4B8B-8F25-F55B863C7B50}" type="datetime1">
               <a:rPr lang="de-DE" smtClean="0"/>
-              <a:t>10.01.2023</a:t>
+              <a:t>11.01.2023</a:t>
             </a:fld>
             <a:endParaRPr lang="de-DE"/>
           </a:p>
@@ -3379,7 +3499,7 @@
           <a:p>
             <a:fld id="{D7BA6ECB-C460-4FAF-AB91-F9078068F532}" type="datetime1">
               <a:rPr lang="de-DE" smtClean="0"/>
-              <a:t>10.01.2023</a:t>
+              <a:t>11.01.2023</a:t>
             </a:fld>
             <a:endParaRPr lang="de-DE"/>
           </a:p>
@@ -3492,7 +3612,7 @@
           <a:p>
             <a:fld id="{D1F6BFF4-EBC5-41EE-80C5-C44105A7A9B4}" type="datetime1">
               <a:rPr lang="de-DE" smtClean="0"/>
-              <a:t>10.01.2023</a:t>
+              <a:t>11.01.2023</a:t>
             </a:fld>
             <a:endParaRPr lang="de-DE"/>
           </a:p>
@@ -3803,7 +3923,7 @@
           <a:p>
             <a:fld id="{FEDC9D51-5166-4312-BA3B-571CE0B8ECE6}" type="datetime1">
               <a:rPr lang="de-DE" smtClean="0"/>
-              <a:t>10.01.2023</a:t>
+              <a:t>11.01.2023</a:t>
             </a:fld>
             <a:endParaRPr lang="de-DE"/>
           </a:p>
@@ -4096,7 +4216,7 @@
           <a:p>
             <a:fld id="{0D75F604-7643-422C-9716-5D15F8DAA7CB}" type="datetime1">
               <a:rPr lang="de-DE" smtClean="0"/>
-              <a:t>10.01.2023</a:t>
+              <a:t>11.01.2023</a:t>
             </a:fld>
             <a:endParaRPr lang="de-DE"/>
           </a:p>
@@ -4379,7 +4499,7 @@
           <a:p>
             <a:fld id="{EAE11A2B-C0F6-4A44-84BB-6682D02704B4}" type="datetime1">
               <a:rPr lang="de-DE" smtClean="0"/>
-              <a:t>10.01.2023</a:t>
+              <a:t>11.01.2023</a:t>
             </a:fld>
             <a:endParaRPr lang="de-DE"/>
           </a:p>
@@ -5692,30 +5812,296 @@
           <a:lstStyle/>
           <a:p>
             <a:pPr algn="ctr"/>
+            <a:r>
+              <a:rPr lang="de-DE" dirty="0"/>
+              <a:t>POC Pub/Sub</a:t>
+            </a:r>
+          </a:p>
+        </p:txBody>
+      </p:sp>
+      <p:sp>
+        <p:nvSpPr>
+          <p:cNvPr id="6" name="Inhaltsplatzhalter 5">
+            <a:extLst>
+              <a:ext uri="{FF2B5EF4-FFF2-40B4-BE49-F238E27FC236}">
+                <a16:creationId xmlns:a16="http://schemas.microsoft.com/office/drawing/2014/main" id="{DF0E3F5A-7EE9-24A6-C4BF-E37D9B670A03}"/>
+              </a:ext>
+            </a:extLst>
+          </p:cNvPr>
+          <p:cNvSpPr>
+            <a:spLocks noGrp="1"/>
+          </p:cNvSpPr>
+          <p:nvPr>
+            <p:ph idx="1"/>
+          </p:nvPr>
+        </p:nvSpPr>
+        <p:spPr>
+          <a:xfrm>
+            <a:off x="838200" y="1825625"/>
+            <a:ext cx="4589834" cy="4351338"/>
+          </a:xfrm>
+        </p:spPr>
+        <p:txBody>
+          <a:bodyPr>
+            <a:normAutofit/>
+          </a:bodyPr>
+          <a:lstStyle/>
+          <a:p>
+            <a:pPr marL="0" lvl="0" indent="0">
+              <a:lnSpc>
+                <a:spcPct val="107000"/>
+              </a:lnSpc>
+              <a:buNone/>
+            </a:pPr>
+            <a:r>
+              <a:rPr lang="de-DE" sz="1200" u="sng" dirty="0">
+                <a:effectLst/>
+                <a:latin typeface="Calibri" panose="020F0502020204030204" pitchFamily="34" charset="0"/>
+                <a:ea typeface="Yu Mincho" panose="02020400000000000000" pitchFamily="18" charset="-128"/>
+                <a:cs typeface="Times New Roman" panose="02020603050405020304" pitchFamily="18" charset="0"/>
+              </a:rPr>
+              <a:t>Pub/Sub Funktionalität - </a:t>
+            </a:r>
+            <a:r>
+              <a:rPr lang="de-DE" sz="1100" u="sng" dirty="0" err="1">
+                <a:effectLst/>
+                <a:latin typeface="Calibri" panose="020F0502020204030204" pitchFamily="34" charset="0"/>
+                <a:ea typeface="Yu Mincho" panose="02020400000000000000" pitchFamily="18" charset="-128"/>
+                <a:cs typeface="Times New Roman" panose="02020603050405020304" pitchFamily="18" charset="0"/>
+              </a:rPr>
+              <a:t>subscribe</a:t>
+            </a:r>
+            <a:endParaRPr lang="de-DE" sz="1100" dirty="0">
+              <a:effectLst/>
+              <a:latin typeface="Calibri" panose="020F0502020204030204" pitchFamily="34" charset="0"/>
+              <a:ea typeface="Yu Mincho" panose="02020400000000000000" pitchFamily="18" charset="-128"/>
+              <a:cs typeface="Times New Roman" panose="02020603050405020304" pitchFamily="18" charset="0"/>
+            </a:endParaRPr>
+          </a:p>
+          <a:p>
+            <a:pPr marL="742950" lvl="1" indent="-285750">
+              <a:lnSpc>
+                <a:spcPct val="107000"/>
+              </a:lnSpc>
+              <a:buFont typeface="Courier New" panose="02070309020205020404" pitchFamily="49" charset="0"/>
+              <a:buChar char="o"/>
+            </a:pPr>
+            <a:r>
+              <a:rPr lang="de-DE" sz="1100" dirty="0">
+                <a:solidFill>
+                  <a:srgbClr val="00B050"/>
+                </a:solidFill>
+                <a:effectLst/>
+                <a:latin typeface="Calibri" panose="020F0502020204030204" pitchFamily="34" charset="0"/>
+                <a:ea typeface="Yu Mincho" panose="02020400000000000000" pitchFamily="18" charset="-128"/>
+                <a:cs typeface="Times New Roman" panose="02020603050405020304" pitchFamily="18" charset="0"/>
+              </a:rPr>
+              <a:t> </a:t>
+            </a:r>
+            <a:r>
+              <a:rPr lang="de-DE" sz="1100" b="1" dirty="0">
+                <a:latin typeface="Calibri" panose="020F0502020204030204" pitchFamily="34" charset="0"/>
+                <a:ea typeface="Yu Mincho" panose="02020400000000000000" pitchFamily="18" charset="-128"/>
+                <a:cs typeface="Times New Roman" panose="02020603050405020304" pitchFamily="18" charset="0"/>
+              </a:rPr>
+              <a:t>Ablauf</a:t>
+            </a:r>
+          </a:p>
+          <a:p>
+            <a:pPr marL="457200" lvl="1" indent="0">
+              <a:lnSpc>
+                <a:spcPct val="107000"/>
+              </a:lnSpc>
+              <a:buNone/>
+            </a:pPr>
+            <a:r>
+              <a:rPr lang="de-DE" sz="1000" b="0" i="0" dirty="0">
+                <a:solidFill>
+                  <a:srgbClr val="374151"/>
+                </a:solidFill>
+                <a:effectLst/>
+                <a:latin typeface="Söhne"/>
+              </a:rPr>
+              <a:t>Im Ablauf wird zunächst eine Funktion zum Abonnieren von Stadt A aufgerufen. Danach wird die Liste der Abonnenten dieser Stadt aufgerufen, um zu überprüfen ob der Benutzer bereits registriert ist. Um dies zu tun, wird der User Name des Benutzers abgeglichen und im System kontrolliert, ob er bereits in Stadt A </a:t>
+            </a:r>
+            <a:r>
+              <a:rPr lang="de-DE" sz="1000" b="0" i="0" dirty="0" err="1">
+                <a:solidFill>
+                  <a:srgbClr val="374151"/>
+                </a:solidFill>
+                <a:effectLst/>
+                <a:latin typeface="Söhne"/>
+              </a:rPr>
+              <a:t>subscribed</a:t>
+            </a:r>
+            <a:r>
+              <a:rPr lang="de-DE" sz="1000" b="0" i="0" dirty="0">
+                <a:solidFill>
+                  <a:srgbClr val="374151"/>
+                </a:solidFill>
+                <a:effectLst/>
+                <a:latin typeface="Söhne"/>
+              </a:rPr>
+              <a:t> ist.</a:t>
+            </a:r>
+            <a:endParaRPr lang="de-DE" sz="1100" dirty="0">
+              <a:effectLst/>
+              <a:latin typeface="Calibri" panose="020F0502020204030204" pitchFamily="34" charset="0"/>
+              <a:ea typeface="Yu Mincho" panose="02020400000000000000" pitchFamily="18" charset="-128"/>
+              <a:cs typeface="Times New Roman" panose="02020603050405020304" pitchFamily="18" charset="0"/>
+            </a:endParaRPr>
+          </a:p>
+          <a:p>
+            <a:pPr marL="742950" lvl="1" indent="-285750">
+              <a:lnSpc>
+                <a:spcPct val="107000"/>
+              </a:lnSpc>
+              <a:buFont typeface="Courier New" panose="02070309020205020404" pitchFamily="49" charset="0"/>
+              <a:buChar char="o"/>
+            </a:pPr>
+            <a:r>
+              <a:rPr lang="de-DE" sz="1100" b="1" dirty="0">
+                <a:effectLst/>
+                <a:latin typeface="Calibri" panose="020F0502020204030204" pitchFamily="34" charset="0"/>
+                <a:ea typeface="Yu Mincho" panose="02020400000000000000" pitchFamily="18" charset="-128"/>
+                <a:cs typeface="Times New Roman" panose="02020603050405020304" pitchFamily="18" charset="0"/>
+              </a:rPr>
+              <a:t>Exit-Kriterien</a:t>
+            </a:r>
+          </a:p>
+          <a:p>
+            <a:pPr marL="457200" lvl="1" indent="0">
+              <a:lnSpc>
+                <a:spcPct val="107000"/>
+              </a:lnSpc>
+              <a:buNone/>
+            </a:pPr>
+            <a:r>
+              <a:rPr lang="de-DE" sz="1000" b="0" i="0" dirty="0">
+                <a:solidFill>
+                  <a:srgbClr val="374151"/>
+                </a:solidFill>
+                <a:effectLst/>
+                <a:latin typeface="Söhne"/>
+              </a:rPr>
+              <a:t>Die Exit-Kriterien besagen, dass die Funktion zum Abonnieren erfolgreich aufgerufen werden konnte, der Upload des Bildes erfolgreich war und der Abgleich des Benutzernamens auf die Liste der Abonnenten von Stadt A erfolgreich durchgeführt wurde und die Kontrolle im System ergab das User A tatsächlich in Stadt A </a:t>
+            </a:r>
+            <a:r>
+              <a:rPr lang="de-DE" sz="1000" b="0" i="0" dirty="0" err="1">
+                <a:solidFill>
+                  <a:srgbClr val="374151"/>
+                </a:solidFill>
+                <a:effectLst/>
+                <a:latin typeface="Söhne"/>
+              </a:rPr>
+              <a:t>subscribed</a:t>
+            </a:r>
+            <a:r>
+              <a:rPr lang="de-DE" sz="1000" b="0" i="0" dirty="0">
+                <a:solidFill>
+                  <a:srgbClr val="374151"/>
+                </a:solidFill>
+                <a:effectLst/>
+                <a:latin typeface="Söhne"/>
+              </a:rPr>
+              <a:t> ist.</a:t>
+            </a:r>
+          </a:p>
+          <a:p>
+            <a:pPr marL="742950" lvl="1" indent="-285750">
+              <a:lnSpc>
+                <a:spcPct val="107000"/>
+              </a:lnSpc>
+              <a:buFont typeface="Courier New" panose="02070309020205020404" pitchFamily="49" charset="0"/>
+              <a:buChar char="o"/>
+            </a:pPr>
+            <a:r>
+              <a:rPr lang="de-DE" sz="1100" b="1" dirty="0">
+                <a:latin typeface="Calibri" panose="020F0502020204030204" pitchFamily="34" charset="0"/>
+                <a:ea typeface="Yu Mincho" panose="02020400000000000000" pitchFamily="18" charset="-128"/>
+                <a:cs typeface="Times New Roman" panose="02020603050405020304" pitchFamily="18" charset="0"/>
+              </a:rPr>
+              <a:t>Fail</a:t>
+            </a:r>
+            <a:r>
+              <a:rPr lang="de-DE" sz="1100" b="1" dirty="0">
+                <a:effectLst/>
+                <a:latin typeface="Calibri" panose="020F0502020204030204" pitchFamily="34" charset="0"/>
+                <a:ea typeface="Yu Mincho" panose="02020400000000000000" pitchFamily="18" charset="-128"/>
+                <a:cs typeface="Times New Roman" panose="02020603050405020304" pitchFamily="18" charset="0"/>
+              </a:rPr>
+              <a:t>-Kriterien</a:t>
+            </a:r>
+          </a:p>
+          <a:p>
+            <a:pPr marL="457200" lvl="1" indent="0">
+              <a:lnSpc>
+                <a:spcPct val="107000"/>
+              </a:lnSpc>
+              <a:buNone/>
+            </a:pPr>
+            <a:r>
+              <a:rPr lang="de-DE" sz="1100" dirty="0">
+                <a:effectLst/>
+                <a:latin typeface="Calibri" panose="020F0502020204030204" pitchFamily="34" charset="0"/>
+                <a:ea typeface="Yu Mincho" panose="02020400000000000000" pitchFamily="18" charset="-128"/>
+                <a:cs typeface="Times New Roman" panose="02020603050405020304" pitchFamily="18" charset="0"/>
+              </a:rPr>
+              <a:t>Funktion zum Abonnement konnte nicht aufgerufen werden</a:t>
+            </a:r>
+          </a:p>
+          <a:p>
+            <a:pPr marL="742950" lvl="1" indent="-285750">
+              <a:lnSpc>
+                <a:spcPct val="107000"/>
+              </a:lnSpc>
+              <a:buFont typeface="Courier New" panose="02070309020205020404" pitchFamily="49" charset="0"/>
+              <a:buChar char="o"/>
+            </a:pPr>
+            <a:r>
+              <a:rPr lang="de-DE" sz="1100" b="1" dirty="0" err="1">
+                <a:effectLst/>
+                <a:latin typeface="Calibri" panose="020F0502020204030204" pitchFamily="34" charset="0"/>
+                <a:ea typeface="Yu Mincho" panose="02020400000000000000" pitchFamily="18" charset="-128"/>
+                <a:cs typeface="Times New Roman" panose="02020603050405020304" pitchFamily="18" charset="0"/>
+              </a:rPr>
+              <a:t>Fallback</a:t>
+            </a:r>
+            <a:endParaRPr lang="de-DE" sz="1100" b="1" dirty="0">
+              <a:latin typeface="Calibri" panose="020F0502020204030204" pitchFamily="34" charset="0"/>
+              <a:ea typeface="Yu Mincho" panose="02020400000000000000" pitchFamily="18" charset="-128"/>
+              <a:cs typeface="Times New Roman" panose="02020603050405020304" pitchFamily="18" charset="0"/>
+            </a:endParaRPr>
+          </a:p>
+          <a:p>
+            <a:pPr marL="457200" lvl="1" indent="0">
+              <a:lnSpc>
+                <a:spcPct val="107000"/>
+              </a:lnSpc>
+              <a:buNone/>
+            </a:pPr>
+            <a:r>
+              <a:rPr lang="de-DE" sz="1100" b="1" dirty="0">
+                <a:effectLst/>
+                <a:latin typeface="Calibri" panose="020F0502020204030204" pitchFamily="34" charset="0"/>
+                <a:ea typeface="Yu Mincho" panose="02020400000000000000" pitchFamily="18" charset="-128"/>
+                <a:cs typeface="Times New Roman" panose="02020603050405020304" pitchFamily="18" charset="0"/>
+              </a:rPr>
+              <a:t>Eine </a:t>
+            </a:r>
+            <a:r>
+              <a:rPr lang="de-DE" sz="1100" dirty="0">
+                <a:effectLst/>
+                <a:latin typeface="Calibri" panose="020F0502020204030204" pitchFamily="34" charset="0"/>
+                <a:ea typeface="Yu Mincho" panose="02020400000000000000" pitchFamily="18" charset="-128"/>
+                <a:cs typeface="Times New Roman" panose="02020603050405020304" pitchFamily="18" charset="0"/>
+              </a:rPr>
+              <a:t>Fehlermeldung wird ausgegeben</a:t>
+            </a:r>
+          </a:p>
+          <a:p>
             <a:endParaRPr lang="de-DE" dirty="0"/>
           </a:p>
-        </p:txBody>
-      </p:sp>
-      <p:sp>
-        <p:nvSpPr>
-          <p:cNvPr id="6" name="Inhaltsplatzhalter 5">
-            <a:extLst>
-              <a:ext uri="{FF2B5EF4-FFF2-40B4-BE49-F238E27FC236}">
-                <a16:creationId xmlns:a16="http://schemas.microsoft.com/office/drawing/2014/main" id="{DF0E3F5A-7EE9-24A6-C4BF-E37D9B670A03}"/>
-              </a:ext>
-            </a:extLst>
-          </p:cNvPr>
-          <p:cNvSpPr>
-            <a:spLocks noGrp="1"/>
-          </p:cNvSpPr>
-          <p:nvPr>
-            <p:ph idx="1"/>
-          </p:nvPr>
-        </p:nvSpPr>
-        <p:spPr/>
-        <p:txBody>
-          <a:bodyPr/>
-          <a:lstStyle/>
           <a:p>
             <a:endParaRPr lang="de-DE" dirty="0"/>
           </a:p>
@@ -5755,6 +6141,397 @@
                 <a:schemeClr val="tx1"/>
               </a:solidFill>
             </a:endParaRPr>
+          </a:p>
+        </p:txBody>
+      </p:sp>
+      <p:sp>
+        <p:nvSpPr>
+          <p:cNvPr id="4" name="Inhaltsplatzhalter 5">
+            <a:extLst>
+              <a:ext uri="{FF2B5EF4-FFF2-40B4-BE49-F238E27FC236}">
+                <a16:creationId xmlns:a16="http://schemas.microsoft.com/office/drawing/2014/main" id="{2F827CAA-3CFD-225F-8C15-E299905093CD}"/>
+              </a:ext>
+            </a:extLst>
+          </p:cNvPr>
+          <p:cNvSpPr txBox="1">
+            <a:spLocks/>
+          </p:cNvSpPr>
+          <p:nvPr/>
+        </p:nvSpPr>
+        <p:spPr>
+          <a:xfrm>
+            <a:off x="6096000" y="1825625"/>
+            <a:ext cx="4589834" cy="4351338"/>
+          </a:xfrm>
+          <a:prstGeom prst="rect">
+            <a:avLst/>
+          </a:prstGeom>
+        </p:spPr>
+        <p:txBody>
+          <a:bodyPr vert="horz" lIns="91440" tIns="45720" rIns="91440" bIns="45720" rtlCol="0">
+            <a:normAutofit/>
+          </a:bodyPr>
+          <a:lstStyle>
+            <a:lvl1pPr marL="228600" indent="-228600" algn="l" defTabSz="914400" rtl="0" eaLnBrk="1" latinLnBrk="0" hangingPunct="1">
+              <a:lnSpc>
+                <a:spcPct val="90000"/>
+              </a:lnSpc>
+              <a:spcBef>
+                <a:spcPts val="1000"/>
+              </a:spcBef>
+              <a:buFont typeface="Arial" panose="020B0604020202020204" pitchFamily="34" charset="0"/>
+              <a:buChar char="•"/>
+              <a:defRPr sz="2800" kern="1200">
+                <a:solidFill>
+                  <a:schemeClr val="tx1"/>
+                </a:solidFill>
+                <a:latin typeface="+mn-lt"/>
+                <a:ea typeface="+mn-ea"/>
+                <a:cs typeface="+mn-cs"/>
+              </a:defRPr>
+            </a:lvl1pPr>
+            <a:lvl2pPr marL="685800" indent="-228600" algn="l" defTabSz="914400" rtl="0" eaLnBrk="1" latinLnBrk="0" hangingPunct="1">
+              <a:lnSpc>
+                <a:spcPct val="90000"/>
+              </a:lnSpc>
+              <a:spcBef>
+                <a:spcPts val="500"/>
+              </a:spcBef>
+              <a:buFont typeface="Arial" panose="020B0604020202020204" pitchFamily="34" charset="0"/>
+              <a:buChar char="•"/>
+              <a:defRPr sz="2400" kern="1200">
+                <a:solidFill>
+                  <a:schemeClr val="tx1"/>
+                </a:solidFill>
+                <a:latin typeface="+mn-lt"/>
+                <a:ea typeface="+mn-ea"/>
+                <a:cs typeface="+mn-cs"/>
+              </a:defRPr>
+            </a:lvl2pPr>
+            <a:lvl3pPr marL="1143000" indent="-228600" algn="l" defTabSz="914400" rtl="0" eaLnBrk="1" latinLnBrk="0" hangingPunct="1">
+              <a:lnSpc>
+                <a:spcPct val="90000"/>
+              </a:lnSpc>
+              <a:spcBef>
+                <a:spcPts val="500"/>
+              </a:spcBef>
+              <a:buFont typeface="Arial" panose="020B0604020202020204" pitchFamily="34" charset="0"/>
+              <a:buChar char="•"/>
+              <a:defRPr sz="2000" kern="1200">
+                <a:solidFill>
+                  <a:schemeClr val="tx1"/>
+                </a:solidFill>
+                <a:latin typeface="+mn-lt"/>
+                <a:ea typeface="+mn-ea"/>
+                <a:cs typeface="+mn-cs"/>
+              </a:defRPr>
+            </a:lvl3pPr>
+            <a:lvl4pPr marL="1600200" indent="-228600" algn="l" defTabSz="914400" rtl="0" eaLnBrk="1" latinLnBrk="0" hangingPunct="1">
+              <a:lnSpc>
+                <a:spcPct val="90000"/>
+              </a:lnSpc>
+              <a:spcBef>
+                <a:spcPts val="500"/>
+              </a:spcBef>
+              <a:buFont typeface="Arial" panose="020B0604020202020204" pitchFamily="34" charset="0"/>
+              <a:buChar char="•"/>
+              <a:defRPr sz="1800" kern="1200">
+                <a:solidFill>
+                  <a:schemeClr val="tx1"/>
+                </a:solidFill>
+                <a:latin typeface="+mn-lt"/>
+                <a:ea typeface="+mn-ea"/>
+                <a:cs typeface="+mn-cs"/>
+              </a:defRPr>
+            </a:lvl4pPr>
+            <a:lvl5pPr marL="2057400" indent="-228600" algn="l" defTabSz="914400" rtl="0" eaLnBrk="1" latinLnBrk="0" hangingPunct="1">
+              <a:lnSpc>
+                <a:spcPct val="90000"/>
+              </a:lnSpc>
+              <a:spcBef>
+                <a:spcPts val="500"/>
+              </a:spcBef>
+              <a:buFont typeface="Arial" panose="020B0604020202020204" pitchFamily="34" charset="0"/>
+              <a:buChar char="•"/>
+              <a:defRPr sz="1800" kern="1200">
+                <a:solidFill>
+                  <a:schemeClr val="tx1"/>
+                </a:solidFill>
+                <a:latin typeface="+mn-lt"/>
+                <a:ea typeface="+mn-ea"/>
+                <a:cs typeface="+mn-cs"/>
+              </a:defRPr>
+            </a:lvl5pPr>
+            <a:lvl6pPr marL="2514600" indent="-228600" algn="l" defTabSz="914400" rtl="0" eaLnBrk="1" latinLnBrk="0" hangingPunct="1">
+              <a:lnSpc>
+                <a:spcPct val="90000"/>
+              </a:lnSpc>
+              <a:spcBef>
+                <a:spcPts val="500"/>
+              </a:spcBef>
+              <a:buFont typeface="Arial" panose="020B0604020202020204" pitchFamily="34" charset="0"/>
+              <a:buChar char="•"/>
+              <a:defRPr sz="1800" kern="1200">
+                <a:solidFill>
+                  <a:schemeClr val="tx1"/>
+                </a:solidFill>
+                <a:latin typeface="+mn-lt"/>
+                <a:ea typeface="+mn-ea"/>
+                <a:cs typeface="+mn-cs"/>
+              </a:defRPr>
+            </a:lvl6pPr>
+            <a:lvl7pPr marL="2971800" indent="-228600" algn="l" defTabSz="914400" rtl="0" eaLnBrk="1" latinLnBrk="0" hangingPunct="1">
+              <a:lnSpc>
+                <a:spcPct val="90000"/>
+              </a:lnSpc>
+              <a:spcBef>
+                <a:spcPts val="500"/>
+              </a:spcBef>
+              <a:buFont typeface="Arial" panose="020B0604020202020204" pitchFamily="34" charset="0"/>
+              <a:buChar char="•"/>
+              <a:defRPr sz="1800" kern="1200">
+                <a:solidFill>
+                  <a:schemeClr val="tx1"/>
+                </a:solidFill>
+                <a:latin typeface="+mn-lt"/>
+                <a:ea typeface="+mn-ea"/>
+                <a:cs typeface="+mn-cs"/>
+              </a:defRPr>
+            </a:lvl7pPr>
+            <a:lvl8pPr marL="3429000" indent="-228600" algn="l" defTabSz="914400" rtl="0" eaLnBrk="1" latinLnBrk="0" hangingPunct="1">
+              <a:lnSpc>
+                <a:spcPct val="90000"/>
+              </a:lnSpc>
+              <a:spcBef>
+                <a:spcPts val="500"/>
+              </a:spcBef>
+              <a:buFont typeface="Arial" panose="020B0604020202020204" pitchFamily="34" charset="0"/>
+              <a:buChar char="•"/>
+              <a:defRPr sz="1800" kern="1200">
+                <a:solidFill>
+                  <a:schemeClr val="tx1"/>
+                </a:solidFill>
+                <a:latin typeface="+mn-lt"/>
+                <a:ea typeface="+mn-ea"/>
+                <a:cs typeface="+mn-cs"/>
+              </a:defRPr>
+            </a:lvl8pPr>
+            <a:lvl9pPr marL="3886200" indent="-228600" algn="l" defTabSz="914400" rtl="0" eaLnBrk="1" latinLnBrk="0" hangingPunct="1">
+              <a:lnSpc>
+                <a:spcPct val="90000"/>
+              </a:lnSpc>
+              <a:spcBef>
+                <a:spcPts val="500"/>
+              </a:spcBef>
+              <a:buFont typeface="Arial" panose="020B0604020202020204" pitchFamily="34" charset="0"/>
+              <a:buChar char="•"/>
+              <a:defRPr sz="1800" kern="1200">
+                <a:solidFill>
+                  <a:schemeClr val="tx1"/>
+                </a:solidFill>
+                <a:latin typeface="+mn-lt"/>
+                <a:ea typeface="+mn-ea"/>
+                <a:cs typeface="+mn-cs"/>
+              </a:defRPr>
+            </a:lvl9pPr>
+          </a:lstStyle>
+          <a:p>
+            <a:pPr marL="0" indent="0">
+              <a:lnSpc>
+                <a:spcPct val="107000"/>
+              </a:lnSpc>
+              <a:buNone/>
+            </a:pPr>
+            <a:r>
+              <a:rPr lang="de-DE" sz="1200" u="sng" dirty="0">
+                <a:latin typeface="Calibri" panose="020F0502020204030204" pitchFamily="34" charset="0"/>
+                <a:ea typeface="Yu Mincho" panose="02020400000000000000" pitchFamily="18" charset="-128"/>
+                <a:cs typeface="Times New Roman" panose="02020603050405020304" pitchFamily="18" charset="0"/>
+              </a:rPr>
+              <a:t>Pub/Sub Funktionalität - publish</a:t>
+            </a:r>
+            <a:endParaRPr lang="de-DE" sz="1100" dirty="0">
+              <a:latin typeface="Calibri" panose="020F0502020204030204" pitchFamily="34" charset="0"/>
+              <a:ea typeface="Yu Mincho" panose="02020400000000000000" pitchFamily="18" charset="-128"/>
+              <a:cs typeface="Times New Roman" panose="02020603050405020304" pitchFamily="18" charset="0"/>
+            </a:endParaRPr>
+          </a:p>
+          <a:p>
+            <a:pPr marL="742950" lvl="1" indent="-285750">
+              <a:lnSpc>
+                <a:spcPct val="107000"/>
+              </a:lnSpc>
+              <a:buFont typeface="Courier New" panose="02070309020205020404" pitchFamily="49" charset="0"/>
+              <a:buChar char="o"/>
+            </a:pPr>
+            <a:r>
+              <a:rPr lang="de-DE" sz="1100" b="1" dirty="0">
+                <a:latin typeface="Calibri" panose="020F0502020204030204" pitchFamily="34" charset="0"/>
+                <a:ea typeface="Yu Mincho" panose="02020400000000000000" pitchFamily="18" charset="-128"/>
+                <a:cs typeface="Times New Roman" panose="02020603050405020304" pitchFamily="18" charset="0"/>
+              </a:rPr>
+              <a:t>Ablauf</a:t>
+            </a:r>
+            <a:endParaRPr lang="de-DE" sz="1100" dirty="0">
+              <a:latin typeface="Calibri" panose="020F0502020204030204" pitchFamily="34" charset="0"/>
+              <a:ea typeface="Yu Mincho" panose="02020400000000000000" pitchFamily="18" charset="-128"/>
+              <a:cs typeface="Times New Roman" panose="02020603050405020304" pitchFamily="18" charset="0"/>
+            </a:endParaRPr>
+          </a:p>
+          <a:p>
+            <a:pPr marL="457200" lvl="1" indent="0">
+              <a:lnSpc>
+                <a:spcPct val="107000"/>
+              </a:lnSpc>
+              <a:buNone/>
+            </a:pPr>
+            <a:r>
+              <a:rPr lang="de-DE" sz="1000" b="0" i="0" dirty="0">
+                <a:solidFill>
+                  <a:srgbClr val="374151"/>
+                </a:solidFill>
+                <a:effectLst/>
+                <a:latin typeface="Söhne"/>
+              </a:rPr>
+              <a:t>Der Ablauf besteht darin, dass zunächst ein Bild von einem Benutzer hochgeladen wird, danach wird das System überprüft, ob eine Benachrichtigung an die Abonnenten von Stadt A gesendet wurde.</a:t>
+            </a:r>
+          </a:p>
+          <a:p>
+            <a:pPr marL="742950" lvl="1" indent="-285750">
+              <a:lnSpc>
+                <a:spcPct val="107000"/>
+              </a:lnSpc>
+              <a:buFont typeface="Courier New" panose="02070309020205020404" pitchFamily="49" charset="0"/>
+              <a:buChar char="o"/>
+            </a:pPr>
+            <a:r>
+              <a:rPr lang="de-DE" sz="1100" b="1" dirty="0">
+                <a:latin typeface="Calibri" panose="020F0502020204030204" pitchFamily="34" charset="0"/>
+                <a:ea typeface="Yu Mincho" panose="02020400000000000000" pitchFamily="18" charset="-128"/>
+                <a:cs typeface="Times New Roman" panose="02020603050405020304" pitchFamily="18" charset="0"/>
+              </a:rPr>
+              <a:t>Exit-Kriterien</a:t>
+            </a:r>
+          </a:p>
+          <a:p>
+            <a:pPr marL="457200" lvl="1" indent="0">
+              <a:lnSpc>
+                <a:spcPct val="107000"/>
+              </a:lnSpc>
+              <a:buNone/>
+            </a:pPr>
+            <a:r>
+              <a:rPr lang="de-DE" sz="1000" b="0" i="0" dirty="0">
+                <a:solidFill>
+                  <a:srgbClr val="374151"/>
+                </a:solidFill>
+                <a:effectLst/>
+                <a:latin typeface="Söhne"/>
+              </a:rPr>
+              <a:t>Die Exit-Kriterien besagen das die Funktion zum Abonnieren erfolgreich aufgerufen werden konnte, der Upload des Bildes erfolgreich war und die Benachrichtigung das es einen neuen Beitrag gab erfolgreich vermittelt wurde.</a:t>
+            </a:r>
+            <a:endParaRPr lang="de-DE" sz="1100" dirty="0">
+              <a:latin typeface="Calibri" panose="020F0502020204030204" pitchFamily="34" charset="0"/>
+              <a:ea typeface="Yu Mincho" panose="02020400000000000000" pitchFamily="18" charset="-128"/>
+              <a:cs typeface="Times New Roman" panose="02020603050405020304" pitchFamily="18" charset="0"/>
+            </a:endParaRPr>
+          </a:p>
+          <a:p>
+            <a:pPr marL="742950" lvl="1" indent="-285750">
+              <a:lnSpc>
+                <a:spcPct val="107000"/>
+              </a:lnSpc>
+              <a:buFont typeface="Courier New" panose="02070309020205020404" pitchFamily="49" charset="0"/>
+              <a:buChar char="o"/>
+            </a:pPr>
+            <a:r>
+              <a:rPr lang="de-DE" sz="1100" b="1" dirty="0">
+                <a:latin typeface="Calibri" panose="020F0502020204030204" pitchFamily="34" charset="0"/>
+                <a:ea typeface="Yu Mincho" panose="02020400000000000000" pitchFamily="18" charset="-128"/>
+                <a:cs typeface="Times New Roman" panose="02020603050405020304" pitchFamily="18" charset="0"/>
+              </a:rPr>
+              <a:t>Fail-Kriterien</a:t>
+            </a:r>
+            <a:endParaRPr lang="de-DE" sz="1100" dirty="0">
+              <a:latin typeface="Calibri" panose="020F0502020204030204" pitchFamily="34" charset="0"/>
+              <a:ea typeface="Yu Mincho" panose="02020400000000000000" pitchFamily="18" charset="-128"/>
+              <a:cs typeface="Times New Roman" panose="02020603050405020304" pitchFamily="18" charset="0"/>
+            </a:endParaRPr>
+          </a:p>
+          <a:p>
+            <a:pPr marL="457200" lvl="1" indent="0">
+              <a:lnSpc>
+                <a:spcPct val="107000"/>
+              </a:lnSpc>
+              <a:buNone/>
+            </a:pPr>
+            <a:r>
+              <a:rPr lang="de-DE" sz="1000" b="0" i="0" dirty="0">
+                <a:solidFill>
+                  <a:srgbClr val="374151"/>
+                </a:solidFill>
+                <a:effectLst/>
+                <a:latin typeface="Söhne"/>
+              </a:rPr>
+              <a:t>Die Fail-Kriterien besagen, dass die Funktion zum Abonnieren nicht aufgerufen werden konnte, die Benachrichtigung über den neuen Beitrag nicht vermittelt werden konnte und das hochgeladene Bild nicht aufgerufen werden kann</a:t>
+            </a:r>
+            <a:endParaRPr lang="de-DE" sz="1100" b="1" dirty="0">
+              <a:latin typeface="Calibri" panose="020F0502020204030204" pitchFamily="34" charset="0"/>
+              <a:ea typeface="Yu Mincho" panose="02020400000000000000" pitchFamily="18" charset="-128"/>
+              <a:cs typeface="Times New Roman" panose="02020603050405020304" pitchFamily="18" charset="0"/>
+            </a:endParaRPr>
+          </a:p>
+          <a:p>
+            <a:pPr marL="742950" lvl="1" indent="-285750">
+              <a:lnSpc>
+                <a:spcPct val="107000"/>
+              </a:lnSpc>
+              <a:buFont typeface="Courier New" panose="02070309020205020404" pitchFamily="49" charset="0"/>
+              <a:buChar char="o"/>
+            </a:pPr>
+            <a:r>
+              <a:rPr lang="de-DE" sz="1100" b="1" dirty="0" err="1">
+                <a:latin typeface="Calibri" panose="020F0502020204030204" pitchFamily="34" charset="0"/>
+                <a:ea typeface="Yu Mincho" panose="02020400000000000000" pitchFamily="18" charset="-128"/>
+                <a:cs typeface="Times New Roman" panose="02020603050405020304" pitchFamily="18" charset="0"/>
+              </a:rPr>
+              <a:t>Fallback</a:t>
+            </a:r>
+            <a:endParaRPr lang="de-DE" sz="1100" b="1" dirty="0">
+              <a:latin typeface="Calibri" panose="020F0502020204030204" pitchFamily="34" charset="0"/>
+              <a:ea typeface="Yu Mincho" panose="02020400000000000000" pitchFamily="18" charset="-128"/>
+              <a:cs typeface="Times New Roman" panose="02020603050405020304" pitchFamily="18" charset="0"/>
+            </a:endParaRPr>
+          </a:p>
+          <a:p>
+            <a:pPr marL="457200" lvl="1" indent="0">
+              <a:lnSpc>
+                <a:spcPct val="107000"/>
+              </a:lnSpc>
+              <a:buNone/>
+            </a:pPr>
+            <a:r>
+              <a:rPr lang="de-DE" sz="1100" b="1" dirty="0">
+                <a:latin typeface="Calibri" panose="020F0502020204030204" pitchFamily="34" charset="0"/>
+                <a:ea typeface="Yu Mincho" panose="02020400000000000000" pitchFamily="18" charset="-128"/>
+                <a:cs typeface="Times New Roman" panose="02020603050405020304" pitchFamily="18" charset="0"/>
+              </a:rPr>
+              <a:t>Keine</a:t>
+            </a:r>
+            <a:r>
+              <a:rPr lang="de-DE" sz="1100" dirty="0">
+                <a:latin typeface="Calibri" panose="020F0502020204030204" pitchFamily="34" charset="0"/>
+                <a:ea typeface="Yu Mincho" panose="02020400000000000000" pitchFamily="18" charset="-128"/>
+                <a:cs typeface="Times New Roman" panose="02020603050405020304" pitchFamily="18" charset="0"/>
+              </a:rPr>
+              <a:t> </a:t>
+            </a:r>
+          </a:p>
+          <a:p>
+            <a:endParaRPr lang="de-DE" dirty="0"/>
+          </a:p>
+          <a:p>
+            <a:endParaRPr lang="de-DE" dirty="0"/>
           </a:p>
         </p:txBody>
       </p:sp>
@@ -5809,6 +6586,14 @@
           <a:bodyPr/>
           <a:lstStyle/>
           <a:p>
+            <a:r>
+              <a:rPr lang="de-DE" dirty="0"/>
+              <a:t>User-</a:t>
+            </a:r>
+            <a:r>
+              <a:rPr lang="de-DE" dirty="0" err="1"/>
+              <a:t>Profiles</a:t>
+            </a:r>
             <a:endParaRPr lang="de-DE" dirty="0"/>
           </a:p>
         </p:txBody>
@@ -5926,7 +6711,10 @@
           <a:bodyPr/>
           <a:lstStyle/>
           <a:p>
-            <a:endParaRPr lang="de-DE" dirty="0"/>
+            <a:r>
+              <a:rPr lang="de-DE" dirty="0"/>
+              <a:t>Use-Cases</a:t>
+            </a:r>
           </a:p>
         </p:txBody>
       </p:sp>

--- a/Audits/EPWS2223HausenKochZimmer Audit 3.pptx
+++ b/Audits/EPWS2223HausenKochZimmer Audit 3.pptx
@@ -13,10 +13,10 @@
   <p:sldIdLst>
     <p:sldId id="256" r:id="rId2"/>
     <p:sldId id="257" r:id="rId3"/>
-    <p:sldId id="258" r:id="rId4"/>
-    <p:sldId id="260" r:id="rId5"/>
-    <p:sldId id="259" r:id="rId6"/>
-    <p:sldId id="261" r:id="rId7"/>
+    <p:sldId id="261" r:id="rId4"/>
+    <p:sldId id="258" r:id="rId5"/>
+    <p:sldId id="260" r:id="rId6"/>
+    <p:sldId id="259" r:id="rId7"/>
     <p:sldId id="262" r:id="rId8"/>
     <p:sldId id="263" r:id="rId9"/>
     <p:sldId id="264" r:id="rId10"/>
@@ -126,10 +126,10 @@
           <p14:sldIdLst>
             <p14:sldId id="256"/>
             <p14:sldId id="257"/>
+            <p14:sldId id="261"/>
             <p14:sldId id="258"/>
             <p14:sldId id="260"/>
             <p14:sldId id="259"/>
-            <p14:sldId id="261"/>
             <p14:sldId id="262"/>
             <p14:sldId id="263"/>
             <p14:sldId id="264"/>
@@ -239,7 +239,7 @@
           <a:p>
             <a:fld id="{14D7B175-9C0D-422E-AF9B-B2B60FEC5750}" type="datetimeFigureOut">
               <a:rPr lang="de-DE" smtClean="0"/>
-              <a:t>11.01.2023</a:t>
+              <a:t>12.01.2023</a:t>
             </a:fld>
             <a:endParaRPr lang="de-DE"/>
           </a:p>
@@ -417,7 +417,7 @@
           <a:p>
             <a:fld id="{331B08D1-1B10-48CA-BD23-DF971FF342A1}" type="datetimeFigureOut">
               <a:rPr lang="de-DE" smtClean="0"/>
-              <a:t>11.01.2023</a:t>
+              <a:t>12.01.2023</a:t>
             </a:fld>
             <a:endParaRPr lang="de-DE"/>
           </a:p>
@@ -981,127 +981,160 @@
           <a:bodyPr/>
           <a:lstStyle/>
           <a:p>
-            <a:pPr marL="0" marR="0" lvl="0" indent="0" algn="l" defTabSz="914400" rtl="0" eaLnBrk="1" fontAlgn="auto" latinLnBrk="0" hangingPunct="1">
-              <a:lnSpc>
-                <a:spcPct val="100000"/>
-              </a:lnSpc>
-              <a:spcBef>
-                <a:spcPts val="0"/>
-              </a:spcBef>
-              <a:spcAft>
-                <a:spcPts val="0"/>
-              </a:spcAft>
-              <a:buClrTx/>
-              <a:buSzTx/>
-              <a:buFontTx/>
-              <a:buNone/>
-              <a:tabLst/>
-              <a:defRPr/>
-            </a:pPr>
-            <a:r>
-              <a:rPr lang="de-DE" b="0" i="0" dirty="0">
-                <a:solidFill>
-                  <a:srgbClr val="374151"/>
-                </a:solidFill>
-                <a:effectLst/>
-                <a:latin typeface="Söhne"/>
-              </a:rPr>
-              <a:t>Dieser Code implementiert eine Pub/Sub-Funktionalität für eine Android-App. Es gibt zwei Schaltflächen in der Benutzeroberfläche, eine zum Abonnieren (</a:t>
-            </a:r>
-            <a:r>
-              <a:rPr lang="de-DE" b="0" i="0" dirty="0" err="1">
-                <a:solidFill>
-                  <a:srgbClr val="374151"/>
-                </a:solidFill>
-                <a:effectLst/>
-                <a:latin typeface="Söhne"/>
-              </a:rPr>
-              <a:t>subscribe</a:t>
-            </a:r>
-            <a:r>
-              <a:rPr lang="de-DE" b="0" i="0" dirty="0">
-                <a:solidFill>
-                  <a:srgbClr val="374151"/>
-                </a:solidFill>
-                <a:effectLst/>
-                <a:latin typeface="Söhne"/>
-              </a:rPr>
-              <a:t>) und eine zum Veröffentlichen (publish). Beim Klicken auf die Schaltfläche „</a:t>
-            </a:r>
-            <a:r>
-              <a:rPr lang="de-DE" b="0" i="0" dirty="0" err="1">
-                <a:solidFill>
-                  <a:srgbClr val="374151"/>
-                </a:solidFill>
-                <a:effectLst/>
-                <a:latin typeface="Söhne"/>
-              </a:rPr>
-              <a:t>Subscribe</a:t>
-            </a:r>
-            <a:r>
-              <a:rPr lang="de-DE" b="0" i="0" dirty="0">
-                <a:solidFill>
-                  <a:srgbClr val="374151"/>
-                </a:solidFill>
-                <a:effectLst/>
-                <a:latin typeface="Söhne"/>
-              </a:rPr>
-              <a:t>" wird geprüft, ob der Benutzername bereits in der Liste der Abonnenten enthalten ist. Wenn nicht, wird der Benutzername zur Liste hinzugefügt. Wenn der Benutzername bereits in der Liste vorhanden ist, wird er aus der Liste entfernt und eine Meldung „</a:t>
-            </a:r>
-            <a:r>
-              <a:rPr lang="de-DE" b="0" i="0" dirty="0" err="1">
-                <a:solidFill>
-                  <a:srgbClr val="374151"/>
-                </a:solidFill>
-                <a:effectLst/>
-                <a:latin typeface="Söhne"/>
-              </a:rPr>
-              <a:t>Unsubscribed</a:t>
-            </a:r>
-            <a:r>
-              <a:rPr lang="de-DE" b="0" i="0" dirty="0">
-                <a:solidFill>
-                  <a:srgbClr val="374151"/>
-                </a:solidFill>
-                <a:effectLst/>
-                <a:latin typeface="Söhne"/>
-              </a:rPr>
-              <a:t>" angezeigt. Beim Klicken auf die Schaltfläche "Veröffentlichen" soll ein Abonnent die Möglichkeit haben, ein Bild zu einer  Stadt hochzuladen und anschließend werden alle Abonnenten in der Liste benachrichtigt. Wenn ein User nicht </a:t>
-            </a:r>
-            <a:r>
-              <a:rPr lang="de-DE" b="0" i="0" dirty="0" err="1">
-                <a:solidFill>
-                  <a:srgbClr val="374151"/>
-                </a:solidFill>
-                <a:effectLst/>
-                <a:latin typeface="Söhne"/>
-              </a:rPr>
-              <a:t>subscribed</a:t>
-            </a:r>
-            <a:r>
-              <a:rPr lang="de-DE" b="0" i="0" dirty="0">
-                <a:solidFill>
-                  <a:srgbClr val="374151"/>
-                </a:solidFill>
-                <a:effectLst/>
-                <a:latin typeface="Söhne"/>
-              </a:rPr>
-              <a:t> ist, hat er nicht die Möglichkeit, ein Bild zu einer </a:t>
-            </a:r>
-            <a:r>
-              <a:rPr lang="de-DE" b="0" i="0">
-                <a:solidFill>
-                  <a:srgbClr val="374151"/>
-                </a:solidFill>
-                <a:effectLst/>
-                <a:latin typeface="Söhne"/>
-              </a:rPr>
-              <a:t>Stadt hochzuladen.</a:t>
-            </a:r>
-            <a:endParaRPr lang="de-DE" dirty="0"/>
-          </a:p>
-          <a:p>
-            <a:endParaRPr lang="de-DE" dirty="0"/>
+            <a:r>
+              <a:rPr lang="de-DE" dirty="0"/>
+              <a:t>Upload eines Bildes</a:t>
+            </a:r>
+          </a:p>
+          <a:p>
+            <a:r>
+              <a:rPr lang="de-DE" dirty="0"/>
+              <a:t>Ablauf: Beim diesem POC ist geplant, dass er neben der Verarbeitung der gängigen </a:t>
+            </a:r>
+            <a:r>
+              <a:rPr lang="de-DE" dirty="0" err="1"/>
+              <a:t>Bildatei</a:t>
+            </a:r>
+            <a:r>
+              <a:rPr lang="de-DE" dirty="0"/>
+              <a:t> ebenso einige der für das System relevanten Metadaten der digitalisierten </a:t>
+            </a:r>
+            <a:r>
+              <a:rPr lang="de-DE" dirty="0" err="1"/>
+              <a:t>Bildatei</a:t>
+            </a:r>
+            <a:r>
+              <a:rPr lang="de-DE" dirty="0"/>
+              <a:t> verarbeitet. Als gängige </a:t>
+            </a:r>
+            <a:r>
+              <a:rPr lang="de-DE" dirty="0" err="1"/>
+              <a:t>Bildateien</a:t>
+            </a:r>
+            <a:r>
+              <a:rPr lang="de-DE" dirty="0"/>
+              <a:t> sind uns </a:t>
+            </a:r>
+            <a:r>
+              <a:rPr lang="de-DE" dirty="0" err="1"/>
+              <a:t>png</a:t>
+            </a:r>
+            <a:r>
+              <a:rPr lang="de-DE" dirty="0"/>
+              <a:t>, </a:t>
+            </a:r>
+            <a:r>
+              <a:rPr lang="de-DE" dirty="0" err="1"/>
+              <a:t>jpeg</a:t>
+            </a:r>
+            <a:r>
+              <a:rPr lang="de-DE" dirty="0"/>
+              <a:t> sowie </a:t>
+            </a:r>
+            <a:r>
+              <a:rPr lang="de-DE" dirty="0" err="1"/>
+              <a:t>webp</a:t>
+            </a:r>
+            <a:r>
+              <a:rPr lang="de-DE" dirty="0"/>
+              <a:t> geläufig und bei Recherchen zu Bildverarbeitung durch </a:t>
+            </a:r>
+            <a:r>
+              <a:rPr lang="de-DE" dirty="0" err="1"/>
+              <a:t>Kotlin</a:t>
+            </a:r>
+            <a:r>
+              <a:rPr lang="de-DE" dirty="0"/>
+              <a:t>, haben wir diese Formate als </a:t>
+            </a:r>
+            <a:r>
+              <a:rPr lang="de-DE" dirty="0" err="1"/>
+              <a:t>standart</a:t>
+            </a:r>
+            <a:r>
+              <a:rPr lang="de-DE" dirty="0"/>
+              <a:t> verarbeitbare Formate Identifiziert. Als relevante Metadaten haben wir die Auflösung, Bildformat, Uploader identifiziert, diese dienen vor allem zur Qualitätskontrolle, zum Verarbeiten und zum Zuordnen.</a:t>
+            </a:r>
+          </a:p>
+          <a:p>
+            <a:r>
+              <a:rPr lang="de-DE" dirty="0"/>
+              <a:t>Exit-Kriterien, Fail- Kriterien: Ergeben sich aus dem Ablauf des POCs</a:t>
+            </a:r>
+          </a:p>
+          <a:p>
+            <a:r>
+              <a:rPr lang="de-DE" dirty="0" err="1"/>
+              <a:t>Fallback</a:t>
+            </a:r>
+            <a:r>
+              <a:rPr lang="de-DE" dirty="0"/>
+              <a:t>: Der </a:t>
+            </a:r>
+            <a:r>
+              <a:rPr lang="de-DE" dirty="0" err="1"/>
+              <a:t>Fallback</a:t>
+            </a:r>
+            <a:r>
+              <a:rPr lang="de-DE" dirty="0"/>
+              <a:t> des </a:t>
+            </a:r>
+            <a:r>
+              <a:rPr lang="de-DE" dirty="0" err="1"/>
+              <a:t>Bilderuplads</a:t>
+            </a:r>
+            <a:r>
+              <a:rPr lang="de-DE" dirty="0"/>
+              <a:t> per Fehlermeldung soll es ermöglichen das der User immer sein Upload aus seiner Sicht erledigen kann oder wenn nötig weiß das er dies z.B. später ohne Probleme erledigen kann. Das System kann bei Störungen nicht auf alternative Funktionalitäten zurückgreifen, da der Upload als Kernfunktionalität nicht angemessen genug ersetzt werden könnte.</a:t>
+            </a:r>
+          </a:p>
+          <a:p>
+            <a:r>
+              <a:rPr lang="de-DE" dirty="0"/>
+              <a:t>Ein Fehler beim verarbeiten der Metadaten der Bilder darf den wesentlich wichtigeren Ablauf des POC nicht stören, da diese wenn nötig auch zu einem späteren Zeitpunkt ergänzt werden können.</a:t>
+            </a:r>
+          </a:p>
+          <a:p>
+            <a:r>
+              <a:rPr lang="de-DE" dirty="0"/>
+              <a:t>Die Begrenzung der </a:t>
+            </a:r>
+            <a:r>
+              <a:rPr lang="de-DE" dirty="0" err="1"/>
+              <a:t>Uploadbaren</a:t>
+            </a:r>
+            <a:r>
+              <a:rPr lang="de-DE" dirty="0"/>
+              <a:t> </a:t>
+            </a:r>
+            <a:r>
+              <a:rPr lang="de-DE" dirty="0" err="1"/>
+              <a:t>Bilformate</a:t>
+            </a:r>
+            <a:r>
+              <a:rPr lang="de-DE" dirty="0"/>
+              <a:t> auf z.B. nur </a:t>
+            </a:r>
+            <a:r>
+              <a:rPr lang="de-DE" dirty="0" err="1"/>
+              <a:t>jpq</a:t>
+            </a:r>
+            <a:r>
+              <a:rPr lang="de-DE" dirty="0"/>
+              <a:t> ist eine Option um die Funktionalität zusichern, würde aber auch die User Experimente negativ einfließen.</a:t>
+            </a:r>
+          </a:p>
+          <a:p>
+            <a:r>
+              <a:rPr lang="de-DE" dirty="0"/>
+              <a:t>Aufruf eines gespeicherten Bildes</a:t>
+            </a:r>
+          </a:p>
+          <a:p>
+            <a:r>
+              <a:rPr lang="de-DE" dirty="0"/>
+              <a:t>Bei diesem POC soll sichergestellt werden das die User des User-Contents eine entsprechende Anzeige erhalten, um eine Irritation zu verhindern. </a:t>
+            </a:r>
           </a:p>
         </p:txBody>
       </p:sp>
@@ -1131,7 +1164,7 @@
     </p:spTree>
     <p:extLst>
       <p:ext uri="{BB962C8B-B14F-4D97-AF65-F5344CB8AC3E}">
-        <p14:creationId xmlns:p14="http://schemas.microsoft.com/office/powerpoint/2010/main" val="2321389857"/>
+        <p14:creationId xmlns:p14="http://schemas.microsoft.com/office/powerpoint/2010/main" val="2618932596"/>
       </p:ext>
     </p:extLst>
   </p:cSld>
@@ -1185,6 +1218,126 @@
           <a:bodyPr/>
           <a:lstStyle/>
           <a:p>
+            <a:pPr marL="0" marR="0" lvl="0" indent="0" algn="l" defTabSz="914400" rtl="0" eaLnBrk="1" fontAlgn="auto" latinLnBrk="0" hangingPunct="1">
+              <a:lnSpc>
+                <a:spcPct val="100000"/>
+              </a:lnSpc>
+              <a:spcBef>
+                <a:spcPts val="0"/>
+              </a:spcBef>
+              <a:spcAft>
+                <a:spcPts val="0"/>
+              </a:spcAft>
+              <a:buClrTx/>
+              <a:buSzTx/>
+              <a:buFontTx/>
+              <a:buNone/>
+              <a:tabLst/>
+              <a:defRPr/>
+            </a:pPr>
+            <a:r>
+              <a:rPr lang="de-DE" b="0" i="0" dirty="0">
+                <a:solidFill>
+                  <a:srgbClr val="374151"/>
+                </a:solidFill>
+                <a:effectLst/>
+                <a:latin typeface="Söhne"/>
+              </a:rPr>
+              <a:t>Dieser Code implementiert eine Pub/Sub-Funktionalität für eine Android-App. Es gibt zwei Schaltflächen in der Benutzeroberfläche, eine zum Abonnieren (</a:t>
+            </a:r>
+            <a:r>
+              <a:rPr lang="de-DE" b="0" i="0" dirty="0" err="1">
+                <a:solidFill>
+                  <a:srgbClr val="374151"/>
+                </a:solidFill>
+                <a:effectLst/>
+                <a:latin typeface="Söhne"/>
+              </a:rPr>
+              <a:t>subscribe</a:t>
+            </a:r>
+            <a:r>
+              <a:rPr lang="de-DE" b="0" i="0" dirty="0">
+                <a:solidFill>
+                  <a:srgbClr val="374151"/>
+                </a:solidFill>
+                <a:effectLst/>
+                <a:latin typeface="Söhne"/>
+              </a:rPr>
+              <a:t>) und eine zum Veröffentlichen (publish). Beim Klicken auf die Schaltfläche „</a:t>
+            </a:r>
+            <a:r>
+              <a:rPr lang="de-DE" b="0" i="0" dirty="0" err="1">
+                <a:solidFill>
+                  <a:srgbClr val="374151"/>
+                </a:solidFill>
+                <a:effectLst/>
+                <a:latin typeface="Söhne"/>
+              </a:rPr>
+              <a:t>Subscribe</a:t>
+            </a:r>
+            <a:r>
+              <a:rPr lang="de-DE" b="0" i="0" dirty="0">
+                <a:solidFill>
+                  <a:srgbClr val="374151"/>
+                </a:solidFill>
+                <a:effectLst/>
+                <a:latin typeface="Söhne"/>
+              </a:rPr>
+              <a:t>" wird geprüft, ob der Benutzername bereits in der Liste der Abonnenten enthalten ist. Wenn nicht, wird der Benutzername zur Liste hinzugefügt. Wenn der Benutzername bereits in der Liste vorhanden ist, wird er aus der Liste entfernt und eine Meldung „</a:t>
+            </a:r>
+            <a:r>
+              <a:rPr lang="de-DE" b="0" i="0" dirty="0" err="1">
+                <a:solidFill>
+                  <a:srgbClr val="374151"/>
+                </a:solidFill>
+                <a:effectLst/>
+                <a:latin typeface="Söhne"/>
+              </a:rPr>
+              <a:t>Unsubscribed</a:t>
+            </a:r>
+            <a:r>
+              <a:rPr lang="de-DE" b="0" i="0" dirty="0">
+                <a:solidFill>
+                  <a:srgbClr val="374151"/>
+                </a:solidFill>
+                <a:effectLst/>
+                <a:latin typeface="Söhne"/>
+              </a:rPr>
+              <a:t>" angezeigt. Beim Klicken auf die Schaltfläche "Veröffentlichen" soll ein Abonnent die Möglichkeit haben, ein Bild zu einer  Stadt hochzuladen und anschließend werden alle Abonnenten in der Liste benachrichtigt. Wenn ein User nicht </a:t>
+            </a:r>
+            <a:r>
+              <a:rPr lang="de-DE" b="0" i="0" dirty="0" err="1">
+                <a:solidFill>
+                  <a:srgbClr val="374151"/>
+                </a:solidFill>
+                <a:effectLst/>
+                <a:latin typeface="Söhne"/>
+              </a:rPr>
+              <a:t>subscribed</a:t>
+            </a:r>
+            <a:r>
+              <a:rPr lang="de-DE" b="0" i="0" dirty="0">
+                <a:solidFill>
+                  <a:srgbClr val="374151"/>
+                </a:solidFill>
+                <a:effectLst/>
+                <a:latin typeface="Söhne"/>
+              </a:rPr>
+              <a:t> ist, hat er nicht die Möglichkeit, ein Bild zu einer </a:t>
+            </a:r>
+            <a:r>
+              <a:rPr lang="de-DE" b="0" i="0">
+                <a:solidFill>
+                  <a:srgbClr val="374151"/>
+                </a:solidFill>
+                <a:effectLst/>
+                <a:latin typeface="Söhne"/>
+              </a:rPr>
+              <a:t>Stadt hochzuladen.</a:t>
+            </a:r>
+            <a:endParaRPr lang="de-DE" dirty="0"/>
+          </a:p>
+          <a:p>
             <a:endParaRPr lang="de-DE" dirty="0"/>
           </a:p>
         </p:txBody>
@@ -1215,7 +1368,7 @@
     </p:spTree>
     <p:extLst>
       <p:ext uri="{BB962C8B-B14F-4D97-AF65-F5344CB8AC3E}">
-        <p14:creationId xmlns:p14="http://schemas.microsoft.com/office/powerpoint/2010/main" val="3745376474"/>
+        <p14:creationId xmlns:p14="http://schemas.microsoft.com/office/powerpoint/2010/main" val="2321389857"/>
       </p:ext>
     </p:extLst>
   </p:cSld>
@@ -1299,7 +1452,7 @@
     </p:spTree>
     <p:extLst>
       <p:ext uri="{BB962C8B-B14F-4D97-AF65-F5344CB8AC3E}">
-        <p14:creationId xmlns:p14="http://schemas.microsoft.com/office/powerpoint/2010/main" val="1653405182"/>
+        <p14:creationId xmlns:p14="http://schemas.microsoft.com/office/powerpoint/2010/main" val="3745376474"/>
       </p:ext>
     </p:extLst>
   </p:cSld>
@@ -1383,7 +1536,7 @@
     </p:spTree>
     <p:extLst>
       <p:ext uri="{BB962C8B-B14F-4D97-AF65-F5344CB8AC3E}">
-        <p14:creationId xmlns:p14="http://schemas.microsoft.com/office/powerpoint/2010/main" val="2618932596"/>
+        <p14:creationId xmlns:p14="http://schemas.microsoft.com/office/powerpoint/2010/main" val="1653405182"/>
       </p:ext>
     </p:extLst>
   </p:cSld>
@@ -1792,7 +1945,7 @@
           <a:p>
             <a:fld id="{ED1BC4C9-1A13-4EE7-AF10-A080FF9505FC}" type="datetime1">
               <a:rPr lang="de-DE" smtClean="0"/>
-              <a:t>11.01.2023</a:t>
+              <a:t>12.01.2023</a:t>
             </a:fld>
             <a:endParaRPr lang="de-DE"/>
           </a:p>
@@ -1990,7 +2143,7 @@
           <a:p>
             <a:fld id="{6C2AB422-32FC-42F3-9689-2B0D08DB4456}" type="datetime1">
               <a:rPr lang="de-DE" smtClean="0"/>
-              <a:t>11.01.2023</a:t>
+              <a:t>12.01.2023</a:t>
             </a:fld>
             <a:endParaRPr lang="de-DE"/>
           </a:p>
@@ -2198,7 +2351,7 @@
           <a:p>
             <a:fld id="{C1537AD8-4C02-4B23-A319-CD41525F0575}" type="datetime1">
               <a:rPr lang="de-DE" smtClean="0"/>
-              <a:t>11.01.2023</a:t>
+              <a:t>12.01.2023</a:t>
             </a:fld>
             <a:endParaRPr lang="de-DE"/>
           </a:p>
@@ -2396,7 +2549,7 @@
           <a:p>
             <a:fld id="{2542ACB1-0C11-4D97-B345-5791D5AFEBBD}" type="datetime1">
               <a:rPr lang="de-DE" smtClean="0"/>
-              <a:t>11.01.2023</a:t>
+              <a:t>12.01.2023</a:t>
             </a:fld>
             <a:endParaRPr lang="de-DE"/>
           </a:p>
@@ -2671,7 +2824,7 @@
           <a:p>
             <a:fld id="{CF8A9434-0CF4-4502-AC01-E50C47A78749}" type="datetime1">
               <a:rPr lang="de-DE" smtClean="0"/>
-              <a:t>11.01.2023</a:t>
+              <a:t>12.01.2023</a:t>
             </a:fld>
             <a:endParaRPr lang="de-DE"/>
           </a:p>
@@ -2936,7 +3089,7 @@
           <a:p>
             <a:fld id="{1C66BAD7-5AD9-4620-853F-EAED5CE5CCA9}" type="datetime1">
               <a:rPr lang="de-DE" smtClean="0"/>
-              <a:t>11.01.2023</a:t>
+              <a:t>12.01.2023</a:t>
             </a:fld>
             <a:endParaRPr lang="de-DE"/>
           </a:p>
@@ -3353,7 +3506,7 @@
           <a:p>
             <a:fld id="{F97251B6-C000-4B8B-8F25-F55B863C7B50}" type="datetime1">
               <a:rPr lang="de-DE" smtClean="0"/>
-              <a:t>11.01.2023</a:t>
+              <a:t>12.01.2023</a:t>
             </a:fld>
             <a:endParaRPr lang="de-DE"/>
           </a:p>
@@ -3499,7 +3652,7 @@
           <a:p>
             <a:fld id="{D7BA6ECB-C460-4FAF-AB91-F9078068F532}" type="datetime1">
               <a:rPr lang="de-DE" smtClean="0"/>
-              <a:t>11.01.2023</a:t>
+              <a:t>12.01.2023</a:t>
             </a:fld>
             <a:endParaRPr lang="de-DE"/>
           </a:p>
@@ -3612,7 +3765,7 @@
           <a:p>
             <a:fld id="{D1F6BFF4-EBC5-41EE-80C5-C44105A7A9B4}" type="datetime1">
               <a:rPr lang="de-DE" smtClean="0"/>
-              <a:t>11.01.2023</a:t>
+              <a:t>12.01.2023</a:t>
             </a:fld>
             <a:endParaRPr lang="de-DE"/>
           </a:p>
@@ -3923,7 +4076,7 @@
           <a:p>
             <a:fld id="{FEDC9D51-5166-4312-BA3B-571CE0B8ECE6}" type="datetime1">
               <a:rPr lang="de-DE" smtClean="0"/>
-              <a:t>11.01.2023</a:t>
+              <a:t>12.01.2023</a:t>
             </a:fld>
             <a:endParaRPr lang="de-DE"/>
           </a:p>
@@ -4216,7 +4369,7 @@
           <a:p>
             <a:fld id="{0D75F604-7643-422C-9716-5D15F8DAA7CB}" type="datetime1">
               <a:rPr lang="de-DE" smtClean="0"/>
-              <a:t>11.01.2023</a:t>
+              <a:t>12.01.2023</a:t>
             </a:fld>
             <a:endParaRPr lang="de-DE"/>
           </a:p>
@@ -4499,7 +4652,7 @@
           <a:p>
             <a:fld id="{EAE11A2B-C0F6-4A44-84BB-6682D02704B4}" type="datetime1">
               <a:rPr lang="de-DE" smtClean="0"/>
-              <a:t>11.01.2023</a:t>
+              <a:t>12.01.2023</a:t>
             </a:fld>
             <a:endParaRPr lang="de-DE"/>
           </a:p>
@@ -5814,6 +5967,826 @@
             <a:pPr algn="ctr"/>
             <a:r>
               <a:rPr lang="de-DE" dirty="0"/>
+              <a:t>POC Bildaufruf/-abruf</a:t>
+            </a:r>
+          </a:p>
+        </p:txBody>
+      </p:sp>
+      <p:sp>
+        <p:nvSpPr>
+          <p:cNvPr id="3" name="Inhaltsplatzhalter 2">
+            <a:extLst>
+              <a:ext uri="{FF2B5EF4-FFF2-40B4-BE49-F238E27FC236}">
+                <a16:creationId xmlns:a16="http://schemas.microsoft.com/office/drawing/2014/main" id="{26828B3D-0288-9D01-3FAB-ED2A638AE90B}"/>
+              </a:ext>
+            </a:extLst>
+          </p:cNvPr>
+          <p:cNvSpPr>
+            <a:spLocks noGrp="1"/>
+          </p:cNvSpPr>
+          <p:nvPr>
+            <p:ph sz="half" idx="1"/>
+          </p:nvPr>
+        </p:nvSpPr>
+        <p:spPr>
+          <a:xfrm>
+            <a:off x="838200" y="1825625"/>
+            <a:ext cx="5181600" cy="4769728"/>
+          </a:xfrm>
+        </p:spPr>
+        <p:txBody>
+          <a:bodyPr>
+            <a:normAutofit fontScale="92500" lnSpcReduction="20000"/>
+          </a:bodyPr>
+          <a:lstStyle/>
+          <a:p>
+            <a:pPr marL="342900" lvl="0" indent="-342900">
+              <a:lnSpc>
+                <a:spcPct val="107000"/>
+              </a:lnSpc>
+              <a:buFont typeface="Symbol" panose="05050102010706020507" pitchFamily="18" charset="2"/>
+              <a:buChar char=""/>
+            </a:pPr>
+            <a:r>
+              <a:rPr lang="de-DE" sz="1200" u="sng" dirty="0">
+                <a:effectLst/>
+                <a:latin typeface="Calibri" panose="020F0502020204030204" pitchFamily="34" charset="0"/>
+                <a:ea typeface="Yu Mincho" panose="02020400000000000000" pitchFamily="18" charset="-128"/>
+                <a:cs typeface="Times New Roman" panose="02020603050405020304" pitchFamily="18" charset="0"/>
+              </a:rPr>
+              <a:t>Upload eines Bildes</a:t>
+            </a:r>
+            <a:endParaRPr lang="de-DE" sz="1200" dirty="0">
+              <a:effectLst/>
+              <a:latin typeface="Calibri" panose="020F0502020204030204" pitchFamily="34" charset="0"/>
+              <a:ea typeface="Yu Mincho" panose="02020400000000000000" pitchFamily="18" charset="-128"/>
+              <a:cs typeface="Times New Roman" panose="02020603050405020304" pitchFamily="18" charset="0"/>
+            </a:endParaRPr>
+          </a:p>
+          <a:p>
+            <a:pPr marL="742950" lvl="1" indent="-285750">
+              <a:lnSpc>
+                <a:spcPct val="107000"/>
+              </a:lnSpc>
+              <a:buFont typeface="Courier New" panose="02070309020205020404" pitchFamily="49" charset="0"/>
+              <a:buChar char="o"/>
+            </a:pPr>
+            <a:r>
+              <a:rPr lang="de-DE" sz="1200" b="1" dirty="0">
+                <a:effectLst/>
+                <a:latin typeface="Calibri" panose="020F0502020204030204" pitchFamily="34" charset="0"/>
+                <a:ea typeface="Yu Mincho" panose="02020400000000000000" pitchFamily="18" charset="-128"/>
+                <a:cs typeface="Times New Roman" panose="02020603050405020304" pitchFamily="18" charset="0"/>
+              </a:rPr>
+              <a:t>Ablauf</a:t>
+            </a:r>
+            <a:endParaRPr lang="de-DE" sz="1200" dirty="0">
+              <a:effectLst/>
+              <a:latin typeface="Calibri" panose="020F0502020204030204" pitchFamily="34" charset="0"/>
+              <a:ea typeface="Yu Mincho" panose="02020400000000000000" pitchFamily="18" charset="-128"/>
+              <a:cs typeface="Times New Roman" panose="02020603050405020304" pitchFamily="18" charset="0"/>
+            </a:endParaRPr>
+          </a:p>
+          <a:p>
+            <a:pPr marL="1143000" lvl="2" indent="-228600">
+              <a:lnSpc>
+                <a:spcPct val="107000"/>
+              </a:lnSpc>
+              <a:buFont typeface="Wingdings" panose="05000000000000000000" pitchFamily="2" charset="2"/>
+              <a:buChar char=""/>
+            </a:pPr>
+            <a:r>
+              <a:rPr lang="de-DE" sz="1200" dirty="0">
+                <a:effectLst/>
+                <a:latin typeface="Calibri" panose="020F0502020204030204" pitchFamily="34" charset="0"/>
+                <a:ea typeface="Yu Mincho" panose="02020400000000000000" pitchFamily="18" charset="-128"/>
+                <a:cs typeface="Times New Roman" panose="02020603050405020304" pitchFamily="18" charset="0"/>
+              </a:rPr>
+              <a:t>Aufruf einer Upload Funktion</a:t>
+            </a:r>
+          </a:p>
+          <a:p>
+            <a:pPr marL="1143000" lvl="2" indent="-228600">
+              <a:lnSpc>
+                <a:spcPct val="107000"/>
+              </a:lnSpc>
+              <a:buFont typeface="Wingdings" panose="05000000000000000000" pitchFamily="2" charset="2"/>
+              <a:buChar char=""/>
+            </a:pPr>
+            <a:r>
+              <a:rPr lang="de-DE" sz="1200" dirty="0">
+                <a:effectLst/>
+                <a:latin typeface="Calibri" panose="020F0502020204030204" pitchFamily="34" charset="0"/>
+                <a:ea typeface="Yu Mincho" panose="02020400000000000000" pitchFamily="18" charset="-128"/>
+                <a:cs typeface="Times New Roman" panose="02020603050405020304" pitchFamily="18" charset="0"/>
+              </a:rPr>
+              <a:t>Auslesen des Bild mit Unterstützung gängiger Bildformate</a:t>
+            </a:r>
+          </a:p>
+          <a:p>
+            <a:pPr marL="1143000" lvl="2" indent="-228600">
+              <a:lnSpc>
+                <a:spcPct val="107000"/>
+              </a:lnSpc>
+              <a:buFont typeface="Wingdings" panose="05000000000000000000" pitchFamily="2" charset="2"/>
+              <a:buChar char=""/>
+            </a:pPr>
+            <a:r>
+              <a:rPr lang="de-DE" sz="1200" dirty="0">
+                <a:effectLst/>
+                <a:latin typeface="Calibri" panose="020F0502020204030204" pitchFamily="34" charset="0"/>
+                <a:ea typeface="Yu Mincho" panose="02020400000000000000" pitchFamily="18" charset="-128"/>
+                <a:cs typeface="Times New Roman" panose="02020603050405020304" pitchFamily="18" charset="0"/>
+              </a:rPr>
+              <a:t>Automatisches Auslesen der erforderlichen Metadaten</a:t>
+            </a:r>
+          </a:p>
+          <a:p>
+            <a:pPr marL="1143000" lvl="2" indent="-228600">
+              <a:lnSpc>
+                <a:spcPct val="107000"/>
+              </a:lnSpc>
+              <a:buFont typeface="Wingdings" panose="05000000000000000000" pitchFamily="2" charset="2"/>
+              <a:buChar char=""/>
+            </a:pPr>
+            <a:r>
+              <a:rPr lang="de-DE" sz="1200" dirty="0">
+                <a:effectLst/>
+                <a:latin typeface="Calibri" panose="020F0502020204030204" pitchFamily="34" charset="0"/>
+                <a:ea typeface="Yu Mincho" panose="02020400000000000000" pitchFamily="18" charset="-128"/>
+                <a:cs typeface="Times New Roman" panose="02020603050405020304" pitchFamily="18" charset="0"/>
+              </a:rPr>
+              <a:t>Erzeugen eines Bildobjekts mit Bild und Metadaten</a:t>
+            </a:r>
+          </a:p>
+          <a:p>
+            <a:pPr marL="1143000" lvl="2" indent="-228600">
+              <a:lnSpc>
+                <a:spcPct val="107000"/>
+              </a:lnSpc>
+              <a:buFont typeface="Wingdings" panose="05000000000000000000" pitchFamily="2" charset="2"/>
+              <a:buChar char=""/>
+            </a:pPr>
+            <a:r>
+              <a:rPr lang="de-DE" sz="1200" dirty="0">
+                <a:effectLst/>
+                <a:latin typeface="Calibri" panose="020F0502020204030204" pitchFamily="34" charset="0"/>
+                <a:ea typeface="Yu Mincho" panose="02020400000000000000" pitchFamily="18" charset="-128"/>
+                <a:cs typeface="Times New Roman" panose="02020603050405020304" pitchFamily="18" charset="0"/>
+              </a:rPr>
+              <a:t>Abspeichern des Bildobjekts</a:t>
+            </a:r>
+          </a:p>
+          <a:p>
+            <a:pPr marL="742950" lvl="1" indent="-285750">
+              <a:lnSpc>
+                <a:spcPct val="107000"/>
+              </a:lnSpc>
+              <a:buFont typeface="Courier New" panose="02070309020205020404" pitchFamily="49" charset="0"/>
+              <a:buChar char="o"/>
+            </a:pPr>
+            <a:r>
+              <a:rPr lang="de-DE" sz="1200" b="1" dirty="0">
+                <a:effectLst/>
+                <a:latin typeface="Calibri" panose="020F0502020204030204" pitchFamily="34" charset="0"/>
+                <a:ea typeface="Yu Mincho" panose="02020400000000000000" pitchFamily="18" charset="-128"/>
+                <a:cs typeface="Times New Roman" panose="02020603050405020304" pitchFamily="18" charset="0"/>
+              </a:rPr>
+              <a:t>Exit-Kriterien</a:t>
+            </a:r>
+            <a:endParaRPr lang="de-DE" sz="1200" dirty="0">
+              <a:effectLst/>
+              <a:latin typeface="Calibri" panose="020F0502020204030204" pitchFamily="34" charset="0"/>
+              <a:ea typeface="Yu Mincho" panose="02020400000000000000" pitchFamily="18" charset="-128"/>
+              <a:cs typeface="Times New Roman" panose="02020603050405020304" pitchFamily="18" charset="0"/>
+            </a:endParaRPr>
+          </a:p>
+          <a:p>
+            <a:pPr marL="1143000" lvl="2" indent="-228600">
+              <a:lnSpc>
+                <a:spcPct val="107000"/>
+              </a:lnSpc>
+              <a:buFont typeface="Wingdings" panose="05000000000000000000" pitchFamily="2" charset="2"/>
+              <a:buChar char=""/>
+            </a:pPr>
+            <a:r>
+              <a:rPr lang="de-DE" sz="1200" dirty="0">
+                <a:effectLst/>
+                <a:latin typeface="Calibri" panose="020F0502020204030204" pitchFamily="34" charset="0"/>
+                <a:ea typeface="Yu Mincho" panose="02020400000000000000" pitchFamily="18" charset="-128"/>
+                <a:cs typeface="Times New Roman" panose="02020603050405020304" pitchFamily="18" charset="0"/>
+              </a:rPr>
+              <a:t>Funktion konnte aufgerufen werden und Eingaben wurden erfolgreich und korrekt übernommen.</a:t>
+            </a:r>
+          </a:p>
+          <a:p>
+            <a:pPr marL="1143000" lvl="2" indent="-228600">
+              <a:lnSpc>
+                <a:spcPct val="107000"/>
+              </a:lnSpc>
+              <a:buFont typeface="Wingdings" panose="05000000000000000000" pitchFamily="2" charset="2"/>
+              <a:buChar char=""/>
+            </a:pPr>
+            <a:r>
+              <a:rPr lang="de-DE" sz="1200" dirty="0">
+                <a:effectLst/>
+                <a:latin typeface="Calibri" panose="020F0502020204030204" pitchFamily="34" charset="0"/>
+                <a:ea typeface="Yu Mincho" panose="02020400000000000000" pitchFamily="18" charset="-128"/>
+                <a:cs typeface="Times New Roman" panose="02020603050405020304" pitchFamily="18" charset="0"/>
+              </a:rPr>
+              <a:t>Bilddaten konnten erfolgreich geladen werden.</a:t>
+            </a:r>
+          </a:p>
+          <a:p>
+            <a:pPr marL="1143000" lvl="2" indent="-228600">
+              <a:lnSpc>
+                <a:spcPct val="107000"/>
+              </a:lnSpc>
+              <a:buFont typeface="Wingdings" panose="05000000000000000000" pitchFamily="2" charset="2"/>
+              <a:buChar char=""/>
+            </a:pPr>
+            <a:r>
+              <a:rPr lang="de-DE" sz="1200" dirty="0">
+                <a:effectLst/>
+                <a:latin typeface="Calibri" panose="020F0502020204030204" pitchFamily="34" charset="0"/>
+                <a:ea typeface="Yu Mincho" panose="02020400000000000000" pitchFamily="18" charset="-128"/>
+                <a:cs typeface="Times New Roman" panose="02020603050405020304" pitchFamily="18" charset="0"/>
+              </a:rPr>
+              <a:t>Neues Bildobjekt wurde erfolgreich erzeugt und abgespeichert.</a:t>
+            </a:r>
+          </a:p>
+          <a:p>
+            <a:pPr marL="742950" lvl="1" indent="-285750">
+              <a:lnSpc>
+                <a:spcPct val="107000"/>
+              </a:lnSpc>
+              <a:buFont typeface="Courier New" panose="02070309020205020404" pitchFamily="49" charset="0"/>
+              <a:buChar char="o"/>
+            </a:pPr>
+            <a:r>
+              <a:rPr lang="de-DE" sz="1200" b="1" dirty="0">
+                <a:effectLst/>
+                <a:latin typeface="Calibri" panose="020F0502020204030204" pitchFamily="34" charset="0"/>
+                <a:ea typeface="Yu Mincho" panose="02020400000000000000" pitchFamily="18" charset="-128"/>
+                <a:cs typeface="Times New Roman" panose="02020603050405020304" pitchFamily="18" charset="0"/>
+              </a:rPr>
+              <a:t>Fail-Kriterien</a:t>
+            </a:r>
+            <a:endParaRPr lang="de-DE" sz="1200" dirty="0">
+              <a:effectLst/>
+              <a:latin typeface="Calibri" panose="020F0502020204030204" pitchFamily="34" charset="0"/>
+              <a:ea typeface="Yu Mincho" panose="02020400000000000000" pitchFamily="18" charset="-128"/>
+              <a:cs typeface="Times New Roman" panose="02020603050405020304" pitchFamily="18" charset="0"/>
+            </a:endParaRPr>
+          </a:p>
+          <a:p>
+            <a:pPr marL="1143000" lvl="2" indent="-228600">
+              <a:lnSpc>
+                <a:spcPct val="107000"/>
+              </a:lnSpc>
+              <a:buFont typeface="Wingdings" panose="05000000000000000000" pitchFamily="2" charset="2"/>
+              <a:buChar char=""/>
+            </a:pPr>
+            <a:r>
+              <a:rPr lang="de-DE" sz="1200" dirty="0">
+                <a:effectLst/>
+                <a:latin typeface="Calibri" panose="020F0502020204030204" pitchFamily="34" charset="0"/>
+                <a:ea typeface="Yu Mincho" panose="02020400000000000000" pitchFamily="18" charset="-128"/>
+                <a:cs typeface="Times New Roman" panose="02020603050405020304" pitchFamily="18" charset="0"/>
+              </a:rPr>
+              <a:t>Bilddaten konnten gar nicht geladen werden</a:t>
+            </a:r>
+          </a:p>
+          <a:p>
+            <a:pPr marL="1143000" lvl="2" indent="-228600">
+              <a:lnSpc>
+                <a:spcPct val="107000"/>
+              </a:lnSpc>
+              <a:buFont typeface="Wingdings" panose="05000000000000000000" pitchFamily="2" charset="2"/>
+              <a:buChar char=""/>
+            </a:pPr>
+            <a:r>
+              <a:rPr lang="de-DE" sz="1200" dirty="0">
+                <a:effectLst/>
+                <a:latin typeface="Calibri" panose="020F0502020204030204" pitchFamily="34" charset="0"/>
+                <a:ea typeface="Yu Mincho" panose="02020400000000000000" pitchFamily="18" charset="-128"/>
+                <a:cs typeface="Times New Roman" panose="02020603050405020304" pitchFamily="18" charset="0"/>
+              </a:rPr>
+              <a:t>Nur begrenzte Bildformate konnten unterstützt werden</a:t>
+            </a:r>
+          </a:p>
+          <a:p>
+            <a:pPr marL="1143000" lvl="2" indent="-228600">
+              <a:lnSpc>
+                <a:spcPct val="107000"/>
+              </a:lnSpc>
+              <a:buFont typeface="Wingdings" panose="05000000000000000000" pitchFamily="2" charset="2"/>
+              <a:buChar char=""/>
+            </a:pPr>
+            <a:r>
+              <a:rPr lang="de-DE" sz="1200" dirty="0">
+                <a:effectLst/>
+                <a:latin typeface="Calibri" panose="020F0502020204030204" pitchFamily="34" charset="0"/>
+                <a:ea typeface="Yu Mincho" panose="02020400000000000000" pitchFamily="18" charset="-128"/>
+                <a:cs typeface="Times New Roman" panose="02020603050405020304" pitchFamily="18" charset="0"/>
+              </a:rPr>
+              <a:t>Neues Bildobjekt konnte nicht erzeugt werden</a:t>
+            </a:r>
+          </a:p>
+          <a:p>
+            <a:pPr marL="1143000" lvl="2" indent="-228600">
+              <a:lnSpc>
+                <a:spcPct val="107000"/>
+              </a:lnSpc>
+              <a:buFont typeface="Wingdings" panose="05000000000000000000" pitchFamily="2" charset="2"/>
+              <a:buChar char=""/>
+            </a:pPr>
+            <a:r>
+              <a:rPr lang="de-DE" sz="1200" dirty="0">
+                <a:effectLst/>
+                <a:latin typeface="Calibri" panose="020F0502020204030204" pitchFamily="34" charset="0"/>
+                <a:ea typeface="Yu Mincho" panose="02020400000000000000" pitchFamily="18" charset="-128"/>
+                <a:cs typeface="Times New Roman" panose="02020603050405020304" pitchFamily="18" charset="0"/>
+              </a:rPr>
+              <a:t>Bildobjekt konnte nicht abgespeichert werden</a:t>
+            </a:r>
+          </a:p>
+          <a:p>
+            <a:pPr marL="742950" lvl="1" indent="-285750">
+              <a:lnSpc>
+                <a:spcPct val="107000"/>
+              </a:lnSpc>
+              <a:buFont typeface="Courier New" panose="02070309020205020404" pitchFamily="49" charset="0"/>
+              <a:buChar char="o"/>
+            </a:pPr>
+            <a:r>
+              <a:rPr lang="de-DE" sz="1200" b="1" dirty="0" err="1">
+                <a:effectLst/>
+                <a:latin typeface="Calibri" panose="020F0502020204030204" pitchFamily="34" charset="0"/>
+                <a:ea typeface="Yu Mincho" panose="02020400000000000000" pitchFamily="18" charset="-128"/>
+                <a:cs typeface="Times New Roman" panose="02020603050405020304" pitchFamily="18" charset="0"/>
+              </a:rPr>
+              <a:t>Fallback</a:t>
+            </a:r>
+            <a:endParaRPr lang="de-DE" sz="1200" dirty="0">
+              <a:effectLst/>
+              <a:latin typeface="Calibri" panose="020F0502020204030204" pitchFamily="34" charset="0"/>
+              <a:ea typeface="Yu Mincho" panose="02020400000000000000" pitchFamily="18" charset="-128"/>
+              <a:cs typeface="Times New Roman" panose="02020603050405020304" pitchFamily="18" charset="0"/>
+            </a:endParaRPr>
+          </a:p>
+          <a:p>
+            <a:pPr marL="1143000" lvl="2" indent="-228600">
+              <a:lnSpc>
+                <a:spcPct val="107000"/>
+              </a:lnSpc>
+              <a:buFont typeface="Wingdings" panose="05000000000000000000" pitchFamily="2" charset="2"/>
+              <a:buChar char=""/>
+            </a:pPr>
+            <a:r>
+              <a:rPr lang="de-DE" sz="1200" dirty="0">
+                <a:effectLst/>
+                <a:latin typeface="Calibri" panose="020F0502020204030204" pitchFamily="34" charset="0"/>
+                <a:ea typeface="Yu Mincho" panose="02020400000000000000" pitchFamily="18" charset="-128"/>
+                <a:cs typeface="Times New Roman" panose="02020603050405020304" pitchFamily="18" charset="0"/>
+              </a:rPr>
+              <a:t>Aus Eindeutige Fehlermeldung wenn technische Fehler bei der Ausführung der Upload Funktion erfolgen</a:t>
+            </a:r>
+          </a:p>
+          <a:p>
+            <a:pPr marL="1143000" lvl="2" indent="-228600">
+              <a:lnSpc>
+                <a:spcPct val="107000"/>
+              </a:lnSpc>
+              <a:buFont typeface="Wingdings" panose="05000000000000000000" pitchFamily="2" charset="2"/>
+              <a:buChar char=""/>
+            </a:pPr>
+            <a:r>
+              <a:rPr lang="de-DE" sz="1200" dirty="0">
+                <a:effectLst/>
+                <a:latin typeface="Calibri" panose="020F0502020204030204" pitchFamily="34" charset="0"/>
+                <a:ea typeface="Yu Mincho" panose="02020400000000000000" pitchFamily="18" charset="-128"/>
+                <a:cs typeface="Times New Roman" panose="02020603050405020304" pitchFamily="18" charset="0"/>
+              </a:rPr>
+              <a:t>Bild wird ohne Metadaten gespeichert</a:t>
+            </a:r>
+          </a:p>
+          <a:p>
+            <a:pPr marL="1143000" lvl="2" indent="-228600">
+              <a:lnSpc>
+                <a:spcPct val="107000"/>
+              </a:lnSpc>
+              <a:spcAft>
+                <a:spcPts val="800"/>
+              </a:spcAft>
+              <a:buFont typeface="Wingdings" panose="05000000000000000000" pitchFamily="2" charset="2"/>
+              <a:buChar char=""/>
+            </a:pPr>
+            <a:r>
+              <a:rPr lang="de-DE" sz="1200" dirty="0">
+                <a:effectLst/>
+                <a:latin typeface="Calibri" panose="020F0502020204030204" pitchFamily="34" charset="0"/>
+                <a:ea typeface="Yu Mincho" panose="02020400000000000000" pitchFamily="18" charset="-128"/>
+                <a:cs typeface="Times New Roman" panose="02020603050405020304" pitchFamily="18" charset="0"/>
+              </a:rPr>
+              <a:t>Es werden begrenzte Bildformate gefordert</a:t>
+            </a:r>
+            <a:endParaRPr lang="de-DE" sz="1200" dirty="0">
+              <a:effectLst/>
+              <a:latin typeface="Calibri" panose="020F0502020204030204" pitchFamily="34" charset="0"/>
+              <a:ea typeface="Calibri" panose="020F0502020204030204" pitchFamily="34" charset="0"/>
+              <a:cs typeface="Times New Roman" panose="02020603050405020304" pitchFamily="18" charset="0"/>
+            </a:endParaRPr>
+          </a:p>
+        </p:txBody>
+      </p:sp>
+      <p:sp>
+        <p:nvSpPr>
+          <p:cNvPr id="6" name="Inhaltsplatzhalter 5">
+            <a:extLst>
+              <a:ext uri="{FF2B5EF4-FFF2-40B4-BE49-F238E27FC236}">
+                <a16:creationId xmlns:a16="http://schemas.microsoft.com/office/drawing/2014/main" id="{D27F10EA-731C-BC21-64B1-413E86CA7C17}"/>
+              </a:ext>
+            </a:extLst>
+          </p:cNvPr>
+          <p:cNvSpPr>
+            <a:spLocks noGrp="1"/>
+          </p:cNvSpPr>
+          <p:nvPr>
+            <p:ph sz="half" idx="2"/>
+          </p:nvPr>
+        </p:nvSpPr>
+        <p:spPr>
+          <a:xfrm>
+            <a:off x="6172200" y="1825625"/>
+            <a:ext cx="5181600" cy="4769728"/>
+          </a:xfrm>
+        </p:spPr>
+        <p:txBody>
+          <a:bodyPr anchor="t" anchorCtr="0">
+            <a:normAutofit fontScale="92500" lnSpcReduction="20000"/>
+          </a:bodyPr>
+          <a:lstStyle/>
+          <a:p>
+            <a:pPr marL="342900" lvl="0" indent="-342900">
+              <a:lnSpc>
+                <a:spcPct val="107000"/>
+              </a:lnSpc>
+              <a:buFont typeface="Symbol" panose="05050102010706020507" pitchFamily="18" charset="2"/>
+              <a:buChar char=""/>
+            </a:pPr>
+            <a:r>
+              <a:rPr lang="de-DE" sz="1100" u="sng" dirty="0">
+                <a:effectLst/>
+                <a:latin typeface="Calibri" panose="020F0502020204030204" pitchFamily="34" charset="0"/>
+                <a:ea typeface="Yu Mincho" panose="02020400000000000000" pitchFamily="18" charset="-128"/>
+                <a:cs typeface="Times New Roman" panose="02020603050405020304" pitchFamily="18" charset="0"/>
+              </a:rPr>
+              <a:t>Aufruf eines gespeicherten Bildes</a:t>
+            </a:r>
+            <a:endParaRPr lang="de-DE" sz="1100" dirty="0">
+              <a:effectLst/>
+              <a:latin typeface="Calibri" panose="020F0502020204030204" pitchFamily="34" charset="0"/>
+              <a:ea typeface="Yu Mincho" panose="02020400000000000000" pitchFamily="18" charset="-128"/>
+              <a:cs typeface="Times New Roman" panose="02020603050405020304" pitchFamily="18" charset="0"/>
+            </a:endParaRPr>
+          </a:p>
+          <a:p>
+            <a:pPr marL="742950" lvl="1" indent="-285750">
+              <a:lnSpc>
+                <a:spcPct val="107000"/>
+              </a:lnSpc>
+              <a:buFont typeface="Courier New" panose="02070309020205020404" pitchFamily="49" charset="0"/>
+              <a:buChar char="o"/>
+            </a:pPr>
+            <a:r>
+              <a:rPr lang="de-DE" sz="1100" b="1" dirty="0">
+                <a:effectLst/>
+                <a:latin typeface="Calibri" panose="020F0502020204030204" pitchFamily="34" charset="0"/>
+                <a:ea typeface="Yu Mincho" panose="02020400000000000000" pitchFamily="18" charset="-128"/>
+                <a:cs typeface="Times New Roman" panose="02020603050405020304" pitchFamily="18" charset="0"/>
+              </a:rPr>
+              <a:t>Ablauf</a:t>
+            </a:r>
+            <a:endParaRPr lang="de-DE" sz="1100" dirty="0">
+              <a:effectLst/>
+              <a:latin typeface="Calibri" panose="020F0502020204030204" pitchFamily="34" charset="0"/>
+              <a:ea typeface="Yu Mincho" panose="02020400000000000000" pitchFamily="18" charset="-128"/>
+              <a:cs typeface="Times New Roman" panose="02020603050405020304" pitchFamily="18" charset="0"/>
+            </a:endParaRPr>
+          </a:p>
+          <a:p>
+            <a:pPr marL="1143000" lvl="2" indent="-228600">
+              <a:lnSpc>
+                <a:spcPct val="107000"/>
+              </a:lnSpc>
+              <a:buFont typeface="Wingdings" panose="05000000000000000000" pitchFamily="2" charset="2"/>
+              <a:buChar char=""/>
+            </a:pPr>
+            <a:r>
+              <a:rPr lang="de-DE" sz="1100" dirty="0">
+                <a:effectLst/>
+                <a:latin typeface="Calibri" panose="020F0502020204030204" pitchFamily="34" charset="0"/>
+                <a:ea typeface="Yu Mincho" panose="02020400000000000000" pitchFamily="18" charset="-128"/>
+                <a:cs typeface="Times New Roman" panose="02020603050405020304" pitchFamily="18" charset="0"/>
+              </a:rPr>
+              <a:t>Bild wird aus persistentem Speicher geladen</a:t>
+            </a:r>
+          </a:p>
+          <a:p>
+            <a:pPr marL="1143000" lvl="2" indent="-228600">
+              <a:lnSpc>
+                <a:spcPct val="107000"/>
+              </a:lnSpc>
+              <a:buFont typeface="Wingdings" panose="05000000000000000000" pitchFamily="2" charset="2"/>
+              <a:buChar char=""/>
+            </a:pPr>
+            <a:r>
+              <a:rPr lang="de-DE" sz="1100" dirty="0">
+                <a:effectLst/>
+                <a:latin typeface="Calibri" panose="020F0502020204030204" pitchFamily="34" charset="0"/>
+                <a:ea typeface="Yu Mincho" panose="02020400000000000000" pitchFamily="18" charset="-128"/>
+                <a:cs typeface="Times New Roman" panose="02020603050405020304" pitchFamily="18" charset="0"/>
+              </a:rPr>
+              <a:t>Ansicht des Bildobjekts erzeugen</a:t>
+            </a:r>
+          </a:p>
+          <a:p>
+            <a:pPr marL="742950" lvl="1" indent="-285750">
+              <a:lnSpc>
+                <a:spcPct val="107000"/>
+              </a:lnSpc>
+              <a:buFont typeface="Courier New" panose="02070309020205020404" pitchFamily="49" charset="0"/>
+              <a:buChar char="o"/>
+            </a:pPr>
+            <a:r>
+              <a:rPr lang="de-DE" sz="1100" b="1" dirty="0">
+                <a:effectLst/>
+                <a:latin typeface="Calibri" panose="020F0502020204030204" pitchFamily="34" charset="0"/>
+                <a:ea typeface="Yu Mincho" panose="02020400000000000000" pitchFamily="18" charset="-128"/>
+                <a:cs typeface="Times New Roman" panose="02020603050405020304" pitchFamily="18" charset="0"/>
+              </a:rPr>
+              <a:t>Exit-Kriterien</a:t>
+            </a:r>
+            <a:endParaRPr lang="de-DE" sz="1100" dirty="0">
+              <a:effectLst/>
+              <a:latin typeface="Calibri" panose="020F0502020204030204" pitchFamily="34" charset="0"/>
+              <a:ea typeface="Yu Mincho" panose="02020400000000000000" pitchFamily="18" charset="-128"/>
+              <a:cs typeface="Times New Roman" panose="02020603050405020304" pitchFamily="18" charset="0"/>
+            </a:endParaRPr>
+          </a:p>
+          <a:p>
+            <a:pPr marL="1143000" lvl="2" indent="-228600">
+              <a:lnSpc>
+                <a:spcPct val="107000"/>
+              </a:lnSpc>
+              <a:buFont typeface="Wingdings" panose="05000000000000000000" pitchFamily="2" charset="2"/>
+              <a:buChar char=""/>
+            </a:pPr>
+            <a:r>
+              <a:rPr lang="de-DE" sz="1100" dirty="0">
+                <a:effectLst/>
+                <a:latin typeface="Calibri" panose="020F0502020204030204" pitchFamily="34" charset="0"/>
+                <a:ea typeface="Yu Mincho" panose="02020400000000000000" pitchFamily="18" charset="-128"/>
+                <a:cs typeface="Times New Roman" panose="02020603050405020304" pitchFamily="18" charset="0"/>
+              </a:rPr>
+              <a:t>Bild wurde erfolgreich aus persistentem Speicher geladen</a:t>
+            </a:r>
+          </a:p>
+          <a:p>
+            <a:pPr marL="1143000" lvl="2" indent="-228600">
+              <a:lnSpc>
+                <a:spcPct val="107000"/>
+              </a:lnSpc>
+              <a:buFont typeface="Wingdings" panose="05000000000000000000" pitchFamily="2" charset="2"/>
+              <a:buChar char=""/>
+            </a:pPr>
+            <a:r>
+              <a:rPr lang="de-DE" sz="1100" dirty="0">
+                <a:effectLst/>
+                <a:latin typeface="Calibri" panose="020F0502020204030204" pitchFamily="34" charset="0"/>
+                <a:ea typeface="Yu Mincho" panose="02020400000000000000" pitchFamily="18" charset="-128"/>
+                <a:cs typeface="Times New Roman" panose="02020603050405020304" pitchFamily="18" charset="0"/>
+              </a:rPr>
+              <a:t>Ansicht wurde erfolgreich erzeugt.</a:t>
+            </a:r>
+          </a:p>
+          <a:p>
+            <a:pPr marL="742950" lvl="1" indent="-285750">
+              <a:lnSpc>
+                <a:spcPct val="107000"/>
+              </a:lnSpc>
+              <a:buFont typeface="Courier New" panose="02070309020205020404" pitchFamily="49" charset="0"/>
+              <a:buChar char="o"/>
+            </a:pPr>
+            <a:r>
+              <a:rPr lang="de-DE" sz="1100" b="1" dirty="0">
+                <a:effectLst/>
+                <a:latin typeface="Calibri" panose="020F0502020204030204" pitchFamily="34" charset="0"/>
+                <a:ea typeface="Yu Mincho" panose="02020400000000000000" pitchFamily="18" charset="-128"/>
+                <a:cs typeface="Times New Roman" panose="02020603050405020304" pitchFamily="18" charset="0"/>
+              </a:rPr>
+              <a:t>Fail-Kriterien</a:t>
+            </a:r>
+            <a:endParaRPr lang="de-DE" sz="1100" dirty="0">
+              <a:effectLst/>
+              <a:latin typeface="Calibri" panose="020F0502020204030204" pitchFamily="34" charset="0"/>
+              <a:ea typeface="Yu Mincho" panose="02020400000000000000" pitchFamily="18" charset="-128"/>
+              <a:cs typeface="Times New Roman" panose="02020603050405020304" pitchFamily="18" charset="0"/>
+            </a:endParaRPr>
+          </a:p>
+          <a:p>
+            <a:pPr marL="1143000" lvl="2" indent="-228600">
+              <a:lnSpc>
+                <a:spcPct val="107000"/>
+              </a:lnSpc>
+              <a:buFont typeface="Wingdings" panose="05000000000000000000" pitchFamily="2" charset="2"/>
+              <a:buChar char=""/>
+            </a:pPr>
+            <a:r>
+              <a:rPr lang="de-DE" sz="1100" dirty="0">
+                <a:effectLst/>
+                <a:latin typeface="Calibri" panose="020F0502020204030204" pitchFamily="34" charset="0"/>
+                <a:ea typeface="Yu Mincho" panose="02020400000000000000" pitchFamily="18" charset="-128"/>
+                <a:cs typeface="Times New Roman" panose="02020603050405020304" pitchFamily="18" charset="0"/>
+              </a:rPr>
+              <a:t>Bild wurde nicht aus persistentem Speicher geladen</a:t>
+            </a:r>
+          </a:p>
+          <a:p>
+            <a:pPr marL="1143000" lvl="2" indent="-228600">
+              <a:lnSpc>
+                <a:spcPct val="107000"/>
+              </a:lnSpc>
+              <a:buFont typeface="Wingdings" panose="05000000000000000000" pitchFamily="2" charset="2"/>
+              <a:buChar char=""/>
+            </a:pPr>
+            <a:r>
+              <a:rPr lang="de-DE" sz="1100" dirty="0">
+                <a:effectLst/>
+                <a:latin typeface="Calibri" panose="020F0502020204030204" pitchFamily="34" charset="0"/>
+                <a:ea typeface="Yu Mincho" panose="02020400000000000000" pitchFamily="18" charset="-128"/>
+                <a:cs typeface="Times New Roman" panose="02020603050405020304" pitchFamily="18" charset="0"/>
+              </a:rPr>
+              <a:t>Ansicht wurde nicht erzeugt</a:t>
+            </a:r>
+          </a:p>
+          <a:p>
+            <a:pPr marL="742950" lvl="1" indent="-285750">
+              <a:lnSpc>
+                <a:spcPct val="107000"/>
+              </a:lnSpc>
+              <a:buFont typeface="Courier New" panose="02070309020205020404" pitchFamily="49" charset="0"/>
+              <a:buChar char="o"/>
+            </a:pPr>
+            <a:r>
+              <a:rPr lang="de-DE" sz="1100" b="1" dirty="0" err="1">
+                <a:effectLst/>
+                <a:latin typeface="Calibri" panose="020F0502020204030204" pitchFamily="34" charset="0"/>
+                <a:ea typeface="Yu Mincho" panose="02020400000000000000" pitchFamily="18" charset="-128"/>
+                <a:cs typeface="Times New Roman" panose="02020603050405020304" pitchFamily="18" charset="0"/>
+              </a:rPr>
+              <a:t>Fallback</a:t>
+            </a:r>
+            <a:endParaRPr lang="de-DE" sz="1100" dirty="0">
+              <a:effectLst/>
+              <a:latin typeface="Calibri" panose="020F0502020204030204" pitchFamily="34" charset="0"/>
+              <a:ea typeface="Yu Mincho" panose="02020400000000000000" pitchFamily="18" charset="-128"/>
+              <a:cs typeface="Times New Roman" panose="02020603050405020304" pitchFamily="18" charset="0"/>
+            </a:endParaRPr>
+          </a:p>
+          <a:p>
+            <a:pPr marL="1143000" lvl="2" indent="-228600">
+              <a:lnSpc>
+                <a:spcPct val="107000"/>
+              </a:lnSpc>
+              <a:buFont typeface="Wingdings" panose="05000000000000000000" pitchFamily="2" charset="2"/>
+              <a:buChar char=""/>
+            </a:pPr>
+            <a:r>
+              <a:rPr lang="de-DE" sz="1100" dirty="0">
+                <a:effectLst/>
+                <a:latin typeface="Calibri" panose="020F0502020204030204" pitchFamily="34" charset="0"/>
+                <a:ea typeface="Yu Mincho" panose="02020400000000000000" pitchFamily="18" charset="-128"/>
+                <a:cs typeface="Times New Roman" panose="02020603050405020304" pitchFamily="18" charset="0"/>
+              </a:rPr>
+              <a:t>Eindeutige Fehlermeldung anzeigen</a:t>
+            </a:r>
+          </a:p>
+          <a:p>
+            <a:pPr marL="1143000" lvl="2" indent="-228600">
+              <a:lnSpc>
+                <a:spcPct val="107000"/>
+              </a:lnSpc>
+              <a:spcAft>
+                <a:spcPts val="800"/>
+              </a:spcAft>
+              <a:buFont typeface="Wingdings" panose="05000000000000000000" pitchFamily="2" charset="2"/>
+              <a:buChar char=""/>
+            </a:pPr>
+            <a:r>
+              <a:rPr lang="de-DE" sz="1100" dirty="0">
+                <a:effectLst/>
+                <a:latin typeface="Calibri" panose="020F0502020204030204" pitchFamily="34" charset="0"/>
+                <a:ea typeface="Yu Mincho" panose="02020400000000000000" pitchFamily="18" charset="-128"/>
+                <a:cs typeface="Times New Roman" panose="02020603050405020304" pitchFamily="18" charset="0"/>
+              </a:rPr>
+              <a:t>Aufforderung zum neu laden mitteilen</a:t>
+            </a:r>
+          </a:p>
+        </p:txBody>
+      </p:sp>
+      <p:sp>
+        <p:nvSpPr>
+          <p:cNvPr id="5" name="Foliennummernplatzhalter 4">
+            <a:extLst>
+              <a:ext uri="{FF2B5EF4-FFF2-40B4-BE49-F238E27FC236}">
+                <a16:creationId xmlns:a16="http://schemas.microsoft.com/office/drawing/2014/main" id="{7B246376-21DF-8BF4-A1FD-B77C22C28AAB}"/>
+              </a:ext>
+            </a:extLst>
+          </p:cNvPr>
+          <p:cNvSpPr>
+            <a:spLocks noGrp="1"/>
+          </p:cNvSpPr>
+          <p:nvPr>
+            <p:ph type="sldNum" sz="quarter" idx="12"/>
+          </p:nvPr>
+        </p:nvSpPr>
+        <p:spPr/>
+        <p:txBody>
+          <a:bodyPr/>
+          <a:lstStyle/>
+          <a:p>
+            <a:fld id="{4FD190AE-D9AE-4074-AAED-D637288AF7F0}" type="slidenum">
+              <a:rPr lang="de-DE" sz="2000" smtClean="0">
+                <a:solidFill>
+                  <a:schemeClr val="tx1"/>
+                </a:solidFill>
+              </a:rPr>
+              <a:t>3</a:t>
+            </a:fld>
+            <a:endParaRPr lang="de-DE" sz="2000" dirty="0">
+              <a:solidFill>
+                <a:schemeClr val="tx1"/>
+              </a:solidFill>
+            </a:endParaRPr>
+          </a:p>
+        </p:txBody>
+      </p:sp>
+    </p:spTree>
+    <p:extLst>
+      <p:ext uri="{BB962C8B-B14F-4D97-AF65-F5344CB8AC3E}">
+        <p14:creationId xmlns:p14="http://schemas.microsoft.com/office/powerpoint/2010/main" val="1195816902"/>
+      </p:ext>
+    </p:extLst>
+  </p:cSld>
+  <p:clrMapOvr>
+    <a:masterClrMapping/>
+  </p:clrMapOvr>
+</p:sld>
+</file>
+
+<file path=ppt/slides/slide4.xml><?xml version="1.0" encoding="utf-8"?>
+<p:sld xmlns:a="http://schemas.openxmlformats.org/drawingml/2006/main" xmlns:r="http://schemas.openxmlformats.org/officeDocument/2006/relationships" xmlns:p="http://schemas.openxmlformats.org/presentationml/2006/main">
+  <p:cSld>
+    <p:spTree>
+      <p:nvGrpSpPr>
+        <p:cNvPr id="1" name=""/>
+        <p:cNvGrpSpPr/>
+        <p:nvPr/>
+      </p:nvGrpSpPr>
+      <p:grpSpPr>
+        <a:xfrm>
+          <a:off x="0" y="0"/>
+          <a:ext cx="0" cy="0"/>
+          <a:chOff x="0" y="0"/>
+          <a:chExt cx="0" cy="0"/>
+        </a:xfrm>
+      </p:grpSpPr>
+      <p:sp>
+        <p:nvSpPr>
+          <p:cNvPr id="2" name="Titel 1">
+            <a:extLst>
+              <a:ext uri="{FF2B5EF4-FFF2-40B4-BE49-F238E27FC236}">
+                <a16:creationId xmlns:a16="http://schemas.microsoft.com/office/drawing/2014/main" id="{4AC7DED0-9976-693C-8B24-D84F23C8E7B6}"/>
+              </a:ext>
+            </a:extLst>
+          </p:cNvPr>
+          <p:cNvSpPr>
+            <a:spLocks noGrp="1"/>
+          </p:cNvSpPr>
+          <p:nvPr>
+            <p:ph type="title"/>
+          </p:nvPr>
+        </p:nvSpPr>
+        <p:spPr/>
+        <p:txBody>
+          <a:bodyPr/>
+          <a:lstStyle/>
+          <a:p>
+            <a:pPr algn="ctr"/>
+            <a:r>
+              <a:rPr lang="de-DE" dirty="0"/>
               <a:t>POC Pub/Sub</a:t>
             </a:r>
           </a:p>
@@ -6134,7 +7107,7 @@
                   <a:schemeClr val="tx1"/>
                 </a:solidFill>
               </a:rPr>
-              <a:t>3</a:t>
+              <a:t>4</a:t>
             </a:fld>
             <a:endParaRPr lang="de-DE" sz="2000" dirty="0">
               <a:solidFill>
@@ -6548,131 +7521,6 @@
 </p:sld>
 </file>
 
-<file path=ppt/slides/slide4.xml><?xml version="1.0" encoding="utf-8"?>
-<p:sld xmlns:a="http://schemas.openxmlformats.org/drawingml/2006/main" xmlns:r="http://schemas.openxmlformats.org/officeDocument/2006/relationships" xmlns:p="http://schemas.openxmlformats.org/presentationml/2006/main">
-  <p:cSld>
-    <p:spTree>
-      <p:nvGrpSpPr>
-        <p:cNvPr id="1" name=""/>
-        <p:cNvGrpSpPr/>
-        <p:nvPr/>
-      </p:nvGrpSpPr>
-      <p:grpSpPr>
-        <a:xfrm>
-          <a:off x="0" y="0"/>
-          <a:ext cx="0" cy="0"/>
-          <a:chOff x="0" y="0"/>
-          <a:chExt cx="0" cy="0"/>
-        </a:xfrm>
-      </p:grpSpPr>
-      <p:sp>
-        <p:nvSpPr>
-          <p:cNvPr id="2" name="Titel 1">
-            <a:extLst>
-              <a:ext uri="{FF2B5EF4-FFF2-40B4-BE49-F238E27FC236}">
-                <a16:creationId xmlns:a16="http://schemas.microsoft.com/office/drawing/2014/main" id="{4AC7DED0-9976-693C-8B24-D84F23C8E7B6}"/>
-              </a:ext>
-            </a:extLst>
-          </p:cNvPr>
-          <p:cNvSpPr>
-            <a:spLocks noGrp="1"/>
-          </p:cNvSpPr>
-          <p:nvPr>
-            <p:ph type="title"/>
-          </p:nvPr>
-        </p:nvSpPr>
-        <p:spPr/>
-        <p:txBody>
-          <a:bodyPr/>
-          <a:lstStyle/>
-          <a:p>
-            <a:r>
-              <a:rPr lang="de-DE" dirty="0"/>
-              <a:t>User-</a:t>
-            </a:r>
-            <a:r>
-              <a:rPr lang="de-DE" dirty="0" err="1"/>
-              <a:t>Profiles</a:t>
-            </a:r>
-            <a:endParaRPr lang="de-DE" dirty="0"/>
-          </a:p>
-        </p:txBody>
-      </p:sp>
-      <p:sp>
-        <p:nvSpPr>
-          <p:cNvPr id="3" name="Inhaltsplatzhalter 2">
-            <a:extLst>
-              <a:ext uri="{FF2B5EF4-FFF2-40B4-BE49-F238E27FC236}">
-                <a16:creationId xmlns:a16="http://schemas.microsoft.com/office/drawing/2014/main" id="{26828B3D-0288-9D01-3FAB-ED2A638AE90B}"/>
-              </a:ext>
-            </a:extLst>
-          </p:cNvPr>
-          <p:cNvSpPr>
-            <a:spLocks noGrp="1"/>
-          </p:cNvSpPr>
-          <p:nvPr>
-            <p:ph idx="1"/>
-          </p:nvPr>
-        </p:nvSpPr>
-        <p:spPr/>
-        <p:txBody>
-          <a:bodyPr/>
-          <a:lstStyle/>
-          <a:p>
-            <a:endParaRPr lang="de-DE" dirty="0"/>
-          </a:p>
-        </p:txBody>
-      </p:sp>
-      <p:sp>
-        <p:nvSpPr>
-          <p:cNvPr id="5" name="Foliennummernplatzhalter 4">
-            <a:extLst>
-              <a:ext uri="{FF2B5EF4-FFF2-40B4-BE49-F238E27FC236}">
-                <a16:creationId xmlns:a16="http://schemas.microsoft.com/office/drawing/2014/main" id="{7B246376-21DF-8BF4-A1FD-B77C22C28AAB}"/>
-              </a:ext>
-            </a:extLst>
-          </p:cNvPr>
-          <p:cNvSpPr>
-            <a:spLocks noGrp="1"/>
-          </p:cNvSpPr>
-          <p:nvPr>
-            <p:ph type="sldNum" sz="quarter" idx="12"/>
-          </p:nvPr>
-        </p:nvSpPr>
-        <p:spPr/>
-        <p:txBody>
-          <a:bodyPr/>
-          <a:lstStyle/>
-          <a:p>
-            <a:fld id="{4FD190AE-D9AE-4074-AAED-D637288AF7F0}" type="slidenum">
-              <a:rPr lang="de-DE" sz="2000" smtClean="0">
-                <a:solidFill>
-                  <a:schemeClr val="tx1"/>
-                </a:solidFill>
-              </a:rPr>
-              <a:t>4</a:t>
-            </a:fld>
-            <a:endParaRPr lang="de-DE" sz="2000" dirty="0">
-              <a:solidFill>
-                <a:schemeClr val="tx1"/>
-              </a:solidFill>
-            </a:endParaRPr>
-          </a:p>
-        </p:txBody>
-      </p:sp>
-    </p:spTree>
-    <p:extLst>
-      <p:ext uri="{BB962C8B-B14F-4D97-AF65-F5344CB8AC3E}">
-        <p14:creationId xmlns:p14="http://schemas.microsoft.com/office/powerpoint/2010/main" val="738318702"/>
-      </p:ext>
-    </p:extLst>
-  </p:cSld>
-  <p:clrMapOvr>
-    <a:masterClrMapping/>
-  </p:clrMapOvr>
-</p:sld>
-</file>
-
 <file path=ppt/slides/slide5.xml><?xml version="1.0" encoding="utf-8"?>
 <p:sld xmlns:a="http://schemas.openxmlformats.org/drawingml/2006/main" xmlns:r="http://schemas.openxmlformats.org/officeDocument/2006/relationships" xmlns:p="http://schemas.openxmlformats.org/presentationml/2006/main">
   <p:cSld>
@@ -6692,10 +7540,10 @@
       </p:grpSpPr>
       <p:sp>
         <p:nvSpPr>
-          <p:cNvPr id="3" name="Titel 2">
-            <a:extLst>
-              <a:ext uri="{FF2B5EF4-FFF2-40B4-BE49-F238E27FC236}">
-                <a16:creationId xmlns:a16="http://schemas.microsoft.com/office/drawing/2014/main" id="{53AD19EA-19FD-31C3-9A36-EC2C3ECA7425}"/>
+          <p:cNvPr id="2" name="Titel 1">
+            <a:extLst>
+              <a:ext uri="{FF2B5EF4-FFF2-40B4-BE49-F238E27FC236}">
+                <a16:creationId xmlns:a16="http://schemas.microsoft.com/office/drawing/2014/main" id="{4AC7DED0-9976-693C-8B24-D84F23C8E7B6}"/>
               </a:ext>
             </a:extLst>
           </p:cNvPr>
@@ -6713,17 +7561,22 @@
           <a:p>
             <a:r>
               <a:rPr lang="de-DE" dirty="0"/>
-              <a:t>Use-Cases</a:t>
-            </a:r>
-          </a:p>
-        </p:txBody>
-      </p:sp>
-      <p:sp>
-        <p:nvSpPr>
-          <p:cNvPr id="4" name="Inhaltsplatzhalter 3">
-            <a:extLst>
-              <a:ext uri="{FF2B5EF4-FFF2-40B4-BE49-F238E27FC236}">
-                <a16:creationId xmlns:a16="http://schemas.microsoft.com/office/drawing/2014/main" id="{43D36CD5-C13A-93D9-C18B-BCA6C25AEC2A}"/>
+              <a:t>User-</a:t>
+            </a:r>
+            <a:r>
+              <a:rPr lang="de-DE" dirty="0" err="1"/>
+              <a:t>Profiles</a:t>
+            </a:r>
+            <a:endParaRPr lang="de-DE" dirty="0"/>
+          </a:p>
+        </p:txBody>
+      </p:sp>
+      <p:sp>
+        <p:nvSpPr>
+          <p:cNvPr id="3" name="Inhaltsplatzhalter 2">
+            <a:extLst>
+              <a:ext uri="{FF2B5EF4-FFF2-40B4-BE49-F238E27FC236}">
+                <a16:creationId xmlns:a16="http://schemas.microsoft.com/office/drawing/2014/main" id="{26828B3D-0288-9D01-3FAB-ED2A638AE90B}"/>
               </a:ext>
             </a:extLst>
           </p:cNvPr>
@@ -6783,7 +7636,7 @@
     </p:spTree>
     <p:extLst>
       <p:ext uri="{BB962C8B-B14F-4D97-AF65-F5344CB8AC3E}">
-        <p14:creationId xmlns:p14="http://schemas.microsoft.com/office/powerpoint/2010/main" val="1602302725"/>
+        <p14:creationId xmlns:p14="http://schemas.microsoft.com/office/powerpoint/2010/main" val="738318702"/>
       </p:ext>
     </p:extLst>
   </p:cSld>
@@ -6812,10 +7665,10 @@
       </p:grpSpPr>
       <p:sp>
         <p:nvSpPr>
-          <p:cNvPr id="2" name="Titel 1">
-            <a:extLst>
-              <a:ext uri="{FF2B5EF4-FFF2-40B4-BE49-F238E27FC236}">
-                <a16:creationId xmlns:a16="http://schemas.microsoft.com/office/drawing/2014/main" id="{4AC7DED0-9976-693C-8B24-D84F23C8E7B6}"/>
+          <p:cNvPr id="3" name="Titel 2">
+            <a:extLst>
+              <a:ext uri="{FF2B5EF4-FFF2-40B4-BE49-F238E27FC236}">
+                <a16:creationId xmlns:a16="http://schemas.microsoft.com/office/drawing/2014/main" id="{53AD19EA-19FD-31C3-9A36-EC2C3ECA7425}"/>
               </a:ext>
             </a:extLst>
           </p:cNvPr>
@@ -6831,67 +7684,35 @@
           <a:bodyPr/>
           <a:lstStyle/>
           <a:p>
+            <a:r>
+              <a:rPr lang="de-DE" dirty="0"/>
+              <a:t>Use-Cases</a:t>
+            </a:r>
+          </a:p>
+        </p:txBody>
+      </p:sp>
+      <p:sp>
+        <p:nvSpPr>
+          <p:cNvPr id="4" name="Inhaltsplatzhalter 3">
+            <a:extLst>
+              <a:ext uri="{FF2B5EF4-FFF2-40B4-BE49-F238E27FC236}">
+                <a16:creationId xmlns:a16="http://schemas.microsoft.com/office/drawing/2014/main" id="{43D36CD5-C13A-93D9-C18B-BCA6C25AEC2A}"/>
+              </a:ext>
+            </a:extLst>
+          </p:cNvPr>
+          <p:cNvSpPr>
+            <a:spLocks noGrp="1"/>
+          </p:cNvSpPr>
+          <p:nvPr>
+            <p:ph idx="1"/>
+          </p:nvPr>
+        </p:nvSpPr>
+        <p:spPr/>
+        <p:txBody>
+          <a:bodyPr/>
+          <a:lstStyle/>
+          <a:p>
             <a:endParaRPr lang="de-DE" dirty="0"/>
-          </a:p>
-        </p:txBody>
-      </p:sp>
-      <p:sp>
-        <p:nvSpPr>
-          <p:cNvPr id="3" name="Inhaltsplatzhalter 2">
-            <a:extLst>
-              <a:ext uri="{FF2B5EF4-FFF2-40B4-BE49-F238E27FC236}">
-                <a16:creationId xmlns:a16="http://schemas.microsoft.com/office/drawing/2014/main" id="{26828B3D-0288-9D01-3FAB-ED2A638AE90B}"/>
-              </a:ext>
-            </a:extLst>
-          </p:cNvPr>
-          <p:cNvSpPr>
-            <a:spLocks noGrp="1"/>
-          </p:cNvSpPr>
-          <p:nvPr>
-            <p:ph idx="1"/>
-          </p:nvPr>
-        </p:nvSpPr>
-        <p:spPr/>
-        <p:txBody>
-          <a:bodyPr/>
-          <a:lstStyle/>
-          <a:p>
-            <a:endParaRPr lang="de-DE" sz="1800" dirty="0">
-              <a:latin typeface="Calibri" panose="020F0502020204030204" pitchFamily="34" charset="0"/>
-              <a:ea typeface="Calibri" panose="020F0502020204030204" pitchFamily="34" charset="0"/>
-              <a:cs typeface="Times New Roman" panose="02020603050405020304" pitchFamily="18" charset="0"/>
-            </a:endParaRPr>
-          </a:p>
-          <a:p>
-            <a:endParaRPr lang="de-DE" sz="1800" dirty="0">
-              <a:effectLst/>
-              <a:latin typeface="Calibri" panose="020F0502020204030204" pitchFamily="34" charset="0"/>
-              <a:ea typeface="Calibri" panose="020F0502020204030204" pitchFamily="34" charset="0"/>
-              <a:cs typeface="Times New Roman" panose="02020603050405020304" pitchFamily="18" charset="0"/>
-            </a:endParaRPr>
-          </a:p>
-          <a:p>
-            <a:endParaRPr lang="de-DE" sz="1800" dirty="0">
-              <a:latin typeface="Calibri" panose="020F0502020204030204" pitchFamily="34" charset="0"/>
-              <a:ea typeface="Calibri" panose="020F0502020204030204" pitchFamily="34" charset="0"/>
-              <a:cs typeface="Times New Roman" panose="02020603050405020304" pitchFamily="18" charset="0"/>
-            </a:endParaRPr>
-          </a:p>
-          <a:p>
-            <a:endParaRPr lang="de-DE" sz="1800" dirty="0">
-              <a:effectLst/>
-              <a:latin typeface="Calibri" panose="020F0502020204030204" pitchFamily="34" charset="0"/>
-              <a:ea typeface="Calibri" panose="020F0502020204030204" pitchFamily="34" charset="0"/>
-              <a:cs typeface="Times New Roman" panose="02020603050405020304" pitchFamily="18" charset="0"/>
-            </a:endParaRPr>
-          </a:p>
-          <a:p>
-            <a:endParaRPr lang="de-DE" sz="1800" dirty="0">
-              <a:effectLst/>
-              <a:latin typeface="Calibri" panose="020F0502020204030204" pitchFamily="34" charset="0"/>
-              <a:ea typeface="Calibri" panose="020F0502020204030204" pitchFamily="34" charset="0"/>
-              <a:cs typeface="Times New Roman" panose="02020603050405020304" pitchFamily="18" charset="0"/>
-            </a:endParaRPr>
           </a:p>
         </p:txBody>
       </p:sp>
@@ -6935,7 +7756,7 @@
     </p:spTree>
     <p:extLst>
       <p:ext uri="{BB962C8B-B14F-4D97-AF65-F5344CB8AC3E}">
-        <p14:creationId xmlns:p14="http://schemas.microsoft.com/office/powerpoint/2010/main" val="1195816902"/>
+        <p14:creationId xmlns:p14="http://schemas.microsoft.com/office/powerpoint/2010/main" val="1602302725"/>
       </p:ext>
     </p:extLst>
   </p:cSld>

--- a/Audits/EPWS2223HausenKochZimmer Audit 3.pptx
+++ b/Audits/EPWS2223HausenKochZimmer Audit 3.pptx
@@ -13,12 +13,12 @@
   <p:sldIdLst>
     <p:sldId id="256" r:id="rId2"/>
     <p:sldId id="257" r:id="rId3"/>
-    <p:sldId id="261" r:id="rId4"/>
-    <p:sldId id="258" r:id="rId5"/>
-    <p:sldId id="260" r:id="rId6"/>
-    <p:sldId id="259" r:id="rId7"/>
-    <p:sldId id="262" r:id="rId8"/>
-    <p:sldId id="263" r:id="rId9"/>
+    <p:sldId id="260" r:id="rId4"/>
+    <p:sldId id="259" r:id="rId5"/>
+    <p:sldId id="263" r:id="rId6"/>
+    <p:sldId id="261" r:id="rId7"/>
+    <p:sldId id="258" r:id="rId8"/>
+    <p:sldId id="262" r:id="rId9"/>
     <p:sldId id="264" r:id="rId10"/>
     <p:sldId id="265" r:id="rId11"/>
   </p:sldIdLst>
@@ -126,12 +126,12 @@
           <p14:sldIdLst>
             <p14:sldId id="256"/>
             <p14:sldId id="257"/>
+            <p14:sldId id="260"/>
+            <p14:sldId id="259"/>
+            <p14:sldId id="263"/>
             <p14:sldId id="261"/>
             <p14:sldId id="258"/>
-            <p14:sldId id="260"/>
-            <p14:sldId id="259"/>
             <p14:sldId id="262"/>
-            <p14:sldId id="263"/>
             <p14:sldId id="264"/>
             <p14:sldId id="265"/>
           </p14:sldIdLst>
@@ -981,160 +981,7 @@
           <a:bodyPr/>
           <a:lstStyle/>
           <a:p>
-            <a:r>
-              <a:rPr lang="de-DE" dirty="0"/>
-              <a:t>Upload eines Bildes</a:t>
-            </a:r>
-          </a:p>
-          <a:p>
-            <a:r>
-              <a:rPr lang="de-DE" dirty="0"/>
-              <a:t>Ablauf: Beim diesem POC ist geplant, dass er neben der Verarbeitung der gängigen </a:t>
-            </a:r>
-            <a:r>
-              <a:rPr lang="de-DE" dirty="0" err="1"/>
-              <a:t>Bildatei</a:t>
-            </a:r>
-            <a:r>
-              <a:rPr lang="de-DE" dirty="0"/>
-              <a:t> ebenso einige der für das System relevanten Metadaten der digitalisierten </a:t>
-            </a:r>
-            <a:r>
-              <a:rPr lang="de-DE" dirty="0" err="1"/>
-              <a:t>Bildatei</a:t>
-            </a:r>
-            <a:r>
-              <a:rPr lang="de-DE" dirty="0"/>
-              <a:t> verarbeitet. Als gängige </a:t>
-            </a:r>
-            <a:r>
-              <a:rPr lang="de-DE" dirty="0" err="1"/>
-              <a:t>Bildateien</a:t>
-            </a:r>
-            <a:r>
-              <a:rPr lang="de-DE" dirty="0"/>
-              <a:t> sind uns </a:t>
-            </a:r>
-            <a:r>
-              <a:rPr lang="de-DE" dirty="0" err="1"/>
-              <a:t>png</a:t>
-            </a:r>
-            <a:r>
-              <a:rPr lang="de-DE" dirty="0"/>
-              <a:t>, </a:t>
-            </a:r>
-            <a:r>
-              <a:rPr lang="de-DE" dirty="0" err="1"/>
-              <a:t>jpeg</a:t>
-            </a:r>
-            <a:r>
-              <a:rPr lang="de-DE" dirty="0"/>
-              <a:t> sowie </a:t>
-            </a:r>
-            <a:r>
-              <a:rPr lang="de-DE" dirty="0" err="1"/>
-              <a:t>webp</a:t>
-            </a:r>
-            <a:r>
-              <a:rPr lang="de-DE" dirty="0"/>
-              <a:t> geläufig und bei Recherchen zu Bildverarbeitung durch </a:t>
-            </a:r>
-            <a:r>
-              <a:rPr lang="de-DE" dirty="0" err="1"/>
-              <a:t>Kotlin</a:t>
-            </a:r>
-            <a:r>
-              <a:rPr lang="de-DE" dirty="0"/>
-              <a:t>, haben wir diese Formate als </a:t>
-            </a:r>
-            <a:r>
-              <a:rPr lang="de-DE" dirty="0" err="1"/>
-              <a:t>standart</a:t>
-            </a:r>
-            <a:r>
-              <a:rPr lang="de-DE" dirty="0"/>
-              <a:t> verarbeitbare Formate Identifiziert. Als relevante Metadaten haben wir die Auflösung, Bildformat, Uploader identifiziert, diese dienen vor allem zur Qualitätskontrolle, zum Verarbeiten und zum Zuordnen.</a:t>
-            </a:r>
-          </a:p>
-          <a:p>
-            <a:r>
-              <a:rPr lang="de-DE" dirty="0"/>
-              <a:t>Exit-Kriterien, Fail- Kriterien: Ergeben sich aus dem Ablauf des POCs</a:t>
-            </a:r>
-          </a:p>
-          <a:p>
-            <a:r>
-              <a:rPr lang="de-DE" dirty="0" err="1"/>
-              <a:t>Fallback</a:t>
-            </a:r>
-            <a:r>
-              <a:rPr lang="de-DE" dirty="0"/>
-              <a:t>: Der </a:t>
-            </a:r>
-            <a:r>
-              <a:rPr lang="de-DE" dirty="0" err="1"/>
-              <a:t>Fallback</a:t>
-            </a:r>
-            <a:r>
-              <a:rPr lang="de-DE" dirty="0"/>
-              <a:t> des </a:t>
-            </a:r>
-            <a:r>
-              <a:rPr lang="de-DE" dirty="0" err="1"/>
-              <a:t>Bilderuplads</a:t>
-            </a:r>
-            <a:r>
-              <a:rPr lang="de-DE" dirty="0"/>
-              <a:t> per Fehlermeldung soll es ermöglichen das der User immer sein Upload aus seiner Sicht erledigen kann oder wenn nötig weiß das er dies z.B. später ohne Probleme erledigen kann. Das System kann bei Störungen nicht auf alternative Funktionalitäten zurückgreifen, da der Upload als Kernfunktionalität nicht angemessen genug ersetzt werden könnte.</a:t>
-            </a:r>
-          </a:p>
-          <a:p>
-            <a:r>
-              <a:rPr lang="de-DE" dirty="0"/>
-              <a:t>Ein Fehler beim verarbeiten der Metadaten der Bilder darf den wesentlich wichtigeren Ablauf des POC nicht stören, da diese wenn nötig auch zu einem späteren Zeitpunkt ergänzt werden können.</a:t>
-            </a:r>
-          </a:p>
-          <a:p>
-            <a:r>
-              <a:rPr lang="de-DE" dirty="0"/>
-              <a:t>Die Begrenzung der </a:t>
-            </a:r>
-            <a:r>
-              <a:rPr lang="de-DE" dirty="0" err="1"/>
-              <a:t>Uploadbaren</a:t>
-            </a:r>
-            <a:r>
-              <a:rPr lang="de-DE" dirty="0"/>
-              <a:t> </a:t>
-            </a:r>
-            <a:r>
-              <a:rPr lang="de-DE" dirty="0" err="1"/>
-              <a:t>Bilformate</a:t>
-            </a:r>
-            <a:r>
-              <a:rPr lang="de-DE" dirty="0"/>
-              <a:t> auf z.B. nur </a:t>
-            </a:r>
-            <a:r>
-              <a:rPr lang="de-DE" dirty="0" err="1"/>
-              <a:t>jpq</a:t>
-            </a:r>
-            <a:r>
-              <a:rPr lang="de-DE" dirty="0"/>
-              <a:t> ist eine Option um die Funktionalität zusichern, würde aber auch die User Experimente negativ einfließen.</a:t>
-            </a:r>
-          </a:p>
-          <a:p>
-            <a:r>
-              <a:rPr lang="de-DE" dirty="0"/>
-              <a:t>Aufruf eines gespeicherten Bildes</a:t>
-            </a:r>
-          </a:p>
-          <a:p>
-            <a:r>
-              <a:rPr lang="de-DE" dirty="0"/>
-              <a:t>Bei diesem POC soll sichergestellt werden das die User des User-Contents eine entsprechende Anzeige erhalten, um eine Irritation zu verhindern. </a:t>
-            </a:r>
+            <a:endParaRPr lang="de-DE" dirty="0"/>
           </a:p>
         </p:txBody>
       </p:sp>
@@ -1164,7 +1011,7 @@
     </p:spTree>
     <p:extLst>
       <p:ext uri="{BB962C8B-B14F-4D97-AF65-F5344CB8AC3E}">
-        <p14:creationId xmlns:p14="http://schemas.microsoft.com/office/powerpoint/2010/main" val="2618932596"/>
+        <p14:creationId xmlns:p14="http://schemas.microsoft.com/office/powerpoint/2010/main" val="3745376474"/>
       </p:ext>
     </p:extLst>
   </p:cSld>
@@ -1218,126 +1065,6 @@
           <a:bodyPr/>
           <a:lstStyle/>
           <a:p>
-            <a:pPr marL="0" marR="0" lvl="0" indent="0" algn="l" defTabSz="914400" rtl="0" eaLnBrk="1" fontAlgn="auto" latinLnBrk="0" hangingPunct="1">
-              <a:lnSpc>
-                <a:spcPct val="100000"/>
-              </a:lnSpc>
-              <a:spcBef>
-                <a:spcPts val="0"/>
-              </a:spcBef>
-              <a:spcAft>
-                <a:spcPts val="0"/>
-              </a:spcAft>
-              <a:buClrTx/>
-              <a:buSzTx/>
-              <a:buFontTx/>
-              <a:buNone/>
-              <a:tabLst/>
-              <a:defRPr/>
-            </a:pPr>
-            <a:r>
-              <a:rPr lang="de-DE" b="0" i="0" dirty="0">
-                <a:solidFill>
-                  <a:srgbClr val="374151"/>
-                </a:solidFill>
-                <a:effectLst/>
-                <a:latin typeface="Söhne"/>
-              </a:rPr>
-              <a:t>Dieser Code implementiert eine Pub/Sub-Funktionalität für eine Android-App. Es gibt zwei Schaltflächen in der Benutzeroberfläche, eine zum Abonnieren (</a:t>
-            </a:r>
-            <a:r>
-              <a:rPr lang="de-DE" b="0" i="0" dirty="0" err="1">
-                <a:solidFill>
-                  <a:srgbClr val="374151"/>
-                </a:solidFill>
-                <a:effectLst/>
-                <a:latin typeface="Söhne"/>
-              </a:rPr>
-              <a:t>subscribe</a:t>
-            </a:r>
-            <a:r>
-              <a:rPr lang="de-DE" b="0" i="0" dirty="0">
-                <a:solidFill>
-                  <a:srgbClr val="374151"/>
-                </a:solidFill>
-                <a:effectLst/>
-                <a:latin typeface="Söhne"/>
-              </a:rPr>
-              <a:t>) und eine zum Veröffentlichen (publish). Beim Klicken auf die Schaltfläche „</a:t>
-            </a:r>
-            <a:r>
-              <a:rPr lang="de-DE" b="0" i="0" dirty="0" err="1">
-                <a:solidFill>
-                  <a:srgbClr val="374151"/>
-                </a:solidFill>
-                <a:effectLst/>
-                <a:latin typeface="Söhne"/>
-              </a:rPr>
-              <a:t>Subscribe</a:t>
-            </a:r>
-            <a:r>
-              <a:rPr lang="de-DE" b="0" i="0" dirty="0">
-                <a:solidFill>
-                  <a:srgbClr val="374151"/>
-                </a:solidFill>
-                <a:effectLst/>
-                <a:latin typeface="Söhne"/>
-              </a:rPr>
-              <a:t>" wird geprüft, ob der Benutzername bereits in der Liste der Abonnenten enthalten ist. Wenn nicht, wird der Benutzername zur Liste hinzugefügt. Wenn der Benutzername bereits in der Liste vorhanden ist, wird er aus der Liste entfernt und eine Meldung „</a:t>
-            </a:r>
-            <a:r>
-              <a:rPr lang="de-DE" b="0" i="0" dirty="0" err="1">
-                <a:solidFill>
-                  <a:srgbClr val="374151"/>
-                </a:solidFill>
-                <a:effectLst/>
-                <a:latin typeface="Söhne"/>
-              </a:rPr>
-              <a:t>Unsubscribed</a:t>
-            </a:r>
-            <a:r>
-              <a:rPr lang="de-DE" b="0" i="0" dirty="0">
-                <a:solidFill>
-                  <a:srgbClr val="374151"/>
-                </a:solidFill>
-                <a:effectLst/>
-                <a:latin typeface="Söhne"/>
-              </a:rPr>
-              <a:t>" angezeigt. Beim Klicken auf die Schaltfläche "Veröffentlichen" soll ein Abonnent die Möglichkeit haben, ein Bild zu einer  Stadt hochzuladen und anschließend werden alle Abonnenten in der Liste benachrichtigt. Wenn ein User nicht </a:t>
-            </a:r>
-            <a:r>
-              <a:rPr lang="de-DE" b="0" i="0" dirty="0" err="1">
-                <a:solidFill>
-                  <a:srgbClr val="374151"/>
-                </a:solidFill>
-                <a:effectLst/>
-                <a:latin typeface="Söhne"/>
-              </a:rPr>
-              <a:t>subscribed</a:t>
-            </a:r>
-            <a:r>
-              <a:rPr lang="de-DE" b="0" i="0" dirty="0">
-                <a:solidFill>
-                  <a:srgbClr val="374151"/>
-                </a:solidFill>
-                <a:effectLst/>
-                <a:latin typeface="Söhne"/>
-              </a:rPr>
-              <a:t> ist, hat er nicht die Möglichkeit, ein Bild zu einer </a:t>
-            </a:r>
-            <a:r>
-              <a:rPr lang="de-DE" b="0" i="0">
-                <a:solidFill>
-                  <a:srgbClr val="374151"/>
-                </a:solidFill>
-                <a:effectLst/>
-                <a:latin typeface="Söhne"/>
-              </a:rPr>
-              <a:t>Stadt hochzuladen.</a:t>
-            </a:r>
-            <a:endParaRPr lang="de-DE" dirty="0"/>
-          </a:p>
-          <a:p>
             <a:endParaRPr lang="de-DE" dirty="0"/>
           </a:p>
         </p:txBody>
@@ -1368,7 +1095,7 @@
     </p:spTree>
     <p:extLst>
       <p:ext uri="{BB962C8B-B14F-4D97-AF65-F5344CB8AC3E}">
-        <p14:creationId xmlns:p14="http://schemas.microsoft.com/office/powerpoint/2010/main" val="2321389857"/>
+        <p14:creationId xmlns:p14="http://schemas.microsoft.com/office/powerpoint/2010/main" val="1653405182"/>
       </p:ext>
     </p:extLst>
   </p:cSld>
@@ -1452,7 +1179,7 @@
     </p:spTree>
     <p:extLst>
       <p:ext uri="{BB962C8B-B14F-4D97-AF65-F5344CB8AC3E}">
-        <p14:creationId xmlns:p14="http://schemas.microsoft.com/office/powerpoint/2010/main" val="3745376474"/>
+        <p14:creationId xmlns:p14="http://schemas.microsoft.com/office/powerpoint/2010/main" val="2616213806"/>
       </p:ext>
     </p:extLst>
   </p:cSld>
@@ -1506,7 +1233,160 @@
           <a:bodyPr/>
           <a:lstStyle/>
           <a:p>
-            <a:endParaRPr lang="de-DE" dirty="0"/>
+            <a:r>
+              <a:rPr lang="de-DE" dirty="0"/>
+              <a:t>Upload eines Bildes</a:t>
+            </a:r>
+          </a:p>
+          <a:p>
+            <a:r>
+              <a:rPr lang="de-DE" dirty="0"/>
+              <a:t>Ablauf: Beim diesem POC ist geplant, dass er neben der Verarbeitung der gängigen </a:t>
+            </a:r>
+            <a:r>
+              <a:rPr lang="de-DE" dirty="0" err="1"/>
+              <a:t>Bildatei</a:t>
+            </a:r>
+            <a:r>
+              <a:rPr lang="de-DE" dirty="0"/>
+              <a:t> ebenso einige der für das System relevanten Metadaten der digitalisierten </a:t>
+            </a:r>
+            <a:r>
+              <a:rPr lang="de-DE" dirty="0" err="1"/>
+              <a:t>Bildatei</a:t>
+            </a:r>
+            <a:r>
+              <a:rPr lang="de-DE" dirty="0"/>
+              <a:t> verarbeitet. Als gängige </a:t>
+            </a:r>
+            <a:r>
+              <a:rPr lang="de-DE" dirty="0" err="1"/>
+              <a:t>Bildateien</a:t>
+            </a:r>
+            <a:r>
+              <a:rPr lang="de-DE" dirty="0"/>
+              <a:t> sind uns </a:t>
+            </a:r>
+            <a:r>
+              <a:rPr lang="de-DE" dirty="0" err="1"/>
+              <a:t>png</a:t>
+            </a:r>
+            <a:r>
+              <a:rPr lang="de-DE" dirty="0"/>
+              <a:t>, </a:t>
+            </a:r>
+            <a:r>
+              <a:rPr lang="de-DE" dirty="0" err="1"/>
+              <a:t>jpeg</a:t>
+            </a:r>
+            <a:r>
+              <a:rPr lang="de-DE" dirty="0"/>
+              <a:t> sowie </a:t>
+            </a:r>
+            <a:r>
+              <a:rPr lang="de-DE" dirty="0" err="1"/>
+              <a:t>webp</a:t>
+            </a:r>
+            <a:r>
+              <a:rPr lang="de-DE" dirty="0"/>
+              <a:t> geläufig und bei Recherchen zu Bildverarbeitung durch </a:t>
+            </a:r>
+            <a:r>
+              <a:rPr lang="de-DE" dirty="0" err="1"/>
+              <a:t>Kotlin</a:t>
+            </a:r>
+            <a:r>
+              <a:rPr lang="de-DE" dirty="0"/>
+              <a:t>, haben wir diese Formate als </a:t>
+            </a:r>
+            <a:r>
+              <a:rPr lang="de-DE" dirty="0" err="1"/>
+              <a:t>standart</a:t>
+            </a:r>
+            <a:r>
+              <a:rPr lang="de-DE" dirty="0"/>
+              <a:t> verarbeitbare Formate Identifiziert. Als relevante Metadaten haben wir die Auflösung, Bildformat, Uploader identifiziert, diese dienen vor allem zur Qualitätskontrolle, zum Verarbeiten und zum Zuordnen.</a:t>
+            </a:r>
+          </a:p>
+          <a:p>
+            <a:r>
+              <a:rPr lang="de-DE" dirty="0"/>
+              <a:t>Exit-Kriterien, Fail- Kriterien: Ergeben sich aus dem Ablauf des POCs</a:t>
+            </a:r>
+          </a:p>
+          <a:p>
+            <a:r>
+              <a:rPr lang="de-DE" dirty="0" err="1"/>
+              <a:t>Fallback</a:t>
+            </a:r>
+            <a:r>
+              <a:rPr lang="de-DE" dirty="0"/>
+              <a:t>: Der </a:t>
+            </a:r>
+            <a:r>
+              <a:rPr lang="de-DE" dirty="0" err="1"/>
+              <a:t>Fallback</a:t>
+            </a:r>
+            <a:r>
+              <a:rPr lang="de-DE" dirty="0"/>
+              <a:t> des </a:t>
+            </a:r>
+            <a:r>
+              <a:rPr lang="de-DE" dirty="0" err="1"/>
+              <a:t>Bilderuplads</a:t>
+            </a:r>
+            <a:r>
+              <a:rPr lang="de-DE" dirty="0"/>
+              <a:t> per Fehlermeldung soll es ermöglichen das der User immer sein Upload aus seiner Sicht erledigen kann oder wenn nötig weiß das er dies z.B. später ohne Probleme erledigen kann. Das System kann bei Störungen nicht auf alternative Funktionalitäten zurückgreifen, da der Upload als Kernfunktionalität nicht angemessen genug ersetzt werden könnte.</a:t>
+            </a:r>
+          </a:p>
+          <a:p>
+            <a:r>
+              <a:rPr lang="de-DE" dirty="0"/>
+              <a:t>Ein Fehler beim verarbeiten der Metadaten der Bilder darf den wesentlich wichtigeren Ablauf des POC nicht stören, da diese wenn nötig auch zu einem späteren Zeitpunkt ergänzt werden können.</a:t>
+            </a:r>
+          </a:p>
+          <a:p>
+            <a:r>
+              <a:rPr lang="de-DE" dirty="0"/>
+              <a:t>Die Begrenzung der </a:t>
+            </a:r>
+            <a:r>
+              <a:rPr lang="de-DE" dirty="0" err="1"/>
+              <a:t>Uploadbaren</a:t>
+            </a:r>
+            <a:r>
+              <a:rPr lang="de-DE" dirty="0"/>
+              <a:t> </a:t>
+            </a:r>
+            <a:r>
+              <a:rPr lang="de-DE" dirty="0" err="1"/>
+              <a:t>Bilformate</a:t>
+            </a:r>
+            <a:r>
+              <a:rPr lang="de-DE" dirty="0"/>
+              <a:t> auf z.B. nur </a:t>
+            </a:r>
+            <a:r>
+              <a:rPr lang="de-DE" dirty="0" err="1"/>
+              <a:t>jpq</a:t>
+            </a:r>
+            <a:r>
+              <a:rPr lang="de-DE" dirty="0"/>
+              <a:t> ist eine Option um die Funktionalität zusichern, würde aber auch die User Experimente negativ einfließen.</a:t>
+            </a:r>
+          </a:p>
+          <a:p>
+            <a:r>
+              <a:rPr lang="de-DE" dirty="0"/>
+              <a:t>Aufruf eines gespeicherten Bildes</a:t>
+            </a:r>
+          </a:p>
+          <a:p>
+            <a:r>
+              <a:rPr lang="de-DE" dirty="0"/>
+              <a:t>Bei diesem POC soll sichergestellt werden das die User des User-Contents eine entsprechende Anzeige erhalten, um eine Irritation zu verhindern. </a:t>
+            </a:r>
           </a:p>
         </p:txBody>
       </p:sp>
@@ -1536,7 +1416,7 @@
     </p:spTree>
     <p:extLst>
       <p:ext uri="{BB962C8B-B14F-4D97-AF65-F5344CB8AC3E}">
-        <p14:creationId xmlns:p14="http://schemas.microsoft.com/office/powerpoint/2010/main" val="1653405182"/>
+        <p14:creationId xmlns:p14="http://schemas.microsoft.com/office/powerpoint/2010/main" val="2618932596"/>
       </p:ext>
     </p:extLst>
   </p:cSld>
@@ -1590,6 +1470,126 @@
           <a:bodyPr/>
           <a:lstStyle/>
           <a:p>
+            <a:pPr marL="0" marR="0" lvl="0" indent="0" algn="l" defTabSz="914400" rtl="0" eaLnBrk="1" fontAlgn="auto" latinLnBrk="0" hangingPunct="1">
+              <a:lnSpc>
+                <a:spcPct val="100000"/>
+              </a:lnSpc>
+              <a:spcBef>
+                <a:spcPts val="0"/>
+              </a:spcBef>
+              <a:spcAft>
+                <a:spcPts val="0"/>
+              </a:spcAft>
+              <a:buClrTx/>
+              <a:buSzTx/>
+              <a:buFontTx/>
+              <a:buNone/>
+              <a:tabLst/>
+              <a:defRPr/>
+            </a:pPr>
+            <a:r>
+              <a:rPr lang="de-DE" b="0" i="0" dirty="0">
+                <a:solidFill>
+                  <a:srgbClr val="374151"/>
+                </a:solidFill>
+                <a:effectLst/>
+                <a:latin typeface="Söhne"/>
+              </a:rPr>
+              <a:t>Dieser Code implementiert eine Pub/Sub-Funktionalität für eine Android-App. Es gibt zwei Schaltflächen in der Benutzeroberfläche, eine zum Abonnieren (</a:t>
+            </a:r>
+            <a:r>
+              <a:rPr lang="de-DE" b="0" i="0" dirty="0" err="1">
+                <a:solidFill>
+                  <a:srgbClr val="374151"/>
+                </a:solidFill>
+                <a:effectLst/>
+                <a:latin typeface="Söhne"/>
+              </a:rPr>
+              <a:t>subscribe</a:t>
+            </a:r>
+            <a:r>
+              <a:rPr lang="de-DE" b="0" i="0" dirty="0">
+                <a:solidFill>
+                  <a:srgbClr val="374151"/>
+                </a:solidFill>
+                <a:effectLst/>
+                <a:latin typeface="Söhne"/>
+              </a:rPr>
+              <a:t>) und eine zum Veröffentlichen (publish). Beim Klicken auf die Schaltfläche „</a:t>
+            </a:r>
+            <a:r>
+              <a:rPr lang="de-DE" b="0" i="0" dirty="0" err="1">
+                <a:solidFill>
+                  <a:srgbClr val="374151"/>
+                </a:solidFill>
+                <a:effectLst/>
+                <a:latin typeface="Söhne"/>
+              </a:rPr>
+              <a:t>Subscribe</a:t>
+            </a:r>
+            <a:r>
+              <a:rPr lang="de-DE" b="0" i="0" dirty="0">
+                <a:solidFill>
+                  <a:srgbClr val="374151"/>
+                </a:solidFill>
+                <a:effectLst/>
+                <a:latin typeface="Söhne"/>
+              </a:rPr>
+              <a:t>" wird geprüft, ob der Benutzername bereits in der Liste der Abonnenten enthalten ist. Wenn nicht, wird der Benutzername zur Liste hinzugefügt. Wenn der Benutzername bereits in der Liste vorhanden ist, wird er aus der Liste entfernt und eine Meldung „</a:t>
+            </a:r>
+            <a:r>
+              <a:rPr lang="de-DE" b="0" i="0" dirty="0" err="1">
+                <a:solidFill>
+                  <a:srgbClr val="374151"/>
+                </a:solidFill>
+                <a:effectLst/>
+                <a:latin typeface="Söhne"/>
+              </a:rPr>
+              <a:t>Unsubscribed</a:t>
+            </a:r>
+            <a:r>
+              <a:rPr lang="de-DE" b="0" i="0" dirty="0">
+                <a:solidFill>
+                  <a:srgbClr val="374151"/>
+                </a:solidFill>
+                <a:effectLst/>
+                <a:latin typeface="Söhne"/>
+              </a:rPr>
+              <a:t>" angezeigt. Beim Klicken auf die Schaltfläche "Veröffentlichen" soll ein Abonnent die Möglichkeit haben, ein Bild zu einer  Stadt hochzuladen und anschließend werden alle Abonnenten in der Liste benachrichtigt. Wenn ein User nicht </a:t>
+            </a:r>
+            <a:r>
+              <a:rPr lang="de-DE" b="0" i="0" dirty="0" err="1">
+                <a:solidFill>
+                  <a:srgbClr val="374151"/>
+                </a:solidFill>
+                <a:effectLst/>
+                <a:latin typeface="Söhne"/>
+              </a:rPr>
+              <a:t>subscribed</a:t>
+            </a:r>
+            <a:r>
+              <a:rPr lang="de-DE" b="0" i="0" dirty="0">
+                <a:solidFill>
+                  <a:srgbClr val="374151"/>
+                </a:solidFill>
+                <a:effectLst/>
+                <a:latin typeface="Söhne"/>
+              </a:rPr>
+              <a:t> ist, hat er nicht die Möglichkeit, ein Bild zu einer </a:t>
+            </a:r>
+            <a:r>
+              <a:rPr lang="de-DE" b="0" i="0">
+                <a:solidFill>
+                  <a:srgbClr val="374151"/>
+                </a:solidFill>
+                <a:effectLst/>
+                <a:latin typeface="Söhne"/>
+              </a:rPr>
+              <a:t>Stadt hochzuladen.</a:t>
+            </a:r>
+            <a:endParaRPr lang="de-DE" dirty="0"/>
+          </a:p>
+          <a:p>
             <a:endParaRPr lang="de-DE" dirty="0"/>
           </a:p>
         </p:txBody>
@@ -1620,7 +1620,7 @@
     </p:spTree>
     <p:extLst>
       <p:ext uri="{BB962C8B-B14F-4D97-AF65-F5344CB8AC3E}">
-        <p14:creationId xmlns:p14="http://schemas.microsoft.com/office/powerpoint/2010/main" val="1078181049"/>
+        <p14:creationId xmlns:p14="http://schemas.microsoft.com/office/powerpoint/2010/main" val="2321389857"/>
       </p:ext>
     </p:extLst>
   </p:cSld>
@@ -1704,7 +1704,7 @@
     </p:spTree>
     <p:extLst>
       <p:ext uri="{BB962C8B-B14F-4D97-AF65-F5344CB8AC3E}">
-        <p14:creationId xmlns:p14="http://schemas.microsoft.com/office/powerpoint/2010/main" val="2616213806"/>
+        <p14:creationId xmlns:p14="http://schemas.microsoft.com/office/powerpoint/2010/main" val="1078181049"/>
       </p:ext>
     </p:extLst>
   </p:cSld>
@@ -5689,10 +5689,24 @@
             <a:endParaRPr lang="de-DE" dirty="0"/>
           </a:p>
           <a:p>
-            <a:pPr marL="0" indent="0">
-              <a:buNone/>
-            </a:pPr>
-            <a:endParaRPr lang="de-DE" dirty="0"/>
+            <a:r>
+              <a:rPr lang="de-DE" dirty="0"/>
+              <a:t>funktionalen Prototyps</a:t>
+            </a:r>
+          </a:p>
+          <a:p>
+            <a:r>
+              <a:rPr lang="de-DE" dirty="0"/>
+              <a:t>Fazit und kritisch reflektiertes </a:t>
+            </a:r>
+            <a:r>
+              <a:rPr lang="de-DE" dirty="0" err="1"/>
+              <a:t>Prozessassessment</a:t>
+            </a:r>
+            <a:r>
+              <a:rPr lang="de-DE" dirty="0"/>
+              <a:t> des gesamten Projektes anhand der ursprünglichen Zielsetzung</a:t>
+            </a:r>
           </a:p>
         </p:txBody>
       </p:sp>
@@ -5964,11 +5978,15 @@
           <a:bodyPr/>
           <a:lstStyle/>
           <a:p>
-            <a:pPr algn="ctr"/>
             <a:r>
               <a:rPr lang="de-DE" dirty="0"/>
-              <a:t>POC Bildaufruf/-abruf</a:t>
-            </a:r>
+              <a:t>User-</a:t>
+            </a:r>
+            <a:r>
+              <a:rPr lang="de-DE" dirty="0" err="1"/>
+              <a:t>Profiles</a:t>
+            </a:r>
+            <a:endParaRPr lang="de-DE" dirty="0"/>
           </a:p>
         </p:txBody>
       </p:sp>
@@ -5985,714 +6003,15 @@
             <a:spLocks noGrp="1"/>
           </p:cNvSpPr>
           <p:nvPr>
-            <p:ph sz="half" idx="1"/>
-          </p:nvPr>
-        </p:nvSpPr>
-        <p:spPr>
-          <a:xfrm>
-            <a:off x="838200" y="1825625"/>
-            <a:ext cx="5181600" cy="4769728"/>
-          </a:xfrm>
-        </p:spPr>
-        <p:txBody>
-          <a:bodyPr>
-            <a:normAutofit fontScale="92500" lnSpcReduction="20000"/>
-          </a:bodyPr>
-          <a:lstStyle/>
-          <a:p>
-            <a:pPr marL="342900" lvl="0" indent="-342900">
-              <a:lnSpc>
-                <a:spcPct val="107000"/>
-              </a:lnSpc>
-              <a:buFont typeface="Symbol" panose="05050102010706020507" pitchFamily="18" charset="2"/>
-              <a:buChar char=""/>
-            </a:pPr>
-            <a:r>
-              <a:rPr lang="de-DE" sz="1200" u="sng" dirty="0">
-                <a:effectLst/>
-                <a:latin typeface="Calibri" panose="020F0502020204030204" pitchFamily="34" charset="0"/>
-                <a:ea typeface="Yu Mincho" panose="02020400000000000000" pitchFamily="18" charset="-128"/>
-                <a:cs typeface="Times New Roman" panose="02020603050405020304" pitchFamily="18" charset="0"/>
-              </a:rPr>
-              <a:t>Upload eines Bildes</a:t>
-            </a:r>
-            <a:endParaRPr lang="de-DE" sz="1200" dirty="0">
-              <a:effectLst/>
-              <a:latin typeface="Calibri" panose="020F0502020204030204" pitchFamily="34" charset="0"/>
-              <a:ea typeface="Yu Mincho" panose="02020400000000000000" pitchFamily="18" charset="-128"/>
-              <a:cs typeface="Times New Roman" panose="02020603050405020304" pitchFamily="18" charset="0"/>
-            </a:endParaRPr>
-          </a:p>
-          <a:p>
-            <a:pPr marL="742950" lvl="1" indent="-285750">
-              <a:lnSpc>
-                <a:spcPct val="107000"/>
-              </a:lnSpc>
-              <a:buFont typeface="Courier New" panose="02070309020205020404" pitchFamily="49" charset="0"/>
-              <a:buChar char="o"/>
-            </a:pPr>
-            <a:r>
-              <a:rPr lang="de-DE" sz="1200" b="1" dirty="0">
-                <a:effectLst/>
-                <a:latin typeface="Calibri" panose="020F0502020204030204" pitchFamily="34" charset="0"/>
-                <a:ea typeface="Yu Mincho" panose="02020400000000000000" pitchFamily="18" charset="-128"/>
-                <a:cs typeface="Times New Roman" panose="02020603050405020304" pitchFamily="18" charset="0"/>
-              </a:rPr>
-              <a:t>Ablauf</a:t>
-            </a:r>
-            <a:endParaRPr lang="de-DE" sz="1200" dirty="0">
-              <a:effectLst/>
-              <a:latin typeface="Calibri" panose="020F0502020204030204" pitchFamily="34" charset="0"/>
-              <a:ea typeface="Yu Mincho" panose="02020400000000000000" pitchFamily="18" charset="-128"/>
-              <a:cs typeface="Times New Roman" panose="02020603050405020304" pitchFamily="18" charset="0"/>
-            </a:endParaRPr>
-          </a:p>
-          <a:p>
-            <a:pPr marL="1143000" lvl="2" indent="-228600">
-              <a:lnSpc>
-                <a:spcPct val="107000"/>
-              </a:lnSpc>
-              <a:buFont typeface="Wingdings" panose="05000000000000000000" pitchFamily="2" charset="2"/>
-              <a:buChar char=""/>
-            </a:pPr>
-            <a:r>
-              <a:rPr lang="de-DE" sz="1200" dirty="0">
-                <a:effectLst/>
-                <a:latin typeface="Calibri" panose="020F0502020204030204" pitchFamily="34" charset="0"/>
-                <a:ea typeface="Yu Mincho" panose="02020400000000000000" pitchFamily="18" charset="-128"/>
-                <a:cs typeface="Times New Roman" panose="02020603050405020304" pitchFamily="18" charset="0"/>
-              </a:rPr>
-              <a:t>Aufruf einer Upload Funktion</a:t>
-            </a:r>
-          </a:p>
-          <a:p>
-            <a:pPr marL="1143000" lvl="2" indent="-228600">
-              <a:lnSpc>
-                <a:spcPct val="107000"/>
-              </a:lnSpc>
-              <a:buFont typeface="Wingdings" panose="05000000000000000000" pitchFamily="2" charset="2"/>
-              <a:buChar char=""/>
-            </a:pPr>
-            <a:r>
-              <a:rPr lang="de-DE" sz="1200" dirty="0">
-                <a:effectLst/>
-                <a:latin typeface="Calibri" panose="020F0502020204030204" pitchFamily="34" charset="0"/>
-                <a:ea typeface="Yu Mincho" panose="02020400000000000000" pitchFamily="18" charset="-128"/>
-                <a:cs typeface="Times New Roman" panose="02020603050405020304" pitchFamily="18" charset="0"/>
-              </a:rPr>
-              <a:t>Auslesen des Bild mit Unterstützung gängiger Bildformate</a:t>
-            </a:r>
-          </a:p>
-          <a:p>
-            <a:pPr marL="1143000" lvl="2" indent="-228600">
-              <a:lnSpc>
-                <a:spcPct val="107000"/>
-              </a:lnSpc>
-              <a:buFont typeface="Wingdings" panose="05000000000000000000" pitchFamily="2" charset="2"/>
-              <a:buChar char=""/>
-            </a:pPr>
-            <a:r>
-              <a:rPr lang="de-DE" sz="1200" dirty="0">
-                <a:effectLst/>
-                <a:latin typeface="Calibri" panose="020F0502020204030204" pitchFamily="34" charset="0"/>
-                <a:ea typeface="Yu Mincho" panose="02020400000000000000" pitchFamily="18" charset="-128"/>
-                <a:cs typeface="Times New Roman" panose="02020603050405020304" pitchFamily="18" charset="0"/>
-              </a:rPr>
-              <a:t>Automatisches Auslesen der erforderlichen Metadaten</a:t>
-            </a:r>
-          </a:p>
-          <a:p>
-            <a:pPr marL="1143000" lvl="2" indent="-228600">
-              <a:lnSpc>
-                <a:spcPct val="107000"/>
-              </a:lnSpc>
-              <a:buFont typeface="Wingdings" panose="05000000000000000000" pitchFamily="2" charset="2"/>
-              <a:buChar char=""/>
-            </a:pPr>
-            <a:r>
-              <a:rPr lang="de-DE" sz="1200" dirty="0">
-                <a:effectLst/>
-                <a:latin typeface="Calibri" panose="020F0502020204030204" pitchFamily="34" charset="0"/>
-                <a:ea typeface="Yu Mincho" panose="02020400000000000000" pitchFamily="18" charset="-128"/>
-                <a:cs typeface="Times New Roman" panose="02020603050405020304" pitchFamily="18" charset="0"/>
-              </a:rPr>
-              <a:t>Erzeugen eines Bildobjekts mit Bild und Metadaten</a:t>
-            </a:r>
-          </a:p>
-          <a:p>
-            <a:pPr marL="1143000" lvl="2" indent="-228600">
-              <a:lnSpc>
-                <a:spcPct val="107000"/>
-              </a:lnSpc>
-              <a:buFont typeface="Wingdings" panose="05000000000000000000" pitchFamily="2" charset="2"/>
-              <a:buChar char=""/>
-            </a:pPr>
-            <a:r>
-              <a:rPr lang="de-DE" sz="1200" dirty="0">
-                <a:effectLst/>
-                <a:latin typeface="Calibri" panose="020F0502020204030204" pitchFamily="34" charset="0"/>
-                <a:ea typeface="Yu Mincho" panose="02020400000000000000" pitchFamily="18" charset="-128"/>
-                <a:cs typeface="Times New Roman" panose="02020603050405020304" pitchFamily="18" charset="0"/>
-              </a:rPr>
-              <a:t>Abspeichern des Bildobjekts</a:t>
-            </a:r>
-          </a:p>
-          <a:p>
-            <a:pPr marL="742950" lvl="1" indent="-285750">
-              <a:lnSpc>
-                <a:spcPct val="107000"/>
-              </a:lnSpc>
-              <a:buFont typeface="Courier New" panose="02070309020205020404" pitchFamily="49" charset="0"/>
-              <a:buChar char="o"/>
-            </a:pPr>
-            <a:r>
-              <a:rPr lang="de-DE" sz="1200" b="1" dirty="0">
-                <a:effectLst/>
-                <a:latin typeface="Calibri" panose="020F0502020204030204" pitchFamily="34" charset="0"/>
-                <a:ea typeface="Yu Mincho" panose="02020400000000000000" pitchFamily="18" charset="-128"/>
-                <a:cs typeface="Times New Roman" panose="02020603050405020304" pitchFamily="18" charset="0"/>
-              </a:rPr>
-              <a:t>Exit-Kriterien</a:t>
-            </a:r>
-            <a:endParaRPr lang="de-DE" sz="1200" dirty="0">
-              <a:effectLst/>
-              <a:latin typeface="Calibri" panose="020F0502020204030204" pitchFamily="34" charset="0"/>
-              <a:ea typeface="Yu Mincho" panose="02020400000000000000" pitchFamily="18" charset="-128"/>
-              <a:cs typeface="Times New Roman" panose="02020603050405020304" pitchFamily="18" charset="0"/>
-            </a:endParaRPr>
-          </a:p>
-          <a:p>
-            <a:pPr marL="1143000" lvl="2" indent="-228600">
-              <a:lnSpc>
-                <a:spcPct val="107000"/>
-              </a:lnSpc>
-              <a:buFont typeface="Wingdings" panose="05000000000000000000" pitchFamily="2" charset="2"/>
-              <a:buChar char=""/>
-            </a:pPr>
-            <a:r>
-              <a:rPr lang="de-DE" sz="1200" dirty="0">
-                <a:effectLst/>
-                <a:latin typeface="Calibri" panose="020F0502020204030204" pitchFamily="34" charset="0"/>
-                <a:ea typeface="Yu Mincho" panose="02020400000000000000" pitchFamily="18" charset="-128"/>
-                <a:cs typeface="Times New Roman" panose="02020603050405020304" pitchFamily="18" charset="0"/>
-              </a:rPr>
-              <a:t>Funktion konnte aufgerufen werden und Eingaben wurden erfolgreich und korrekt übernommen.</a:t>
-            </a:r>
-          </a:p>
-          <a:p>
-            <a:pPr marL="1143000" lvl="2" indent="-228600">
-              <a:lnSpc>
-                <a:spcPct val="107000"/>
-              </a:lnSpc>
-              <a:buFont typeface="Wingdings" panose="05000000000000000000" pitchFamily="2" charset="2"/>
-              <a:buChar char=""/>
-            </a:pPr>
-            <a:r>
-              <a:rPr lang="de-DE" sz="1200" dirty="0">
-                <a:effectLst/>
-                <a:latin typeface="Calibri" panose="020F0502020204030204" pitchFamily="34" charset="0"/>
-                <a:ea typeface="Yu Mincho" panose="02020400000000000000" pitchFamily="18" charset="-128"/>
-                <a:cs typeface="Times New Roman" panose="02020603050405020304" pitchFamily="18" charset="0"/>
-              </a:rPr>
-              <a:t>Bilddaten konnten erfolgreich geladen werden.</a:t>
-            </a:r>
-          </a:p>
-          <a:p>
-            <a:pPr marL="1143000" lvl="2" indent="-228600">
-              <a:lnSpc>
-                <a:spcPct val="107000"/>
-              </a:lnSpc>
-              <a:buFont typeface="Wingdings" panose="05000000000000000000" pitchFamily="2" charset="2"/>
-              <a:buChar char=""/>
-            </a:pPr>
-            <a:r>
-              <a:rPr lang="de-DE" sz="1200" dirty="0">
-                <a:effectLst/>
-                <a:latin typeface="Calibri" panose="020F0502020204030204" pitchFamily="34" charset="0"/>
-                <a:ea typeface="Yu Mincho" panose="02020400000000000000" pitchFamily="18" charset="-128"/>
-                <a:cs typeface="Times New Roman" panose="02020603050405020304" pitchFamily="18" charset="0"/>
-              </a:rPr>
-              <a:t>Neues Bildobjekt wurde erfolgreich erzeugt und abgespeichert.</a:t>
-            </a:r>
-          </a:p>
-          <a:p>
-            <a:pPr marL="742950" lvl="1" indent="-285750">
-              <a:lnSpc>
-                <a:spcPct val="107000"/>
-              </a:lnSpc>
-              <a:buFont typeface="Courier New" panose="02070309020205020404" pitchFamily="49" charset="0"/>
-              <a:buChar char="o"/>
-            </a:pPr>
-            <a:r>
-              <a:rPr lang="de-DE" sz="1200" b="1" dirty="0">
-                <a:effectLst/>
-                <a:latin typeface="Calibri" panose="020F0502020204030204" pitchFamily="34" charset="0"/>
-                <a:ea typeface="Yu Mincho" panose="02020400000000000000" pitchFamily="18" charset="-128"/>
-                <a:cs typeface="Times New Roman" panose="02020603050405020304" pitchFamily="18" charset="0"/>
-              </a:rPr>
-              <a:t>Fail-Kriterien</a:t>
-            </a:r>
-            <a:endParaRPr lang="de-DE" sz="1200" dirty="0">
-              <a:effectLst/>
-              <a:latin typeface="Calibri" panose="020F0502020204030204" pitchFamily="34" charset="0"/>
-              <a:ea typeface="Yu Mincho" panose="02020400000000000000" pitchFamily="18" charset="-128"/>
-              <a:cs typeface="Times New Roman" panose="02020603050405020304" pitchFamily="18" charset="0"/>
-            </a:endParaRPr>
-          </a:p>
-          <a:p>
-            <a:pPr marL="1143000" lvl="2" indent="-228600">
-              <a:lnSpc>
-                <a:spcPct val="107000"/>
-              </a:lnSpc>
-              <a:buFont typeface="Wingdings" panose="05000000000000000000" pitchFamily="2" charset="2"/>
-              <a:buChar char=""/>
-            </a:pPr>
-            <a:r>
-              <a:rPr lang="de-DE" sz="1200" dirty="0">
-                <a:effectLst/>
-                <a:latin typeface="Calibri" panose="020F0502020204030204" pitchFamily="34" charset="0"/>
-                <a:ea typeface="Yu Mincho" panose="02020400000000000000" pitchFamily="18" charset="-128"/>
-                <a:cs typeface="Times New Roman" panose="02020603050405020304" pitchFamily="18" charset="0"/>
-              </a:rPr>
-              <a:t>Bilddaten konnten gar nicht geladen werden</a:t>
-            </a:r>
-          </a:p>
-          <a:p>
-            <a:pPr marL="1143000" lvl="2" indent="-228600">
-              <a:lnSpc>
-                <a:spcPct val="107000"/>
-              </a:lnSpc>
-              <a:buFont typeface="Wingdings" panose="05000000000000000000" pitchFamily="2" charset="2"/>
-              <a:buChar char=""/>
-            </a:pPr>
-            <a:r>
-              <a:rPr lang="de-DE" sz="1200" dirty="0">
-                <a:effectLst/>
-                <a:latin typeface="Calibri" panose="020F0502020204030204" pitchFamily="34" charset="0"/>
-                <a:ea typeface="Yu Mincho" panose="02020400000000000000" pitchFamily="18" charset="-128"/>
-                <a:cs typeface="Times New Roman" panose="02020603050405020304" pitchFamily="18" charset="0"/>
-              </a:rPr>
-              <a:t>Nur begrenzte Bildformate konnten unterstützt werden</a:t>
-            </a:r>
-          </a:p>
-          <a:p>
-            <a:pPr marL="1143000" lvl="2" indent="-228600">
-              <a:lnSpc>
-                <a:spcPct val="107000"/>
-              </a:lnSpc>
-              <a:buFont typeface="Wingdings" panose="05000000000000000000" pitchFamily="2" charset="2"/>
-              <a:buChar char=""/>
-            </a:pPr>
-            <a:r>
-              <a:rPr lang="de-DE" sz="1200" dirty="0">
-                <a:effectLst/>
-                <a:latin typeface="Calibri" panose="020F0502020204030204" pitchFamily="34" charset="0"/>
-                <a:ea typeface="Yu Mincho" panose="02020400000000000000" pitchFamily="18" charset="-128"/>
-                <a:cs typeface="Times New Roman" panose="02020603050405020304" pitchFamily="18" charset="0"/>
-              </a:rPr>
-              <a:t>Neues Bildobjekt konnte nicht erzeugt werden</a:t>
-            </a:r>
-          </a:p>
-          <a:p>
-            <a:pPr marL="1143000" lvl="2" indent="-228600">
-              <a:lnSpc>
-                <a:spcPct val="107000"/>
-              </a:lnSpc>
-              <a:buFont typeface="Wingdings" panose="05000000000000000000" pitchFamily="2" charset="2"/>
-              <a:buChar char=""/>
-            </a:pPr>
-            <a:r>
-              <a:rPr lang="de-DE" sz="1200" dirty="0">
-                <a:effectLst/>
-                <a:latin typeface="Calibri" panose="020F0502020204030204" pitchFamily="34" charset="0"/>
-                <a:ea typeface="Yu Mincho" panose="02020400000000000000" pitchFamily="18" charset="-128"/>
-                <a:cs typeface="Times New Roman" panose="02020603050405020304" pitchFamily="18" charset="0"/>
-              </a:rPr>
-              <a:t>Bildobjekt konnte nicht abgespeichert werden</a:t>
-            </a:r>
-          </a:p>
-          <a:p>
-            <a:pPr marL="742950" lvl="1" indent="-285750">
-              <a:lnSpc>
-                <a:spcPct val="107000"/>
-              </a:lnSpc>
-              <a:buFont typeface="Courier New" panose="02070309020205020404" pitchFamily="49" charset="0"/>
-              <a:buChar char="o"/>
-            </a:pPr>
-            <a:r>
-              <a:rPr lang="de-DE" sz="1200" b="1" dirty="0" err="1">
-                <a:effectLst/>
-                <a:latin typeface="Calibri" panose="020F0502020204030204" pitchFamily="34" charset="0"/>
-                <a:ea typeface="Yu Mincho" panose="02020400000000000000" pitchFamily="18" charset="-128"/>
-                <a:cs typeface="Times New Roman" panose="02020603050405020304" pitchFamily="18" charset="0"/>
-              </a:rPr>
-              <a:t>Fallback</a:t>
-            </a:r>
-            <a:endParaRPr lang="de-DE" sz="1200" dirty="0">
-              <a:effectLst/>
-              <a:latin typeface="Calibri" panose="020F0502020204030204" pitchFamily="34" charset="0"/>
-              <a:ea typeface="Yu Mincho" panose="02020400000000000000" pitchFamily="18" charset="-128"/>
-              <a:cs typeface="Times New Roman" panose="02020603050405020304" pitchFamily="18" charset="0"/>
-            </a:endParaRPr>
-          </a:p>
-          <a:p>
-            <a:pPr marL="1143000" lvl="2" indent="-228600">
-              <a:lnSpc>
-                <a:spcPct val="107000"/>
-              </a:lnSpc>
-              <a:buFont typeface="Wingdings" panose="05000000000000000000" pitchFamily="2" charset="2"/>
-              <a:buChar char=""/>
-            </a:pPr>
-            <a:r>
-              <a:rPr lang="de-DE" sz="1200" dirty="0">
-                <a:effectLst/>
-                <a:latin typeface="Calibri" panose="020F0502020204030204" pitchFamily="34" charset="0"/>
-                <a:ea typeface="Yu Mincho" panose="02020400000000000000" pitchFamily="18" charset="-128"/>
-                <a:cs typeface="Times New Roman" panose="02020603050405020304" pitchFamily="18" charset="0"/>
-              </a:rPr>
-              <a:t>Aus Eindeutige Fehlermeldung wenn technische Fehler bei der Ausführung der Upload Funktion erfolgen</a:t>
-            </a:r>
-          </a:p>
-          <a:p>
-            <a:pPr marL="1143000" lvl="2" indent="-228600">
-              <a:lnSpc>
-                <a:spcPct val="107000"/>
-              </a:lnSpc>
-              <a:buFont typeface="Wingdings" panose="05000000000000000000" pitchFamily="2" charset="2"/>
-              <a:buChar char=""/>
-            </a:pPr>
-            <a:r>
-              <a:rPr lang="de-DE" sz="1200" dirty="0">
-                <a:effectLst/>
-                <a:latin typeface="Calibri" panose="020F0502020204030204" pitchFamily="34" charset="0"/>
-                <a:ea typeface="Yu Mincho" panose="02020400000000000000" pitchFamily="18" charset="-128"/>
-                <a:cs typeface="Times New Roman" panose="02020603050405020304" pitchFamily="18" charset="0"/>
-              </a:rPr>
-              <a:t>Bild wird ohne Metadaten gespeichert</a:t>
-            </a:r>
-          </a:p>
-          <a:p>
-            <a:pPr marL="1143000" lvl="2" indent="-228600">
-              <a:lnSpc>
-                <a:spcPct val="107000"/>
-              </a:lnSpc>
-              <a:spcAft>
-                <a:spcPts val="800"/>
-              </a:spcAft>
-              <a:buFont typeface="Wingdings" panose="05000000000000000000" pitchFamily="2" charset="2"/>
-              <a:buChar char=""/>
-            </a:pPr>
-            <a:r>
-              <a:rPr lang="de-DE" sz="1200" dirty="0">
-                <a:effectLst/>
-                <a:latin typeface="Calibri" panose="020F0502020204030204" pitchFamily="34" charset="0"/>
-                <a:ea typeface="Yu Mincho" panose="02020400000000000000" pitchFamily="18" charset="-128"/>
-                <a:cs typeface="Times New Roman" panose="02020603050405020304" pitchFamily="18" charset="0"/>
-              </a:rPr>
-              <a:t>Es werden begrenzte Bildformate gefordert</a:t>
-            </a:r>
-            <a:endParaRPr lang="de-DE" sz="1200" dirty="0">
-              <a:effectLst/>
-              <a:latin typeface="Calibri" panose="020F0502020204030204" pitchFamily="34" charset="0"/>
-              <a:ea typeface="Calibri" panose="020F0502020204030204" pitchFamily="34" charset="0"/>
-              <a:cs typeface="Times New Roman" panose="02020603050405020304" pitchFamily="18" charset="0"/>
-            </a:endParaRPr>
-          </a:p>
-        </p:txBody>
-      </p:sp>
-      <p:sp>
-        <p:nvSpPr>
-          <p:cNvPr id="6" name="Inhaltsplatzhalter 5">
-            <a:extLst>
-              <a:ext uri="{FF2B5EF4-FFF2-40B4-BE49-F238E27FC236}">
-                <a16:creationId xmlns:a16="http://schemas.microsoft.com/office/drawing/2014/main" id="{D27F10EA-731C-BC21-64B1-413E86CA7C17}"/>
-              </a:ext>
-            </a:extLst>
-          </p:cNvPr>
-          <p:cNvSpPr>
-            <a:spLocks noGrp="1"/>
-          </p:cNvSpPr>
-          <p:nvPr>
-            <p:ph sz="half" idx="2"/>
-          </p:nvPr>
-        </p:nvSpPr>
-        <p:spPr>
-          <a:xfrm>
-            <a:off x="6172200" y="1825625"/>
-            <a:ext cx="5181600" cy="4769728"/>
-          </a:xfrm>
-        </p:spPr>
-        <p:txBody>
-          <a:bodyPr anchor="t" anchorCtr="0">
-            <a:normAutofit fontScale="92500" lnSpcReduction="20000"/>
-          </a:bodyPr>
-          <a:lstStyle/>
-          <a:p>
-            <a:pPr marL="342900" lvl="0" indent="-342900">
-              <a:lnSpc>
-                <a:spcPct val="107000"/>
-              </a:lnSpc>
-              <a:buFont typeface="Symbol" panose="05050102010706020507" pitchFamily="18" charset="2"/>
-              <a:buChar char=""/>
-            </a:pPr>
-            <a:r>
-              <a:rPr lang="de-DE" sz="1100" u="sng" dirty="0">
-                <a:effectLst/>
-                <a:latin typeface="Calibri" panose="020F0502020204030204" pitchFamily="34" charset="0"/>
-                <a:ea typeface="Yu Mincho" panose="02020400000000000000" pitchFamily="18" charset="-128"/>
-                <a:cs typeface="Times New Roman" panose="02020603050405020304" pitchFamily="18" charset="0"/>
-              </a:rPr>
-              <a:t>Aufruf eines gespeicherten Bildes</a:t>
-            </a:r>
-            <a:endParaRPr lang="de-DE" sz="1100" dirty="0">
-              <a:effectLst/>
-              <a:latin typeface="Calibri" panose="020F0502020204030204" pitchFamily="34" charset="0"/>
-              <a:ea typeface="Yu Mincho" panose="02020400000000000000" pitchFamily="18" charset="-128"/>
-              <a:cs typeface="Times New Roman" panose="02020603050405020304" pitchFamily="18" charset="0"/>
-            </a:endParaRPr>
-          </a:p>
-          <a:p>
-            <a:pPr marL="742950" lvl="1" indent="-285750">
-              <a:lnSpc>
-                <a:spcPct val="107000"/>
-              </a:lnSpc>
-              <a:buFont typeface="Courier New" panose="02070309020205020404" pitchFamily="49" charset="0"/>
-              <a:buChar char="o"/>
-            </a:pPr>
-            <a:r>
-              <a:rPr lang="de-DE" sz="1100" b="1" dirty="0">
-                <a:effectLst/>
-                <a:latin typeface="Calibri" panose="020F0502020204030204" pitchFamily="34" charset="0"/>
-                <a:ea typeface="Yu Mincho" panose="02020400000000000000" pitchFamily="18" charset="-128"/>
-                <a:cs typeface="Times New Roman" panose="02020603050405020304" pitchFamily="18" charset="0"/>
-              </a:rPr>
-              <a:t>Ablauf</a:t>
-            </a:r>
-            <a:endParaRPr lang="de-DE" sz="1100" dirty="0">
-              <a:effectLst/>
-              <a:latin typeface="Calibri" panose="020F0502020204030204" pitchFamily="34" charset="0"/>
-              <a:ea typeface="Yu Mincho" panose="02020400000000000000" pitchFamily="18" charset="-128"/>
-              <a:cs typeface="Times New Roman" panose="02020603050405020304" pitchFamily="18" charset="0"/>
-            </a:endParaRPr>
-          </a:p>
-          <a:p>
-            <a:pPr marL="1143000" lvl="2" indent="-228600">
-              <a:lnSpc>
-                <a:spcPct val="107000"/>
-              </a:lnSpc>
-              <a:buFont typeface="Wingdings" panose="05000000000000000000" pitchFamily="2" charset="2"/>
-              <a:buChar char=""/>
-            </a:pPr>
-            <a:r>
-              <a:rPr lang="de-DE" sz="1100" dirty="0">
-                <a:effectLst/>
-                <a:latin typeface="Calibri" panose="020F0502020204030204" pitchFamily="34" charset="0"/>
-                <a:ea typeface="Yu Mincho" panose="02020400000000000000" pitchFamily="18" charset="-128"/>
-                <a:cs typeface="Times New Roman" panose="02020603050405020304" pitchFamily="18" charset="0"/>
-              </a:rPr>
-              <a:t>Bild wird aus persistentem Speicher geladen</a:t>
-            </a:r>
-          </a:p>
-          <a:p>
-            <a:pPr marL="1143000" lvl="2" indent="-228600">
-              <a:lnSpc>
-                <a:spcPct val="107000"/>
-              </a:lnSpc>
-              <a:buFont typeface="Wingdings" panose="05000000000000000000" pitchFamily="2" charset="2"/>
-              <a:buChar char=""/>
-            </a:pPr>
-            <a:r>
-              <a:rPr lang="de-DE" sz="1100" dirty="0">
-                <a:effectLst/>
-                <a:latin typeface="Calibri" panose="020F0502020204030204" pitchFamily="34" charset="0"/>
-                <a:ea typeface="Yu Mincho" panose="02020400000000000000" pitchFamily="18" charset="-128"/>
-                <a:cs typeface="Times New Roman" panose="02020603050405020304" pitchFamily="18" charset="0"/>
-              </a:rPr>
-              <a:t>Ansicht des Bildobjekts erzeugen</a:t>
-            </a:r>
-          </a:p>
-          <a:p>
-            <a:pPr marL="742950" lvl="1" indent="-285750">
-              <a:lnSpc>
-                <a:spcPct val="107000"/>
-              </a:lnSpc>
-              <a:buFont typeface="Courier New" panose="02070309020205020404" pitchFamily="49" charset="0"/>
-              <a:buChar char="o"/>
-            </a:pPr>
-            <a:r>
-              <a:rPr lang="de-DE" sz="1100" b="1" dirty="0">
-                <a:effectLst/>
-                <a:latin typeface="Calibri" panose="020F0502020204030204" pitchFamily="34" charset="0"/>
-                <a:ea typeface="Yu Mincho" panose="02020400000000000000" pitchFamily="18" charset="-128"/>
-                <a:cs typeface="Times New Roman" panose="02020603050405020304" pitchFamily="18" charset="0"/>
-              </a:rPr>
-              <a:t>Exit-Kriterien</a:t>
-            </a:r>
-            <a:endParaRPr lang="de-DE" sz="1100" dirty="0">
-              <a:effectLst/>
-              <a:latin typeface="Calibri" panose="020F0502020204030204" pitchFamily="34" charset="0"/>
-              <a:ea typeface="Yu Mincho" panose="02020400000000000000" pitchFamily="18" charset="-128"/>
-              <a:cs typeface="Times New Roman" panose="02020603050405020304" pitchFamily="18" charset="0"/>
-            </a:endParaRPr>
-          </a:p>
-          <a:p>
-            <a:pPr marL="1143000" lvl="2" indent="-228600">
-              <a:lnSpc>
-                <a:spcPct val="107000"/>
-              </a:lnSpc>
-              <a:buFont typeface="Wingdings" panose="05000000000000000000" pitchFamily="2" charset="2"/>
-              <a:buChar char=""/>
-            </a:pPr>
-            <a:r>
-              <a:rPr lang="de-DE" sz="1100" dirty="0">
-                <a:effectLst/>
-                <a:latin typeface="Calibri" panose="020F0502020204030204" pitchFamily="34" charset="0"/>
-                <a:ea typeface="Yu Mincho" panose="02020400000000000000" pitchFamily="18" charset="-128"/>
-                <a:cs typeface="Times New Roman" panose="02020603050405020304" pitchFamily="18" charset="0"/>
-              </a:rPr>
-              <a:t>Bild wurde erfolgreich aus persistentem Speicher geladen</a:t>
-            </a:r>
-          </a:p>
-          <a:p>
-            <a:pPr marL="1143000" lvl="2" indent="-228600">
-              <a:lnSpc>
-                <a:spcPct val="107000"/>
-              </a:lnSpc>
-              <a:buFont typeface="Wingdings" panose="05000000000000000000" pitchFamily="2" charset="2"/>
-              <a:buChar char=""/>
-            </a:pPr>
-            <a:r>
-              <a:rPr lang="de-DE" sz="1100" dirty="0">
-                <a:effectLst/>
-                <a:latin typeface="Calibri" panose="020F0502020204030204" pitchFamily="34" charset="0"/>
-                <a:ea typeface="Yu Mincho" panose="02020400000000000000" pitchFamily="18" charset="-128"/>
-                <a:cs typeface="Times New Roman" panose="02020603050405020304" pitchFamily="18" charset="0"/>
-              </a:rPr>
-              <a:t>Ansicht wurde erfolgreich erzeugt.</a:t>
-            </a:r>
-          </a:p>
-          <a:p>
-            <a:pPr marL="742950" lvl="1" indent="-285750">
-              <a:lnSpc>
-                <a:spcPct val="107000"/>
-              </a:lnSpc>
-              <a:buFont typeface="Courier New" panose="02070309020205020404" pitchFamily="49" charset="0"/>
-              <a:buChar char="o"/>
-            </a:pPr>
-            <a:r>
-              <a:rPr lang="de-DE" sz="1100" b="1" dirty="0">
-                <a:effectLst/>
-                <a:latin typeface="Calibri" panose="020F0502020204030204" pitchFamily="34" charset="0"/>
-                <a:ea typeface="Yu Mincho" panose="02020400000000000000" pitchFamily="18" charset="-128"/>
-                <a:cs typeface="Times New Roman" panose="02020603050405020304" pitchFamily="18" charset="0"/>
-              </a:rPr>
-              <a:t>Fail-Kriterien</a:t>
-            </a:r>
-            <a:endParaRPr lang="de-DE" sz="1100" dirty="0">
-              <a:effectLst/>
-              <a:latin typeface="Calibri" panose="020F0502020204030204" pitchFamily="34" charset="0"/>
-              <a:ea typeface="Yu Mincho" panose="02020400000000000000" pitchFamily="18" charset="-128"/>
-              <a:cs typeface="Times New Roman" panose="02020603050405020304" pitchFamily="18" charset="0"/>
-            </a:endParaRPr>
-          </a:p>
-          <a:p>
-            <a:pPr marL="1143000" lvl="2" indent="-228600">
-              <a:lnSpc>
-                <a:spcPct val="107000"/>
-              </a:lnSpc>
-              <a:buFont typeface="Wingdings" panose="05000000000000000000" pitchFamily="2" charset="2"/>
-              <a:buChar char=""/>
-            </a:pPr>
-            <a:r>
-              <a:rPr lang="de-DE" sz="1100" dirty="0">
-                <a:effectLst/>
-                <a:latin typeface="Calibri" panose="020F0502020204030204" pitchFamily="34" charset="0"/>
-                <a:ea typeface="Yu Mincho" panose="02020400000000000000" pitchFamily="18" charset="-128"/>
-                <a:cs typeface="Times New Roman" panose="02020603050405020304" pitchFamily="18" charset="0"/>
-              </a:rPr>
-              <a:t>Bild wurde nicht aus persistentem Speicher geladen</a:t>
-            </a:r>
-          </a:p>
-          <a:p>
-            <a:pPr marL="1143000" lvl="2" indent="-228600">
-              <a:lnSpc>
-                <a:spcPct val="107000"/>
-              </a:lnSpc>
-              <a:buFont typeface="Wingdings" panose="05000000000000000000" pitchFamily="2" charset="2"/>
-              <a:buChar char=""/>
-            </a:pPr>
-            <a:r>
-              <a:rPr lang="de-DE" sz="1100" dirty="0">
-                <a:effectLst/>
-                <a:latin typeface="Calibri" panose="020F0502020204030204" pitchFamily="34" charset="0"/>
-                <a:ea typeface="Yu Mincho" panose="02020400000000000000" pitchFamily="18" charset="-128"/>
-                <a:cs typeface="Times New Roman" panose="02020603050405020304" pitchFamily="18" charset="0"/>
-              </a:rPr>
-              <a:t>Ansicht wurde nicht erzeugt</a:t>
-            </a:r>
-          </a:p>
-          <a:p>
-            <a:pPr marL="742950" lvl="1" indent="-285750">
-              <a:lnSpc>
-                <a:spcPct val="107000"/>
-              </a:lnSpc>
-              <a:buFont typeface="Courier New" panose="02070309020205020404" pitchFamily="49" charset="0"/>
-              <a:buChar char="o"/>
-            </a:pPr>
-            <a:r>
-              <a:rPr lang="de-DE" sz="1100" b="1" dirty="0" err="1">
-                <a:effectLst/>
-                <a:latin typeface="Calibri" panose="020F0502020204030204" pitchFamily="34" charset="0"/>
-                <a:ea typeface="Yu Mincho" panose="02020400000000000000" pitchFamily="18" charset="-128"/>
-                <a:cs typeface="Times New Roman" panose="02020603050405020304" pitchFamily="18" charset="0"/>
-              </a:rPr>
-              <a:t>Fallback</a:t>
-            </a:r>
-            <a:endParaRPr lang="de-DE" sz="1100" dirty="0">
-              <a:effectLst/>
-              <a:latin typeface="Calibri" panose="020F0502020204030204" pitchFamily="34" charset="0"/>
-              <a:ea typeface="Yu Mincho" panose="02020400000000000000" pitchFamily="18" charset="-128"/>
-              <a:cs typeface="Times New Roman" panose="02020603050405020304" pitchFamily="18" charset="0"/>
-            </a:endParaRPr>
-          </a:p>
-          <a:p>
-            <a:pPr marL="1143000" lvl="2" indent="-228600">
-              <a:lnSpc>
-                <a:spcPct val="107000"/>
-              </a:lnSpc>
-              <a:buFont typeface="Wingdings" panose="05000000000000000000" pitchFamily="2" charset="2"/>
-              <a:buChar char=""/>
-            </a:pPr>
-            <a:r>
-              <a:rPr lang="de-DE" sz="1100" dirty="0">
-                <a:effectLst/>
-                <a:latin typeface="Calibri" panose="020F0502020204030204" pitchFamily="34" charset="0"/>
-                <a:ea typeface="Yu Mincho" panose="02020400000000000000" pitchFamily="18" charset="-128"/>
-                <a:cs typeface="Times New Roman" panose="02020603050405020304" pitchFamily="18" charset="0"/>
-              </a:rPr>
-              <a:t>Eindeutige Fehlermeldung anzeigen</a:t>
-            </a:r>
-          </a:p>
-          <a:p>
-            <a:pPr marL="1143000" lvl="2" indent="-228600">
-              <a:lnSpc>
-                <a:spcPct val="107000"/>
-              </a:lnSpc>
-              <a:spcAft>
-                <a:spcPts val="800"/>
-              </a:spcAft>
-              <a:buFont typeface="Wingdings" panose="05000000000000000000" pitchFamily="2" charset="2"/>
-              <a:buChar char=""/>
-            </a:pPr>
-            <a:r>
-              <a:rPr lang="de-DE" sz="1100" dirty="0">
-                <a:effectLst/>
-                <a:latin typeface="Calibri" panose="020F0502020204030204" pitchFamily="34" charset="0"/>
-                <a:ea typeface="Yu Mincho" panose="02020400000000000000" pitchFamily="18" charset="-128"/>
-                <a:cs typeface="Times New Roman" panose="02020603050405020304" pitchFamily="18" charset="0"/>
-              </a:rPr>
-              <a:t>Aufforderung zum neu laden mitteilen</a:t>
-            </a:r>
+            <p:ph idx="1"/>
+          </p:nvPr>
+        </p:nvSpPr>
+        <p:spPr/>
+        <p:txBody>
+          <a:bodyPr/>
+          <a:lstStyle/>
+          <a:p>
+            <a:endParaRPr lang="de-DE" dirty="0"/>
           </a:p>
         </p:txBody>
       </p:sp>
@@ -6736,7 +6055,7 @@
     </p:spTree>
     <p:extLst>
       <p:ext uri="{BB962C8B-B14F-4D97-AF65-F5344CB8AC3E}">
-        <p14:creationId xmlns:p14="http://schemas.microsoft.com/office/powerpoint/2010/main" val="1195816902"/>
+        <p14:creationId xmlns:p14="http://schemas.microsoft.com/office/powerpoint/2010/main" val="738318702"/>
       </p:ext>
     </p:extLst>
   </p:cSld>
@@ -6765,6 +6084,1199 @@
       </p:grpSpPr>
       <p:sp>
         <p:nvSpPr>
+          <p:cNvPr id="3" name="Titel 2">
+            <a:extLst>
+              <a:ext uri="{FF2B5EF4-FFF2-40B4-BE49-F238E27FC236}">
+                <a16:creationId xmlns:a16="http://schemas.microsoft.com/office/drawing/2014/main" id="{53AD19EA-19FD-31C3-9A36-EC2C3ECA7425}"/>
+              </a:ext>
+            </a:extLst>
+          </p:cNvPr>
+          <p:cNvSpPr>
+            <a:spLocks noGrp="1"/>
+          </p:cNvSpPr>
+          <p:nvPr>
+            <p:ph type="title"/>
+          </p:nvPr>
+        </p:nvSpPr>
+        <p:spPr/>
+        <p:txBody>
+          <a:bodyPr/>
+          <a:lstStyle/>
+          <a:p>
+            <a:r>
+              <a:rPr lang="de-DE" dirty="0"/>
+              <a:t>Use-Cases</a:t>
+            </a:r>
+          </a:p>
+        </p:txBody>
+      </p:sp>
+      <p:sp>
+        <p:nvSpPr>
+          <p:cNvPr id="4" name="Inhaltsplatzhalter 3">
+            <a:extLst>
+              <a:ext uri="{FF2B5EF4-FFF2-40B4-BE49-F238E27FC236}">
+                <a16:creationId xmlns:a16="http://schemas.microsoft.com/office/drawing/2014/main" id="{43D36CD5-C13A-93D9-C18B-BCA6C25AEC2A}"/>
+              </a:ext>
+            </a:extLst>
+          </p:cNvPr>
+          <p:cNvSpPr>
+            <a:spLocks noGrp="1"/>
+          </p:cNvSpPr>
+          <p:nvPr>
+            <p:ph idx="1"/>
+          </p:nvPr>
+        </p:nvSpPr>
+        <p:spPr/>
+        <p:txBody>
+          <a:bodyPr/>
+          <a:lstStyle/>
+          <a:p>
+            <a:endParaRPr lang="de-DE" dirty="0"/>
+          </a:p>
+        </p:txBody>
+      </p:sp>
+      <p:sp>
+        <p:nvSpPr>
+          <p:cNvPr id="5" name="Foliennummernplatzhalter 4">
+            <a:extLst>
+              <a:ext uri="{FF2B5EF4-FFF2-40B4-BE49-F238E27FC236}">
+                <a16:creationId xmlns:a16="http://schemas.microsoft.com/office/drawing/2014/main" id="{7B246376-21DF-8BF4-A1FD-B77C22C28AAB}"/>
+              </a:ext>
+            </a:extLst>
+          </p:cNvPr>
+          <p:cNvSpPr>
+            <a:spLocks noGrp="1"/>
+          </p:cNvSpPr>
+          <p:nvPr>
+            <p:ph type="sldNum" sz="quarter" idx="12"/>
+          </p:nvPr>
+        </p:nvSpPr>
+        <p:spPr/>
+        <p:txBody>
+          <a:bodyPr/>
+          <a:lstStyle/>
+          <a:p>
+            <a:fld id="{4FD190AE-D9AE-4074-AAED-D637288AF7F0}" type="slidenum">
+              <a:rPr lang="de-DE" sz="2000" smtClean="0">
+                <a:solidFill>
+                  <a:schemeClr val="tx1"/>
+                </a:solidFill>
+              </a:rPr>
+              <a:t>4</a:t>
+            </a:fld>
+            <a:endParaRPr lang="de-DE" sz="2000" dirty="0">
+              <a:solidFill>
+                <a:schemeClr val="tx1"/>
+              </a:solidFill>
+            </a:endParaRPr>
+          </a:p>
+        </p:txBody>
+      </p:sp>
+    </p:spTree>
+    <p:extLst>
+      <p:ext uri="{BB962C8B-B14F-4D97-AF65-F5344CB8AC3E}">
+        <p14:creationId xmlns:p14="http://schemas.microsoft.com/office/powerpoint/2010/main" val="1602302725"/>
+      </p:ext>
+    </p:extLst>
+  </p:cSld>
+  <p:clrMapOvr>
+    <a:masterClrMapping/>
+  </p:clrMapOvr>
+</p:sld>
+</file>
+
+<file path=ppt/slides/slide5.xml><?xml version="1.0" encoding="utf-8"?>
+<p:sld xmlns:a="http://schemas.openxmlformats.org/drawingml/2006/main" xmlns:r="http://schemas.openxmlformats.org/officeDocument/2006/relationships" xmlns:p="http://schemas.openxmlformats.org/presentationml/2006/main">
+  <p:cSld>
+    <p:spTree>
+      <p:nvGrpSpPr>
+        <p:cNvPr id="1" name=""/>
+        <p:cNvGrpSpPr/>
+        <p:nvPr/>
+      </p:nvGrpSpPr>
+      <p:grpSpPr>
+        <a:xfrm>
+          <a:off x="0" y="0"/>
+          <a:ext cx="0" cy="0"/>
+          <a:chOff x="0" y="0"/>
+          <a:chExt cx="0" cy="0"/>
+        </a:xfrm>
+      </p:grpSpPr>
+      <p:sp>
+        <p:nvSpPr>
+          <p:cNvPr id="2" name="Titel 1">
+            <a:extLst>
+              <a:ext uri="{FF2B5EF4-FFF2-40B4-BE49-F238E27FC236}">
+                <a16:creationId xmlns:a16="http://schemas.microsoft.com/office/drawing/2014/main" id="{4AC7DED0-9976-693C-8B24-D84F23C8E7B6}"/>
+              </a:ext>
+            </a:extLst>
+          </p:cNvPr>
+          <p:cNvSpPr>
+            <a:spLocks noGrp="1"/>
+          </p:cNvSpPr>
+          <p:nvPr>
+            <p:ph type="title"/>
+          </p:nvPr>
+        </p:nvSpPr>
+        <p:spPr/>
+        <p:txBody>
+          <a:bodyPr/>
+          <a:lstStyle/>
+          <a:p>
+            <a:pPr algn="ctr"/>
+            <a:r>
+              <a:rPr lang="de-DE" dirty="0"/>
+              <a:t>POCs</a:t>
+            </a:r>
+          </a:p>
+        </p:txBody>
+      </p:sp>
+      <p:sp>
+        <p:nvSpPr>
+          <p:cNvPr id="3" name="Inhaltsplatzhalter 2">
+            <a:extLst>
+              <a:ext uri="{FF2B5EF4-FFF2-40B4-BE49-F238E27FC236}">
+                <a16:creationId xmlns:a16="http://schemas.microsoft.com/office/drawing/2014/main" id="{9AA5B10A-797A-3078-DAD6-26CFC5DC6EB5}"/>
+              </a:ext>
+            </a:extLst>
+          </p:cNvPr>
+          <p:cNvSpPr>
+            <a:spLocks noGrp="1"/>
+          </p:cNvSpPr>
+          <p:nvPr>
+            <p:ph sz="half" idx="1"/>
+          </p:nvPr>
+        </p:nvSpPr>
+        <p:spPr/>
+        <p:txBody>
+          <a:bodyPr>
+            <a:normAutofit/>
+          </a:bodyPr>
+          <a:lstStyle/>
+          <a:p>
+            <a:pPr marL="0" indent="0">
+              <a:buNone/>
+            </a:pPr>
+            <a:r>
+              <a:rPr lang="de-DE" sz="1100" b="1" dirty="0" err="1"/>
+              <a:t>Priority</a:t>
+            </a:r>
+            <a:endParaRPr lang="de-DE" sz="1100" b="1" dirty="0"/>
+          </a:p>
+          <a:p>
+            <a:r>
+              <a:rPr lang="de-DE" sz="1100" dirty="0"/>
+              <a:t>Upload eines Bildes</a:t>
+            </a:r>
+          </a:p>
+          <a:p>
+            <a:r>
+              <a:rPr lang="de-DE" sz="1100" dirty="0"/>
+              <a:t>Aufruf eines gespeicherten Bildes</a:t>
+            </a:r>
+          </a:p>
+          <a:p>
+            <a:r>
+              <a:rPr lang="de-DE" sz="1100" dirty="0"/>
+              <a:t>Pub/Sub Funktionalität – </a:t>
+            </a:r>
+            <a:r>
+              <a:rPr lang="de-DE" sz="1100" dirty="0" err="1"/>
+              <a:t>subscribe</a:t>
+            </a:r>
+            <a:endParaRPr lang="de-DE" sz="1100" dirty="0"/>
+          </a:p>
+          <a:p>
+            <a:r>
+              <a:rPr lang="de-DE" sz="1100" dirty="0"/>
+              <a:t>Pub/Sub Funktionalität – publish</a:t>
+            </a:r>
+          </a:p>
+          <a:p>
+            <a:r>
+              <a:rPr lang="de-DE" sz="1100" dirty="0"/>
+              <a:t>Login</a:t>
+            </a:r>
+          </a:p>
+          <a:p>
+            <a:r>
+              <a:rPr lang="de-DE" sz="1100" dirty="0"/>
+              <a:t>Login als User mit Sonderrechten</a:t>
+            </a:r>
+          </a:p>
+          <a:p>
+            <a:r>
+              <a:rPr lang="de-DE" sz="1100" dirty="0"/>
+              <a:t>Login in als User ohne Plattform zugriff</a:t>
+            </a:r>
+          </a:p>
+        </p:txBody>
+      </p:sp>
+      <p:sp>
+        <p:nvSpPr>
+          <p:cNvPr id="4" name="Inhaltsplatzhalter 3">
+            <a:extLst>
+              <a:ext uri="{FF2B5EF4-FFF2-40B4-BE49-F238E27FC236}">
+                <a16:creationId xmlns:a16="http://schemas.microsoft.com/office/drawing/2014/main" id="{3745E24A-6EBE-396A-E812-004272A50CC0}"/>
+              </a:ext>
+            </a:extLst>
+          </p:cNvPr>
+          <p:cNvSpPr>
+            <a:spLocks noGrp="1"/>
+          </p:cNvSpPr>
+          <p:nvPr>
+            <p:ph sz="half" idx="2"/>
+          </p:nvPr>
+        </p:nvSpPr>
+        <p:spPr/>
+        <p:txBody>
+          <a:bodyPr/>
+          <a:lstStyle/>
+          <a:p>
+            <a:pPr marL="0" indent="0">
+              <a:buNone/>
+            </a:pPr>
+            <a:r>
+              <a:rPr lang="de-DE" b="1" dirty="0"/>
+              <a:t>Keine </a:t>
+            </a:r>
+            <a:r>
+              <a:rPr lang="de-DE" b="1" dirty="0" err="1"/>
+              <a:t>Priority</a:t>
+            </a:r>
+            <a:endParaRPr lang="de-DE" b="1" dirty="0"/>
+          </a:p>
+          <a:p>
+            <a:r>
+              <a:rPr lang="de-DE" dirty="0"/>
+              <a:t>Registrierung</a:t>
+            </a:r>
+          </a:p>
+          <a:p>
+            <a:r>
+              <a:rPr lang="de-DE" dirty="0"/>
+              <a:t>Verschlüsselung</a:t>
+            </a:r>
+          </a:p>
+          <a:p>
+            <a:r>
+              <a:rPr lang="de-DE" dirty="0"/>
+              <a:t>„Befreunden“ mit anderem User</a:t>
+            </a:r>
+          </a:p>
+          <a:p>
+            <a:r>
+              <a:rPr lang="de-DE" dirty="0"/>
+              <a:t>Annahme „Befreundung“</a:t>
+            </a:r>
+          </a:p>
+          <a:p>
+            <a:r>
+              <a:rPr lang="de-DE" dirty="0"/>
+              <a:t>Chat Funktion</a:t>
+            </a:r>
+          </a:p>
+          <a:p>
+            <a:r>
+              <a:rPr lang="de-DE"/>
+              <a:t>Zugriff auf Datenbank</a:t>
+            </a:r>
+            <a:endParaRPr lang="de-DE" dirty="0"/>
+          </a:p>
+          <a:p>
+            <a:endParaRPr lang="de-DE" b="1" dirty="0"/>
+          </a:p>
+        </p:txBody>
+      </p:sp>
+      <p:sp>
+        <p:nvSpPr>
+          <p:cNvPr id="5" name="Foliennummernplatzhalter 4">
+            <a:extLst>
+              <a:ext uri="{FF2B5EF4-FFF2-40B4-BE49-F238E27FC236}">
+                <a16:creationId xmlns:a16="http://schemas.microsoft.com/office/drawing/2014/main" id="{7B246376-21DF-8BF4-A1FD-B77C22C28AAB}"/>
+              </a:ext>
+            </a:extLst>
+          </p:cNvPr>
+          <p:cNvSpPr>
+            <a:spLocks noGrp="1"/>
+          </p:cNvSpPr>
+          <p:nvPr>
+            <p:ph type="sldNum" sz="quarter" idx="12"/>
+          </p:nvPr>
+        </p:nvSpPr>
+        <p:spPr/>
+        <p:txBody>
+          <a:bodyPr/>
+          <a:lstStyle/>
+          <a:p>
+            <a:fld id="{4FD190AE-D9AE-4074-AAED-D637288AF7F0}" type="slidenum">
+              <a:rPr lang="de-DE" sz="2000" smtClean="0">
+                <a:solidFill>
+                  <a:schemeClr val="tx1"/>
+                </a:solidFill>
+              </a:rPr>
+              <a:t>5</a:t>
+            </a:fld>
+            <a:endParaRPr lang="de-DE" sz="2000" dirty="0">
+              <a:solidFill>
+                <a:schemeClr val="tx1"/>
+              </a:solidFill>
+            </a:endParaRPr>
+          </a:p>
+        </p:txBody>
+      </p:sp>
+    </p:spTree>
+    <p:extLst>
+      <p:ext uri="{BB962C8B-B14F-4D97-AF65-F5344CB8AC3E}">
+        <p14:creationId xmlns:p14="http://schemas.microsoft.com/office/powerpoint/2010/main" val="3388715465"/>
+      </p:ext>
+    </p:extLst>
+  </p:cSld>
+  <p:clrMapOvr>
+    <a:masterClrMapping/>
+  </p:clrMapOvr>
+</p:sld>
+</file>
+
+<file path=ppt/slides/slide6.xml><?xml version="1.0" encoding="utf-8"?>
+<p:sld xmlns:a="http://schemas.openxmlformats.org/drawingml/2006/main" xmlns:r="http://schemas.openxmlformats.org/officeDocument/2006/relationships" xmlns:p="http://schemas.openxmlformats.org/presentationml/2006/main">
+  <p:cSld>
+    <p:spTree>
+      <p:nvGrpSpPr>
+        <p:cNvPr id="1" name=""/>
+        <p:cNvGrpSpPr/>
+        <p:nvPr/>
+      </p:nvGrpSpPr>
+      <p:grpSpPr>
+        <a:xfrm>
+          <a:off x="0" y="0"/>
+          <a:ext cx="0" cy="0"/>
+          <a:chOff x="0" y="0"/>
+          <a:chExt cx="0" cy="0"/>
+        </a:xfrm>
+      </p:grpSpPr>
+      <p:sp>
+        <p:nvSpPr>
+          <p:cNvPr id="2" name="Titel 1">
+            <a:extLst>
+              <a:ext uri="{FF2B5EF4-FFF2-40B4-BE49-F238E27FC236}">
+                <a16:creationId xmlns:a16="http://schemas.microsoft.com/office/drawing/2014/main" id="{4AC7DED0-9976-693C-8B24-D84F23C8E7B6}"/>
+              </a:ext>
+            </a:extLst>
+          </p:cNvPr>
+          <p:cNvSpPr>
+            <a:spLocks noGrp="1"/>
+          </p:cNvSpPr>
+          <p:nvPr>
+            <p:ph type="title"/>
+          </p:nvPr>
+        </p:nvSpPr>
+        <p:spPr/>
+        <p:txBody>
+          <a:bodyPr/>
+          <a:lstStyle/>
+          <a:p>
+            <a:pPr algn="ctr"/>
+            <a:r>
+              <a:rPr lang="de-DE" dirty="0"/>
+              <a:t>POC Bildaufruf/-abruf</a:t>
+            </a:r>
+          </a:p>
+        </p:txBody>
+      </p:sp>
+      <p:sp>
+        <p:nvSpPr>
+          <p:cNvPr id="3" name="Inhaltsplatzhalter 2">
+            <a:extLst>
+              <a:ext uri="{FF2B5EF4-FFF2-40B4-BE49-F238E27FC236}">
+                <a16:creationId xmlns:a16="http://schemas.microsoft.com/office/drawing/2014/main" id="{26828B3D-0288-9D01-3FAB-ED2A638AE90B}"/>
+              </a:ext>
+            </a:extLst>
+          </p:cNvPr>
+          <p:cNvSpPr>
+            <a:spLocks noGrp="1"/>
+          </p:cNvSpPr>
+          <p:nvPr>
+            <p:ph sz="half" idx="1"/>
+          </p:nvPr>
+        </p:nvSpPr>
+        <p:spPr>
+          <a:xfrm>
+            <a:off x="838200" y="1825625"/>
+            <a:ext cx="5181600" cy="4769728"/>
+          </a:xfrm>
+        </p:spPr>
+        <p:txBody>
+          <a:bodyPr>
+            <a:normAutofit fontScale="92500" lnSpcReduction="20000"/>
+          </a:bodyPr>
+          <a:lstStyle/>
+          <a:p>
+            <a:pPr marL="342900" lvl="0" indent="-342900">
+              <a:lnSpc>
+                <a:spcPct val="107000"/>
+              </a:lnSpc>
+              <a:buFont typeface="Symbol" panose="05050102010706020507" pitchFamily="18" charset="2"/>
+              <a:buChar char=""/>
+            </a:pPr>
+            <a:r>
+              <a:rPr lang="de-DE" sz="1200" u="sng" dirty="0">
+                <a:effectLst/>
+                <a:latin typeface="Calibri" panose="020F0502020204030204" pitchFamily="34" charset="0"/>
+                <a:ea typeface="Yu Mincho" panose="02020400000000000000" pitchFamily="18" charset="-128"/>
+                <a:cs typeface="Times New Roman" panose="02020603050405020304" pitchFamily="18" charset="0"/>
+              </a:rPr>
+              <a:t>Upload eines Bildes</a:t>
+            </a:r>
+            <a:endParaRPr lang="de-DE" sz="1200" dirty="0">
+              <a:effectLst/>
+              <a:latin typeface="Calibri" panose="020F0502020204030204" pitchFamily="34" charset="0"/>
+              <a:ea typeface="Yu Mincho" panose="02020400000000000000" pitchFamily="18" charset="-128"/>
+              <a:cs typeface="Times New Roman" panose="02020603050405020304" pitchFamily="18" charset="0"/>
+            </a:endParaRPr>
+          </a:p>
+          <a:p>
+            <a:pPr marL="742950" lvl="1" indent="-285750">
+              <a:lnSpc>
+                <a:spcPct val="107000"/>
+              </a:lnSpc>
+              <a:buFont typeface="Courier New" panose="02070309020205020404" pitchFamily="49" charset="0"/>
+              <a:buChar char="o"/>
+            </a:pPr>
+            <a:r>
+              <a:rPr lang="de-DE" sz="1200" b="1" dirty="0">
+                <a:effectLst/>
+                <a:latin typeface="Calibri" panose="020F0502020204030204" pitchFamily="34" charset="0"/>
+                <a:ea typeface="Yu Mincho" panose="02020400000000000000" pitchFamily="18" charset="-128"/>
+                <a:cs typeface="Times New Roman" panose="02020603050405020304" pitchFamily="18" charset="0"/>
+              </a:rPr>
+              <a:t>Ablauf</a:t>
+            </a:r>
+            <a:endParaRPr lang="de-DE" sz="1200" dirty="0">
+              <a:effectLst/>
+              <a:latin typeface="Calibri" panose="020F0502020204030204" pitchFamily="34" charset="0"/>
+              <a:ea typeface="Yu Mincho" panose="02020400000000000000" pitchFamily="18" charset="-128"/>
+              <a:cs typeface="Times New Roman" panose="02020603050405020304" pitchFamily="18" charset="0"/>
+            </a:endParaRPr>
+          </a:p>
+          <a:p>
+            <a:pPr marL="1143000" lvl="2" indent="-228600">
+              <a:lnSpc>
+                <a:spcPct val="107000"/>
+              </a:lnSpc>
+              <a:buFont typeface="Wingdings" panose="05000000000000000000" pitchFamily="2" charset="2"/>
+              <a:buChar char=""/>
+            </a:pPr>
+            <a:r>
+              <a:rPr lang="de-DE" sz="1200" dirty="0">
+                <a:effectLst/>
+                <a:latin typeface="Calibri" panose="020F0502020204030204" pitchFamily="34" charset="0"/>
+                <a:ea typeface="Yu Mincho" panose="02020400000000000000" pitchFamily="18" charset="-128"/>
+                <a:cs typeface="Times New Roman" panose="02020603050405020304" pitchFamily="18" charset="0"/>
+              </a:rPr>
+              <a:t>Aufruf einer Upload Funktion</a:t>
+            </a:r>
+          </a:p>
+          <a:p>
+            <a:pPr marL="1143000" lvl="2" indent="-228600">
+              <a:lnSpc>
+                <a:spcPct val="107000"/>
+              </a:lnSpc>
+              <a:buFont typeface="Wingdings" panose="05000000000000000000" pitchFamily="2" charset="2"/>
+              <a:buChar char=""/>
+            </a:pPr>
+            <a:r>
+              <a:rPr lang="de-DE" sz="1200" dirty="0">
+                <a:effectLst/>
+                <a:latin typeface="Calibri" panose="020F0502020204030204" pitchFamily="34" charset="0"/>
+                <a:ea typeface="Yu Mincho" panose="02020400000000000000" pitchFamily="18" charset="-128"/>
+                <a:cs typeface="Times New Roman" panose="02020603050405020304" pitchFamily="18" charset="0"/>
+              </a:rPr>
+              <a:t>Auslesen des Bild mit Unterstützung gängiger Bildformate</a:t>
+            </a:r>
+          </a:p>
+          <a:p>
+            <a:pPr marL="1143000" lvl="2" indent="-228600">
+              <a:lnSpc>
+                <a:spcPct val="107000"/>
+              </a:lnSpc>
+              <a:buFont typeface="Wingdings" panose="05000000000000000000" pitchFamily="2" charset="2"/>
+              <a:buChar char=""/>
+            </a:pPr>
+            <a:r>
+              <a:rPr lang="de-DE" sz="1200" dirty="0">
+                <a:effectLst/>
+                <a:latin typeface="Calibri" panose="020F0502020204030204" pitchFamily="34" charset="0"/>
+                <a:ea typeface="Yu Mincho" panose="02020400000000000000" pitchFamily="18" charset="-128"/>
+                <a:cs typeface="Times New Roman" panose="02020603050405020304" pitchFamily="18" charset="0"/>
+              </a:rPr>
+              <a:t>Automatisches Auslesen der erforderlichen Metadaten</a:t>
+            </a:r>
+          </a:p>
+          <a:p>
+            <a:pPr marL="1143000" lvl="2" indent="-228600">
+              <a:lnSpc>
+                <a:spcPct val="107000"/>
+              </a:lnSpc>
+              <a:buFont typeface="Wingdings" panose="05000000000000000000" pitchFamily="2" charset="2"/>
+              <a:buChar char=""/>
+            </a:pPr>
+            <a:r>
+              <a:rPr lang="de-DE" sz="1200" dirty="0">
+                <a:effectLst/>
+                <a:latin typeface="Calibri" panose="020F0502020204030204" pitchFamily="34" charset="0"/>
+                <a:ea typeface="Yu Mincho" panose="02020400000000000000" pitchFamily="18" charset="-128"/>
+                <a:cs typeface="Times New Roman" panose="02020603050405020304" pitchFamily="18" charset="0"/>
+              </a:rPr>
+              <a:t>Erzeugen eines Bildobjekts mit Bild und Metadaten</a:t>
+            </a:r>
+          </a:p>
+          <a:p>
+            <a:pPr marL="1143000" lvl="2" indent="-228600">
+              <a:lnSpc>
+                <a:spcPct val="107000"/>
+              </a:lnSpc>
+              <a:buFont typeface="Wingdings" panose="05000000000000000000" pitchFamily="2" charset="2"/>
+              <a:buChar char=""/>
+            </a:pPr>
+            <a:r>
+              <a:rPr lang="de-DE" sz="1200" dirty="0">
+                <a:effectLst/>
+                <a:latin typeface="Calibri" panose="020F0502020204030204" pitchFamily="34" charset="0"/>
+                <a:ea typeface="Yu Mincho" panose="02020400000000000000" pitchFamily="18" charset="-128"/>
+                <a:cs typeface="Times New Roman" panose="02020603050405020304" pitchFamily="18" charset="0"/>
+              </a:rPr>
+              <a:t>Abspeichern des Bildobjekts</a:t>
+            </a:r>
+          </a:p>
+          <a:p>
+            <a:pPr marL="742950" lvl="1" indent="-285750">
+              <a:lnSpc>
+                <a:spcPct val="107000"/>
+              </a:lnSpc>
+              <a:buFont typeface="Courier New" panose="02070309020205020404" pitchFamily="49" charset="0"/>
+              <a:buChar char="o"/>
+            </a:pPr>
+            <a:r>
+              <a:rPr lang="de-DE" sz="1200" b="1" dirty="0">
+                <a:effectLst/>
+                <a:latin typeface="Calibri" panose="020F0502020204030204" pitchFamily="34" charset="0"/>
+                <a:ea typeface="Yu Mincho" panose="02020400000000000000" pitchFamily="18" charset="-128"/>
+                <a:cs typeface="Times New Roman" panose="02020603050405020304" pitchFamily="18" charset="0"/>
+              </a:rPr>
+              <a:t>Exit-Kriterien</a:t>
+            </a:r>
+            <a:endParaRPr lang="de-DE" sz="1200" dirty="0">
+              <a:effectLst/>
+              <a:latin typeface="Calibri" panose="020F0502020204030204" pitchFamily="34" charset="0"/>
+              <a:ea typeface="Yu Mincho" panose="02020400000000000000" pitchFamily="18" charset="-128"/>
+              <a:cs typeface="Times New Roman" panose="02020603050405020304" pitchFamily="18" charset="0"/>
+            </a:endParaRPr>
+          </a:p>
+          <a:p>
+            <a:pPr marL="1143000" lvl="2" indent="-228600">
+              <a:lnSpc>
+                <a:spcPct val="107000"/>
+              </a:lnSpc>
+              <a:buFont typeface="Wingdings" panose="05000000000000000000" pitchFamily="2" charset="2"/>
+              <a:buChar char=""/>
+            </a:pPr>
+            <a:r>
+              <a:rPr lang="de-DE" sz="1200" dirty="0">
+                <a:effectLst/>
+                <a:latin typeface="Calibri" panose="020F0502020204030204" pitchFamily="34" charset="0"/>
+                <a:ea typeface="Yu Mincho" panose="02020400000000000000" pitchFamily="18" charset="-128"/>
+                <a:cs typeface="Times New Roman" panose="02020603050405020304" pitchFamily="18" charset="0"/>
+              </a:rPr>
+              <a:t>Funktion konnte aufgerufen werden und Eingaben wurden erfolgreich und korrekt übernommen.</a:t>
+            </a:r>
+          </a:p>
+          <a:p>
+            <a:pPr marL="1143000" lvl="2" indent="-228600">
+              <a:lnSpc>
+                <a:spcPct val="107000"/>
+              </a:lnSpc>
+              <a:buFont typeface="Wingdings" panose="05000000000000000000" pitchFamily="2" charset="2"/>
+              <a:buChar char=""/>
+            </a:pPr>
+            <a:r>
+              <a:rPr lang="de-DE" sz="1200" dirty="0">
+                <a:effectLst/>
+                <a:latin typeface="Calibri" panose="020F0502020204030204" pitchFamily="34" charset="0"/>
+                <a:ea typeface="Yu Mincho" panose="02020400000000000000" pitchFamily="18" charset="-128"/>
+                <a:cs typeface="Times New Roman" panose="02020603050405020304" pitchFamily="18" charset="0"/>
+              </a:rPr>
+              <a:t>Bilddaten konnten erfolgreich geladen werden.</a:t>
+            </a:r>
+          </a:p>
+          <a:p>
+            <a:pPr marL="1143000" lvl="2" indent="-228600">
+              <a:lnSpc>
+                <a:spcPct val="107000"/>
+              </a:lnSpc>
+              <a:buFont typeface="Wingdings" panose="05000000000000000000" pitchFamily="2" charset="2"/>
+              <a:buChar char=""/>
+            </a:pPr>
+            <a:r>
+              <a:rPr lang="de-DE" sz="1200" dirty="0">
+                <a:effectLst/>
+                <a:latin typeface="Calibri" panose="020F0502020204030204" pitchFamily="34" charset="0"/>
+                <a:ea typeface="Yu Mincho" panose="02020400000000000000" pitchFamily="18" charset="-128"/>
+                <a:cs typeface="Times New Roman" panose="02020603050405020304" pitchFamily="18" charset="0"/>
+              </a:rPr>
+              <a:t>Neues Bildobjekt wurde erfolgreich erzeugt und abgespeichert.</a:t>
+            </a:r>
+          </a:p>
+          <a:p>
+            <a:pPr marL="742950" lvl="1" indent="-285750">
+              <a:lnSpc>
+                <a:spcPct val="107000"/>
+              </a:lnSpc>
+              <a:buFont typeface="Courier New" panose="02070309020205020404" pitchFamily="49" charset="0"/>
+              <a:buChar char="o"/>
+            </a:pPr>
+            <a:r>
+              <a:rPr lang="de-DE" sz="1200" b="1" dirty="0">
+                <a:effectLst/>
+                <a:latin typeface="Calibri" panose="020F0502020204030204" pitchFamily="34" charset="0"/>
+                <a:ea typeface="Yu Mincho" panose="02020400000000000000" pitchFamily="18" charset="-128"/>
+                <a:cs typeface="Times New Roman" panose="02020603050405020304" pitchFamily="18" charset="0"/>
+              </a:rPr>
+              <a:t>Fail-Kriterien</a:t>
+            </a:r>
+            <a:endParaRPr lang="de-DE" sz="1200" dirty="0">
+              <a:effectLst/>
+              <a:latin typeface="Calibri" panose="020F0502020204030204" pitchFamily="34" charset="0"/>
+              <a:ea typeface="Yu Mincho" panose="02020400000000000000" pitchFamily="18" charset="-128"/>
+              <a:cs typeface="Times New Roman" panose="02020603050405020304" pitchFamily="18" charset="0"/>
+            </a:endParaRPr>
+          </a:p>
+          <a:p>
+            <a:pPr marL="1143000" lvl="2" indent="-228600">
+              <a:lnSpc>
+                <a:spcPct val="107000"/>
+              </a:lnSpc>
+              <a:buFont typeface="Wingdings" panose="05000000000000000000" pitchFamily="2" charset="2"/>
+              <a:buChar char=""/>
+            </a:pPr>
+            <a:r>
+              <a:rPr lang="de-DE" sz="1200" dirty="0">
+                <a:effectLst/>
+                <a:latin typeface="Calibri" panose="020F0502020204030204" pitchFamily="34" charset="0"/>
+                <a:ea typeface="Yu Mincho" panose="02020400000000000000" pitchFamily="18" charset="-128"/>
+                <a:cs typeface="Times New Roman" panose="02020603050405020304" pitchFamily="18" charset="0"/>
+              </a:rPr>
+              <a:t>Bilddaten konnten gar nicht geladen werden</a:t>
+            </a:r>
+          </a:p>
+          <a:p>
+            <a:pPr marL="1143000" lvl="2" indent="-228600">
+              <a:lnSpc>
+                <a:spcPct val="107000"/>
+              </a:lnSpc>
+              <a:buFont typeface="Wingdings" panose="05000000000000000000" pitchFamily="2" charset="2"/>
+              <a:buChar char=""/>
+            </a:pPr>
+            <a:r>
+              <a:rPr lang="de-DE" sz="1200" dirty="0">
+                <a:effectLst/>
+                <a:latin typeface="Calibri" panose="020F0502020204030204" pitchFamily="34" charset="0"/>
+                <a:ea typeface="Yu Mincho" panose="02020400000000000000" pitchFamily="18" charset="-128"/>
+                <a:cs typeface="Times New Roman" panose="02020603050405020304" pitchFamily="18" charset="0"/>
+              </a:rPr>
+              <a:t>Nur begrenzte Bildformate konnten unterstützt werden</a:t>
+            </a:r>
+          </a:p>
+          <a:p>
+            <a:pPr marL="1143000" lvl="2" indent="-228600">
+              <a:lnSpc>
+                <a:spcPct val="107000"/>
+              </a:lnSpc>
+              <a:buFont typeface="Wingdings" panose="05000000000000000000" pitchFamily="2" charset="2"/>
+              <a:buChar char=""/>
+            </a:pPr>
+            <a:r>
+              <a:rPr lang="de-DE" sz="1200" dirty="0">
+                <a:effectLst/>
+                <a:latin typeface="Calibri" panose="020F0502020204030204" pitchFamily="34" charset="0"/>
+                <a:ea typeface="Yu Mincho" panose="02020400000000000000" pitchFamily="18" charset="-128"/>
+                <a:cs typeface="Times New Roman" panose="02020603050405020304" pitchFamily="18" charset="0"/>
+              </a:rPr>
+              <a:t>Neues Bildobjekt konnte nicht erzeugt werden</a:t>
+            </a:r>
+          </a:p>
+          <a:p>
+            <a:pPr marL="1143000" lvl="2" indent="-228600">
+              <a:lnSpc>
+                <a:spcPct val="107000"/>
+              </a:lnSpc>
+              <a:buFont typeface="Wingdings" panose="05000000000000000000" pitchFamily="2" charset="2"/>
+              <a:buChar char=""/>
+            </a:pPr>
+            <a:r>
+              <a:rPr lang="de-DE" sz="1200" dirty="0">
+                <a:effectLst/>
+                <a:latin typeface="Calibri" panose="020F0502020204030204" pitchFamily="34" charset="0"/>
+                <a:ea typeface="Yu Mincho" panose="02020400000000000000" pitchFamily="18" charset="-128"/>
+                <a:cs typeface="Times New Roman" panose="02020603050405020304" pitchFamily="18" charset="0"/>
+              </a:rPr>
+              <a:t>Bildobjekt konnte nicht abgespeichert werden</a:t>
+            </a:r>
+          </a:p>
+          <a:p>
+            <a:pPr marL="742950" lvl="1" indent="-285750">
+              <a:lnSpc>
+                <a:spcPct val="107000"/>
+              </a:lnSpc>
+              <a:buFont typeface="Courier New" panose="02070309020205020404" pitchFamily="49" charset="0"/>
+              <a:buChar char="o"/>
+            </a:pPr>
+            <a:r>
+              <a:rPr lang="de-DE" sz="1200" b="1" dirty="0" err="1">
+                <a:effectLst/>
+                <a:latin typeface="Calibri" panose="020F0502020204030204" pitchFamily="34" charset="0"/>
+                <a:ea typeface="Yu Mincho" panose="02020400000000000000" pitchFamily="18" charset="-128"/>
+                <a:cs typeface="Times New Roman" panose="02020603050405020304" pitchFamily="18" charset="0"/>
+              </a:rPr>
+              <a:t>Fallback</a:t>
+            </a:r>
+            <a:endParaRPr lang="de-DE" sz="1200" dirty="0">
+              <a:effectLst/>
+              <a:latin typeface="Calibri" panose="020F0502020204030204" pitchFamily="34" charset="0"/>
+              <a:ea typeface="Yu Mincho" panose="02020400000000000000" pitchFamily="18" charset="-128"/>
+              <a:cs typeface="Times New Roman" panose="02020603050405020304" pitchFamily="18" charset="0"/>
+            </a:endParaRPr>
+          </a:p>
+          <a:p>
+            <a:pPr marL="1143000" lvl="2" indent="-228600">
+              <a:lnSpc>
+                <a:spcPct val="107000"/>
+              </a:lnSpc>
+              <a:buFont typeface="Wingdings" panose="05000000000000000000" pitchFamily="2" charset="2"/>
+              <a:buChar char=""/>
+            </a:pPr>
+            <a:r>
+              <a:rPr lang="de-DE" sz="1200" dirty="0">
+                <a:effectLst/>
+                <a:latin typeface="Calibri" panose="020F0502020204030204" pitchFamily="34" charset="0"/>
+                <a:ea typeface="Yu Mincho" panose="02020400000000000000" pitchFamily="18" charset="-128"/>
+                <a:cs typeface="Times New Roman" panose="02020603050405020304" pitchFamily="18" charset="0"/>
+              </a:rPr>
+              <a:t>Aus Eindeutige Fehlermeldung wenn technische Fehler bei der Ausführung der Upload Funktion erfolgen</a:t>
+            </a:r>
+          </a:p>
+          <a:p>
+            <a:pPr marL="1143000" lvl="2" indent="-228600">
+              <a:lnSpc>
+                <a:spcPct val="107000"/>
+              </a:lnSpc>
+              <a:buFont typeface="Wingdings" panose="05000000000000000000" pitchFamily="2" charset="2"/>
+              <a:buChar char=""/>
+            </a:pPr>
+            <a:r>
+              <a:rPr lang="de-DE" sz="1200" dirty="0">
+                <a:effectLst/>
+                <a:latin typeface="Calibri" panose="020F0502020204030204" pitchFamily="34" charset="0"/>
+                <a:ea typeface="Yu Mincho" panose="02020400000000000000" pitchFamily="18" charset="-128"/>
+                <a:cs typeface="Times New Roman" panose="02020603050405020304" pitchFamily="18" charset="0"/>
+              </a:rPr>
+              <a:t>Bild wird ohne Metadaten gespeichert</a:t>
+            </a:r>
+          </a:p>
+          <a:p>
+            <a:pPr marL="1143000" lvl="2" indent="-228600">
+              <a:lnSpc>
+                <a:spcPct val="107000"/>
+              </a:lnSpc>
+              <a:spcAft>
+                <a:spcPts val="800"/>
+              </a:spcAft>
+              <a:buFont typeface="Wingdings" panose="05000000000000000000" pitchFamily="2" charset="2"/>
+              <a:buChar char=""/>
+            </a:pPr>
+            <a:r>
+              <a:rPr lang="de-DE" sz="1200" dirty="0">
+                <a:effectLst/>
+                <a:latin typeface="Calibri" panose="020F0502020204030204" pitchFamily="34" charset="0"/>
+                <a:ea typeface="Yu Mincho" panose="02020400000000000000" pitchFamily="18" charset="-128"/>
+                <a:cs typeface="Times New Roman" panose="02020603050405020304" pitchFamily="18" charset="0"/>
+              </a:rPr>
+              <a:t>Es werden begrenzte Bildformate gefordert</a:t>
+            </a:r>
+            <a:endParaRPr lang="de-DE" sz="1200" dirty="0">
+              <a:effectLst/>
+              <a:latin typeface="Calibri" panose="020F0502020204030204" pitchFamily="34" charset="0"/>
+              <a:ea typeface="Calibri" panose="020F0502020204030204" pitchFamily="34" charset="0"/>
+              <a:cs typeface="Times New Roman" panose="02020603050405020304" pitchFamily="18" charset="0"/>
+            </a:endParaRPr>
+          </a:p>
+        </p:txBody>
+      </p:sp>
+      <p:sp>
+        <p:nvSpPr>
+          <p:cNvPr id="6" name="Inhaltsplatzhalter 5">
+            <a:extLst>
+              <a:ext uri="{FF2B5EF4-FFF2-40B4-BE49-F238E27FC236}">
+                <a16:creationId xmlns:a16="http://schemas.microsoft.com/office/drawing/2014/main" id="{D27F10EA-731C-BC21-64B1-413E86CA7C17}"/>
+              </a:ext>
+            </a:extLst>
+          </p:cNvPr>
+          <p:cNvSpPr>
+            <a:spLocks noGrp="1"/>
+          </p:cNvSpPr>
+          <p:nvPr>
+            <p:ph sz="half" idx="2"/>
+          </p:nvPr>
+        </p:nvSpPr>
+        <p:spPr>
+          <a:xfrm>
+            <a:off x="6172200" y="1825625"/>
+            <a:ext cx="5181600" cy="4769728"/>
+          </a:xfrm>
+        </p:spPr>
+        <p:txBody>
+          <a:bodyPr anchor="t" anchorCtr="0">
+            <a:normAutofit fontScale="92500" lnSpcReduction="20000"/>
+          </a:bodyPr>
+          <a:lstStyle/>
+          <a:p>
+            <a:pPr marL="342900" lvl="0" indent="-342900">
+              <a:lnSpc>
+                <a:spcPct val="107000"/>
+              </a:lnSpc>
+              <a:buFont typeface="Symbol" panose="05050102010706020507" pitchFamily="18" charset="2"/>
+              <a:buChar char=""/>
+            </a:pPr>
+            <a:r>
+              <a:rPr lang="de-DE" sz="1100" u="sng" dirty="0">
+                <a:effectLst/>
+                <a:latin typeface="Calibri" panose="020F0502020204030204" pitchFamily="34" charset="0"/>
+                <a:ea typeface="Yu Mincho" panose="02020400000000000000" pitchFamily="18" charset="-128"/>
+                <a:cs typeface="Times New Roman" panose="02020603050405020304" pitchFamily="18" charset="0"/>
+              </a:rPr>
+              <a:t>Aufruf eines gespeicherten Bildes</a:t>
+            </a:r>
+            <a:endParaRPr lang="de-DE" sz="1100" dirty="0">
+              <a:effectLst/>
+              <a:latin typeface="Calibri" panose="020F0502020204030204" pitchFamily="34" charset="0"/>
+              <a:ea typeface="Yu Mincho" panose="02020400000000000000" pitchFamily="18" charset="-128"/>
+              <a:cs typeface="Times New Roman" panose="02020603050405020304" pitchFamily="18" charset="0"/>
+            </a:endParaRPr>
+          </a:p>
+          <a:p>
+            <a:pPr marL="742950" lvl="1" indent="-285750">
+              <a:lnSpc>
+                <a:spcPct val="107000"/>
+              </a:lnSpc>
+              <a:buFont typeface="Courier New" panose="02070309020205020404" pitchFamily="49" charset="0"/>
+              <a:buChar char="o"/>
+            </a:pPr>
+            <a:r>
+              <a:rPr lang="de-DE" sz="1100" b="1" dirty="0">
+                <a:effectLst/>
+                <a:latin typeface="Calibri" panose="020F0502020204030204" pitchFamily="34" charset="0"/>
+                <a:ea typeface="Yu Mincho" panose="02020400000000000000" pitchFamily="18" charset="-128"/>
+                <a:cs typeface="Times New Roman" panose="02020603050405020304" pitchFamily="18" charset="0"/>
+              </a:rPr>
+              <a:t>Ablauf</a:t>
+            </a:r>
+            <a:endParaRPr lang="de-DE" sz="1100" dirty="0">
+              <a:effectLst/>
+              <a:latin typeface="Calibri" panose="020F0502020204030204" pitchFamily="34" charset="0"/>
+              <a:ea typeface="Yu Mincho" panose="02020400000000000000" pitchFamily="18" charset="-128"/>
+              <a:cs typeface="Times New Roman" panose="02020603050405020304" pitchFamily="18" charset="0"/>
+            </a:endParaRPr>
+          </a:p>
+          <a:p>
+            <a:pPr marL="1143000" lvl="2" indent="-228600">
+              <a:lnSpc>
+                <a:spcPct val="107000"/>
+              </a:lnSpc>
+              <a:buFont typeface="Wingdings" panose="05000000000000000000" pitchFamily="2" charset="2"/>
+              <a:buChar char=""/>
+            </a:pPr>
+            <a:r>
+              <a:rPr lang="de-DE" sz="1100" dirty="0">
+                <a:effectLst/>
+                <a:latin typeface="Calibri" panose="020F0502020204030204" pitchFamily="34" charset="0"/>
+                <a:ea typeface="Yu Mincho" panose="02020400000000000000" pitchFamily="18" charset="-128"/>
+                <a:cs typeface="Times New Roman" panose="02020603050405020304" pitchFamily="18" charset="0"/>
+              </a:rPr>
+              <a:t>Bild wird aus persistentem Speicher geladen</a:t>
+            </a:r>
+          </a:p>
+          <a:p>
+            <a:pPr marL="1143000" lvl="2" indent="-228600">
+              <a:lnSpc>
+                <a:spcPct val="107000"/>
+              </a:lnSpc>
+              <a:buFont typeface="Wingdings" panose="05000000000000000000" pitchFamily="2" charset="2"/>
+              <a:buChar char=""/>
+            </a:pPr>
+            <a:r>
+              <a:rPr lang="de-DE" sz="1100" dirty="0">
+                <a:effectLst/>
+                <a:latin typeface="Calibri" panose="020F0502020204030204" pitchFamily="34" charset="0"/>
+                <a:ea typeface="Yu Mincho" panose="02020400000000000000" pitchFamily="18" charset="-128"/>
+                <a:cs typeface="Times New Roman" panose="02020603050405020304" pitchFamily="18" charset="0"/>
+              </a:rPr>
+              <a:t>Ansicht des Bildobjekts erzeugen</a:t>
+            </a:r>
+          </a:p>
+          <a:p>
+            <a:pPr marL="742950" lvl="1" indent="-285750">
+              <a:lnSpc>
+                <a:spcPct val="107000"/>
+              </a:lnSpc>
+              <a:buFont typeface="Courier New" panose="02070309020205020404" pitchFamily="49" charset="0"/>
+              <a:buChar char="o"/>
+            </a:pPr>
+            <a:r>
+              <a:rPr lang="de-DE" sz="1100" b="1" dirty="0">
+                <a:effectLst/>
+                <a:latin typeface="Calibri" panose="020F0502020204030204" pitchFamily="34" charset="0"/>
+                <a:ea typeface="Yu Mincho" panose="02020400000000000000" pitchFamily="18" charset="-128"/>
+                <a:cs typeface="Times New Roman" panose="02020603050405020304" pitchFamily="18" charset="0"/>
+              </a:rPr>
+              <a:t>Exit-Kriterien</a:t>
+            </a:r>
+            <a:endParaRPr lang="de-DE" sz="1100" dirty="0">
+              <a:effectLst/>
+              <a:latin typeface="Calibri" panose="020F0502020204030204" pitchFamily="34" charset="0"/>
+              <a:ea typeface="Yu Mincho" panose="02020400000000000000" pitchFamily="18" charset="-128"/>
+              <a:cs typeface="Times New Roman" panose="02020603050405020304" pitchFamily="18" charset="0"/>
+            </a:endParaRPr>
+          </a:p>
+          <a:p>
+            <a:pPr marL="1143000" lvl="2" indent="-228600">
+              <a:lnSpc>
+                <a:spcPct val="107000"/>
+              </a:lnSpc>
+              <a:buFont typeface="Wingdings" panose="05000000000000000000" pitchFamily="2" charset="2"/>
+              <a:buChar char=""/>
+            </a:pPr>
+            <a:r>
+              <a:rPr lang="de-DE" sz="1100" dirty="0">
+                <a:effectLst/>
+                <a:latin typeface="Calibri" panose="020F0502020204030204" pitchFamily="34" charset="0"/>
+                <a:ea typeface="Yu Mincho" panose="02020400000000000000" pitchFamily="18" charset="-128"/>
+                <a:cs typeface="Times New Roman" panose="02020603050405020304" pitchFamily="18" charset="0"/>
+              </a:rPr>
+              <a:t>Bild wurde erfolgreich aus persistentem Speicher geladen</a:t>
+            </a:r>
+          </a:p>
+          <a:p>
+            <a:pPr marL="1143000" lvl="2" indent="-228600">
+              <a:lnSpc>
+                <a:spcPct val="107000"/>
+              </a:lnSpc>
+              <a:buFont typeface="Wingdings" panose="05000000000000000000" pitchFamily="2" charset="2"/>
+              <a:buChar char=""/>
+            </a:pPr>
+            <a:r>
+              <a:rPr lang="de-DE" sz="1100" dirty="0">
+                <a:effectLst/>
+                <a:latin typeface="Calibri" panose="020F0502020204030204" pitchFamily="34" charset="0"/>
+                <a:ea typeface="Yu Mincho" panose="02020400000000000000" pitchFamily="18" charset="-128"/>
+                <a:cs typeface="Times New Roman" panose="02020603050405020304" pitchFamily="18" charset="0"/>
+              </a:rPr>
+              <a:t>Ansicht wurde erfolgreich erzeugt.</a:t>
+            </a:r>
+          </a:p>
+          <a:p>
+            <a:pPr marL="742950" lvl="1" indent="-285750">
+              <a:lnSpc>
+                <a:spcPct val="107000"/>
+              </a:lnSpc>
+              <a:buFont typeface="Courier New" panose="02070309020205020404" pitchFamily="49" charset="0"/>
+              <a:buChar char="o"/>
+            </a:pPr>
+            <a:r>
+              <a:rPr lang="de-DE" sz="1100" b="1" dirty="0">
+                <a:effectLst/>
+                <a:latin typeface="Calibri" panose="020F0502020204030204" pitchFamily="34" charset="0"/>
+                <a:ea typeface="Yu Mincho" panose="02020400000000000000" pitchFamily="18" charset="-128"/>
+                <a:cs typeface="Times New Roman" panose="02020603050405020304" pitchFamily="18" charset="0"/>
+              </a:rPr>
+              <a:t>Fail-Kriterien</a:t>
+            </a:r>
+            <a:endParaRPr lang="de-DE" sz="1100" dirty="0">
+              <a:effectLst/>
+              <a:latin typeface="Calibri" panose="020F0502020204030204" pitchFamily="34" charset="0"/>
+              <a:ea typeface="Yu Mincho" panose="02020400000000000000" pitchFamily="18" charset="-128"/>
+              <a:cs typeface="Times New Roman" panose="02020603050405020304" pitchFamily="18" charset="0"/>
+            </a:endParaRPr>
+          </a:p>
+          <a:p>
+            <a:pPr marL="1143000" lvl="2" indent="-228600">
+              <a:lnSpc>
+                <a:spcPct val="107000"/>
+              </a:lnSpc>
+              <a:buFont typeface="Wingdings" panose="05000000000000000000" pitchFamily="2" charset="2"/>
+              <a:buChar char=""/>
+            </a:pPr>
+            <a:r>
+              <a:rPr lang="de-DE" sz="1100" dirty="0">
+                <a:effectLst/>
+                <a:latin typeface="Calibri" panose="020F0502020204030204" pitchFamily="34" charset="0"/>
+                <a:ea typeface="Yu Mincho" panose="02020400000000000000" pitchFamily="18" charset="-128"/>
+                <a:cs typeface="Times New Roman" panose="02020603050405020304" pitchFamily="18" charset="0"/>
+              </a:rPr>
+              <a:t>Bild wurde nicht aus persistentem Speicher geladen</a:t>
+            </a:r>
+          </a:p>
+          <a:p>
+            <a:pPr marL="1143000" lvl="2" indent="-228600">
+              <a:lnSpc>
+                <a:spcPct val="107000"/>
+              </a:lnSpc>
+              <a:buFont typeface="Wingdings" panose="05000000000000000000" pitchFamily="2" charset="2"/>
+              <a:buChar char=""/>
+            </a:pPr>
+            <a:r>
+              <a:rPr lang="de-DE" sz="1100" dirty="0">
+                <a:effectLst/>
+                <a:latin typeface="Calibri" panose="020F0502020204030204" pitchFamily="34" charset="0"/>
+                <a:ea typeface="Yu Mincho" panose="02020400000000000000" pitchFamily="18" charset="-128"/>
+                <a:cs typeface="Times New Roman" panose="02020603050405020304" pitchFamily="18" charset="0"/>
+              </a:rPr>
+              <a:t>Ansicht wurde nicht erzeugt</a:t>
+            </a:r>
+          </a:p>
+          <a:p>
+            <a:pPr marL="742950" lvl="1" indent="-285750">
+              <a:lnSpc>
+                <a:spcPct val="107000"/>
+              </a:lnSpc>
+              <a:buFont typeface="Courier New" panose="02070309020205020404" pitchFamily="49" charset="0"/>
+              <a:buChar char="o"/>
+            </a:pPr>
+            <a:r>
+              <a:rPr lang="de-DE" sz="1100" b="1" dirty="0" err="1">
+                <a:effectLst/>
+                <a:latin typeface="Calibri" panose="020F0502020204030204" pitchFamily="34" charset="0"/>
+                <a:ea typeface="Yu Mincho" panose="02020400000000000000" pitchFamily="18" charset="-128"/>
+                <a:cs typeface="Times New Roman" panose="02020603050405020304" pitchFamily="18" charset="0"/>
+              </a:rPr>
+              <a:t>Fallback</a:t>
+            </a:r>
+            <a:endParaRPr lang="de-DE" sz="1100" dirty="0">
+              <a:effectLst/>
+              <a:latin typeface="Calibri" panose="020F0502020204030204" pitchFamily="34" charset="0"/>
+              <a:ea typeface="Yu Mincho" panose="02020400000000000000" pitchFamily="18" charset="-128"/>
+              <a:cs typeface="Times New Roman" panose="02020603050405020304" pitchFamily="18" charset="0"/>
+            </a:endParaRPr>
+          </a:p>
+          <a:p>
+            <a:pPr marL="1143000" lvl="2" indent="-228600">
+              <a:lnSpc>
+                <a:spcPct val="107000"/>
+              </a:lnSpc>
+              <a:buFont typeface="Wingdings" panose="05000000000000000000" pitchFamily="2" charset="2"/>
+              <a:buChar char=""/>
+            </a:pPr>
+            <a:r>
+              <a:rPr lang="de-DE" sz="1100" dirty="0">
+                <a:effectLst/>
+                <a:latin typeface="Calibri" panose="020F0502020204030204" pitchFamily="34" charset="0"/>
+                <a:ea typeface="Yu Mincho" panose="02020400000000000000" pitchFamily="18" charset="-128"/>
+                <a:cs typeface="Times New Roman" panose="02020603050405020304" pitchFamily="18" charset="0"/>
+              </a:rPr>
+              <a:t>Eindeutige Fehlermeldung anzeigen</a:t>
+            </a:r>
+          </a:p>
+          <a:p>
+            <a:pPr marL="1143000" lvl="2" indent="-228600">
+              <a:lnSpc>
+                <a:spcPct val="107000"/>
+              </a:lnSpc>
+              <a:spcAft>
+                <a:spcPts val="800"/>
+              </a:spcAft>
+              <a:buFont typeface="Wingdings" panose="05000000000000000000" pitchFamily="2" charset="2"/>
+              <a:buChar char=""/>
+            </a:pPr>
+            <a:r>
+              <a:rPr lang="de-DE" sz="1100" dirty="0">
+                <a:effectLst/>
+                <a:latin typeface="Calibri" panose="020F0502020204030204" pitchFamily="34" charset="0"/>
+                <a:ea typeface="Yu Mincho" panose="02020400000000000000" pitchFamily="18" charset="-128"/>
+                <a:cs typeface="Times New Roman" panose="02020603050405020304" pitchFamily="18" charset="0"/>
+              </a:rPr>
+              <a:t>Aufforderung zum neu laden mitteilen</a:t>
+            </a:r>
+          </a:p>
+        </p:txBody>
+      </p:sp>
+      <p:sp>
+        <p:nvSpPr>
+          <p:cNvPr id="5" name="Foliennummernplatzhalter 4">
+            <a:extLst>
+              <a:ext uri="{FF2B5EF4-FFF2-40B4-BE49-F238E27FC236}">
+                <a16:creationId xmlns:a16="http://schemas.microsoft.com/office/drawing/2014/main" id="{7B246376-21DF-8BF4-A1FD-B77C22C28AAB}"/>
+              </a:ext>
+            </a:extLst>
+          </p:cNvPr>
+          <p:cNvSpPr>
+            <a:spLocks noGrp="1"/>
+          </p:cNvSpPr>
+          <p:nvPr>
+            <p:ph type="sldNum" sz="quarter" idx="12"/>
+          </p:nvPr>
+        </p:nvSpPr>
+        <p:spPr/>
+        <p:txBody>
+          <a:bodyPr/>
+          <a:lstStyle/>
+          <a:p>
+            <a:fld id="{4FD190AE-D9AE-4074-AAED-D637288AF7F0}" type="slidenum">
+              <a:rPr lang="de-DE" sz="2000" smtClean="0">
+                <a:solidFill>
+                  <a:schemeClr val="tx1"/>
+                </a:solidFill>
+              </a:rPr>
+              <a:t>6</a:t>
+            </a:fld>
+            <a:endParaRPr lang="de-DE" sz="2000" dirty="0">
+              <a:solidFill>
+                <a:schemeClr val="tx1"/>
+              </a:solidFill>
+            </a:endParaRPr>
+          </a:p>
+        </p:txBody>
+      </p:sp>
+    </p:spTree>
+    <p:extLst>
+      <p:ext uri="{BB962C8B-B14F-4D97-AF65-F5344CB8AC3E}">
+        <p14:creationId xmlns:p14="http://schemas.microsoft.com/office/powerpoint/2010/main" val="1195816902"/>
+      </p:ext>
+    </p:extLst>
+  </p:cSld>
+  <p:clrMapOvr>
+    <a:masterClrMapping/>
+  </p:clrMapOvr>
+</p:sld>
+</file>
+
+<file path=ppt/slides/slide7.xml><?xml version="1.0" encoding="utf-8"?>
+<p:sld xmlns:a="http://schemas.openxmlformats.org/drawingml/2006/main" xmlns:r="http://schemas.openxmlformats.org/officeDocument/2006/relationships" xmlns:p="http://schemas.openxmlformats.org/presentationml/2006/main">
+  <p:cSld>
+    <p:spTree>
+      <p:nvGrpSpPr>
+        <p:cNvPr id="1" name=""/>
+        <p:cNvGrpSpPr/>
+        <p:nvPr/>
+      </p:nvGrpSpPr>
+      <p:grpSpPr>
+        <a:xfrm>
+          <a:off x="0" y="0"/>
+          <a:ext cx="0" cy="0"/>
+          <a:chOff x="0" y="0"/>
+          <a:chExt cx="0" cy="0"/>
+        </a:xfrm>
+      </p:grpSpPr>
+      <p:sp>
+        <p:nvSpPr>
           <p:cNvPr id="2" name="Titel 1">
             <a:extLst>
               <a:ext uri="{FF2B5EF4-FFF2-40B4-BE49-F238E27FC236}">
@@ -7107,7 +7619,7 @@
                   <a:schemeClr val="tx1"/>
                 </a:solidFill>
               </a:rPr>
-              <a:t>4</a:t>
+              <a:t>7</a:t>
             </a:fld>
             <a:endParaRPr lang="de-DE" sz="2000" dirty="0">
               <a:solidFill>
@@ -7521,368 +8033,6 @@
 </p:sld>
 </file>
 
-<file path=ppt/slides/slide5.xml><?xml version="1.0" encoding="utf-8"?>
-<p:sld xmlns:a="http://schemas.openxmlformats.org/drawingml/2006/main" xmlns:r="http://schemas.openxmlformats.org/officeDocument/2006/relationships" xmlns:p="http://schemas.openxmlformats.org/presentationml/2006/main">
-  <p:cSld>
-    <p:spTree>
-      <p:nvGrpSpPr>
-        <p:cNvPr id="1" name=""/>
-        <p:cNvGrpSpPr/>
-        <p:nvPr/>
-      </p:nvGrpSpPr>
-      <p:grpSpPr>
-        <a:xfrm>
-          <a:off x="0" y="0"/>
-          <a:ext cx="0" cy="0"/>
-          <a:chOff x="0" y="0"/>
-          <a:chExt cx="0" cy="0"/>
-        </a:xfrm>
-      </p:grpSpPr>
-      <p:sp>
-        <p:nvSpPr>
-          <p:cNvPr id="2" name="Titel 1">
-            <a:extLst>
-              <a:ext uri="{FF2B5EF4-FFF2-40B4-BE49-F238E27FC236}">
-                <a16:creationId xmlns:a16="http://schemas.microsoft.com/office/drawing/2014/main" id="{4AC7DED0-9976-693C-8B24-D84F23C8E7B6}"/>
-              </a:ext>
-            </a:extLst>
-          </p:cNvPr>
-          <p:cNvSpPr>
-            <a:spLocks noGrp="1"/>
-          </p:cNvSpPr>
-          <p:nvPr>
-            <p:ph type="title"/>
-          </p:nvPr>
-        </p:nvSpPr>
-        <p:spPr/>
-        <p:txBody>
-          <a:bodyPr/>
-          <a:lstStyle/>
-          <a:p>
-            <a:r>
-              <a:rPr lang="de-DE" dirty="0"/>
-              <a:t>User-</a:t>
-            </a:r>
-            <a:r>
-              <a:rPr lang="de-DE" dirty="0" err="1"/>
-              <a:t>Profiles</a:t>
-            </a:r>
-            <a:endParaRPr lang="de-DE" dirty="0"/>
-          </a:p>
-        </p:txBody>
-      </p:sp>
-      <p:sp>
-        <p:nvSpPr>
-          <p:cNvPr id="3" name="Inhaltsplatzhalter 2">
-            <a:extLst>
-              <a:ext uri="{FF2B5EF4-FFF2-40B4-BE49-F238E27FC236}">
-                <a16:creationId xmlns:a16="http://schemas.microsoft.com/office/drawing/2014/main" id="{26828B3D-0288-9D01-3FAB-ED2A638AE90B}"/>
-              </a:ext>
-            </a:extLst>
-          </p:cNvPr>
-          <p:cNvSpPr>
-            <a:spLocks noGrp="1"/>
-          </p:cNvSpPr>
-          <p:nvPr>
-            <p:ph idx="1"/>
-          </p:nvPr>
-        </p:nvSpPr>
-        <p:spPr/>
-        <p:txBody>
-          <a:bodyPr/>
-          <a:lstStyle/>
-          <a:p>
-            <a:endParaRPr lang="de-DE" dirty="0"/>
-          </a:p>
-        </p:txBody>
-      </p:sp>
-      <p:sp>
-        <p:nvSpPr>
-          <p:cNvPr id="5" name="Foliennummernplatzhalter 4">
-            <a:extLst>
-              <a:ext uri="{FF2B5EF4-FFF2-40B4-BE49-F238E27FC236}">
-                <a16:creationId xmlns:a16="http://schemas.microsoft.com/office/drawing/2014/main" id="{7B246376-21DF-8BF4-A1FD-B77C22C28AAB}"/>
-              </a:ext>
-            </a:extLst>
-          </p:cNvPr>
-          <p:cNvSpPr>
-            <a:spLocks noGrp="1"/>
-          </p:cNvSpPr>
-          <p:nvPr>
-            <p:ph type="sldNum" sz="quarter" idx="12"/>
-          </p:nvPr>
-        </p:nvSpPr>
-        <p:spPr/>
-        <p:txBody>
-          <a:bodyPr/>
-          <a:lstStyle/>
-          <a:p>
-            <a:fld id="{4FD190AE-D9AE-4074-AAED-D637288AF7F0}" type="slidenum">
-              <a:rPr lang="de-DE" sz="2000" smtClean="0">
-                <a:solidFill>
-                  <a:schemeClr val="tx1"/>
-                </a:solidFill>
-              </a:rPr>
-              <a:t>5</a:t>
-            </a:fld>
-            <a:endParaRPr lang="de-DE" sz="2000" dirty="0">
-              <a:solidFill>
-                <a:schemeClr val="tx1"/>
-              </a:solidFill>
-            </a:endParaRPr>
-          </a:p>
-        </p:txBody>
-      </p:sp>
-    </p:spTree>
-    <p:extLst>
-      <p:ext uri="{BB962C8B-B14F-4D97-AF65-F5344CB8AC3E}">
-        <p14:creationId xmlns:p14="http://schemas.microsoft.com/office/powerpoint/2010/main" val="738318702"/>
-      </p:ext>
-    </p:extLst>
-  </p:cSld>
-  <p:clrMapOvr>
-    <a:masterClrMapping/>
-  </p:clrMapOvr>
-</p:sld>
-</file>
-
-<file path=ppt/slides/slide6.xml><?xml version="1.0" encoding="utf-8"?>
-<p:sld xmlns:a="http://schemas.openxmlformats.org/drawingml/2006/main" xmlns:r="http://schemas.openxmlformats.org/officeDocument/2006/relationships" xmlns:p="http://schemas.openxmlformats.org/presentationml/2006/main">
-  <p:cSld>
-    <p:spTree>
-      <p:nvGrpSpPr>
-        <p:cNvPr id="1" name=""/>
-        <p:cNvGrpSpPr/>
-        <p:nvPr/>
-      </p:nvGrpSpPr>
-      <p:grpSpPr>
-        <a:xfrm>
-          <a:off x="0" y="0"/>
-          <a:ext cx="0" cy="0"/>
-          <a:chOff x="0" y="0"/>
-          <a:chExt cx="0" cy="0"/>
-        </a:xfrm>
-      </p:grpSpPr>
-      <p:sp>
-        <p:nvSpPr>
-          <p:cNvPr id="3" name="Titel 2">
-            <a:extLst>
-              <a:ext uri="{FF2B5EF4-FFF2-40B4-BE49-F238E27FC236}">
-                <a16:creationId xmlns:a16="http://schemas.microsoft.com/office/drawing/2014/main" id="{53AD19EA-19FD-31C3-9A36-EC2C3ECA7425}"/>
-              </a:ext>
-            </a:extLst>
-          </p:cNvPr>
-          <p:cNvSpPr>
-            <a:spLocks noGrp="1"/>
-          </p:cNvSpPr>
-          <p:nvPr>
-            <p:ph type="title"/>
-          </p:nvPr>
-        </p:nvSpPr>
-        <p:spPr/>
-        <p:txBody>
-          <a:bodyPr/>
-          <a:lstStyle/>
-          <a:p>
-            <a:r>
-              <a:rPr lang="de-DE" dirty="0"/>
-              <a:t>Use-Cases</a:t>
-            </a:r>
-          </a:p>
-        </p:txBody>
-      </p:sp>
-      <p:sp>
-        <p:nvSpPr>
-          <p:cNvPr id="4" name="Inhaltsplatzhalter 3">
-            <a:extLst>
-              <a:ext uri="{FF2B5EF4-FFF2-40B4-BE49-F238E27FC236}">
-                <a16:creationId xmlns:a16="http://schemas.microsoft.com/office/drawing/2014/main" id="{43D36CD5-C13A-93D9-C18B-BCA6C25AEC2A}"/>
-              </a:ext>
-            </a:extLst>
-          </p:cNvPr>
-          <p:cNvSpPr>
-            <a:spLocks noGrp="1"/>
-          </p:cNvSpPr>
-          <p:nvPr>
-            <p:ph idx="1"/>
-          </p:nvPr>
-        </p:nvSpPr>
-        <p:spPr/>
-        <p:txBody>
-          <a:bodyPr/>
-          <a:lstStyle/>
-          <a:p>
-            <a:endParaRPr lang="de-DE" dirty="0"/>
-          </a:p>
-        </p:txBody>
-      </p:sp>
-      <p:sp>
-        <p:nvSpPr>
-          <p:cNvPr id="5" name="Foliennummernplatzhalter 4">
-            <a:extLst>
-              <a:ext uri="{FF2B5EF4-FFF2-40B4-BE49-F238E27FC236}">
-                <a16:creationId xmlns:a16="http://schemas.microsoft.com/office/drawing/2014/main" id="{7B246376-21DF-8BF4-A1FD-B77C22C28AAB}"/>
-              </a:ext>
-            </a:extLst>
-          </p:cNvPr>
-          <p:cNvSpPr>
-            <a:spLocks noGrp="1"/>
-          </p:cNvSpPr>
-          <p:nvPr>
-            <p:ph type="sldNum" sz="quarter" idx="12"/>
-          </p:nvPr>
-        </p:nvSpPr>
-        <p:spPr/>
-        <p:txBody>
-          <a:bodyPr/>
-          <a:lstStyle/>
-          <a:p>
-            <a:fld id="{4FD190AE-D9AE-4074-AAED-D637288AF7F0}" type="slidenum">
-              <a:rPr lang="de-DE" sz="2000" smtClean="0">
-                <a:solidFill>
-                  <a:schemeClr val="tx1"/>
-                </a:solidFill>
-              </a:rPr>
-              <a:t>6</a:t>
-            </a:fld>
-            <a:endParaRPr lang="de-DE" sz="2000" dirty="0">
-              <a:solidFill>
-                <a:schemeClr val="tx1"/>
-              </a:solidFill>
-            </a:endParaRPr>
-          </a:p>
-        </p:txBody>
-      </p:sp>
-    </p:spTree>
-    <p:extLst>
-      <p:ext uri="{BB962C8B-B14F-4D97-AF65-F5344CB8AC3E}">
-        <p14:creationId xmlns:p14="http://schemas.microsoft.com/office/powerpoint/2010/main" val="1602302725"/>
-      </p:ext>
-    </p:extLst>
-  </p:cSld>
-  <p:clrMapOvr>
-    <a:masterClrMapping/>
-  </p:clrMapOvr>
-</p:sld>
-</file>
-
-<file path=ppt/slides/slide7.xml><?xml version="1.0" encoding="utf-8"?>
-<p:sld xmlns:a="http://schemas.openxmlformats.org/drawingml/2006/main" xmlns:r="http://schemas.openxmlformats.org/officeDocument/2006/relationships" xmlns:p="http://schemas.openxmlformats.org/presentationml/2006/main">
-  <p:cSld>
-    <p:spTree>
-      <p:nvGrpSpPr>
-        <p:cNvPr id="1" name=""/>
-        <p:cNvGrpSpPr/>
-        <p:nvPr/>
-      </p:nvGrpSpPr>
-      <p:grpSpPr>
-        <a:xfrm>
-          <a:off x="0" y="0"/>
-          <a:ext cx="0" cy="0"/>
-          <a:chOff x="0" y="0"/>
-          <a:chExt cx="0" cy="0"/>
-        </a:xfrm>
-      </p:grpSpPr>
-      <p:sp>
-        <p:nvSpPr>
-          <p:cNvPr id="2" name="Titel 1">
-            <a:extLst>
-              <a:ext uri="{FF2B5EF4-FFF2-40B4-BE49-F238E27FC236}">
-                <a16:creationId xmlns:a16="http://schemas.microsoft.com/office/drawing/2014/main" id="{4AC7DED0-9976-693C-8B24-D84F23C8E7B6}"/>
-              </a:ext>
-            </a:extLst>
-          </p:cNvPr>
-          <p:cNvSpPr>
-            <a:spLocks noGrp="1"/>
-          </p:cNvSpPr>
-          <p:nvPr>
-            <p:ph type="title"/>
-          </p:nvPr>
-        </p:nvSpPr>
-        <p:spPr/>
-        <p:txBody>
-          <a:bodyPr/>
-          <a:lstStyle/>
-          <a:p>
-            <a:endParaRPr lang="de-DE" dirty="0"/>
-          </a:p>
-        </p:txBody>
-      </p:sp>
-      <p:sp>
-        <p:nvSpPr>
-          <p:cNvPr id="5" name="Foliennummernplatzhalter 4">
-            <a:extLst>
-              <a:ext uri="{FF2B5EF4-FFF2-40B4-BE49-F238E27FC236}">
-                <a16:creationId xmlns:a16="http://schemas.microsoft.com/office/drawing/2014/main" id="{7B246376-21DF-8BF4-A1FD-B77C22C28AAB}"/>
-              </a:ext>
-            </a:extLst>
-          </p:cNvPr>
-          <p:cNvSpPr>
-            <a:spLocks noGrp="1"/>
-          </p:cNvSpPr>
-          <p:nvPr>
-            <p:ph type="sldNum" sz="quarter" idx="12"/>
-          </p:nvPr>
-        </p:nvSpPr>
-        <p:spPr/>
-        <p:txBody>
-          <a:bodyPr/>
-          <a:lstStyle/>
-          <a:p>
-            <a:fld id="{4FD190AE-D9AE-4074-AAED-D637288AF7F0}" type="slidenum">
-              <a:rPr lang="de-DE" sz="2000" smtClean="0">
-                <a:solidFill>
-                  <a:schemeClr val="tx1"/>
-                </a:solidFill>
-              </a:rPr>
-              <a:t>7</a:t>
-            </a:fld>
-            <a:endParaRPr lang="de-DE" sz="2000" dirty="0">
-              <a:solidFill>
-                <a:schemeClr val="tx1"/>
-              </a:solidFill>
-            </a:endParaRPr>
-          </a:p>
-        </p:txBody>
-      </p:sp>
-      <p:sp>
-        <p:nvSpPr>
-          <p:cNvPr id="7" name="Inhaltsplatzhalter 6">
-            <a:extLst>
-              <a:ext uri="{FF2B5EF4-FFF2-40B4-BE49-F238E27FC236}">
-                <a16:creationId xmlns:a16="http://schemas.microsoft.com/office/drawing/2014/main" id="{D157ECA8-C17E-F17A-CEC9-B79DEE1457CF}"/>
-              </a:ext>
-            </a:extLst>
-          </p:cNvPr>
-          <p:cNvSpPr>
-            <a:spLocks noGrp="1"/>
-          </p:cNvSpPr>
-          <p:nvPr>
-            <p:ph idx="1"/>
-          </p:nvPr>
-        </p:nvSpPr>
-        <p:spPr/>
-        <p:txBody>
-          <a:bodyPr/>
-          <a:lstStyle/>
-          <a:p>
-            <a:endParaRPr lang="de-DE" dirty="0"/>
-          </a:p>
-        </p:txBody>
-      </p:sp>
-    </p:spTree>
-    <p:extLst>
-      <p:ext uri="{BB962C8B-B14F-4D97-AF65-F5344CB8AC3E}">
-        <p14:creationId xmlns:p14="http://schemas.microsoft.com/office/powerpoint/2010/main" val="408210267"/>
-      </p:ext>
-    </p:extLst>
-  </p:cSld>
-  <p:clrMapOvr>
-    <a:masterClrMapping/>
-  </p:clrMapOvr>
-</p:sld>
-</file>
-
 <file path=ppt/slides/slide8.xml><?xml version="1.0" encoding="utf-8"?>
 <p:sld xmlns:a="http://schemas.openxmlformats.org/drawingml/2006/main" xmlns:r="http://schemas.openxmlformats.org/officeDocument/2006/relationships" xmlns:p="http://schemas.openxmlformats.org/presentationml/2006/main">
   <p:cSld>
@@ -7921,7 +8071,18 @@
           <a:bodyPr/>
           <a:lstStyle/>
           <a:p>
-            <a:endParaRPr lang="de-DE" dirty="0"/>
+            <a:r>
+              <a:rPr lang="de-DE" dirty="0"/>
+              <a:t> </a:t>
+            </a:r>
+            <a:r>
+              <a:rPr lang="de-DE" dirty="0" err="1"/>
+              <a:t>Activity</a:t>
+            </a:r>
+            <a:r>
+              <a:rPr lang="de-DE" dirty="0"/>
+              <a:t> Diagramm, Interaktionsmodellierung</a:t>
+            </a:r>
           </a:p>
         </p:txBody>
       </p:sp>
@@ -7962,10 +8123,35 @@
           </a:p>
         </p:txBody>
       </p:sp>
+      <p:sp>
+        <p:nvSpPr>
+          <p:cNvPr id="7" name="Inhaltsplatzhalter 6">
+            <a:extLst>
+              <a:ext uri="{FF2B5EF4-FFF2-40B4-BE49-F238E27FC236}">
+                <a16:creationId xmlns:a16="http://schemas.microsoft.com/office/drawing/2014/main" id="{D157ECA8-C17E-F17A-CEC9-B79DEE1457CF}"/>
+              </a:ext>
+            </a:extLst>
+          </p:cNvPr>
+          <p:cNvSpPr>
+            <a:spLocks noGrp="1"/>
+          </p:cNvSpPr>
+          <p:nvPr>
+            <p:ph idx="1"/>
+          </p:nvPr>
+        </p:nvSpPr>
+        <p:spPr/>
+        <p:txBody>
+          <a:bodyPr/>
+          <a:lstStyle/>
+          <a:p>
+            <a:endParaRPr lang="de-DE" dirty="0"/>
+          </a:p>
+        </p:txBody>
+      </p:sp>
     </p:spTree>
     <p:extLst>
       <p:ext uri="{BB962C8B-B14F-4D97-AF65-F5344CB8AC3E}">
-        <p14:creationId xmlns:p14="http://schemas.microsoft.com/office/powerpoint/2010/main" val="3388715465"/>
+        <p14:creationId xmlns:p14="http://schemas.microsoft.com/office/powerpoint/2010/main" val="408210267"/>
       </p:ext>
     </p:extLst>
   </p:cSld>

--- a/Audits/EPWS2223HausenKochZimmer Audit 3.pptx
+++ b/Audits/EPWS2223HausenKochZimmer Audit 3.pptx
@@ -6247,7 +6247,12 @@
             <p:ph sz="half" idx="1"/>
           </p:nvPr>
         </p:nvSpPr>
-        <p:spPr/>
+        <p:spPr>
+          <a:xfrm>
+            <a:off x="838200" y="1825624"/>
+            <a:ext cx="5181600" cy="4186069"/>
+          </a:xfrm>
+        </p:spPr>
         <p:txBody>
           <a:bodyPr>
             <a:normAutofit/>
@@ -6258,55 +6263,55 @@
               <a:buNone/>
             </a:pPr>
             <a:r>
-              <a:rPr lang="de-DE" sz="1100" b="1" dirty="0" err="1"/>
+              <a:rPr lang="de-DE" sz="1600" b="1" dirty="0" err="1"/>
               <a:t>Priority</a:t>
             </a:r>
-            <a:endParaRPr lang="de-DE" sz="1100" b="1" dirty="0"/>
-          </a:p>
-          <a:p>
-            <a:r>
-              <a:rPr lang="de-DE" sz="1100" dirty="0"/>
+            <a:endParaRPr lang="de-DE" sz="1600" b="1" dirty="0"/>
+          </a:p>
+          <a:p>
+            <a:r>
+              <a:rPr lang="de-DE" sz="1600" dirty="0"/>
               <a:t>Upload eines Bildes</a:t>
             </a:r>
           </a:p>
           <a:p>
             <a:r>
-              <a:rPr lang="de-DE" sz="1100" dirty="0"/>
+              <a:rPr lang="de-DE" sz="1600" dirty="0"/>
               <a:t>Aufruf eines gespeicherten Bildes</a:t>
             </a:r>
           </a:p>
           <a:p>
             <a:r>
-              <a:rPr lang="de-DE" sz="1100" dirty="0"/>
+              <a:rPr lang="de-DE" sz="1600" dirty="0"/>
               <a:t>Pub/Sub Funktionalität – </a:t>
             </a:r>
             <a:r>
-              <a:rPr lang="de-DE" sz="1100" dirty="0" err="1"/>
+              <a:rPr lang="de-DE" sz="1600" dirty="0" err="1"/>
               <a:t>subscribe</a:t>
             </a:r>
-            <a:endParaRPr lang="de-DE" sz="1100" dirty="0"/>
-          </a:p>
-          <a:p>
-            <a:r>
-              <a:rPr lang="de-DE" sz="1100" dirty="0"/>
+            <a:endParaRPr lang="de-DE" sz="1600" dirty="0"/>
+          </a:p>
+          <a:p>
+            <a:r>
+              <a:rPr lang="de-DE" sz="1600" dirty="0"/>
               <a:t>Pub/Sub Funktionalität – publish</a:t>
             </a:r>
           </a:p>
           <a:p>
             <a:r>
-              <a:rPr lang="de-DE" sz="1100" dirty="0"/>
+              <a:rPr lang="de-DE" sz="1600" dirty="0"/>
               <a:t>Login</a:t>
             </a:r>
           </a:p>
           <a:p>
             <a:r>
-              <a:rPr lang="de-DE" sz="1100" dirty="0"/>
+              <a:rPr lang="de-DE" sz="1600" dirty="0"/>
               <a:t>Login als User mit Sonderrechten</a:t>
             </a:r>
           </a:p>
           <a:p>
             <a:r>
-              <a:rPr lang="de-DE" sz="1100" dirty="0"/>
+              <a:rPr lang="de-DE" sz="1600" dirty="0"/>
               <a:t>Login in als User ohne Plattform zugriff</a:t>
             </a:r>
           </a:p>
@@ -6337,51 +6342,50 @@
               <a:buNone/>
             </a:pPr>
             <a:r>
-              <a:rPr lang="de-DE" b="1" dirty="0"/>
+              <a:rPr lang="de-DE" sz="1600" b="1" dirty="0"/>
               <a:t>Keine </a:t>
             </a:r>
             <a:r>
-              <a:rPr lang="de-DE" b="1" dirty="0" err="1"/>
+              <a:rPr lang="de-DE" sz="1600" b="1" dirty="0" err="1"/>
               <a:t>Priority</a:t>
             </a:r>
-            <a:endParaRPr lang="de-DE" b="1" dirty="0"/>
-          </a:p>
-          <a:p>
-            <a:r>
-              <a:rPr lang="de-DE" dirty="0"/>
+            <a:endParaRPr lang="de-DE" sz="1600" b="1" dirty="0"/>
+          </a:p>
+          <a:p>
+            <a:r>
+              <a:rPr lang="de-DE" sz="1600" dirty="0"/>
               <a:t>Registrierung</a:t>
             </a:r>
           </a:p>
           <a:p>
             <a:r>
-              <a:rPr lang="de-DE" dirty="0"/>
+              <a:rPr lang="de-DE" sz="1600" dirty="0"/>
               <a:t>Verschlüsselung</a:t>
             </a:r>
           </a:p>
           <a:p>
             <a:r>
-              <a:rPr lang="de-DE" dirty="0"/>
+              <a:rPr lang="de-DE" sz="1600" dirty="0"/>
               <a:t>„Befreunden“ mit anderem User</a:t>
             </a:r>
           </a:p>
           <a:p>
             <a:r>
-              <a:rPr lang="de-DE" dirty="0"/>
+              <a:rPr lang="de-DE" sz="1600" dirty="0"/>
               <a:t>Annahme „Befreundung“</a:t>
             </a:r>
           </a:p>
           <a:p>
             <a:r>
-              <a:rPr lang="de-DE" dirty="0"/>
+              <a:rPr lang="de-DE" sz="1600" dirty="0"/>
               <a:t>Chat Funktion</a:t>
             </a:r>
           </a:p>
           <a:p>
             <a:r>
-              <a:rPr lang="de-DE"/>
+              <a:rPr lang="de-DE" sz="1600" dirty="0"/>
               <a:t>Zugriff auf Datenbank</a:t>
             </a:r>
-            <a:endParaRPr lang="de-DE" dirty="0"/>
           </a:p>
           <a:p>
             <a:endParaRPr lang="de-DE" b="1" dirty="0"/>

--- a/Audits/EPWS2223HausenKochZimmer Audit 3.pptx
+++ b/Audits/EPWS2223HausenKochZimmer Audit 3.pptx
@@ -317,7 +317,7 @@
           <a:p>
             <a:fld id="{B1A8D19F-5BC0-4963-93A8-6F89220E9886}" type="slidenum">
               <a:rPr lang="de-DE" smtClean="0"/>
-              <a:t>‹Nr.›</a:t>
+              <a:t>‹#›</a:t>
             </a:fld>
             <a:endParaRPr lang="de-DE"/>
           </a:p>
@@ -575,7 +575,7 @@
           <a:p>
             <a:fld id="{28D422E8-2025-4E88-B448-A26268B25EC5}" type="slidenum">
               <a:rPr lang="de-DE" smtClean="0"/>
-              <a:t>‹Nr.›</a:t>
+              <a:t>‹#›</a:t>
             </a:fld>
             <a:endParaRPr lang="de-DE"/>
           </a:p>
@@ -1758,6 +1758,24 @@
           <a:bodyPr/>
           <a:lstStyle/>
           <a:p>
+            <a:r>
+              <a:rPr lang="de-DE" dirty="0"/>
+              <a:t>Im ersten Prototypen wurde versucht die Kernfunktionalitäten des Systems umzusetzen, der Upload von Bildern sowie damit einhergehende Pub/Sub Funktionalität. Die Grundlage für die Lösungsansätze wurden durch die PoCs, die Use Case Spezifikation sowie das Klassendiagramm gegeben. Hier ist anzumerken, dass eine detailliertere Interaktionsmodellierung die Arbeit hätte erleichtern können. Der Login erfolgt nach dem im dazugehörigen PoC getestetem Prinzip. Der damit eingeloggte User wird bis zum Logout zum currentUser. Daraufhin wird eine Liste aller Stadtobjekte geladen und anhand der Heimatstadt des Users die currentStadt gesetzt. Dem User werden daraufhin 4 Buttons angeboten (Upload, Aufruf, Sub/Unsub, Logout). Beim Upload sowie beim Aufruf eines Bildes wird aktuell noch ein hardcoded Bild verwendet. Beim Upload wird der Filepath zu diesem Bild fest verwendet und der Aufruf greift stets auf das erste Bild in der Bilderliste der Stadt zu. Dies gilt es in der weiteren Entwicklung so zu erweitern, dass ein beliebiges Bild hochgeladen und aufgerufen werden kann. Die Pub/Sub Funktionalität ist dahingegen im Grunde vollständig implementiert. Zu bedenken wäre nur ob die Verwaltung der eingegangenen Benachrichtigungen noch zu erweitern ist.</a:t>
+            </a:r>
+            <a:br>
+              <a:rPr lang="de-DE" dirty="0"/>
+            </a:br>
+            <a:br>
+              <a:rPr lang="de-DE" dirty="0"/>
+            </a:br>
+            <a:r>
+              <a:rPr lang="de-DE" dirty="0"/>
+              <a:t>Ein wichtiger Punkt bei diesem Prototypen ist, dass die Datenverwaltung auschlieslich über JSON erfolgt. So werden (1) die Bildaten zu einem String enkodiert, (2) diese in einem Bildobjekt gespeichert, (3) was Teil eines Stadtobjekts ist, (4) welches Teil einer Liste aus Stadtobjekten ist, (5) die wiederrum zum einem JSON-String enkodiert wird und (6) dieser String wird in eine entsprechende Datei geschrieben. Diese Datei, diese Liste wird zum Beginn der Activity geladen. Dies bedeutet, dass der komplette Inhalt der Datenhaltung in den Speicher geladen wird. Ab einer bestimmten Größe ist dies nicht mehr angemessen. </a:t>
+            </a:r>
+            <a:r>
+              <a:rPr lang="de-DE"/>
+              <a:t>Dieser Problematik sind wir uns bewusst aber wegen des Umfangs unseres Prototypen wird dieser Zustand in Kauf genommen.</a:t>
+            </a:r>
             <a:endParaRPr lang="de-DE" dirty="0"/>
           </a:p>
         </p:txBody>
@@ -1999,7 +2017,7 @@
           <a:p>
             <a:fld id="{4FD190AE-D9AE-4074-AAED-D637288AF7F0}" type="slidenum">
               <a:rPr lang="de-DE" smtClean="0"/>
-              <a:t>‹Nr.›</a:t>
+              <a:t>‹#›</a:t>
             </a:fld>
             <a:endParaRPr lang="de-DE"/>
           </a:p>
@@ -2197,7 +2215,7 @@
           <a:p>
             <a:fld id="{4FD190AE-D9AE-4074-AAED-D637288AF7F0}" type="slidenum">
               <a:rPr lang="de-DE" smtClean="0"/>
-              <a:t>‹Nr.›</a:t>
+              <a:t>‹#›</a:t>
             </a:fld>
             <a:endParaRPr lang="de-DE"/>
           </a:p>
@@ -2405,7 +2423,7 @@
           <a:p>
             <a:fld id="{4FD190AE-D9AE-4074-AAED-D637288AF7F0}" type="slidenum">
               <a:rPr lang="de-DE" smtClean="0"/>
-              <a:t>‹Nr.›</a:t>
+              <a:t>‹#›</a:t>
             </a:fld>
             <a:endParaRPr lang="de-DE"/>
           </a:p>
@@ -2603,7 +2621,7 @@
           <a:p>
             <a:fld id="{4FD190AE-D9AE-4074-AAED-D637288AF7F0}" type="slidenum">
               <a:rPr lang="de-DE" smtClean="0"/>
-              <a:t>‹Nr.›</a:t>
+              <a:t>‹#›</a:t>
             </a:fld>
             <a:endParaRPr lang="de-DE"/>
           </a:p>
@@ -2878,7 +2896,7 @@
           <a:p>
             <a:fld id="{4FD190AE-D9AE-4074-AAED-D637288AF7F0}" type="slidenum">
               <a:rPr lang="de-DE" smtClean="0"/>
-              <a:t>‹Nr.›</a:t>
+              <a:t>‹#›</a:t>
             </a:fld>
             <a:endParaRPr lang="de-DE"/>
           </a:p>
@@ -3143,7 +3161,7 @@
           <a:p>
             <a:fld id="{4FD190AE-D9AE-4074-AAED-D637288AF7F0}" type="slidenum">
               <a:rPr lang="de-DE" smtClean="0"/>
-              <a:t>‹Nr.›</a:t>
+              <a:t>‹#›</a:t>
             </a:fld>
             <a:endParaRPr lang="de-DE"/>
           </a:p>
@@ -3560,7 +3578,7 @@
           <a:p>
             <a:fld id="{4FD190AE-D9AE-4074-AAED-D637288AF7F0}" type="slidenum">
               <a:rPr lang="de-DE" smtClean="0"/>
-              <a:t>‹Nr.›</a:t>
+              <a:t>‹#›</a:t>
             </a:fld>
             <a:endParaRPr lang="de-DE"/>
           </a:p>
@@ -3706,7 +3724,7 @@
           <a:p>
             <a:fld id="{4FD190AE-D9AE-4074-AAED-D637288AF7F0}" type="slidenum">
               <a:rPr lang="de-DE" smtClean="0"/>
-              <a:t>‹Nr.›</a:t>
+              <a:t>‹#›</a:t>
             </a:fld>
             <a:endParaRPr lang="de-DE"/>
           </a:p>
@@ -3819,7 +3837,7 @@
           <a:p>
             <a:fld id="{4FD190AE-D9AE-4074-AAED-D637288AF7F0}" type="slidenum">
               <a:rPr lang="de-DE" smtClean="0"/>
-              <a:t>‹Nr.›</a:t>
+              <a:t>‹#›</a:t>
             </a:fld>
             <a:endParaRPr lang="de-DE"/>
           </a:p>
@@ -4130,7 +4148,7 @@
           <a:p>
             <a:fld id="{4FD190AE-D9AE-4074-AAED-D637288AF7F0}" type="slidenum">
               <a:rPr lang="de-DE" smtClean="0"/>
-              <a:t>‹Nr.›</a:t>
+              <a:t>‹#›</a:t>
             </a:fld>
             <a:endParaRPr lang="de-DE"/>
           </a:p>
@@ -4423,7 +4441,7 @@
           <a:p>
             <a:fld id="{4FD190AE-D9AE-4074-AAED-D637288AF7F0}" type="slidenum">
               <a:rPr lang="de-DE" smtClean="0"/>
-              <a:t>‹Nr.›</a:t>
+              <a:t>‹#›</a:t>
             </a:fld>
             <a:endParaRPr lang="de-DE"/>
           </a:p>
@@ -4742,7 +4760,7 @@
           <a:p>
             <a:fld id="{4FD190AE-D9AE-4074-AAED-D637288AF7F0}" type="slidenum">
               <a:rPr lang="de-DE" smtClean="0"/>
-              <a:t>‹Nr.›</a:t>
+              <a:t>‹#›</a:t>
             </a:fld>
             <a:endParaRPr lang="de-DE"/>
           </a:p>
@@ -8203,7 +8221,10 @@
           <a:bodyPr/>
           <a:lstStyle/>
           <a:p>
-            <a:endParaRPr lang="de-DE" dirty="0"/>
+            <a:r>
+              <a:rPr lang="de-DE" dirty="0"/>
+              <a:t>Erster Prototyp</a:t>
+            </a:r>
           </a:p>
         </p:txBody>
       </p:sp>
@@ -8225,10 +8246,103 @@
         </p:nvSpPr>
         <p:spPr/>
         <p:txBody>
-          <a:bodyPr/>
-          <a:lstStyle/>
-          <a:p>
-            <a:endParaRPr lang="de-DE" dirty="0"/>
+          <a:bodyPr>
+            <a:normAutofit fontScale="92500" lnSpcReduction="10000"/>
+          </a:bodyPr>
+          <a:lstStyle/>
+          <a:p>
+            <a:r>
+              <a:rPr lang="de-DE" sz="2000" dirty="0"/>
+              <a:t>Login </a:t>
+            </a:r>
+          </a:p>
+          <a:p>
+            <a:r>
+              <a:rPr lang="de-DE" sz="2000" dirty="0"/>
+              <a:t>Setze currentUser</a:t>
+            </a:r>
+          </a:p>
+          <a:p>
+            <a:r>
+              <a:rPr lang="de-DE" sz="2000" dirty="0"/>
+              <a:t>Setze currentStadt anhand Heimatstadt des Users</a:t>
+            </a:r>
+          </a:p>
+          <a:p>
+            <a:r>
+              <a:rPr lang="de-DE" sz="2000" dirty="0"/>
+              <a:t>Upload eines Bildes</a:t>
+            </a:r>
+          </a:p>
+          <a:p>
+            <a:pPr lvl="1"/>
+            <a:r>
+              <a:rPr lang="de-DE" sz="1600" dirty="0"/>
+              <a:t>Drawable File einlesen</a:t>
+            </a:r>
+          </a:p>
+          <a:p>
+            <a:pPr lvl="1"/>
+            <a:r>
+              <a:rPr lang="de-DE" sz="1600" dirty="0"/>
+              <a:t>Zu String enkodieren</a:t>
+            </a:r>
+          </a:p>
+          <a:p>
+            <a:pPr lvl="1"/>
+            <a:r>
+              <a:rPr lang="de-DE" sz="1600" dirty="0"/>
+              <a:t>Bildobjekt erzeugen und zur Stadt hinzufügen</a:t>
+            </a:r>
+          </a:p>
+          <a:p>
+            <a:pPr lvl="1"/>
+            <a:r>
+              <a:rPr lang="de-DE" sz="1600" dirty="0"/>
+              <a:t>Stadtliste enkodieren und abspeichern</a:t>
+            </a:r>
+          </a:p>
+          <a:p>
+            <a:pPr lvl="1"/>
+            <a:r>
+              <a:rPr lang="de-DE" sz="1600" dirty="0"/>
+              <a:t>Benachrichtigung an Subscriber senden</a:t>
+            </a:r>
+          </a:p>
+          <a:p>
+            <a:pPr lvl="1"/>
+            <a:r>
+              <a:rPr lang="de-DE" sz="1600" dirty="0"/>
+              <a:t>Userliste enkodieren und abspeichern</a:t>
+            </a:r>
+            <a:endParaRPr lang="de-DE" sz="1200" dirty="0"/>
+          </a:p>
+          <a:p>
+            <a:r>
+              <a:rPr lang="de-DE" sz="2000" dirty="0"/>
+              <a:t>Aufruf eines Bildes</a:t>
+            </a:r>
+          </a:p>
+          <a:p>
+            <a:r>
+              <a:rPr lang="de-DE" sz="2000" dirty="0"/>
+              <a:t>Subscribe/Unsubscribe zur Stadt</a:t>
+            </a:r>
+          </a:p>
+          <a:p>
+            <a:r>
+              <a:rPr lang="de-DE" sz="2000" dirty="0"/>
+              <a:t>Anzeige der Benachrichtigungen</a:t>
+            </a:r>
+          </a:p>
+          <a:p>
+            <a:r>
+              <a:rPr lang="de-DE" sz="2000" dirty="0"/>
+              <a:t>Logout</a:t>
+            </a:r>
+          </a:p>
+          <a:p>
+            <a:endParaRPr lang="de-DE" sz="2000" dirty="0"/>
           </a:p>
         </p:txBody>
       </p:sp>

--- a/Audits/EPWS2223HausenKochZimmer Audit 3.pptx
+++ b/Audits/EPWS2223HausenKochZimmer Audit 3.pptx
@@ -5,10 +5,10 @@
     <p:sldMasterId id="2147483773" r:id="rId1"/>
   </p:sldMasterIdLst>
   <p:notesMasterIdLst>
-    <p:notesMasterId r:id="rId12"/>
+    <p:notesMasterId r:id="rId13"/>
   </p:notesMasterIdLst>
   <p:handoutMasterIdLst>
-    <p:handoutMasterId r:id="rId13"/>
+    <p:handoutMasterId r:id="rId14"/>
   </p:handoutMasterIdLst>
   <p:sldIdLst>
     <p:sldId id="256" r:id="rId2"/>
@@ -18,9 +18,10 @@
     <p:sldId id="263" r:id="rId6"/>
     <p:sldId id="261" r:id="rId7"/>
     <p:sldId id="258" r:id="rId8"/>
-    <p:sldId id="262" r:id="rId9"/>
-    <p:sldId id="264" r:id="rId10"/>
-    <p:sldId id="265" r:id="rId11"/>
+    <p:sldId id="266" r:id="rId9"/>
+    <p:sldId id="262" r:id="rId10"/>
+    <p:sldId id="264" r:id="rId11"/>
+    <p:sldId id="265" r:id="rId12"/>
   </p:sldIdLst>
   <p:sldSz cx="12192000" cy="6858000"/>
   <p:notesSz cx="6858000" cy="9144000"/>
@@ -131,6 +132,7 @@
             <p14:sldId id="263"/>
             <p14:sldId id="261"/>
             <p14:sldId id="258"/>
+            <p14:sldId id="266"/>
             <p14:sldId id="262"/>
             <p14:sldId id="264"/>
             <p14:sldId id="265"/>
@@ -813,7 +815,20 @@
           <a:bodyPr/>
           <a:lstStyle/>
           <a:p>
-            <a:endParaRPr lang="de-DE" dirty="0"/>
+            <a:r>
+              <a:rPr lang="de-DE" dirty="0"/>
+              <a:t>Im ersten Prototypen wurde versucht die Kernfunktionalitäten des Systems umzusetzen, der Upload von Bildern sowie damit einhergehende Pub/Sub Funktionalität. Die Grundlage für die Lösungsansätze wurden durch die PoCs, die Use Case Spezifikation sowie das Klassendiagramm gegeben. Hier ist anzumerken, dass eine detailliertere Interaktionsmodellierung die Arbeit hätte erleichtern können. Der Login erfolgt nach dem im dazugehörigen PoC getestetem Prinzip. Der damit eingeloggte User wird bis zum Logout zum currentUser. Daraufhin wird eine Liste aller Stadtobjekte geladen und anhand der Heimatstadt des Users die currentStadt gesetzt. Dem User werden daraufhin 4 Buttons angeboten (Upload, Aufruf, Sub/Unsub, Logout). Beim Upload sowie beim Aufruf eines Bildes wird aktuell noch ein hardcoded Bild verwendet. Beim Upload wird der Filepath zu diesem Bild fest verwendet und der Aufruf greift stets auf das erste Bild in der Bilderliste der Stadt zu. Dies gilt es in der weiteren Entwicklung so zu erweitern, dass ein beliebiges Bild hochgeladen und aufgerufen werden kann. Die Pub/Sub Funktionalität ist dahingegen im Grunde vollständig implementiert. Zu bedenken wäre nur ob die Verwaltung der eingegangenen Benachrichtigungen noch zu erweitern ist.</a:t>
+            </a:r>
+            <a:br>
+              <a:rPr lang="de-DE" dirty="0"/>
+            </a:br>
+            <a:br>
+              <a:rPr lang="de-DE" dirty="0"/>
+            </a:br>
+            <a:r>
+              <a:rPr lang="de-DE" dirty="0"/>
+              <a:t>Ein wichtiger Punkt bei diesem Prototypen ist, dass die Datenverwaltung auschlieslich über JSON erfolgt. So werden (1) die Bildaten zu einem String enkodiert, (2) diese in einem Bildobjekt gespeichert, (3) was Teil eines Stadtobjekts ist, (4) welches Teil einer Liste aus Stadtobjekten ist, (5) die wiederrum zum einem JSON-String enkodiert wird und (6) dieser String wird in eine entsprechende Datei geschrieben. Diese Datei, diese Liste wird zum Beginn der Activity geladen. Dies bedeutet, dass der komplette Inhalt der Datenhaltung in den Speicher geladen wird. Ab einer bestimmten Größe ist dies nicht mehr angemessen. Dieser Problematik sind wir uns bewusst aber wegen des Umfangs unseres Prototypen wird dieser Zustand in Kauf genommen. Die Alternative wäre ein Datenbanksystem einzubinden, darauf wurde aus Zeitgründen verzichtet.</a:t>
+            </a:r>
           </a:p>
         </p:txBody>
       </p:sp>
@@ -835,6 +850,90 @@
             <a:fld id="{28D422E8-2025-4E88-B448-A26268B25EC5}" type="slidenum">
               <a:rPr lang="de-DE" smtClean="0"/>
               <a:t>10</a:t>
+            </a:fld>
+            <a:endParaRPr lang="de-DE"/>
+          </a:p>
+        </p:txBody>
+      </p:sp>
+    </p:spTree>
+    <p:extLst>
+      <p:ext uri="{BB962C8B-B14F-4D97-AF65-F5344CB8AC3E}">
+        <p14:creationId xmlns:p14="http://schemas.microsoft.com/office/powerpoint/2010/main" val="109453928"/>
+      </p:ext>
+    </p:extLst>
+  </p:cSld>
+  <p:clrMapOvr>
+    <a:masterClrMapping/>
+  </p:clrMapOvr>
+</p:notes>
+</file>
+
+<file path=ppt/notesSlides/notesSlide11.xml><?xml version="1.0" encoding="utf-8"?>
+<p:notes xmlns:a="http://schemas.openxmlformats.org/drawingml/2006/main" xmlns:r="http://schemas.openxmlformats.org/officeDocument/2006/relationships" xmlns:p="http://schemas.openxmlformats.org/presentationml/2006/main">
+  <p:cSld>
+    <p:spTree>
+      <p:nvGrpSpPr>
+        <p:cNvPr id="1" name=""/>
+        <p:cNvGrpSpPr/>
+        <p:nvPr/>
+      </p:nvGrpSpPr>
+      <p:grpSpPr>
+        <a:xfrm>
+          <a:off x="0" y="0"/>
+          <a:ext cx="0" cy="0"/>
+          <a:chOff x="0" y="0"/>
+          <a:chExt cx="0" cy="0"/>
+        </a:xfrm>
+      </p:grpSpPr>
+      <p:sp>
+        <p:nvSpPr>
+          <p:cNvPr id="2" name="Folienbildplatzhalter 1"/>
+          <p:cNvSpPr>
+            <a:spLocks noGrp="1" noRot="1" noChangeAspect="1"/>
+          </p:cNvSpPr>
+          <p:nvPr>
+            <p:ph type="sldImg"/>
+          </p:nvPr>
+        </p:nvSpPr>
+        <p:spPr/>
+      </p:sp>
+      <p:sp>
+        <p:nvSpPr>
+          <p:cNvPr id="3" name="Notizenplatzhalter 2"/>
+          <p:cNvSpPr>
+            <a:spLocks noGrp="1"/>
+          </p:cNvSpPr>
+          <p:nvPr>
+            <p:ph type="body" idx="1"/>
+          </p:nvPr>
+        </p:nvSpPr>
+        <p:spPr/>
+        <p:txBody>
+          <a:bodyPr/>
+          <a:lstStyle/>
+          <a:p>
+            <a:endParaRPr lang="de-DE" dirty="0"/>
+          </a:p>
+        </p:txBody>
+      </p:sp>
+      <p:sp>
+        <p:nvSpPr>
+          <p:cNvPr id="4" name="Foliennummernplatzhalter 3"/>
+          <p:cNvSpPr>
+            <a:spLocks noGrp="1"/>
+          </p:cNvSpPr>
+          <p:nvPr>
+            <p:ph type="sldNum" sz="quarter" idx="5"/>
+          </p:nvPr>
+        </p:nvSpPr>
+        <p:spPr/>
+        <p:txBody>
+          <a:bodyPr/>
+          <a:lstStyle/>
+          <a:p>
+            <a:fld id="{28D422E8-2025-4E88-B448-A26268B25EC5}" type="slidenum">
+              <a:rPr lang="de-DE" smtClean="0"/>
+              <a:t>11</a:t>
             </a:fld>
             <a:endParaRPr lang="de-DE"/>
           </a:p>
@@ -1555,37 +1654,7 @@
                 <a:effectLst/>
                 <a:latin typeface="Söhne"/>
               </a:rPr>
-              <a:t>" angezeigt. Beim Klicken auf die Schaltfläche "Veröffentlichen" soll ein Abonnent die Möglichkeit haben, ein Bild zu einer  Stadt hochzuladen und anschließend werden alle Abonnenten in der Liste benachrichtigt. Wenn ein User nicht </a:t>
-            </a:r>
-            <a:r>
-              <a:rPr lang="de-DE" b="0" i="0" dirty="0" err="1">
-                <a:solidFill>
-                  <a:srgbClr val="374151"/>
-                </a:solidFill>
-                <a:effectLst/>
-                <a:latin typeface="Söhne"/>
-              </a:rPr>
-              <a:t>subscribed</a:t>
-            </a:r>
-            <a:r>
-              <a:rPr lang="de-DE" b="0" i="0" dirty="0">
-                <a:solidFill>
-                  <a:srgbClr val="374151"/>
-                </a:solidFill>
-                <a:effectLst/>
-                <a:latin typeface="Söhne"/>
-              </a:rPr>
-              <a:t> ist, hat er nicht die Möglichkeit, ein Bild zu einer </a:t>
-            </a:r>
-            <a:r>
-              <a:rPr lang="de-DE" b="0" i="0">
-                <a:solidFill>
-                  <a:srgbClr val="374151"/>
-                </a:solidFill>
-                <a:effectLst/>
-                <a:latin typeface="Söhne"/>
-              </a:rPr>
-              <a:t>Stadt hochzuladen.</a:t>
+              <a:t>" angezeigt. Beim Klicken auf die Schaltfläche "Veröffentlichen" soll ein Abonnent die Möglichkeit haben, ein Bild zu einer  Stadt hochzuladen und anschließend werden alle Abonnenten in der Liste benachrichtigt. Wenn ein User nicht subscribed ist, hat er nicht die Möglichkeit, ein Bild zu einer Stadt hochzuladen.</a:t>
             </a:r>
             <a:endParaRPr lang="de-DE" dirty="0"/>
           </a:p>
@@ -1649,7 +1718,7 @@
       </p:grpSpPr>
       <p:sp>
         <p:nvSpPr>
-          <p:cNvPr id="2" name="Folienbildplatzhalter 1"/>
+          <p:cNvPr id="2" name="Slide Image Placeholder 1"/>
           <p:cNvSpPr>
             <a:spLocks noGrp="1" noRot="1" noChangeAspect="1"/>
           </p:cNvSpPr>
@@ -1661,7 +1730,7 @@
       </p:sp>
       <p:sp>
         <p:nvSpPr>
-          <p:cNvPr id="3" name="Notizenplatzhalter 2"/>
+          <p:cNvPr id="3" name="Notes Placeholder 2"/>
           <p:cNvSpPr>
             <a:spLocks noGrp="1"/>
           </p:cNvSpPr>
@@ -1674,13 +1743,24 @@
           <a:bodyPr/>
           <a:lstStyle/>
           <a:p>
-            <a:endParaRPr lang="de-DE" dirty="0"/>
-          </a:p>
-        </p:txBody>
-      </p:sp>
-      <p:sp>
-        <p:nvSpPr>
-          <p:cNvPr id="4" name="Foliennummernplatzhalter 3"/>
+            <a:r>
+              <a:rPr lang="de-DE" noProof="0" dirty="0"/>
+              <a:t>Im Rahmen des Login PoCs stand im Raum das Speichern und den Vergleich von Passwörtern mittels hash-codes umzusetzen. Selbstverständlich dürfen Passwörter nicht in Klartext gespeichert werden, allerdings fehlte us die Zeit sich mit dem Thema auseinanderzusetzen. Da wir aber auschlieslich mit Dummy-Usern und demnach Dummy-Passwörtern arbeiten, ist das Speichern dieser in Klartext zu verzeihen. Der PoC diente dann daraufhin die Deserialisation einer JSON Datei mit den Usernamen und Passwörten zu einer Liste mit Userobjekten zu erproben. Dies war erfolgreich und diese Funktionalität wird auch im Prototypen wiedeverwendet. Wäre dies nicht erfolgreich gewesen hätte einen einzelnen User fest erzeugt und den Login übersprungen oder eine </a:t>
+            </a:r>
+            <a:r>
+              <a:rPr lang="de-DE" noProof="0"/>
+              <a:t>Userliste zur Laufzeit fest </a:t>
+            </a:r>
+            <a:r>
+              <a:rPr lang="de-DE" noProof="0" dirty="0"/>
+              <a:t>erzeugt und damit den Login simuliert.</a:t>
+            </a:r>
+          </a:p>
+        </p:txBody>
+      </p:sp>
+      <p:sp>
+        <p:nvSpPr>
+          <p:cNvPr id="4" name="Slide Number Placeholder 3"/>
           <p:cNvSpPr>
             <a:spLocks noGrp="1"/>
           </p:cNvSpPr>
@@ -1704,7 +1784,7 @@
     </p:spTree>
     <p:extLst>
       <p:ext uri="{BB962C8B-B14F-4D97-AF65-F5344CB8AC3E}">
-        <p14:creationId xmlns:p14="http://schemas.microsoft.com/office/powerpoint/2010/main" val="1078181049"/>
+        <p14:creationId xmlns:p14="http://schemas.microsoft.com/office/powerpoint/2010/main" val="3932912972"/>
       </p:ext>
     </p:extLst>
   </p:cSld>
@@ -1760,23 +1840,33 @@
           <a:p>
             <a:r>
               <a:rPr lang="de-DE" dirty="0"/>
-              <a:t>Im ersten Prototypen wurde versucht die Kernfunktionalitäten des Systems umzusetzen, der Upload von Bildern sowie damit einhergehende Pub/Sub Funktionalität. Die Grundlage für die Lösungsansätze wurden durch die PoCs, die Use Case Spezifikation sowie das Klassendiagramm gegeben. Hier ist anzumerken, dass eine detailliertere Interaktionsmodellierung die Arbeit hätte erleichtern können. Der Login erfolgt nach dem im dazugehörigen PoC getestetem Prinzip. Der damit eingeloggte User wird bis zum Logout zum currentUser. Daraufhin wird eine Liste aller Stadtobjekte geladen und anhand der Heimatstadt des Users die currentStadt gesetzt. Dem User werden daraufhin 4 Buttons angeboten (Upload, Aufruf, Sub/Unsub, Logout). Beim Upload sowie beim Aufruf eines Bildes wird aktuell noch ein hardcoded Bild verwendet. Beim Upload wird der Filepath zu diesem Bild fest verwendet und der Aufruf greift stets auf das erste Bild in der Bilderliste der Stadt zu. Dies gilt es in der weiteren Entwicklung so zu erweitern, dass ein beliebiges Bild hochgeladen und aufgerufen werden kann. Die Pub/Sub Funktionalität ist dahingegen im Grunde vollständig implementiert. Zu bedenken wäre nur ob die Verwaltung der eingegangenen Benachrichtigungen noch zu erweitern ist.</a:t>
+              <a:t>Quelle zum Bild: https://github.com/sebastiankoch10/EPWS2223HausenKochZimmer/blob/main/Modellierungen/Klassendiagramm.PNG</a:t>
+            </a:r>
+          </a:p>
+          <a:p>
+            <a:endParaRPr lang="de-DE" dirty="0"/>
+          </a:p>
+          <a:p>
+            <a:r>
+              <a:rPr lang="de-DE" dirty="0"/>
+              <a:t>Im Rahmen der Modellierungen für das System wurde ein Klassendiagramm angefertigt, um damit festzulegen welche Informationen und Daten abgespeichert werden. Außerdem erfolgt hierdurch eine klare Struktur des Systems, es wird verdeutlicht wie die unterschiedlichen Elemente/Ressourcen des Systems zueinander in Verbindung stehen. </a:t>
             </a:r>
             <a:br>
               <a:rPr lang="de-DE" dirty="0"/>
             </a:br>
-            <a:br>
+            <a:r>
               <a:rPr lang="de-DE" dirty="0"/>
-            </a:br>
+              <a:t>Im Zuge der Programmierung der PoCs und des Prototypen durchlief das Diagramm einige Iterationen. So wurde zunächst vorgesehen, dass die unterschiedlichen Rollen der User als Erben implementiert werden. Da aber sich keine einzigartigen Attribute für diese Rollen ergeben haben, wurde darauf verzichtet und die Rolle wird als einfacher String gespeichert. Beim Aufruf einer Funktion, die eine bestimmte Rolle benötigt, wird dieses Attribut des aktuellen Users geprüft. Die vorgesehenen Rollen sind regulärer User, blockierter User, Experte (Verifikation), Moderator (Löschen von Beiträgen) und Administrator (Rollenzuweisung). Außerdem war noch bis zur Programmierung unklar wie die Pub/Sub Funktionalität implementiert wird. Die dabei entwickelte Lösung wurde daraufhin zu Vollständigkeit im Klassendiagramm integriert. Schlieslich ist noch aus der Programmierung erfolgt, dass vorher in den Subscriberlisten, Autoren, Uploader, usw. User als Typ vorgesehen waren. Allerdings würde dies dazu führen, dass die User mehrfach abgespeichert werden in diesen jeweiligen Attributen und einer allgemeinen Liste aller User. Es ist nun vorgesehen nur die Namen zu speichern.</a:t>
+            </a:r>
+          </a:p>
+          <a:p>
+            <a:endParaRPr lang="de-DE" dirty="0"/>
+          </a:p>
+          <a:p>
             <a:r>
               <a:rPr lang="de-DE" dirty="0"/>
-              <a:t>Ein wichtiger Punkt bei diesem Prototypen ist, dass die Datenverwaltung auschlieslich über JSON erfolgt. So werden (1) die Bildaten zu einem String enkodiert, (2) diese in einem Bildobjekt gespeichert, (3) was Teil eines Stadtobjekts ist, (4) welches Teil einer Liste aus Stadtobjekten ist, (5) die wiederrum zum einem JSON-String enkodiert wird und (6) dieser String wird in eine entsprechende Datei geschrieben. Diese Datei, diese Liste wird zum Beginn der Activity geladen. Dies bedeutet, dass der komplette Inhalt der Datenhaltung in den Speicher geladen wird. Ab einer bestimmten Größe ist dies nicht mehr angemessen. </a:t>
-            </a:r>
-            <a:r>
-              <a:rPr lang="de-DE"/>
-              <a:t>Dieser Problematik sind wir uns bewusst aber wegen des Umfangs unseres Prototypen wird dieser Zustand in Kauf genommen.</a:t>
-            </a:r>
-            <a:endParaRPr lang="de-DE" dirty="0"/>
+              <a:t>Die Klassen zur Implementierung eines Forums und Chatfunktionen sind noch grob gehalten, da unklar ist, ob wir diese Funktionen in dem Prototypen implementieren. Sollte dies der Fall sein ist aber damit schon mal eine Grundlage geschaffen, die dann erweitert werden kann.</a:t>
+            </a:r>
           </a:p>
         </p:txBody>
       </p:sp>
@@ -1806,7 +1896,7 @@
     </p:spTree>
     <p:extLst>
       <p:ext uri="{BB962C8B-B14F-4D97-AF65-F5344CB8AC3E}">
-        <p14:creationId xmlns:p14="http://schemas.microsoft.com/office/powerpoint/2010/main" val="109453928"/>
+        <p14:creationId xmlns:p14="http://schemas.microsoft.com/office/powerpoint/2010/main" val="1078181049"/>
       </p:ext>
     </p:extLst>
   </p:cSld>
@@ -5177,42 +5267,48 @@
         </p:nvSpPr>
         <p:spPr>
           <a:xfrm>
-            <a:off x="1348902" y="2646655"/>
-            <a:ext cx="9144000" cy="1575149"/>
+            <a:off x="1009650" y="2110902"/>
+            <a:ext cx="9483252" cy="2708747"/>
           </a:xfrm>
           <a:effectLst/>
         </p:spPr>
         <p:txBody>
           <a:bodyPr anchor="ctr">
-            <a:normAutofit fontScale="40000" lnSpcReduction="20000"/>
+            <a:normAutofit/>
           </a:bodyPr>
           <a:lstStyle/>
           <a:p>
             <a:r>
-              <a:rPr lang="de-DE" sz="5400" dirty="0"/>
+              <a:rPr lang="de-DE" dirty="0"/>
               <a:t>Projekt an der TH Köln</a:t>
             </a:r>
           </a:p>
           <a:p>
             <a:r>
-              <a:rPr lang="de-DE" sz="5400" dirty="0"/>
+              <a:rPr lang="de-DE" dirty="0"/>
               <a:t>Wintersemester 22/23</a:t>
             </a:r>
           </a:p>
           <a:p>
             <a:r>
-              <a:rPr lang="de-DE" sz="5400" dirty="0"/>
+              <a:rPr lang="de-DE" dirty="0"/>
               <a:t>Entwicklungsprojekt – Perspektive – Social Computing</a:t>
             </a:r>
           </a:p>
           <a:p>
             <a:r>
-              <a:rPr lang="de-DE" sz="5400" dirty="0"/>
-              <a:t>Mirjam Blümm, Uwe Müsse, Simon Schulte</a:t>
-            </a:r>
-          </a:p>
-          <a:p>
-            <a:endParaRPr lang="de-DE" sz="5400" dirty="0"/>
+              <a:rPr lang="de-DE" dirty="0"/>
+              <a:t>Von Frederik Hausen, Philipp Zimmer, Sebastian Koch</a:t>
+            </a:r>
+          </a:p>
+          <a:p>
+            <a:r>
+              <a:rPr lang="de-DE" dirty="0"/>
+              <a:t>Bei Mirjam Blümm, Uwe Müsse, Simon Schulte</a:t>
+            </a:r>
+          </a:p>
+          <a:p>
+            <a:endParaRPr lang="de-DE" dirty="0"/>
           </a:p>
         </p:txBody>
       </p:sp>
@@ -5413,207 +5509,6 @@
           </a:p>
         </p:txBody>
       </p:sp>
-      <p:sp>
-        <p:nvSpPr>
-          <p:cNvPr id="6" name="Untertitel 2">
-            <a:extLst>
-              <a:ext uri="{FF2B5EF4-FFF2-40B4-BE49-F238E27FC236}">
-                <a16:creationId xmlns:a16="http://schemas.microsoft.com/office/drawing/2014/main" id="{692A2120-7101-29B4-D59E-DDA9047D78F9}"/>
-              </a:ext>
-            </a:extLst>
-          </p:cNvPr>
-          <p:cNvSpPr txBox="1">
-            <a:spLocks/>
-          </p:cNvSpPr>
-          <p:nvPr/>
-        </p:nvSpPr>
-        <p:spPr>
-          <a:xfrm>
-            <a:off x="1348902" y="5816600"/>
-            <a:ext cx="9144000" cy="787574"/>
-          </a:xfrm>
-          <a:prstGeom prst="rect">
-            <a:avLst/>
-          </a:prstGeom>
-          <a:effectLst/>
-        </p:spPr>
-        <p:txBody>
-          <a:bodyPr vert="horz" lIns="91440" tIns="45720" rIns="91440" bIns="45720" rtlCol="0" anchor="b">
-            <a:normAutofit fontScale="70000" lnSpcReduction="20000"/>
-          </a:bodyPr>
-          <a:lstStyle>
-            <a:lvl1pPr marL="0" indent="0" algn="ctr" defTabSz="914400" rtl="0" eaLnBrk="1" latinLnBrk="0" hangingPunct="1">
-              <a:lnSpc>
-                <a:spcPct val="90000"/>
-              </a:lnSpc>
-              <a:spcBef>
-                <a:spcPts val="1000"/>
-              </a:spcBef>
-              <a:buFont typeface="Arial" panose="020B0604020202020204" pitchFamily="34" charset="0"/>
-              <a:buNone/>
-              <a:defRPr sz="2400" kern="1200">
-                <a:solidFill>
-                  <a:schemeClr val="tx1"/>
-                </a:solidFill>
-                <a:latin typeface="+mn-lt"/>
-                <a:ea typeface="+mn-ea"/>
-                <a:cs typeface="+mn-cs"/>
-              </a:defRPr>
-            </a:lvl1pPr>
-            <a:lvl2pPr marL="457200" indent="0" algn="ctr" defTabSz="914400" rtl="0" eaLnBrk="1" latinLnBrk="0" hangingPunct="1">
-              <a:lnSpc>
-                <a:spcPct val="90000"/>
-              </a:lnSpc>
-              <a:spcBef>
-                <a:spcPts val="500"/>
-              </a:spcBef>
-              <a:buFont typeface="Arial" panose="020B0604020202020204" pitchFamily="34" charset="0"/>
-              <a:buNone/>
-              <a:defRPr sz="2000" kern="1200">
-                <a:solidFill>
-                  <a:schemeClr val="tx1"/>
-                </a:solidFill>
-                <a:latin typeface="+mn-lt"/>
-                <a:ea typeface="+mn-ea"/>
-                <a:cs typeface="+mn-cs"/>
-              </a:defRPr>
-            </a:lvl2pPr>
-            <a:lvl3pPr marL="914400" indent="0" algn="ctr" defTabSz="914400" rtl="0" eaLnBrk="1" latinLnBrk="0" hangingPunct="1">
-              <a:lnSpc>
-                <a:spcPct val="90000"/>
-              </a:lnSpc>
-              <a:spcBef>
-                <a:spcPts val="500"/>
-              </a:spcBef>
-              <a:buFont typeface="Arial" panose="020B0604020202020204" pitchFamily="34" charset="0"/>
-              <a:buNone/>
-              <a:defRPr sz="1800" kern="1200">
-                <a:solidFill>
-                  <a:schemeClr val="tx1"/>
-                </a:solidFill>
-                <a:latin typeface="+mn-lt"/>
-                <a:ea typeface="+mn-ea"/>
-                <a:cs typeface="+mn-cs"/>
-              </a:defRPr>
-            </a:lvl3pPr>
-            <a:lvl4pPr marL="1371600" indent="0" algn="ctr" defTabSz="914400" rtl="0" eaLnBrk="1" latinLnBrk="0" hangingPunct="1">
-              <a:lnSpc>
-                <a:spcPct val="90000"/>
-              </a:lnSpc>
-              <a:spcBef>
-                <a:spcPts val="500"/>
-              </a:spcBef>
-              <a:buFont typeface="Arial" panose="020B0604020202020204" pitchFamily="34" charset="0"/>
-              <a:buNone/>
-              <a:defRPr sz="1600" kern="1200">
-                <a:solidFill>
-                  <a:schemeClr val="tx1"/>
-                </a:solidFill>
-                <a:latin typeface="+mn-lt"/>
-                <a:ea typeface="+mn-ea"/>
-                <a:cs typeface="+mn-cs"/>
-              </a:defRPr>
-            </a:lvl4pPr>
-            <a:lvl5pPr marL="1828800" indent="0" algn="ctr" defTabSz="914400" rtl="0" eaLnBrk="1" latinLnBrk="0" hangingPunct="1">
-              <a:lnSpc>
-                <a:spcPct val="90000"/>
-              </a:lnSpc>
-              <a:spcBef>
-                <a:spcPts val="500"/>
-              </a:spcBef>
-              <a:buFont typeface="Arial" panose="020B0604020202020204" pitchFamily="34" charset="0"/>
-              <a:buNone/>
-              <a:defRPr sz="1600" kern="1200">
-                <a:solidFill>
-                  <a:schemeClr val="tx1"/>
-                </a:solidFill>
-                <a:latin typeface="+mn-lt"/>
-                <a:ea typeface="+mn-ea"/>
-                <a:cs typeface="+mn-cs"/>
-              </a:defRPr>
-            </a:lvl5pPr>
-            <a:lvl6pPr marL="2286000" indent="0" algn="ctr" defTabSz="914400" rtl="0" eaLnBrk="1" latinLnBrk="0" hangingPunct="1">
-              <a:lnSpc>
-                <a:spcPct val="90000"/>
-              </a:lnSpc>
-              <a:spcBef>
-                <a:spcPts val="500"/>
-              </a:spcBef>
-              <a:buFont typeface="Arial" panose="020B0604020202020204" pitchFamily="34" charset="0"/>
-              <a:buNone/>
-              <a:defRPr sz="1600" kern="1200">
-                <a:solidFill>
-                  <a:schemeClr val="tx1"/>
-                </a:solidFill>
-                <a:latin typeface="+mn-lt"/>
-                <a:ea typeface="+mn-ea"/>
-                <a:cs typeface="+mn-cs"/>
-              </a:defRPr>
-            </a:lvl6pPr>
-            <a:lvl7pPr marL="2743200" indent="0" algn="ctr" defTabSz="914400" rtl="0" eaLnBrk="1" latinLnBrk="0" hangingPunct="1">
-              <a:lnSpc>
-                <a:spcPct val="90000"/>
-              </a:lnSpc>
-              <a:spcBef>
-                <a:spcPts val="500"/>
-              </a:spcBef>
-              <a:buFont typeface="Arial" panose="020B0604020202020204" pitchFamily="34" charset="0"/>
-              <a:buNone/>
-              <a:defRPr sz="1600" kern="1200">
-                <a:solidFill>
-                  <a:schemeClr val="tx1"/>
-                </a:solidFill>
-                <a:latin typeface="+mn-lt"/>
-                <a:ea typeface="+mn-ea"/>
-                <a:cs typeface="+mn-cs"/>
-              </a:defRPr>
-            </a:lvl7pPr>
-            <a:lvl8pPr marL="3200400" indent="0" algn="ctr" defTabSz="914400" rtl="0" eaLnBrk="1" latinLnBrk="0" hangingPunct="1">
-              <a:lnSpc>
-                <a:spcPct val="90000"/>
-              </a:lnSpc>
-              <a:spcBef>
-                <a:spcPts val="500"/>
-              </a:spcBef>
-              <a:buFont typeface="Arial" panose="020B0604020202020204" pitchFamily="34" charset="0"/>
-              <a:buNone/>
-              <a:defRPr sz="1600" kern="1200">
-                <a:solidFill>
-                  <a:schemeClr val="tx1"/>
-                </a:solidFill>
-                <a:latin typeface="+mn-lt"/>
-                <a:ea typeface="+mn-ea"/>
-                <a:cs typeface="+mn-cs"/>
-              </a:defRPr>
-            </a:lvl8pPr>
-            <a:lvl9pPr marL="3657600" indent="0" algn="ctr" defTabSz="914400" rtl="0" eaLnBrk="1" latinLnBrk="0" hangingPunct="1">
-              <a:lnSpc>
-                <a:spcPct val="90000"/>
-              </a:lnSpc>
-              <a:spcBef>
-                <a:spcPts val="500"/>
-              </a:spcBef>
-              <a:buFont typeface="Arial" panose="020B0604020202020204" pitchFamily="34" charset="0"/>
-              <a:buNone/>
-              <a:defRPr sz="1600" kern="1200">
-                <a:solidFill>
-                  <a:schemeClr val="tx1"/>
-                </a:solidFill>
-                <a:latin typeface="+mn-lt"/>
-                <a:ea typeface="+mn-ea"/>
-                <a:cs typeface="+mn-cs"/>
-              </a:defRPr>
-            </a:lvl9pPr>
-          </a:lstStyle>
-          <a:p>
-            <a:r>
-              <a:rPr lang="de-DE" sz="4400" dirty="0"/>
-              <a:t>Frederik Hausen, Philipp Zimmer, 	Sebastian Koch</a:t>
-            </a:r>
-            <a:endParaRPr lang="de-DE" sz="5400" dirty="0"/>
-          </a:p>
-        </p:txBody>
-      </p:sp>
     </p:spTree>
     <p:extLst>
       <p:ext uri="{BB962C8B-B14F-4D97-AF65-F5344CB8AC3E}">
@@ -5667,15 +5562,7 @@
           <a:p>
             <a:r>
               <a:rPr lang="de-DE" dirty="0"/>
-              <a:t>Audit 4 </a:t>
-            </a:r>
-            <a:r>
-              <a:rPr lang="de-DE" dirty="0" err="1"/>
-              <a:t>Deliverables</a:t>
-            </a:r>
-            <a:r>
-              <a:rPr lang="de-DE" dirty="0"/>
-              <a:t> </a:t>
+              <a:t>Erster Prototyp</a:t>
             </a:r>
           </a:p>
         </p:txBody>
@@ -5698,33 +5585,103 @@
         </p:nvSpPr>
         <p:spPr/>
         <p:txBody>
-          <a:bodyPr/>
-          <a:lstStyle/>
-          <a:p>
-            <a:pPr marL="0" indent="0">
-              <a:buNone/>
-            </a:pPr>
-            <a:endParaRPr lang="de-DE" dirty="0"/>
-          </a:p>
-          <a:p>
-            <a:r>
-              <a:rPr lang="de-DE" dirty="0"/>
-              <a:t>funktionalen Prototyps</a:t>
-            </a:r>
-          </a:p>
-          <a:p>
-            <a:r>
-              <a:rPr lang="de-DE" dirty="0"/>
-              <a:t>Fazit und kritisch reflektiertes </a:t>
-            </a:r>
-            <a:r>
-              <a:rPr lang="de-DE" dirty="0" err="1"/>
-              <a:t>Prozessassessment</a:t>
-            </a:r>
-            <a:r>
-              <a:rPr lang="de-DE" dirty="0"/>
-              <a:t> des gesamten Projektes anhand der ursprünglichen Zielsetzung</a:t>
-            </a:r>
+          <a:bodyPr>
+            <a:normAutofit fontScale="92500" lnSpcReduction="10000"/>
+          </a:bodyPr>
+          <a:lstStyle/>
+          <a:p>
+            <a:r>
+              <a:rPr lang="de-DE" sz="2000" dirty="0"/>
+              <a:t>Login </a:t>
+            </a:r>
+          </a:p>
+          <a:p>
+            <a:r>
+              <a:rPr lang="de-DE" sz="2000" dirty="0"/>
+              <a:t>Setze currentUser</a:t>
+            </a:r>
+          </a:p>
+          <a:p>
+            <a:r>
+              <a:rPr lang="de-DE" sz="2000" dirty="0"/>
+              <a:t>Setze currentStadt anhand Heimatstadt des Users</a:t>
+            </a:r>
+          </a:p>
+          <a:p>
+            <a:r>
+              <a:rPr lang="de-DE" sz="2000" dirty="0"/>
+              <a:t>Upload eines Bildes</a:t>
+            </a:r>
+          </a:p>
+          <a:p>
+            <a:pPr lvl="1"/>
+            <a:r>
+              <a:rPr lang="de-DE" sz="1600" dirty="0"/>
+              <a:t>Drawable File einlesen</a:t>
+            </a:r>
+          </a:p>
+          <a:p>
+            <a:pPr lvl="1"/>
+            <a:r>
+              <a:rPr lang="de-DE" sz="1600" dirty="0"/>
+              <a:t>Zu String enkodieren</a:t>
+            </a:r>
+          </a:p>
+          <a:p>
+            <a:pPr lvl="1"/>
+            <a:r>
+              <a:rPr lang="de-DE" sz="1600" dirty="0"/>
+              <a:t>Bildobjekt erzeugen und zur Stadt hinzufügen</a:t>
+            </a:r>
+          </a:p>
+          <a:p>
+            <a:pPr lvl="1"/>
+            <a:r>
+              <a:rPr lang="de-DE" sz="1600" dirty="0"/>
+              <a:t>Stadtliste enkodieren und abspeichern</a:t>
+            </a:r>
+          </a:p>
+          <a:p>
+            <a:pPr lvl="1"/>
+            <a:r>
+              <a:rPr lang="de-DE" sz="1600" dirty="0"/>
+              <a:t>Benachrichtigung an Subscriber senden</a:t>
+            </a:r>
+          </a:p>
+          <a:p>
+            <a:pPr lvl="1"/>
+            <a:r>
+              <a:rPr lang="de-DE" sz="1600" dirty="0"/>
+              <a:t>Userliste enkodieren und abspeichern</a:t>
+            </a:r>
+            <a:endParaRPr lang="de-DE" sz="1200" dirty="0"/>
+          </a:p>
+          <a:p>
+            <a:r>
+              <a:rPr lang="de-DE" sz="2000" dirty="0"/>
+              <a:t>Aufruf eines Bildes</a:t>
+            </a:r>
+          </a:p>
+          <a:p>
+            <a:r>
+              <a:rPr lang="de-DE" sz="2000" dirty="0"/>
+              <a:t>Subscribe/Unsubscribe zur Stadt</a:t>
+            </a:r>
+          </a:p>
+          <a:p>
+            <a:r>
+              <a:rPr lang="de-DE" sz="2000" dirty="0"/>
+              <a:t>Anzeige der Benachrichtigungen</a:t>
+            </a:r>
+          </a:p>
+          <a:p>
+            <a:r>
+              <a:rPr lang="de-DE" sz="2000" dirty="0"/>
+              <a:t>Logout</a:t>
+            </a:r>
+          </a:p>
+          <a:p>
+            <a:endParaRPr lang="de-DE" sz="2000" dirty="0"/>
           </a:p>
         </p:txBody>
       </p:sp>
@@ -5756,6 +5713,157 @@
                 </a:solidFill>
               </a:rPr>
               <a:t>10</a:t>
+            </a:fld>
+            <a:endParaRPr lang="de-DE" sz="2000" dirty="0">
+              <a:solidFill>
+                <a:schemeClr val="tx1"/>
+              </a:solidFill>
+            </a:endParaRPr>
+          </a:p>
+        </p:txBody>
+      </p:sp>
+    </p:spTree>
+    <p:extLst>
+      <p:ext uri="{BB962C8B-B14F-4D97-AF65-F5344CB8AC3E}">
+        <p14:creationId xmlns:p14="http://schemas.microsoft.com/office/powerpoint/2010/main" val="2702035577"/>
+      </p:ext>
+    </p:extLst>
+  </p:cSld>
+  <p:clrMapOvr>
+    <a:masterClrMapping/>
+  </p:clrMapOvr>
+</p:sld>
+</file>
+
+<file path=ppt/slides/slide11.xml><?xml version="1.0" encoding="utf-8"?>
+<p:sld xmlns:a="http://schemas.openxmlformats.org/drawingml/2006/main" xmlns:r="http://schemas.openxmlformats.org/officeDocument/2006/relationships" xmlns:p="http://schemas.openxmlformats.org/presentationml/2006/main">
+  <p:cSld>
+    <p:spTree>
+      <p:nvGrpSpPr>
+        <p:cNvPr id="1" name=""/>
+        <p:cNvGrpSpPr/>
+        <p:nvPr/>
+      </p:nvGrpSpPr>
+      <p:grpSpPr>
+        <a:xfrm>
+          <a:off x="0" y="0"/>
+          <a:ext cx="0" cy="0"/>
+          <a:chOff x="0" y="0"/>
+          <a:chExt cx="0" cy="0"/>
+        </a:xfrm>
+      </p:grpSpPr>
+      <p:sp>
+        <p:nvSpPr>
+          <p:cNvPr id="2" name="Titel 1">
+            <a:extLst>
+              <a:ext uri="{FF2B5EF4-FFF2-40B4-BE49-F238E27FC236}">
+                <a16:creationId xmlns:a16="http://schemas.microsoft.com/office/drawing/2014/main" id="{4AC7DED0-9976-693C-8B24-D84F23C8E7B6}"/>
+              </a:ext>
+            </a:extLst>
+          </p:cNvPr>
+          <p:cNvSpPr>
+            <a:spLocks noGrp="1"/>
+          </p:cNvSpPr>
+          <p:nvPr>
+            <p:ph type="title"/>
+          </p:nvPr>
+        </p:nvSpPr>
+        <p:spPr/>
+        <p:txBody>
+          <a:bodyPr/>
+          <a:lstStyle/>
+          <a:p>
+            <a:r>
+              <a:rPr lang="de-DE" dirty="0"/>
+              <a:t>Audit 4 </a:t>
+            </a:r>
+            <a:r>
+              <a:rPr lang="de-DE" dirty="0" err="1"/>
+              <a:t>Deliverables</a:t>
+            </a:r>
+            <a:r>
+              <a:rPr lang="de-DE" dirty="0"/>
+              <a:t> </a:t>
+            </a:r>
+          </a:p>
+        </p:txBody>
+      </p:sp>
+      <p:sp>
+        <p:nvSpPr>
+          <p:cNvPr id="3" name="Inhaltsplatzhalter 2">
+            <a:extLst>
+              <a:ext uri="{FF2B5EF4-FFF2-40B4-BE49-F238E27FC236}">
+                <a16:creationId xmlns:a16="http://schemas.microsoft.com/office/drawing/2014/main" id="{26828B3D-0288-9D01-3FAB-ED2A638AE90B}"/>
+              </a:ext>
+            </a:extLst>
+          </p:cNvPr>
+          <p:cNvSpPr>
+            <a:spLocks noGrp="1"/>
+          </p:cNvSpPr>
+          <p:nvPr>
+            <p:ph idx="1"/>
+          </p:nvPr>
+        </p:nvSpPr>
+        <p:spPr/>
+        <p:txBody>
+          <a:bodyPr/>
+          <a:lstStyle/>
+          <a:p>
+            <a:pPr marL="0" indent="0">
+              <a:buNone/>
+            </a:pPr>
+            <a:endParaRPr lang="de-DE" dirty="0"/>
+          </a:p>
+          <a:p>
+            <a:r>
+              <a:rPr lang="de-DE" dirty="0"/>
+              <a:t>funktionalen Prototyps</a:t>
+            </a:r>
+          </a:p>
+          <a:p>
+            <a:r>
+              <a:rPr lang="de-DE" dirty="0"/>
+              <a:t>Fazit und kritisch reflektiertes </a:t>
+            </a:r>
+            <a:r>
+              <a:rPr lang="de-DE" dirty="0" err="1"/>
+              <a:t>Prozessassessment</a:t>
+            </a:r>
+            <a:r>
+              <a:rPr lang="de-DE" dirty="0"/>
+              <a:t> des gesamten Projektes anhand der ursprünglichen Zielsetzung</a:t>
+            </a:r>
+          </a:p>
+        </p:txBody>
+      </p:sp>
+      <p:sp>
+        <p:nvSpPr>
+          <p:cNvPr id="5" name="Foliennummernplatzhalter 4">
+            <a:extLst>
+              <a:ext uri="{FF2B5EF4-FFF2-40B4-BE49-F238E27FC236}">
+                <a16:creationId xmlns:a16="http://schemas.microsoft.com/office/drawing/2014/main" id="{7B246376-21DF-8BF4-A1FD-B77C22C28AAB}"/>
+              </a:ext>
+            </a:extLst>
+          </p:cNvPr>
+          <p:cNvSpPr>
+            <a:spLocks noGrp="1"/>
+          </p:cNvSpPr>
+          <p:nvPr>
+            <p:ph type="sldNum" sz="quarter" idx="12"/>
+          </p:nvPr>
+        </p:nvSpPr>
+        <p:spPr/>
+        <p:txBody>
+          <a:bodyPr/>
+          <a:lstStyle/>
+          <a:p>
+            <a:fld id="{4FD190AE-D9AE-4074-AAED-D637288AF7F0}" type="slidenum">
+              <a:rPr lang="de-DE" sz="2000" smtClean="0">
+                <a:solidFill>
+                  <a:schemeClr val="tx1"/>
+                </a:solidFill>
+              </a:rPr>
+              <a:t>11</a:t>
             </a:fld>
             <a:endParaRPr lang="de-DE" sz="2000" dirty="0">
               <a:solidFill>
@@ -6319,18 +6427,6 @@
             <a:r>
               <a:rPr lang="de-DE" sz="1600" dirty="0"/>
               <a:t>Login</a:t>
-            </a:r>
-          </a:p>
-          <a:p>
-            <a:r>
-              <a:rPr lang="de-DE" sz="1600" dirty="0"/>
-              <a:t>Login als User mit Sonderrechten</a:t>
-            </a:r>
-          </a:p>
-          <a:p>
-            <a:r>
-              <a:rPr lang="de-DE" sz="1600" dirty="0"/>
-              <a:t>Login in als User ohne Plattform zugriff</a:t>
             </a:r>
           </a:p>
         </p:txBody>
@@ -8074,10 +8170,10 @@
       </p:grpSpPr>
       <p:sp>
         <p:nvSpPr>
-          <p:cNvPr id="2" name="Titel 1">
-            <a:extLst>
-              <a:ext uri="{FF2B5EF4-FFF2-40B4-BE49-F238E27FC236}">
-                <a16:creationId xmlns:a16="http://schemas.microsoft.com/office/drawing/2014/main" id="{4AC7DED0-9976-693C-8B24-D84F23C8E7B6}"/>
+          <p:cNvPr id="2" name="Title 1">
+            <a:extLst>
+              <a:ext uri="{FF2B5EF4-FFF2-40B4-BE49-F238E27FC236}">
+                <a16:creationId xmlns:a16="http://schemas.microsoft.com/office/drawing/2014/main" id="{2D9F1241-A252-A34F-D19E-A0B70EDCC08C}"/>
               </a:ext>
             </a:extLst>
           </p:cNvPr>
@@ -8093,27 +8189,754 @@
           <a:bodyPr/>
           <a:lstStyle/>
           <a:p>
-            <a:r>
-              <a:rPr lang="de-DE" dirty="0"/>
-              <a:t> </a:t>
-            </a:r>
-            <a:r>
-              <a:rPr lang="de-DE" dirty="0" err="1"/>
-              <a:t>Activity</a:t>
-            </a:r>
-            <a:r>
-              <a:rPr lang="de-DE" dirty="0"/>
-              <a:t> Diagramm, Interaktionsmodellierung</a:t>
-            </a:r>
-          </a:p>
-        </p:txBody>
-      </p:sp>
-      <p:sp>
-        <p:nvSpPr>
-          <p:cNvPr id="5" name="Foliennummernplatzhalter 4">
-            <a:extLst>
-              <a:ext uri="{FF2B5EF4-FFF2-40B4-BE49-F238E27FC236}">
-                <a16:creationId xmlns:a16="http://schemas.microsoft.com/office/drawing/2014/main" id="{7B246376-21DF-8BF4-A1FD-B77C22C28AAB}"/>
+            <a:pPr algn="ctr"/>
+            <a:r>
+              <a:rPr lang="en-GB" dirty="0"/>
+              <a:t>POC Login</a:t>
+            </a:r>
+          </a:p>
+        </p:txBody>
+      </p:sp>
+      <p:sp>
+        <p:nvSpPr>
+          <p:cNvPr id="3" name="Content Placeholder 2">
+            <a:extLst>
+              <a:ext uri="{FF2B5EF4-FFF2-40B4-BE49-F238E27FC236}">
+                <a16:creationId xmlns:a16="http://schemas.microsoft.com/office/drawing/2014/main" id="{DE1BEAB3-472D-EF93-8F10-79654B2530AF}"/>
+              </a:ext>
+            </a:extLst>
+          </p:cNvPr>
+          <p:cNvSpPr>
+            <a:spLocks noGrp="1"/>
+          </p:cNvSpPr>
+          <p:nvPr>
+            <p:ph idx="1"/>
+          </p:nvPr>
+        </p:nvSpPr>
+        <p:spPr/>
+        <p:txBody>
+          <a:bodyPr numCol="2">
+            <a:normAutofit/>
+          </a:bodyPr>
+          <a:lstStyle/>
+          <a:p>
+            <a:pPr marL="342900" lvl="0" indent="-342900">
+              <a:lnSpc>
+                <a:spcPct val="107000"/>
+              </a:lnSpc>
+              <a:buFont typeface="Symbol" panose="05050102010706020507" pitchFamily="18" charset="2"/>
+              <a:buChar char=""/>
+            </a:pPr>
+            <a:r>
+              <a:rPr lang="de-DE" sz="1400" u="sng" dirty="0">
+                <a:solidFill>
+                  <a:srgbClr val="000000"/>
+                </a:solidFill>
+                <a:effectLst/>
+                <a:latin typeface="Calibri" panose="020F0502020204030204" pitchFamily="34" charset="0"/>
+                <a:ea typeface="游明朝" panose="02020400000000000000" pitchFamily="18" charset="-128"/>
+                <a:cs typeface="Times New Roman" panose="02020603050405020304" pitchFamily="18" charset="0"/>
+              </a:rPr>
+              <a:t>Login</a:t>
+            </a:r>
+            <a:endParaRPr lang="en-GB" sz="1200" dirty="0">
+              <a:effectLst/>
+              <a:latin typeface="Calibri" panose="020F0502020204030204" pitchFamily="34" charset="0"/>
+              <a:ea typeface="游明朝" panose="02020400000000000000" pitchFamily="18" charset="-128"/>
+              <a:cs typeface="Times New Roman" panose="02020603050405020304" pitchFamily="18" charset="0"/>
+            </a:endParaRPr>
+          </a:p>
+          <a:p>
+            <a:pPr marL="742950" lvl="1" indent="-285750">
+              <a:lnSpc>
+                <a:spcPct val="107000"/>
+              </a:lnSpc>
+              <a:buFont typeface="Courier New" panose="02070309020205020404" pitchFamily="49" charset="0"/>
+              <a:buChar char="o"/>
+            </a:pPr>
+            <a:r>
+              <a:rPr lang="de-DE" sz="1200" b="1" dirty="0">
+                <a:solidFill>
+                  <a:srgbClr val="000000"/>
+                </a:solidFill>
+                <a:effectLst/>
+                <a:latin typeface="Calibri" panose="020F0502020204030204" pitchFamily="34" charset="0"/>
+                <a:ea typeface="游明朝" panose="02020400000000000000" pitchFamily="18" charset="-128"/>
+                <a:cs typeface="Times New Roman" panose="02020603050405020304" pitchFamily="18" charset="0"/>
+              </a:rPr>
+              <a:t>Ablauf</a:t>
+            </a:r>
+            <a:endParaRPr lang="en-GB" sz="1200" dirty="0">
+              <a:effectLst/>
+              <a:latin typeface="Calibri" panose="020F0502020204030204" pitchFamily="34" charset="0"/>
+              <a:ea typeface="游明朝" panose="02020400000000000000" pitchFamily="18" charset="-128"/>
+              <a:cs typeface="Times New Roman" panose="02020603050405020304" pitchFamily="18" charset="0"/>
+            </a:endParaRPr>
+          </a:p>
+          <a:p>
+            <a:pPr marL="1143000" lvl="2" indent="-228600">
+              <a:lnSpc>
+                <a:spcPct val="107000"/>
+              </a:lnSpc>
+              <a:buFont typeface="Wingdings" panose="05000000000000000000" pitchFamily="2" charset="2"/>
+              <a:buChar char=""/>
+            </a:pPr>
+            <a:r>
+              <a:rPr lang="de-DE" sz="1200" dirty="0">
+                <a:solidFill>
+                  <a:srgbClr val="000000"/>
+                </a:solidFill>
+                <a:effectLst/>
+                <a:latin typeface="Calibri" panose="020F0502020204030204" pitchFamily="34" charset="0"/>
+                <a:ea typeface="游明朝" panose="02020400000000000000" pitchFamily="18" charset="-128"/>
+                <a:cs typeface="Times New Roman" panose="02020603050405020304" pitchFamily="18" charset="0"/>
+              </a:rPr>
+              <a:t>Abfrage nach Username/Email - Passwort Dataset</a:t>
+            </a:r>
+            <a:endParaRPr lang="en-GB" sz="1200" dirty="0">
+              <a:effectLst/>
+              <a:latin typeface="Calibri" panose="020F0502020204030204" pitchFamily="34" charset="0"/>
+              <a:ea typeface="游明朝" panose="02020400000000000000" pitchFamily="18" charset="-128"/>
+              <a:cs typeface="Times New Roman" panose="02020603050405020304" pitchFamily="18" charset="0"/>
+            </a:endParaRPr>
+          </a:p>
+          <a:p>
+            <a:pPr marL="1143000" lvl="2" indent="-228600">
+              <a:lnSpc>
+                <a:spcPct val="107000"/>
+              </a:lnSpc>
+              <a:buFont typeface="Wingdings" panose="05000000000000000000" pitchFamily="2" charset="2"/>
+              <a:buChar char=""/>
+            </a:pPr>
+            <a:r>
+              <a:rPr lang="de-DE" sz="1200" dirty="0">
+                <a:solidFill>
+                  <a:srgbClr val="000000"/>
+                </a:solidFill>
+                <a:effectLst/>
+                <a:latin typeface="Calibri" panose="020F0502020204030204" pitchFamily="34" charset="0"/>
+                <a:ea typeface="游明朝" panose="02020400000000000000" pitchFamily="18" charset="-128"/>
+                <a:cs typeface="Times New Roman" panose="02020603050405020304" pitchFamily="18" charset="0"/>
+              </a:rPr>
+              <a:t>Systemzugriff auf Registry mit allen Username/Email-PW Datasets</a:t>
+            </a:r>
+          </a:p>
+          <a:p>
+            <a:pPr marL="1143000" lvl="2" indent="-228600">
+              <a:lnSpc>
+                <a:spcPct val="107000"/>
+              </a:lnSpc>
+              <a:buFont typeface="Wingdings" panose="05000000000000000000" pitchFamily="2" charset="2"/>
+              <a:buChar char=""/>
+            </a:pPr>
+            <a:r>
+              <a:rPr lang="de-DE" sz="1200" dirty="0">
+                <a:solidFill>
+                  <a:srgbClr val="000000"/>
+                </a:solidFill>
+                <a:latin typeface="Calibri" panose="020F0502020204030204" pitchFamily="34" charset="0"/>
+                <a:ea typeface="游明朝" panose="02020400000000000000" pitchFamily="18" charset="-128"/>
+                <a:cs typeface="Times New Roman" panose="02020603050405020304" pitchFamily="18" charset="0"/>
+              </a:rPr>
+              <a:t>Deserialisation der Registry zu Userliste</a:t>
+            </a:r>
+            <a:endParaRPr lang="en-GB" sz="1200" dirty="0">
+              <a:effectLst/>
+              <a:latin typeface="Calibri" panose="020F0502020204030204" pitchFamily="34" charset="0"/>
+              <a:ea typeface="游明朝" panose="02020400000000000000" pitchFamily="18" charset="-128"/>
+              <a:cs typeface="Times New Roman" panose="02020603050405020304" pitchFamily="18" charset="0"/>
+            </a:endParaRPr>
+          </a:p>
+          <a:p>
+            <a:pPr marL="1143000" lvl="2" indent="-228600">
+              <a:lnSpc>
+                <a:spcPct val="107000"/>
+              </a:lnSpc>
+              <a:buFont typeface="Wingdings" panose="05000000000000000000" pitchFamily="2" charset="2"/>
+              <a:buChar char=""/>
+            </a:pPr>
+            <a:r>
+              <a:rPr lang="de-DE" sz="1200" dirty="0">
+                <a:solidFill>
+                  <a:srgbClr val="000000"/>
+                </a:solidFill>
+                <a:effectLst/>
+                <a:latin typeface="Calibri" panose="020F0502020204030204" pitchFamily="34" charset="0"/>
+                <a:ea typeface="游明朝" panose="02020400000000000000" pitchFamily="18" charset="-128"/>
+                <a:cs typeface="Times New Roman" panose="02020603050405020304" pitchFamily="18" charset="0"/>
+              </a:rPr>
+              <a:t>Vergleich mit </a:t>
+            </a:r>
+            <a:r>
+              <a:rPr lang="en-GB" sz="1200" dirty="0" err="1">
+                <a:solidFill>
+                  <a:srgbClr val="000000"/>
+                </a:solidFill>
+                <a:effectLst/>
+                <a:latin typeface="Calibri" panose="020F0502020204030204" pitchFamily="34" charset="0"/>
+                <a:ea typeface="游明朝" panose="02020400000000000000" pitchFamily="18" charset="-128"/>
+                <a:cs typeface="Times New Roman" panose="02020603050405020304" pitchFamily="18" charset="0"/>
+              </a:rPr>
+              <a:t>Userliste</a:t>
+            </a:r>
+            <a:endParaRPr lang="en-GB" sz="1200" dirty="0">
+              <a:effectLst/>
+              <a:latin typeface="Calibri" panose="020F0502020204030204" pitchFamily="34" charset="0"/>
+              <a:ea typeface="游明朝" panose="02020400000000000000" pitchFamily="18" charset="-128"/>
+              <a:cs typeface="Times New Roman" panose="02020603050405020304" pitchFamily="18" charset="0"/>
+            </a:endParaRPr>
+          </a:p>
+          <a:p>
+            <a:pPr marL="1143000" lvl="2" indent="-228600">
+              <a:lnSpc>
+                <a:spcPct val="107000"/>
+              </a:lnSpc>
+              <a:buFont typeface="Wingdings" panose="05000000000000000000" pitchFamily="2" charset="2"/>
+              <a:buChar char=""/>
+            </a:pPr>
+            <a:r>
+              <a:rPr lang="de-DE" sz="1200" dirty="0">
+                <a:solidFill>
+                  <a:srgbClr val="000000"/>
+                </a:solidFill>
+                <a:effectLst/>
+                <a:latin typeface="Calibri" panose="020F0502020204030204" pitchFamily="34" charset="0"/>
+                <a:ea typeface="游明朝" panose="02020400000000000000" pitchFamily="18" charset="-128"/>
+                <a:cs typeface="Times New Roman" panose="02020603050405020304" pitchFamily="18" charset="0"/>
+              </a:rPr>
+              <a:t>Bei gefundener Übereinstimmung -&gt; Ansicht des Heimatorts</a:t>
+            </a:r>
+            <a:endParaRPr lang="en-GB" sz="1200" dirty="0">
+              <a:effectLst/>
+              <a:latin typeface="Calibri" panose="020F0502020204030204" pitchFamily="34" charset="0"/>
+              <a:ea typeface="游明朝" panose="02020400000000000000" pitchFamily="18" charset="-128"/>
+              <a:cs typeface="Times New Roman" panose="02020603050405020304" pitchFamily="18" charset="0"/>
+            </a:endParaRPr>
+          </a:p>
+          <a:p>
+            <a:pPr marL="1143000" lvl="2" indent="-228600">
+              <a:lnSpc>
+                <a:spcPct val="107000"/>
+              </a:lnSpc>
+              <a:buFont typeface="Wingdings" panose="05000000000000000000" pitchFamily="2" charset="2"/>
+              <a:buChar char=""/>
+            </a:pPr>
+            <a:r>
+              <a:rPr lang="de-DE" sz="1200" dirty="0">
+                <a:solidFill>
+                  <a:srgbClr val="000000"/>
+                </a:solidFill>
+                <a:effectLst/>
+                <a:latin typeface="Calibri" panose="020F0502020204030204" pitchFamily="34" charset="0"/>
+                <a:ea typeface="游明朝" panose="02020400000000000000" pitchFamily="18" charset="-128"/>
+                <a:cs typeface="Times New Roman" panose="02020603050405020304" pitchFamily="18" charset="0"/>
+              </a:rPr>
+              <a:t>Bei fehlender Übereinstimmung -&gt; Ansicht mit Fehlermeldung</a:t>
+            </a:r>
+            <a:endParaRPr lang="en-GB" sz="1200" dirty="0">
+              <a:effectLst/>
+              <a:latin typeface="Calibri" panose="020F0502020204030204" pitchFamily="34" charset="0"/>
+              <a:ea typeface="游明朝" panose="02020400000000000000" pitchFamily="18" charset="-128"/>
+              <a:cs typeface="Times New Roman" panose="02020603050405020304" pitchFamily="18" charset="0"/>
+            </a:endParaRPr>
+          </a:p>
+          <a:p>
+            <a:pPr marL="742950" lvl="1" indent="-285750">
+              <a:lnSpc>
+                <a:spcPct val="107000"/>
+              </a:lnSpc>
+              <a:buFont typeface="Courier New" panose="02070309020205020404" pitchFamily="49" charset="0"/>
+              <a:buChar char="o"/>
+            </a:pPr>
+            <a:r>
+              <a:rPr lang="de-DE" sz="1200" b="1" dirty="0">
+                <a:solidFill>
+                  <a:srgbClr val="000000"/>
+                </a:solidFill>
+                <a:effectLst/>
+                <a:latin typeface="Calibri" panose="020F0502020204030204" pitchFamily="34" charset="0"/>
+                <a:ea typeface="游明朝" panose="02020400000000000000" pitchFamily="18" charset="-128"/>
+                <a:cs typeface="Times New Roman" panose="02020603050405020304" pitchFamily="18" charset="0"/>
+              </a:rPr>
+              <a:t>Exit-Kriterien</a:t>
+            </a:r>
+            <a:endParaRPr lang="en-GB" sz="1200" dirty="0">
+              <a:effectLst/>
+              <a:latin typeface="Calibri" panose="020F0502020204030204" pitchFamily="34" charset="0"/>
+              <a:ea typeface="游明朝" panose="02020400000000000000" pitchFamily="18" charset="-128"/>
+              <a:cs typeface="Times New Roman" panose="02020603050405020304" pitchFamily="18" charset="0"/>
+            </a:endParaRPr>
+          </a:p>
+          <a:p>
+            <a:pPr marL="1143000" lvl="2" indent="-228600">
+              <a:lnSpc>
+                <a:spcPct val="107000"/>
+              </a:lnSpc>
+              <a:buFont typeface="Wingdings" panose="05000000000000000000" pitchFamily="2" charset="2"/>
+              <a:buChar char=""/>
+            </a:pPr>
+            <a:r>
+              <a:rPr lang="de-DE" sz="1200" dirty="0">
+                <a:solidFill>
+                  <a:srgbClr val="000000"/>
+                </a:solidFill>
+                <a:effectLst/>
+                <a:latin typeface="Calibri" panose="020F0502020204030204" pitchFamily="34" charset="0"/>
+                <a:ea typeface="游明朝" panose="02020400000000000000" pitchFamily="18" charset="-128"/>
+                <a:cs typeface="Times New Roman" panose="02020603050405020304" pitchFamily="18" charset="0"/>
+              </a:rPr>
+              <a:t>Eingabe wude erfolgreich und korrekt übernommen</a:t>
+            </a:r>
+            <a:endParaRPr lang="en-GB" sz="1200" dirty="0">
+              <a:effectLst/>
+              <a:latin typeface="Calibri" panose="020F0502020204030204" pitchFamily="34" charset="0"/>
+              <a:ea typeface="游明朝" panose="02020400000000000000" pitchFamily="18" charset="-128"/>
+              <a:cs typeface="Times New Roman" panose="02020603050405020304" pitchFamily="18" charset="0"/>
+            </a:endParaRPr>
+          </a:p>
+          <a:p>
+            <a:pPr marL="1143000" lvl="2" indent="-228600">
+              <a:lnSpc>
+                <a:spcPct val="107000"/>
+              </a:lnSpc>
+              <a:buFont typeface="Wingdings" panose="05000000000000000000" pitchFamily="2" charset="2"/>
+              <a:buChar char=""/>
+            </a:pPr>
+            <a:r>
+              <a:rPr lang="de-DE" sz="1200" dirty="0">
+                <a:solidFill>
+                  <a:srgbClr val="000000"/>
+                </a:solidFill>
+                <a:effectLst/>
+                <a:latin typeface="Calibri" panose="020F0502020204030204" pitchFamily="34" charset="0"/>
+                <a:ea typeface="游明朝" panose="02020400000000000000" pitchFamily="18" charset="-128"/>
+                <a:cs typeface="Times New Roman" panose="02020603050405020304" pitchFamily="18" charset="0"/>
+              </a:rPr>
+              <a:t>Zugriff auf Registry war erfolgreich</a:t>
+            </a:r>
+            <a:endParaRPr lang="en-GB" sz="1200" dirty="0">
+              <a:effectLst/>
+              <a:latin typeface="Calibri" panose="020F0502020204030204" pitchFamily="34" charset="0"/>
+              <a:ea typeface="游明朝" panose="02020400000000000000" pitchFamily="18" charset="-128"/>
+              <a:cs typeface="Times New Roman" panose="02020603050405020304" pitchFamily="18" charset="0"/>
+            </a:endParaRPr>
+          </a:p>
+          <a:p>
+            <a:pPr marL="1143000" lvl="2" indent="-228600">
+              <a:lnSpc>
+                <a:spcPct val="107000"/>
+              </a:lnSpc>
+              <a:buFont typeface="Wingdings" panose="05000000000000000000" pitchFamily="2" charset="2"/>
+              <a:buChar char=""/>
+            </a:pPr>
+            <a:r>
+              <a:rPr lang="de-DE" sz="1200" dirty="0">
+                <a:solidFill>
+                  <a:srgbClr val="000000"/>
+                </a:solidFill>
+                <a:effectLst/>
+                <a:latin typeface="Calibri" panose="020F0502020204030204" pitchFamily="34" charset="0"/>
+                <a:ea typeface="游明朝" panose="02020400000000000000" pitchFamily="18" charset="-128"/>
+                <a:cs typeface="Times New Roman" panose="02020603050405020304" pitchFamily="18" charset="0"/>
+              </a:rPr>
+              <a:t>Vergleich lieferte korrektes Ergebnis</a:t>
+            </a:r>
+            <a:endParaRPr lang="en-GB" sz="1200" dirty="0">
+              <a:effectLst/>
+              <a:latin typeface="Calibri" panose="020F0502020204030204" pitchFamily="34" charset="0"/>
+              <a:ea typeface="游明朝" panose="02020400000000000000" pitchFamily="18" charset="-128"/>
+              <a:cs typeface="Times New Roman" panose="02020603050405020304" pitchFamily="18" charset="0"/>
+            </a:endParaRPr>
+          </a:p>
+          <a:p>
+            <a:pPr marL="1143000" lvl="2" indent="-228600">
+              <a:lnSpc>
+                <a:spcPct val="107000"/>
+              </a:lnSpc>
+              <a:buFont typeface="Wingdings" panose="05000000000000000000" pitchFamily="2" charset="2"/>
+              <a:buChar char=""/>
+            </a:pPr>
+            <a:r>
+              <a:rPr lang="de-DE" sz="1200" dirty="0">
+                <a:solidFill>
+                  <a:srgbClr val="000000"/>
+                </a:solidFill>
+                <a:effectLst/>
+                <a:latin typeface="Calibri" panose="020F0502020204030204" pitchFamily="34" charset="0"/>
+                <a:ea typeface="游明朝" panose="02020400000000000000" pitchFamily="18" charset="-128"/>
+                <a:cs typeface="Times New Roman" panose="02020603050405020304" pitchFamily="18" charset="0"/>
+              </a:rPr>
+              <a:t>Richtige Ansicht wurde erzeugt</a:t>
+            </a:r>
+            <a:endParaRPr lang="en-GB" sz="1200" dirty="0">
+              <a:effectLst/>
+              <a:latin typeface="Calibri" panose="020F0502020204030204" pitchFamily="34" charset="0"/>
+              <a:ea typeface="游明朝" panose="02020400000000000000" pitchFamily="18" charset="-128"/>
+              <a:cs typeface="Times New Roman" panose="02020603050405020304" pitchFamily="18" charset="0"/>
+            </a:endParaRPr>
+          </a:p>
+          <a:p>
+            <a:pPr marL="742950" lvl="1" indent="-285750">
+              <a:lnSpc>
+                <a:spcPct val="107000"/>
+              </a:lnSpc>
+              <a:buFont typeface="Courier New" panose="02070309020205020404" pitchFamily="49" charset="0"/>
+              <a:buChar char="o"/>
+            </a:pPr>
+            <a:endParaRPr lang="de-DE" sz="1200" b="1" dirty="0">
+              <a:solidFill>
+                <a:srgbClr val="000000"/>
+              </a:solidFill>
+              <a:effectLst/>
+              <a:latin typeface="Calibri" panose="020F0502020204030204" pitchFamily="34" charset="0"/>
+              <a:ea typeface="游明朝" panose="02020400000000000000" pitchFamily="18" charset="-128"/>
+              <a:cs typeface="Times New Roman" panose="02020603050405020304" pitchFamily="18" charset="0"/>
+            </a:endParaRPr>
+          </a:p>
+          <a:p>
+            <a:pPr marL="742950" lvl="1" indent="-285750">
+              <a:lnSpc>
+                <a:spcPct val="107000"/>
+              </a:lnSpc>
+              <a:buFont typeface="Courier New" panose="02070309020205020404" pitchFamily="49" charset="0"/>
+              <a:buChar char="o"/>
+            </a:pPr>
+            <a:endParaRPr lang="de-DE" sz="1200" b="1" dirty="0">
+              <a:solidFill>
+                <a:srgbClr val="000000"/>
+              </a:solidFill>
+              <a:latin typeface="Calibri" panose="020F0502020204030204" pitchFamily="34" charset="0"/>
+              <a:ea typeface="游明朝" panose="02020400000000000000" pitchFamily="18" charset="-128"/>
+              <a:cs typeface="Times New Roman" panose="02020603050405020304" pitchFamily="18" charset="0"/>
+            </a:endParaRPr>
+          </a:p>
+          <a:p>
+            <a:pPr marL="742950" lvl="1" indent="-285750">
+              <a:lnSpc>
+                <a:spcPct val="107000"/>
+              </a:lnSpc>
+              <a:buFont typeface="Courier New" panose="02070309020205020404" pitchFamily="49" charset="0"/>
+              <a:buChar char="o"/>
+            </a:pPr>
+            <a:endParaRPr lang="de-DE" sz="1200" b="1" dirty="0">
+              <a:solidFill>
+                <a:srgbClr val="000000"/>
+              </a:solidFill>
+              <a:effectLst/>
+              <a:latin typeface="Calibri" panose="020F0502020204030204" pitchFamily="34" charset="0"/>
+              <a:ea typeface="游明朝" panose="02020400000000000000" pitchFamily="18" charset="-128"/>
+              <a:cs typeface="Times New Roman" panose="02020603050405020304" pitchFamily="18" charset="0"/>
+            </a:endParaRPr>
+          </a:p>
+          <a:p>
+            <a:pPr marL="742950" lvl="1" indent="-285750">
+              <a:lnSpc>
+                <a:spcPct val="107000"/>
+              </a:lnSpc>
+              <a:buFont typeface="Courier New" panose="02070309020205020404" pitchFamily="49" charset="0"/>
+              <a:buChar char="o"/>
+            </a:pPr>
+            <a:endParaRPr lang="de-DE" sz="1200" b="1" dirty="0">
+              <a:solidFill>
+                <a:srgbClr val="000000"/>
+              </a:solidFill>
+              <a:latin typeface="Calibri" panose="020F0502020204030204" pitchFamily="34" charset="0"/>
+              <a:ea typeface="游明朝" panose="02020400000000000000" pitchFamily="18" charset="-128"/>
+              <a:cs typeface="Times New Roman" panose="02020603050405020304" pitchFamily="18" charset="0"/>
+            </a:endParaRPr>
+          </a:p>
+          <a:p>
+            <a:pPr marL="742950" lvl="1" indent="-285750">
+              <a:lnSpc>
+                <a:spcPct val="107000"/>
+              </a:lnSpc>
+              <a:buFont typeface="Courier New" panose="02070309020205020404" pitchFamily="49" charset="0"/>
+              <a:buChar char="o"/>
+            </a:pPr>
+            <a:endParaRPr lang="de-DE" sz="1200" b="1" dirty="0">
+              <a:solidFill>
+                <a:srgbClr val="000000"/>
+              </a:solidFill>
+              <a:effectLst/>
+              <a:latin typeface="Calibri" panose="020F0502020204030204" pitchFamily="34" charset="0"/>
+              <a:ea typeface="游明朝" panose="02020400000000000000" pitchFamily="18" charset="-128"/>
+              <a:cs typeface="Times New Roman" panose="02020603050405020304" pitchFamily="18" charset="0"/>
+            </a:endParaRPr>
+          </a:p>
+          <a:p>
+            <a:pPr marL="742950" lvl="1" indent="-285750">
+              <a:lnSpc>
+                <a:spcPct val="107000"/>
+              </a:lnSpc>
+              <a:buFont typeface="Courier New" panose="02070309020205020404" pitchFamily="49" charset="0"/>
+              <a:buChar char="o"/>
+            </a:pPr>
+            <a:endParaRPr lang="de-DE" sz="1200" b="1" dirty="0">
+              <a:solidFill>
+                <a:srgbClr val="000000"/>
+              </a:solidFill>
+              <a:latin typeface="Calibri" panose="020F0502020204030204" pitchFamily="34" charset="0"/>
+              <a:ea typeface="游明朝" panose="02020400000000000000" pitchFamily="18" charset="-128"/>
+              <a:cs typeface="Times New Roman" panose="02020603050405020304" pitchFamily="18" charset="0"/>
+            </a:endParaRPr>
+          </a:p>
+          <a:p>
+            <a:pPr marL="742950" lvl="1" indent="-285750">
+              <a:lnSpc>
+                <a:spcPct val="107000"/>
+              </a:lnSpc>
+              <a:buFont typeface="Courier New" panose="02070309020205020404" pitchFamily="49" charset="0"/>
+              <a:buChar char="o"/>
+            </a:pPr>
+            <a:r>
+              <a:rPr lang="de-DE" sz="1200" b="1" dirty="0">
+                <a:solidFill>
+                  <a:srgbClr val="000000"/>
+                </a:solidFill>
+                <a:effectLst/>
+                <a:latin typeface="Calibri" panose="020F0502020204030204" pitchFamily="34" charset="0"/>
+                <a:ea typeface="游明朝" panose="02020400000000000000" pitchFamily="18" charset="-128"/>
+                <a:cs typeface="Times New Roman" panose="02020603050405020304" pitchFamily="18" charset="0"/>
+              </a:rPr>
+              <a:t>Fail-Kriterien</a:t>
+            </a:r>
+            <a:endParaRPr lang="en-GB" sz="1200" dirty="0">
+              <a:effectLst/>
+              <a:latin typeface="Calibri" panose="020F0502020204030204" pitchFamily="34" charset="0"/>
+              <a:ea typeface="游明朝" panose="02020400000000000000" pitchFamily="18" charset="-128"/>
+              <a:cs typeface="Times New Roman" panose="02020603050405020304" pitchFamily="18" charset="0"/>
+            </a:endParaRPr>
+          </a:p>
+          <a:p>
+            <a:pPr marL="1143000" lvl="2" indent="-228600">
+              <a:lnSpc>
+                <a:spcPct val="107000"/>
+              </a:lnSpc>
+              <a:buFont typeface="Wingdings" panose="05000000000000000000" pitchFamily="2" charset="2"/>
+              <a:buChar char=""/>
+            </a:pPr>
+            <a:r>
+              <a:rPr lang="de-DE" sz="1200" dirty="0">
+                <a:solidFill>
+                  <a:srgbClr val="000000"/>
+                </a:solidFill>
+                <a:effectLst/>
+                <a:latin typeface="Calibri" panose="020F0502020204030204" pitchFamily="34" charset="0"/>
+                <a:ea typeface="游明朝" panose="02020400000000000000" pitchFamily="18" charset="-128"/>
+                <a:cs typeface="Times New Roman" panose="02020603050405020304" pitchFamily="18" charset="0"/>
+              </a:rPr>
+              <a:t>Ungültige Eingabe wurde übernommen (Email constraints)</a:t>
+            </a:r>
+            <a:endParaRPr lang="en-GB" sz="1200" dirty="0">
+              <a:effectLst/>
+              <a:latin typeface="Calibri" panose="020F0502020204030204" pitchFamily="34" charset="0"/>
+              <a:ea typeface="游明朝" panose="02020400000000000000" pitchFamily="18" charset="-128"/>
+              <a:cs typeface="Times New Roman" panose="02020603050405020304" pitchFamily="18" charset="0"/>
+            </a:endParaRPr>
+          </a:p>
+          <a:p>
+            <a:pPr marL="1143000" lvl="2" indent="-228600">
+              <a:lnSpc>
+                <a:spcPct val="107000"/>
+              </a:lnSpc>
+              <a:buFont typeface="Wingdings" panose="05000000000000000000" pitchFamily="2" charset="2"/>
+              <a:buChar char=""/>
+            </a:pPr>
+            <a:r>
+              <a:rPr lang="de-DE" sz="1200" dirty="0">
+                <a:solidFill>
+                  <a:srgbClr val="000000"/>
+                </a:solidFill>
+                <a:effectLst/>
+                <a:latin typeface="Calibri" panose="020F0502020204030204" pitchFamily="34" charset="0"/>
+                <a:ea typeface="游明朝" panose="02020400000000000000" pitchFamily="18" charset="-128"/>
+                <a:cs typeface="Times New Roman" panose="02020603050405020304" pitchFamily="18" charset="0"/>
+              </a:rPr>
+              <a:t>Zugriff auf Registry war nicht erfolgreich</a:t>
+            </a:r>
+            <a:endParaRPr lang="en-GB" sz="1200" dirty="0">
+              <a:effectLst/>
+              <a:latin typeface="Calibri" panose="020F0502020204030204" pitchFamily="34" charset="0"/>
+              <a:ea typeface="游明朝" panose="02020400000000000000" pitchFamily="18" charset="-128"/>
+              <a:cs typeface="Times New Roman" panose="02020603050405020304" pitchFamily="18" charset="0"/>
+            </a:endParaRPr>
+          </a:p>
+          <a:p>
+            <a:pPr marL="1143000" lvl="2" indent="-228600">
+              <a:lnSpc>
+                <a:spcPct val="107000"/>
+              </a:lnSpc>
+              <a:buFont typeface="Wingdings" panose="05000000000000000000" pitchFamily="2" charset="2"/>
+              <a:buChar char=""/>
+            </a:pPr>
+            <a:r>
+              <a:rPr lang="de-DE" sz="1200" dirty="0">
+                <a:solidFill>
+                  <a:srgbClr val="000000"/>
+                </a:solidFill>
+                <a:effectLst/>
+                <a:latin typeface="Calibri" panose="020F0502020204030204" pitchFamily="34" charset="0"/>
+                <a:ea typeface="游明朝" panose="02020400000000000000" pitchFamily="18" charset="-128"/>
+                <a:cs typeface="Times New Roman" panose="02020603050405020304" pitchFamily="18" charset="0"/>
+              </a:rPr>
+              <a:t>Vergleich lieferte falsches Ergebnis</a:t>
+            </a:r>
+            <a:endParaRPr lang="en-GB" sz="1200" dirty="0">
+              <a:effectLst/>
+              <a:latin typeface="Calibri" panose="020F0502020204030204" pitchFamily="34" charset="0"/>
+              <a:ea typeface="游明朝" panose="02020400000000000000" pitchFamily="18" charset="-128"/>
+              <a:cs typeface="Times New Roman" panose="02020603050405020304" pitchFamily="18" charset="0"/>
+            </a:endParaRPr>
+          </a:p>
+          <a:p>
+            <a:pPr marL="1143000" lvl="2" indent="-228600">
+              <a:lnSpc>
+                <a:spcPct val="107000"/>
+              </a:lnSpc>
+              <a:buFont typeface="Wingdings" panose="05000000000000000000" pitchFamily="2" charset="2"/>
+              <a:buChar char=""/>
+            </a:pPr>
+            <a:r>
+              <a:rPr lang="de-DE" sz="1200" dirty="0">
+                <a:solidFill>
+                  <a:srgbClr val="000000"/>
+                </a:solidFill>
+                <a:effectLst/>
+                <a:latin typeface="Calibri" panose="020F0502020204030204" pitchFamily="34" charset="0"/>
+                <a:ea typeface="游明朝" panose="02020400000000000000" pitchFamily="18" charset="-128"/>
+                <a:cs typeface="Times New Roman" panose="02020603050405020304" pitchFamily="18" charset="0"/>
+              </a:rPr>
+              <a:t>Vergleich lieferte kein Ergebnis</a:t>
+            </a:r>
+            <a:endParaRPr lang="en-GB" sz="1200" dirty="0">
+              <a:effectLst/>
+              <a:latin typeface="Calibri" panose="020F0502020204030204" pitchFamily="34" charset="0"/>
+              <a:ea typeface="游明朝" panose="02020400000000000000" pitchFamily="18" charset="-128"/>
+              <a:cs typeface="Times New Roman" panose="02020603050405020304" pitchFamily="18" charset="0"/>
+            </a:endParaRPr>
+          </a:p>
+          <a:p>
+            <a:pPr marL="1143000" lvl="2" indent="-228600">
+              <a:lnSpc>
+                <a:spcPct val="107000"/>
+              </a:lnSpc>
+              <a:buFont typeface="Wingdings" panose="05000000000000000000" pitchFamily="2" charset="2"/>
+              <a:buChar char=""/>
+            </a:pPr>
+            <a:r>
+              <a:rPr lang="de-DE" sz="1200" dirty="0">
+                <a:solidFill>
+                  <a:srgbClr val="000000"/>
+                </a:solidFill>
+                <a:effectLst/>
+                <a:latin typeface="Calibri" panose="020F0502020204030204" pitchFamily="34" charset="0"/>
+                <a:ea typeface="游明朝" panose="02020400000000000000" pitchFamily="18" charset="-128"/>
+                <a:cs typeface="Times New Roman" panose="02020603050405020304" pitchFamily="18" charset="0"/>
+              </a:rPr>
+              <a:t>Falsche Ansicht wurde erzeugt</a:t>
+            </a:r>
+            <a:endParaRPr lang="en-GB" sz="1200" dirty="0">
+              <a:effectLst/>
+              <a:latin typeface="Calibri" panose="020F0502020204030204" pitchFamily="34" charset="0"/>
+              <a:ea typeface="游明朝" panose="02020400000000000000" pitchFamily="18" charset="-128"/>
+              <a:cs typeface="Times New Roman" panose="02020603050405020304" pitchFamily="18" charset="0"/>
+            </a:endParaRPr>
+          </a:p>
+          <a:p>
+            <a:pPr marL="742950" lvl="1" indent="-285750">
+              <a:lnSpc>
+                <a:spcPct val="107000"/>
+              </a:lnSpc>
+              <a:buFont typeface="Courier New" panose="02070309020205020404" pitchFamily="49" charset="0"/>
+              <a:buChar char="o"/>
+            </a:pPr>
+            <a:r>
+              <a:rPr lang="de-DE" sz="1200" b="1" dirty="0">
+                <a:solidFill>
+                  <a:srgbClr val="000000"/>
+                </a:solidFill>
+                <a:effectLst/>
+                <a:latin typeface="Calibri" panose="020F0502020204030204" pitchFamily="34" charset="0"/>
+                <a:ea typeface="游明朝" panose="02020400000000000000" pitchFamily="18" charset="-128"/>
+                <a:cs typeface="Times New Roman" panose="02020603050405020304" pitchFamily="18" charset="0"/>
+              </a:rPr>
+              <a:t>Fallback</a:t>
+            </a:r>
+            <a:endParaRPr lang="en-GB" sz="1200" dirty="0">
+              <a:effectLst/>
+              <a:latin typeface="Calibri" panose="020F0502020204030204" pitchFamily="34" charset="0"/>
+              <a:ea typeface="游明朝" panose="02020400000000000000" pitchFamily="18" charset="-128"/>
+              <a:cs typeface="Times New Roman" panose="02020603050405020304" pitchFamily="18" charset="0"/>
+            </a:endParaRPr>
+          </a:p>
+          <a:p>
+            <a:pPr marL="1143000" lvl="2" indent="-228600">
+              <a:lnSpc>
+                <a:spcPct val="107000"/>
+              </a:lnSpc>
+              <a:buFont typeface="Wingdings" panose="05000000000000000000" pitchFamily="2" charset="2"/>
+              <a:buChar char=""/>
+            </a:pPr>
+            <a:r>
+              <a:rPr lang="de-DE" sz="1200" dirty="0">
+                <a:solidFill>
+                  <a:srgbClr val="000000"/>
+                </a:solidFill>
+                <a:effectLst/>
+                <a:latin typeface="Calibri" panose="020F0502020204030204" pitchFamily="34" charset="0"/>
+                <a:ea typeface="游明朝" panose="02020400000000000000" pitchFamily="18" charset="-128"/>
+                <a:cs typeface="Times New Roman" panose="02020603050405020304" pitchFamily="18" charset="0"/>
+              </a:rPr>
+              <a:t>Ein fester User Account wird im Prototypen vorgelegt</a:t>
+            </a:r>
+            <a:endParaRPr lang="en-GB" sz="1200" dirty="0">
+              <a:effectLst/>
+              <a:latin typeface="Calibri" panose="020F0502020204030204" pitchFamily="34" charset="0"/>
+              <a:ea typeface="游明朝" panose="02020400000000000000" pitchFamily="18" charset="-128"/>
+              <a:cs typeface="Times New Roman" panose="02020603050405020304" pitchFamily="18" charset="0"/>
+            </a:endParaRPr>
+          </a:p>
+          <a:p>
+            <a:pPr marL="1143000" lvl="2" indent="-228600">
+              <a:lnSpc>
+                <a:spcPct val="107000"/>
+              </a:lnSpc>
+              <a:spcAft>
+                <a:spcPts val="800"/>
+              </a:spcAft>
+              <a:buFont typeface="Wingdings" panose="05000000000000000000" pitchFamily="2" charset="2"/>
+              <a:buChar char=""/>
+            </a:pPr>
+            <a:r>
+              <a:rPr lang="de-DE" sz="1200" dirty="0">
+                <a:solidFill>
+                  <a:srgbClr val="000000"/>
+                </a:solidFill>
+                <a:effectLst/>
+                <a:latin typeface="Calibri" panose="020F0502020204030204" pitchFamily="34" charset="0"/>
+                <a:ea typeface="游明朝" panose="02020400000000000000" pitchFamily="18" charset="-128"/>
+                <a:cs typeface="Times New Roman" panose="02020603050405020304" pitchFamily="18" charset="0"/>
+              </a:rPr>
+              <a:t>Verzicht auf externe Registry, User Accounts werden fest in den Prototypen geschrieben</a:t>
+            </a:r>
+            <a:endParaRPr lang="en-GB" sz="1200" dirty="0">
+              <a:effectLst/>
+              <a:latin typeface="Calibri" panose="020F0502020204030204" pitchFamily="34" charset="0"/>
+              <a:ea typeface="游明朝" panose="02020400000000000000" pitchFamily="18" charset="-128"/>
+              <a:cs typeface="Times New Roman" panose="02020603050405020304" pitchFamily="18" charset="0"/>
+            </a:endParaRPr>
+          </a:p>
+          <a:p>
+            <a:endParaRPr lang="en-GB" sz="3200" dirty="0"/>
+          </a:p>
+        </p:txBody>
+      </p:sp>
+      <p:sp>
+        <p:nvSpPr>
+          <p:cNvPr id="4" name="Slide Number Placeholder 3">
+            <a:extLst>
+              <a:ext uri="{FF2B5EF4-FFF2-40B4-BE49-F238E27FC236}">
+                <a16:creationId xmlns:a16="http://schemas.microsoft.com/office/drawing/2014/main" id="{BCC4C124-465E-D835-C669-538F1616DF05}"/>
               </a:ext>
             </a:extLst>
           </p:cNvPr>
@@ -8130,50 +8953,17 @@
           <a:lstStyle/>
           <a:p>
             <a:fld id="{4FD190AE-D9AE-4074-AAED-D637288AF7F0}" type="slidenum">
-              <a:rPr lang="de-DE" sz="2000" smtClean="0">
-                <a:solidFill>
-                  <a:schemeClr val="tx1"/>
-                </a:solidFill>
-              </a:rPr>
+              <a:rPr lang="de-DE" smtClean="0"/>
               <a:t>8</a:t>
             </a:fld>
-            <a:endParaRPr lang="de-DE" sz="2000" dirty="0">
-              <a:solidFill>
-                <a:schemeClr val="tx1"/>
-              </a:solidFill>
-            </a:endParaRPr>
-          </a:p>
-        </p:txBody>
-      </p:sp>
-      <p:sp>
-        <p:nvSpPr>
-          <p:cNvPr id="7" name="Inhaltsplatzhalter 6">
-            <a:extLst>
-              <a:ext uri="{FF2B5EF4-FFF2-40B4-BE49-F238E27FC236}">
-                <a16:creationId xmlns:a16="http://schemas.microsoft.com/office/drawing/2014/main" id="{D157ECA8-C17E-F17A-CEC9-B79DEE1457CF}"/>
-              </a:ext>
-            </a:extLst>
-          </p:cNvPr>
-          <p:cNvSpPr>
-            <a:spLocks noGrp="1"/>
-          </p:cNvSpPr>
-          <p:nvPr>
-            <p:ph idx="1"/>
-          </p:nvPr>
-        </p:nvSpPr>
-        <p:spPr/>
-        <p:txBody>
-          <a:bodyPr/>
-          <a:lstStyle/>
-          <a:p>
-            <a:endParaRPr lang="de-DE" dirty="0"/>
+            <a:endParaRPr lang="de-DE"/>
           </a:p>
         </p:txBody>
       </p:sp>
     </p:spTree>
     <p:extLst>
       <p:ext uri="{BB962C8B-B14F-4D97-AF65-F5344CB8AC3E}">
-        <p14:creationId xmlns:p14="http://schemas.microsoft.com/office/powerpoint/2010/main" val="408210267"/>
+        <p14:creationId xmlns:p14="http://schemas.microsoft.com/office/powerpoint/2010/main" val="905879043"/>
       </p:ext>
     </p:extLst>
   </p:cSld>
@@ -8216,133 +9006,20 @@
             <p:ph type="title"/>
           </p:nvPr>
         </p:nvSpPr>
-        <p:spPr/>
+        <p:spPr>
+          <a:xfrm>
+            <a:off x="209549" y="365124"/>
+            <a:ext cx="2847975" cy="3959225"/>
+          </a:xfrm>
+        </p:spPr>
         <p:txBody>
           <a:bodyPr/>
           <a:lstStyle/>
           <a:p>
             <a:r>
               <a:rPr lang="de-DE" dirty="0"/>
-              <a:t>Erster Prototyp</a:t>
-            </a:r>
-          </a:p>
-        </p:txBody>
-      </p:sp>
-      <p:sp>
-        <p:nvSpPr>
-          <p:cNvPr id="3" name="Inhaltsplatzhalter 2">
-            <a:extLst>
-              <a:ext uri="{FF2B5EF4-FFF2-40B4-BE49-F238E27FC236}">
-                <a16:creationId xmlns:a16="http://schemas.microsoft.com/office/drawing/2014/main" id="{26828B3D-0288-9D01-3FAB-ED2A638AE90B}"/>
-              </a:ext>
-            </a:extLst>
-          </p:cNvPr>
-          <p:cNvSpPr>
-            <a:spLocks noGrp="1"/>
-          </p:cNvSpPr>
-          <p:nvPr>
-            <p:ph idx="1"/>
-          </p:nvPr>
-        </p:nvSpPr>
-        <p:spPr/>
-        <p:txBody>
-          <a:bodyPr>
-            <a:normAutofit fontScale="92500" lnSpcReduction="10000"/>
-          </a:bodyPr>
-          <a:lstStyle/>
-          <a:p>
-            <a:r>
-              <a:rPr lang="de-DE" sz="2000" dirty="0"/>
-              <a:t>Login </a:t>
-            </a:r>
-          </a:p>
-          <a:p>
-            <a:r>
-              <a:rPr lang="de-DE" sz="2000" dirty="0"/>
-              <a:t>Setze currentUser</a:t>
-            </a:r>
-          </a:p>
-          <a:p>
-            <a:r>
-              <a:rPr lang="de-DE" sz="2000" dirty="0"/>
-              <a:t>Setze currentStadt anhand Heimatstadt des Users</a:t>
-            </a:r>
-          </a:p>
-          <a:p>
-            <a:r>
-              <a:rPr lang="de-DE" sz="2000" dirty="0"/>
-              <a:t>Upload eines Bildes</a:t>
-            </a:r>
-          </a:p>
-          <a:p>
-            <a:pPr lvl="1"/>
-            <a:r>
-              <a:rPr lang="de-DE" sz="1600" dirty="0"/>
-              <a:t>Drawable File einlesen</a:t>
-            </a:r>
-          </a:p>
-          <a:p>
-            <a:pPr lvl="1"/>
-            <a:r>
-              <a:rPr lang="de-DE" sz="1600" dirty="0"/>
-              <a:t>Zu String enkodieren</a:t>
-            </a:r>
-          </a:p>
-          <a:p>
-            <a:pPr lvl="1"/>
-            <a:r>
-              <a:rPr lang="de-DE" sz="1600" dirty="0"/>
-              <a:t>Bildobjekt erzeugen und zur Stadt hinzufügen</a:t>
-            </a:r>
-          </a:p>
-          <a:p>
-            <a:pPr lvl="1"/>
-            <a:r>
-              <a:rPr lang="de-DE" sz="1600" dirty="0"/>
-              <a:t>Stadtliste enkodieren und abspeichern</a:t>
-            </a:r>
-          </a:p>
-          <a:p>
-            <a:pPr lvl="1"/>
-            <a:r>
-              <a:rPr lang="de-DE" sz="1600" dirty="0"/>
-              <a:t>Benachrichtigung an Subscriber senden</a:t>
-            </a:r>
-          </a:p>
-          <a:p>
-            <a:pPr lvl="1"/>
-            <a:r>
-              <a:rPr lang="de-DE" sz="1600" dirty="0"/>
-              <a:t>Userliste enkodieren und abspeichern</a:t>
-            </a:r>
-            <a:endParaRPr lang="de-DE" sz="1200" dirty="0"/>
-          </a:p>
-          <a:p>
-            <a:r>
-              <a:rPr lang="de-DE" sz="2000" dirty="0"/>
-              <a:t>Aufruf eines Bildes</a:t>
-            </a:r>
-          </a:p>
-          <a:p>
-            <a:r>
-              <a:rPr lang="de-DE" sz="2000" dirty="0"/>
-              <a:t>Subscribe/Unsubscribe zur Stadt</a:t>
-            </a:r>
-          </a:p>
-          <a:p>
-            <a:r>
-              <a:rPr lang="de-DE" sz="2000" dirty="0"/>
-              <a:t>Anzeige der Benachrichtigungen</a:t>
-            </a:r>
-          </a:p>
-          <a:p>
-            <a:r>
-              <a:rPr lang="de-DE" sz="2000" dirty="0"/>
-              <a:t>Logout</a:t>
-            </a:r>
-          </a:p>
-          <a:p>
-            <a:endParaRPr lang="de-DE" sz="2000" dirty="0"/>
+              <a:t>Klassen-diagramm</a:t>
+            </a:r>
           </a:p>
         </p:txBody>
       </p:sp>
@@ -8383,10 +9060,45 @@
           </a:p>
         </p:txBody>
       </p:sp>
+      <p:pic>
+        <p:nvPicPr>
+          <p:cNvPr id="4" name="Content Placeholder 3" descr="Diagram&#10;&#10;Description automatically generated">
+            <a:extLst>
+              <a:ext uri="{FF2B5EF4-FFF2-40B4-BE49-F238E27FC236}">
+                <a16:creationId xmlns:a16="http://schemas.microsoft.com/office/drawing/2014/main" id="{832908C3-9D9B-5AF6-D8AE-FD34908985DA}"/>
+              </a:ext>
+            </a:extLst>
+          </p:cNvPr>
+          <p:cNvPicPr>
+            <a:picLocks noGrp="1" noChangeAspect="1"/>
+          </p:cNvPicPr>
+          <p:nvPr>
+            <p:ph idx="1"/>
+          </p:nvPr>
+        </p:nvPicPr>
+        <p:blipFill>
+          <a:blip r:embed="rId3">
+            <a:extLst>
+              <a:ext uri="{28A0092B-C50C-407E-A947-70E740481C1C}">
+                <a14:useLocalDpi xmlns:a14="http://schemas.microsoft.com/office/drawing/2010/main" val="0"/>
+              </a:ext>
+            </a:extLst>
+          </a:blip>
+          <a:stretch>
+            <a:fillRect/>
+          </a:stretch>
+        </p:blipFill>
+        <p:spPr>
+          <a:xfrm>
+            <a:off x="2905126" y="365124"/>
+            <a:ext cx="8715374" cy="6012933"/>
+          </a:xfrm>
+        </p:spPr>
+      </p:pic>
     </p:spTree>
     <p:extLst>
       <p:ext uri="{BB962C8B-B14F-4D97-AF65-F5344CB8AC3E}">
-        <p14:creationId xmlns:p14="http://schemas.microsoft.com/office/powerpoint/2010/main" val="2702035577"/>
+        <p14:creationId xmlns:p14="http://schemas.microsoft.com/office/powerpoint/2010/main" val="408210267"/>
       </p:ext>
     </p:extLst>
   </p:cSld>

--- a/Audits/EPWS2223HausenKochZimmer Audit 3.pptx
+++ b/Audits/EPWS2223HausenKochZimmer Audit 3.pptx
@@ -1745,15 +1745,7 @@
           <a:p>
             <a:r>
               <a:rPr lang="de-DE" noProof="0" dirty="0"/>
-              <a:t>Im Rahmen des Login PoCs stand im Raum das Speichern und den Vergleich von Passwörtern mittels hash-codes umzusetzen. Selbstverständlich dürfen Passwörter nicht in Klartext gespeichert werden, allerdings fehlte us die Zeit sich mit dem Thema auseinanderzusetzen. Da wir aber auschlieslich mit Dummy-Usern und demnach Dummy-Passwörtern arbeiten, ist das Speichern dieser in Klartext zu verzeihen. Der PoC diente dann daraufhin die Deserialisation einer JSON Datei mit den Usernamen und Passwörten zu einer Liste mit Userobjekten zu erproben. Dies war erfolgreich und diese Funktionalität wird auch im Prototypen wiedeverwendet. Wäre dies nicht erfolgreich gewesen hätte einen einzelnen User fest erzeugt und den Login übersprungen oder eine </a:t>
-            </a:r>
-            <a:r>
-              <a:rPr lang="de-DE" noProof="0"/>
-              <a:t>Userliste zur Laufzeit fest </a:t>
-            </a:r>
-            <a:r>
-              <a:rPr lang="de-DE" noProof="0" dirty="0"/>
-              <a:t>erzeugt und damit den Login simuliert.</a:t>
+              <a:t>Im Rahmen des Login PoCs stand im Raum das Speichern und den Vergleich von Passwörtern mittels hash-codes umzusetzen. Selbstverständlich dürfen Passwörter nicht in Klartext gespeichert werden, allerdings fehlte us die Zeit sich mit dem Thema auseinanderzusetzen. Da wir aber auschlieslich mit Dummy-Usern und demnach Dummy-Passwörtern arbeiten, ist das Speichern dieser in Klartext zu verzeihen. Der PoC diente dann daraufhin die Deserialisation einer JSON Datei mit den Usernamen und Passwörten zu einer Liste mit Userobjekten zu erproben. Dies war erfolgreich und diese Funktionalität wird auch im Prototypen wiedeverwendet. Wäre dies nicht erfolgreich gewesen hätte einen einzelnen User fest erzeugt und den Login übersprungen oder eine Userliste zur Laufzeit fest erzeugt und damit den Login simuliert.</a:t>
             </a:r>
           </a:p>
         </p:txBody>
@@ -1849,14 +1841,30 @@
           <a:p>
             <a:r>
               <a:rPr lang="de-DE" dirty="0"/>
-              <a:t>Im Rahmen der Modellierungen für das System wurde ein Klassendiagramm angefertigt, um damit festzulegen welche Informationen und Daten abgespeichert werden. Außerdem erfolgt hierdurch eine klare Struktur des Systems, es wird verdeutlicht wie die unterschiedlichen Elemente/Ressourcen des Systems zueinander in Verbindung stehen. </a:t>
-            </a:r>
+              <a:t>Im Rahmen der Modellierungen für das System wurde ein Klassendiagramm angefertigt, um damit festzulegen welche Informationen und Daten abgespeichert werden. Außerdem erfolgt hierdurch eine klare Struktur des Systems, es wird ersichtlich, dass zur Speicherung der Daten zwei Listen ausreichen. Eine Liste aller Städte, die jeweils die Bilder, Geschichten und ihr Forum beinhalten und eine Liste aller User.</a:t>
+            </a:r>
+          </a:p>
+          <a:p>
             <a:br>
               <a:rPr lang="de-DE" dirty="0"/>
             </a:br>
             <a:r>
               <a:rPr lang="de-DE" dirty="0"/>
-              <a:t>Im Zuge der Programmierung der PoCs und des Prototypen durchlief das Diagramm einige Iterationen. So wurde zunächst vorgesehen, dass die unterschiedlichen Rollen der User als Erben implementiert werden. Da aber sich keine einzigartigen Attribute für diese Rollen ergeben haben, wurde darauf verzichtet und die Rolle wird als einfacher String gespeichert. Beim Aufruf einer Funktion, die eine bestimmte Rolle benötigt, wird dieses Attribut des aktuellen Users geprüft. Die vorgesehenen Rollen sind regulärer User, blockierter User, Experte (Verifikation), Moderator (Löschen von Beiträgen) und Administrator (Rollenzuweisung). Außerdem war noch bis zur Programmierung unklar wie die Pub/Sub Funktionalität implementiert wird. Die dabei entwickelte Lösung wurde daraufhin zu Vollständigkeit im Klassendiagramm integriert. Schlieslich ist noch aus der Programmierung erfolgt, dass vorher in den Subscriberlisten, Autoren, Uploader, usw. User als Typ vorgesehen waren. Allerdings würde dies dazu führen, dass die User mehrfach abgespeichert werden in diesen jeweiligen Attributen und einer allgemeinen Liste aller User. Es ist nun vorgesehen nur die Namen zu speichern.</a:t>
+              <a:t>Im Zuge der Programmierung der PoCs und des Prototypen durchlief das Diagramm einige Iterationen. So wurde zunächst vorgesehen, dass die unterschiedlichen Rollen der User als Erben implementiert werden. Da aber sich keine einzigartigen Attribute für diese Rollen ergeben haben, wurde darauf verzichtet und die Rolle wird als einfacher String gespeichert. Beim Aufruf einer Funktion, die eine bestimmte Rolle benötigt, wird dieses Attribut des aktuellen Users geprüft. Die vorgesehenen Rollen sind regulärer User, blockierter User, Experte (Verifikation), Moderator (Löschen von Beiträgen) und Administrator (Rollenzuweisung). </a:t>
+            </a:r>
+            <a:br>
+              <a:rPr lang="de-DE" dirty="0"/>
+            </a:br>
+            <a:r>
+              <a:rPr lang="de-DE" dirty="0"/>
+              <a:t>Außerdem war noch bis zur Programmierung unklar wie die Pub/Sub Funktionalität implementiert wird. Die dabei entwickelten Funktionen und Attribute wurden daraufhin zur Vollständigkeit im Klassendiagramm integriert. </a:t>
+            </a:r>
+            <a:br>
+              <a:rPr lang="de-DE" dirty="0"/>
+            </a:br>
+            <a:r>
+              <a:rPr lang="de-DE" dirty="0"/>
+              <a:t>Schlieslich ist noch aus der Programmierung erfolgt, dass vorher in den Subscriberlisten, Autoren, Uploader, usw. User als Typ vorgesehen waren. Allerdings würde dies dazu führen, dass die User mehrfach abgespeichert werden in diesen jeweiligen Attributen und der allgemeinen Liste aller User. Es ist nun vorgesehen nur die Namen zu speichern und bei Aufruf mit der Userliste zu vergleichen.</a:t>
             </a:r>
           </a:p>
           <a:p>
@@ -9062,7 +9070,7 @@
       </p:sp>
       <p:pic>
         <p:nvPicPr>
-          <p:cNvPr id="4" name="Content Placeholder 3" descr="Diagram&#10;&#10;Description automatically generated">
+          <p:cNvPr id="4" name="Content Placeholder 3">
             <a:extLst>
               <a:ext uri="{FF2B5EF4-FFF2-40B4-BE49-F238E27FC236}">
                 <a16:creationId xmlns:a16="http://schemas.microsoft.com/office/drawing/2014/main" id="{832908C3-9D9B-5AF6-D8AE-FD34908985DA}"/>
@@ -9084,14 +9092,13 @@
               </a:ext>
             </a:extLst>
           </a:blip>
-          <a:stretch>
-            <a:fillRect/>
-          </a:stretch>
+          <a:srcRect/>
+          <a:stretch/>
         </p:blipFill>
         <p:spPr>
           <a:xfrm>
             <a:off x="2905126" y="365124"/>
-            <a:ext cx="8715374" cy="6012933"/>
+            <a:ext cx="8715374" cy="6012932"/>
           </a:xfrm>
         </p:spPr>
       </p:pic>

--- a/Audits/EPWS2223HausenKochZimmer Audit 3.pptx
+++ b/Audits/EPWS2223HausenKochZimmer Audit 3.pptx
@@ -1080,6 +1080,30 @@
           <a:bodyPr/>
           <a:lstStyle/>
           <a:p>
+            <a:r>
+              <a:rPr lang="de-DE" dirty="0"/>
+              <a:t>Ausgewählte Profiles aus: https://github.com/sebastiankoch10/EPWS2223HausenKochZimmer/blob/639b4999fcf3b82715c466e36d7729fe9b0d42e7/Modellierungen/User%20Profiles.docx</a:t>
+            </a:r>
+          </a:p>
+          <a:p>
+            <a:endParaRPr lang="de-DE" dirty="0"/>
+          </a:p>
+          <a:p>
+            <a:r>
+              <a:rPr lang="de-DE" dirty="0"/>
+              <a:t>Anhand von Feedback zu den User Profiles aus dem letzten Audit wurden diese mit weiteren Profilen angereichert. Die damit definierte Zielgruppe war sehr eng bezüglich der inludierten Stakeholder und in Teilen schlecht definiert, so war beim Alter nur von „Senioren“ und „Durchschnitt“ die Rede anstatt klare Jahresangaben zu benutzen. Vor allen Dingen wurden jüngere Menschen nicht mit in das System einbezogen. Es ergaben sich daraus nur sehr begrenzte Use Szenarien. Die hier vorgestellten Profile sind Beispielhaft für die erfolgte Erweiterung. Anhand dieser beiden wurden zudem auch noch neue Personas erstellt.</a:t>
+            </a:r>
+            <a:br>
+              <a:rPr lang="de-DE" dirty="0"/>
+            </a:br>
+            <a:r>
+              <a:rPr lang="de-DE" dirty="0"/>
+              <a:t>Personas: https://github.com/sebastiankoch10/EPWS2223HausenKochZimmer/blob/639b4999fcf3b82715c466e36d7729fe9b0d42e7/Modellierungen/Personas</a:t>
+            </a:r>
+            <a:r>
+              <a:rPr lang="de-DE"/>
+              <a:t>.docx</a:t>
+            </a:r>
             <a:endParaRPr lang="de-DE" dirty="0"/>
           </a:p>
         </p:txBody>
@@ -1832,7 +1856,7 @@
           <a:p>
             <a:r>
               <a:rPr lang="de-DE" dirty="0"/>
-              <a:t>Quelle zum Bild: https://github.com/sebastiankoch10/EPWS2223HausenKochZimmer/blob/main/Modellierungen/Klassendiagramm.PNG</a:t>
+              <a:t>Quelle zum Bild: https://github.com/sebastiankoch10/EPWS2223HausenKochZimmer/blob/639b4999fcf3b82715c466e36d7729fe9b0d42e7/Modellierungen/Klassendiagramm.PNG</a:t>
             </a:r>
           </a:p>
           <a:p>
@@ -6113,42 +6137,808 @@
           <a:lstStyle/>
           <a:p>
             <a:r>
-              <a:rPr lang="de-DE" dirty="0"/>
-              <a:t>User-</a:t>
-            </a:r>
-            <a:r>
-              <a:rPr lang="de-DE" dirty="0" err="1"/>
-              <a:t>Profiles</a:t>
+              <a:rPr lang="de-DE"/>
+              <a:t>User-Profiles</a:t>
             </a:r>
             <a:endParaRPr lang="de-DE" dirty="0"/>
           </a:p>
         </p:txBody>
       </p:sp>
-      <p:sp>
-        <p:nvSpPr>
-          <p:cNvPr id="3" name="Inhaltsplatzhalter 2">
+      <p:graphicFrame>
+        <p:nvGraphicFramePr>
+          <p:cNvPr id="4" name="Content Placeholder 3">
             <a:extLst>
               <a:ext uri="{FF2B5EF4-FFF2-40B4-BE49-F238E27FC236}">
-                <a16:creationId xmlns:a16="http://schemas.microsoft.com/office/drawing/2014/main" id="{26828B3D-0288-9D01-3FAB-ED2A638AE90B}"/>
+                <a16:creationId xmlns:a16="http://schemas.microsoft.com/office/drawing/2014/main" id="{3BDAA9CF-1F35-FE7C-B318-E71472C07D9E}"/>
               </a:ext>
             </a:extLst>
           </p:cNvPr>
-          <p:cNvSpPr>
-            <a:spLocks noGrp="1"/>
-          </p:cNvSpPr>
+          <p:cNvGraphicFramePr>
+            <a:graphicFrameLocks noGrp="1"/>
+          </p:cNvGraphicFramePr>
           <p:nvPr>
             <p:ph idx="1"/>
-          </p:nvPr>
-        </p:nvSpPr>
-        <p:spPr/>
-        <p:txBody>
-          <a:bodyPr/>
-          <a:lstStyle/>
-          <a:p>
-            <a:endParaRPr lang="de-DE" dirty="0"/>
-          </a:p>
-        </p:txBody>
-      </p:sp>
+            <p:extLst>
+              <p:ext uri="{D42A27DB-BD31-4B8C-83A1-F6EECF244321}">
+                <p14:modId xmlns:p14="http://schemas.microsoft.com/office/powerpoint/2010/main" val="2258797823"/>
+              </p:ext>
+            </p:extLst>
+          </p:nvPr>
+        </p:nvGraphicFramePr>
+        <p:xfrm>
+          <a:off x="257175" y="2369820"/>
+          <a:ext cx="5754370" cy="2118360"/>
+        </p:xfrm>
+        <a:graphic>
+          <a:graphicData uri="http://schemas.openxmlformats.org/drawingml/2006/table">
+            <a:tbl>
+              <a:tblPr firstRow="1" firstCol="1" bandRow="1">
+                <a:tableStyleId>{793D81CF-94F2-401A-BA57-92F5A7B2D0C5}</a:tableStyleId>
+              </a:tblPr>
+              <a:tblGrid>
+                <a:gridCol w="2877185">
+                  <a:extLst>
+                    <a:ext uri="{9D8B030D-6E8A-4147-A177-3AD203B41FA5}">
+                      <a16:colId xmlns:a16="http://schemas.microsoft.com/office/drawing/2014/main" val="2286469285"/>
+                    </a:ext>
+                  </a:extLst>
+                </a:gridCol>
+                <a:gridCol w="2877185">
+                  <a:extLst>
+                    <a:ext uri="{9D8B030D-6E8A-4147-A177-3AD203B41FA5}">
+                      <a16:colId xmlns:a16="http://schemas.microsoft.com/office/drawing/2014/main" val="2993248814"/>
+                    </a:ext>
+                  </a:extLst>
+                </a:gridCol>
+              </a:tblGrid>
+              <a:tr h="0">
+                <a:tc>
+                  <a:txBody>
+                    <a:bodyPr/>
+                    <a:lstStyle/>
+                    <a:p>
+                      <a:r>
+                        <a:rPr lang="en-GB" sz="1200" dirty="0">
+                          <a:solidFill>
+                            <a:srgbClr val="000000"/>
+                          </a:solidFill>
+                          <a:effectLst/>
+                          <a:latin typeface="Times New Roman" panose="02020603050405020304" pitchFamily="18" charset="0"/>
+                          <a:ea typeface="Calibri" panose="020F0502020204030204" pitchFamily="34" charset="0"/>
+                          <a:cs typeface="Times New Roman" panose="02020603050405020304" pitchFamily="18" charset="0"/>
+                        </a:rPr>
+                        <a:t>“</a:t>
+                      </a:r>
+                      <a:r>
+                        <a:rPr lang="en-GB" sz="1200" dirty="0" err="1">
+                          <a:solidFill>
+                            <a:schemeClr val="bg1"/>
+                          </a:solidFill>
+                          <a:effectLst/>
+                          <a:latin typeface="Times New Roman" panose="02020603050405020304" pitchFamily="18" charset="0"/>
+                          <a:ea typeface="Calibri" panose="020F0502020204030204" pitchFamily="34" charset="0"/>
+                          <a:cs typeface="Times New Roman" panose="02020603050405020304" pitchFamily="18" charset="0"/>
+                        </a:rPr>
+                        <a:t>Heimatforscher</a:t>
+                      </a:r>
+                      <a:r>
+                        <a:rPr lang="en-GB" sz="1200" dirty="0">
+                          <a:solidFill>
+                            <a:schemeClr val="bg1"/>
+                          </a:solidFill>
+                          <a:effectLst/>
+                          <a:latin typeface="Times New Roman" panose="02020603050405020304" pitchFamily="18" charset="0"/>
+                          <a:ea typeface="Calibri" panose="020F0502020204030204" pitchFamily="34" charset="0"/>
+                          <a:cs typeface="Times New Roman" panose="02020603050405020304" pitchFamily="18" charset="0"/>
+                        </a:rPr>
+                        <a:t> (</a:t>
+                      </a:r>
+                      <a:r>
+                        <a:rPr lang="en-GB" sz="1200" dirty="0" err="1">
+                          <a:solidFill>
+                            <a:schemeClr val="bg1"/>
+                          </a:solidFill>
+                          <a:effectLst/>
+                          <a:latin typeface="Times New Roman" panose="02020603050405020304" pitchFamily="18" charset="0"/>
+                          <a:ea typeface="Calibri" panose="020F0502020204030204" pitchFamily="34" charset="0"/>
+                          <a:cs typeface="Times New Roman" panose="02020603050405020304" pitchFamily="18" charset="0"/>
+                        </a:rPr>
+                        <a:t>jung</a:t>
+                      </a:r>
+                      <a:r>
+                        <a:rPr lang="en-GB" sz="1200" dirty="0">
+                          <a:solidFill>
+                            <a:schemeClr val="bg1"/>
+                          </a:solidFill>
+                          <a:effectLst/>
+                          <a:latin typeface="Times New Roman" panose="02020603050405020304" pitchFamily="18" charset="0"/>
+                          <a:ea typeface="Calibri" panose="020F0502020204030204" pitchFamily="34" charset="0"/>
+                          <a:cs typeface="Times New Roman" panose="02020603050405020304" pitchFamily="18" charset="0"/>
+                        </a:rPr>
+                        <a:t>)</a:t>
+                      </a:r>
+                    </a:p>
+                  </a:txBody>
+                  <a:tcPr marL="68580" marR="68580" marT="0" marB="0"/>
+                </a:tc>
+                <a:tc>
+                  <a:txBody>
+                    <a:bodyPr/>
+                    <a:lstStyle/>
+                    <a:p>
+                      <a:endParaRPr lang="en-GB" sz="1200" dirty="0">
+                        <a:solidFill>
+                          <a:srgbClr val="000000"/>
+                        </a:solidFill>
+                        <a:effectLst/>
+                        <a:latin typeface="Times New Roman" panose="02020603050405020304" pitchFamily="18" charset="0"/>
+                        <a:ea typeface="Calibri" panose="020F0502020204030204" pitchFamily="34" charset="0"/>
+                        <a:cs typeface="Times New Roman" panose="02020603050405020304" pitchFamily="18" charset="0"/>
+                      </a:endParaRPr>
+                    </a:p>
+                  </a:txBody>
+                  <a:tcPr marL="68580" marR="68580" marT="0" marB="0"/>
+                </a:tc>
+                <a:extLst>
+                  <a:ext uri="{0D108BD9-81ED-4DB2-BD59-A6C34878D82A}">
+                    <a16:rowId xmlns:a16="http://schemas.microsoft.com/office/drawing/2014/main" val="1042816772"/>
+                  </a:ext>
+                </a:extLst>
+              </a:tr>
+              <a:tr h="0">
+                <a:tc>
+                  <a:txBody>
+                    <a:bodyPr/>
+                    <a:lstStyle/>
+                    <a:p>
+                      <a:r>
+                        <a:rPr lang="de-DE" sz="1150" dirty="0">
+                          <a:solidFill>
+                            <a:schemeClr val="bg1"/>
+                          </a:solidFill>
+                          <a:effectLst/>
+                        </a:rPr>
+                        <a:t>Merkmal </a:t>
+                      </a:r>
+                      <a:endParaRPr lang="en-GB" sz="1200" dirty="0">
+                        <a:solidFill>
+                          <a:schemeClr val="bg1"/>
+                        </a:solidFill>
+                        <a:effectLst/>
+                        <a:latin typeface="Times New Roman" panose="02020603050405020304" pitchFamily="18" charset="0"/>
+                        <a:ea typeface="Calibri" panose="020F0502020204030204" pitchFamily="34" charset="0"/>
+                        <a:cs typeface="Times New Roman" panose="02020603050405020304" pitchFamily="18" charset="0"/>
+                      </a:endParaRPr>
+                    </a:p>
+                  </a:txBody>
+                  <a:tcPr marL="68580" marR="68580" marT="0" marB="0">
+                    <a:solidFill>
+                      <a:schemeClr val="tx1"/>
+                    </a:solidFill>
+                  </a:tcPr>
+                </a:tc>
+                <a:tc>
+                  <a:txBody>
+                    <a:bodyPr/>
+                    <a:lstStyle/>
+                    <a:p>
+                      <a:r>
+                        <a:rPr lang="de-DE" sz="1150" b="1" dirty="0">
+                          <a:solidFill>
+                            <a:schemeClr val="bg1"/>
+                          </a:solidFill>
+                          <a:effectLst/>
+                        </a:rPr>
+                        <a:t>Merkmalsausprägung </a:t>
+                      </a:r>
+                      <a:endParaRPr lang="en-GB" sz="1200" b="1" dirty="0">
+                        <a:solidFill>
+                          <a:schemeClr val="bg1"/>
+                        </a:solidFill>
+                        <a:effectLst/>
+                        <a:latin typeface="Times New Roman" panose="02020603050405020304" pitchFamily="18" charset="0"/>
+                        <a:ea typeface="Calibri" panose="020F0502020204030204" pitchFamily="34" charset="0"/>
+                        <a:cs typeface="Times New Roman" panose="02020603050405020304" pitchFamily="18" charset="0"/>
+                      </a:endParaRPr>
+                    </a:p>
+                  </a:txBody>
+                  <a:tcPr marL="68580" marR="68580" marT="0" marB="0">
+                    <a:solidFill>
+                      <a:schemeClr val="tx1"/>
+                    </a:solidFill>
+                  </a:tcPr>
+                </a:tc>
+                <a:extLst>
+                  <a:ext uri="{0D108BD9-81ED-4DB2-BD59-A6C34878D82A}">
+                    <a16:rowId xmlns:a16="http://schemas.microsoft.com/office/drawing/2014/main" val="25676162"/>
+                  </a:ext>
+                </a:extLst>
+              </a:tr>
+              <a:tr h="0">
+                <a:tc>
+                  <a:txBody>
+                    <a:bodyPr/>
+                    <a:lstStyle/>
+                    <a:p>
+                      <a:r>
+                        <a:rPr lang="de-DE" sz="1150" dirty="0">
+                          <a:effectLst/>
+                        </a:rPr>
+                        <a:t>Alter </a:t>
+                      </a:r>
+                      <a:endParaRPr lang="en-GB" sz="1200" dirty="0">
+                        <a:solidFill>
+                          <a:srgbClr val="000000"/>
+                        </a:solidFill>
+                        <a:effectLst/>
+                        <a:latin typeface="Times New Roman" panose="02020603050405020304" pitchFamily="18" charset="0"/>
+                        <a:ea typeface="Calibri" panose="020F0502020204030204" pitchFamily="34" charset="0"/>
+                        <a:cs typeface="Times New Roman" panose="02020603050405020304" pitchFamily="18" charset="0"/>
+                      </a:endParaRPr>
+                    </a:p>
+                  </a:txBody>
+                  <a:tcPr marL="68580" marR="68580" marT="0" marB="0"/>
+                </a:tc>
+                <a:tc>
+                  <a:txBody>
+                    <a:bodyPr/>
+                    <a:lstStyle/>
+                    <a:p>
+                      <a:pPr>
+                        <a:lnSpc>
+                          <a:spcPct val="107000"/>
+                        </a:lnSpc>
+                        <a:spcAft>
+                          <a:spcPts val="800"/>
+                        </a:spcAft>
+                      </a:pPr>
+                      <a:r>
+                        <a:rPr lang="de-DE" sz="1100">
+                          <a:effectLst/>
+                        </a:rPr>
+                        <a:t>18-30</a:t>
+                      </a:r>
+                      <a:endParaRPr lang="en-GB" sz="1100">
+                        <a:effectLst/>
+                        <a:latin typeface="Calibri" panose="020F0502020204030204" pitchFamily="34" charset="0"/>
+                        <a:ea typeface="Calibri" panose="020F0502020204030204" pitchFamily="34" charset="0"/>
+                        <a:cs typeface="Times New Roman" panose="02020603050405020304" pitchFamily="18" charset="0"/>
+                      </a:endParaRPr>
+                    </a:p>
+                  </a:txBody>
+                  <a:tcPr marL="68580" marR="68580" marT="0" marB="0"/>
+                </a:tc>
+                <a:extLst>
+                  <a:ext uri="{0D108BD9-81ED-4DB2-BD59-A6C34878D82A}">
+                    <a16:rowId xmlns:a16="http://schemas.microsoft.com/office/drawing/2014/main" val="1102464510"/>
+                  </a:ext>
+                </a:extLst>
+              </a:tr>
+              <a:tr h="0">
+                <a:tc>
+                  <a:txBody>
+                    <a:bodyPr/>
+                    <a:lstStyle/>
+                    <a:p>
+                      <a:r>
+                        <a:rPr lang="de-DE" sz="1150" dirty="0">
+                          <a:effectLst/>
+                        </a:rPr>
+                        <a:t>Verfügbarkeit </a:t>
+                      </a:r>
+                      <a:endParaRPr lang="en-GB" sz="1200" dirty="0">
+                        <a:solidFill>
+                          <a:srgbClr val="000000"/>
+                        </a:solidFill>
+                        <a:effectLst/>
+                        <a:latin typeface="Times New Roman" panose="02020603050405020304" pitchFamily="18" charset="0"/>
+                        <a:ea typeface="Calibri" panose="020F0502020204030204" pitchFamily="34" charset="0"/>
+                        <a:cs typeface="Times New Roman" panose="02020603050405020304" pitchFamily="18" charset="0"/>
+                      </a:endParaRPr>
+                    </a:p>
+                  </a:txBody>
+                  <a:tcPr marL="68580" marR="68580" marT="0" marB="0"/>
+                </a:tc>
+                <a:tc>
+                  <a:txBody>
+                    <a:bodyPr/>
+                    <a:lstStyle/>
+                    <a:p>
+                      <a:pPr>
+                        <a:lnSpc>
+                          <a:spcPct val="107000"/>
+                        </a:lnSpc>
+                        <a:spcAft>
+                          <a:spcPts val="800"/>
+                        </a:spcAft>
+                      </a:pPr>
+                      <a:r>
+                        <a:rPr lang="de-DE" sz="1100">
+                          <a:effectLst/>
+                        </a:rPr>
+                        <a:t>Freizeit, gering bis hoch</a:t>
+                      </a:r>
+                      <a:endParaRPr lang="en-GB" sz="1100">
+                        <a:effectLst/>
+                        <a:latin typeface="Calibri" panose="020F0502020204030204" pitchFamily="34" charset="0"/>
+                        <a:ea typeface="Calibri" panose="020F0502020204030204" pitchFamily="34" charset="0"/>
+                        <a:cs typeface="Times New Roman" panose="02020603050405020304" pitchFamily="18" charset="0"/>
+                      </a:endParaRPr>
+                    </a:p>
+                  </a:txBody>
+                  <a:tcPr marL="68580" marR="68580" marT="0" marB="0"/>
+                </a:tc>
+                <a:extLst>
+                  <a:ext uri="{0D108BD9-81ED-4DB2-BD59-A6C34878D82A}">
+                    <a16:rowId xmlns:a16="http://schemas.microsoft.com/office/drawing/2014/main" val="4101282793"/>
+                  </a:ext>
+                </a:extLst>
+              </a:tr>
+              <a:tr h="0">
+                <a:tc>
+                  <a:txBody>
+                    <a:bodyPr/>
+                    <a:lstStyle/>
+                    <a:p>
+                      <a:r>
+                        <a:rPr lang="de-DE" sz="1150" dirty="0">
+                          <a:effectLst/>
+                        </a:rPr>
+                        <a:t>Rollen </a:t>
+                      </a:r>
+                      <a:endParaRPr lang="en-GB" sz="1200" dirty="0">
+                        <a:solidFill>
+                          <a:srgbClr val="000000"/>
+                        </a:solidFill>
+                        <a:effectLst/>
+                        <a:latin typeface="Times New Roman" panose="02020603050405020304" pitchFamily="18" charset="0"/>
+                        <a:ea typeface="Calibri" panose="020F0502020204030204" pitchFamily="34" charset="0"/>
+                        <a:cs typeface="Times New Roman" panose="02020603050405020304" pitchFamily="18" charset="0"/>
+                      </a:endParaRPr>
+                    </a:p>
+                  </a:txBody>
+                  <a:tcPr marL="68580" marR="68580" marT="0" marB="0"/>
+                </a:tc>
+                <a:tc>
+                  <a:txBody>
+                    <a:bodyPr/>
+                    <a:lstStyle/>
+                    <a:p>
+                      <a:pPr>
+                        <a:lnSpc>
+                          <a:spcPct val="107000"/>
+                        </a:lnSpc>
+                        <a:spcAft>
+                          <a:spcPts val="800"/>
+                        </a:spcAft>
+                      </a:pPr>
+                      <a:r>
+                        <a:rPr lang="en-GB" sz="1100">
+                          <a:effectLst/>
+                        </a:rPr>
+                        <a:t>Consumer</a:t>
+                      </a:r>
+                      <a:endParaRPr lang="en-GB" sz="1100">
+                        <a:effectLst/>
+                        <a:latin typeface="Calibri" panose="020F0502020204030204" pitchFamily="34" charset="0"/>
+                        <a:ea typeface="Calibri" panose="020F0502020204030204" pitchFamily="34" charset="0"/>
+                        <a:cs typeface="Times New Roman" panose="02020603050405020304" pitchFamily="18" charset="0"/>
+                      </a:endParaRPr>
+                    </a:p>
+                  </a:txBody>
+                  <a:tcPr marL="68580" marR="68580" marT="0" marB="0"/>
+                </a:tc>
+                <a:extLst>
+                  <a:ext uri="{0D108BD9-81ED-4DB2-BD59-A6C34878D82A}">
+                    <a16:rowId xmlns:a16="http://schemas.microsoft.com/office/drawing/2014/main" val="3341310810"/>
+                  </a:ext>
+                </a:extLst>
+              </a:tr>
+              <a:tr h="0">
+                <a:tc>
+                  <a:txBody>
+                    <a:bodyPr/>
+                    <a:lstStyle/>
+                    <a:p>
+                      <a:r>
+                        <a:rPr lang="de-DE" sz="1150" dirty="0">
+                          <a:effectLst/>
+                        </a:rPr>
+                        <a:t>Sprachkompetenz </a:t>
+                      </a:r>
+                      <a:endParaRPr lang="en-GB" sz="1200" dirty="0">
+                        <a:solidFill>
+                          <a:srgbClr val="000000"/>
+                        </a:solidFill>
+                        <a:effectLst/>
+                        <a:latin typeface="Times New Roman" panose="02020603050405020304" pitchFamily="18" charset="0"/>
+                        <a:ea typeface="Calibri" panose="020F0502020204030204" pitchFamily="34" charset="0"/>
+                        <a:cs typeface="Times New Roman" panose="02020603050405020304" pitchFamily="18" charset="0"/>
+                      </a:endParaRPr>
+                    </a:p>
+                  </a:txBody>
+                  <a:tcPr marL="68580" marR="68580" marT="0" marB="0"/>
+                </a:tc>
+                <a:tc>
+                  <a:txBody>
+                    <a:bodyPr/>
+                    <a:lstStyle/>
+                    <a:p>
+                      <a:pPr>
+                        <a:lnSpc>
+                          <a:spcPct val="107000"/>
+                        </a:lnSpc>
+                        <a:spcAft>
+                          <a:spcPts val="800"/>
+                        </a:spcAft>
+                      </a:pPr>
+                      <a:r>
+                        <a:rPr lang="de-DE" sz="1100">
+                          <a:effectLst/>
+                        </a:rPr>
+                        <a:t>Deutsch, English &amp; weitere möglich</a:t>
+                      </a:r>
+                      <a:endParaRPr lang="en-GB" sz="1100">
+                        <a:effectLst/>
+                        <a:latin typeface="Calibri" panose="020F0502020204030204" pitchFamily="34" charset="0"/>
+                        <a:ea typeface="Calibri" panose="020F0502020204030204" pitchFamily="34" charset="0"/>
+                        <a:cs typeface="Times New Roman" panose="02020603050405020304" pitchFamily="18" charset="0"/>
+                      </a:endParaRPr>
+                    </a:p>
+                  </a:txBody>
+                  <a:tcPr marL="68580" marR="68580" marT="0" marB="0"/>
+                </a:tc>
+                <a:extLst>
+                  <a:ext uri="{0D108BD9-81ED-4DB2-BD59-A6C34878D82A}">
+                    <a16:rowId xmlns:a16="http://schemas.microsoft.com/office/drawing/2014/main" val="9622085"/>
+                  </a:ext>
+                </a:extLst>
+              </a:tr>
+              <a:tr h="0">
+                <a:tc>
+                  <a:txBody>
+                    <a:bodyPr/>
+                    <a:lstStyle/>
+                    <a:p>
+                      <a:r>
+                        <a:rPr lang="de-DE" sz="1150">
+                          <a:effectLst/>
+                        </a:rPr>
+                        <a:t>Kulturelle Kompetenz </a:t>
+                      </a:r>
+                      <a:endParaRPr lang="en-GB" sz="1200">
+                        <a:solidFill>
+                          <a:srgbClr val="000000"/>
+                        </a:solidFill>
+                        <a:effectLst/>
+                        <a:latin typeface="Times New Roman" panose="02020603050405020304" pitchFamily="18" charset="0"/>
+                        <a:ea typeface="Calibri" panose="020F0502020204030204" pitchFamily="34" charset="0"/>
+                        <a:cs typeface="Times New Roman" panose="02020603050405020304" pitchFamily="18" charset="0"/>
+                      </a:endParaRPr>
+                    </a:p>
+                  </a:txBody>
+                  <a:tcPr marL="68580" marR="68580" marT="0" marB="0"/>
+                </a:tc>
+                <a:tc>
+                  <a:txBody>
+                    <a:bodyPr/>
+                    <a:lstStyle/>
+                    <a:p>
+                      <a:pPr>
+                        <a:lnSpc>
+                          <a:spcPct val="107000"/>
+                        </a:lnSpc>
+                        <a:spcAft>
+                          <a:spcPts val="800"/>
+                        </a:spcAft>
+                      </a:pPr>
+                      <a:r>
+                        <a:rPr lang="de-DE" sz="1100">
+                          <a:effectLst/>
+                        </a:rPr>
+                        <a:t>Deutsch</a:t>
+                      </a:r>
+                      <a:endParaRPr lang="en-GB" sz="1100">
+                        <a:effectLst/>
+                        <a:latin typeface="Calibri" panose="020F0502020204030204" pitchFamily="34" charset="0"/>
+                        <a:ea typeface="Calibri" panose="020F0502020204030204" pitchFamily="34" charset="0"/>
+                        <a:cs typeface="Times New Roman" panose="02020603050405020304" pitchFamily="18" charset="0"/>
+                      </a:endParaRPr>
+                    </a:p>
+                  </a:txBody>
+                  <a:tcPr marL="68580" marR="68580" marT="0" marB="0"/>
+                </a:tc>
+                <a:extLst>
+                  <a:ext uri="{0D108BD9-81ED-4DB2-BD59-A6C34878D82A}">
+                    <a16:rowId xmlns:a16="http://schemas.microsoft.com/office/drawing/2014/main" val="3303803784"/>
+                  </a:ext>
+                </a:extLst>
+              </a:tr>
+              <a:tr h="0">
+                <a:tc>
+                  <a:txBody>
+                    <a:bodyPr/>
+                    <a:lstStyle/>
+                    <a:p>
+                      <a:r>
+                        <a:rPr lang="de-DE" sz="1150">
+                          <a:effectLst/>
+                        </a:rPr>
+                        <a:t>Computer Literacy </a:t>
+                      </a:r>
+                      <a:endParaRPr lang="en-GB" sz="1200">
+                        <a:solidFill>
+                          <a:srgbClr val="000000"/>
+                        </a:solidFill>
+                        <a:effectLst/>
+                        <a:latin typeface="Times New Roman" panose="02020603050405020304" pitchFamily="18" charset="0"/>
+                        <a:ea typeface="Calibri" panose="020F0502020204030204" pitchFamily="34" charset="0"/>
+                        <a:cs typeface="Times New Roman" panose="02020603050405020304" pitchFamily="18" charset="0"/>
+                      </a:endParaRPr>
+                    </a:p>
+                  </a:txBody>
+                  <a:tcPr marL="68580" marR="68580" marT="0" marB="0"/>
+                </a:tc>
+                <a:tc>
+                  <a:txBody>
+                    <a:bodyPr/>
+                    <a:lstStyle/>
+                    <a:p>
+                      <a:r>
+                        <a:rPr lang="de-DE" sz="1150">
+                          <a:effectLst/>
+                        </a:rPr>
+                        <a:t>Sehr Hoch</a:t>
+                      </a:r>
+                      <a:endParaRPr lang="en-GB" sz="1200">
+                        <a:solidFill>
+                          <a:srgbClr val="000000"/>
+                        </a:solidFill>
+                        <a:effectLst/>
+                        <a:latin typeface="Times New Roman" panose="02020603050405020304" pitchFamily="18" charset="0"/>
+                        <a:ea typeface="Calibri" panose="020F0502020204030204" pitchFamily="34" charset="0"/>
+                        <a:cs typeface="Times New Roman" panose="02020603050405020304" pitchFamily="18" charset="0"/>
+                      </a:endParaRPr>
+                    </a:p>
+                  </a:txBody>
+                  <a:tcPr marL="68580" marR="68580" marT="0" marB="0"/>
+                </a:tc>
+                <a:extLst>
+                  <a:ext uri="{0D108BD9-81ED-4DB2-BD59-A6C34878D82A}">
+                    <a16:rowId xmlns:a16="http://schemas.microsoft.com/office/drawing/2014/main" val="690994774"/>
+                  </a:ext>
+                </a:extLst>
+              </a:tr>
+              <a:tr h="0">
+                <a:tc>
+                  <a:txBody>
+                    <a:bodyPr/>
+                    <a:lstStyle/>
+                    <a:p>
+                      <a:r>
+                        <a:rPr lang="de-DE" sz="1150">
+                          <a:effectLst/>
+                        </a:rPr>
+                        <a:t>Selbstständigkeit </a:t>
+                      </a:r>
+                      <a:endParaRPr lang="en-GB" sz="1200">
+                        <a:solidFill>
+                          <a:srgbClr val="000000"/>
+                        </a:solidFill>
+                        <a:effectLst/>
+                        <a:latin typeface="Times New Roman" panose="02020603050405020304" pitchFamily="18" charset="0"/>
+                        <a:ea typeface="Calibri" panose="020F0502020204030204" pitchFamily="34" charset="0"/>
+                        <a:cs typeface="Times New Roman" panose="02020603050405020304" pitchFamily="18" charset="0"/>
+                      </a:endParaRPr>
+                    </a:p>
+                  </a:txBody>
+                  <a:tcPr marL="68580" marR="68580" marT="0" marB="0"/>
+                </a:tc>
+                <a:tc>
+                  <a:txBody>
+                    <a:bodyPr/>
+                    <a:lstStyle/>
+                    <a:p>
+                      <a:r>
+                        <a:rPr lang="de-DE" sz="1150">
+                          <a:effectLst/>
+                        </a:rPr>
+                        <a:t>Hoch bis sehr hoch</a:t>
+                      </a:r>
+                      <a:endParaRPr lang="en-GB" sz="1200">
+                        <a:solidFill>
+                          <a:srgbClr val="000000"/>
+                        </a:solidFill>
+                        <a:effectLst/>
+                        <a:latin typeface="Times New Roman" panose="02020603050405020304" pitchFamily="18" charset="0"/>
+                        <a:ea typeface="Calibri" panose="020F0502020204030204" pitchFamily="34" charset="0"/>
+                        <a:cs typeface="Times New Roman" panose="02020603050405020304" pitchFamily="18" charset="0"/>
+                      </a:endParaRPr>
+                    </a:p>
+                  </a:txBody>
+                  <a:tcPr marL="68580" marR="68580" marT="0" marB="0"/>
+                </a:tc>
+                <a:extLst>
+                  <a:ext uri="{0D108BD9-81ED-4DB2-BD59-A6C34878D82A}">
+                    <a16:rowId xmlns:a16="http://schemas.microsoft.com/office/drawing/2014/main" val="1778855648"/>
+                  </a:ext>
+                </a:extLst>
+              </a:tr>
+              <a:tr h="0">
+                <a:tc>
+                  <a:txBody>
+                    <a:bodyPr/>
+                    <a:lstStyle/>
+                    <a:p>
+                      <a:r>
+                        <a:rPr lang="de-DE" sz="1150">
+                          <a:effectLst/>
+                        </a:rPr>
+                        <a:t>Erreichbarkeit </a:t>
+                      </a:r>
+                      <a:endParaRPr lang="en-GB" sz="1200">
+                        <a:solidFill>
+                          <a:srgbClr val="000000"/>
+                        </a:solidFill>
+                        <a:effectLst/>
+                        <a:latin typeface="Times New Roman" panose="02020603050405020304" pitchFamily="18" charset="0"/>
+                        <a:ea typeface="Calibri" panose="020F0502020204030204" pitchFamily="34" charset="0"/>
+                        <a:cs typeface="Times New Roman" panose="02020603050405020304" pitchFamily="18" charset="0"/>
+                      </a:endParaRPr>
+                    </a:p>
+                  </a:txBody>
+                  <a:tcPr marL="68580" marR="68580" marT="0" marB="0"/>
+                </a:tc>
+                <a:tc>
+                  <a:txBody>
+                    <a:bodyPr/>
+                    <a:lstStyle/>
+                    <a:p>
+                      <a:r>
+                        <a:rPr lang="de-DE" sz="1150">
+                          <a:effectLst/>
+                        </a:rPr>
+                        <a:t>Telefonisch</a:t>
+                      </a:r>
+                      <a:r>
+                        <a:rPr lang="de-DE" sz="1200">
+                          <a:effectLst/>
+                        </a:rPr>
+                        <a:t>, Email</a:t>
+                      </a:r>
+                      <a:endParaRPr lang="en-GB" sz="1200">
+                        <a:solidFill>
+                          <a:srgbClr val="000000"/>
+                        </a:solidFill>
+                        <a:effectLst/>
+                        <a:latin typeface="Times New Roman" panose="02020603050405020304" pitchFamily="18" charset="0"/>
+                        <a:ea typeface="Calibri" panose="020F0502020204030204" pitchFamily="34" charset="0"/>
+                        <a:cs typeface="Times New Roman" panose="02020603050405020304" pitchFamily="18" charset="0"/>
+                      </a:endParaRPr>
+                    </a:p>
+                  </a:txBody>
+                  <a:tcPr marL="68580" marR="68580" marT="0" marB="0"/>
+                </a:tc>
+                <a:extLst>
+                  <a:ext uri="{0D108BD9-81ED-4DB2-BD59-A6C34878D82A}">
+                    <a16:rowId xmlns:a16="http://schemas.microsoft.com/office/drawing/2014/main" val="2366836218"/>
+                  </a:ext>
+                </a:extLst>
+              </a:tr>
+              <a:tr h="0">
+                <a:tc>
+                  <a:txBody>
+                    <a:bodyPr/>
+                    <a:lstStyle/>
+                    <a:p>
+                      <a:r>
+                        <a:rPr lang="de-DE" sz="1150">
+                          <a:effectLst/>
+                        </a:rPr>
+                        <a:t>Technische Ausstattung </a:t>
+                      </a:r>
+                      <a:endParaRPr lang="en-GB" sz="1200">
+                        <a:solidFill>
+                          <a:srgbClr val="000000"/>
+                        </a:solidFill>
+                        <a:effectLst/>
+                        <a:latin typeface="Times New Roman" panose="02020603050405020304" pitchFamily="18" charset="0"/>
+                        <a:ea typeface="Calibri" panose="020F0502020204030204" pitchFamily="34" charset="0"/>
+                        <a:cs typeface="Times New Roman" panose="02020603050405020304" pitchFamily="18" charset="0"/>
+                      </a:endParaRPr>
+                    </a:p>
+                  </a:txBody>
+                  <a:tcPr marL="68580" marR="68580" marT="0" marB="0"/>
+                </a:tc>
+                <a:tc>
+                  <a:txBody>
+                    <a:bodyPr/>
+                    <a:lstStyle/>
+                    <a:p>
+                      <a:r>
+                        <a:rPr lang="de-DE" sz="1150">
+                          <a:effectLst/>
+                        </a:rPr>
+                        <a:t>Laptop, Handy, PC, Tablet</a:t>
+                      </a:r>
+                      <a:endParaRPr lang="en-GB" sz="1200">
+                        <a:solidFill>
+                          <a:srgbClr val="000000"/>
+                        </a:solidFill>
+                        <a:effectLst/>
+                        <a:latin typeface="Times New Roman" panose="02020603050405020304" pitchFamily="18" charset="0"/>
+                        <a:ea typeface="Calibri" panose="020F0502020204030204" pitchFamily="34" charset="0"/>
+                        <a:cs typeface="Times New Roman" panose="02020603050405020304" pitchFamily="18" charset="0"/>
+                      </a:endParaRPr>
+                    </a:p>
+                  </a:txBody>
+                  <a:tcPr marL="68580" marR="68580" marT="0" marB="0"/>
+                </a:tc>
+                <a:extLst>
+                  <a:ext uri="{0D108BD9-81ED-4DB2-BD59-A6C34878D82A}">
+                    <a16:rowId xmlns:a16="http://schemas.microsoft.com/office/drawing/2014/main" val="2281905158"/>
+                  </a:ext>
+                </a:extLst>
+              </a:tr>
+              <a:tr h="0">
+                <a:tc>
+                  <a:txBody>
+                    <a:bodyPr/>
+                    <a:lstStyle/>
+                    <a:p>
+                      <a:r>
+                        <a:rPr lang="de-DE" sz="1150" dirty="0">
+                          <a:effectLst/>
+                        </a:rPr>
+                        <a:t>Wohnort</a:t>
+                      </a:r>
+                      <a:endParaRPr lang="en-GB" sz="1200" dirty="0">
+                        <a:solidFill>
+                          <a:srgbClr val="000000"/>
+                        </a:solidFill>
+                        <a:effectLst/>
+                        <a:latin typeface="Times New Roman" panose="02020603050405020304" pitchFamily="18" charset="0"/>
+                        <a:ea typeface="Calibri" panose="020F0502020204030204" pitchFamily="34" charset="0"/>
+                        <a:cs typeface="Times New Roman" panose="02020603050405020304" pitchFamily="18" charset="0"/>
+                      </a:endParaRPr>
+                    </a:p>
+                  </a:txBody>
+                  <a:tcPr marL="68580" marR="68580" marT="0" marB="0"/>
+                </a:tc>
+                <a:tc>
+                  <a:txBody>
+                    <a:bodyPr/>
+                    <a:lstStyle/>
+                    <a:p>
+                      <a:r>
+                        <a:rPr lang="de-DE" sz="1150" dirty="0">
+                          <a:effectLst/>
+                        </a:rPr>
+                        <a:t>Großstadt</a:t>
+                      </a:r>
+                      <a:endParaRPr lang="en-GB" sz="1200" dirty="0">
+                        <a:solidFill>
+                          <a:srgbClr val="000000"/>
+                        </a:solidFill>
+                        <a:effectLst/>
+                        <a:latin typeface="Times New Roman" panose="02020603050405020304" pitchFamily="18" charset="0"/>
+                        <a:ea typeface="Calibri" panose="020F0502020204030204" pitchFamily="34" charset="0"/>
+                        <a:cs typeface="Times New Roman" panose="02020603050405020304" pitchFamily="18" charset="0"/>
+                      </a:endParaRPr>
+                    </a:p>
+                  </a:txBody>
+                  <a:tcPr marL="68580" marR="68580" marT="0" marB="0"/>
+                </a:tc>
+                <a:extLst>
+                  <a:ext uri="{0D108BD9-81ED-4DB2-BD59-A6C34878D82A}">
+                    <a16:rowId xmlns:a16="http://schemas.microsoft.com/office/drawing/2014/main" val="1235567767"/>
+                  </a:ext>
+                </a:extLst>
+              </a:tr>
+            </a:tbl>
+          </a:graphicData>
+        </a:graphic>
+      </p:graphicFrame>
       <p:sp>
         <p:nvSpPr>
           <p:cNvPr id="5" name="Foliennummernplatzhalter 4">
@@ -6186,6 +6976,800 @@
           </a:p>
         </p:txBody>
       </p:sp>
+      <p:graphicFrame>
+        <p:nvGraphicFramePr>
+          <p:cNvPr id="6" name="Table 5">
+            <a:extLst>
+              <a:ext uri="{FF2B5EF4-FFF2-40B4-BE49-F238E27FC236}">
+                <a16:creationId xmlns:a16="http://schemas.microsoft.com/office/drawing/2014/main" id="{A709432B-F845-2389-07C2-30D9709A95EC}"/>
+              </a:ext>
+            </a:extLst>
+          </p:cNvPr>
+          <p:cNvGraphicFramePr>
+            <a:graphicFrameLocks noGrp="1"/>
+          </p:cNvGraphicFramePr>
+          <p:nvPr>
+            <p:extLst>
+              <p:ext uri="{D42A27DB-BD31-4B8C-83A1-F6EECF244321}">
+                <p14:modId xmlns:p14="http://schemas.microsoft.com/office/powerpoint/2010/main" val="3390985818"/>
+              </p:ext>
+            </p:extLst>
+          </p:nvPr>
+        </p:nvGraphicFramePr>
+        <p:xfrm>
+          <a:off x="6170930" y="2369820"/>
+          <a:ext cx="5754370" cy="2293938"/>
+        </p:xfrm>
+        <a:graphic>
+          <a:graphicData uri="http://schemas.openxmlformats.org/drawingml/2006/table">
+            <a:tbl>
+              <a:tblPr firstRow="1" firstCol="1" bandRow="1">
+                <a:tableStyleId>{793D81CF-94F2-401A-BA57-92F5A7B2D0C5}</a:tableStyleId>
+              </a:tblPr>
+              <a:tblGrid>
+                <a:gridCol w="2877185">
+                  <a:extLst>
+                    <a:ext uri="{9D8B030D-6E8A-4147-A177-3AD203B41FA5}">
+                      <a16:colId xmlns:a16="http://schemas.microsoft.com/office/drawing/2014/main" val="3724519705"/>
+                    </a:ext>
+                  </a:extLst>
+                </a:gridCol>
+                <a:gridCol w="2877185">
+                  <a:extLst>
+                    <a:ext uri="{9D8B030D-6E8A-4147-A177-3AD203B41FA5}">
+                      <a16:colId xmlns:a16="http://schemas.microsoft.com/office/drawing/2014/main" val="3232915036"/>
+                    </a:ext>
+                  </a:extLst>
+                </a:gridCol>
+              </a:tblGrid>
+              <a:tr h="0">
+                <a:tc>
+                  <a:txBody>
+                    <a:bodyPr/>
+                    <a:lstStyle/>
+                    <a:p>
+                      <a:r>
+                        <a:rPr lang="en-GB" sz="1200" dirty="0">
+                          <a:solidFill>
+                            <a:schemeClr val="bg1"/>
+                          </a:solidFill>
+                          <a:effectLst/>
+                          <a:latin typeface="Times New Roman" panose="02020603050405020304" pitchFamily="18" charset="0"/>
+                          <a:ea typeface="Calibri" panose="020F0502020204030204" pitchFamily="34" charset="0"/>
+                          <a:cs typeface="Times New Roman" panose="02020603050405020304" pitchFamily="18" charset="0"/>
+                        </a:rPr>
+                        <a:t> </a:t>
+                      </a:r>
+                      <a:r>
+                        <a:rPr lang="en-GB" sz="1200" dirty="0" err="1">
+                          <a:solidFill>
+                            <a:schemeClr val="bg1"/>
+                          </a:solidFill>
+                          <a:effectLst/>
+                          <a:latin typeface="Times New Roman" panose="02020603050405020304" pitchFamily="18" charset="0"/>
+                          <a:ea typeface="Calibri" panose="020F0502020204030204" pitchFamily="34" charset="0"/>
+                          <a:cs typeface="Times New Roman" panose="02020603050405020304" pitchFamily="18" charset="0"/>
+                        </a:rPr>
+                        <a:t>Neuer</a:t>
+                      </a:r>
+                      <a:r>
+                        <a:rPr lang="en-GB" sz="1200" dirty="0">
+                          <a:solidFill>
+                            <a:schemeClr val="bg1"/>
+                          </a:solidFill>
+                          <a:effectLst/>
+                          <a:latin typeface="Times New Roman" panose="02020603050405020304" pitchFamily="18" charset="0"/>
+                          <a:ea typeface="Calibri" panose="020F0502020204030204" pitchFamily="34" charset="0"/>
+                          <a:cs typeface="Times New Roman" panose="02020603050405020304" pitchFamily="18" charset="0"/>
+                        </a:rPr>
+                        <a:t> </a:t>
+                      </a:r>
+                      <a:r>
+                        <a:rPr lang="en-GB" sz="1200" dirty="0" err="1">
+                          <a:solidFill>
+                            <a:schemeClr val="bg1"/>
+                          </a:solidFill>
+                          <a:effectLst/>
+                          <a:latin typeface="Times New Roman" panose="02020603050405020304" pitchFamily="18" charset="0"/>
+                          <a:ea typeface="Calibri" panose="020F0502020204030204" pitchFamily="34" charset="0"/>
+                          <a:cs typeface="Times New Roman" panose="02020603050405020304" pitchFamily="18" charset="0"/>
+                        </a:rPr>
+                        <a:t>Bewohner</a:t>
+                      </a:r>
+                      <a:r>
+                        <a:rPr lang="en-GB" sz="1200" dirty="0">
+                          <a:solidFill>
+                            <a:schemeClr val="bg1"/>
+                          </a:solidFill>
+                          <a:effectLst/>
+                          <a:latin typeface="Times New Roman" panose="02020603050405020304" pitchFamily="18" charset="0"/>
+                          <a:ea typeface="Calibri" panose="020F0502020204030204" pitchFamily="34" charset="0"/>
+                          <a:cs typeface="Times New Roman" panose="02020603050405020304" pitchFamily="18" charset="0"/>
+                        </a:rPr>
+                        <a:t> (Ausländer)</a:t>
+                      </a:r>
+                    </a:p>
+                  </a:txBody>
+                  <a:tcPr marL="68580" marR="68580" marT="0" marB="0"/>
+                </a:tc>
+                <a:tc>
+                  <a:txBody>
+                    <a:bodyPr/>
+                    <a:lstStyle/>
+                    <a:p>
+                      <a:endParaRPr lang="en-GB" sz="1200" dirty="0">
+                        <a:solidFill>
+                          <a:srgbClr val="000000"/>
+                        </a:solidFill>
+                        <a:effectLst/>
+                        <a:latin typeface="Times New Roman" panose="02020603050405020304" pitchFamily="18" charset="0"/>
+                        <a:ea typeface="Calibri" panose="020F0502020204030204" pitchFamily="34" charset="0"/>
+                        <a:cs typeface="Times New Roman" panose="02020603050405020304" pitchFamily="18" charset="0"/>
+                      </a:endParaRPr>
+                    </a:p>
+                  </a:txBody>
+                  <a:tcPr marL="68580" marR="68580" marT="0" marB="0"/>
+                </a:tc>
+                <a:extLst>
+                  <a:ext uri="{0D108BD9-81ED-4DB2-BD59-A6C34878D82A}">
+                    <a16:rowId xmlns:a16="http://schemas.microsoft.com/office/drawing/2014/main" val="1722161138"/>
+                  </a:ext>
+                </a:extLst>
+              </a:tr>
+              <a:tr h="0">
+                <a:tc>
+                  <a:txBody>
+                    <a:bodyPr/>
+                    <a:lstStyle/>
+                    <a:p>
+                      <a:r>
+                        <a:rPr lang="de-DE" sz="1150" dirty="0">
+                          <a:solidFill>
+                            <a:schemeClr val="bg1"/>
+                          </a:solidFill>
+                          <a:effectLst/>
+                        </a:rPr>
+                        <a:t>Merkmal </a:t>
+                      </a:r>
+                      <a:endParaRPr lang="en-GB" sz="1200" dirty="0">
+                        <a:solidFill>
+                          <a:schemeClr val="bg1"/>
+                        </a:solidFill>
+                        <a:effectLst/>
+                        <a:latin typeface="Times New Roman" panose="02020603050405020304" pitchFamily="18" charset="0"/>
+                        <a:ea typeface="Calibri" panose="020F0502020204030204" pitchFamily="34" charset="0"/>
+                        <a:cs typeface="Times New Roman" panose="02020603050405020304" pitchFamily="18" charset="0"/>
+                      </a:endParaRPr>
+                    </a:p>
+                  </a:txBody>
+                  <a:tcPr marL="68580" marR="68580" marT="0" marB="0">
+                    <a:solidFill>
+                      <a:schemeClr val="tx1"/>
+                    </a:solidFill>
+                  </a:tcPr>
+                </a:tc>
+                <a:tc>
+                  <a:txBody>
+                    <a:bodyPr/>
+                    <a:lstStyle/>
+                    <a:p>
+                      <a:r>
+                        <a:rPr lang="de-DE" sz="1150" b="1" dirty="0">
+                          <a:solidFill>
+                            <a:schemeClr val="bg1"/>
+                          </a:solidFill>
+                          <a:effectLst/>
+                        </a:rPr>
+                        <a:t>Merkmalsausprägung </a:t>
+                      </a:r>
+                      <a:endParaRPr lang="en-GB" sz="1200" b="1" dirty="0">
+                        <a:solidFill>
+                          <a:schemeClr val="bg1"/>
+                        </a:solidFill>
+                        <a:effectLst/>
+                        <a:latin typeface="Times New Roman" panose="02020603050405020304" pitchFamily="18" charset="0"/>
+                        <a:ea typeface="Calibri" panose="020F0502020204030204" pitchFamily="34" charset="0"/>
+                        <a:cs typeface="Times New Roman" panose="02020603050405020304" pitchFamily="18" charset="0"/>
+                      </a:endParaRPr>
+                    </a:p>
+                  </a:txBody>
+                  <a:tcPr marL="68580" marR="68580" marT="0" marB="0">
+                    <a:solidFill>
+                      <a:schemeClr val="tx1"/>
+                    </a:solidFill>
+                  </a:tcPr>
+                </a:tc>
+                <a:extLst>
+                  <a:ext uri="{0D108BD9-81ED-4DB2-BD59-A6C34878D82A}">
+                    <a16:rowId xmlns:a16="http://schemas.microsoft.com/office/drawing/2014/main" val="725527144"/>
+                  </a:ext>
+                </a:extLst>
+              </a:tr>
+              <a:tr h="0">
+                <a:tc>
+                  <a:txBody>
+                    <a:bodyPr/>
+                    <a:lstStyle/>
+                    <a:p>
+                      <a:r>
+                        <a:rPr lang="de-DE" sz="1150">
+                          <a:effectLst/>
+                        </a:rPr>
+                        <a:t>Alter </a:t>
+                      </a:r>
+                      <a:endParaRPr lang="en-GB" sz="1200">
+                        <a:solidFill>
+                          <a:srgbClr val="000000"/>
+                        </a:solidFill>
+                        <a:effectLst/>
+                        <a:latin typeface="Times New Roman" panose="02020603050405020304" pitchFamily="18" charset="0"/>
+                        <a:ea typeface="Calibri" panose="020F0502020204030204" pitchFamily="34" charset="0"/>
+                        <a:cs typeface="Times New Roman" panose="02020603050405020304" pitchFamily="18" charset="0"/>
+                      </a:endParaRPr>
+                    </a:p>
+                  </a:txBody>
+                  <a:tcPr marL="68580" marR="68580" marT="0" marB="0"/>
+                </a:tc>
+                <a:tc>
+                  <a:txBody>
+                    <a:bodyPr/>
+                    <a:lstStyle/>
+                    <a:p>
+                      <a:pPr>
+                        <a:lnSpc>
+                          <a:spcPct val="107000"/>
+                        </a:lnSpc>
+                        <a:spcAft>
+                          <a:spcPts val="800"/>
+                        </a:spcAft>
+                      </a:pPr>
+                      <a:r>
+                        <a:rPr lang="de-DE" sz="1100">
+                          <a:effectLst/>
+                        </a:rPr>
+                        <a:t>25-40</a:t>
+                      </a:r>
+                      <a:endParaRPr lang="en-GB" sz="1100">
+                        <a:effectLst/>
+                        <a:latin typeface="Calibri" panose="020F0502020204030204" pitchFamily="34" charset="0"/>
+                        <a:ea typeface="Calibri" panose="020F0502020204030204" pitchFamily="34" charset="0"/>
+                        <a:cs typeface="Times New Roman" panose="02020603050405020304" pitchFamily="18" charset="0"/>
+                      </a:endParaRPr>
+                    </a:p>
+                  </a:txBody>
+                  <a:tcPr marL="68580" marR="68580" marT="0" marB="0"/>
+                </a:tc>
+                <a:extLst>
+                  <a:ext uri="{0D108BD9-81ED-4DB2-BD59-A6C34878D82A}">
+                    <a16:rowId xmlns:a16="http://schemas.microsoft.com/office/drawing/2014/main" val="1776743668"/>
+                  </a:ext>
+                </a:extLst>
+              </a:tr>
+              <a:tr h="0">
+                <a:tc>
+                  <a:txBody>
+                    <a:bodyPr/>
+                    <a:lstStyle/>
+                    <a:p>
+                      <a:r>
+                        <a:rPr lang="de-DE" sz="1150">
+                          <a:effectLst/>
+                        </a:rPr>
+                        <a:t>Verfügbarkeit </a:t>
+                      </a:r>
+                      <a:endParaRPr lang="en-GB" sz="1200">
+                        <a:solidFill>
+                          <a:srgbClr val="000000"/>
+                        </a:solidFill>
+                        <a:effectLst/>
+                        <a:latin typeface="Times New Roman" panose="02020603050405020304" pitchFamily="18" charset="0"/>
+                        <a:ea typeface="Calibri" panose="020F0502020204030204" pitchFamily="34" charset="0"/>
+                        <a:cs typeface="Times New Roman" panose="02020603050405020304" pitchFamily="18" charset="0"/>
+                      </a:endParaRPr>
+                    </a:p>
+                  </a:txBody>
+                  <a:tcPr marL="68580" marR="68580" marT="0" marB="0"/>
+                </a:tc>
+                <a:tc>
+                  <a:txBody>
+                    <a:bodyPr/>
+                    <a:lstStyle/>
+                    <a:p>
+                      <a:pPr>
+                        <a:lnSpc>
+                          <a:spcPct val="107000"/>
+                        </a:lnSpc>
+                        <a:spcAft>
+                          <a:spcPts val="800"/>
+                        </a:spcAft>
+                      </a:pPr>
+                      <a:r>
+                        <a:rPr lang="de-DE" sz="1100">
+                          <a:effectLst/>
+                        </a:rPr>
+                        <a:t>Freizeit</a:t>
+                      </a:r>
+                      <a:endParaRPr lang="en-GB" sz="1100">
+                        <a:effectLst/>
+                        <a:latin typeface="Calibri" panose="020F0502020204030204" pitchFamily="34" charset="0"/>
+                        <a:ea typeface="Calibri" panose="020F0502020204030204" pitchFamily="34" charset="0"/>
+                        <a:cs typeface="Times New Roman" panose="02020603050405020304" pitchFamily="18" charset="0"/>
+                      </a:endParaRPr>
+                    </a:p>
+                  </a:txBody>
+                  <a:tcPr marL="68580" marR="68580" marT="0" marB="0"/>
+                </a:tc>
+                <a:extLst>
+                  <a:ext uri="{0D108BD9-81ED-4DB2-BD59-A6C34878D82A}">
+                    <a16:rowId xmlns:a16="http://schemas.microsoft.com/office/drawing/2014/main" val="1638018934"/>
+                  </a:ext>
+                </a:extLst>
+              </a:tr>
+              <a:tr h="0">
+                <a:tc>
+                  <a:txBody>
+                    <a:bodyPr/>
+                    <a:lstStyle/>
+                    <a:p>
+                      <a:r>
+                        <a:rPr lang="de-DE" sz="1150">
+                          <a:effectLst/>
+                        </a:rPr>
+                        <a:t>Rollen </a:t>
+                      </a:r>
+                      <a:endParaRPr lang="en-GB" sz="1200">
+                        <a:solidFill>
+                          <a:srgbClr val="000000"/>
+                        </a:solidFill>
+                        <a:effectLst/>
+                        <a:latin typeface="Times New Roman" panose="02020603050405020304" pitchFamily="18" charset="0"/>
+                        <a:ea typeface="Calibri" panose="020F0502020204030204" pitchFamily="34" charset="0"/>
+                        <a:cs typeface="Times New Roman" panose="02020603050405020304" pitchFamily="18" charset="0"/>
+                      </a:endParaRPr>
+                    </a:p>
+                  </a:txBody>
+                  <a:tcPr marL="68580" marR="68580" marT="0" marB="0"/>
+                </a:tc>
+                <a:tc>
+                  <a:txBody>
+                    <a:bodyPr/>
+                    <a:lstStyle/>
+                    <a:p>
+                      <a:pPr>
+                        <a:lnSpc>
+                          <a:spcPct val="107000"/>
+                        </a:lnSpc>
+                        <a:spcAft>
+                          <a:spcPts val="800"/>
+                        </a:spcAft>
+                      </a:pPr>
+                      <a:r>
+                        <a:rPr lang="en-GB" sz="1100">
+                          <a:effectLst/>
+                        </a:rPr>
+                        <a:t>Consumer</a:t>
+                      </a:r>
+                      <a:endParaRPr lang="en-GB" sz="1100">
+                        <a:effectLst/>
+                        <a:latin typeface="Calibri" panose="020F0502020204030204" pitchFamily="34" charset="0"/>
+                        <a:ea typeface="Calibri" panose="020F0502020204030204" pitchFamily="34" charset="0"/>
+                        <a:cs typeface="Times New Roman" panose="02020603050405020304" pitchFamily="18" charset="0"/>
+                      </a:endParaRPr>
+                    </a:p>
+                  </a:txBody>
+                  <a:tcPr marL="68580" marR="68580" marT="0" marB="0"/>
+                </a:tc>
+                <a:extLst>
+                  <a:ext uri="{0D108BD9-81ED-4DB2-BD59-A6C34878D82A}">
+                    <a16:rowId xmlns:a16="http://schemas.microsoft.com/office/drawing/2014/main" val="969366835"/>
+                  </a:ext>
+                </a:extLst>
+              </a:tr>
+              <a:tr h="0">
+                <a:tc>
+                  <a:txBody>
+                    <a:bodyPr/>
+                    <a:lstStyle/>
+                    <a:p>
+                      <a:r>
+                        <a:rPr lang="de-DE" sz="1150">
+                          <a:effectLst/>
+                        </a:rPr>
+                        <a:t>Sprachkompetenz </a:t>
+                      </a:r>
+                      <a:endParaRPr lang="en-GB" sz="1200">
+                        <a:solidFill>
+                          <a:srgbClr val="000000"/>
+                        </a:solidFill>
+                        <a:effectLst/>
+                        <a:latin typeface="Times New Roman" panose="02020603050405020304" pitchFamily="18" charset="0"/>
+                        <a:ea typeface="Calibri" panose="020F0502020204030204" pitchFamily="34" charset="0"/>
+                        <a:cs typeface="Times New Roman" panose="02020603050405020304" pitchFamily="18" charset="0"/>
+                      </a:endParaRPr>
+                    </a:p>
+                  </a:txBody>
+                  <a:tcPr marL="68580" marR="68580" marT="0" marB="0"/>
+                </a:tc>
+                <a:tc>
+                  <a:txBody>
+                    <a:bodyPr/>
+                    <a:lstStyle/>
+                    <a:p>
+                      <a:pPr>
+                        <a:lnSpc>
+                          <a:spcPct val="107000"/>
+                        </a:lnSpc>
+                        <a:spcAft>
+                          <a:spcPts val="800"/>
+                        </a:spcAft>
+                      </a:pPr>
+                      <a:r>
+                        <a:rPr lang="de-DE" sz="1100">
+                          <a:effectLst/>
+                        </a:rPr>
+                        <a:t>Deutsch (möglich gering), Englisch &amp; Muttersprache</a:t>
+                      </a:r>
+                      <a:endParaRPr lang="en-GB" sz="1100">
+                        <a:effectLst/>
+                        <a:latin typeface="Calibri" panose="020F0502020204030204" pitchFamily="34" charset="0"/>
+                        <a:ea typeface="Calibri" panose="020F0502020204030204" pitchFamily="34" charset="0"/>
+                        <a:cs typeface="Times New Roman" panose="02020603050405020304" pitchFamily="18" charset="0"/>
+                      </a:endParaRPr>
+                    </a:p>
+                  </a:txBody>
+                  <a:tcPr marL="68580" marR="68580" marT="0" marB="0"/>
+                </a:tc>
+                <a:extLst>
+                  <a:ext uri="{0D108BD9-81ED-4DB2-BD59-A6C34878D82A}">
+                    <a16:rowId xmlns:a16="http://schemas.microsoft.com/office/drawing/2014/main" val="316365443"/>
+                  </a:ext>
+                </a:extLst>
+              </a:tr>
+              <a:tr h="0">
+                <a:tc>
+                  <a:txBody>
+                    <a:bodyPr/>
+                    <a:lstStyle/>
+                    <a:p>
+                      <a:r>
+                        <a:rPr lang="de-DE" sz="1150">
+                          <a:effectLst/>
+                        </a:rPr>
+                        <a:t>Kulturelle Kompetenz </a:t>
+                      </a:r>
+                      <a:endParaRPr lang="en-GB" sz="1200">
+                        <a:solidFill>
+                          <a:srgbClr val="000000"/>
+                        </a:solidFill>
+                        <a:effectLst/>
+                        <a:latin typeface="Times New Roman" panose="02020603050405020304" pitchFamily="18" charset="0"/>
+                        <a:ea typeface="Calibri" panose="020F0502020204030204" pitchFamily="34" charset="0"/>
+                        <a:cs typeface="Times New Roman" panose="02020603050405020304" pitchFamily="18" charset="0"/>
+                      </a:endParaRPr>
+                    </a:p>
+                  </a:txBody>
+                  <a:tcPr marL="68580" marR="68580" marT="0" marB="0"/>
+                </a:tc>
+                <a:tc>
+                  <a:txBody>
+                    <a:bodyPr/>
+                    <a:lstStyle/>
+                    <a:p>
+                      <a:pPr>
+                        <a:lnSpc>
+                          <a:spcPct val="107000"/>
+                        </a:lnSpc>
+                        <a:spcAft>
+                          <a:spcPts val="800"/>
+                        </a:spcAft>
+                      </a:pPr>
+                      <a:r>
+                        <a:rPr lang="de-DE" sz="1100">
+                          <a:effectLst/>
+                        </a:rPr>
+                        <a:t>Deutsch (möglich gering), Heimatkultur</a:t>
+                      </a:r>
+                      <a:endParaRPr lang="en-GB" sz="1100">
+                        <a:effectLst/>
+                        <a:latin typeface="Calibri" panose="020F0502020204030204" pitchFamily="34" charset="0"/>
+                        <a:ea typeface="Calibri" panose="020F0502020204030204" pitchFamily="34" charset="0"/>
+                        <a:cs typeface="Times New Roman" panose="02020603050405020304" pitchFamily="18" charset="0"/>
+                      </a:endParaRPr>
+                    </a:p>
+                  </a:txBody>
+                  <a:tcPr marL="68580" marR="68580" marT="0" marB="0"/>
+                </a:tc>
+                <a:extLst>
+                  <a:ext uri="{0D108BD9-81ED-4DB2-BD59-A6C34878D82A}">
+                    <a16:rowId xmlns:a16="http://schemas.microsoft.com/office/drawing/2014/main" val="1444910100"/>
+                  </a:ext>
+                </a:extLst>
+              </a:tr>
+              <a:tr h="0">
+                <a:tc>
+                  <a:txBody>
+                    <a:bodyPr/>
+                    <a:lstStyle/>
+                    <a:p>
+                      <a:r>
+                        <a:rPr lang="de-DE" sz="1150">
+                          <a:effectLst/>
+                        </a:rPr>
+                        <a:t>Computer Literacy </a:t>
+                      </a:r>
+                      <a:endParaRPr lang="en-GB" sz="1200">
+                        <a:solidFill>
+                          <a:srgbClr val="000000"/>
+                        </a:solidFill>
+                        <a:effectLst/>
+                        <a:latin typeface="Times New Roman" panose="02020603050405020304" pitchFamily="18" charset="0"/>
+                        <a:ea typeface="Calibri" panose="020F0502020204030204" pitchFamily="34" charset="0"/>
+                        <a:cs typeface="Times New Roman" panose="02020603050405020304" pitchFamily="18" charset="0"/>
+                      </a:endParaRPr>
+                    </a:p>
+                  </a:txBody>
+                  <a:tcPr marL="68580" marR="68580" marT="0" marB="0"/>
+                </a:tc>
+                <a:tc>
+                  <a:txBody>
+                    <a:bodyPr/>
+                    <a:lstStyle/>
+                    <a:p>
+                      <a:r>
+                        <a:rPr lang="de-DE" sz="1150">
+                          <a:effectLst/>
+                        </a:rPr>
+                        <a:t>Hoch</a:t>
+                      </a:r>
+                      <a:endParaRPr lang="en-GB" sz="1200">
+                        <a:solidFill>
+                          <a:srgbClr val="000000"/>
+                        </a:solidFill>
+                        <a:effectLst/>
+                        <a:latin typeface="Times New Roman" panose="02020603050405020304" pitchFamily="18" charset="0"/>
+                        <a:ea typeface="Calibri" panose="020F0502020204030204" pitchFamily="34" charset="0"/>
+                        <a:cs typeface="Times New Roman" panose="02020603050405020304" pitchFamily="18" charset="0"/>
+                      </a:endParaRPr>
+                    </a:p>
+                  </a:txBody>
+                  <a:tcPr marL="68580" marR="68580" marT="0" marB="0"/>
+                </a:tc>
+                <a:extLst>
+                  <a:ext uri="{0D108BD9-81ED-4DB2-BD59-A6C34878D82A}">
+                    <a16:rowId xmlns:a16="http://schemas.microsoft.com/office/drawing/2014/main" val="2442502021"/>
+                  </a:ext>
+                </a:extLst>
+              </a:tr>
+              <a:tr h="0">
+                <a:tc>
+                  <a:txBody>
+                    <a:bodyPr/>
+                    <a:lstStyle/>
+                    <a:p>
+                      <a:r>
+                        <a:rPr lang="de-DE" sz="1150">
+                          <a:effectLst/>
+                        </a:rPr>
+                        <a:t>Selbstständigkeit </a:t>
+                      </a:r>
+                      <a:endParaRPr lang="en-GB" sz="1200">
+                        <a:solidFill>
+                          <a:srgbClr val="000000"/>
+                        </a:solidFill>
+                        <a:effectLst/>
+                        <a:latin typeface="Times New Roman" panose="02020603050405020304" pitchFamily="18" charset="0"/>
+                        <a:ea typeface="Calibri" panose="020F0502020204030204" pitchFamily="34" charset="0"/>
+                        <a:cs typeface="Times New Roman" panose="02020603050405020304" pitchFamily="18" charset="0"/>
+                      </a:endParaRPr>
+                    </a:p>
+                  </a:txBody>
+                  <a:tcPr marL="68580" marR="68580" marT="0" marB="0"/>
+                </a:tc>
+                <a:tc>
+                  <a:txBody>
+                    <a:bodyPr/>
+                    <a:lstStyle/>
+                    <a:p>
+                      <a:r>
+                        <a:rPr lang="de-DE" sz="1150">
+                          <a:effectLst/>
+                        </a:rPr>
+                        <a:t>Mittel</a:t>
+                      </a:r>
+                      <a:endParaRPr lang="en-GB" sz="1200">
+                        <a:solidFill>
+                          <a:srgbClr val="000000"/>
+                        </a:solidFill>
+                        <a:effectLst/>
+                        <a:latin typeface="Times New Roman" panose="02020603050405020304" pitchFamily="18" charset="0"/>
+                        <a:ea typeface="Calibri" panose="020F0502020204030204" pitchFamily="34" charset="0"/>
+                        <a:cs typeface="Times New Roman" panose="02020603050405020304" pitchFamily="18" charset="0"/>
+                      </a:endParaRPr>
+                    </a:p>
+                  </a:txBody>
+                  <a:tcPr marL="68580" marR="68580" marT="0" marB="0"/>
+                </a:tc>
+                <a:extLst>
+                  <a:ext uri="{0D108BD9-81ED-4DB2-BD59-A6C34878D82A}">
+                    <a16:rowId xmlns:a16="http://schemas.microsoft.com/office/drawing/2014/main" val="1233608988"/>
+                  </a:ext>
+                </a:extLst>
+              </a:tr>
+              <a:tr h="0">
+                <a:tc>
+                  <a:txBody>
+                    <a:bodyPr/>
+                    <a:lstStyle/>
+                    <a:p>
+                      <a:r>
+                        <a:rPr lang="de-DE" sz="1150">
+                          <a:effectLst/>
+                        </a:rPr>
+                        <a:t>Erreichbarkeit </a:t>
+                      </a:r>
+                      <a:endParaRPr lang="en-GB" sz="1200">
+                        <a:solidFill>
+                          <a:srgbClr val="000000"/>
+                        </a:solidFill>
+                        <a:effectLst/>
+                        <a:latin typeface="Times New Roman" panose="02020603050405020304" pitchFamily="18" charset="0"/>
+                        <a:ea typeface="Calibri" panose="020F0502020204030204" pitchFamily="34" charset="0"/>
+                        <a:cs typeface="Times New Roman" panose="02020603050405020304" pitchFamily="18" charset="0"/>
+                      </a:endParaRPr>
+                    </a:p>
+                  </a:txBody>
+                  <a:tcPr marL="68580" marR="68580" marT="0" marB="0"/>
+                </a:tc>
+                <a:tc>
+                  <a:txBody>
+                    <a:bodyPr/>
+                    <a:lstStyle/>
+                    <a:p>
+                      <a:r>
+                        <a:rPr lang="de-DE" sz="1150">
+                          <a:effectLst/>
+                        </a:rPr>
+                        <a:t>Telefonisch</a:t>
+                      </a:r>
+                      <a:r>
+                        <a:rPr lang="de-DE" sz="1200">
+                          <a:effectLst/>
+                        </a:rPr>
+                        <a:t>, Email</a:t>
+                      </a:r>
+                      <a:endParaRPr lang="en-GB" sz="1200">
+                        <a:solidFill>
+                          <a:srgbClr val="000000"/>
+                        </a:solidFill>
+                        <a:effectLst/>
+                        <a:latin typeface="Times New Roman" panose="02020603050405020304" pitchFamily="18" charset="0"/>
+                        <a:ea typeface="Calibri" panose="020F0502020204030204" pitchFamily="34" charset="0"/>
+                        <a:cs typeface="Times New Roman" panose="02020603050405020304" pitchFamily="18" charset="0"/>
+                      </a:endParaRPr>
+                    </a:p>
+                  </a:txBody>
+                  <a:tcPr marL="68580" marR="68580" marT="0" marB="0"/>
+                </a:tc>
+                <a:extLst>
+                  <a:ext uri="{0D108BD9-81ED-4DB2-BD59-A6C34878D82A}">
+                    <a16:rowId xmlns:a16="http://schemas.microsoft.com/office/drawing/2014/main" val="1105770822"/>
+                  </a:ext>
+                </a:extLst>
+              </a:tr>
+              <a:tr h="0">
+                <a:tc>
+                  <a:txBody>
+                    <a:bodyPr/>
+                    <a:lstStyle/>
+                    <a:p>
+                      <a:r>
+                        <a:rPr lang="de-DE" sz="1150">
+                          <a:effectLst/>
+                        </a:rPr>
+                        <a:t>Technische Ausstattung </a:t>
+                      </a:r>
+                      <a:endParaRPr lang="en-GB" sz="1200">
+                        <a:solidFill>
+                          <a:srgbClr val="000000"/>
+                        </a:solidFill>
+                        <a:effectLst/>
+                        <a:latin typeface="Times New Roman" panose="02020603050405020304" pitchFamily="18" charset="0"/>
+                        <a:ea typeface="Calibri" panose="020F0502020204030204" pitchFamily="34" charset="0"/>
+                        <a:cs typeface="Times New Roman" panose="02020603050405020304" pitchFamily="18" charset="0"/>
+                      </a:endParaRPr>
+                    </a:p>
+                  </a:txBody>
+                  <a:tcPr marL="68580" marR="68580" marT="0" marB="0"/>
+                </a:tc>
+                <a:tc>
+                  <a:txBody>
+                    <a:bodyPr/>
+                    <a:lstStyle/>
+                    <a:p>
+                      <a:r>
+                        <a:rPr lang="de-DE" sz="1150">
+                          <a:effectLst/>
+                        </a:rPr>
+                        <a:t>Laptop, Handy, Tablet</a:t>
+                      </a:r>
+                      <a:endParaRPr lang="en-GB" sz="1200">
+                        <a:solidFill>
+                          <a:srgbClr val="000000"/>
+                        </a:solidFill>
+                        <a:effectLst/>
+                        <a:latin typeface="Times New Roman" panose="02020603050405020304" pitchFamily="18" charset="0"/>
+                        <a:ea typeface="Calibri" panose="020F0502020204030204" pitchFamily="34" charset="0"/>
+                        <a:cs typeface="Times New Roman" panose="02020603050405020304" pitchFamily="18" charset="0"/>
+                      </a:endParaRPr>
+                    </a:p>
+                  </a:txBody>
+                  <a:tcPr marL="68580" marR="68580" marT="0" marB="0"/>
+                </a:tc>
+                <a:extLst>
+                  <a:ext uri="{0D108BD9-81ED-4DB2-BD59-A6C34878D82A}">
+                    <a16:rowId xmlns:a16="http://schemas.microsoft.com/office/drawing/2014/main" val="2958329042"/>
+                  </a:ext>
+                </a:extLst>
+              </a:tr>
+              <a:tr h="0">
+                <a:tc>
+                  <a:txBody>
+                    <a:bodyPr/>
+                    <a:lstStyle/>
+                    <a:p>
+                      <a:r>
+                        <a:rPr lang="de-DE" sz="1150">
+                          <a:effectLst/>
+                        </a:rPr>
+                        <a:t>Wohnort</a:t>
+                      </a:r>
+                      <a:endParaRPr lang="en-GB" sz="1200">
+                        <a:solidFill>
+                          <a:srgbClr val="000000"/>
+                        </a:solidFill>
+                        <a:effectLst/>
+                        <a:latin typeface="Times New Roman" panose="02020603050405020304" pitchFamily="18" charset="0"/>
+                        <a:ea typeface="Calibri" panose="020F0502020204030204" pitchFamily="34" charset="0"/>
+                        <a:cs typeface="Times New Roman" panose="02020603050405020304" pitchFamily="18" charset="0"/>
+                      </a:endParaRPr>
+                    </a:p>
+                  </a:txBody>
+                  <a:tcPr marL="68580" marR="68580" marT="0" marB="0"/>
+                </a:tc>
+                <a:tc>
+                  <a:txBody>
+                    <a:bodyPr/>
+                    <a:lstStyle/>
+                    <a:p>
+                      <a:r>
+                        <a:rPr lang="de-DE" sz="1150" dirty="0">
+                          <a:effectLst/>
+                        </a:rPr>
+                        <a:t>Kleinstadt</a:t>
+                      </a:r>
+                      <a:endParaRPr lang="en-GB" sz="1200" dirty="0">
+                        <a:solidFill>
+                          <a:srgbClr val="000000"/>
+                        </a:solidFill>
+                        <a:effectLst/>
+                        <a:latin typeface="Times New Roman" panose="02020603050405020304" pitchFamily="18" charset="0"/>
+                        <a:ea typeface="Calibri" panose="020F0502020204030204" pitchFamily="34" charset="0"/>
+                        <a:cs typeface="Times New Roman" panose="02020603050405020304" pitchFamily="18" charset="0"/>
+                      </a:endParaRPr>
+                    </a:p>
+                  </a:txBody>
+                  <a:tcPr marL="68580" marR="68580" marT="0" marB="0"/>
+                </a:tc>
+                <a:extLst>
+                  <a:ext uri="{0D108BD9-81ED-4DB2-BD59-A6C34878D82A}">
+                    <a16:rowId xmlns:a16="http://schemas.microsoft.com/office/drawing/2014/main" val="2091367770"/>
+                  </a:ext>
+                </a:extLst>
+              </a:tr>
+            </a:tbl>
+          </a:graphicData>
+        </a:graphic>
+      </p:graphicFrame>
     </p:spTree>
     <p:extLst>
       <p:ext uri="{BB962C8B-B14F-4D97-AF65-F5344CB8AC3E}">

--- a/Audits/EPWS2223HausenKochZimmer Audit 3.pptx
+++ b/Audits/EPWS2223HausenKochZimmer Audit 3.pptx
@@ -1098,11 +1098,20 @@
             </a:br>
             <a:r>
               <a:rPr lang="de-DE" dirty="0"/>
-              <a:t>Personas: https://github.com/sebastiankoch10/EPWS2223HausenKochZimmer/blob/639b4999fcf3b82715c466e36d7729fe9b0d42e7/Modellierungen/Personas</a:t>
+              <a:t>Personas: https://github.com/sebastiankoch10/EPWS2223HausenKochZimmer/blob/639b4999fcf3b82715c466e36d7729fe9b0d42e7/Modellierungen/Personas.docx</a:t>
+            </a:r>
+          </a:p>
+          <a:p>
+            <a:endParaRPr lang="de-DE" dirty="0"/>
+          </a:p>
+          <a:p>
+            <a:r>
+              <a:rPr lang="de-DE" dirty="0"/>
+              <a:t>Der Einfluss dieser Iteration war bisher </a:t>
             </a:r>
             <a:r>
               <a:rPr lang="de-DE"/>
-              <a:t>.docx</a:t>
+              <a:t>recht gering, da noch keine UI Modellierungen angefertigt wurden und somit die User Profiles und Personas nur bei der Modellierung der Use Cases zum Vorschein kamen.</a:t>
             </a:r>
             <a:endParaRPr lang="de-DE" dirty="0"/>
           </a:p>

--- a/Audits/EPWS2223HausenKochZimmer Audit 3.pptx
+++ b/Audits/EPWS2223HausenKochZimmer Audit 3.pptx
@@ -5,23 +5,22 @@
     <p:sldMasterId id="2147483773" r:id="rId1"/>
   </p:sldMasterIdLst>
   <p:notesMasterIdLst>
-    <p:notesMasterId r:id="rId13"/>
+    <p:notesMasterId r:id="rId12"/>
   </p:notesMasterIdLst>
   <p:handoutMasterIdLst>
-    <p:handoutMasterId r:id="rId14"/>
+    <p:handoutMasterId r:id="rId13"/>
   </p:handoutMasterIdLst>
   <p:sldIdLst>
     <p:sldId id="256" r:id="rId2"/>
-    <p:sldId id="257" r:id="rId3"/>
-    <p:sldId id="260" r:id="rId4"/>
-    <p:sldId id="259" r:id="rId5"/>
-    <p:sldId id="263" r:id="rId6"/>
-    <p:sldId id="261" r:id="rId7"/>
-    <p:sldId id="258" r:id="rId8"/>
-    <p:sldId id="266" r:id="rId9"/>
-    <p:sldId id="262" r:id="rId10"/>
-    <p:sldId id="264" r:id="rId11"/>
-    <p:sldId id="265" r:id="rId12"/>
+    <p:sldId id="260" r:id="rId3"/>
+    <p:sldId id="259" r:id="rId4"/>
+    <p:sldId id="263" r:id="rId5"/>
+    <p:sldId id="261" r:id="rId6"/>
+    <p:sldId id="258" r:id="rId7"/>
+    <p:sldId id="266" r:id="rId8"/>
+    <p:sldId id="262" r:id="rId9"/>
+    <p:sldId id="264" r:id="rId10"/>
+    <p:sldId id="265" r:id="rId11"/>
   </p:sldIdLst>
   <p:sldSz cx="12192000" cy="6858000"/>
   <p:notesSz cx="6858000" cy="9144000"/>
@@ -126,7 +125,6 @@
         <p14:section name="Standardabschnitt" id="{0070D9DC-73F2-4DCF-94B6-041EE09F1254}">
           <p14:sldIdLst>
             <p14:sldId id="256"/>
-            <p14:sldId id="257"/>
             <p14:sldId id="260"/>
             <p14:sldId id="259"/>
             <p14:sldId id="263"/>
@@ -319,7 +317,7 @@
           <a:p>
             <a:fld id="{B1A8D19F-5BC0-4963-93A8-6F89220E9886}" type="slidenum">
               <a:rPr lang="de-DE" smtClean="0"/>
-              <a:t>‹#›</a:t>
+              <a:t>‹Nr.›</a:t>
             </a:fld>
             <a:endParaRPr lang="de-DE"/>
           </a:p>
@@ -577,7 +575,7 @@
           <a:p>
             <a:fld id="{28D422E8-2025-4E88-B448-A26268B25EC5}" type="slidenum">
               <a:rPr lang="de-DE" smtClean="0"/>
-              <a:t>‹#›</a:t>
+              <a:t>‹Nr.›</a:t>
             </a:fld>
             <a:endParaRPr lang="de-DE"/>
           </a:p>
@@ -815,20 +813,7 @@
           <a:bodyPr/>
           <a:lstStyle/>
           <a:p>
-            <a:r>
-              <a:rPr lang="de-DE" dirty="0"/>
-              <a:t>Im ersten Prototypen wurde versucht die Kernfunktionalitäten des Systems umzusetzen, der Upload von Bildern sowie damit einhergehende Pub/Sub Funktionalität. Die Grundlage für die Lösungsansätze wurden durch die PoCs, die Use Case Spezifikation sowie das Klassendiagramm gegeben. Hier ist anzumerken, dass eine detailliertere Interaktionsmodellierung die Arbeit hätte erleichtern können. Der Login erfolgt nach dem im dazugehörigen PoC getestetem Prinzip. Der damit eingeloggte User wird bis zum Logout zum currentUser. Daraufhin wird eine Liste aller Stadtobjekte geladen und anhand der Heimatstadt des Users die currentStadt gesetzt. Dem User werden daraufhin 4 Buttons angeboten (Upload, Aufruf, Sub/Unsub, Logout). Beim Upload sowie beim Aufruf eines Bildes wird aktuell noch ein hardcoded Bild verwendet. Beim Upload wird der Filepath zu diesem Bild fest verwendet und der Aufruf greift stets auf das erste Bild in der Bilderliste der Stadt zu. Dies gilt es in der weiteren Entwicklung so zu erweitern, dass ein beliebiges Bild hochgeladen und aufgerufen werden kann. Die Pub/Sub Funktionalität ist dahingegen im Grunde vollständig implementiert. Zu bedenken wäre nur ob die Verwaltung der eingegangenen Benachrichtigungen noch zu erweitern ist.</a:t>
-            </a:r>
-            <a:br>
-              <a:rPr lang="de-DE" dirty="0"/>
-            </a:br>
-            <a:br>
-              <a:rPr lang="de-DE" dirty="0"/>
-            </a:br>
-            <a:r>
-              <a:rPr lang="de-DE" dirty="0"/>
-              <a:t>Ein wichtiger Punkt bei diesem Prototypen ist, dass die Datenverwaltung auschlieslich über JSON erfolgt. So werden (1) die Bildaten zu einem String enkodiert, (2) diese in einem Bildobjekt gespeichert, (3) was Teil eines Stadtobjekts ist, (4) welches Teil einer Liste aus Stadtobjekten ist, (5) die wiederrum zum einem JSON-String enkodiert wird und (6) dieser String wird in eine entsprechende Datei geschrieben. Diese Datei, diese Liste wird zum Beginn der Activity geladen. Dies bedeutet, dass der komplette Inhalt der Datenhaltung in den Speicher geladen wird. Ab einer bestimmten Größe ist dies nicht mehr angemessen. Dieser Problematik sind wir uns bewusst aber wegen des Umfangs unseres Prototypen wird dieser Zustand in Kauf genommen. Die Alternative wäre ein Datenbanksystem einzubinden, darauf wurde aus Zeitgründen verzichtet.</a:t>
-            </a:r>
+            <a:endParaRPr lang="de-DE" dirty="0"/>
           </a:p>
         </p:txBody>
       </p:sp>
@@ -850,90 +835,6 @@
             <a:fld id="{28D422E8-2025-4E88-B448-A26268B25EC5}" type="slidenum">
               <a:rPr lang="de-DE" smtClean="0"/>
               <a:t>10</a:t>
-            </a:fld>
-            <a:endParaRPr lang="de-DE"/>
-          </a:p>
-        </p:txBody>
-      </p:sp>
-    </p:spTree>
-    <p:extLst>
-      <p:ext uri="{BB962C8B-B14F-4D97-AF65-F5344CB8AC3E}">
-        <p14:creationId xmlns:p14="http://schemas.microsoft.com/office/powerpoint/2010/main" val="109453928"/>
-      </p:ext>
-    </p:extLst>
-  </p:cSld>
-  <p:clrMapOvr>
-    <a:masterClrMapping/>
-  </p:clrMapOvr>
-</p:notes>
-</file>
-
-<file path=ppt/notesSlides/notesSlide11.xml><?xml version="1.0" encoding="utf-8"?>
-<p:notes xmlns:a="http://schemas.openxmlformats.org/drawingml/2006/main" xmlns:r="http://schemas.openxmlformats.org/officeDocument/2006/relationships" xmlns:p="http://schemas.openxmlformats.org/presentationml/2006/main">
-  <p:cSld>
-    <p:spTree>
-      <p:nvGrpSpPr>
-        <p:cNvPr id="1" name=""/>
-        <p:cNvGrpSpPr/>
-        <p:nvPr/>
-      </p:nvGrpSpPr>
-      <p:grpSpPr>
-        <a:xfrm>
-          <a:off x="0" y="0"/>
-          <a:ext cx="0" cy="0"/>
-          <a:chOff x="0" y="0"/>
-          <a:chExt cx="0" cy="0"/>
-        </a:xfrm>
-      </p:grpSpPr>
-      <p:sp>
-        <p:nvSpPr>
-          <p:cNvPr id="2" name="Folienbildplatzhalter 1"/>
-          <p:cNvSpPr>
-            <a:spLocks noGrp="1" noRot="1" noChangeAspect="1"/>
-          </p:cNvSpPr>
-          <p:nvPr>
-            <p:ph type="sldImg"/>
-          </p:nvPr>
-        </p:nvSpPr>
-        <p:spPr/>
-      </p:sp>
-      <p:sp>
-        <p:nvSpPr>
-          <p:cNvPr id="3" name="Notizenplatzhalter 2"/>
-          <p:cNvSpPr>
-            <a:spLocks noGrp="1"/>
-          </p:cNvSpPr>
-          <p:nvPr>
-            <p:ph type="body" idx="1"/>
-          </p:nvPr>
-        </p:nvSpPr>
-        <p:spPr/>
-        <p:txBody>
-          <a:bodyPr/>
-          <a:lstStyle/>
-          <a:p>
-            <a:endParaRPr lang="de-DE" dirty="0"/>
-          </a:p>
-        </p:txBody>
-      </p:sp>
-      <p:sp>
-        <p:nvSpPr>
-          <p:cNvPr id="4" name="Foliennummernplatzhalter 3"/>
-          <p:cNvSpPr>
-            <a:spLocks noGrp="1"/>
-          </p:cNvSpPr>
-          <p:nvPr>
-            <p:ph type="sldNum" sz="quarter" idx="5"/>
-          </p:nvPr>
-        </p:nvSpPr>
-        <p:spPr/>
-        <p:txBody>
-          <a:bodyPr/>
-          <a:lstStyle/>
-          <a:p>
-            <a:fld id="{28D422E8-2025-4E88-B448-A26268B25EC5}" type="slidenum">
-              <a:rPr lang="de-DE" smtClean="0"/>
-              <a:t>11</a:t>
             </a:fld>
             <a:endParaRPr lang="de-DE"/>
           </a:p>
@@ -996,8 +897,44 @@
           <a:bodyPr/>
           <a:lstStyle/>
           <a:p>
+            <a:r>
+              <a:rPr lang="de-DE" dirty="0"/>
+              <a:t>Ausgewählte Profiles aus: https://github.com/sebastiankoch10/EPWS2223HausenKochZimmer/blob/639b4999fcf3b82715c466e36d7729fe9b0d42e7/Modellierungen/User%20Profiles.docx</a:t>
+            </a:r>
+          </a:p>
+          <a:p>
             <a:endParaRPr lang="de-DE" dirty="0"/>
           </a:p>
+          <a:p>
+            <a:r>
+              <a:rPr lang="de-DE" dirty="0"/>
+              <a:t>Anhand von Feedback zu den User Profiles aus dem letzten Audit wurden diese mit weiteren Profilen angereichert. Die damit definierte Zielgruppe war sehr eng bezüglich der inludierten Stakeholder und in Teilen schlecht definiert, so war beim Alter nur von „Senioren“ und „Durchschnitt“ die Rede anstatt klare Jahresangaben zu benutzen. Vor allen Dingen wurden jüngere Menschen nicht mit in das System einbezogen. Es ergaben sich daraus nur sehr begrenzte Use Szenarien. Die hier vorgestellten Profile sind Beispielhaft für die erfolgte Erweiterung. Anhand dieser beiden wurden zudem auch noch neue Personas erstellt.</a:t>
+            </a:r>
+            <a:br>
+              <a:rPr lang="de-DE" dirty="0"/>
+            </a:br>
+            <a:r>
+              <a:rPr lang="de-DE" dirty="0"/>
+              <a:t>Personas: https://github.com/sebastiankoch10/EPWS2223HausenKochZimmer/blob/639b4999fcf3b82715c466e36d7729fe9b0d42e7/Modellierungen/Personas.docx</a:t>
+            </a:r>
+          </a:p>
+          <a:p>
+            <a:endParaRPr lang="de-DE" dirty="0"/>
+          </a:p>
+          <a:p>
+            <a:r>
+              <a:rPr lang="de-DE" dirty="0"/>
+              <a:t>Der Einfluss dieser Iteration war bisher recht gering, da noch keine UI Modellierungen angefertigt wurden und somit die User </a:t>
+            </a:r>
+            <a:r>
+              <a:rPr lang="de-DE" dirty="0" err="1"/>
+              <a:t>Profiles</a:t>
+            </a:r>
+            <a:r>
+              <a:rPr lang="de-DE" dirty="0"/>
+              <a:t> und Personas nur bei der Modellierung der Use Cases zum Vorschein kamen.</a:t>
+            </a:r>
+          </a:p>
         </p:txBody>
       </p:sp>
       <p:sp>
@@ -1007,7 +944,7 @@
             <a:spLocks noGrp="1"/>
           </p:cNvSpPr>
           <p:nvPr>
-            <p:ph type="sldNum" sz="quarter" idx="10"/>
+            <p:ph type="sldNum" sz="quarter" idx="5"/>
           </p:nvPr>
         </p:nvSpPr>
         <p:spPr/>
@@ -1026,7 +963,7 @@
     </p:spTree>
     <p:extLst>
       <p:ext uri="{BB962C8B-B14F-4D97-AF65-F5344CB8AC3E}">
-        <p14:creationId xmlns:p14="http://schemas.microsoft.com/office/powerpoint/2010/main" val="3796952354"/>
+        <p14:creationId xmlns:p14="http://schemas.microsoft.com/office/powerpoint/2010/main" val="3745376474"/>
       </p:ext>
     </p:extLst>
   </p:cSld>
@@ -1080,39 +1017,6 @@
           <a:bodyPr/>
           <a:lstStyle/>
           <a:p>
-            <a:r>
-              <a:rPr lang="de-DE" dirty="0"/>
-              <a:t>Ausgewählte Profiles aus: https://github.com/sebastiankoch10/EPWS2223HausenKochZimmer/blob/639b4999fcf3b82715c466e36d7729fe9b0d42e7/Modellierungen/User%20Profiles.docx</a:t>
-            </a:r>
-          </a:p>
-          <a:p>
-            <a:endParaRPr lang="de-DE" dirty="0"/>
-          </a:p>
-          <a:p>
-            <a:r>
-              <a:rPr lang="de-DE" dirty="0"/>
-              <a:t>Anhand von Feedback zu den User Profiles aus dem letzten Audit wurden diese mit weiteren Profilen angereichert. Die damit definierte Zielgruppe war sehr eng bezüglich der inludierten Stakeholder und in Teilen schlecht definiert, so war beim Alter nur von „Senioren“ und „Durchschnitt“ die Rede anstatt klare Jahresangaben zu benutzen. Vor allen Dingen wurden jüngere Menschen nicht mit in das System einbezogen. Es ergaben sich daraus nur sehr begrenzte Use Szenarien. Die hier vorgestellten Profile sind Beispielhaft für die erfolgte Erweiterung. Anhand dieser beiden wurden zudem auch noch neue Personas erstellt.</a:t>
-            </a:r>
-            <a:br>
-              <a:rPr lang="de-DE" dirty="0"/>
-            </a:br>
-            <a:r>
-              <a:rPr lang="de-DE" dirty="0"/>
-              <a:t>Personas: https://github.com/sebastiankoch10/EPWS2223HausenKochZimmer/blob/639b4999fcf3b82715c466e36d7729fe9b0d42e7/Modellierungen/Personas.docx</a:t>
-            </a:r>
-          </a:p>
-          <a:p>
-            <a:endParaRPr lang="de-DE" dirty="0"/>
-          </a:p>
-          <a:p>
-            <a:r>
-              <a:rPr lang="de-DE" dirty="0"/>
-              <a:t>Der Einfluss dieser Iteration war bisher </a:t>
-            </a:r>
-            <a:r>
-              <a:rPr lang="de-DE"/>
-              <a:t>recht gering, da noch keine UI Modellierungen angefertigt wurden und somit die User Profiles und Personas nur bei der Modellierung der Use Cases zum Vorschein kamen.</a:t>
-            </a:r>
             <a:endParaRPr lang="de-DE" dirty="0"/>
           </a:p>
         </p:txBody>
@@ -1143,7 +1047,7 @@
     </p:spTree>
     <p:extLst>
       <p:ext uri="{BB962C8B-B14F-4D97-AF65-F5344CB8AC3E}">
-        <p14:creationId xmlns:p14="http://schemas.microsoft.com/office/powerpoint/2010/main" val="3745376474"/>
+        <p14:creationId xmlns:p14="http://schemas.microsoft.com/office/powerpoint/2010/main" val="1653405182"/>
       </p:ext>
     </p:extLst>
   </p:cSld>
@@ -1227,7 +1131,7 @@
     </p:spTree>
     <p:extLst>
       <p:ext uri="{BB962C8B-B14F-4D97-AF65-F5344CB8AC3E}">
-        <p14:creationId xmlns:p14="http://schemas.microsoft.com/office/powerpoint/2010/main" val="1653405182"/>
+        <p14:creationId xmlns:p14="http://schemas.microsoft.com/office/powerpoint/2010/main" val="2616213806"/>
       </p:ext>
     </p:extLst>
   </p:cSld>
@@ -1281,7 +1185,160 @@
           <a:bodyPr/>
           <a:lstStyle/>
           <a:p>
-            <a:endParaRPr lang="de-DE" dirty="0"/>
+            <a:r>
+              <a:rPr lang="de-DE" dirty="0"/>
+              <a:t>Upload eines Bildes</a:t>
+            </a:r>
+          </a:p>
+          <a:p>
+            <a:r>
+              <a:rPr lang="de-DE" dirty="0"/>
+              <a:t>Ablauf: Beim diesem POC ist geplant, dass er neben der Verarbeitung der gängigen </a:t>
+            </a:r>
+            <a:r>
+              <a:rPr lang="de-DE" dirty="0" err="1"/>
+              <a:t>Bildatei</a:t>
+            </a:r>
+            <a:r>
+              <a:rPr lang="de-DE" dirty="0"/>
+              <a:t> ebenso einige der für das System relevanten Metadaten der digitalisierten </a:t>
+            </a:r>
+            <a:r>
+              <a:rPr lang="de-DE" dirty="0" err="1"/>
+              <a:t>Bildatei</a:t>
+            </a:r>
+            <a:r>
+              <a:rPr lang="de-DE" dirty="0"/>
+              <a:t> verarbeitet. Als gängige </a:t>
+            </a:r>
+            <a:r>
+              <a:rPr lang="de-DE" dirty="0" err="1"/>
+              <a:t>Bildateien</a:t>
+            </a:r>
+            <a:r>
+              <a:rPr lang="de-DE" dirty="0"/>
+              <a:t> sind uns </a:t>
+            </a:r>
+            <a:r>
+              <a:rPr lang="de-DE" dirty="0" err="1"/>
+              <a:t>png</a:t>
+            </a:r>
+            <a:r>
+              <a:rPr lang="de-DE" dirty="0"/>
+              <a:t>, </a:t>
+            </a:r>
+            <a:r>
+              <a:rPr lang="de-DE" dirty="0" err="1"/>
+              <a:t>jpeg</a:t>
+            </a:r>
+            <a:r>
+              <a:rPr lang="de-DE" dirty="0"/>
+              <a:t> sowie </a:t>
+            </a:r>
+            <a:r>
+              <a:rPr lang="de-DE" dirty="0" err="1"/>
+              <a:t>webp</a:t>
+            </a:r>
+            <a:r>
+              <a:rPr lang="de-DE" dirty="0"/>
+              <a:t> geläufig und bei Recherchen zu Bildverarbeitung durch </a:t>
+            </a:r>
+            <a:r>
+              <a:rPr lang="de-DE" dirty="0" err="1"/>
+              <a:t>Kotlin</a:t>
+            </a:r>
+            <a:r>
+              <a:rPr lang="de-DE" dirty="0"/>
+              <a:t>, haben wir diese Formate als </a:t>
+            </a:r>
+            <a:r>
+              <a:rPr lang="de-DE" dirty="0" err="1"/>
+              <a:t>standart</a:t>
+            </a:r>
+            <a:r>
+              <a:rPr lang="de-DE" dirty="0"/>
+              <a:t> verarbeitbare Formate Identifiziert. Als relevante Metadaten haben wir die Auflösung, Bildformat, Uploader identifiziert, diese dienen vor allem zur Qualitätskontrolle, zum Verarbeiten und zum Zuordnen.</a:t>
+            </a:r>
+          </a:p>
+          <a:p>
+            <a:r>
+              <a:rPr lang="de-DE" dirty="0"/>
+              <a:t>Exit-Kriterien, Fail- Kriterien: Ergeben sich aus dem Ablauf des POCs</a:t>
+            </a:r>
+          </a:p>
+          <a:p>
+            <a:r>
+              <a:rPr lang="de-DE" dirty="0" err="1"/>
+              <a:t>Fallback</a:t>
+            </a:r>
+            <a:r>
+              <a:rPr lang="de-DE" dirty="0"/>
+              <a:t>: Der </a:t>
+            </a:r>
+            <a:r>
+              <a:rPr lang="de-DE" dirty="0" err="1"/>
+              <a:t>Fallback</a:t>
+            </a:r>
+            <a:r>
+              <a:rPr lang="de-DE" dirty="0"/>
+              <a:t> des </a:t>
+            </a:r>
+            <a:r>
+              <a:rPr lang="de-DE" dirty="0" err="1"/>
+              <a:t>Bilderuplads</a:t>
+            </a:r>
+            <a:r>
+              <a:rPr lang="de-DE" dirty="0"/>
+              <a:t> per Fehlermeldung soll es ermöglichen das der User immer sein Upload aus seiner Sicht erledigen kann oder wenn nötig weiß das er dies z.B. später ohne Probleme erledigen kann. Das System kann bei Störungen nicht auf alternative Funktionalitäten zurückgreifen, da der Upload als Kernfunktionalität nicht angemessen genug ersetzt werden könnte.</a:t>
+            </a:r>
+          </a:p>
+          <a:p>
+            <a:r>
+              <a:rPr lang="de-DE" dirty="0"/>
+              <a:t>Ein Fehler beim verarbeiten der Metadaten der Bilder darf den wesentlich wichtigeren Ablauf des POC nicht stören, da diese wenn nötig auch zu einem späteren Zeitpunkt ergänzt werden können.</a:t>
+            </a:r>
+          </a:p>
+          <a:p>
+            <a:r>
+              <a:rPr lang="de-DE" dirty="0"/>
+              <a:t>Die Begrenzung der </a:t>
+            </a:r>
+            <a:r>
+              <a:rPr lang="de-DE" dirty="0" err="1"/>
+              <a:t>Uploadbaren</a:t>
+            </a:r>
+            <a:r>
+              <a:rPr lang="de-DE" dirty="0"/>
+              <a:t> </a:t>
+            </a:r>
+            <a:r>
+              <a:rPr lang="de-DE" dirty="0" err="1"/>
+              <a:t>Bilformate</a:t>
+            </a:r>
+            <a:r>
+              <a:rPr lang="de-DE" dirty="0"/>
+              <a:t> auf z.B. nur </a:t>
+            </a:r>
+            <a:r>
+              <a:rPr lang="de-DE" dirty="0" err="1"/>
+              <a:t>jpq</a:t>
+            </a:r>
+            <a:r>
+              <a:rPr lang="de-DE" dirty="0"/>
+              <a:t> ist eine Option um die Funktionalität zusichern, würde aber auch die User Experimente negativ einfließen.</a:t>
+            </a:r>
+          </a:p>
+          <a:p>
+            <a:r>
+              <a:rPr lang="de-DE" dirty="0"/>
+              <a:t>Aufruf eines gespeicherten Bildes</a:t>
+            </a:r>
+          </a:p>
+          <a:p>
+            <a:r>
+              <a:rPr lang="de-DE" dirty="0"/>
+              <a:t>Bei diesem POC soll sichergestellt werden das die User des User-Contents eine entsprechende Anzeige erhalten, um eine Irritation zu verhindern. </a:t>
+            </a:r>
           </a:p>
         </p:txBody>
       </p:sp>
@@ -1311,7 +1368,7 @@
     </p:spTree>
     <p:extLst>
       <p:ext uri="{BB962C8B-B14F-4D97-AF65-F5344CB8AC3E}">
-        <p14:creationId xmlns:p14="http://schemas.microsoft.com/office/powerpoint/2010/main" val="2616213806"/>
+        <p14:creationId xmlns:p14="http://schemas.microsoft.com/office/powerpoint/2010/main" val="2618932596"/>
       </p:ext>
     </p:extLst>
   </p:cSld>
@@ -1365,160 +1422,97 @@
           <a:bodyPr/>
           <a:lstStyle/>
           <a:p>
-            <a:r>
-              <a:rPr lang="de-DE" dirty="0"/>
-              <a:t>Upload eines Bildes</a:t>
-            </a:r>
-          </a:p>
-          <a:p>
-            <a:r>
-              <a:rPr lang="de-DE" dirty="0"/>
-              <a:t>Ablauf: Beim diesem POC ist geplant, dass er neben der Verarbeitung der gängigen </a:t>
-            </a:r>
-            <a:r>
-              <a:rPr lang="de-DE" dirty="0" err="1"/>
-              <a:t>Bildatei</a:t>
-            </a:r>
-            <a:r>
-              <a:rPr lang="de-DE" dirty="0"/>
-              <a:t> ebenso einige der für das System relevanten Metadaten der digitalisierten </a:t>
-            </a:r>
-            <a:r>
-              <a:rPr lang="de-DE" dirty="0" err="1"/>
-              <a:t>Bildatei</a:t>
-            </a:r>
-            <a:r>
-              <a:rPr lang="de-DE" dirty="0"/>
-              <a:t> verarbeitet. Als gängige </a:t>
-            </a:r>
-            <a:r>
-              <a:rPr lang="de-DE" dirty="0" err="1"/>
-              <a:t>Bildateien</a:t>
-            </a:r>
-            <a:r>
-              <a:rPr lang="de-DE" dirty="0"/>
-              <a:t> sind uns </a:t>
-            </a:r>
-            <a:r>
-              <a:rPr lang="de-DE" dirty="0" err="1"/>
-              <a:t>png</a:t>
-            </a:r>
-            <a:r>
-              <a:rPr lang="de-DE" dirty="0"/>
-              <a:t>, </a:t>
-            </a:r>
-            <a:r>
-              <a:rPr lang="de-DE" dirty="0" err="1"/>
-              <a:t>jpeg</a:t>
-            </a:r>
-            <a:r>
-              <a:rPr lang="de-DE" dirty="0"/>
-              <a:t> sowie </a:t>
-            </a:r>
-            <a:r>
-              <a:rPr lang="de-DE" dirty="0" err="1"/>
-              <a:t>webp</a:t>
-            </a:r>
-            <a:r>
-              <a:rPr lang="de-DE" dirty="0"/>
-              <a:t> geläufig und bei Recherchen zu Bildverarbeitung durch </a:t>
-            </a:r>
-            <a:r>
-              <a:rPr lang="de-DE" dirty="0" err="1"/>
-              <a:t>Kotlin</a:t>
-            </a:r>
-            <a:r>
-              <a:rPr lang="de-DE" dirty="0"/>
-              <a:t>, haben wir diese Formate als </a:t>
-            </a:r>
-            <a:r>
-              <a:rPr lang="de-DE" dirty="0" err="1"/>
-              <a:t>standart</a:t>
-            </a:r>
-            <a:r>
-              <a:rPr lang="de-DE" dirty="0"/>
-              <a:t> verarbeitbare Formate Identifiziert. Als relevante Metadaten haben wir die Auflösung, Bildformat, Uploader identifiziert, diese dienen vor allem zur Qualitätskontrolle, zum Verarbeiten und zum Zuordnen.</a:t>
-            </a:r>
-          </a:p>
-          <a:p>
-            <a:r>
-              <a:rPr lang="de-DE" dirty="0"/>
-              <a:t>Exit-Kriterien, Fail- Kriterien: Ergeben sich aus dem Ablauf des POCs</a:t>
-            </a:r>
-          </a:p>
-          <a:p>
-            <a:r>
-              <a:rPr lang="de-DE" dirty="0" err="1"/>
-              <a:t>Fallback</a:t>
-            </a:r>
-            <a:r>
-              <a:rPr lang="de-DE" dirty="0"/>
-              <a:t>: Der </a:t>
-            </a:r>
-            <a:r>
-              <a:rPr lang="de-DE" dirty="0" err="1"/>
-              <a:t>Fallback</a:t>
-            </a:r>
-            <a:r>
-              <a:rPr lang="de-DE" dirty="0"/>
-              <a:t> des </a:t>
-            </a:r>
-            <a:r>
-              <a:rPr lang="de-DE" dirty="0" err="1"/>
-              <a:t>Bilderuplads</a:t>
-            </a:r>
-            <a:r>
-              <a:rPr lang="de-DE" dirty="0"/>
-              <a:t> per Fehlermeldung soll es ermöglichen das der User immer sein Upload aus seiner Sicht erledigen kann oder wenn nötig weiß das er dies z.B. später ohne Probleme erledigen kann. Das System kann bei Störungen nicht auf alternative Funktionalitäten zurückgreifen, da der Upload als Kernfunktionalität nicht angemessen genug ersetzt werden könnte.</a:t>
-            </a:r>
-          </a:p>
-          <a:p>
-            <a:r>
-              <a:rPr lang="de-DE" dirty="0"/>
-              <a:t>Ein Fehler beim verarbeiten der Metadaten der Bilder darf den wesentlich wichtigeren Ablauf des POC nicht stören, da diese wenn nötig auch zu einem späteren Zeitpunkt ergänzt werden können.</a:t>
-            </a:r>
-          </a:p>
-          <a:p>
-            <a:r>
-              <a:rPr lang="de-DE" dirty="0"/>
-              <a:t>Die Begrenzung der </a:t>
-            </a:r>
-            <a:r>
-              <a:rPr lang="de-DE" dirty="0" err="1"/>
-              <a:t>Uploadbaren</a:t>
-            </a:r>
-            <a:r>
-              <a:rPr lang="de-DE" dirty="0"/>
-              <a:t> </a:t>
-            </a:r>
-            <a:r>
-              <a:rPr lang="de-DE" dirty="0" err="1"/>
-              <a:t>Bilformate</a:t>
-            </a:r>
-            <a:r>
-              <a:rPr lang="de-DE" dirty="0"/>
-              <a:t> auf z.B. nur </a:t>
-            </a:r>
-            <a:r>
-              <a:rPr lang="de-DE" dirty="0" err="1"/>
-              <a:t>jpq</a:t>
-            </a:r>
-            <a:r>
-              <a:rPr lang="de-DE" dirty="0"/>
-              <a:t> ist eine Option um die Funktionalität zusichern, würde aber auch die User Experimente negativ einfließen.</a:t>
-            </a:r>
-          </a:p>
-          <a:p>
-            <a:r>
-              <a:rPr lang="de-DE" dirty="0"/>
-              <a:t>Aufruf eines gespeicherten Bildes</a:t>
-            </a:r>
-          </a:p>
-          <a:p>
-            <a:r>
-              <a:rPr lang="de-DE" dirty="0"/>
-              <a:t>Bei diesem POC soll sichergestellt werden das die User des User-Contents eine entsprechende Anzeige erhalten, um eine Irritation zu verhindern. </a:t>
-            </a:r>
+            <a:pPr marL="0" marR="0" lvl="0" indent="0" algn="l" defTabSz="914400" rtl="0" eaLnBrk="1" fontAlgn="auto" latinLnBrk="0" hangingPunct="1">
+              <a:lnSpc>
+                <a:spcPct val="100000"/>
+              </a:lnSpc>
+              <a:spcBef>
+                <a:spcPts val="0"/>
+              </a:spcBef>
+              <a:spcAft>
+                <a:spcPts val="0"/>
+              </a:spcAft>
+              <a:buClrTx/>
+              <a:buSzTx/>
+              <a:buFontTx/>
+              <a:buNone/>
+              <a:tabLst/>
+              <a:defRPr/>
+            </a:pPr>
+            <a:r>
+              <a:rPr lang="de-DE" b="0" i="0" dirty="0">
+                <a:solidFill>
+                  <a:srgbClr val="374151"/>
+                </a:solidFill>
+                <a:effectLst/>
+                <a:latin typeface="Söhne"/>
+              </a:rPr>
+              <a:t>Dieser Code implementiert eine Pub/Sub-Funktionalität für eine Android-App. Es gibt zwei Schaltflächen in der Benutzeroberfläche, eine zum Abonnieren (</a:t>
+            </a:r>
+            <a:r>
+              <a:rPr lang="de-DE" b="0" i="0" dirty="0" err="1">
+                <a:solidFill>
+                  <a:srgbClr val="374151"/>
+                </a:solidFill>
+                <a:effectLst/>
+                <a:latin typeface="Söhne"/>
+              </a:rPr>
+              <a:t>subscribe</a:t>
+            </a:r>
+            <a:r>
+              <a:rPr lang="de-DE" b="0" i="0" dirty="0">
+                <a:solidFill>
+                  <a:srgbClr val="374151"/>
+                </a:solidFill>
+                <a:effectLst/>
+                <a:latin typeface="Söhne"/>
+              </a:rPr>
+              <a:t>) und eine zum Veröffentlichen (publish). Beim Klicken auf die Schaltfläche „</a:t>
+            </a:r>
+            <a:r>
+              <a:rPr lang="de-DE" b="0" i="0" dirty="0" err="1">
+                <a:solidFill>
+                  <a:srgbClr val="374151"/>
+                </a:solidFill>
+                <a:effectLst/>
+                <a:latin typeface="Söhne"/>
+              </a:rPr>
+              <a:t>Subscribe</a:t>
+            </a:r>
+            <a:r>
+              <a:rPr lang="de-DE" b="0" i="0" dirty="0">
+                <a:solidFill>
+                  <a:srgbClr val="374151"/>
+                </a:solidFill>
+                <a:effectLst/>
+                <a:latin typeface="Söhne"/>
+              </a:rPr>
+              <a:t>" wird geprüft, ob der Benutzername bereits in der Liste der Abonnenten enthalten ist. Wenn nicht, wird der Benutzername zur Liste hinzugefügt. Wenn der Benutzername bereits in der Liste vorhanden ist, wird er aus der Liste entfernt und eine Meldung „</a:t>
+            </a:r>
+            <a:r>
+              <a:rPr lang="de-DE" b="0" i="0" dirty="0" err="1">
+                <a:solidFill>
+                  <a:srgbClr val="374151"/>
+                </a:solidFill>
+                <a:effectLst/>
+                <a:latin typeface="Söhne"/>
+              </a:rPr>
+              <a:t>Unsubscribed</a:t>
+            </a:r>
+            <a:r>
+              <a:rPr lang="de-DE" b="0" i="0" dirty="0">
+                <a:solidFill>
+                  <a:srgbClr val="374151"/>
+                </a:solidFill>
+                <a:effectLst/>
+                <a:latin typeface="Söhne"/>
+              </a:rPr>
+              <a:t>" angezeigt. Beim Klicken auf die Schaltfläche "Veröffentlichen" soll ein Abonnent die Möglichkeit haben, ein Bild zu einer  Stadt hochzuladen und anschließend werden alle Abonnenten in der Liste benachrichtigt. Wenn ein User nicht subscribed ist, hat er nicht die Möglichkeit, ein Bild zu einer Stadt hochzuladen.</a:t>
+            </a:r>
+            <a:endParaRPr lang="de-DE" dirty="0"/>
+          </a:p>
+          <a:p>
+            <a:endParaRPr lang="de-DE" dirty="0"/>
           </a:p>
         </p:txBody>
       </p:sp>
@@ -1548,7 +1542,7 @@
     </p:spTree>
     <p:extLst>
       <p:ext uri="{BB962C8B-B14F-4D97-AF65-F5344CB8AC3E}">
-        <p14:creationId xmlns:p14="http://schemas.microsoft.com/office/powerpoint/2010/main" val="2618932596"/>
+        <p14:creationId xmlns:p14="http://schemas.microsoft.com/office/powerpoint/2010/main" val="2321389857"/>
       </p:ext>
     </p:extLst>
   </p:cSld>
@@ -1577,7 +1571,7 @@
       </p:grpSpPr>
       <p:sp>
         <p:nvSpPr>
-          <p:cNvPr id="2" name="Folienbildplatzhalter 1"/>
+          <p:cNvPr id="2" name="Slide Image Placeholder 1"/>
           <p:cNvSpPr>
             <a:spLocks noGrp="1" noRot="1" noChangeAspect="1"/>
           </p:cNvSpPr>
@@ -1589,7 +1583,7 @@
       </p:sp>
       <p:sp>
         <p:nvSpPr>
-          <p:cNvPr id="3" name="Notizenplatzhalter 2"/>
+          <p:cNvPr id="3" name="Notes Placeholder 2"/>
           <p:cNvSpPr>
             <a:spLocks noGrp="1"/>
           </p:cNvSpPr>
@@ -1602,103 +1596,16 @@
           <a:bodyPr/>
           <a:lstStyle/>
           <a:p>
-            <a:pPr marL="0" marR="0" lvl="0" indent="0" algn="l" defTabSz="914400" rtl="0" eaLnBrk="1" fontAlgn="auto" latinLnBrk="0" hangingPunct="1">
-              <a:lnSpc>
-                <a:spcPct val="100000"/>
-              </a:lnSpc>
-              <a:spcBef>
-                <a:spcPts val="0"/>
-              </a:spcBef>
-              <a:spcAft>
-                <a:spcPts val="0"/>
-              </a:spcAft>
-              <a:buClrTx/>
-              <a:buSzTx/>
-              <a:buFontTx/>
-              <a:buNone/>
-              <a:tabLst/>
-              <a:defRPr/>
-            </a:pPr>
-            <a:r>
-              <a:rPr lang="de-DE" b="0" i="0" dirty="0">
-                <a:solidFill>
-                  <a:srgbClr val="374151"/>
-                </a:solidFill>
-                <a:effectLst/>
-                <a:latin typeface="Söhne"/>
-              </a:rPr>
-              <a:t>Dieser Code implementiert eine Pub/Sub-Funktionalität für eine Android-App. Es gibt zwei Schaltflächen in der Benutzeroberfläche, eine zum Abonnieren (</a:t>
-            </a:r>
-            <a:r>
-              <a:rPr lang="de-DE" b="0" i="0" dirty="0" err="1">
-                <a:solidFill>
-                  <a:srgbClr val="374151"/>
-                </a:solidFill>
-                <a:effectLst/>
-                <a:latin typeface="Söhne"/>
-              </a:rPr>
-              <a:t>subscribe</a:t>
-            </a:r>
-            <a:r>
-              <a:rPr lang="de-DE" b="0" i="0" dirty="0">
-                <a:solidFill>
-                  <a:srgbClr val="374151"/>
-                </a:solidFill>
-                <a:effectLst/>
-                <a:latin typeface="Söhne"/>
-              </a:rPr>
-              <a:t>) und eine zum Veröffentlichen (publish). Beim Klicken auf die Schaltfläche „</a:t>
-            </a:r>
-            <a:r>
-              <a:rPr lang="de-DE" b="0" i="0" dirty="0" err="1">
-                <a:solidFill>
-                  <a:srgbClr val="374151"/>
-                </a:solidFill>
-                <a:effectLst/>
-                <a:latin typeface="Söhne"/>
-              </a:rPr>
-              <a:t>Subscribe</a:t>
-            </a:r>
-            <a:r>
-              <a:rPr lang="de-DE" b="0" i="0" dirty="0">
-                <a:solidFill>
-                  <a:srgbClr val="374151"/>
-                </a:solidFill>
-                <a:effectLst/>
-                <a:latin typeface="Söhne"/>
-              </a:rPr>
-              <a:t>" wird geprüft, ob der Benutzername bereits in der Liste der Abonnenten enthalten ist. Wenn nicht, wird der Benutzername zur Liste hinzugefügt. Wenn der Benutzername bereits in der Liste vorhanden ist, wird er aus der Liste entfernt und eine Meldung „</a:t>
-            </a:r>
-            <a:r>
-              <a:rPr lang="de-DE" b="0" i="0" dirty="0" err="1">
-                <a:solidFill>
-                  <a:srgbClr val="374151"/>
-                </a:solidFill>
-                <a:effectLst/>
-                <a:latin typeface="Söhne"/>
-              </a:rPr>
-              <a:t>Unsubscribed</a:t>
-            </a:r>
-            <a:r>
-              <a:rPr lang="de-DE" b="0" i="0" dirty="0">
-                <a:solidFill>
-                  <a:srgbClr val="374151"/>
-                </a:solidFill>
-                <a:effectLst/>
-                <a:latin typeface="Söhne"/>
-              </a:rPr>
-              <a:t>" angezeigt. Beim Klicken auf die Schaltfläche "Veröffentlichen" soll ein Abonnent die Möglichkeit haben, ein Bild zu einer  Stadt hochzuladen und anschließend werden alle Abonnenten in der Liste benachrichtigt. Wenn ein User nicht subscribed ist, hat er nicht die Möglichkeit, ein Bild zu einer Stadt hochzuladen.</a:t>
-            </a:r>
-            <a:endParaRPr lang="de-DE" dirty="0"/>
-          </a:p>
-          <a:p>
-            <a:endParaRPr lang="de-DE" dirty="0"/>
-          </a:p>
-        </p:txBody>
-      </p:sp>
-      <p:sp>
-        <p:nvSpPr>
-          <p:cNvPr id="4" name="Foliennummernplatzhalter 3"/>
+            <a:r>
+              <a:rPr lang="de-DE" noProof="0" dirty="0"/>
+              <a:t>Im Rahmen des Login PoCs stand im Raum das Speichern und den Vergleich von Passwörtern mittels hash-codes umzusetzen. Selbstverständlich dürfen Passwörter nicht in Klartext gespeichert werden, allerdings fehlte us die Zeit sich mit dem Thema auseinanderzusetzen. Da wir aber auschlieslich mit Dummy-Usern und demnach Dummy-Passwörtern arbeiten, ist das Speichern dieser in Klartext zu verzeihen. Der PoC diente dann daraufhin die Deserialisation einer JSON Datei mit den Usernamen und Passwörten zu einer Liste mit Userobjekten zu erproben. Dies war erfolgreich und diese Funktionalität wird auch im Prototypen wiedeverwendet. Wäre dies nicht erfolgreich gewesen hätte einen einzelnen User fest erzeugt und den Login übersprungen oder eine Userliste zur Laufzeit fest erzeugt und damit den Login simuliert.</a:t>
+            </a:r>
+          </a:p>
+        </p:txBody>
+      </p:sp>
+      <p:sp>
+        <p:nvSpPr>
+          <p:cNvPr id="4" name="Slide Number Placeholder 3"/>
           <p:cNvSpPr>
             <a:spLocks noGrp="1"/>
           </p:cNvSpPr>
@@ -1722,7 +1629,7 @@
     </p:spTree>
     <p:extLst>
       <p:ext uri="{BB962C8B-B14F-4D97-AF65-F5344CB8AC3E}">
-        <p14:creationId xmlns:p14="http://schemas.microsoft.com/office/powerpoint/2010/main" val="2321389857"/>
+        <p14:creationId xmlns:p14="http://schemas.microsoft.com/office/powerpoint/2010/main" val="3932912972"/>
       </p:ext>
     </p:extLst>
   </p:cSld>
@@ -1751,7 +1658,7 @@
       </p:grpSpPr>
       <p:sp>
         <p:nvSpPr>
-          <p:cNvPr id="2" name="Slide Image Placeholder 1"/>
+          <p:cNvPr id="2" name="Folienbildplatzhalter 1"/>
           <p:cNvSpPr>
             <a:spLocks noGrp="1" noRot="1" noChangeAspect="1"/>
           </p:cNvSpPr>
@@ -1763,7 +1670,7 @@
       </p:sp>
       <p:sp>
         <p:nvSpPr>
-          <p:cNvPr id="3" name="Notes Placeholder 2"/>
+          <p:cNvPr id="3" name="Notizenplatzhalter 2"/>
           <p:cNvSpPr>
             <a:spLocks noGrp="1"/>
           </p:cNvSpPr>
@@ -1777,15 +1684,56 @@
           <a:lstStyle/>
           <a:p>
             <a:r>
-              <a:rPr lang="de-DE" noProof="0" dirty="0"/>
-              <a:t>Im Rahmen des Login PoCs stand im Raum das Speichern und den Vergleich von Passwörtern mittels hash-codes umzusetzen. Selbstverständlich dürfen Passwörter nicht in Klartext gespeichert werden, allerdings fehlte us die Zeit sich mit dem Thema auseinanderzusetzen. Da wir aber auschlieslich mit Dummy-Usern und demnach Dummy-Passwörtern arbeiten, ist das Speichern dieser in Klartext zu verzeihen. Der PoC diente dann daraufhin die Deserialisation einer JSON Datei mit den Usernamen und Passwörten zu einer Liste mit Userobjekten zu erproben. Dies war erfolgreich und diese Funktionalität wird auch im Prototypen wiedeverwendet. Wäre dies nicht erfolgreich gewesen hätte einen einzelnen User fest erzeugt und den Login übersprungen oder eine Userliste zur Laufzeit fest erzeugt und damit den Login simuliert.</a:t>
-            </a:r>
-          </a:p>
-        </p:txBody>
-      </p:sp>
-      <p:sp>
-        <p:nvSpPr>
-          <p:cNvPr id="4" name="Slide Number Placeholder 3"/>
+              <a:rPr lang="de-DE" dirty="0"/>
+              <a:t>Quelle zum Bild: https://github.com/sebastiankoch10/EPWS2223HausenKochZimmer/blob/639b4999fcf3b82715c466e36d7729fe9b0d42e7/Modellierungen/Klassendiagramm.PNG</a:t>
+            </a:r>
+          </a:p>
+          <a:p>
+            <a:endParaRPr lang="de-DE" dirty="0"/>
+          </a:p>
+          <a:p>
+            <a:r>
+              <a:rPr lang="de-DE" dirty="0"/>
+              <a:t>Im Rahmen der Modellierungen für das System wurde ein Klassendiagramm angefertigt, um damit festzulegen welche Informationen und Daten abgespeichert werden. Außerdem erfolgt hierdurch eine klare Struktur des Systems, es wird ersichtlich, dass zur Speicherung der Daten zwei Listen ausreichen. Eine Liste aller Städte, die jeweils die Bilder, Geschichten und ihr Forum beinhalten und eine Liste aller User.</a:t>
+            </a:r>
+          </a:p>
+          <a:p>
+            <a:br>
+              <a:rPr lang="de-DE" dirty="0"/>
+            </a:br>
+            <a:r>
+              <a:rPr lang="de-DE" dirty="0"/>
+              <a:t>Im Zuge der Programmierung der PoCs und des Prototypen durchlief das Diagramm einige Iterationen. So wurde zunächst vorgesehen, dass die unterschiedlichen Rollen der User als Erben implementiert werden. Da aber sich keine einzigartigen Attribute für diese Rollen ergeben haben, wurde darauf verzichtet und die Rolle wird als einfacher String gespeichert. Beim Aufruf einer Funktion, die eine bestimmte Rolle benötigt, wird dieses Attribut des aktuellen Users geprüft. Die vorgesehenen Rollen sind regulärer User, blockierter User, Experte (Verifikation), Moderator (Löschen von Beiträgen) und Administrator (Rollenzuweisung). </a:t>
+            </a:r>
+            <a:br>
+              <a:rPr lang="de-DE" dirty="0"/>
+            </a:br>
+            <a:r>
+              <a:rPr lang="de-DE" dirty="0"/>
+              <a:t>Außerdem war noch bis zur Programmierung unklar wie die Pub/Sub Funktionalität implementiert wird. Die dabei entwickelten Funktionen und Attribute wurden daraufhin zur Vollständigkeit im Klassendiagramm integriert. </a:t>
+            </a:r>
+            <a:br>
+              <a:rPr lang="de-DE" dirty="0"/>
+            </a:br>
+            <a:r>
+              <a:rPr lang="de-DE" dirty="0"/>
+              <a:t>Schlieslich ist noch aus der Programmierung erfolgt, dass vorher in den Subscriberlisten, Autoren, Uploader, usw. User als Typ vorgesehen waren. Allerdings würde dies dazu führen, dass die User mehrfach abgespeichert werden in diesen jeweiligen Attributen und der allgemeinen Liste aller User. Es ist nun vorgesehen nur die Namen zu speichern und bei Aufruf mit der Userliste zu vergleichen.</a:t>
+            </a:r>
+          </a:p>
+          <a:p>
+            <a:endParaRPr lang="de-DE" dirty="0"/>
+          </a:p>
+          <a:p>
+            <a:r>
+              <a:rPr lang="de-DE" dirty="0"/>
+              <a:t>Die Klassen zur Implementierung eines Forums und Chatfunktionen sind noch grob gehalten, da unklar ist, ob wir diese Funktionen in dem Prototypen implementieren. Sollte dies der Fall sein ist aber damit schon mal eine Grundlage geschaffen, die dann erweitert werden kann.</a:t>
+            </a:r>
+          </a:p>
+        </p:txBody>
+      </p:sp>
+      <p:sp>
+        <p:nvSpPr>
+          <p:cNvPr id="4" name="Foliennummernplatzhalter 3"/>
           <p:cNvSpPr>
             <a:spLocks noGrp="1"/>
           </p:cNvSpPr>
@@ -1809,7 +1757,7 @@
     </p:spTree>
     <p:extLst>
       <p:ext uri="{BB962C8B-B14F-4D97-AF65-F5344CB8AC3E}">
-        <p14:creationId xmlns:p14="http://schemas.microsoft.com/office/powerpoint/2010/main" val="3932912972"/>
+        <p14:creationId xmlns:p14="http://schemas.microsoft.com/office/powerpoint/2010/main" val="1078181049"/>
       </p:ext>
     </p:extLst>
   </p:cSld>
@@ -1865,48 +1813,17 @@
           <a:p>
             <a:r>
               <a:rPr lang="de-DE" dirty="0"/>
-              <a:t>Quelle zum Bild: https://github.com/sebastiankoch10/EPWS2223HausenKochZimmer/blob/639b4999fcf3b82715c466e36d7729fe9b0d42e7/Modellierungen/Klassendiagramm.PNG</a:t>
-            </a:r>
-          </a:p>
-          <a:p>
-            <a:endParaRPr lang="de-DE" dirty="0"/>
-          </a:p>
-          <a:p>
-            <a:r>
-              <a:rPr lang="de-DE" dirty="0"/>
-              <a:t>Im Rahmen der Modellierungen für das System wurde ein Klassendiagramm angefertigt, um damit festzulegen welche Informationen und Daten abgespeichert werden. Außerdem erfolgt hierdurch eine klare Struktur des Systems, es wird ersichtlich, dass zur Speicherung der Daten zwei Listen ausreichen. Eine Liste aller Städte, die jeweils die Bilder, Geschichten und ihr Forum beinhalten und eine Liste aller User.</a:t>
-            </a:r>
-          </a:p>
-          <a:p>
+              <a:t>Im ersten Prototypen wurde versucht die Kernfunktionalitäten des Systems umzusetzen, der Upload von Bildern sowie damit einhergehende Pub/Sub Funktionalität. Die Grundlage für die Lösungsansätze wurden durch die PoCs, die Use Case Spezifikation sowie das Klassendiagramm gegeben. Hier ist anzumerken, dass eine detailliertere Interaktionsmodellierung die Arbeit hätte erleichtern können. Der Login erfolgt nach dem im dazugehörigen PoC getestetem Prinzip. Der damit eingeloggte User wird bis zum Logout zum currentUser. Daraufhin wird eine Liste aller Stadtobjekte geladen und anhand der Heimatstadt des Users die currentStadt gesetzt. Dem User werden daraufhin 4 Buttons angeboten (Upload, Aufruf, Sub/Unsub, Logout). Beim Upload sowie beim Aufruf eines Bildes wird aktuell noch ein hardcoded Bild verwendet. Beim Upload wird der Filepath zu diesem Bild fest verwendet und der Aufruf greift stets auf das erste Bild in der Bilderliste der Stadt zu. Dies gilt es in der weiteren Entwicklung so zu erweitern, dass ein beliebiges Bild hochgeladen und aufgerufen werden kann. Die Pub/Sub Funktionalität ist dahingegen im Grunde vollständig implementiert. Zu bedenken wäre nur ob die Verwaltung der eingegangenen Benachrichtigungen noch zu erweitern ist.</a:t>
+            </a:r>
             <a:br>
               <a:rPr lang="de-DE" dirty="0"/>
             </a:br>
-            <a:r>
-              <a:rPr lang="de-DE" dirty="0"/>
-              <a:t>Im Zuge der Programmierung der PoCs und des Prototypen durchlief das Diagramm einige Iterationen. So wurde zunächst vorgesehen, dass die unterschiedlichen Rollen der User als Erben implementiert werden. Da aber sich keine einzigartigen Attribute für diese Rollen ergeben haben, wurde darauf verzichtet und die Rolle wird als einfacher String gespeichert. Beim Aufruf einer Funktion, die eine bestimmte Rolle benötigt, wird dieses Attribut des aktuellen Users geprüft. Die vorgesehenen Rollen sind regulärer User, blockierter User, Experte (Verifikation), Moderator (Löschen von Beiträgen) und Administrator (Rollenzuweisung). </a:t>
-            </a:r>
             <a:br>
               <a:rPr lang="de-DE" dirty="0"/>
             </a:br>
             <a:r>
               <a:rPr lang="de-DE" dirty="0"/>
-              <a:t>Außerdem war noch bis zur Programmierung unklar wie die Pub/Sub Funktionalität implementiert wird. Die dabei entwickelten Funktionen und Attribute wurden daraufhin zur Vollständigkeit im Klassendiagramm integriert. </a:t>
-            </a:r>
-            <a:br>
-              <a:rPr lang="de-DE" dirty="0"/>
-            </a:br>
-            <a:r>
-              <a:rPr lang="de-DE" dirty="0"/>
-              <a:t>Schlieslich ist noch aus der Programmierung erfolgt, dass vorher in den Subscriberlisten, Autoren, Uploader, usw. User als Typ vorgesehen waren. Allerdings würde dies dazu führen, dass die User mehrfach abgespeichert werden in diesen jeweiligen Attributen und der allgemeinen Liste aller User. Es ist nun vorgesehen nur die Namen zu speichern und bei Aufruf mit der Userliste zu vergleichen.</a:t>
-            </a:r>
-          </a:p>
-          <a:p>
-            <a:endParaRPr lang="de-DE" dirty="0"/>
-          </a:p>
-          <a:p>
-            <a:r>
-              <a:rPr lang="de-DE" dirty="0"/>
-              <a:t>Die Klassen zur Implementierung eines Forums und Chatfunktionen sind noch grob gehalten, da unklar ist, ob wir diese Funktionen in dem Prototypen implementieren. Sollte dies der Fall sein ist aber damit schon mal eine Grundlage geschaffen, die dann erweitert werden kann.</a:t>
+              <a:t>Ein wichtiger Punkt bei diesem Prototypen ist, dass die Datenverwaltung auschlieslich über JSON erfolgt. So werden (1) die Bildaten zu einem String enkodiert, (2) diese in einem Bildobjekt gespeichert, (3) was Teil eines Stadtobjekts ist, (4) welches Teil einer Liste aus Stadtobjekten ist, (5) die wiederrum zum einem JSON-String enkodiert wird und (6) dieser String wird in eine entsprechende Datei geschrieben. Diese Datei, diese Liste wird zum Beginn der Activity geladen. Dies bedeutet, dass der komplette Inhalt der Datenhaltung in den Speicher geladen wird. Ab einer bestimmten Größe ist dies nicht mehr angemessen. Dieser Problematik sind wir uns bewusst aber wegen des Umfangs unseres Prototypen wird dieser Zustand in Kauf genommen. Die Alternative wäre ein Datenbanksystem einzubinden, darauf wurde aus Zeitgründen verzichtet.</a:t>
             </a:r>
           </a:p>
         </p:txBody>
@@ -1937,7 +1854,7 @@
     </p:spTree>
     <p:extLst>
       <p:ext uri="{BB962C8B-B14F-4D97-AF65-F5344CB8AC3E}">
-        <p14:creationId xmlns:p14="http://schemas.microsoft.com/office/powerpoint/2010/main" val="1078181049"/>
+        <p14:creationId xmlns:p14="http://schemas.microsoft.com/office/powerpoint/2010/main" val="109453928"/>
       </p:ext>
     </p:extLst>
   </p:cSld>
@@ -2148,7 +2065,7 @@
           <a:p>
             <a:fld id="{4FD190AE-D9AE-4074-AAED-D637288AF7F0}" type="slidenum">
               <a:rPr lang="de-DE" smtClean="0"/>
-              <a:t>‹#›</a:t>
+              <a:t>‹Nr.›</a:t>
             </a:fld>
             <a:endParaRPr lang="de-DE"/>
           </a:p>
@@ -2346,7 +2263,7 @@
           <a:p>
             <a:fld id="{4FD190AE-D9AE-4074-AAED-D637288AF7F0}" type="slidenum">
               <a:rPr lang="de-DE" smtClean="0"/>
-              <a:t>‹#›</a:t>
+              <a:t>‹Nr.›</a:t>
             </a:fld>
             <a:endParaRPr lang="de-DE"/>
           </a:p>
@@ -2554,7 +2471,7 @@
           <a:p>
             <a:fld id="{4FD190AE-D9AE-4074-AAED-D637288AF7F0}" type="slidenum">
               <a:rPr lang="de-DE" smtClean="0"/>
-              <a:t>‹#›</a:t>
+              <a:t>‹Nr.›</a:t>
             </a:fld>
             <a:endParaRPr lang="de-DE"/>
           </a:p>
@@ -2752,7 +2669,7 @@
           <a:p>
             <a:fld id="{4FD190AE-D9AE-4074-AAED-D637288AF7F0}" type="slidenum">
               <a:rPr lang="de-DE" smtClean="0"/>
-              <a:t>‹#›</a:t>
+              <a:t>‹Nr.›</a:t>
             </a:fld>
             <a:endParaRPr lang="de-DE"/>
           </a:p>
@@ -3027,7 +2944,7 @@
           <a:p>
             <a:fld id="{4FD190AE-D9AE-4074-AAED-D637288AF7F0}" type="slidenum">
               <a:rPr lang="de-DE" smtClean="0"/>
-              <a:t>‹#›</a:t>
+              <a:t>‹Nr.›</a:t>
             </a:fld>
             <a:endParaRPr lang="de-DE"/>
           </a:p>
@@ -3292,7 +3209,7 @@
           <a:p>
             <a:fld id="{4FD190AE-D9AE-4074-AAED-D637288AF7F0}" type="slidenum">
               <a:rPr lang="de-DE" smtClean="0"/>
-              <a:t>‹#›</a:t>
+              <a:t>‹Nr.›</a:t>
             </a:fld>
             <a:endParaRPr lang="de-DE"/>
           </a:p>
@@ -3709,7 +3626,7 @@
           <a:p>
             <a:fld id="{4FD190AE-D9AE-4074-AAED-D637288AF7F0}" type="slidenum">
               <a:rPr lang="de-DE" smtClean="0"/>
-              <a:t>‹#›</a:t>
+              <a:t>‹Nr.›</a:t>
             </a:fld>
             <a:endParaRPr lang="de-DE"/>
           </a:p>
@@ -3855,7 +3772,7 @@
           <a:p>
             <a:fld id="{4FD190AE-D9AE-4074-AAED-D637288AF7F0}" type="slidenum">
               <a:rPr lang="de-DE" smtClean="0"/>
-              <a:t>‹#›</a:t>
+              <a:t>‹Nr.›</a:t>
             </a:fld>
             <a:endParaRPr lang="de-DE"/>
           </a:p>
@@ -3968,7 +3885,7 @@
           <a:p>
             <a:fld id="{4FD190AE-D9AE-4074-AAED-D637288AF7F0}" type="slidenum">
               <a:rPr lang="de-DE" smtClean="0"/>
-              <a:t>‹#›</a:t>
+              <a:t>‹Nr.›</a:t>
             </a:fld>
             <a:endParaRPr lang="de-DE"/>
           </a:p>
@@ -4279,7 +4196,7 @@
           <a:p>
             <a:fld id="{4FD190AE-D9AE-4074-AAED-D637288AF7F0}" type="slidenum">
               <a:rPr lang="de-DE" smtClean="0"/>
-              <a:t>‹#›</a:t>
+              <a:t>‹Nr.›</a:t>
             </a:fld>
             <a:endParaRPr lang="de-DE"/>
           </a:p>
@@ -4572,7 +4489,7 @@
           <a:p>
             <a:fld id="{4FD190AE-D9AE-4074-AAED-D637288AF7F0}" type="slidenum">
               <a:rPr lang="de-DE" smtClean="0"/>
-              <a:t>‹#›</a:t>
+              <a:t>‹Nr.›</a:t>
             </a:fld>
             <a:endParaRPr lang="de-DE"/>
           </a:p>
@@ -4891,7 +4808,7 @@
           <a:p>
             <a:fld id="{4FD190AE-D9AE-4074-AAED-D637288AF7F0}" type="slidenum">
               <a:rPr lang="de-DE" smtClean="0"/>
-              <a:t>‹#›</a:t>
+              <a:t>‹Nr.›</a:t>
             </a:fld>
             <a:endParaRPr lang="de-DE"/>
           </a:p>
@@ -5603,7 +5520,15 @@
           <a:p>
             <a:r>
               <a:rPr lang="de-DE" dirty="0"/>
-              <a:t>Erster Prototyp</a:t>
+              <a:t>Audit 4 </a:t>
+            </a:r>
+            <a:r>
+              <a:rPr lang="de-DE" dirty="0" err="1"/>
+              <a:t>Deliverables</a:t>
+            </a:r>
+            <a:r>
+              <a:rPr lang="de-DE" dirty="0"/>
+              <a:t> </a:t>
             </a:r>
           </a:p>
         </p:txBody>
@@ -5626,103 +5551,39 @@
         </p:nvSpPr>
         <p:spPr/>
         <p:txBody>
-          <a:bodyPr>
-            <a:normAutofit fontScale="92500" lnSpcReduction="10000"/>
-          </a:bodyPr>
+          <a:bodyPr/>
           <a:lstStyle/>
           <a:p>
-            <a:r>
-              <a:rPr lang="de-DE" sz="2000" dirty="0"/>
-              <a:t>Login </a:t>
-            </a:r>
-          </a:p>
-          <a:p>
-            <a:r>
-              <a:rPr lang="de-DE" sz="2000" dirty="0"/>
-              <a:t>Setze currentUser</a:t>
-            </a:r>
-          </a:p>
-          <a:p>
-            <a:r>
-              <a:rPr lang="de-DE" sz="2000" dirty="0"/>
-              <a:t>Setze currentStadt anhand Heimatstadt des Users</a:t>
-            </a:r>
-          </a:p>
-          <a:p>
-            <a:r>
-              <a:rPr lang="de-DE" sz="2000" dirty="0"/>
-              <a:t>Upload eines Bildes</a:t>
-            </a:r>
-          </a:p>
-          <a:p>
-            <a:pPr lvl="1"/>
-            <a:r>
-              <a:rPr lang="de-DE" sz="1600" dirty="0"/>
-              <a:t>Drawable File einlesen</a:t>
-            </a:r>
-          </a:p>
-          <a:p>
-            <a:pPr lvl="1"/>
-            <a:r>
-              <a:rPr lang="de-DE" sz="1600" dirty="0"/>
-              <a:t>Zu String enkodieren</a:t>
-            </a:r>
-          </a:p>
-          <a:p>
-            <a:pPr lvl="1"/>
-            <a:r>
-              <a:rPr lang="de-DE" sz="1600" dirty="0"/>
-              <a:t>Bildobjekt erzeugen und zur Stadt hinzufügen</a:t>
-            </a:r>
-          </a:p>
-          <a:p>
-            <a:pPr lvl="1"/>
-            <a:r>
-              <a:rPr lang="de-DE" sz="1600" dirty="0"/>
-              <a:t>Stadtliste enkodieren und abspeichern</a:t>
-            </a:r>
-          </a:p>
-          <a:p>
-            <a:pPr lvl="1"/>
-            <a:r>
-              <a:rPr lang="de-DE" sz="1600" dirty="0"/>
-              <a:t>Benachrichtigung an Subscriber senden</a:t>
-            </a:r>
-          </a:p>
-          <a:p>
-            <a:pPr lvl="1"/>
-            <a:r>
-              <a:rPr lang="de-DE" sz="1600" dirty="0"/>
-              <a:t>Userliste enkodieren und abspeichern</a:t>
-            </a:r>
-            <a:endParaRPr lang="de-DE" sz="1200" dirty="0"/>
-          </a:p>
-          <a:p>
-            <a:r>
-              <a:rPr lang="de-DE" sz="2000" dirty="0"/>
-              <a:t>Aufruf eines Bildes</a:t>
-            </a:r>
-          </a:p>
-          <a:p>
-            <a:r>
-              <a:rPr lang="de-DE" sz="2000" dirty="0"/>
-              <a:t>Subscribe/Unsubscribe zur Stadt</a:t>
-            </a:r>
-          </a:p>
-          <a:p>
-            <a:r>
-              <a:rPr lang="de-DE" sz="2000" dirty="0"/>
-              <a:t>Anzeige der Benachrichtigungen</a:t>
-            </a:r>
-          </a:p>
-          <a:p>
-            <a:r>
-              <a:rPr lang="de-DE" sz="2000" dirty="0"/>
-              <a:t>Logout</a:t>
-            </a:r>
-          </a:p>
-          <a:p>
-            <a:endParaRPr lang="de-DE" sz="2000" dirty="0"/>
+            <a:pPr marL="0" indent="0">
+              <a:buNone/>
+            </a:pPr>
+            <a:endParaRPr lang="de-DE" dirty="0"/>
+          </a:p>
+          <a:p>
+            <a:r>
+              <a:rPr lang="de-DE" dirty="0"/>
+              <a:t>Use Cases iterieren (KW03)</a:t>
+            </a:r>
+          </a:p>
+          <a:p>
+            <a:r>
+              <a:rPr lang="de-DE" dirty="0"/>
+              <a:t>funktionalen Prototyps (KW07)</a:t>
+            </a:r>
+          </a:p>
+          <a:p>
+            <a:r>
+              <a:rPr lang="de-DE" dirty="0"/>
+              <a:t>Fazit und kritisch reflektiertes </a:t>
+            </a:r>
+            <a:r>
+              <a:rPr lang="de-DE" dirty="0" err="1"/>
+              <a:t>Prozessassessment</a:t>
+            </a:r>
+            <a:r>
+              <a:rPr lang="de-DE" dirty="0"/>
+              <a:t> des gesamten Projektes anhand der ursprünglichen Zielsetzung (KW08)</a:t>
+            </a:r>
           </a:p>
         </p:txBody>
       </p:sp>
@@ -5754,157 +5615,6 @@
                 </a:solidFill>
               </a:rPr>
               <a:t>10</a:t>
-            </a:fld>
-            <a:endParaRPr lang="de-DE" sz="2000" dirty="0">
-              <a:solidFill>
-                <a:schemeClr val="tx1"/>
-              </a:solidFill>
-            </a:endParaRPr>
-          </a:p>
-        </p:txBody>
-      </p:sp>
-    </p:spTree>
-    <p:extLst>
-      <p:ext uri="{BB962C8B-B14F-4D97-AF65-F5344CB8AC3E}">
-        <p14:creationId xmlns:p14="http://schemas.microsoft.com/office/powerpoint/2010/main" val="2702035577"/>
-      </p:ext>
-    </p:extLst>
-  </p:cSld>
-  <p:clrMapOvr>
-    <a:masterClrMapping/>
-  </p:clrMapOvr>
-</p:sld>
-</file>
-
-<file path=ppt/slides/slide11.xml><?xml version="1.0" encoding="utf-8"?>
-<p:sld xmlns:a="http://schemas.openxmlformats.org/drawingml/2006/main" xmlns:r="http://schemas.openxmlformats.org/officeDocument/2006/relationships" xmlns:p="http://schemas.openxmlformats.org/presentationml/2006/main">
-  <p:cSld>
-    <p:spTree>
-      <p:nvGrpSpPr>
-        <p:cNvPr id="1" name=""/>
-        <p:cNvGrpSpPr/>
-        <p:nvPr/>
-      </p:nvGrpSpPr>
-      <p:grpSpPr>
-        <a:xfrm>
-          <a:off x="0" y="0"/>
-          <a:ext cx="0" cy="0"/>
-          <a:chOff x="0" y="0"/>
-          <a:chExt cx="0" cy="0"/>
-        </a:xfrm>
-      </p:grpSpPr>
-      <p:sp>
-        <p:nvSpPr>
-          <p:cNvPr id="2" name="Titel 1">
-            <a:extLst>
-              <a:ext uri="{FF2B5EF4-FFF2-40B4-BE49-F238E27FC236}">
-                <a16:creationId xmlns:a16="http://schemas.microsoft.com/office/drawing/2014/main" id="{4AC7DED0-9976-693C-8B24-D84F23C8E7B6}"/>
-              </a:ext>
-            </a:extLst>
-          </p:cNvPr>
-          <p:cNvSpPr>
-            <a:spLocks noGrp="1"/>
-          </p:cNvSpPr>
-          <p:nvPr>
-            <p:ph type="title"/>
-          </p:nvPr>
-        </p:nvSpPr>
-        <p:spPr/>
-        <p:txBody>
-          <a:bodyPr/>
-          <a:lstStyle/>
-          <a:p>
-            <a:r>
-              <a:rPr lang="de-DE" dirty="0"/>
-              <a:t>Audit 4 </a:t>
-            </a:r>
-            <a:r>
-              <a:rPr lang="de-DE" dirty="0" err="1"/>
-              <a:t>Deliverables</a:t>
-            </a:r>
-            <a:r>
-              <a:rPr lang="de-DE" dirty="0"/>
-              <a:t> </a:t>
-            </a:r>
-          </a:p>
-        </p:txBody>
-      </p:sp>
-      <p:sp>
-        <p:nvSpPr>
-          <p:cNvPr id="3" name="Inhaltsplatzhalter 2">
-            <a:extLst>
-              <a:ext uri="{FF2B5EF4-FFF2-40B4-BE49-F238E27FC236}">
-                <a16:creationId xmlns:a16="http://schemas.microsoft.com/office/drawing/2014/main" id="{26828B3D-0288-9D01-3FAB-ED2A638AE90B}"/>
-              </a:ext>
-            </a:extLst>
-          </p:cNvPr>
-          <p:cNvSpPr>
-            <a:spLocks noGrp="1"/>
-          </p:cNvSpPr>
-          <p:nvPr>
-            <p:ph idx="1"/>
-          </p:nvPr>
-        </p:nvSpPr>
-        <p:spPr/>
-        <p:txBody>
-          <a:bodyPr/>
-          <a:lstStyle/>
-          <a:p>
-            <a:pPr marL="0" indent="0">
-              <a:buNone/>
-            </a:pPr>
-            <a:endParaRPr lang="de-DE" dirty="0"/>
-          </a:p>
-          <a:p>
-            <a:r>
-              <a:rPr lang="de-DE" dirty="0"/>
-              <a:t>funktionalen Prototyps</a:t>
-            </a:r>
-          </a:p>
-          <a:p>
-            <a:r>
-              <a:rPr lang="de-DE" dirty="0"/>
-              <a:t>Fazit und kritisch reflektiertes </a:t>
-            </a:r>
-            <a:r>
-              <a:rPr lang="de-DE" dirty="0" err="1"/>
-              <a:t>Prozessassessment</a:t>
-            </a:r>
-            <a:r>
-              <a:rPr lang="de-DE" dirty="0"/>
-              <a:t> des gesamten Projektes anhand der ursprünglichen Zielsetzung</a:t>
-            </a:r>
-          </a:p>
-        </p:txBody>
-      </p:sp>
-      <p:sp>
-        <p:nvSpPr>
-          <p:cNvPr id="5" name="Foliennummernplatzhalter 4">
-            <a:extLst>
-              <a:ext uri="{FF2B5EF4-FFF2-40B4-BE49-F238E27FC236}">
-                <a16:creationId xmlns:a16="http://schemas.microsoft.com/office/drawing/2014/main" id="{7B246376-21DF-8BF4-A1FD-B77C22C28AAB}"/>
-              </a:ext>
-            </a:extLst>
-          </p:cNvPr>
-          <p:cNvSpPr>
-            <a:spLocks noGrp="1"/>
-          </p:cNvSpPr>
-          <p:nvPr>
-            <p:ph type="sldNum" sz="quarter" idx="12"/>
-          </p:nvPr>
-        </p:nvSpPr>
-        <p:spPr/>
-        <p:txBody>
-          <a:bodyPr/>
-          <a:lstStyle/>
-          <a:p>
-            <a:fld id="{4FD190AE-D9AE-4074-AAED-D637288AF7F0}" type="slidenum">
-              <a:rPr lang="de-DE" sz="2000" smtClean="0">
-                <a:solidFill>
-                  <a:schemeClr val="tx1"/>
-                </a:solidFill>
-              </a:rPr>
-              <a:t>11</a:t>
             </a:fld>
             <a:endParaRPr lang="de-DE" sz="2000" dirty="0">
               <a:solidFill>
@@ -5928,186 +5638,6 @@
 </file>
 
 <file path=ppt/slides/slide2.xml><?xml version="1.0" encoding="utf-8"?>
-<p:sld xmlns:a="http://schemas.openxmlformats.org/drawingml/2006/main" xmlns:r="http://schemas.openxmlformats.org/officeDocument/2006/relationships" xmlns:p="http://schemas.openxmlformats.org/presentationml/2006/main">
-  <p:cSld>
-    <p:bg>
-      <p:bgPr>
-        <a:gradFill flip="none" rotWithShape="1">
-          <a:gsLst>
-            <a:gs pos="58000">
-              <a:srgbClr val="B5C7E7">
-                <a:lumMod val="77000"/>
-                <a:lumOff val="23000"/>
-              </a:srgbClr>
-            </a:gs>
-            <a:gs pos="48000">
-              <a:schemeClr val="accent1">
-                <a:lumMod val="64000"/>
-                <a:lumOff val="36000"/>
-              </a:schemeClr>
-            </a:gs>
-            <a:gs pos="100000">
-              <a:schemeClr val="accent1">
-                <a:lumMod val="47000"/>
-              </a:schemeClr>
-            </a:gs>
-            <a:gs pos="33000">
-              <a:srgbClr val="D1DCF0">
-                <a:lumMod val="84000"/>
-                <a:lumOff val="16000"/>
-              </a:srgbClr>
-            </a:gs>
-            <a:gs pos="19000">
-              <a:schemeClr val="accent1">
-                <a:lumMod val="43000"/>
-                <a:lumOff val="57000"/>
-              </a:schemeClr>
-            </a:gs>
-            <a:gs pos="7000">
-              <a:schemeClr val="accent1">
-                <a:lumMod val="5000"/>
-                <a:lumOff val="95000"/>
-              </a:schemeClr>
-            </a:gs>
-            <a:gs pos="85000">
-              <a:schemeClr val="accent1">
-                <a:lumMod val="85000"/>
-                <a:lumOff val="15000"/>
-              </a:schemeClr>
-            </a:gs>
-          </a:gsLst>
-          <a:lin ang="6000000" scaled="0"/>
-          <a:tileRect/>
-        </a:gradFill>
-        <a:effectLst/>
-      </p:bgPr>
-    </p:bg>
-    <p:spTree>
-      <p:nvGrpSpPr>
-        <p:cNvPr id="1" name=""/>
-        <p:cNvGrpSpPr/>
-        <p:nvPr/>
-      </p:nvGrpSpPr>
-      <p:grpSpPr>
-        <a:xfrm>
-          <a:off x="0" y="0"/>
-          <a:ext cx="0" cy="0"/>
-          <a:chOff x="0" y="0"/>
-          <a:chExt cx="0" cy="0"/>
-        </a:xfrm>
-      </p:grpSpPr>
-      <p:sp>
-        <p:nvSpPr>
-          <p:cNvPr id="2" name="Titel 1">
-            <a:extLst>
-              <a:ext uri="{FF2B5EF4-FFF2-40B4-BE49-F238E27FC236}">
-                <a16:creationId xmlns:a16="http://schemas.microsoft.com/office/drawing/2014/main" id="{7831D27A-80D2-4A71-84A3-0C862BEF2B1D}"/>
-              </a:ext>
-            </a:extLst>
-          </p:cNvPr>
-          <p:cNvSpPr>
-            <a:spLocks noGrp="1"/>
-          </p:cNvSpPr>
-          <p:nvPr>
-            <p:ph type="title"/>
-          </p:nvPr>
-        </p:nvSpPr>
-        <p:spPr/>
-        <p:txBody>
-          <a:bodyPr/>
-          <a:lstStyle/>
-          <a:p>
-            <a:pPr algn="ctr"/>
-            <a:r>
-              <a:rPr lang="de-DE" dirty="0"/>
-              <a:t>Projektplan/Zeitplan</a:t>
-            </a:r>
-          </a:p>
-        </p:txBody>
-      </p:sp>
-      <p:sp>
-        <p:nvSpPr>
-          <p:cNvPr id="4" name="Inhaltsplatzhalter 3">
-            <a:extLst>
-              <a:ext uri="{FF2B5EF4-FFF2-40B4-BE49-F238E27FC236}">
-                <a16:creationId xmlns:a16="http://schemas.microsoft.com/office/drawing/2014/main" id="{F1610C32-B549-4BA1-BA18-A7DAF29387B7}"/>
-              </a:ext>
-            </a:extLst>
-          </p:cNvPr>
-          <p:cNvSpPr>
-            <a:spLocks noGrp="1"/>
-          </p:cNvSpPr>
-          <p:nvPr>
-            <p:ph idx="1"/>
-          </p:nvPr>
-        </p:nvSpPr>
-        <p:spPr/>
-        <p:txBody>
-          <a:bodyPr>
-            <a:normAutofit/>
-          </a:bodyPr>
-          <a:lstStyle/>
-          <a:p>
-            <a:pPr marL="0" lvl="0" indent="0">
-              <a:buNone/>
-            </a:pPr>
-            <a:endParaRPr lang="de-DE" sz="3200" dirty="0">
-              <a:hlinkClick r:id="rId3"/>
-            </a:endParaRPr>
-          </a:p>
-        </p:txBody>
-      </p:sp>
-      <p:sp>
-        <p:nvSpPr>
-          <p:cNvPr id="5" name="Foliennummernplatzhalter 4">
-            <a:extLst>
-              <a:ext uri="{FF2B5EF4-FFF2-40B4-BE49-F238E27FC236}">
-                <a16:creationId xmlns:a16="http://schemas.microsoft.com/office/drawing/2014/main" id="{EAF66BAE-B433-D556-F234-74989A30921F}"/>
-              </a:ext>
-            </a:extLst>
-          </p:cNvPr>
-          <p:cNvSpPr>
-            <a:spLocks noGrp="1"/>
-          </p:cNvSpPr>
-          <p:nvPr>
-            <p:ph type="sldNum" sz="quarter" idx="12"/>
-          </p:nvPr>
-        </p:nvSpPr>
-        <p:spPr/>
-        <p:txBody>
-          <a:bodyPr/>
-          <a:lstStyle/>
-          <a:p>
-            <a:fld id="{4FD190AE-D9AE-4074-AAED-D637288AF7F0}" type="slidenum">
-              <a:rPr lang="de-DE" sz="2000" smtClean="0">
-                <a:solidFill>
-                  <a:schemeClr val="tx1"/>
-                </a:solidFill>
-              </a:rPr>
-              <a:t>2</a:t>
-            </a:fld>
-            <a:endParaRPr lang="de-DE" sz="2000" dirty="0">
-              <a:solidFill>
-                <a:schemeClr val="tx1"/>
-              </a:solidFill>
-            </a:endParaRPr>
-          </a:p>
-        </p:txBody>
-      </p:sp>
-    </p:spTree>
-    <p:extLst>
-      <p:ext uri="{BB962C8B-B14F-4D97-AF65-F5344CB8AC3E}">
-        <p14:creationId xmlns:p14="http://schemas.microsoft.com/office/powerpoint/2010/main" val="1328621929"/>
-      </p:ext>
-    </p:extLst>
-  </p:cSld>
-  <p:clrMapOvr>
-    <a:masterClrMapping/>
-  </p:clrMapOvr>
-</p:sld>
-</file>
-
-<file path=ppt/slides/slide3.xml><?xml version="1.0" encoding="utf-8"?>
 <p:sld xmlns:a="http://schemas.openxmlformats.org/drawingml/2006/main" xmlns:r="http://schemas.openxmlformats.org/officeDocument/2006/relationships" xmlns:p="http://schemas.openxmlformats.org/presentationml/2006/main">
   <p:cSld>
     <p:spTree>
@@ -6975,7 +6505,7 @@
                   <a:schemeClr val="tx1"/>
                 </a:solidFill>
               </a:rPr>
-              <a:t>3</a:t>
+              <a:t>2</a:t>
             </a:fld>
             <a:endParaRPr lang="de-DE" sz="2000" dirty="0">
               <a:solidFill>
@@ -7792,6 +7322,126 @@
 </p:sld>
 </file>
 
+<file path=ppt/slides/slide3.xml><?xml version="1.0" encoding="utf-8"?>
+<p:sld xmlns:a="http://schemas.openxmlformats.org/drawingml/2006/main" xmlns:r="http://schemas.openxmlformats.org/officeDocument/2006/relationships" xmlns:p="http://schemas.openxmlformats.org/presentationml/2006/main">
+  <p:cSld>
+    <p:spTree>
+      <p:nvGrpSpPr>
+        <p:cNvPr id="1" name=""/>
+        <p:cNvGrpSpPr/>
+        <p:nvPr/>
+      </p:nvGrpSpPr>
+      <p:grpSpPr>
+        <a:xfrm>
+          <a:off x="0" y="0"/>
+          <a:ext cx="0" cy="0"/>
+          <a:chOff x="0" y="0"/>
+          <a:chExt cx="0" cy="0"/>
+        </a:xfrm>
+      </p:grpSpPr>
+      <p:sp>
+        <p:nvSpPr>
+          <p:cNvPr id="3" name="Titel 2">
+            <a:extLst>
+              <a:ext uri="{FF2B5EF4-FFF2-40B4-BE49-F238E27FC236}">
+                <a16:creationId xmlns:a16="http://schemas.microsoft.com/office/drawing/2014/main" id="{53AD19EA-19FD-31C3-9A36-EC2C3ECA7425}"/>
+              </a:ext>
+            </a:extLst>
+          </p:cNvPr>
+          <p:cNvSpPr>
+            <a:spLocks noGrp="1"/>
+          </p:cNvSpPr>
+          <p:nvPr>
+            <p:ph type="title"/>
+          </p:nvPr>
+        </p:nvSpPr>
+        <p:spPr/>
+        <p:txBody>
+          <a:bodyPr/>
+          <a:lstStyle/>
+          <a:p>
+            <a:r>
+              <a:rPr lang="de-DE" dirty="0"/>
+              <a:t>Use-Cases</a:t>
+            </a:r>
+          </a:p>
+        </p:txBody>
+      </p:sp>
+      <p:sp>
+        <p:nvSpPr>
+          <p:cNvPr id="4" name="Inhaltsplatzhalter 3">
+            <a:extLst>
+              <a:ext uri="{FF2B5EF4-FFF2-40B4-BE49-F238E27FC236}">
+                <a16:creationId xmlns:a16="http://schemas.microsoft.com/office/drawing/2014/main" id="{43D36CD5-C13A-93D9-C18B-BCA6C25AEC2A}"/>
+              </a:ext>
+            </a:extLst>
+          </p:cNvPr>
+          <p:cNvSpPr>
+            <a:spLocks noGrp="1"/>
+          </p:cNvSpPr>
+          <p:nvPr>
+            <p:ph idx="1"/>
+          </p:nvPr>
+        </p:nvSpPr>
+        <p:spPr/>
+        <p:txBody>
+          <a:bodyPr/>
+          <a:lstStyle/>
+          <a:p>
+            <a:endParaRPr lang="de-DE" dirty="0"/>
+          </a:p>
+        </p:txBody>
+      </p:sp>
+      <p:sp>
+        <p:nvSpPr>
+          <p:cNvPr id="5" name="Foliennummernplatzhalter 4">
+            <a:extLst>
+              <a:ext uri="{FF2B5EF4-FFF2-40B4-BE49-F238E27FC236}">
+                <a16:creationId xmlns:a16="http://schemas.microsoft.com/office/drawing/2014/main" id="{7B246376-21DF-8BF4-A1FD-B77C22C28AAB}"/>
+              </a:ext>
+            </a:extLst>
+          </p:cNvPr>
+          <p:cNvSpPr>
+            <a:spLocks noGrp="1"/>
+          </p:cNvSpPr>
+          <p:nvPr>
+            <p:ph type="sldNum" sz="quarter" idx="12"/>
+          </p:nvPr>
+        </p:nvSpPr>
+        <p:spPr/>
+        <p:txBody>
+          <a:bodyPr/>
+          <a:lstStyle/>
+          <a:p>
+            <a:fld id="{4FD190AE-D9AE-4074-AAED-D637288AF7F0}" type="slidenum">
+              <a:rPr lang="de-DE" sz="2000" smtClean="0">
+                <a:solidFill>
+                  <a:schemeClr val="tx1"/>
+                </a:solidFill>
+              </a:rPr>
+              <a:t>3</a:t>
+            </a:fld>
+            <a:endParaRPr lang="de-DE" sz="2000" dirty="0">
+              <a:solidFill>
+                <a:schemeClr val="tx1"/>
+              </a:solidFill>
+            </a:endParaRPr>
+          </a:p>
+        </p:txBody>
+      </p:sp>
+    </p:spTree>
+    <p:extLst>
+      <p:ext uri="{BB962C8B-B14F-4D97-AF65-F5344CB8AC3E}">
+        <p14:creationId xmlns:p14="http://schemas.microsoft.com/office/powerpoint/2010/main" val="1602302725"/>
+      </p:ext>
+    </p:extLst>
+  </p:cSld>
+  <p:clrMapOvr>
+    <a:masterClrMapping/>
+  </p:clrMapOvr>
+</p:sld>
+</file>
+
 <file path=ppt/slides/slide4.xml><?xml version="1.0" encoding="utf-8"?>
 <p:sld xmlns:a="http://schemas.openxmlformats.org/drawingml/2006/main" xmlns:r="http://schemas.openxmlformats.org/officeDocument/2006/relationships" xmlns:p="http://schemas.openxmlformats.org/presentationml/2006/main">
   <p:cSld>
@@ -7811,10 +7461,10 @@
       </p:grpSpPr>
       <p:sp>
         <p:nvSpPr>
-          <p:cNvPr id="3" name="Titel 2">
+          <p:cNvPr id="2" name="Titel 1">
             <a:extLst>
               <a:ext uri="{FF2B5EF4-FFF2-40B4-BE49-F238E27FC236}">
-                <a16:creationId xmlns:a16="http://schemas.microsoft.com/office/drawing/2014/main" id="{53AD19EA-19FD-31C3-9A36-EC2C3ECA7425}"/>
+                <a16:creationId xmlns:a16="http://schemas.microsoft.com/office/drawing/2014/main" id="{4AC7DED0-9976-693C-8B24-D84F23C8E7B6}"/>
               </a:ext>
             </a:extLst>
           </p:cNvPr>
@@ -7830,9 +7480,84 @@
           <a:bodyPr/>
           <a:lstStyle/>
           <a:p>
+            <a:pPr algn="ctr"/>
             <a:r>
               <a:rPr lang="de-DE" dirty="0"/>
-              <a:t>Use-Cases</a:t>
+              <a:t>POCs</a:t>
+            </a:r>
+          </a:p>
+        </p:txBody>
+      </p:sp>
+      <p:sp>
+        <p:nvSpPr>
+          <p:cNvPr id="3" name="Inhaltsplatzhalter 2">
+            <a:extLst>
+              <a:ext uri="{FF2B5EF4-FFF2-40B4-BE49-F238E27FC236}">
+                <a16:creationId xmlns:a16="http://schemas.microsoft.com/office/drawing/2014/main" id="{9AA5B10A-797A-3078-DAD6-26CFC5DC6EB5}"/>
+              </a:ext>
+            </a:extLst>
+          </p:cNvPr>
+          <p:cNvSpPr>
+            <a:spLocks noGrp="1"/>
+          </p:cNvSpPr>
+          <p:nvPr>
+            <p:ph sz="half" idx="1"/>
+          </p:nvPr>
+        </p:nvSpPr>
+        <p:spPr>
+          <a:xfrm>
+            <a:off x="838200" y="1825624"/>
+            <a:ext cx="5181600" cy="4186069"/>
+          </a:xfrm>
+        </p:spPr>
+        <p:txBody>
+          <a:bodyPr>
+            <a:normAutofit/>
+          </a:bodyPr>
+          <a:lstStyle/>
+          <a:p>
+            <a:pPr marL="0" indent="0">
+              <a:buNone/>
+            </a:pPr>
+            <a:r>
+              <a:rPr lang="de-DE" sz="1600" b="1" dirty="0" err="1"/>
+              <a:t>Priority</a:t>
+            </a:r>
+            <a:endParaRPr lang="de-DE" sz="1600" b="1" dirty="0"/>
+          </a:p>
+          <a:p>
+            <a:r>
+              <a:rPr lang="de-DE" sz="1600" dirty="0"/>
+              <a:t>Upload eines Bildes</a:t>
+            </a:r>
+          </a:p>
+          <a:p>
+            <a:r>
+              <a:rPr lang="de-DE" sz="1600" dirty="0"/>
+              <a:t>Aufruf eines gespeicherten Bildes</a:t>
+            </a:r>
+          </a:p>
+          <a:p>
+            <a:r>
+              <a:rPr lang="de-DE" sz="1600" dirty="0"/>
+              <a:t>Pub/Sub Funktionalität – </a:t>
+            </a:r>
+            <a:r>
+              <a:rPr lang="de-DE" sz="1600" dirty="0" err="1"/>
+              <a:t>subscribe</a:t>
+            </a:r>
+            <a:endParaRPr lang="de-DE" sz="1600" dirty="0"/>
+          </a:p>
+          <a:p>
+            <a:r>
+              <a:rPr lang="de-DE" sz="1600" dirty="0"/>
+              <a:t>Pub/Sub Funktionalität – publish</a:t>
+            </a:r>
+          </a:p>
+          <a:p>
+            <a:r>
+              <a:rPr lang="de-DE" sz="1600" dirty="0"/>
+              <a:t>Login</a:t>
             </a:r>
           </a:p>
         </p:txBody>
@@ -7842,7 +7567,7 @@
           <p:cNvPr id="4" name="Inhaltsplatzhalter 3">
             <a:extLst>
               <a:ext uri="{FF2B5EF4-FFF2-40B4-BE49-F238E27FC236}">
-                <a16:creationId xmlns:a16="http://schemas.microsoft.com/office/drawing/2014/main" id="{43D36CD5-C13A-93D9-C18B-BCA6C25AEC2A}"/>
+                <a16:creationId xmlns:a16="http://schemas.microsoft.com/office/drawing/2014/main" id="{3745E24A-6EBE-396A-E812-004272A50CC0}"/>
               </a:ext>
             </a:extLst>
           </p:cNvPr>
@@ -7850,7 +7575,7 @@
             <a:spLocks noGrp="1"/>
           </p:cNvSpPr>
           <p:nvPr>
-            <p:ph idx="1"/>
+            <p:ph sz="half" idx="2"/>
           </p:nvPr>
         </p:nvSpPr>
         <p:spPr/>
@@ -7858,7 +7583,57 @@
           <a:bodyPr/>
           <a:lstStyle/>
           <a:p>
-            <a:endParaRPr lang="de-DE" dirty="0"/>
+            <a:pPr marL="0" indent="0">
+              <a:buNone/>
+            </a:pPr>
+            <a:r>
+              <a:rPr lang="de-DE" sz="1600" b="1" dirty="0"/>
+              <a:t>Keine </a:t>
+            </a:r>
+            <a:r>
+              <a:rPr lang="de-DE" sz="1600" b="1" dirty="0" err="1"/>
+              <a:t>Priority</a:t>
+            </a:r>
+            <a:endParaRPr lang="de-DE" sz="1600" b="1" dirty="0"/>
+          </a:p>
+          <a:p>
+            <a:r>
+              <a:rPr lang="de-DE" sz="1600" dirty="0"/>
+              <a:t>Registrierung</a:t>
+            </a:r>
+          </a:p>
+          <a:p>
+            <a:r>
+              <a:rPr lang="de-DE" sz="1600" dirty="0"/>
+              <a:t>Verschlüsselung</a:t>
+            </a:r>
+          </a:p>
+          <a:p>
+            <a:r>
+              <a:rPr lang="de-DE" sz="1600" dirty="0"/>
+              <a:t>„Befreunden“ mit anderem User</a:t>
+            </a:r>
+          </a:p>
+          <a:p>
+            <a:r>
+              <a:rPr lang="de-DE" sz="1600" dirty="0"/>
+              <a:t>Annahme „Befreundung“</a:t>
+            </a:r>
+          </a:p>
+          <a:p>
+            <a:r>
+              <a:rPr lang="de-DE" sz="1600" dirty="0"/>
+              <a:t>Chat Funktion</a:t>
+            </a:r>
+          </a:p>
+          <a:p>
+            <a:r>
+              <a:rPr lang="de-DE" sz="1600" dirty="0"/>
+              <a:t>Zugriff auf Datenbank</a:t>
+            </a:r>
+          </a:p>
+          <a:p>
+            <a:endParaRPr lang="de-DE" b="1" dirty="0"/>
           </a:p>
         </p:txBody>
       </p:sp>
@@ -7902,7 +7677,7 @@
     </p:spTree>
     <p:extLst>
       <p:ext uri="{BB962C8B-B14F-4D97-AF65-F5344CB8AC3E}">
-        <p14:creationId xmlns:p14="http://schemas.microsoft.com/office/powerpoint/2010/main" val="1602302725"/>
+        <p14:creationId xmlns:p14="http://schemas.microsoft.com/office/powerpoint/2010/main" val="3388715465"/>
       </p:ext>
     </p:extLst>
   </p:cSld>
@@ -7953,7 +7728,7 @@
             <a:pPr algn="ctr"/>
             <a:r>
               <a:rPr lang="de-DE" dirty="0"/>
-              <a:t>POCs</a:t>
+              <a:t>POC Bildaufruf/-abruf</a:t>
             </a:r>
           </a:p>
         </p:txBody>
@@ -7963,7 +7738,7 @@
           <p:cNvPr id="3" name="Inhaltsplatzhalter 2">
             <a:extLst>
               <a:ext uri="{FF2B5EF4-FFF2-40B4-BE49-F238E27FC236}">
-                <a16:creationId xmlns:a16="http://schemas.microsoft.com/office/drawing/2014/main" id="{9AA5B10A-797A-3078-DAD6-26CFC5DC6EB5}"/>
+                <a16:creationId xmlns:a16="http://schemas.microsoft.com/office/drawing/2014/main" id="{26828B3D-0288-9D01-3FAB-ED2A638AE90B}"/>
               </a:ext>
             </a:extLst>
           </p:cNvPr>
@@ -7976,68 +7751,422 @@
         </p:nvSpPr>
         <p:spPr>
           <a:xfrm>
-            <a:off x="838200" y="1825624"/>
-            <a:ext cx="5181600" cy="4186069"/>
+            <a:off x="838200" y="1825625"/>
+            <a:ext cx="5181600" cy="4769728"/>
           </a:xfrm>
         </p:spPr>
         <p:txBody>
           <a:bodyPr>
-            <a:normAutofit/>
+            <a:normAutofit fontScale="92500" lnSpcReduction="20000"/>
           </a:bodyPr>
           <a:lstStyle/>
           <a:p>
-            <a:pPr marL="0" indent="0">
-              <a:buNone/>
+            <a:pPr marL="342900" lvl="0" indent="-342900">
+              <a:lnSpc>
+                <a:spcPct val="107000"/>
+              </a:lnSpc>
+              <a:buFont typeface="Symbol" panose="05050102010706020507" pitchFamily="18" charset="2"/>
+              <a:buChar char=""/>
             </a:pPr>
             <a:r>
-              <a:rPr lang="de-DE" sz="1600" b="1" dirty="0" err="1"/>
-              <a:t>Priority</a:t>
-            </a:r>
-            <a:endParaRPr lang="de-DE" sz="1600" b="1" dirty="0"/>
-          </a:p>
-          <a:p>
-            <a:r>
-              <a:rPr lang="de-DE" sz="1600" dirty="0"/>
+              <a:rPr lang="de-DE" sz="1200" u="sng" dirty="0">
+                <a:effectLst/>
+                <a:latin typeface="Calibri" panose="020F0502020204030204" pitchFamily="34" charset="0"/>
+                <a:ea typeface="Yu Mincho" panose="02020400000000000000" pitchFamily="18" charset="-128"/>
+                <a:cs typeface="Times New Roman" panose="02020603050405020304" pitchFamily="18" charset="0"/>
+              </a:rPr>
               <a:t>Upload eines Bildes</a:t>
             </a:r>
-          </a:p>
-          <a:p>
-            <a:r>
-              <a:rPr lang="de-DE" sz="1600" dirty="0"/>
-              <a:t>Aufruf eines gespeicherten Bildes</a:t>
-            </a:r>
-          </a:p>
-          <a:p>
-            <a:r>
-              <a:rPr lang="de-DE" sz="1600" dirty="0"/>
-              <a:t>Pub/Sub Funktionalität – </a:t>
-            </a:r>
-            <a:r>
-              <a:rPr lang="de-DE" sz="1600" dirty="0" err="1"/>
-              <a:t>subscribe</a:t>
-            </a:r>
-            <a:endParaRPr lang="de-DE" sz="1600" dirty="0"/>
-          </a:p>
-          <a:p>
-            <a:r>
-              <a:rPr lang="de-DE" sz="1600" dirty="0"/>
-              <a:t>Pub/Sub Funktionalität – publish</a:t>
-            </a:r>
-          </a:p>
-          <a:p>
-            <a:r>
-              <a:rPr lang="de-DE" sz="1600" dirty="0"/>
-              <a:t>Login</a:t>
-            </a:r>
-          </a:p>
-        </p:txBody>
-      </p:sp>
-      <p:sp>
-        <p:nvSpPr>
-          <p:cNvPr id="4" name="Inhaltsplatzhalter 3">
+            <a:endParaRPr lang="de-DE" sz="1200" dirty="0">
+              <a:effectLst/>
+              <a:latin typeface="Calibri" panose="020F0502020204030204" pitchFamily="34" charset="0"/>
+              <a:ea typeface="Yu Mincho" panose="02020400000000000000" pitchFamily="18" charset="-128"/>
+              <a:cs typeface="Times New Roman" panose="02020603050405020304" pitchFamily="18" charset="0"/>
+            </a:endParaRPr>
+          </a:p>
+          <a:p>
+            <a:pPr marL="742950" lvl="1" indent="-285750">
+              <a:lnSpc>
+                <a:spcPct val="107000"/>
+              </a:lnSpc>
+              <a:buFont typeface="Courier New" panose="02070309020205020404" pitchFamily="49" charset="0"/>
+              <a:buChar char="o"/>
+            </a:pPr>
+            <a:r>
+              <a:rPr lang="de-DE" sz="1200" b="1" dirty="0">
+                <a:effectLst/>
+                <a:latin typeface="Calibri" panose="020F0502020204030204" pitchFamily="34" charset="0"/>
+                <a:ea typeface="Yu Mincho" panose="02020400000000000000" pitchFamily="18" charset="-128"/>
+                <a:cs typeface="Times New Roman" panose="02020603050405020304" pitchFamily="18" charset="0"/>
+              </a:rPr>
+              <a:t>Ablauf</a:t>
+            </a:r>
+            <a:endParaRPr lang="de-DE" sz="1200" dirty="0">
+              <a:effectLst/>
+              <a:latin typeface="Calibri" panose="020F0502020204030204" pitchFamily="34" charset="0"/>
+              <a:ea typeface="Yu Mincho" panose="02020400000000000000" pitchFamily="18" charset="-128"/>
+              <a:cs typeface="Times New Roman" panose="02020603050405020304" pitchFamily="18" charset="0"/>
+            </a:endParaRPr>
+          </a:p>
+          <a:p>
+            <a:pPr marL="1143000" lvl="2" indent="-228600">
+              <a:lnSpc>
+                <a:spcPct val="107000"/>
+              </a:lnSpc>
+              <a:buFont typeface="Wingdings" panose="05000000000000000000" pitchFamily="2" charset="2"/>
+              <a:buChar char=""/>
+            </a:pPr>
+            <a:r>
+              <a:rPr lang="de-DE" sz="1200" dirty="0">
+                <a:effectLst/>
+                <a:latin typeface="Calibri" panose="020F0502020204030204" pitchFamily="34" charset="0"/>
+                <a:ea typeface="Yu Mincho" panose="02020400000000000000" pitchFamily="18" charset="-128"/>
+                <a:cs typeface="Times New Roman" panose="02020603050405020304" pitchFamily="18" charset="0"/>
+              </a:rPr>
+              <a:t>Aufruf einer Upload Funktion</a:t>
+            </a:r>
+          </a:p>
+          <a:p>
+            <a:pPr marL="1143000" lvl="2" indent="-228600">
+              <a:lnSpc>
+                <a:spcPct val="107000"/>
+              </a:lnSpc>
+              <a:buFont typeface="Wingdings" panose="05000000000000000000" pitchFamily="2" charset="2"/>
+              <a:buChar char=""/>
+            </a:pPr>
+            <a:r>
+              <a:rPr lang="de-DE" sz="1200" dirty="0">
+                <a:effectLst/>
+                <a:latin typeface="Calibri" panose="020F0502020204030204" pitchFamily="34" charset="0"/>
+                <a:ea typeface="Yu Mincho" panose="02020400000000000000" pitchFamily="18" charset="-128"/>
+                <a:cs typeface="Times New Roman" panose="02020603050405020304" pitchFamily="18" charset="0"/>
+              </a:rPr>
+              <a:t>Auslesen des Bild mit Unterstützung gängiger Bildformate</a:t>
+            </a:r>
+          </a:p>
+          <a:p>
+            <a:pPr marL="1143000" lvl="2" indent="-228600">
+              <a:lnSpc>
+                <a:spcPct val="107000"/>
+              </a:lnSpc>
+              <a:buFont typeface="Wingdings" panose="05000000000000000000" pitchFamily="2" charset="2"/>
+              <a:buChar char=""/>
+            </a:pPr>
+            <a:r>
+              <a:rPr lang="de-DE" sz="1200" dirty="0">
+                <a:effectLst/>
+                <a:latin typeface="Calibri" panose="020F0502020204030204" pitchFamily="34" charset="0"/>
+                <a:ea typeface="Yu Mincho" panose="02020400000000000000" pitchFamily="18" charset="-128"/>
+                <a:cs typeface="Times New Roman" panose="02020603050405020304" pitchFamily="18" charset="0"/>
+              </a:rPr>
+              <a:t>Automatisches Auslesen der erforderlichen Metadaten</a:t>
+            </a:r>
+          </a:p>
+          <a:p>
+            <a:pPr marL="1143000" lvl="2" indent="-228600">
+              <a:lnSpc>
+                <a:spcPct val="107000"/>
+              </a:lnSpc>
+              <a:buFont typeface="Wingdings" panose="05000000000000000000" pitchFamily="2" charset="2"/>
+              <a:buChar char=""/>
+            </a:pPr>
+            <a:r>
+              <a:rPr lang="de-DE" sz="1200" dirty="0">
+                <a:effectLst/>
+                <a:latin typeface="Calibri" panose="020F0502020204030204" pitchFamily="34" charset="0"/>
+                <a:ea typeface="Yu Mincho" panose="02020400000000000000" pitchFamily="18" charset="-128"/>
+                <a:cs typeface="Times New Roman" panose="02020603050405020304" pitchFamily="18" charset="0"/>
+              </a:rPr>
+              <a:t>Erzeugen eines Bildobjekts mit Bild und Metadaten</a:t>
+            </a:r>
+          </a:p>
+          <a:p>
+            <a:pPr marL="1143000" lvl="2" indent="-228600">
+              <a:lnSpc>
+                <a:spcPct val="107000"/>
+              </a:lnSpc>
+              <a:buFont typeface="Wingdings" panose="05000000000000000000" pitchFamily="2" charset="2"/>
+              <a:buChar char=""/>
+            </a:pPr>
+            <a:r>
+              <a:rPr lang="de-DE" sz="1200" dirty="0">
+                <a:effectLst/>
+                <a:latin typeface="Calibri" panose="020F0502020204030204" pitchFamily="34" charset="0"/>
+                <a:ea typeface="Yu Mincho" panose="02020400000000000000" pitchFamily="18" charset="-128"/>
+                <a:cs typeface="Times New Roman" panose="02020603050405020304" pitchFamily="18" charset="0"/>
+              </a:rPr>
+              <a:t>Abspeichern des Bildobjekts</a:t>
+            </a:r>
+          </a:p>
+          <a:p>
+            <a:pPr marL="742950" lvl="1" indent="-285750">
+              <a:lnSpc>
+                <a:spcPct val="107000"/>
+              </a:lnSpc>
+              <a:buFont typeface="Courier New" panose="02070309020205020404" pitchFamily="49" charset="0"/>
+              <a:buChar char="o"/>
+            </a:pPr>
+            <a:r>
+              <a:rPr lang="de-DE" sz="1200" b="1" dirty="0">
+                <a:effectLst/>
+                <a:latin typeface="Calibri" panose="020F0502020204030204" pitchFamily="34" charset="0"/>
+                <a:ea typeface="Yu Mincho" panose="02020400000000000000" pitchFamily="18" charset="-128"/>
+                <a:cs typeface="Times New Roman" panose="02020603050405020304" pitchFamily="18" charset="0"/>
+              </a:rPr>
+              <a:t>Exit-Kriterien</a:t>
+            </a:r>
+            <a:endParaRPr lang="de-DE" sz="1200" dirty="0">
+              <a:effectLst/>
+              <a:latin typeface="Calibri" panose="020F0502020204030204" pitchFamily="34" charset="0"/>
+              <a:ea typeface="Yu Mincho" panose="02020400000000000000" pitchFamily="18" charset="-128"/>
+              <a:cs typeface="Times New Roman" panose="02020603050405020304" pitchFamily="18" charset="0"/>
+            </a:endParaRPr>
+          </a:p>
+          <a:p>
+            <a:pPr marL="1143000" lvl="2" indent="-228600">
+              <a:lnSpc>
+                <a:spcPct val="107000"/>
+              </a:lnSpc>
+              <a:buFont typeface="Wingdings" panose="05000000000000000000" pitchFamily="2" charset="2"/>
+              <a:buChar char=""/>
+            </a:pPr>
+            <a:r>
+              <a:rPr lang="de-DE" sz="1200" dirty="0">
+                <a:effectLst/>
+                <a:latin typeface="Calibri" panose="020F0502020204030204" pitchFamily="34" charset="0"/>
+                <a:ea typeface="Yu Mincho" panose="02020400000000000000" pitchFamily="18" charset="-128"/>
+                <a:cs typeface="Times New Roman" panose="02020603050405020304" pitchFamily="18" charset="0"/>
+              </a:rPr>
+              <a:t>Funktion konnte aufgerufen werden und Eingaben wurden erfolgreich und korrekt übernommen.</a:t>
+            </a:r>
+          </a:p>
+          <a:p>
+            <a:pPr marL="1143000" lvl="2" indent="-228600">
+              <a:lnSpc>
+                <a:spcPct val="107000"/>
+              </a:lnSpc>
+              <a:buFont typeface="Wingdings" panose="05000000000000000000" pitchFamily="2" charset="2"/>
+              <a:buChar char=""/>
+            </a:pPr>
+            <a:r>
+              <a:rPr lang="de-DE" sz="1200" dirty="0">
+                <a:effectLst/>
+                <a:latin typeface="Calibri" panose="020F0502020204030204" pitchFamily="34" charset="0"/>
+                <a:ea typeface="Yu Mincho" panose="02020400000000000000" pitchFamily="18" charset="-128"/>
+                <a:cs typeface="Times New Roman" panose="02020603050405020304" pitchFamily="18" charset="0"/>
+              </a:rPr>
+              <a:t>Bilddaten konnten erfolgreich geladen werden.</a:t>
+            </a:r>
+          </a:p>
+          <a:p>
+            <a:pPr marL="1143000" lvl="2" indent="-228600">
+              <a:lnSpc>
+                <a:spcPct val="107000"/>
+              </a:lnSpc>
+              <a:buFont typeface="Wingdings" panose="05000000000000000000" pitchFamily="2" charset="2"/>
+              <a:buChar char=""/>
+            </a:pPr>
+            <a:r>
+              <a:rPr lang="de-DE" sz="1200" dirty="0">
+                <a:effectLst/>
+                <a:latin typeface="Calibri" panose="020F0502020204030204" pitchFamily="34" charset="0"/>
+                <a:ea typeface="Yu Mincho" panose="02020400000000000000" pitchFamily="18" charset="-128"/>
+                <a:cs typeface="Times New Roman" panose="02020603050405020304" pitchFamily="18" charset="0"/>
+              </a:rPr>
+              <a:t>Neues Bildobjekt wurde erfolgreich erzeugt und abgespeichert.</a:t>
+            </a:r>
+          </a:p>
+          <a:p>
+            <a:pPr marL="742950" lvl="1" indent="-285750">
+              <a:lnSpc>
+                <a:spcPct val="107000"/>
+              </a:lnSpc>
+              <a:buFont typeface="Courier New" panose="02070309020205020404" pitchFamily="49" charset="0"/>
+              <a:buChar char="o"/>
+            </a:pPr>
+            <a:r>
+              <a:rPr lang="de-DE" sz="1200" b="1" dirty="0">
+                <a:effectLst/>
+                <a:latin typeface="Calibri" panose="020F0502020204030204" pitchFamily="34" charset="0"/>
+                <a:ea typeface="Yu Mincho" panose="02020400000000000000" pitchFamily="18" charset="-128"/>
+                <a:cs typeface="Times New Roman" panose="02020603050405020304" pitchFamily="18" charset="0"/>
+              </a:rPr>
+              <a:t>Fail-Kriterien</a:t>
+            </a:r>
+            <a:endParaRPr lang="de-DE" sz="1200" dirty="0">
+              <a:effectLst/>
+              <a:latin typeface="Calibri" panose="020F0502020204030204" pitchFamily="34" charset="0"/>
+              <a:ea typeface="Yu Mincho" panose="02020400000000000000" pitchFamily="18" charset="-128"/>
+              <a:cs typeface="Times New Roman" panose="02020603050405020304" pitchFamily="18" charset="0"/>
+            </a:endParaRPr>
+          </a:p>
+          <a:p>
+            <a:pPr marL="1143000" lvl="2" indent="-228600">
+              <a:lnSpc>
+                <a:spcPct val="107000"/>
+              </a:lnSpc>
+              <a:buFont typeface="Wingdings" panose="05000000000000000000" pitchFamily="2" charset="2"/>
+              <a:buChar char=""/>
+            </a:pPr>
+            <a:r>
+              <a:rPr lang="de-DE" sz="1200" dirty="0">
+                <a:effectLst/>
+                <a:latin typeface="Calibri" panose="020F0502020204030204" pitchFamily="34" charset="0"/>
+                <a:ea typeface="Yu Mincho" panose="02020400000000000000" pitchFamily="18" charset="-128"/>
+                <a:cs typeface="Times New Roman" panose="02020603050405020304" pitchFamily="18" charset="0"/>
+              </a:rPr>
+              <a:t>Bilddaten konnten gar nicht geladen werden</a:t>
+            </a:r>
+          </a:p>
+          <a:p>
+            <a:pPr marL="1143000" lvl="2" indent="-228600">
+              <a:lnSpc>
+                <a:spcPct val="107000"/>
+              </a:lnSpc>
+              <a:buFont typeface="Wingdings" panose="05000000000000000000" pitchFamily="2" charset="2"/>
+              <a:buChar char=""/>
+            </a:pPr>
+            <a:r>
+              <a:rPr lang="de-DE" sz="1200" dirty="0">
+                <a:effectLst/>
+                <a:latin typeface="Calibri" panose="020F0502020204030204" pitchFamily="34" charset="0"/>
+                <a:ea typeface="Yu Mincho" panose="02020400000000000000" pitchFamily="18" charset="-128"/>
+                <a:cs typeface="Times New Roman" panose="02020603050405020304" pitchFamily="18" charset="0"/>
+              </a:rPr>
+              <a:t>Nur begrenzte Bildformate konnten unterstützt werden</a:t>
+            </a:r>
+          </a:p>
+          <a:p>
+            <a:pPr marL="1143000" lvl="2" indent="-228600">
+              <a:lnSpc>
+                <a:spcPct val="107000"/>
+              </a:lnSpc>
+              <a:buFont typeface="Wingdings" panose="05000000000000000000" pitchFamily="2" charset="2"/>
+              <a:buChar char=""/>
+            </a:pPr>
+            <a:r>
+              <a:rPr lang="de-DE" sz="1200" dirty="0">
+                <a:effectLst/>
+                <a:latin typeface="Calibri" panose="020F0502020204030204" pitchFamily="34" charset="0"/>
+                <a:ea typeface="Yu Mincho" panose="02020400000000000000" pitchFamily="18" charset="-128"/>
+                <a:cs typeface="Times New Roman" panose="02020603050405020304" pitchFamily="18" charset="0"/>
+              </a:rPr>
+              <a:t>Neues Bildobjekt konnte nicht erzeugt werden</a:t>
+            </a:r>
+          </a:p>
+          <a:p>
+            <a:pPr marL="1143000" lvl="2" indent="-228600">
+              <a:lnSpc>
+                <a:spcPct val="107000"/>
+              </a:lnSpc>
+              <a:buFont typeface="Wingdings" panose="05000000000000000000" pitchFamily="2" charset="2"/>
+              <a:buChar char=""/>
+            </a:pPr>
+            <a:r>
+              <a:rPr lang="de-DE" sz="1200" dirty="0">
+                <a:effectLst/>
+                <a:latin typeface="Calibri" panose="020F0502020204030204" pitchFamily="34" charset="0"/>
+                <a:ea typeface="Yu Mincho" panose="02020400000000000000" pitchFamily="18" charset="-128"/>
+                <a:cs typeface="Times New Roman" panose="02020603050405020304" pitchFamily="18" charset="0"/>
+              </a:rPr>
+              <a:t>Bildobjekt konnte nicht abgespeichert werden</a:t>
+            </a:r>
+          </a:p>
+          <a:p>
+            <a:pPr marL="742950" lvl="1" indent="-285750">
+              <a:lnSpc>
+                <a:spcPct val="107000"/>
+              </a:lnSpc>
+              <a:buFont typeface="Courier New" panose="02070309020205020404" pitchFamily="49" charset="0"/>
+              <a:buChar char="o"/>
+            </a:pPr>
+            <a:r>
+              <a:rPr lang="de-DE" sz="1200" b="1" dirty="0" err="1">
+                <a:effectLst/>
+                <a:latin typeface="Calibri" panose="020F0502020204030204" pitchFamily="34" charset="0"/>
+                <a:ea typeface="Yu Mincho" panose="02020400000000000000" pitchFamily="18" charset="-128"/>
+                <a:cs typeface="Times New Roman" panose="02020603050405020304" pitchFamily="18" charset="0"/>
+              </a:rPr>
+              <a:t>Fallback</a:t>
+            </a:r>
+            <a:endParaRPr lang="de-DE" sz="1200" dirty="0">
+              <a:effectLst/>
+              <a:latin typeface="Calibri" panose="020F0502020204030204" pitchFamily="34" charset="0"/>
+              <a:ea typeface="Yu Mincho" panose="02020400000000000000" pitchFamily="18" charset="-128"/>
+              <a:cs typeface="Times New Roman" panose="02020603050405020304" pitchFamily="18" charset="0"/>
+            </a:endParaRPr>
+          </a:p>
+          <a:p>
+            <a:pPr marL="1143000" lvl="2" indent="-228600">
+              <a:lnSpc>
+                <a:spcPct val="107000"/>
+              </a:lnSpc>
+              <a:buFont typeface="Wingdings" panose="05000000000000000000" pitchFamily="2" charset="2"/>
+              <a:buChar char=""/>
+            </a:pPr>
+            <a:r>
+              <a:rPr lang="de-DE" sz="1200" dirty="0">
+                <a:effectLst/>
+                <a:latin typeface="Calibri" panose="020F0502020204030204" pitchFamily="34" charset="0"/>
+                <a:ea typeface="Yu Mincho" panose="02020400000000000000" pitchFamily="18" charset="-128"/>
+                <a:cs typeface="Times New Roman" panose="02020603050405020304" pitchFamily="18" charset="0"/>
+              </a:rPr>
+              <a:t>Aus Eindeutige Fehlermeldung wenn technische Fehler bei der Ausführung der Upload Funktion erfolgen</a:t>
+            </a:r>
+          </a:p>
+          <a:p>
+            <a:pPr marL="1143000" lvl="2" indent="-228600">
+              <a:lnSpc>
+                <a:spcPct val="107000"/>
+              </a:lnSpc>
+              <a:buFont typeface="Wingdings" panose="05000000000000000000" pitchFamily="2" charset="2"/>
+              <a:buChar char=""/>
+            </a:pPr>
+            <a:r>
+              <a:rPr lang="de-DE" sz="1200" dirty="0">
+                <a:effectLst/>
+                <a:latin typeface="Calibri" panose="020F0502020204030204" pitchFamily="34" charset="0"/>
+                <a:ea typeface="Yu Mincho" panose="02020400000000000000" pitchFamily="18" charset="-128"/>
+                <a:cs typeface="Times New Roman" panose="02020603050405020304" pitchFamily="18" charset="0"/>
+              </a:rPr>
+              <a:t>Bild wird ohne Metadaten gespeichert</a:t>
+            </a:r>
+          </a:p>
+          <a:p>
+            <a:pPr marL="1143000" lvl="2" indent="-228600">
+              <a:lnSpc>
+                <a:spcPct val="107000"/>
+              </a:lnSpc>
+              <a:spcAft>
+                <a:spcPts val="800"/>
+              </a:spcAft>
+              <a:buFont typeface="Wingdings" panose="05000000000000000000" pitchFamily="2" charset="2"/>
+              <a:buChar char=""/>
+            </a:pPr>
+            <a:r>
+              <a:rPr lang="de-DE" sz="1200" dirty="0">
+                <a:effectLst/>
+                <a:latin typeface="Calibri" panose="020F0502020204030204" pitchFamily="34" charset="0"/>
+                <a:ea typeface="Yu Mincho" panose="02020400000000000000" pitchFamily="18" charset="-128"/>
+                <a:cs typeface="Times New Roman" panose="02020603050405020304" pitchFamily="18" charset="0"/>
+              </a:rPr>
+              <a:t>Es werden begrenzte Bildformate gefordert</a:t>
+            </a:r>
+            <a:endParaRPr lang="de-DE" sz="1200" dirty="0">
+              <a:effectLst/>
+              <a:latin typeface="Calibri" panose="020F0502020204030204" pitchFamily="34" charset="0"/>
+              <a:ea typeface="Calibri" panose="020F0502020204030204" pitchFamily="34" charset="0"/>
+              <a:cs typeface="Times New Roman" panose="02020603050405020304" pitchFamily="18" charset="0"/>
+            </a:endParaRPr>
+          </a:p>
+        </p:txBody>
+      </p:sp>
+      <p:sp>
+        <p:nvSpPr>
+          <p:cNvPr id="6" name="Inhaltsplatzhalter 5">
             <a:extLst>
               <a:ext uri="{FF2B5EF4-FFF2-40B4-BE49-F238E27FC236}">
-                <a16:creationId xmlns:a16="http://schemas.microsoft.com/office/drawing/2014/main" id="{3745E24A-6EBE-396A-E812-004272A50CC0}"/>
+                <a16:creationId xmlns:a16="http://schemas.microsoft.com/office/drawing/2014/main" id="{D27F10EA-731C-BC21-64B1-413E86CA7C17}"/>
               </a:ext>
             </a:extLst>
           </p:cNvPr>
@@ -8048,62 +8177,283 @@
             <p:ph sz="half" idx="2"/>
           </p:nvPr>
         </p:nvSpPr>
-        <p:spPr/>
-        <p:txBody>
-          <a:bodyPr/>
+        <p:spPr>
+          <a:xfrm>
+            <a:off x="6172200" y="1825625"/>
+            <a:ext cx="5181600" cy="4769728"/>
+          </a:xfrm>
+        </p:spPr>
+        <p:txBody>
+          <a:bodyPr anchor="t" anchorCtr="0">
+            <a:normAutofit fontScale="92500" lnSpcReduction="20000"/>
+          </a:bodyPr>
           <a:lstStyle/>
           <a:p>
-            <a:pPr marL="0" indent="0">
-              <a:buNone/>
+            <a:pPr marL="342900" lvl="0" indent="-342900">
+              <a:lnSpc>
+                <a:spcPct val="107000"/>
+              </a:lnSpc>
+              <a:buFont typeface="Symbol" panose="05050102010706020507" pitchFamily="18" charset="2"/>
+              <a:buChar char=""/>
             </a:pPr>
             <a:r>
-              <a:rPr lang="de-DE" sz="1600" b="1" dirty="0"/>
-              <a:t>Keine </a:t>
-            </a:r>
-            <a:r>
-              <a:rPr lang="de-DE" sz="1600" b="1" dirty="0" err="1"/>
-              <a:t>Priority</a:t>
-            </a:r>
-            <a:endParaRPr lang="de-DE" sz="1600" b="1" dirty="0"/>
-          </a:p>
-          <a:p>
-            <a:r>
-              <a:rPr lang="de-DE" sz="1600" dirty="0"/>
-              <a:t>Registrierung</a:t>
-            </a:r>
-          </a:p>
-          <a:p>
-            <a:r>
-              <a:rPr lang="de-DE" sz="1600" dirty="0"/>
-              <a:t>Verschlüsselung</a:t>
-            </a:r>
-          </a:p>
-          <a:p>
-            <a:r>
-              <a:rPr lang="de-DE" sz="1600" dirty="0"/>
-              <a:t>„Befreunden“ mit anderem User</a:t>
-            </a:r>
-          </a:p>
-          <a:p>
-            <a:r>
-              <a:rPr lang="de-DE" sz="1600" dirty="0"/>
-              <a:t>Annahme „Befreundung“</a:t>
-            </a:r>
-          </a:p>
-          <a:p>
-            <a:r>
-              <a:rPr lang="de-DE" sz="1600" dirty="0"/>
-              <a:t>Chat Funktion</a:t>
-            </a:r>
-          </a:p>
-          <a:p>
-            <a:r>
-              <a:rPr lang="de-DE" sz="1600" dirty="0"/>
-              <a:t>Zugriff auf Datenbank</a:t>
-            </a:r>
-          </a:p>
-          <a:p>
-            <a:endParaRPr lang="de-DE" b="1" dirty="0"/>
+              <a:rPr lang="de-DE" sz="1100" u="sng" dirty="0">
+                <a:effectLst/>
+                <a:latin typeface="Calibri" panose="020F0502020204030204" pitchFamily="34" charset="0"/>
+                <a:ea typeface="Yu Mincho" panose="02020400000000000000" pitchFamily="18" charset="-128"/>
+                <a:cs typeface="Times New Roman" panose="02020603050405020304" pitchFamily="18" charset="0"/>
+              </a:rPr>
+              <a:t>Aufruf eines gespeicherten Bildes</a:t>
+            </a:r>
+            <a:endParaRPr lang="de-DE" sz="1100" dirty="0">
+              <a:effectLst/>
+              <a:latin typeface="Calibri" panose="020F0502020204030204" pitchFamily="34" charset="0"/>
+              <a:ea typeface="Yu Mincho" panose="02020400000000000000" pitchFamily="18" charset="-128"/>
+              <a:cs typeface="Times New Roman" panose="02020603050405020304" pitchFamily="18" charset="0"/>
+            </a:endParaRPr>
+          </a:p>
+          <a:p>
+            <a:pPr marL="742950" lvl="1" indent="-285750">
+              <a:lnSpc>
+                <a:spcPct val="107000"/>
+              </a:lnSpc>
+              <a:buFont typeface="Courier New" panose="02070309020205020404" pitchFamily="49" charset="0"/>
+              <a:buChar char="o"/>
+            </a:pPr>
+            <a:r>
+              <a:rPr lang="de-DE" sz="1100" b="1" dirty="0">
+                <a:effectLst/>
+                <a:latin typeface="Calibri" panose="020F0502020204030204" pitchFamily="34" charset="0"/>
+                <a:ea typeface="Yu Mincho" panose="02020400000000000000" pitchFamily="18" charset="-128"/>
+                <a:cs typeface="Times New Roman" panose="02020603050405020304" pitchFamily="18" charset="0"/>
+              </a:rPr>
+              <a:t>Ablauf</a:t>
+            </a:r>
+            <a:endParaRPr lang="de-DE" sz="1100" dirty="0">
+              <a:effectLst/>
+              <a:latin typeface="Calibri" panose="020F0502020204030204" pitchFamily="34" charset="0"/>
+              <a:ea typeface="Yu Mincho" panose="02020400000000000000" pitchFamily="18" charset="-128"/>
+              <a:cs typeface="Times New Roman" panose="02020603050405020304" pitchFamily="18" charset="0"/>
+            </a:endParaRPr>
+          </a:p>
+          <a:p>
+            <a:pPr marL="1143000" lvl="2" indent="-228600">
+              <a:lnSpc>
+                <a:spcPct val="107000"/>
+              </a:lnSpc>
+              <a:buFont typeface="Wingdings" panose="05000000000000000000" pitchFamily="2" charset="2"/>
+              <a:buChar char=""/>
+            </a:pPr>
+            <a:r>
+              <a:rPr lang="de-DE" sz="1100" dirty="0">
+                <a:effectLst/>
+                <a:latin typeface="Calibri" panose="020F0502020204030204" pitchFamily="34" charset="0"/>
+                <a:ea typeface="Yu Mincho" panose="02020400000000000000" pitchFamily="18" charset="-128"/>
+                <a:cs typeface="Times New Roman" panose="02020603050405020304" pitchFamily="18" charset="0"/>
+              </a:rPr>
+              <a:t>Bild wird aus persistentem Speicher geladen</a:t>
+            </a:r>
+          </a:p>
+          <a:p>
+            <a:pPr marL="1143000" lvl="2" indent="-228600">
+              <a:lnSpc>
+                <a:spcPct val="107000"/>
+              </a:lnSpc>
+              <a:buFont typeface="Wingdings" panose="05000000000000000000" pitchFamily="2" charset="2"/>
+              <a:buChar char=""/>
+            </a:pPr>
+            <a:r>
+              <a:rPr lang="de-DE" sz="1100" dirty="0">
+                <a:effectLst/>
+                <a:latin typeface="Calibri" panose="020F0502020204030204" pitchFamily="34" charset="0"/>
+                <a:ea typeface="Yu Mincho" panose="02020400000000000000" pitchFamily="18" charset="-128"/>
+                <a:cs typeface="Times New Roman" panose="02020603050405020304" pitchFamily="18" charset="0"/>
+              </a:rPr>
+              <a:t>Ansicht des Bildobjekts erzeugen</a:t>
+            </a:r>
+          </a:p>
+          <a:p>
+            <a:pPr marL="742950" lvl="1" indent="-285750">
+              <a:lnSpc>
+                <a:spcPct val="107000"/>
+              </a:lnSpc>
+              <a:buFont typeface="Courier New" panose="02070309020205020404" pitchFamily="49" charset="0"/>
+              <a:buChar char="o"/>
+            </a:pPr>
+            <a:r>
+              <a:rPr lang="de-DE" sz="1100" b="1" dirty="0">
+                <a:effectLst/>
+                <a:latin typeface="Calibri" panose="020F0502020204030204" pitchFamily="34" charset="0"/>
+                <a:ea typeface="Yu Mincho" panose="02020400000000000000" pitchFamily="18" charset="-128"/>
+                <a:cs typeface="Times New Roman" panose="02020603050405020304" pitchFamily="18" charset="0"/>
+              </a:rPr>
+              <a:t>Exit-Kriterien</a:t>
+            </a:r>
+            <a:endParaRPr lang="de-DE" sz="1100" dirty="0">
+              <a:effectLst/>
+              <a:latin typeface="Calibri" panose="020F0502020204030204" pitchFamily="34" charset="0"/>
+              <a:ea typeface="Yu Mincho" panose="02020400000000000000" pitchFamily="18" charset="-128"/>
+              <a:cs typeface="Times New Roman" panose="02020603050405020304" pitchFamily="18" charset="0"/>
+            </a:endParaRPr>
+          </a:p>
+          <a:p>
+            <a:pPr marL="1143000" lvl="2" indent="-228600">
+              <a:lnSpc>
+                <a:spcPct val="107000"/>
+              </a:lnSpc>
+              <a:buFont typeface="Wingdings" panose="05000000000000000000" pitchFamily="2" charset="2"/>
+              <a:buChar char=""/>
+            </a:pPr>
+            <a:r>
+              <a:rPr lang="de-DE" sz="1100" dirty="0">
+                <a:effectLst/>
+                <a:latin typeface="Calibri" panose="020F0502020204030204" pitchFamily="34" charset="0"/>
+                <a:ea typeface="Yu Mincho" panose="02020400000000000000" pitchFamily="18" charset="-128"/>
+                <a:cs typeface="Times New Roman" panose="02020603050405020304" pitchFamily="18" charset="0"/>
+              </a:rPr>
+              <a:t>Bild wurde erfolgreich aus persistentem Speicher geladen</a:t>
+            </a:r>
+          </a:p>
+          <a:p>
+            <a:pPr marL="1143000" lvl="2" indent="-228600">
+              <a:lnSpc>
+                <a:spcPct val="107000"/>
+              </a:lnSpc>
+              <a:buFont typeface="Wingdings" panose="05000000000000000000" pitchFamily="2" charset="2"/>
+              <a:buChar char=""/>
+            </a:pPr>
+            <a:r>
+              <a:rPr lang="de-DE" sz="1100" dirty="0">
+                <a:effectLst/>
+                <a:latin typeface="Calibri" panose="020F0502020204030204" pitchFamily="34" charset="0"/>
+                <a:ea typeface="Yu Mincho" panose="02020400000000000000" pitchFamily="18" charset="-128"/>
+                <a:cs typeface="Times New Roman" panose="02020603050405020304" pitchFamily="18" charset="0"/>
+              </a:rPr>
+              <a:t>Ansicht wurde erfolgreich erzeugt.</a:t>
+            </a:r>
+          </a:p>
+          <a:p>
+            <a:pPr marL="742950" lvl="1" indent="-285750">
+              <a:lnSpc>
+                <a:spcPct val="107000"/>
+              </a:lnSpc>
+              <a:buFont typeface="Courier New" panose="02070309020205020404" pitchFamily="49" charset="0"/>
+              <a:buChar char="o"/>
+            </a:pPr>
+            <a:r>
+              <a:rPr lang="de-DE" sz="1100" b="1" dirty="0">
+                <a:effectLst/>
+                <a:latin typeface="Calibri" panose="020F0502020204030204" pitchFamily="34" charset="0"/>
+                <a:ea typeface="Yu Mincho" panose="02020400000000000000" pitchFamily="18" charset="-128"/>
+                <a:cs typeface="Times New Roman" panose="02020603050405020304" pitchFamily="18" charset="0"/>
+              </a:rPr>
+              <a:t>Fail-Kriterien</a:t>
+            </a:r>
+            <a:endParaRPr lang="de-DE" sz="1100" dirty="0">
+              <a:effectLst/>
+              <a:latin typeface="Calibri" panose="020F0502020204030204" pitchFamily="34" charset="0"/>
+              <a:ea typeface="Yu Mincho" panose="02020400000000000000" pitchFamily="18" charset="-128"/>
+              <a:cs typeface="Times New Roman" panose="02020603050405020304" pitchFamily="18" charset="0"/>
+            </a:endParaRPr>
+          </a:p>
+          <a:p>
+            <a:pPr marL="1143000" lvl="2" indent="-228600">
+              <a:lnSpc>
+                <a:spcPct val="107000"/>
+              </a:lnSpc>
+              <a:buFont typeface="Wingdings" panose="05000000000000000000" pitchFamily="2" charset="2"/>
+              <a:buChar char=""/>
+            </a:pPr>
+            <a:r>
+              <a:rPr lang="de-DE" sz="1100" dirty="0">
+                <a:effectLst/>
+                <a:latin typeface="Calibri" panose="020F0502020204030204" pitchFamily="34" charset="0"/>
+                <a:ea typeface="Yu Mincho" panose="02020400000000000000" pitchFamily="18" charset="-128"/>
+                <a:cs typeface="Times New Roman" panose="02020603050405020304" pitchFamily="18" charset="0"/>
+              </a:rPr>
+              <a:t>Bild wurde nicht aus persistentem Speicher geladen</a:t>
+            </a:r>
+          </a:p>
+          <a:p>
+            <a:pPr marL="1143000" lvl="2" indent="-228600">
+              <a:lnSpc>
+                <a:spcPct val="107000"/>
+              </a:lnSpc>
+              <a:buFont typeface="Wingdings" panose="05000000000000000000" pitchFamily="2" charset="2"/>
+              <a:buChar char=""/>
+            </a:pPr>
+            <a:r>
+              <a:rPr lang="de-DE" sz="1100" dirty="0">
+                <a:effectLst/>
+                <a:latin typeface="Calibri" panose="020F0502020204030204" pitchFamily="34" charset="0"/>
+                <a:ea typeface="Yu Mincho" panose="02020400000000000000" pitchFamily="18" charset="-128"/>
+                <a:cs typeface="Times New Roman" panose="02020603050405020304" pitchFamily="18" charset="0"/>
+              </a:rPr>
+              <a:t>Ansicht wurde nicht erzeugt</a:t>
+            </a:r>
+          </a:p>
+          <a:p>
+            <a:pPr marL="742950" lvl="1" indent="-285750">
+              <a:lnSpc>
+                <a:spcPct val="107000"/>
+              </a:lnSpc>
+              <a:buFont typeface="Courier New" panose="02070309020205020404" pitchFamily="49" charset="0"/>
+              <a:buChar char="o"/>
+            </a:pPr>
+            <a:r>
+              <a:rPr lang="de-DE" sz="1100" b="1" dirty="0" err="1">
+                <a:effectLst/>
+                <a:latin typeface="Calibri" panose="020F0502020204030204" pitchFamily="34" charset="0"/>
+                <a:ea typeface="Yu Mincho" panose="02020400000000000000" pitchFamily="18" charset="-128"/>
+                <a:cs typeface="Times New Roman" panose="02020603050405020304" pitchFamily="18" charset="0"/>
+              </a:rPr>
+              <a:t>Fallback</a:t>
+            </a:r>
+            <a:endParaRPr lang="de-DE" sz="1100" dirty="0">
+              <a:effectLst/>
+              <a:latin typeface="Calibri" panose="020F0502020204030204" pitchFamily="34" charset="0"/>
+              <a:ea typeface="Yu Mincho" panose="02020400000000000000" pitchFamily="18" charset="-128"/>
+              <a:cs typeface="Times New Roman" panose="02020603050405020304" pitchFamily="18" charset="0"/>
+            </a:endParaRPr>
+          </a:p>
+          <a:p>
+            <a:pPr marL="1143000" lvl="2" indent="-228600">
+              <a:lnSpc>
+                <a:spcPct val="107000"/>
+              </a:lnSpc>
+              <a:buFont typeface="Wingdings" panose="05000000000000000000" pitchFamily="2" charset="2"/>
+              <a:buChar char=""/>
+            </a:pPr>
+            <a:r>
+              <a:rPr lang="de-DE" sz="1100" dirty="0">
+                <a:effectLst/>
+                <a:latin typeface="Calibri" panose="020F0502020204030204" pitchFamily="34" charset="0"/>
+                <a:ea typeface="Yu Mincho" panose="02020400000000000000" pitchFamily="18" charset="-128"/>
+                <a:cs typeface="Times New Roman" panose="02020603050405020304" pitchFamily="18" charset="0"/>
+              </a:rPr>
+              <a:t>Eindeutige Fehlermeldung anzeigen</a:t>
+            </a:r>
+          </a:p>
+          <a:p>
+            <a:pPr marL="1143000" lvl="2" indent="-228600">
+              <a:lnSpc>
+                <a:spcPct val="107000"/>
+              </a:lnSpc>
+              <a:spcAft>
+                <a:spcPts val="800"/>
+              </a:spcAft>
+              <a:buFont typeface="Wingdings" panose="05000000000000000000" pitchFamily="2" charset="2"/>
+              <a:buChar char=""/>
+            </a:pPr>
+            <a:r>
+              <a:rPr lang="de-DE" sz="1100" dirty="0">
+                <a:effectLst/>
+                <a:latin typeface="Calibri" panose="020F0502020204030204" pitchFamily="34" charset="0"/>
+                <a:ea typeface="Yu Mincho" panose="02020400000000000000" pitchFamily="18" charset="-128"/>
+                <a:cs typeface="Times New Roman" panose="02020603050405020304" pitchFamily="18" charset="0"/>
+              </a:rPr>
+              <a:t>Aufforderung zum neu laden mitteilen</a:t>
+            </a:r>
           </a:p>
         </p:txBody>
       </p:sp>
@@ -8147,7 +8497,7 @@
     </p:spTree>
     <p:extLst>
       <p:ext uri="{BB962C8B-B14F-4D97-AF65-F5344CB8AC3E}">
-        <p14:creationId xmlns:p14="http://schemas.microsoft.com/office/powerpoint/2010/main" val="3388715465"/>
+        <p14:creationId xmlns:p14="http://schemas.microsoft.com/office/powerpoint/2010/main" val="1195816902"/>
       </p:ext>
     </p:extLst>
   </p:cSld>
@@ -8198,826 +8548,6 @@
             <a:pPr algn="ctr"/>
             <a:r>
               <a:rPr lang="de-DE" dirty="0"/>
-              <a:t>POC Bildaufruf/-abruf</a:t>
-            </a:r>
-          </a:p>
-        </p:txBody>
-      </p:sp>
-      <p:sp>
-        <p:nvSpPr>
-          <p:cNvPr id="3" name="Inhaltsplatzhalter 2">
-            <a:extLst>
-              <a:ext uri="{FF2B5EF4-FFF2-40B4-BE49-F238E27FC236}">
-                <a16:creationId xmlns:a16="http://schemas.microsoft.com/office/drawing/2014/main" id="{26828B3D-0288-9D01-3FAB-ED2A638AE90B}"/>
-              </a:ext>
-            </a:extLst>
-          </p:cNvPr>
-          <p:cNvSpPr>
-            <a:spLocks noGrp="1"/>
-          </p:cNvSpPr>
-          <p:nvPr>
-            <p:ph sz="half" idx="1"/>
-          </p:nvPr>
-        </p:nvSpPr>
-        <p:spPr>
-          <a:xfrm>
-            <a:off x="838200" y="1825625"/>
-            <a:ext cx="5181600" cy="4769728"/>
-          </a:xfrm>
-        </p:spPr>
-        <p:txBody>
-          <a:bodyPr>
-            <a:normAutofit fontScale="92500" lnSpcReduction="20000"/>
-          </a:bodyPr>
-          <a:lstStyle/>
-          <a:p>
-            <a:pPr marL="342900" lvl="0" indent="-342900">
-              <a:lnSpc>
-                <a:spcPct val="107000"/>
-              </a:lnSpc>
-              <a:buFont typeface="Symbol" panose="05050102010706020507" pitchFamily="18" charset="2"/>
-              <a:buChar char=""/>
-            </a:pPr>
-            <a:r>
-              <a:rPr lang="de-DE" sz="1200" u="sng" dirty="0">
-                <a:effectLst/>
-                <a:latin typeface="Calibri" panose="020F0502020204030204" pitchFamily="34" charset="0"/>
-                <a:ea typeface="Yu Mincho" panose="02020400000000000000" pitchFamily="18" charset="-128"/>
-                <a:cs typeface="Times New Roman" panose="02020603050405020304" pitchFamily="18" charset="0"/>
-              </a:rPr>
-              <a:t>Upload eines Bildes</a:t>
-            </a:r>
-            <a:endParaRPr lang="de-DE" sz="1200" dirty="0">
-              <a:effectLst/>
-              <a:latin typeface="Calibri" panose="020F0502020204030204" pitchFamily="34" charset="0"/>
-              <a:ea typeface="Yu Mincho" panose="02020400000000000000" pitchFamily="18" charset="-128"/>
-              <a:cs typeface="Times New Roman" panose="02020603050405020304" pitchFamily="18" charset="0"/>
-            </a:endParaRPr>
-          </a:p>
-          <a:p>
-            <a:pPr marL="742950" lvl="1" indent="-285750">
-              <a:lnSpc>
-                <a:spcPct val="107000"/>
-              </a:lnSpc>
-              <a:buFont typeface="Courier New" panose="02070309020205020404" pitchFamily="49" charset="0"/>
-              <a:buChar char="o"/>
-            </a:pPr>
-            <a:r>
-              <a:rPr lang="de-DE" sz="1200" b="1" dirty="0">
-                <a:effectLst/>
-                <a:latin typeface="Calibri" panose="020F0502020204030204" pitchFamily="34" charset="0"/>
-                <a:ea typeface="Yu Mincho" panose="02020400000000000000" pitchFamily="18" charset="-128"/>
-                <a:cs typeface="Times New Roman" panose="02020603050405020304" pitchFamily="18" charset="0"/>
-              </a:rPr>
-              <a:t>Ablauf</a:t>
-            </a:r>
-            <a:endParaRPr lang="de-DE" sz="1200" dirty="0">
-              <a:effectLst/>
-              <a:latin typeface="Calibri" panose="020F0502020204030204" pitchFamily="34" charset="0"/>
-              <a:ea typeface="Yu Mincho" panose="02020400000000000000" pitchFamily="18" charset="-128"/>
-              <a:cs typeface="Times New Roman" panose="02020603050405020304" pitchFamily="18" charset="0"/>
-            </a:endParaRPr>
-          </a:p>
-          <a:p>
-            <a:pPr marL="1143000" lvl="2" indent="-228600">
-              <a:lnSpc>
-                <a:spcPct val="107000"/>
-              </a:lnSpc>
-              <a:buFont typeface="Wingdings" panose="05000000000000000000" pitchFamily="2" charset="2"/>
-              <a:buChar char=""/>
-            </a:pPr>
-            <a:r>
-              <a:rPr lang="de-DE" sz="1200" dirty="0">
-                <a:effectLst/>
-                <a:latin typeface="Calibri" panose="020F0502020204030204" pitchFamily="34" charset="0"/>
-                <a:ea typeface="Yu Mincho" panose="02020400000000000000" pitchFamily="18" charset="-128"/>
-                <a:cs typeface="Times New Roman" panose="02020603050405020304" pitchFamily="18" charset="0"/>
-              </a:rPr>
-              <a:t>Aufruf einer Upload Funktion</a:t>
-            </a:r>
-          </a:p>
-          <a:p>
-            <a:pPr marL="1143000" lvl="2" indent="-228600">
-              <a:lnSpc>
-                <a:spcPct val="107000"/>
-              </a:lnSpc>
-              <a:buFont typeface="Wingdings" panose="05000000000000000000" pitchFamily="2" charset="2"/>
-              <a:buChar char=""/>
-            </a:pPr>
-            <a:r>
-              <a:rPr lang="de-DE" sz="1200" dirty="0">
-                <a:effectLst/>
-                <a:latin typeface="Calibri" panose="020F0502020204030204" pitchFamily="34" charset="0"/>
-                <a:ea typeface="Yu Mincho" panose="02020400000000000000" pitchFamily="18" charset="-128"/>
-                <a:cs typeface="Times New Roman" panose="02020603050405020304" pitchFamily="18" charset="0"/>
-              </a:rPr>
-              <a:t>Auslesen des Bild mit Unterstützung gängiger Bildformate</a:t>
-            </a:r>
-          </a:p>
-          <a:p>
-            <a:pPr marL="1143000" lvl="2" indent="-228600">
-              <a:lnSpc>
-                <a:spcPct val="107000"/>
-              </a:lnSpc>
-              <a:buFont typeface="Wingdings" panose="05000000000000000000" pitchFamily="2" charset="2"/>
-              <a:buChar char=""/>
-            </a:pPr>
-            <a:r>
-              <a:rPr lang="de-DE" sz="1200" dirty="0">
-                <a:effectLst/>
-                <a:latin typeface="Calibri" panose="020F0502020204030204" pitchFamily="34" charset="0"/>
-                <a:ea typeface="Yu Mincho" panose="02020400000000000000" pitchFamily="18" charset="-128"/>
-                <a:cs typeface="Times New Roman" panose="02020603050405020304" pitchFamily="18" charset="0"/>
-              </a:rPr>
-              <a:t>Automatisches Auslesen der erforderlichen Metadaten</a:t>
-            </a:r>
-          </a:p>
-          <a:p>
-            <a:pPr marL="1143000" lvl="2" indent="-228600">
-              <a:lnSpc>
-                <a:spcPct val="107000"/>
-              </a:lnSpc>
-              <a:buFont typeface="Wingdings" panose="05000000000000000000" pitchFamily="2" charset="2"/>
-              <a:buChar char=""/>
-            </a:pPr>
-            <a:r>
-              <a:rPr lang="de-DE" sz="1200" dirty="0">
-                <a:effectLst/>
-                <a:latin typeface="Calibri" panose="020F0502020204030204" pitchFamily="34" charset="0"/>
-                <a:ea typeface="Yu Mincho" panose="02020400000000000000" pitchFamily="18" charset="-128"/>
-                <a:cs typeface="Times New Roman" panose="02020603050405020304" pitchFamily="18" charset="0"/>
-              </a:rPr>
-              <a:t>Erzeugen eines Bildobjekts mit Bild und Metadaten</a:t>
-            </a:r>
-          </a:p>
-          <a:p>
-            <a:pPr marL="1143000" lvl="2" indent="-228600">
-              <a:lnSpc>
-                <a:spcPct val="107000"/>
-              </a:lnSpc>
-              <a:buFont typeface="Wingdings" panose="05000000000000000000" pitchFamily="2" charset="2"/>
-              <a:buChar char=""/>
-            </a:pPr>
-            <a:r>
-              <a:rPr lang="de-DE" sz="1200" dirty="0">
-                <a:effectLst/>
-                <a:latin typeface="Calibri" panose="020F0502020204030204" pitchFamily="34" charset="0"/>
-                <a:ea typeface="Yu Mincho" panose="02020400000000000000" pitchFamily="18" charset="-128"/>
-                <a:cs typeface="Times New Roman" panose="02020603050405020304" pitchFamily="18" charset="0"/>
-              </a:rPr>
-              <a:t>Abspeichern des Bildobjekts</a:t>
-            </a:r>
-          </a:p>
-          <a:p>
-            <a:pPr marL="742950" lvl="1" indent="-285750">
-              <a:lnSpc>
-                <a:spcPct val="107000"/>
-              </a:lnSpc>
-              <a:buFont typeface="Courier New" panose="02070309020205020404" pitchFamily="49" charset="0"/>
-              <a:buChar char="o"/>
-            </a:pPr>
-            <a:r>
-              <a:rPr lang="de-DE" sz="1200" b="1" dirty="0">
-                <a:effectLst/>
-                <a:latin typeface="Calibri" panose="020F0502020204030204" pitchFamily="34" charset="0"/>
-                <a:ea typeface="Yu Mincho" panose="02020400000000000000" pitchFamily="18" charset="-128"/>
-                <a:cs typeface="Times New Roman" panose="02020603050405020304" pitchFamily="18" charset="0"/>
-              </a:rPr>
-              <a:t>Exit-Kriterien</a:t>
-            </a:r>
-            <a:endParaRPr lang="de-DE" sz="1200" dirty="0">
-              <a:effectLst/>
-              <a:latin typeface="Calibri" panose="020F0502020204030204" pitchFamily="34" charset="0"/>
-              <a:ea typeface="Yu Mincho" panose="02020400000000000000" pitchFamily="18" charset="-128"/>
-              <a:cs typeface="Times New Roman" panose="02020603050405020304" pitchFamily="18" charset="0"/>
-            </a:endParaRPr>
-          </a:p>
-          <a:p>
-            <a:pPr marL="1143000" lvl="2" indent="-228600">
-              <a:lnSpc>
-                <a:spcPct val="107000"/>
-              </a:lnSpc>
-              <a:buFont typeface="Wingdings" panose="05000000000000000000" pitchFamily="2" charset="2"/>
-              <a:buChar char=""/>
-            </a:pPr>
-            <a:r>
-              <a:rPr lang="de-DE" sz="1200" dirty="0">
-                <a:effectLst/>
-                <a:latin typeface="Calibri" panose="020F0502020204030204" pitchFamily="34" charset="0"/>
-                <a:ea typeface="Yu Mincho" panose="02020400000000000000" pitchFamily="18" charset="-128"/>
-                <a:cs typeface="Times New Roman" panose="02020603050405020304" pitchFamily="18" charset="0"/>
-              </a:rPr>
-              <a:t>Funktion konnte aufgerufen werden und Eingaben wurden erfolgreich und korrekt übernommen.</a:t>
-            </a:r>
-          </a:p>
-          <a:p>
-            <a:pPr marL="1143000" lvl="2" indent="-228600">
-              <a:lnSpc>
-                <a:spcPct val="107000"/>
-              </a:lnSpc>
-              <a:buFont typeface="Wingdings" panose="05000000000000000000" pitchFamily="2" charset="2"/>
-              <a:buChar char=""/>
-            </a:pPr>
-            <a:r>
-              <a:rPr lang="de-DE" sz="1200" dirty="0">
-                <a:effectLst/>
-                <a:latin typeface="Calibri" panose="020F0502020204030204" pitchFamily="34" charset="0"/>
-                <a:ea typeface="Yu Mincho" panose="02020400000000000000" pitchFamily="18" charset="-128"/>
-                <a:cs typeface="Times New Roman" panose="02020603050405020304" pitchFamily="18" charset="0"/>
-              </a:rPr>
-              <a:t>Bilddaten konnten erfolgreich geladen werden.</a:t>
-            </a:r>
-          </a:p>
-          <a:p>
-            <a:pPr marL="1143000" lvl="2" indent="-228600">
-              <a:lnSpc>
-                <a:spcPct val="107000"/>
-              </a:lnSpc>
-              <a:buFont typeface="Wingdings" panose="05000000000000000000" pitchFamily="2" charset="2"/>
-              <a:buChar char=""/>
-            </a:pPr>
-            <a:r>
-              <a:rPr lang="de-DE" sz="1200" dirty="0">
-                <a:effectLst/>
-                <a:latin typeface="Calibri" panose="020F0502020204030204" pitchFamily="34" charset="0"/>
-                <a:ea typeface="Yu Mincho" panose="02020400000000000000" pitchFamily="18" charset="-128"/>
-                <a:cs typeface="Times New Roman" panose="02020603050405020304" pitchFamily="18" charset="0"/>
-              </a:rPr>
-              <a:t>Neues Bildobjekt wurde erfolgreich erzeugt und abgespeichert.</a:t>
-            </a:r>
-          </a:p>
-          <a:p>
-            <a:pPr marL="742950" lvl="1" indent="-285750">
-              <a:lnSpc>
-                <a:spcPct val="107000"/>
-              </a:lnSpc>
-              <a:buFont typeface="Courier New" panose="02070309020205020404" pitchFamily="49" charset="0"/>
-              <a:buChar char="o"/>
-            </a:pPr>
-            <a:r>
-              <a:rPr lang="de-DE" sz="1200" b="1" dirty="0">
-                <a:effectLst/>
-                <a:latin typeface="Calibri" panose="020F0502020204030204" pitchFamily="34" charset="0"/>
-                <a:ea typeface="Yu Mincho" panose="02020400000000000000" pitchFamily="18" charset="-128"/>
-                <a:cs typeface="Times New Roman" panose="02020603050405020304" pitchFamily="18" charset="0"/>
-              </a:rPr>
-              <a:t>Fail-Kriterien</a:t>
-            </a:r>
-            <a:endParaRPr lang="de-DE" sz="1200" dirty="0">
-              <a:effectLst/>
-              <a:latin typeface="Calibri" panose="020F0502020204030204" pitchFamily="34" charset="0"/>
-              <a:ea typeface="Yu Mincho" panose="02020400000000000000" pitchFamily="18" charset="-128"/>
-              <a:cs typeface="Times New Roman" panose="02020603050405020304" pitchFamily="18" charset="0"/>
-            </a:endParaRPr>
-          </a:p>
-          <a:p>
-            <a:pPr marL="1143000" lvl="2" indent="-228600">
-              <a:lnSpc>
-                <a:spcPct val="107000"/>
-              </a:lnSpc>
-              <a:buFont typeface="Wingdings" panose="05000000000000000000" pitchFamily="2" charset="2"/>
-              <a:buChar char=""/>
-            </a:pPr>
-            <a:r>
-              <a:rPr lang="de-DE" sz="1200" dirty="0">
-                <a:effectLst/>
-                <a:latin typeface="Calibri" panose="020F0502020204030204" pitchFamily="34" charset="0"/>
-                <a:ea typeface="Yu Mincho" panose="02020400000000000000" pitchFamily="18" charset="-128"/>
-                <a:cs typeface="Times New Roman" panose="02020603050405020304" pitchFamily="18" charset="0"/>
-              </a:rPr>
-              <a:t>Bilddaten konnten gar nicht geladen werden</a:t>
-            </a:r>
-          </a:p>
-          <a:p>
-            <a:pPr marL="1143000" lvl="2" indent="-228600">
-              <a:lnSpc>
-                <a:spcPct val="107000"/>
-              </a:lnSpc>
-              <a:buFont typeface="Wingdings" panose="05000000000000000000" pitchFamily="2" charset="2"/>
-              <a:buChar char=""/>
-            </a:pPr>
-            <a:r>
-              <a:rPr lang="de-DE" sz="1200" dirty="0">
-                <a:effectLst/>
-                <a:latin typeface="Calibri" panose="020F0502020204030204" pitchFamily="34" charset="0"/>
-                <a:ea typeface="Yu Mincho" panose="02020400000000000000" pitchFamily="18" charset="-128"/>
-                <a:cs typeface="Times New Roman" panose="02020603050405020304" pitchFamily="18" charset="0"/>
-              </a:rPr>
-              <a:t>Nur begrenzte Bildformate konnten unterstützt werden</a:t>
-            </a:r>
-          </a:p>
-          <a:p>
-            <a:pPr marL="1143000" lvl="2" indent="-228600">
-              <a:lnSpc>
-                <a:spcPct val="107000"/>
-              </a:lnSpc>
-              <a:buFont typeface="Wingdings" panose="05000000000000000000" pitchFamily="2" charset="2"/>
-              <a:buChar char=""/>
-            </a:pPr>
-            <a:r>
-              <a:rPr lang="de-DE" sz="1200" dirty="0">
-                <a:effectLst/>
-                <a:latin typeface="Calibri" panose="020F0502020204030204" pitchFamily="34" charset="0"/>
-                <a:ea typeface="Yu Mincho" panose="02020400000000000000" pitchFamily="18" charset="-128"/>
-                <a:cs typeface="Times New Roman" panose="02020603050405020304" pitchFamily="18" charset="0"/>
-              </a:rPr>
-              <a:t>Neues Bildobjekt konnte nicht erzeugt werden</a:t>
-            </a:r>
-          </a:p>
-          <a:p>
-            <a:pPr marL="1143000" lvl="2" indent="-228600">
-              <a:lnSpc>
-                <a:spcPct val="107000"/>
-              </a:lnSpc>
-              <a:buFont typeface="Wingdings" panose="05000000000000000000" pitchFamily="2" charset="2"/>
-              <a:buChar char=""/>
-            </a:pPr>
-            <a:r>
-              <a:rPr lang="de-DE" sz="1200" dirty="0">
-                <a:effectLst/>
-                <a:latin typeface="Calibri" panose="020F0502020204030204" pitchFamily="34" charset="0"/>
-                <a:ea typeface="Yu Mincho" panose="02020400000000000000" pitchFamily="18" charset="-128"/>
-                <a:cs typeface="Times New Roman" panose="02020603050405020304" pitchFamily="18" charset="0"/>
-              </a:rPr>
-              <a:t>Bildobjekt konnte nicht abgespeichert werden</a:t>
-            </a:r>
-          </a:p>
-          <a:p>
-            <a:pPr marL="742950" lvl="1" indent="-285750">
-              <a:lnSpc>
-                <a:spcPct val="107000"/>
-              </a:lnSpc>
-              <a:buFont typeface="Courier New" panose="02070309020205020404" pitchFamily="49" charset="0"/>
-              <a:buChar char="o"/>
-            </a:pPr>
-            <a:r>
-              <a:rPr lang="de-DE" sz="1200" b="1" dirty="0" err="1">
-                <a:effectLst/>
-                <a:latin typeface="Calibri" panose="020F0502020204030204" pitchFamily="34" charset="0"/>
-                <a:ea typeface="Yu Mincho" panose="02020400000000000000" pitchFamily="18" charset="-128"/>
-                <a:cs typeface="Times New Roman" panose="02020603050405020304" pitchFamily="18" charset="0"/>
-              </a:rPr>
-              <a:t>Fallback</a:t>
-            </a:r>
-            <a:endParaRPr lang="de-DE" sz="1200" dirty="0">
-              <a:effectLst/>
-              <a:latin typeface="Calibri" panose="020F0502020204030204" pitchFamily="34" charset="0"/>
-              <a:ea typeface="Yu Mincho" panose="02020400000000000000" pitchFamily="18" charset="-128"/>
-              <a:cs typeface="Times New Roman" panose="02020603050405020304" pitchFamily="18" charset="0"/>
-            </a:endParaRPr>
-          </a:p>
-          <a:p>
-            <a:pPr marL="1143000" lvl="2" indent="-228600">
-              <a:lnSpc>
-                <a:spcPct val="107000"/>
-              </a:lnSpc>
-              <a:buFont typeface="Wingdings" panose="05000000000000000000" pitchFamily="2" charset="2"/>
-              <a:buChar char=""/>
-            </a:pPr>
-            <a:r>
-              <a:rPr lang="de-DE" sz="1200" dirty="0">
-                <a:effectLst/>
-                <a:latin typeface="Calibri" panose="020F0502020204030204" pitchFamily="34" charset="0"/>
-                <a:ea typeface="Yu Mincho" panose="02020400000000000000" pitchFamily="18" charset="-128"/>
-                <a:cs typeface="Times New Roman" panose="02020603050405020304" pitchFamily="18" charset="0"/>
-              </a:rPr>
-              <a:t>Aus Eindeutige Fehlermeldung wenn technische Fehler bei der Ausführung der Upload Funktion erfolgen</a:t>
-            </a:r>
-          </a:p>
-          <a:p>
-            <a:pPr marL="1143000" lvl="2" indent="-228600">
-              <a:lnSpc>
-                <a:spcPct val="107000"/>
-              </a:lnSpc>
-              <a:buFont typeface="Wingdings" panose="05000000000000000000" pitchFamily="2" charset="2"/>
-              <a:buChar char=""/>
-            </a:pPr>
-            <a:r>
-              <a:rPr lang="de-DE" sz="1200" dirty="0">
-                <a:effectLst/>
-                <a:latin typeface="Calibri" panose="020F0502020204030204" pitchFamily="34" charset="0"/>
-                <a:ea typeface="Yu Mincho" panose="02020400000000000000" pitchFamily="18" charset="-128"/>
-                <a:cs typeface="Times New Roman" panose="02020603050405020304" pitchFamily="18" charset="0"/>
-              </a:rPr>
-              <a:t>Bild wird ohne Metadaten gespeichert</a:t>
-            </a:r>
-          </a:p>
-          <a:p>
-            <a:pPr marL="1143000" lvl="2" indent="-228600">
-              <a:lnSpc>
-                <a:spcPct val="107000"/>
-              </a:lnSpc>
-              <a:spcAft>
-                <a:spcPts val="800"/>
-              </a:spcAft>
-              <a:buFont typeface="Wingdings" panose="05000000000000000000" pitchFamily="2" charset="2"/>
-              <a:buChar char=""/>
-            </a:pPr>
-            <a:r>
-              <a:rPr lang="de-DE" sz="1200" dirty="0">
-                <a:effectLst/>
-                <a:latin typeface="Calibri" panose="020F0502020204030204" pitchFamily="34" charset="0"/>
-                <a:ea typeface="Yu Mincho" panose="02020400000000000000" pitchFamily="18" charset="-128"/>
-                <a:cs typeface="Times New Roman" panose="02020603050405020304" pitchFamily="18" charset="0"/>
-              </a:rPr>
-              <a:t>Es werden begrenzte Bildformate gefordert</a:t>
-            </a:r>
-            <a:endParaRPr lang="de-DE" sz="1200" dirty="0">
-              <a:effectLst/>
-              <a:latin typeface="Calibri" panose="020F0502020204030204" pitchFamily="34" charset="0"/>
-              <a:ea typeface="Calibri" panose="020F0502020204030204" pitchFamily="34" charset="0"/>
-              <a:cs typeface="Times New Roman" panose="02020603050405020304" pitchFamily="18" charset="0"/>
-            </a:endParaRPr>
-          </a:p>
-        </p:txBody>
-      </p:sp>
-      <p:sp>
-        <p:nvSpPr>
-          <p:cNvPr id="6" name="Inhaltsplatzhalter 5">
-            <a:extLst>
-              <a:ext uri="{FF2B5EF4-FFF2-40B4-BE49-F238E27FC236}">
-                <a16:creationId xmlns:a16="http://schemas.microsoft.com/office/drawing/2014/main" id="{D27F10EA-731C-BC21-64B1-413E86CA7C17}"/>
-              </a:ext>
-            </a:extLst>
-          </p:cNvPr>
-          <p:cNvSpPr>
-            <a:spLocks noGrp="1"/>
-          </p:cNvSpPr>
-          <p:nvPr>
-            <p:ph sz="half" idx="2"/>
-          </p:nvPr>
-        </p:nvSpPr>
-        <p:spPr>
-          <a:xfrm>
-            <a:off x="6172200" y="1825625"/>
-            <a:ext cx="5181600" cy="4769728"/>
-          </a:xfrm>
-        </p:spPr>
-        <p:txBody>
-          <a:bodyPr anchor="t" anchorCtr="0">
-            <a:normAutofit fontScale="92500" lnSpcReduction="20000"/>
-          </a:bodyPr>
-          <a:lstStyle/>
-          <a:p>
-            <a:pPr marL="342900" lvl="0" indent="-342900">
-              <a:lnSpc>
-                <a:spcPct val="107000"/>
-              </a:lnSpc>
-              <a:buFont typeface="Symbol" panose="05050102010706020507" pitchFamily="18" charset="2"/>
-              <a:buChar char=""/>
-            </a:pPr>
-            <a:r>
-              <a:rPr lang="de-DE" sz="1100" u="sng" dirty="0">
-                <a:effectLst/>
-                <a:latin typeface="Calibri" panose="020F0502020204030204" pitchFamily="34" charset="0"/>
-                <a:ea typeface="Yu Mincho" panose="02020400000000000000" pitchFamily="18" charset="-128"/>
-                <a:cs typeface="Times New Roman" panose="02020603050405020304" pitchFamily="18" charset="0"/>
-              </a:rPr>
-              <a:t>Aufruf eines gespeicherten Bildes</a:t>
-            </a:r>
-            <a:endParaRPr lang="de-DE" sz="1100" dirty="0">
-              <a:effectLst/>
-              <a:latin typeface="Calibri" panose="020F0502020204030204" pitchFamily="34" charset="0"/>
-              <a:ea typeface="Yu Mincho" panose="02020400000000000000" pitchFamily="18" charset="-128"/>
-              <a:cs typeface="Times New Roman" panose="02020603050405020304" pitchFamily="18" charset="0"/>
-            </a:endParaRPr>
-          </a:p>
-          <a:p>
-            <a:pPr marL="742950" lvl="1" indent="-285750">
-              <a:lnSpc>
-                <a:spcPct val="107000"/>
-              </a:lnSpc>
-              <a:buFont typeface="Courier New" panose="02070309020205020404" pitchFamily="49" charset="0"/>
-              <a:buChar char="o"/>
-            </a:pPr>
-            <a:r>
-              <a:rPr lang="de-DE" sz="1100" b="1" dirty="0">
-                <a:effectLst/>
-                <a:latin typeface="Calibri" panose="020F0502020204030204" pitchFamily="34" charset="0"/>
-                <a:ea typeface="Yu Mincho" panose="02020400000000000000" pitchFamily="18" charset="-128"/>
-                <a:cs typeface="Times New Roman" panose="02020603050405020304" pitchFamily="18" charset="0"/>
-              </a:rPr>
-              <a:t>Ablauf</a:t>
-            </a:r>
-            <a:endParaRPr lang="de-DE" sz="1100" dirty="0">
-              <a:effectLst/>
-              <a:latin typeface="Calibri" panose="020F0502020204030204" pitchFamily="34" charset="0"/>
-              <a:ea typeface="Yu Mincho" panose="02020400000000000000" pitchFamily="18" charset="-128"/>
-              <a:cs typeface="Times New Roman" panose="02020603050405020304" pitchFamily="18" charset="0"/>
-            </a:endParaRPr>
-          </a:p>
-          <a:p>
-            <a:pPr marL="1143000" lvl="2" indent="-228600">
-              <a:lnSpc>
-                <a:spcPct val="107000"/>
-              </a:lnSpc>
-              <a:buFont typeface="Wingdings" panose="05000000000000000000" pitchFamily="2" charset="2"/>
-              <a:buChar char=""/>
-            </a:pPr>
-            <a:r>
-              <a:rPr lang="de-DE" sz="1100" dirty="0">
-                <a:effectLst/>
-                <a:latin typeface="Calibri" panose="020F0502020204030204" pitchFamily="34" charset="0"/>
-                <a:ea typeface="Yu Mincho" panose="02020400000000000000" pitchFamily="18" charset="-128"/>
-                <a:cs typeface="Times New Roman" panose="02020603050405020304" pitchFamily="18" charset="0"/>
-              </a:rPr>
-              <a:t>Bild wird aus persistentem Speicher geladen</a:t>
-            </a:r>
-          </a:p>
-          <a:p>
-            <a:pPr marL="1143000" lvl="2" indent="-228600">
-              <a:lnSpc>
-                <a:spcPct val="107000"/>
-              </a:lnSpc>
-              <a:buFont typeface="Wingdings" panose="05000000000000000000" pitchFamily="2" charset="2"/>
-              <a:buChar char=""/>
-            </a:pPr>
-            <a:r>
-              <a:rPr lang="de-DE" sz="1100" dirty="0">
-                <a:effectLst/>
-                <a:latin typeface="Calibri" panose="020F0502020204030204" pitchFamily="34" charset="0"/>
-                <a:ea typeface="Yu Mincho" panose="02020400000000000000" pitchFamily="18" charset="-128"/>
-                <a:cs typeface="Times New Roman" panose="02020603050405020304" pitchFamily="18" charset="0"/>
-              </a:rPr>
-              <a:t>Ansicht des Bildobjekts erzeugen</a:t>
-            </a:r>
-          </a:p>
-          <a:p>
-            <a:pPr marL="742950" lvl="1" indent="-285750">
-              <a:lnSpc>
-                <a:spcPct val="107000"/>
-              </a:lnSpc>
-              <a:buFont typeface="Courier New" panose="02070309020205020404" pitchFamily="49" charset="0"/>
-              <a:buChar char="o"/>
-            </a:pPr>
-            <a:r>
-              <a:rPr lang="de-DE" sz="1100" b="1" dirty="0">
-                <a:effectLst/>
-                <a:latin typeface="Calibri" panose="020F0502020204030204" pitchFamily="34" charset="0"/>
-                <a:ea typeface="Yu Mincho" panose="02020400000000000000" pitchFamily="18" charset="-128"/>
-                <a:cs typeface="Times New Roman" panose="02020603050405020304" pitchFamily="18" charset="0"/>
-              </a:rPr>
-              <a:t>Exit-Kriterien</a:t>
-            </a:r>
-            <a:endParaRPr lang="de-DE" sz="1100" dirty="0">
-              <a:effectLst/>
-              <a:latin typeface="Calibri" panose="020F0502020204030204" pitchFamily="34" charset="0"/>
-              <a:ea typeface="Yu Mincho" panose="02020400000000000000" pitchFamily="18" charset="-128"/>
-              <a:cs typeface="Times New Roman" panose="02020603050405020304" pitchFamily="18" charset="0"/>
-            </a:endParaRPr>
-          </a:p>
-          <a:p>
-            <a:pPr marL="1143000" lvl="2" indent="-228600">
-              <a:lnSpc>
-                <a:spcPct val="107000"/>
-              </a:lnSpc>
-              <a:buFont typeface="Wingdings" panose="05000000000000000000" pitchFamily="2" charset="2"/>
-              <a:buChar char=""/>
-            </a:pPr>
-            <a:r>
-              <a:rPr lang="de-DE" sz="1100" dirty="0">
-                <a:effectLst/>
-                <a:latin typeface="Calibri" panose="020F0502020204030204" pitchFamily="34" charset="0"/>
-                <a:ea typeface="Yu Mincho" panose="02020400000000000000" pitchFamily="18" charset="-128"/>
-                <a:cs typeface="Times New Roman" panose="02020603050405020304" pitchFamily="18" charset="0"/>
-              </a:rPr>
-              <a:t>Bild wurde erfolgreich aus persistentem Speicher geladen</a:t>
-            </a:r>
-          </a:p>
-          <a:p>
-            <a:pPr marL="1143000" lvl="2" indent="-228600">
-              <a:lnSpc>
-                <a:spcPct val="107000"/>
-              </a:lnSpc>
-              <a:buFont typeface="Wingdings" panose="05000000000000000000" pitchFamily="2" charset="2"/>
-              <a:buChar char=""/>
-            </a:pPr>
-            <a:r>
-              <a:rPr lang="de-DE" sz="1100" dirty="0">
-                <a:effectLst/>
-                <a:latin typeface="Calibri" panose="020F0502020204030204" pitchFamily="34" charset="0"/>
-                <a:ea typeface="Yu Mincho" panose="02020400000000000000" pitchFamily="18" charset="-128"/>
-                <a:cs typeface="Times New Roman" panose="02020603050405020304" pitchFamily="18" charset="0"/>
-              </a:rPr>
-              <a:t>Ansicht wurde erfolgreich erzeugt.</a:t>
-            </a:r>
-          </a:p>
-          <a:p>
-            <a:pPr marL="742950" lvl="1" indent="-285750">
-              <a:lnSpc>
-                <a:spcPct val="107000"/>
-              </a:lnSpc>
-              <a:buFont typeface="Courier New" panose="02070309020205020404" pitchFamily="49" charset="0"/>
-              <a:buChar char="o"/>
-            </a:pPr>
-            <a:r>
-              <a:rPr lang="de-DE" sz="1100" b="1" dirty="0">
-                <a:effectLst/>
-                <a:latin typeface="Calibri" panose="020F0502020204030204" pitchFamily="34" charset="0"/>
-                <a:ea typeface="Yu Mincho" panose="02020400000000000000" pitchFamily="18" charset="-128"/>
-                <a:cs typeface="Times New Roman" panose="02020603050405020304" pitchFamily="18" charset="0"/>
-              </a:rPr>
-              <a:t>Fail-Kriterien</a:t>
-            </a:r>
-            <a:endParaRPr lang="de-DE" sz="1100" dirty="0">
-              <a:effectLst/>
-              <a:latin typeface="Calibri" panose="020F0502020204030204" pitchFamily="34" charset="0"/>
-              <a:ea typeface="Yu Mincho" panose="02020400000000000000" pitchFamily="18" charset="-128"/>
-              <a:cs typeface="Times New Roman" panose="02020603050405020304" pitchFamily="18" charset="0"/>
-            </a:endParaRPr>
-          </a:p>
-          <a:p>
-            <a:pPr marL="1143000" lvl="2" indent="-228600">
-              <a:lnSpc>
-                <a:spcPct val="107000"/>
-              </a:lnSpc>
-              <a:buFont typeface="Wingdings" panose="05000000000000000000" pitchFamily="2" charset="2"/>
-              <a:buChar char=""/>
-            </a:pPr>
-            <a:r>
-              <a:rPr lang="de-DE" sz="1100" dirty="0">
-                <a:effectLst/>
-                <a:latin typeface="Calibri" panose="020F0502020204030204" pitchFamily="34" charset="0"/>
-                <a:ea typeface="Yu Mincho" panose="02020400000000000000" pitchFamily="18" charset="-128"/>
-                <a:cs typeface="Times New Roman" panose="02020603050405020304" pitchFamily="18" charset="0"/>
-              </a:rPr>
-              <a:t>Bild wurde nicht aus persistentem Speicher geladen</a:t>
-            </a:r>
-          </a:p>
-          <a:p>
-            <a:pPr marL="1143000" lvl="2" indent="-228600">
-              <a:lnSpc>
-                <a:spcPct val="107000"/>
-              </a:lnSpc>
-              <a:buFont typeface="Wingdings" panose="05000000000000000000" pitchFamily="2" charset="2"/>
-              <a:buChar char=""/>
-            </a:pPr>
-            <a:r>
-              <a:rPr lang="de-DE" sz="1100" dirty="0">
-                <a:effectLst/>
-                <a:latin typeface="Calibri" panose="020F0502020204030204" pitchFamily="34" charset="0"/>
-                <a:ea typeface="Yu Mincho" panose="02020400000000000000" pitchFamily="18" charset="-128"/>
-                <a:cs typeface="Times New Roman" panose="02020603050405020304" pitchFamily="18" charset="0"/>
-              </a:rPr>
-              <a:t>Ansicht wurde nicht erzeugt</a:t>
-            </a:r>
-          </a:p>
-          <a:p>
-            <a:pPr marL="742950" lvl="1" indent="-285750">
-              <a:lnSpc>
-                <a:spcPct val="107000"/>
-              </a:lnSpc>
-              <a:buFont typeface="Courier New" panose="02070309020205020404" pitchFamily="49" charset="0"/>
-              <a:buChar char="o"/>
-            </a:pPr>
-            <a:r>
-              <a:rPr lang="de-DE" sz="1100" b="1" dirty="0" err="1">
-                <a:effectLst/>
-                <a:latin typeface="Calibri" panose="020F0502020204030204" pitchFamily="34" charset="0"/>
-                <a:ea typeface="Yu Mincho" panose="02020400000000000000" pitchFamily="18" charset="-128"/>
-                <a:cs typeface="Times New Roman" panose="02020603050405020304" pitchFamily="18" charset="0"/>
-              </a:rPr>
-              <a:t>Fallback</a:t>
-            </a:r>
-            <a:endParaRPr lang="de-DE" sz="1100" dirty="0">
-              <a:effectLst/>
-              <a:latin typeface="Calibri" panose="020F0502020204030204" pitchFamily="34" charset="0"/>
-              <a:ea typeface="Yu Mincho" panose="02020400000000000000" pitchFamily="18" charset="-128"/>
-              <a:cs typeface="Times New Roman" panose="02020603050405020304" pitchFamily="18" charset="0"/>
-            </a:endParaRPr>
-          </a:p>
-          <a:p>
-            <a:pPr marL="1143000" lvl="2" indent="-228600">
-              <a:lnSpc>
-                <a:spcPct val="107000"/>
-              </a:lnSpc>
-              <a:buFont typeface="Wingdings" panose="05000000000000000000" pitchFamily="2" charset="2"/>
-              <a:buChar char=""/>
-            </a:pPr>
-            <a:r>
-              <a:rPr lang="de-DE" sz="1100" dirty="0">
-                <a:effectLst/>
-                <a:latin typeface="Calibri" panose="020F0502020204030204" pitchFamily="34" charset="0"/>
-                <a:ea typeface="Yu Mincho" panose="02020400000000000000" pitchFamily="18" charset="-128"/>
-                <a:cs typeface="Times New Roman" panose="02020603050405020304" pitchFamily="18" charset="0"/>
-              </a:rPr>
-              <a:t>Eindeutige Fehlermeldung anzeigen</a:t>
-            </a:r>
-          </a:p>
-          <a:p>
-            <a:pPr marL="1143000" lvl="2" indent="-228600">
-              <a:lnSpc>
-                <a:spcPct val="107000"/>
-              </a:lnSpc>
-              <a:spcAft>
-                <a:spcPts val="800"/>
-              </a:spcAft>
-              <a:buFont typeface="Wingdings" panose="05000000000000000000" pitchFamily="2" charset="2"/>
-              <a:buChar char=""/>
-            </a:pPr>
-            <a:r>
-              <a:rPr lang="de-DE" sz="1100" dirty="0">
-                <a:effectLst/>
-                <a:latin typeface="Calibri" panose="020F0502020204030204" pitchFamily="34" charset="0"/>
-                <a:ea typeface="Yu Mincho" panose="02020400000000000000" pitchFamily="18" charset="-128"/>
-                <a:cs typeface="Times New Roman" panose="02020603050405020304" pitchFamily="18" charset="0"/>
-              </a:rPr>
-              <a:t>Aufforderung zum neu laden mitteilen</a:t>
-            </a:r>
-          </a:p>
-        </p:txBody>
-      </p:sp>
-      <p:sp>
-        <p:nvSpPr>
-          <p:cNvPr id="5" name="Foliennummernplatzhalter 4">
-            <a:extLst>
-              <a:ext uri="{FF2B5EF4-FFF2-40B4-BE49-F238E27FC236}">
-                <a16:creationId xmlns:a16="http://schemas.microsoft.com/office/drawing/2014/main" id="{7B246376-21DF-8BF4-A1FD-B77C22C28AAB}"/>
-              </a:ext>
-            </a:extLst>
-          </p:cNvPr>
-          <p:cNvSpPr>
-            <a:spLocks noGrp="1"/>
-          </p:cNvSpPr>
-          <p:nvPr>
-            <p:ph type="sldNum" sz="quarter" idx="12"/>
-          </p:nvPr>
-        </p:nvSpPr>
-        <p:spPr/>
-        <p:txBody>
-          <a:bodyPr/>
-          <a:lstStyle/>
-          <a:p>
-            <a:fld id="{4FD190AE-D9AE-4074-AAED-D637288AF7F0}" type="slidenum">
-              <a:rPr lang="de-DE" sz="2000" smtClean="0">
-                <a:solidFill>
-                  <a:schemeClr val="tx1"/>
-                </a:solidFill>
-              </a:rPr>
-              <a:t>6</a:t>
-            </a:fld>
-            <a:endParaRPr lang="de-DE" sz="2000" dirty="0">
-              <a:solidFill>
-                <a:schemeClr val="tx1"/>
-              </a:solidFill>
-            </a:endParaRPr>
-          </a:p>
-        </p:txBody>
-      </p:sp>
-    </p:spTree>
-    <p:extLst>
-      <p:ext uri="{BB962C8B-B14F-4D97-AF65-F5344CB8AC3E}">
-        <p14:creationId xmlns:p14="http://schemas.microsoft.com/office/powerpoint/2010/main" val="1195816902"/>
-      </p:ext>
-    </p:extLst>
-  </p:cSld>
-  <p:clrMapOvr>
-    <a:masterClrMapping/>
-  </p:clrMapOvr>
-</p:sld>
-</file>
-
-<file path=ppt/slides/slide7.xml><?xml version="1.0" encoding="utf-8"?>
-<p:sld xmlns:a="http://schemas.openxmlformats.org/drawingml/2006/main" xmlns:r="http://schemas.openxmlformats.org/officeDocument/2006/relationships" xmlns:p="http://schemas.openxmlformats.org/presentationml/2006/main">
-  <p:cSld>
-    <p:spTree>
-      <p:nvGrpSpPr>
-        <p:cNvPr id="1" name=""/>
-        <p:cNvGrpSpPr/>
-        <p:nvPr/>
-      </p:nvGrpSpPr>
-      <p:grpSpPr>
-        <a:xfrm>
-          <a:off x="0" y="0"/>
-          <a:ext cx="0" cy="0"/>
-          <a:chOff x="0" y="0"/>
-          <a:chExt cx="0" cy="0"/>
-        </a:xfrm>
-      </p:grpSpPr>
-      <p:sp>
-        <p:nvSpPr>
-          <p:cNvPr id="2" name="Titel 1">
-            <a:extLst>
-              <a:ext uri="{FF2B5EF4-FFF2-40B4-BE49-F238E27FC236}">
-                <a16:creationId xmlns:a16="http://schemas.microsoft.com/office/drawing/2014/main" id="{4AC7DED0-9976-693C-8B24-D84F23C8E7B6}"/>
-              </a:ext>
-            </a:extLst>
-          </p:cNvPr>
-          <p:cNvSpPr>
-            <a:spLocks noGrp="1"/>
-          </p:cNvSpPr>
-          <p:nvPr>
-            <p:ph type="title"/>
-          </p:nvPr>
-        </p:nvSpPr>
-        <p:spPr/>
-        <p:txBody>
-          <a:bodyPr/>
-          <a:lstStyle/>
-          <a:p>
-            <a:pPr algn="ctr"/>
-            <a:r>
-              <a:rPr lang="de-DE" dirty="0"/>
               <a:t>POC Pub/Sub</a:t>
             </a:r>
           </a:p>
@@ -9338,7 +8868,7 @@
                   <a:schemeClr val="tx1"/>
                 </a:solidFill>
               </a:rPr>
-              <a:t>7</a:t>
+              <a:t>6</a:t>
             </a:fld>
             <a:endParaRPr lang="de-DE" sz="2000" dirty="0">
               <a:solidFill>
@@ -9752,6 +9282,828 @@
 </p:sld>
 </file>
 
+<file path=ppt/slides/slide7.xml><?xml version="1.0" encoding="utf-8"?>
+<p:sld xmlns:a="http://schemas.openxmlformats.org/drawingml/2006/main" xmlns:r="http://schemas.openxmlformats.org/officeDocument/2006/relationships" xmlns:p="http://schemas.openxmlformats.org/presentationml/2006/main">
+  <p:cSld>
+    <p:spTree>
+      <p:nvGrpSpPr>
+        <p:cNvPr id="1" name=""/>
+        <p:cNvGrpSpPr/>
+        <p:nvPr/>
+      </p:nvGrpSpPr>
+      <p:grpSpPr>
+        <a:xfrm>
+          <a:off x="0" y="0"/>
+          <a:ext cx="0" cy="0"/>
+          <a:chOff x="0" y="0"/>
+          <a:chExt cx="0" cy="0"/>
+        </a:xfrm>
+      </p:grpSpPr>
+      <p:sp>
+        <p:nvSpPr>
+          <p:cNvPr id="2" name="Title 1">
+            <a:extLst>
+              <a:ext uri="{FF2B5EF4-FFF2-40B4-BE49-F238E27FC236}">
+                <a16:creationId xmlns:a16="http://schemas.microsoft.com/office/drawing/2014/main" id="{2D9F1241-A252-A34F-D19E-A0B70EDCC08C}"/>
+              </a:ext>
+            </a:extLst>
+          </p:cNvPr>
+          <p:cNvSpPr>
+            <a:spLocks noGrp="1"/>
+          </p:cNvSpPr>
+          <p:nvPr>
+            <p:ph type="title"/>
+          </p:nvPr>
+        </p:nvSpPr>
+        <p:spPr/>
+        <p:txBody>
+          <a:bodyPr/>
+          <a:lstStyle/>
+          <a:p>
+            <a:pPr algn="ctr"/>
+            <a:r>
+              <a:rPr lang="en-GB" dirty="0"/>
+              <a:t>POC Login</a:t>
+            </a:r>
+          </a:p>
+        </p:txBody>
+      </p:sp>
+      <p:sp>
+        <p:nvSpPr>
+          <p:cNvPr id="3" name="Content Placeholder 2">
+            <a:extLst>
+              <a:ext uri="{FF2B5EF4-FFF2-40B4-BE49-F238E27FC236}">
+                <a16:creationId xmlns:a16="http://schemas.microsoft.com/office/drawing/2014/main" id="{DE1BEAB3-472D-EF93-8F10-79654B2530AF}"/>
+              </a:ext>
+            </a:extLst>
+          </p:cNvPr>
+          <p:cNvSpPr>
+            <a:spLocks noGrp="1"/>
+          </p:cNvSpPr>
+          <p:nvPr>
+            <p:ph idx="1"/>
+          </p:nvPr>
+        </p:nvSpPr>
+        <p:spPr/>
+        <p:txBody>
+          <a:bodyPr numCol="2">
+            <a:normAutofit/>
+          </a:bodyPr>
+          <a:lstStyle/>
+          <a:p>
+            <a:pPr marL="342900" lvl="0" indent="-342900">
+              <a:lnSpc>
+                <a:spcPct val="107000"/>
+              </a:lnSpc>
+              <a:buFont typeface="Symbol" panose="05050102010706020507" pitchFamily="18" charset="2"/>
+              <a:buChar char=""/>
+            </a:pPr>
+            <a:r>
+              <a:rPr lang="de-DE" sz="1400" u="sng" dirty="0">
+                <a:solidFill>
+                  <a:srgbClr val="000000"/>
+                </a:solidFill>
+                <a:effectLst/>
+                <a:latin typeface="Calibri" panose="020F0502020204030204" pitchFamily="34" charset="0"/>
+                <a:ea typeface="游明朝" panose="02020400000000000000" pitchFamily="18" charset="-128"/>
+                <a:cs typeface="Times New Roman" panose="02020603050405020304" pitchFamily="18" charset="0"/>
+              </a:rPr>
+              <a:t>Login</a:t>
+            </a:r>
+            <a:endParaRPr lang="en-GB" sz="1200" dirty="0">
+              <a:effectLst/>
+              <a:latin typeface="Calibri" panose="020F0502020204030204" pitchFamily="34" charset="0"/>
+              <a:ea typeface="游明朝" panose="02020400000000000000" pitchFamily="18" charset="-128"/>
+              <a:cs typeface="Times New Roman" panose="02020603050405020304" pitchFamily="18" charset="0"/>
+            </a:endParaRPr>
+          </a:p>
+          <a:p>
+            <a:pPr marL="742950" lvl="1" indent="-285750">
+              <a:lnSpc>
+                <a:spcPct val="107000"/>
+              </a:lnSpc>
+              <a:buFont typeface="Courier New" panose="02070309020205020404" pitchFamily="49" charset="0"/>
+              <a:buChar char="o"/>
+            </a:pPr>
+            <a:r>
+              <a:rPr lang="de-DE" sz="1200" b="1" dirty="0">
+                <a:solidFill>
+                  <a:srgbClr val="000000"/>
+                </a:solidFill>
+                <a:effectLst/>
+                <a:latin typeface="Calibri" panose="020F0502020204030204" pitchFamily="34" charset="0"/>
+                <a:ea typeface="游明朝" panose="02020400000000000000" pitchFamily="18" charset="-128"/>
+                <a:cs typeface="Times New Roman" panose="02020603050405020304" pitchFamily="18" charset="0"/>
+              </a:rPr>
+              <a:t>Ablauf</a:t>
+            </a:r>
+            <a:endParaRPr lang="en-GB" sz="1200" dirty="0">
+              <a:effectLst/>
+              <a:latin typeface="Calibri" panose="020F0502020204030204" pitchFamily="34" charset="0"/>
+              <a:ea typeface="游明朝" panose="02020400000000000000" pitchFamily="18" charset="-128"/>
+              <a:cs typeface="Times New Roman" panose="02020603050405020304" pitchFamily="18" charset="0"/>
+            </a:endParaRPr>
+          </a:p>
+          <a:p>
+            <a:pPr marL="1143000" lvl="2" indent="-228600">
+              <a:lnSpc>
+                <a:spcPct val="107000"/>
+              </a:lnSpc>
+              <a:buFont typeface="Wingdings" panose="05000000000000000000" pitchFamily="2" charset="2"/>
+              <a:buChar char=""/>
+            </a:pPr>
+            <a:r>
+              <a:rPr lang="de-DE" sz="1200" dirty="0">
+                <a:solidFill>
+                  <a:srgbClr val="000000"/>
+                </a:solidFill>
+                <a:effectLst/>
+                <a:latin typeface="Calibri" panose="020F0502020204030204" pitchFamily="34" charset="0"/>
+                <a:ea typeface="游明朝" panose="02020400000000000000" pitchFamily="18" charset="-128"/>
+                <a:cs typeface="Times New Roman" panose="02020603050405020304" pitchFamily="18" charset="0"/>
+              </a:rPr>
+              <a:t>Abfrage nach Username/Email - Passwort Dataset</a:t>
+            </a:r>
+            <a:endParaRPr lang="en-GB" sz="1200" dirty="0">
+              <a:effectLst/>
+              <a:latin typeface="Calibri" panose="020F0502020204030204" pitchFamily="34" charset="0"/>
+              <a:ea typeface="游明朝" panose="02020400000000000000" pitchFamily="18" charset="-128"/>
+              <a:cs typeface="Times New Roman" panose="02020603050405020304" pitchFamily="18" charset="0"/>
+            </a:endParaRPr>
+          </a:p>
+          <a:p>
+            <a:pPr marL="1143000" lvl="2" indent="-228600">
+              <a:lnSpc>
+                <a:spcPct val="107000"/>
+              </a:lnSpc>
+              <a:buFont typeface="Wingdings" panose="05000000000000000000" pitchFamily="2" charset="2"/>
+              <a:buChar char=""/>
+            </a:pPr>
+            <a:r>
+              <a:rPr lang="de-DE" sz="1200" dirty="0">
+                <a:solidFill>
+                  <a:srgbClr val="000000"/>
+                </a:solidFill>
+                <a:effectLst/>
+                <a:latin typeface="Calibri" panose="020F0502020204030204" pitchFamily="34" charset="0"/>
+                <a:ea typeface="游明朝" panose="02020400000000000000" pitchFamily="18" charset="-128"/>
+                <a:cs typeface="Times New Roman" panose="02020603050405020304" pitchFamily="18" charset="0"/>
+              </a:rPr>
+              <a:t>Systemzugriff auf Registry mit allen Username/Email-PW Datasets</a:t>
+            </a:r>
+          </a:p>
+          <a:p>
+            <a:pPr marL="1143000" lvl="2" indent="-228600">
+              <a:lnSpc>
+                <a:spcPct val="107000"/>
+              </a:lnSpc>
+              <a:buFont typeface="Wingdings" panose="05000000000000000000" pitchFamily="2" charset="2"/>
+              <a:buChar char=""/>
+            </a:pPr>
+            <a:r>
+              <a:rPr lang="de-DE" sz="1200" dirty="0">
+                <a:solidFill>
+                  <a:srgbClr val="000000"/>
+                </a:solidFill>
+                <a:latin typeface="Calibri" panose="020F0502020204030204" pitchFamily="34" charset="0"/>
+                <a:ea typeface="游明朝" panose="02020400000000000000" pitchFamily="18" charset="-128"/>
+                <a:cs typeface="Times New Roman" panose="02020603050405020304" pitchFamily="18" charset="0"/>
+              </a:rPr>
+              <a:t>Deserialisation der Registry zu Userliste</a:t>
+            </a:r>
+            <a:endParaRPr lang="en-GB" sz="1200" dirty="0">
+              <a:effectLst/>
+              <a:latin typeface="Calibri" panose="020F0502020204030204" pitchFamily="34" charset="0"/>
+              <a:ea typeface="游明朝" panose="02020400000000000000" pitchFamily="18" charset="-128"/>
+              <a:cs typeface="Times New Roman" panose="02020603050405020304" pitchFamily="18" charset="0"/>
+            </a:endParaRPr>
+          </a:p>
+          <a:p>
+            <a:pPr marL="1143000" lvl="2" indent="-228600">
+              <a:lnSpc>
+                <a:spcPct val="107000"/>
+              </a:lnSpc>
+              <a:buFont typeface="Wingdings" panose="05000000000000000000" pitchFamily="2" charset="2"/>
+              <a:buChar char=""/>
+            </a:pPr>
+            <a:r>
+              <a:rPr lang="de-DE" sz="1200" dirty="0">
+                <a:solidFill>
+                  <a:srgbClr val="000000"/>
+                </a:solidFill>
+                <a:effectLst/>
+                <a:latin typeface="Calibri" panose="020F0502020204030204" pitchFamily="34" charset="0"/>
+                <a:ea typeface="游明朝" panose="02020400000000000000" pitchFamily="18" charset="-128"/>
+                <a:cs typeface="Times New Roman" panose="02020603050405020304" pitchFamily="18" charset="0"/>
+              </a:rPr>
+              <a:t>Vergleich mit </a:t>
+            </a:r>
+            <a:r>
+              <a:rPr lang="en-GB" sz="1200" dirty="0" err="1">
+                <a:solidFill>
+                  <a:srgbClr val="000000"/>
+                </a:solidFill>
+                <a:effectLst/>
+                <a:latin typeface="Calibri" panose="020F0502020204030204" pitchFamily="34" charset="0"/>
+                <a:ea typeface="游明朝" panose="02020400000000000000" pitchFamily="18" charset="-128"/>
+                <a:cs typeface="Times New Roman" panose="02020603050405020304" pitchFamily="18" charset="0"/>
+              </a:rPr>
+              <a:t>Userliste</a:t>
+            </a:r>
+            <a:endParaRPr lang="en-GB" sz="1200" dirty="0">
+              <a:effectLst/>
+              <a:latin typeface="Calibri" panose="020F0502020204030204" pitchFamily="34" charset="0"/>
+              <a:ea typeface="游明朝" panose="02020400000000000000" pitchFamily="18" charset="-128"/>
+              <a:cs typeface="Times New Roman" panose="02020603050405020304" pitchFamily="18" charset="0"/>
+            </a:endParaRPr>
+          </a:p>
+          <a:p>
+            <a:pPr marL="1143000" lvl="2" indent="-228600">
+              <a:lnSpc>
+                <a:spcPct val="107000"/>
+              </a:lnSpc>
+              <a:buFont typeface="Wingdings" panose="05000000000000000000" pitchFamily="2" charset="2"/>
+              <a:buChar char=""/>
+            </a:pPr>
+            <a:r>
+              <a:rPr lang="de-DE" sz="1200" dirty="0">
+                <a:solidFill>
+                  <a:srgbClr val="000000"/>
+                </a:solidFill>
+                <a:effectLst/>
+                <a:latin typeface="Calibri" panose="020F0502020204030204" pitchFamily="34" charset="0"/>
+                <a:ea typeface="游明朝" panose="02020400000000000000" pitchFamily="18" charset="-128"/>
+                <a:cs typeface="Times New Roman" panose="02020603050405020304" pitchFamily="18" charset="0"/>
+              </a:rPr>
+              <a:t>Bei gefundener Übereinstimmung -&gt; Ansicht des Heimatorts</a:t>
+            </a:r>
+            <a:endParaRPr lang="en-GB" sz="1200" dirty="0">
+              <a:effectLst/>
+              <a:latin typeface="Calibri" panose="020F0502020204030204" pitchFamily="34" charset="0"/>
+              <a:ea typeface="游明朝" panose="02020400000000000000" pitchFamily="18" charset="-128"/>
+              <a:cs typeface="Times New Roman" panose="02020603050405020304" pitchFamily="18" charset="0"/>
+            </a:endParaRPr>
+          </a:p>
+          <a:p>
+            <a:pPr marL="1143000" lvl="2" indent="-228600">
+              <a:lnSpc>
+                <a:spcPct val="107000"/>
+              </a:lnSpc>
+              <a:buFont typeface="Wingdings" panose="05000000000000000000" pitchFamily="2" charset="2"/>
+              <a:buChar char=""/>
+            </a:pPr>
+            <a:r>
+              <a:rPr lang="de-DE" sz="1200" dirty="0">
+                <a:solidFill>
+                  <a:srgbClr val="000000"/>
+                </a:solidFill>
+                <a:effectLst/>
+                <a:latin typeface="Calibri" panose="020F0502020204030204" pitchFamily="34" charset="0"/>
+                <a:ea typeface="游明朝" panose="02020400000000000000" pitchFamily="18" charset="-128"/>
+                <a:cs typeface="Times New Roman" panose="02020603050405020304" pitchFamily="18" charset="0"/>
+              </a:rPr>
+              <a:t>Bei fehlender Übereinstimmung -&gt; Ansicht mit Fehlermeldung</a:t>
+            </a:r>
+            <a:endParaRPr lang="en-GB" sz="1200" dirty="0">
+              <a:effectLst/>
+              <a:latin typeface="Calibri" panose="020F0502020204030204" pitchFamily="34" charset="0"/>
+              <a:ea typeface="游明朝" panose="02020400000000000000" pitchFamily="18" charset="-128"/>
+              <a:cs typeface="Times New Roman" panose="02020603050405020304" pitchFamily="18" charset="0"/>
+            </a:endParaRPr>
+          </a:p>
+          <a:p>
+            <a:pPr marL="742950" lvl="1" indent="-285750">
+              <a:lnSpc>
+                <a:spcPct val="107000"/>
+              </a:lnSpc>
+              <a:buFont typeface="Courier New" panose="02070309020205020404" pitchFamily="49" charset="0"/>
+              <a:buChar char="o"/>
+            </a:pPr>
+            <a:r>
+              <a:rPr lang="de-DE" sz="1200" b="1" dirty="0">
+                <a:solidFill>
+                  <a:srgbClr val="000000"/>
+                </a:solidFill>
+                <a:effectLst/>
+                <a:latin typeface="Calibri" panose="020F0502020204030204" pitchFamily="34" charset="0"/>
+                <a:ea typeface="游明朝" panose="02020400000000000000" pitchFamily="18" charset="-128"/>
+                <a:cs typeface="Times New Roman" panose="02020603050405020304" pitchFamily="18" charset="0"/>
+              </a:rPr>
+              <a:t>Exit-Kriterien</a:t>
+            </a:r>
+            <a:endParaRPr lang="en-GB" sz="1200" dirty="0">
+              <a:effectLst/>
+              <a:latin typeface="Calibri" panose="020F0502020204030204" pitchFamily="34" charset="0"/>
+              <a:ea typeface="游明朝" panose="02020400000000000000" pitchFamily="18" charset="-128"/>
+              <a:cs typeface="Times New Roman" panose="02020603050405020304" pitchFamily="18" charset="0"/>
+            </a:endParaRPr>
+          </a:p>
+          <a:p>
+            <a:pPr marL="1143000" lvl="2" indent="-228600">
+              <a:lnSpc>
+                <a:spcPct val="107000"/>
+              </a:lnSpc>
+              <a:buFont typeface="Wingdings" panose="05000000000000000000" pitchFamily="2" charset="2"/>
+              <a:buChar char=""/>
+            </a:pPr>
+            <a:r>
+              <a:rPr lang="de-DE" sz="1200" dirty="0">
+                <a:solidFill>
+                  <a:srgbClr val="000000"/>
+                </a:solidFill>
+                <a:effectLst/>
+                <a:latin typeface="Calibri" panose="020F0502020204030204" pitchFamily="34" charset="0"/>
+                <a:ea typeface="游明朝" panose="02020400000000000000" pitchFamily="18" charset="-128"/>
+                <a:cs typeface="Times New Roman" panose="02020603050405020304" pitchFamily="18" charset="0"/>
+              </a:rPr>
+              <a:t>Eingabe wude erfolgreich und korrekt übernommen</a:t>
+            </a:r>
+            <a:endParaRPr lang="en-GB" sz="1200" dirty="0">
+              <a:effectLst/>
+              <a:latin typeface="Calibri" panose="020F0502020204030204" pitchFamily="34" charset="0"/>
+              <a:ea typeface="游明朝" panose="02020400000000000000" pitchFamily="18" charset="-128"/>
+              <a:cs typeface="Times New Roman" panose="02020603050405020304" pitchFamily="18" charset="0"/>
+            </a:endParaRPr>
+          </a:p>
+          <a:p>
+            <a:pPr marL="1143000" lvl="2" indent="-228600">
+              <a:lnSpc>
+                <a:spcPct val="107000"/>
+              </a:lnSpc>
+              <a:buFont typeface="Wingdings" panose="05000000000000000000" pitchFamily="2" charset="2"/>
+              <a:buChar char=""/>
+            </a:pPr>
+            <a:r>
+              <a:rPr lang="de-DE" sz="1200" dirty="0">
+                <a:solidFill>
+                  <a:srgbClr val="000000"/>
+                </a:solidFill>
+                <a:effectLst/>
+                <a:latin typeface="Calibri" panose="020F0502020204030204" pitchFamily="34" charset="0"/>
+                <a:ea typeface="游明朝" panose="02020400000000000000" pitchFamily="18" charset="-128"/>
+                <a:cs typeface="Times New Roman" panose="02020603050405020304" pitchFamily="18" charset="0"/>
+              </a:rPr>
+              <a:t>Zugriff auf Registry war erfolgreich</a:t>
+            </a:r>
+            <a:endParaRPr lang="en-GB" sz="1200" dirty="0">
+              <a:effectLst/>
+              <a:latin typeface="Calibri" panose="020F0502020204030204" pitchFamily="34" charset="0"/>
+              <a:ea typeface="游明朝" panose="02020400000000000000" pitchFamily="18" charset="-128"/>
+              <a:cs typeface="Times New Roman" panose="02020603050405020304" pitchFamily="18" charset="0"/>
+            </a:endParaRPr>
+          </a:p>
+          <a:p>
+            <a:pPr marL="1143000" lvl="2" indent="-228600">
+              <a:lnSpc>
+                <a:spcPct val="107000"/>
+              </a:lnSpc>
+              <a:buFont typeface="Wingdings" panose="05000000000000000000" pitchFamily="2" charset="2"/>
+              <a:buChar char=""/>
+            </a:pPr>
+            <a:r>
+              <a:rPr lang="de-DE" sz="1200" dirty="0">
+                <a:solidFill>
+                  <a:srgbClr val="000000"/>
+                </a:solidFill>
+                <a:effectLst/>
+                <a:latin typeface="Calibri" panose="020F0502020204030204" pitchFamily="34" charset="0"/>
+                <a:ea typeface="游明朝" panose="02020400000000000000" pitchFamily="18" charset="-128"/>
+                <a:cs typeface="Times New Roman" panose="02020603050405020304" pitchFamily="18" charset="0"/>
+              </a:rPr>
+              <a:t>Vergleich lieferte korrektes Ergebnis</a:t>
+            </a:r>
+            <a:endParaRPr lang="en-GB" sz="1200" dirty="0">
+              <a:effectLst/>
+              <a:latin typeface="Calibri" panose="020F0502020204030204" pitchFamily="34" charset="0"/>
+              <a:ea typeface="游明朝" panose="02020400000000000000" pitchFamily="18" charset="-128"/>
+              <a:cs typeface="Times New Roman" panose="02020603050405020304" pitchFamily="18" charset="0"/>
+            </a:endParaRPr>
+          </a:p>
+          <a:p>
+            <a:pPr marL="1143000" lvl="2" indent="-228600">
+              <a:lnSpc>
+                <a:spcPct val="107000"/>
+              </a:lnSpc>
+              <a:buFont typeface="Wingdings" panose="05000000000000000000" pitchFamily="2" charset="2"/>
+              <a:buChar char=""/>
+            </a:pPr>
+            <a:r>
+              <a:rPr lang="de-DE" sz="1200" dirty="0">
+                <a:solidFill>
+                  <a:srgbClr val="000000"/>
+                </a:solidFill>
+                <a:effectLst/>
+                <a:latin typeface="Calibri" panose="020F0502020204030204" pitchFamily="34" charset="0"/>
+                <a:ea typeface="游明朝" panose="02020400000000000000" pitchFamily="18" charset="-128"/>
+                <a:cs typeface="Times New Roman" panose="02020603050405020304" pitchFamily="18" charset="0"/>
+              </a:rPr>
+              <a:t>Richtige Ansicht wurde erzeugt</a:t>
+            </a:r>
+            <a:endParaRPr lang="en-GB" sz="1200" dirty="0">
+              <a:effectLst/>
+              <a:latin typeface="Calibri" panose="020F0502020204030204" pitchFamily="34" charset="0"/>
+              <a:ea typeface="游明朝" panose="02020400000000000000" pitchFamily="18" charset="-128"/>
+              <a:cs typeface="Times New Roman" panose="02020603050405020304" pitchFamily="18" charset="0"/>
+            </a:endParaRPr>
+          </a:p>
+          <a:p>
+            <a:pPr marL="742950" lvl="1" indent="-285750">
+              <a:lnSpc>
+                <a:spcPct val="107000"/>
+              </a:lnSpc>
+              <a:buFont typeface="Courier New" panose="02070309020205020404" pitchFamily="49" charset="0"/>
+              <a:buChar char="o"/>
+            </a:pPr>
+            <a:endParaRPr lang="de-DE" sz="1200" b="1" dirty="0">
+              <a:solidFill>
+                <a:srgbClr val="000000"/>
+              </a:solidFill>
+              <a:effectLst/>
+              <a:latin typeface="Calibri" panose="020F0502020204030204" pitchFamily="34" charset="0"/>
+              <a:ea typeface="游明朝" panose="02020400000000000000" pitchFamily="18" charset="-128"/>
+              <a:cs typeface="Times New Roman" panose="02020603050405020304" pitchFamily="18" charset="0"/>
+            </a:endParaRPr>
+          </a:p>
+          <a:p>
+            <a:pPr marL="742950" lvl="1" indent="-285750">
+              <a:lnSpc>
+                <a:spcPct val="107000"/>
+              </a:lnSpc>
+              <a:buFont typeface="Courier New" panose="02070309020205020404" pitchFamily="49" charset="0"/>
+              <a:buChar char="o"/>
+            </a:pPr>
+            <a:endParaRPr lang="de-DE" sz="1200" b="1" dirty="0">
+              <a:solidFill>
+                <a:srgbClr val="000000"/>
+              </a:solidFill>
+              <a:latin typeface="Calibri" panose="020F0502020204030204" pitchFamily="34" charset="0"/>
+              <a:ea typeface="游明朝" panose="02020400000000000000" pitchFamily="18" charset="-128"/>
+              <a:cs typeface="Times New Roman" panose="02020603050405020304" pitchFamily="18" charset="0"/>
+            </a:endParaRPr>
+          </a:p>
+          <a:p>
+            <a:pPr marL="742950" lvl="1" indent="-285750">
+              <a:lnSpc>
+                <a:spcPct val="107000"/>
+              </a:lnSpc>
+              <a:buFont typeface="Courier New" panose="02070309020205020404" pitchFamily="49" charset="0"/>
+              <a:buChar char="o"/>
+            </a:pPr>
+            <a:endParaRPr lang="de-DE" sz="1200" b="1" dirty="0">
+              <a:solidFill>
+                <a:srgbClr val="000000"/>
+              </a:solidFill>
+              <a:effectLst/>
+              <a:latin typeface="Calibri" panose="020F0502020204030204" pitchFamily="34" charset="0"/>
+              <a:ea typeface="游明朝" panose="02020400000000000000" pitchFamily="18" charset="-128"/>
+              <a:cs typeface="Times New Roman" panose="02020603050405020304" pitchFamily="18" charset="0"/>
+            </a:endParaRPr>
+          </a:p>
+          <a:p>
+            <a:pPr marL="742950" lvl="1" indent="-285750">
+              <a:lnSpc>
+                <a:spcPct val="107000"/>
+              </a:lnSpc>
+              <a:buFont typeface="Courier New" panose="02070309020205020404" pitchFamily="49" charset="0"/>
+              <a:buChar char="o"/>
+            </a:pPr>
+            <a:endParaRPr lang="de-DE" sz="1200" b="1" dirty="0">
+              <a:solidFill>
+                <a:srgbClr val="000000"/>
+              </a:solidFill>
+              <a:latin typeface="Calibri" panose="020F0502020204030204" pitchFamily="34" charset="0"/>
+              <a:ea typeface="游明朝" panose="02020400000000000000" pitchFamily="18" charset="-128"/>
+              <a:cs typeface="Times New Roman" panose="02020603050405020304" pitchFamily="18" charset="0"/>
+            </a:endParaRPr>
+          </a:p>
+          <a:p>
+            <a:pPr marL="742950" lvl="1" indent="-285750">
+              <a:lnSpc>
+                <a:spcPct val="107000"/>
+              </a:lnSpc>
+              <a:buFont typeface="Courier New" panose="02070309020205020404" pitchFamily="49" charset="0"/>
+              <a:buChar char="o"/>
+            </a:pPr>
+            <a:endParaRPr lang="de-DE" sz="1200" b="1" dirty="0">
+              <a:solidFill>
+                <a:srgbClr val="000000"/>
+              </a:solidFill>
+              <a:effectLst/>
+              <a:latin typeface="Calibri" panose="020F0502020204030204" pitchFamily="34" charset="0"/>
+              <a:ea typeface="游明朝" panose="02020400000000000000" pitchFamily="18" charset="-128"/>
+              <a:cs typeface="Times New Roman" panose="02020603050405020304" pitchFamily="18" charset="0"/>
+            </a:endParaRPr>
+          </a:p>
+          <a:p>
+            <a:pPr marL="742950" lvl="1" indent="-285750">
+              <a:lnSpc>
+                <a:spcPct val="107000"/>
+              </a:lnSpc>
+              <a:buFont typeface="Courier New" panose="02070309020205020404" pitchFamily="49" charset="0"/>
+              <a:buChar char="o"/>
+            </a:pPr>
+            <a:endParaRPr lang="de-DE" sz="1200" b="1" dirty="0">
+              <a:solidFill>
+                <a:srgbClr val="000000"/>
+              </a:solidFill>
+              <a:latin typeface="Calibri" panose="020F0502020204030204" pitchFamily="34" charset="0"/>
+              <a:ea typeface="游明朝" panose="02020400000000000000" pitchFamily="18" charset="-128"/>
+              <a:cs typeface="Times New Roman" panose="02020603050405020304" pitchFamily="18" charset="0"/>
+            </a:endParaRPr>
+          </a:p>
+          <a:p>
+            <a:pPr marL="742950" lvl="1" indent="-285750">
+              <a:lnSpc>
+                <a:spcPct val="107000"/>
+              </a:lnSpc>
+              <a:buFont typeface="Courier New" panose="02070309020205020404" pitchFamily="49" charset="0"/>
+              <a:buChar char="o"/>
+            </a:pPr>
+            <a:r>
+              <a:rPr lang="de-DE" sz="1200" b="1" dirty="0">
+                <a:solidFill>
+                  <a:srgbClr val="000000"/>
+                </a:solidFill>
+                <a:effectLst/>
+                <a:latin typeface="Calibri" panose="020F0502020204030204" pitchFamily="34" charset="0"/>
+                <a:ea typeface="游明朝" panose="02020400000000000000" pitchFamily="18" charset="-128"/>
+                <a:cs typeface="Times New Roman" panose="02020603050405020304" pitchFamily="18" charset="0"/>
+              </a:rPr>
+              <a:t>Fail-Kriterien</a:t>
+            </a:r>
+            <a:endParaRPr lang="en-GB" sz="1200" dirty="0">
+              <a:effectLst/>
+              <a:latin typeface="Calibri" panose="020F0502020204030204" pitchFamily="34" charset="0"/>
+              <a:ea typeface="游明朝" panose="02020400000000000000" pitchFamily="18" charset="-128"/>
+              <a:cs typeface="Times New Roman" panose="02020603050405020304" pitchFamily="18" charset="0"/>
+            </a:endParaRPr>
+          </a:p>
+          <a:p>
+            <a:pPr marL="1143000" lvl="2" indent="-228600">
+              <a:lnSpc>
+                <a:spcPct val="107000"/>
+              </a:lnSpc>
+              <a:buFont typeface="Wingdings" panose="05000000000000000000" pitchFamily="2" charset="2"/>
+              <a:buChar char=""/>
+            </a:pPr>
+            <a:r>
+              <a:rPr lang="de-DE" sz="1200" dirty="0">
+                <a:solidFill>
+                  <a:srgbClr val="000000"/>
+                </a:solidFill>
+                <a:effectLst/>
+                <a:latin typeface="Calibri" panose="020F0502020204030204" pitchFamily="34" charset="0"/>
+                <a:ea typeface="游明朝" panose="02020400000000000000" pitchFamily="18" charset="-128"/>
+                <a:cs typeface="Times New Roman" panose="02020603050405020304" pitchFamily="18" charset="0"/>
+              </a:rPr>
+              <a:t>Ungültige Eingabe wurde übernommen (Email constraints)</a:t>
+            </a:r>
+            <a:endParaRPr lang="en-GB" sz="1200" dirty="0">
+              <a:effectLst/>
+              <a:latin typeface="Calibri" panose="020F0502020204030204" pitchFamily="34" charset="0"/>
+              <a:ea typeface="游明朝" panose="02020400000000000000" pitchFamily="18" charset="-128"/>
+              <a:cs typeface="Times New Roman" panose="02020603050405020304" pitchFamily="18" charset="0"/>
+            </a:endParaRPr>
+          </a:p>
+          <a:p>
+            <a:pPr marL="1143000" lvl="2" indent="-228600">
+              <a:lnSpc>
+                <a:spcPct val="107000"/>
+              </a:lnSpc>
+              <a:buFont typeface="Wingdings" panose="05000000000000000000" pitchFamily="2" charset="2"/>
+              <a:buChar char=""/>
+            </a:pPr>
+            <a:r>
+              <a:rPr lang="de-DE" sz="1200" dirty="0">
+                <a:solidFill>
+                  <a:srgbClr val="000000"/>
+                </a:solidFill>
+                <a:effectLst/>
+                <a:latin typeface="Calibri" panose="020F0502020204030204" pitchFamily="34" charset="0"/>
+                <a:ea typeface="游明朝" panose="02020400000000000000" pitchFamily="18" charset="-128"/>
+                <a:cs typeface="Times New Roman" panose="02020603050405020304" pitchFamily="18" charset="0"/>
+              </a:rPr>
+              <a:t>Zugriff auf Registry war nicht erfolgreich</a:t>
+            </a:r>
+            <a:endParaRPr lang="en-GB" sz="1200" dirty="0">
+              <a:effectLst/>
+              <a:latin typeface="Calibri" panose="020F0502020204030204" pitchFamily="34" charset="0"/>
+              <a:ea typeface="游明朝" panose="02020400000000000000" pitchFamily="18" charset="-128"/>
+              <a:cs typeface="Times New Roman" panose="02020603050405020304" pitchFamily="18" charset="0"/>
+            </a:endParaRPr>
+          </a:p>
+          <a:p>
+            <a:pPr marL="1143000" lvl="2" indent="-228600">
+              <a:lnSpc>
+                <a:spcPct val="107000"/>
+              </a:lnSpc>
+              <a:buFont typeface="Wingdings" panose="05000000000000000000" pitchFamily="2" charset="2"/>
+              <a:buChar char=""/>
+            </a:pPr>
+            <a:r>
+              <a:rPr lang="de-DE" sz="1200" dirty="0">
+                <a:solidFill>
+                  <a:srgbClr val="000000"/>
+                </a:solidFill>
+                <a:effectLst/>
+                <a:latin typeface="Calibri" panose="020F0502020204030204" pitchFamily="34" charset="0"/>
+                <a:ea typeface="游明朝" panose="02020400000000000000" pitchFamily="18" charset="-128"/>
+                <a:cs typeface="Times New Roman" panose="02020603050405020304" pitchFamily="18" charset="0"/>
+              </a:rPr>
+              <a:t>Vergleich lieferte falsches Ergebnis</a:t>
+            </a:r>
+            <a:endParaRPr lang="en-GB" sz="1200" dirty="0">
+              <a:effectLst/>
+              <a:latin typeface="Calibri" panose="020F0502020204030204" pitchFamily="34" charset="0"/>
+              <a:ea typeface="游明朝" panose="02020400000000000000" pitchFamily="18" charset="-128"/>
+              <a:cs typeface="Times New Roman" panose="02020603050405020304" pitchFamily="18" charset="0"/>
+            </a:endParaRPr>
+          </a:p>
+          <a:p>
+            <a:pPr marL="1143000" lvl="2" indent="-228600">
+              <a:lnSpc>
+                <a:spcPct val="107000"/>
+              </a:lnSpc>
+              <a:buFont typeface="Wingdings" panose="05000000000000000000" pitchFamily="2" charset="2"/>
+              <a:buChar char=""/>
+            </a:pPr>
+            <a:r>
+              <a:rPr lang="de-DE" sz="1200" dirty="0">
+                <a:solidFill>
+                  <a:srgbClr val="000000"/>
+                </a:solidFill>
+                <a:effectLst/>
+                <a:latin typeface="Calibri" panose="020F0502020204030204" pitchFamily="34" charset="0"/>
+                <a:ea typeface="游明朝" panose="02020400000000000000" pitchFamily="18" charset="-128"/>
+                <a:cs typeface="Times New Roman" panose="02020603050405020304" pitchFamily="18" charset="0"/>
+              </a:rPr>
+              <a:t>Vergleich lieferte kein Ergebnis</a:t>
+            </a:r>
+            <a:endParaRPr lang="en-GB" sz="1200" dirty="0">
+              <a:effectLst/>
+              <a:latin typeface="Calibri" panose="020F0502020204030204" pitchFamily="34" charset="0"/>
+              <a:ea typeface="游明朝" panose="02020400000000000000" pitchFamily="18" charset="-128"/>
+              <a:cs typeface="Times New Roman" panose="02020603050405020304" pitchFamily="18" charset="0"/>
+            </a:endParaRPr>
+          </a:p>
+          <a:p>
+            <a:pPr marL="1143000" lvl="2" indent="-228600">
+              <a:lnSpc>
+                <a:spcPct val="107000"/>
+              </a:lnSpc>
+              <a:buFont typeface="Wingdings" panose="05000000000000000000" pitchFamily="2" charset="2"/>
+              <a:buChar char=""/>
+            </a:pPr>
+            <a:r>
+              <a:rPr lang="de-DE" sz="1200" dirty="0">
+                <a:solidFill>
+                  <a:srgbClr val="000000"/>
+                </a:solidFill>
+                <a:effectLst/>
+                <a:latin typeface="Calibri" panose="020F0502020204030204" pitchFamily="34" charset="0"/>
+                <a:ea typeface="游明朝" panose="02020400000000000000" pitchFamily="18" charset="-128"/>
+                <a:cs typeface="Times New Roman" panose="02020603050405020304" pitchFamily="18" charset="0"/>
+              </a:rPr>
+              <a:t>Falsche Ansicht wurde erzeugt</a:t>
+            </a:r>
+            <a:endParaRPr lang="en-GB" sz="1200" dirty="0">
+              <a:effectLst/>
+              <a:latin typeface="Calibri" panose="020F0502020204030204" pitchFamily="34" charset="0"/>
+              <a:ea typeface="游明朝" panose="02020400000000000000" pitchFamily="18" charset="-128"/>
+              <a:cs typeface="Times New Roman" panose="02020603050405020304" pitchFamily="18" charset="0"/>
+            </a:endParaRPr>
+          </a:p>
+          <a:p>
+            <a:pPr marL="742950" lvl="1" indent="-285750">
+              <a:lnSpc>
+                <a:spcPct val="107000"/>
+              </a:lnSpc>
+              <a:buFont typeface="Courier New" panose="02070309020205020404" pitchFamily="49" charset="0"/>
+              <a:buChar char="o"/>
+            </a:pPr>
+            <a:r>
+              <a:rPr lang="de-DE" sz="1200" b="1" dirty="0">
+                <a:solidFill>
+                  <a:srgbClr val="000000"/>
+                </a:solidFill>
+                <a:effectLst/>
+                <a:latin typeface="Calibri" panose="020F0502020204030204" pitchFamily="34" charset="0"/>
+                <a:ea typeface="游明朝" panose="02020400000000000000" pitchFamily="18" charset="-128"/>
+                <a:cs typeface="Times New Roman" panose="02020603050405020304" pitchFamily="18" charset="0"/>
+              </a:rPr>
+              <a:t>Fallback</a:t>
+            </a:r>
+            <a:endParaRPr lang="en-GB" sz="1200" dirty="0">
+              <a:effectLst/>
+              <a:latin typeface="Calibri" panose="020F0502020204030204" pitchFamily="34" charset="0"/>
+              <a:ea typeface="游明朝" panose="02020400000000000000" pitchFamily="18" charset="-128"/>
+              <a:cs typeface="Times New Roman" panose="02020603050405020304" pitchFamily="18" charset="0"/>
+            </a:endParaRPr>
+          </a:p>
+          <a:p>
+            <a:pPr marL="1143000" lvl="2" indent="-228600">
+              <a:lnSpc>
+                <a:spcPct val="107000"/>
+              </a:lnSpc>
+              <a:buFont typeface="Wingdings" panose="05000000000000000000" pitchFamily="2" charset="2"/>
+              <a:buChar char=""/>
+            </a:pPr>
+            <a:r>
+              <a:rPr lang="de-DE" sz="1200" dirty="0">
+                <a:solidFill>
+                  <a:srgbClr val="000000"/>
+                </a:solidFill>
+                <a:effectLst/>
+                <a:latin typeface="Calibri" panose="020F0502020204030204" pitchFamily="34" charset="0"/>
+                <a:ea typeface="游明朝" panose="02020400000000000000" pitchFamily="18" charset="-128"/>
+                <a:cs typeface="Times New Roman" panose="02020603050405020304" pitchFamily="18" charset="0"/>
+              </a:rPr>
+              <a:t>Ein fester User Account wird im Prototypen vorgelegt</a:t>
+            </a:r>
+            <a:endParaRPr lang="en-GB" sz="1200" dirty="0">
+              <a:effectLst/>
+              <a:latin typeface="Calibri" panose="020F0502020204030204" pitchFamily="34" charset="0"/>
+              <a:ea typeface="游明朝" panose="02020400000000000000" pitchFamily="18" charset="-128"/>
+              <a:cs typeface="Times New Roman" panose="02020603050405020304" pitchFamily="18" charset="0"/>
+            </a:endParaRPr>
+          </a:p>
+          <a:p>
+            <a:pPr marL="1143000" lvl="2" indent="-228600">
+              <a:lnSpc>
+                <a:spcPct val="107000"/>
+              </a:lnSpc>
+              <a:spcAft>
+                <a:spcPts val="800"/>
+              </a:spcAft>
+              <a:buFont typeface="Wingdings" panose="05000000000000000000" pitchFamily="2" charset="2"/>
+              <a:buChar char=""/>
+            </a:pPr>
+            <a:r>
+              <a:rPr lang="de-DE" sz="1200" dirty="0">
+                <a:solidFill>
+                  <a:srgbClr val="000000"/>
+                </a:solidFill>
+                <a:effectLst/>
+                <a:latin typeface="Calibri" panose="020F0502020204030204" pitchFamily="34" charset="0"/>
+                <a:ea typeface="游明朝" panose="02020400000000000000" pitchFamily="18" charset="-128"/>
+                <a:cs typeface="Times New Roman" panose="02020603050405020304" pitchFamily="18" charset="0"/>
+              </a:rPr>
+              <a:t>Verzicht auf externe Registry, User Accounts werden fest in den Prototypen geschrieben</a:t>
+            </a:r>
+            <a:endParaRPr lang="en-GB" sz="1200" dirty="0">
+              <a:effectLst/>
+              <a:latin typeface="Calibri" panose="020F0502020204030204" pitchFamily="34" charset="0"/>
+              <a:ea typeface="游明朝" panose="02020400000000000000" pitchFamily="18" charset="-128"/>
+              <a:cs typeface="Times New Roman" panose="02020603050405020304" pitchFamily="18" charset="0"/>
+            </a:endParaRPr>
+          </a:p>
+          <a:p>
+            <a:endParaRPr lang="en-GB" sz="3200" dirty="0"/>
+          </a:p>
+        </p:txBody>
+      </p:sp>
+      <p:sp>
+        <p:nvSpPr>
+          <p:cNvPr id="4" name="Slide Number Placeholder 3">
+            <a:extLst>
+              <a:ext uri="{FF2B5EF4-FFF2-40B4-BE49-F238E27FC236}">
+                <a16:creationId xmlns:a16="http://schemas.microsoft.com/office/drawing/2014/main" id="{BCC4C124-465E-D835-C669-538F1616DF05}"/>
+              </a:ext>
+            </a:extLst>
+          </p:cNvPr>
+          <p:cNvSpPr>
+            <a:spLocks noGrp="1"/>
+          </p:cNvSpPr>
+          <p:nvPr>
+            <p:ph type="sldNum" sz="quarter" idx="12"/>
+          </p:nvPr>
+        </p:nvSpPr>
+        <p:spPr/>
+        <p:txBody>
+          <a:bodyPr/>
+          <a:lstStyle/>
+          <a:p>
+            <a:fld id="{4FD190AE-D9AE-4074-AAED-D637288AF7F0}" type="slidenum">
+              <a:rPr lang="de-DE" smtClean="0"/>
+              <a:t>7</a:t>
+            </a:fld>
+            <a:endParaRPr lang="de-DE"/>
+          </a:p>
+        </p:txBody>
+      </p:sp>
+    </p:spTree>
+    <p:extLst>
+      <p:ext uri="{BB962C8B-B14F-4D97-AF65-F5344CB8AC3E}">
+        <p14:creationId xmlns:p14="http://schemas.microsoft.com/office/powerpoint/2010/main" val="905879043"/>
+      </p:ext>
+    </p:extLst>
+  </p:cSld>
+  <p:clrMapOvr>
+    <a:masterClrMapping/>
+  </p:clrMapOvr>
+</p:sld>
+</file>
+
 <file path=ppt/slides/slide8.xml><?xml version="1.0" encoding="utf-8"?>
 <p:sld xmlns:a="http://schemas.openxmlformats.org/drawingml/2006/main" xmlns:r="http://schemas.openxmlformats.org/officeDocument/2006/relationships" xmlns:p="http://schemas.openxmlformats.org/presentationml/2006/main">
   <p:cSld>
@@ -9771,10 +10123,10 @@
       </p:grpSpPr>
       <p:sp>
         <p:nvSpPr>
-          <p:cNvPr id="2" name="Title 1">
+          <p:cNvPr id="2" name="Titel 1">
             <a:extLst>
               <a:ext uri="{FF2B5EF4-FFF2-40B4-BE49-F238E27FC236}">
-                <a16:creationId xmlns:a16="http://schemas.microsoft.com/office/drawing/2014/main" id="{2D9F1241-A252-A34F-D19E-A0B70EDCC08C}"/>
+                <a16:creationId xmlns:a16="http://schemas.microsoft.com/office/drawing/2014/main" id="{4AC7DED0-9976-693C-8B24-D84F23C8E7B6}"/>
               </a:ext>
             </a:extLst>
           </p:cNvPr>
@@ -9785,25 +10137,29 @@
             <p:ph type="title"/>
           </p:nvPr>
         </p:nvSpPr>
-        <p:spPr/>
+        <p:spPr>
+          <a:xfrm>
+            <a:off x="209549" y="365124"/>
+            <a:ext cx="2847975" cy="3959225"/>
+          </a:xfrm>
+        </p:spPr>
         <p:txBody>
           <a:bodyPr/>
           <a:lstStyle/>
           <a:p>
-            <a:pPr algn="ctr"/>
-            <a:r>
-              <a:rPr lang="en-GB" dirty="0"/>
-              <a:t>POC Login</a:t>
-            </a:r>
-          </a:p>
-        </p:txBody>
-      </p:sp>
-      <p:sp>
-        <p:nvSpPr>
-          <p:cNvPr id="3" name="Content Placeholder 2">
+            <a:r>
+              <a:rPr lang="de-DE" dirty="0"/>
+              <a:t>Klassen-diagramm</a:t>
+            </a:r>
+          </a:p>
+        </p:txBody>
+      </p:sp>
+      <p:sp>
+        <p:nvSpPr>
+          <p:cNvPr id="5" name="Foliennummernplatzhalter 4">
             <a:extLst>
               <a:ext uri="{FF2B5EF4-FFF2-40B4-BE49-F238E27FC236}">
-                <a16:creationId xmlns:a16="http://schemas.microsoft.com/office/drawing/2014/main" id="{DE1BEAB3-472D-EF93-8F10-79654B2530AF}"/>
+                <a16:creationId xmlns:a16="http://schemas.microsoft.com/office/drawing/2014/main" id="{7B246376-21DF-8BF4-A1FD-B77C22C28AAB}"/>
               </a:ext>
             </a:extLst>
           </p:cNvPr>
@@ -9811,760 +10167,68 @@
             <a:spLocks noGrp="1"/>
           </p:cNvSpPr>
           <p:nvPr>
-            <p:ph idx="1"/>
+            <p:ph type="sldNum" sz="quarter" idx="12"/>
           </p:nvPr>
         </p:nvSpPr>
         <p:spPr/>
         <p:txBody>
-          <a:bodyPr numCol="2">
-            <a:normAutofit/>
-          </a:bodyPr>
+          <a:bodyPr/>
           <a:lstStyle/>
           <a:p>
-            <a:pPr marL="342900" lvl="0" indent="-342900">
-              <a:lnSpc>
-                <a:spcPct val="107000"/>
-              </a:lnSpc>
-              <a:buFont typeface="Symbol" panose="05050102010706020507" pitchFamily="18" charset="2"/>
-              <a:buChar char=""/>
-            </a:pPr>
-            <a:r>
-              <a:rPr lang="de-DE" sz="1400" u="sng" dirty="0">
+            <a:fld id="{4FD190AE-D9AE-4074-AAED-D637288AF7F0}" type="slidenum">
+              <a:rPr lang="de-DE" sz="2000" smtClean="0">
                 <a:solidFill>
-                  <a:srgbClr val="000000"/>
+                  <a:schemeClr val="tx1"/>
                 </a:solidFill>
-                <a:effectLst/>
-                <a:latin typeface="Calibri" panose="020F0502020204030204" pitchFamily="34" charset="0"/>
-                <a:ea typeface="游明朝" panose="02020400000000000000" pitchFamily="18" charset="-128"/>
-                <a:cs typeface="Times New Roman" panose="02020603050405020304" pitchFamily="18" charset="0"/>
               </a:rPr>
-              <a:t>Login</a:t>
-            </a:r>
-            <a:endParaRPr lang="en-GB" sz="1200" dirty="0">
-              <a:effectLst/>
-              <a:latin typeface="Calibri" panose="020F0502020204030204" pitchFamily="34" charset="0"/>
-              <a:ea typeface="游明朝" panose="02020400000000000000" pitchFamily="18" charset="-128"/>
-              <a:cs typeface="Times New Roman" panose="02020603050405020304" pitchFamily="18" charset="0"/>
+              <a:t>8</a:t>
+            </a:fld>
+            <a:endParaRPr lang="de-DE" sz="2000" dirty="0">
+              <a:solidFill>
+                <a:schemeClr val="tx1"/>
+              </a:solidFill>
             </a:endParaRPr>
           </a:p>
-          <a:p>
-            <a:pPr marL="742950" lvl="1" indent="-285750">
-              <a:lnSpc>
-                <a:spcPct val="107000"/>
-              </a:lnSpc>
-              <a:buFont typeface="Courier New" panose="02070309020205020404" pitchFamily="49" charset="0"/>
-              <a:buChar char="o"/>
-            </a:pPr>
-            <a:r>
-              <a:rPr lang="de-DE" sz="1200" b="1" dirty="0">
-                <a:solidFill>
-                  <a:srgbClr val="000000"/>
-                </a:solidFill>
-                <a:effectLst/>
-                <a:latin typeface="Calibri" panose="020F0502020204030204" pitchFamily="34" charset="0"/>
-                <a:ea typeface="游明朝" panose="02020400000000000000" pitchFamily="18" charset="-128"/>
-                <a:cs typeface="Times New Roman" panose="02020603050405020304" pitchFamily="18" charset="0"/>
-              </a:rPr>
-              <a:t>Ablauf</a:t>
-            </a:r>
-            <a:endParaRPr lang="en-GB" sz="1200" dirty="0">
-              <a:effectLst/>
-              <a:latin typeface="Calibri" panose="020F0502020204030204" pitchFamily="34" charset="0"/>
-              <a:ea typeface="游明朝" panose="02020400000000000000" pitchFamily="18" charset="-128"/>
-              <a:cs typeface="Times New Roman" panose="02020603050405020304" pitchFamily="18" charset="0"/>
-            </a:endParaRPr>
-          </a:p>
-          <a:p>
-            <a:pPr marL="1143000" lvl="2" indent="-228600">
-              <a:lnSpc>
-                <a:spcPct val="107000"/>
-              </a:lnSpc>
-              <a:buFont typeface="Wingdings" panose="05000000000000000000" pitchFamily="2" charset="2"/>
-              <a:buChar char=""/>
-            </a:pPr>
-            <a:r>
-              <a:rPr lang="de-DE" sz="1200" dirty="0">
-                <a:solidFill>
-                  <a:srgbClr val="000000"/>
-                </a:solidFill>
-                <a:effectLst/>
-                <a:latin typeface="Calibri" panose="020F0502020204030204" pitchFamily="34" charset="0"/>
-                <a:ea typeface="游明朝" panose="02020400000000000000" pitchFamily="18" charset="-128"/>
-                <a:cs typeface="Times New Roman" panose="02020603050405020304" pitchFamily="18" charset="0"/>
-              </a:rPr>
-              <a:t>Abfrage nach Username/Email - Passwort Dataset</a:t>
-            </a:r>
-            <a:endParaRPr lang="en-GB" sz="1200" dirty="0">
-              <a:effectLst/>
-              <a:latin typeface="Calibri" panose="020F0502020204030204" pitchFamily="34" charset="0"/>
-              <a:ea typeface="游明朝" panose="02020400000000000000" pitchFamily="18" charset="-128"/>
-              <a:cs typeface="Times New Roman" panose="02020603050405020304" pitchFamily="18" charset="0"/>
-            </a:endParaRPr>
-          </a:p>
-          <a:p>
-            <a:pPr marL="1143000" lvl="2" indent="-228600">
-              <a:lnSpc>
-                <a:spcPct val="107000"/>
-              </a:lnSpc>
-              <a:buFont typeface="Wingdings" panose="05000000000000000000" pitchFamily="2" charset="2"/>
-              <a:buChar char=""/>
-            </a:pPr>
-            <a:r>
-              <a:rPr lang="de-DE" sz="1200" dirty="0">
-                <a:solidFill>
-                  <a:srgbClr val="000000"/>
-                </a:solidFill>
-                <a:effectLst/>
-                <a:latin typeface="Calibri" panose="020F0502020204030204" pitchFamily="34" charset="0"/>
-                <a:ea typeface="游明朝" panose="02020400000000000000" pitchFamily="18" charset="-128"/>
-                <a:cs typeface="Times New Roman" panose="02020603050405020304" pitchFamily="18" charset="0"/>
-              </a:rPr>
-              <a:t>Systemzugriff auf Registry mit allen Username/Email-PW Datasets</a:t>
-            </a:r>
-          </a:p>
-          <a:p>
-            <a:pPr marL="1143000" lvl="2" indent="-228600">
-              <a:lnSpc>
-                <a:spcPct val="107000"/>
-              </a:lnSpc>
-              <a:buFont typeface="Wingdings" panose="05000000000000000000" pitchFamily="2" charset="2"/>
-              <a:buChar char=""/>
-            </a:pPr>
-            <a:r>
-              <a:rPr lang="de-DE" sz="1200" dirty="0">
-                <a:solidFill>
-                  <a:srgbClr val="000000"/>
-                </a:solidFill>
-                <a:latin typeface="Calibri" panose="020F0502020204030204" pitchFamily="34" charset="0"/>
-                <a:ea typeface="游明朝" panose="02020400000000000000" pitchFamily="18" charset="-128"/>
-                <a:cs typeface="Times New Roman" panose="02020603050405020304" pitchFamily="18" charset="0"/>
-              </a:rPr>
-              <a:t>Deserialisation der Registry zu Userliste</a:t>
-            </a:r>
-            <a:endParaRPr lang="en-GB" sz="1200" dirty="0">
-              <a:effectLst/>
-              <a:latin typeface="Calibri" panose="020F0502020204030204" pitchFamily="34" charset="0"/>
-              <a:ea typeface="游明朝" panose="02020400000000000000" pitchFamily="18" charset="-128"/>
-              <a:cs typeface="Times New Roman" panose="02020603050405020304" pitchFamily="18" charset="0"/>
-            </a:endParaRPr>
-          </a:p>
-          <a:p>
-            <a:pPr marL="1143000" lvl="2" indent="-228600">
-              <a:lnSpc>
-                <a:spcPct val="107000"/>
-              </a:lnSpc>
-              <a:buFont typeface="Wingdings" panose="05000000000000000000" pitchFamily="2" charset="2"/>
-              <a:buChar char=""/>
-            </a:pPr>
-            <a:r>
-              <a:rPr lang="de-DE" sz="1200" dirty="0">
-                <a:solidFill>
-                  <a:srgbClr val="000000"/>
-                </a:solidFill>
-                <a:effectLst/>
-                <a:latin typeface="Calibri" panose="020F0502020204030204" pitchFamily="34" charset="0"/>
-                <a:ea typeface="游明朝" panose="02020400000000000000" pitchFamily="18" charset="-128"/>
-                <a:cs typeface="Times New Roman" panose="02020603050405020304" pitchFamily="18" charset="0"/>
-              </a:rPr>
-              <a:t>Vergleich mit </a:t>
-            </a:r>
-            <a:r>
-              <a:rPr lang="en-GB" sz="1200" dirty="0" err="1">
-                <a:solidFill>
-                  <a:srgbClr val="000000"/>
-                </a:solidFill>
-                <a:effectLst/>
-                <a:latin typeface="Calibri" panose="020F0502020204030204" pitchFamily="34" charset="0"/>
-                <a:ea typeface="游明朝" panose="02020400000000000000" pitchFamily="18" charset="-128"/>
-                <a:cs typeface="Times New Roman" panose="02020603050405020304" pitchFamily="18" charset="0"/>
-              </a:rPr>
-              <a:t>Userliste</a:t>
-            </a:r>
-            <a:endParaRPr lang="en-GB" sz="1200" dirty="0">
-              <a:effectLst/>
-              <a:latin typeface="Calibri" panose="020F0502020204030204" pitchFamily="34" charset="0"/>
-              <a:ea typeface="游明朝" panose="02020400000000000000" pitchFamily="18" charset="-128"/>
-              <a:cs typeface="Times New Roman" panose="02020603050405020304" pitchFamily="18" charset="0"/>
-            </a:endParaRPr>
-          </a:p>
-          <a:p>
-            <a:pPr marL="1143000" lvl="2" indent="-228600">
-              <a:lnSpc>
-                <a:spcPct val="107000"/>
-              </a:lnSpc>
-              <a:buFont typeface="Wingdings" panose="05000000000000000000" pitchFamily="2" charset="2"/>
-              <a:buChar char=""/>
-            </a:pPr>
-            <a:r>
-              <a:rPr lang="de-DE" sz="1200" dirty="0">
-                <a:solidFill>
-                  <a:srgbClr val="000000"/>
-                </a:solidFill>
-                <a:effectLst/>
-                <a:latin typeface="Calibri" panose="020F0502020204030204" pitchFamily="34" charset="0"/>
-                <a:ea typeface="游明朝" panose="02020400000000000000" pitchFamily="18" charset="-128"/>
-                <a:cs typeface="Times New Roman" panose="02020603050405020304" pitchFamily="18" charset="0"/>
-              </a:rPr>
-              <a:t>Bei gefundener Übereinstimmung -&gt; Ansicht des Heimatorts</a:t>
-            </a:r>
-            <a:endParaRPr lang="en-GB" sz="1200" dirty="0">
-              <a:effectLst/>
-              <a:latin typeface="Calibri" panose="020F0502020204030204" pitchFamily="34" charset="0"/>
-              <a:ea typeface="游明朝" panose="02020400000000000000" pitchFamily="18" charset="-128"/>
-              <a:cs typeface="Times New Roman" panose="02020603050405020304" pitchFamily="18" charset="0"/>
-            </a:endParaRPr>
-          </a:p>
-          <a:p>
-            <a:pPr marL="1143000" lvl="2" indent="-228600">
-              <a:lnSpc>
-                <a:spcPct val="107000"/>
-              </a:lnSpc>
-              <a:buFont typeface="Wingdings" panose="05000000000000000000" pitchFamily="2" charset="2"/>
-              <a:buChar char=""/>
-            </a:pPr>
-            <a:r>
-              <a:rPr lang="de-DE" sz="1200" dirty="0">
-                <a:solidFill>
-                  <a:srgbClr val="000000"/>
-                </a:solidFill>
-                <a:effectLst/>
-                <a:latin typeface="Calibri" panose="020F0502020204030204" pitchFamily="34" charset="0"/>
-                <a:ea typeface="游明朝" panose="02020400000000000000" pitchFamily="18" charset="-128"/>
-                <a:cs typeface="Times New Roman" panose="02020603050405020304" pitchFamily="18" charset="0"/>
-              </a:rPr>
-              <a:t>Bei fehlender Übereinstimmung -&gt; Ansicht mit Fehlermeldung</a:t>
-            </a:r>
-            <a:endParaRPr lang="en-GB" sz="1200" dirty="0">
-              <a:effectLst/>
-              <a:latin typeface="Calibri" panose="020F0502020204030204" pitchFamily="34" charset="0"/>
-              <a:ea typeface="游明朝" panose="02020400000000000000" pitchFamily="18" charset="-128"/>
-              <a:cs typeface="Times New Roman" panose="02020603050405020304" pitchFamily="18" charset="0"/>
-            </a:endParaRPr>
-          </a:p>
-          <a:p>
-            <a:pPr marL="742950" lvl="1" indent="-285750">
-              <a:lnSpc>
-                <a:spcPct val="107000"/>
-              </a:lnSpc>
-              <a:buFont typeface="Courier New" panose="02070309020205020404" pitchFamily="49" charset="0"/>
-              <a:buChar char="o"/>
-            </a:pPr>
-            <a:r>
-              <a:rPr lang="de-DE" sz="1200" b="1" dirty="0">
-                <a:solidFill>
-                  <a:srgbClr val="000000"/>
-                </a:solidFill>
-                <a:effectLst/>
-                <a:latin typeface="Calibri" panose="020F0502020204030204" pitchFamily="34" charset="0"/>
-                <a:ea typeface="游明朝" panose="02020400000000000000" pitchFamily="18" charset="-128"/>
-                <a:cs typeface="Times New Roman" panose="02020603050405020304" pitchFamily="18" charset="0"/>
-              </a:rPr>
-              <a:t>Exit-Kriterien</a:t>
-            </a:r>
-            <a:endParaRPr lang="en-GB" sz="1200" dirty="0">
-              <a:effectLst/>
-              <a:latin typeface="Calibri" panose="020F0502020204030204" pitchFamily="34" charset="0"/>
-              <a:ea typeface="游明朝" panose="02020400000000000000" pitchFamily="18" charset="-128"/>
-              <a:cs typeface="Times New Roman" panose="02020603050405020304" pitchFamily="18" charset="0"/>
-            </a:endParaRPr>
-          </a:p>
-          <a:p>
-            <a:pPr marL="1143000" lvl="2" indent="-228600">
-              <a:lnSpc>
-                <a:spcPct val="107000"/>
-              </a:lnSpc>
-              <a:buFont typeface="Wingdings" panose="05000000000000000000" pitchFamily="2" charset="2"/>
-              <a:buChar char=""/>
-            </a:pPr>
-            <a:r>
-              <a:rPr lang="de-DE" sz="1200" dirty="0">
-                <a:solidFill>
-                  <a:srgbClr val="000000"/>
-                </a:solidFill>
-                <a:effectLst/>
-                <a:latin typeface="Calibri" panose="020F0502020204030204" pitchFamily="34" charset="0"/>
-                <a:ea typeface="游明朝" panose="02020400000000000000" pitchFamily="18" charset="-128"/>
-                <a:cs typeface="Times New Roman" panose="02020603050405020304" pitchFamily="18" charset="0"/>
-              </a:rPr>
-              <a:t>Eingabe wude erfolgreich und korrekt übernommen</a:t>
-            </a:r>
-            <a:endParaRPr lang="en-GB" sz="1200" dirty="0">
-              <a:effectLst/>
-              <a:latin typeface="Calibri" panose="020F0502020204030204" pitchFamily="34" charset="0"/>
-              <a:ea typeface="游明朝" panose="02020400000000000000" pitchFamily="18" charset="-128"/>
-              <a:cs typeface="Times New Roman" panose="02020603050405020304" pitchFamily="18" charset="0"/>
-            </a:endParaRPr>
-          </a:p>
-          <a:p>
-            <a:pPr marL="1143000" lvl="2" indent="-228600">
-              <a:lnSpc>
-                <a:spcPct val="107000"/>
-              </a:lnSpc>
-              <a:buFont typeface="Wingdings" panose="05000000000000000000" pitchFamily="2" charset="2"/>
-              <a:buChar char=""/>
-            </a:pPr>
-            <a:r>
-              <a:rPr lang="de-DE" sz="1200" dirty="0">
-                <a:solidFill>
-                  <a:srgbClr val="000000"/>
-                </a:solidFill>
-                <a:effectLst/>
-                <a:latin typeface="Calibri" panose="020F0502020204030204" pitchFamily="34" charset="0"/>
-                <a:ea typeface="游明朝" panose="02020400000000000000" pitchFamily="18" charset="-128"/>
-                <a:cs typeface="Times New Roman" panose="02020603050405020304" pitchFamily="18" charset="0"/>
-              </a:rPr>
-              <a:t>Zugriff auf Registry war erfolgreich</a:t>
-            </a:r>
-            <a:endParaRPr lang="en-GB" sz="1200" dirty="0">
-              <a:effectLst/>
-              <a:latin typeface="Calibri" panose="020F0502020204030204" pitchFamily="34" charset="0"/>
-              <a:ea typeface="游明朝" panose="02020400000000000000" pitchFamily="18" charset="-128"/>
-              <a:cs typeface="Times New Roman" panose="02020603050405020304" pitchFamily="18" charset="0"/>
-            </a:endParaRPr>
-          </a:p>
-          <a:p>
-            <a:pPr marL="1143000" lvl="2" indent="-228600">
-              <a:lnSpc>
-                <a:spcPct val="107000"/>
-              </a:lnSpc>
-              <a:buFont typeface="Wingdings" panose="05000000000000000000" pitchFamily="2" charset="2"/>
-              <a:buChar char=""/>
-            </a:pPr>
-            <a:r>
-              <a:rPr lang="de-DE" sz="1200" dirty="0">
-                <a:solidFill>
-                  <a:srgbClr val="000000"/>
-                </a:solidFill>
-                <a:effectLst/>
-                <a:latin typeface="Calibri" panose="020F0502020204030204" pitchFamily="34" charset="0"/>
-                <a:ea typeface="游明朝" panose="02020400000000000000" pitchFamily="18" charset="-128"/>
-                <a:cs typeface="Times New Roman" panose="02020603050405020304" pitchFamily="18" charset="0"/>
-              </a:rPr>
-              <a:t>Vergleich lieferte korrektes Ergebnis</a:t>
-            </a:r>
-            <a:endParaRPr lang="en-GB" sz="1200" dirty="0">
-              <a:effectLst/>
-              <a:latin typeface="Calibri" panose="020F0502020204030204" pitchFamily="34" charset="0"/>
-              <a:ea typeface="游明朝" panose="02020400000000000000" pitchFamily="18" charset="-128"/>
-              <a:cs typeface="Times New Roman" panose="02020603050405020304" pitchFamily="18" charset="0"/>
-            </a:endParaRPr>
-          </a:p>
-          <a:p>
-            <a:pPr marL="1143000" lvl="2" indent="-228600">
-              <a:lnSpc>
-                <a:spcPct val="107000"/>
-              </a:lnSpc>
-              <a:buFont typeface="Wingdings" panose="05000000000000000000" pitchFamily="2" charset="2"/>
-              <a:buChar char=""/>
-            </a:pPr>
-            <a:r>
-              <a:rPr lang="de-DE" sz="1200" dirty="0">
-                <a:solidFill>
-                  <a:srgbClr val="000000"/>
-                </a:solidFill>
-                <a:effectLst/>
-                <a:latin typeface="Calibri" panose="020F0502020204030204" pitchFamily="34" charset="0"/>
-                <a:ea typeface="游明朝" panose="02020400000000000000" pitchFamily="18" charset="-128"/>
-                <a:cs typeface="Times New Roman" panose="02020603050405020304" pitchFamily="18" charset="0"/>
-              </a:rPr>
-              <a:t>Richtige Ansicht wurde erzeugt</a:t>
-            </a:r>
-            <a:endParaRPr lang="en-GB" sz="1200" dirty="0">
-              <a:effectLst/>
-              <a:latin typeface="Calibri" panose="020F0502020204030204" pitchFamily="34" charset="0"/>
-              <a:ea typeface="游明朝" panose="02020400000000000000" pitchFamily="18" charset="-128"/>
-              <a:cs typeface="Times New Roman" panose="02020603050405020304" pitchFamily="18" charset="0"/>
-            </a:endParaRPr>
-          </a:p>
-          <a:p>
-            <a:pPr marL="742950" lvl="1" indent="-285750">
-              <a:lnSpc>
-                <a:spcPct val="107000"/>
-              </a:lnSpc>
-              <a:buFont typeface="Courier New" panose="02070309020205020404" pitchFamily="49" charset="0"/>
-              <a:buChar char="o"/>
-            </a:pPr>
-            <a:endParaRPr lang="de-DE" sz="1200" b="1" dirty="0">
-              <a:solidFill>
-                <a:srgbClr val="000000"/>
-              </a:solidFill>
-              <a:effectLst/>
-              <a:latin typeface="Calibri" panose="020F0502020204030204" pitchFamily="34" charset="0"/>
-              <a:ea typeface="游明朝" panose="02020400000000000000" pitchFamily="18" charset="-128"/>
-              <a:cs typeface="Times New Roman" panose="02020603050405020304" pitchFamily="18" charset="0"/>
-            </a:endParaRPr>
-          </a:p>
-          <a:p>
-            <a:pPr marL="742950" lvl="1" indent="-285750">
-              <a:lnSpc>
-                <a:spcPct val="107000"/>
-              </a:lnSpc>
-              <a:buFont typeface="Courier New" panose="02070309020205020404" pitchFamily="49" charset="0"/>
-              <a:buChar char="o"/>
-            </a:pPr>
-            <a:endParaRPr lang="de-DE" sz="1200" b="1" dirty="0">
-              <a:solidFill>
-                <a:srgbClr val="000000"/>
-              </a:solidFill>
-              <a:latin typeface="Calibri" panose="020F0502020204030204" pitchFamily="34" charset="0"/>
-              <a:ea typeface="游明朝" panose="02020400000000000000" pitchFamily="18" charset="-128"/>
-              <a:cs typeface="Times New Roman" panose="02020603050405020304" pitchFamily="18" charset="0"/>
-            </a:endParaRPr>
-          </a:p>
-          <a:p>
-            <a:pPr marL="742950" lvl="1" indent="-285750">
-              <a:lnSpc>
-                <a:spcPct val="107000"/>
-              </a:lnSpc>
-              <a:buFont typeface="Courier New" panose="02070309020205020404" pitchFamily="49" charset="0"/>
-              <a:buChar char="o"/>
-            </a:pPr>
-            <a:endParaRPr lang="de-DE" sz="1200" b="1" dirty="0">
-              <a:solidFill>
-                <a:srgbClr val="000000"/>
-              </a:solidFill>
-              <a:effectLst/>
-              <a:latin typeface="Calibri" panose="020F0502020204030204" pitchFamily="34" charset="0"/>
-              <a:ea typeface="游明朝" panose="02020400000000000000" pitchFamily="18" charset="-128"/>
-              <a:cs typeface="Times New Roman" panose="02020603050405020304" pitchFamily="18" charset="0"/>
-            </a:endParaRPr>
-          </a:p>
-          <a:p>
-            <a:pPr marL="742950" lvl="1" indent="-285750">
-              <a:lnSpc>
-                <a:spcPct val="107000"/>
-              </a:lnSpc>
-              <a:buFont typeface="Courier New" panose="02070309020205020404" pitchFamily="49" charset="0"/>
-              <a:buChar char="o"/>
-            </a:pPr>
-            <a:endParaRPr lang="de-DE" sz="1200" b="1" dirty="0">
-              <a:solidFill>
-                <a:srgbClr val="000000"/>
-              </a:solidFill>
-              <a:latin typeface="Calibri" panose="020F0502020204030204" pitchFamily="34" charset="0"/>
-              <a:ea typeface="游明朝" panose="02020400000000000000" pitchFamily="18" charset="-128"/>
-              <a:cs typeface="Times New Roman" panose="02020603050405020304" pitchFamily="18" charset="0"/>
-            </a:endParaRPr>
-          </a:p>
-          <a:p>
-            <a:pPr marL="742950" lvl="1" indent="-285750">
-              <a:lnSpc>
-                <a:spcPct val="107000"/>
-              </a:lnSpc>
-              <a:buFont typeface="Courier New" panose="02070309020205020404" pitchFamily="49" charset="0"/>
-              <a:buChar char="o"/>
-            </a:pPr>
-            <a:endParaRPr lang="de-DE" sz="1200" b="1" dirty="0">
-              <a:solidFill>
-                <a:srgbClr val="000000"/>
-              </a:solidFill>
-              <a:effectLst/>
-              <a:latin typeface="Calibri" panose="020F0502020204030204" pitchFamily="34" charset="0"/>
-              <a:ea typeface="游明朝" panose="02020400000000000000" pitchFamily="18" charset="-128"/>
-              <a:cs typeface="Times New Roman" panose="02020603050405020304" pitchFamily="18" charset="0"/>
-            </a:endParaRPr>
-          </a:p>
-          <a:p>
-            <a:pPr marL="742950" lvl="1" indent="-285750">
-              <a:lnSpc>
-                <a:spcPct val="107000"/>
-              </a:lnSpc>
-              <a:buFont typeface="Courier New" panose="02070309020205020404" pitchFamily="49" charset="0"/>
-              <a:buChar char="o"/>
-            </a:pPr>
-            <a:endParaRPr lang="de-DE" sz="1200" b="1" dirty="0">
-              <a:solidFill>
-                <a:srgbClr val="000000"/>
-              </a:solidFill>
-              <a:latin typeface="Calibri" panose="020F0502020204030204" pitchFamily="34" charset="0"/>
-              <a:ea typeface="游明朝" panose="02020400000000000000" pitchFamily="18" charset="-128"/>
-              <a:cs typeface="Times New Roman" panose="02020603050405020304" pitchFamily="18" charset="0"/>
-            </a:endParaRPr>
-          </a:p>
-          <a:p>
-            <a:pPr marL="742950" lvl="1" indent="-285750">
-              <a:lnSpc>
-                <a:spcPct val="107000"/>
-              </a:lnSpc>
-              <a:buFont typeface="Courier New" panose="02070309020205020404" pitchFamily="49" charset="0"/>
-              <a:buChar char="o"/>
-            </a:pPr>
-            <a:r>
-              <a:rPr lang="de-DE" sz="1200" b="1" dirty="0">
-                <a:solidFill>
-                  <a:srgbClr val="000000"/>
-                </a:solidFill>
-                <a:effectLst/>
-                <a:latin typeface="Calibri" panose="020F0502020204030204" pitchFamily="34" charset="0"/>
-                <a:ea typeface="游明朝" panose="02020400000000000000" pitchFamily="18" charset="-128"/>
-                <a:cs typeface="Times New Roman" panose="02020603050405020304" pitchFamily="18" charset="0"/>
-              </a:rPr>
-              <a:t>Fail-Kriterien</a:t>
-            </a:r>
-            <a:endParaRPr lang="en-GB" sz="1200" dirty="0">
-              <a:effectLst/>
-              <a:latin typeface="Calibri" panose="020F0502020204030204" pitchFamily="34" charset="0"/>
-              <a:ea typeface="游明朝" panose="02020400000000000000" pitchFamily="18" charset="-128"/>
-              <a:cs typeface="Times New Roman" panose="02020603050405020304" pitchFamily="18" charset="0"/>
-            </a:endParaRPr>
-          </a:p>
-          <a:p>
-            <a:pPr marL="1143000" lvl="2" indent="-228600">
-              <a:lnSpc>
-                <a:spcPct val="107000"/>
-              </a:lnSpc>
-              <a:buFont typeface="Wingdings" panose="05000000000000000000" pitchFamily="2" charset="2"/>
-              <a:buChar char=""/>
-            </a:pPr>
-            <a:r>
-              <a:rPr lang="de-DE" sz="1200" dirty="0">
-                <a:solidFill>
-                  <a:srgbClr val="000000"/>
-                </a:solidFill>
-                <a:effectLst/>
-                <a:latin typeface="Calibri" panose="020F0502020204030204" pitchFamily="34" charset="0"/>
-                <a:ea typeface="游明朝" panose="02020400000000000000" pitchFamily="18" charset="-128"/>
-                <a:cs typeface="Times New Roman" panose="02020603050405020304" pitchFamily="18" charset="0"/>
-              </a:rPr>
-              <a:t>Ungültige Eingabe wurde übernommen (Email constraints)</a:t>
-            </a:r>
-            <a:endParaRPr lang="en-GB" sz="1200" dirty="0">
-              <a:effectLst/>
-              <a:latin typeface="Calibri" panose="020F0502020204030204" pitchFamily="34" charset="0"/>
-              <a:ea typeface="游明朝" panose="02020400000000000000" pitchFamily="18" charset="-128"/>
-              <a:cs typeface="Times New Roman" panose="02020603050405020304" pitchFamily="18" charset="0"/>
-            </a:endParaRPr>
-          </a:p>
-          <a:p>
-            <a:pPr marL="1143000" lvl="2" indent="-228600">
-              <a:lnSpc>
-                <a:spcPct val="107000"/>
-              </a:lnSpc>
-              <a:buFont typeface="Wingdings" panose="05000000000000000000" pitchFamily="2" charset="2"/>
-              <a:buChar char=""/>
-            </a:pPr>
-            <a:r>
-              <a:rPr lang="de-DE" sz="1200" dirty="0">
-                <a:solidFill>
-                  <a:srgbClr val="000000"/>
-                </a:solidFill>
-                <a:effectLst/>
-                <a:latin typeface="Calibri" panose="020F0502020204030204" pitchFamily="34" charset="0"/>
-                <a:ea typeface="游明朝" panose="02020400000000000000" pitchFamily="18" charset="-128"/>
-                <a:cs typeface="Times New Roman" panose="02020603050405020304" pitchFamily="18" charset="0"/>
-              </a:rPr>
-              <a:t>Zugriff auf Registry war nicht erfolgreich</a:t>
-            </a:r>
-            <a:endParaRPr lang="en-GB" sz="1200" dirty="0">
-              <a:effectLst/>
-              <a:latin typeface="Calibri" panose="020F0502020204030204" pitchFamily="34" charset="0"/>
-              <a:ea typeface="游明朝" panose="02020400000000000000" pitchFamily="18" charset="-128"/>
-              <a:cs typeface="Times New Roman" panose="02020603050405020304" pitchFamily="18" charset="0"/>
-            </a:endParaRPr>
-          </a:p>
-          <a:p>
-            <a:pPr marL="1143000" lvl="2" indent="-228600">
-              <a:lnSpc>
-                <a:spcPct val="107000"/>
-              </a:lnSpc>
-              <a:buFont typeface="Wingdings" panose="05000000000000000000" pitchFamily="2" charset="2"/>
-              <a:buChar char=""/>
-            </a:pPr>
-            <a:r>
-              <a:rPr lang="de-DE" sz="1200" dirty="0">
-                <a:solidFill>
-                  <a:srgbClr val="000000"/>
-                </a:solidFill>
-                <a:effectLst/>
-                <a:latin typeface="Calibri" panose="020F0502020204030204" pitchFamily="34" charset="0"/>
-                <a:ea typeface="游明朝" panose="02020400000000000000" pitchFamily="18" charset="-128"/>
-                <a:cs typeface="Times New Roman" panose="02020603050405020304" pitchFamily="18" charset="0"/>
-              </a:rPr>
-              <a:t>Vergleich lieferte falsches Ergebnis</a:t>
-            </a:r>
-            <a:endParaRPr lang="en-GB" sz="1200" dirty="0">
-              <a:effectLst/>
-              <a:latin typeface="Calibri" panose="020F0502020204030204" pitchFamily="34" charset="0"/>
-              <a:ea typeface="游明朝" panose="02020400000000000000" pitchFamily="18" charset="-128"/>
-              <a:cs typeface="Times New Roman" panose="02020603050405020304" pitchFamily="18" charset="0"/>
-            </a:endParaRPr>
-          </a:p>
-          <a:p>
-            <a:pPr marL="1143000" lvl="2" indent="-228600">
-              <a:lnSpc>
-                <a:spcPct val="107000"/>
-              </a:lnSpc>
-              <a:buFont typeface="Wingdings" panose="05000000000000000000" pitchFamily="2" charset="2"/>
-              <a:buChar char=""/>
-            </a:pPr>
-            <a:r>
-              <a:rPr lang="de-DE" sz="1200" dirty="0">
-                <a:solidFill>
-                  <a:srgbClr val="000000"/>
-                </a:solidFill>
-                <a:effectLst/>
-                <a:latin typeface="Calibri" panose="020F0502020204030204" pitchFamily="34" charset="0"/>
-                <a:ea typeface="游明朝" panose="02020400000000000000" pitchFamily="18" charset="-128"/>
-                <a:cs typeface="Times New Roman" panose="02020603050405020304" pitchFamily="18" charset="0"/>
-              </a:rPr>
-              <a:t>Vergleich lieferte kein Ergebnis</a:t>
-            </a:r>
-            <a:endParaRPr lang="en-GB" sz="1200" dirty="0">
-              <a:effectLst/>
-              <a:latin typeface="Calibri" panose="020F0502020204030204" pitchFamily="34" charset="0"/>
-              <a:ea typeface="游明朝" panose="02020400000000000000" pitchFamily="18" charset="-128"/>
-              <a:cs typeface="Times New Roman" panose="02020603050405020304" pitchFamily="18" charset="0"/>
-            </a:endParaRPr>
-          </a:p>
-          <a:p>
-            <a:pPr marL="1143000" lvl="2" indent="-228600">
-              <a:lnSpc>
-                <a:spcPct val="107000"/>
-              </a:lnSpc>
-              <a:buFont typeface="Wingdings" panose="05000000000000000000" pitchFamily="2" charset="2"/>
-              <a:buChar char=""/>
-            </a:pPr>
-            <a:r>
-              <a:rPr lang="de-DE" sz="1200" dirty="0">
-                <a:solidFill>
-                  <a:srgbClr val="000000"/>
-                </a:solidFill>
-                <a:effectLst/>
-                <a:latin typeface="Calibri" panose="020F0502020204030204" pitchFamily="34" charset="0"/>
-                <a:ea typeface="游明朝" panose="02020400000000000000" pitchFamily="18" charset="-128"/>
-                <a:cs typeface="Times New Roman" panose="02020603050405020304" pitchFamily="18" charset="0"/>
-              </a:rPr>
-              <a:t>Falsche Ansicht wurde erzeugt</a:t>
-            </a:r>
-            <a:endParaRPr lang="en-GB" sz="1200" dirty="0">
-              <a:effectLst/>
-              <a:latin typeface="Calibri" panose="020F0502020204030204" pitchFamily="34" charset="0"/>
-              <a:ea typeface="游明朝" panose="02020400000000000000" pitchFamily="18" charset="-128"/>
-              <a:cs typeface="Times New Roman" panose="02020603050405020304" pitchFamily="18" charset="0"/>
-            </a:endParaRPr>
-          </a:p>
-          <a:p>
-            <a:pPr marL="742950" lvl="1" indent="-285750">
-              <a:lnSpc>
-                <a:spcPct val="107000"/>
-              </a:lnSpc>
-              <a:buFont typeface="Courier New" panose="02070309020205020404" pitchFamily="49" charset="0"/>
-              <a:buChar char="o"/>
-            </a:pPr>
-            <a:r>
-              <a:rPr lang="de-DE" sz="1200" b="1" dirty="0">
-                <a:solidFill>
-                  <a:srgbClr val="000000"/>
-                </a:solidFill>
-                <a:effectLst/>
-                <a:latin typeface="Calibri" panose="020F0502020204030204" pitchFamily="34" charset="0"/>
-                <a:ea typeface="游明朝" panose="02020400000000000000" pitchFamily="18" charset="-128"/>
-                <a:cs typeface="Times New Roman" panose="02020603050405020304" pitchFamily="18" charset="0"/>
-              </a:rPr>
-              <a:t>Fallback</a:t>
-            </a:r>
-            <a:endParaRPr lang="en-GB" sz="1200" dirty="0">
-              <a:effectLst/>
-              <a:latin typeface="Calibri" panose="020F0502020204030204" pitchFamily="34" charset="0"/>
-              <a:ea typeface="游明朝" panose="02020400000000000000" pitchFamily="18" charset="-128"/>
-              <a:cs typeface="Times New Roman" panose="02020603050405020304" pitchFamily="18" charset="0"/>
-            </a:endParaRPr>
-          </a:p>
-          <a:p>
-            <a:pPr marL="1143000" lvl="2" indent="-228600">
-              <a:lnSpc>
-                <a:spcPct val="107000"/>
-              </a:lnSpc>
-              <a:buFont typeface="Wingdings" panose="05000000000000000000" pitchFamily="2" charset="2"/>
-              <a:buChar char=""/>
-            </a:pPr>
-            <a:r>
-              <a:rPr lang="de-DE" sz="1200" dirty="0">
-                <a:solidFill>
-                  <a:srgbClr val="000000"/>
-                </a:solidFill>
-                <a:effectLst/>
-                <a:latin typeface="Calibri" panose="020F0502020204030204" pitchFamily="34" charset="0"/>
-                <a:ea typeface="游明朝" panose="02020400000000000000" pitchFamily="18" charset="-128"/>
-                <a:cs typeface="Times New Roman" panose="02020603050405020304" pitchFamily="18" charset="0"/>
-              </a:rPr>
-              <a:t>Ein fester User Account wird im Prototypen vorgelegt</a:t>
-            </a:r>
-            <a:endParaRPr lang="en-GB" sz="1200" dirty="0">
-              <a:effectLst/>
-              <a:latin typeface="Calibri" panose="020F0502020204030204" pitchFamily="34" charset="0"/>
-              <a:ea typeface="游明朝" panose="02020400000000000000" pitchFamily="18" charset="-128"/>
-              <a:cs typeface="Times New Roman" panose="02020603050405020304" pitchFamily="18" charset="0"/>
-            </a:endParaRPr>
-          </a:p>
-          <a:p>
-            <a:pPr marL="1143000" lvl="2" indent="-228600">
-              <a:lnSpc>
-                <a:spcPct val="107000"/>
-              </a:lnSpc>
-              <a:spcAft>
-                <a:spcPts val="800"/>
-              </a:spcAft>
-              <a:buFont typeface="Wingdings" panose="05000000000000000000" pitchFamily="2" charset="2"/>
-              <a:buChar char=""/>
-            </a:pPr>
-            <a:r>
-              <a:rPr lang="de-DE" sz="1200" dirty="0">
-                <a:solidFill>
-                  <a:srgbClr val="000000"/>
-                </a:solidFill>
-                <a:effectLst/>
-                <a:latin typeface="Calibri" panose="020F0502020204030204" pitchFamily="34" charset="0"/>
-                <a:ea typeface="游明朝" panose="02020400000000000000" pitchFamily="18" charset="-128"/>
-                <a:cs typeface="Times New Roman" panose="02020603050405020304" pitchFamily="18" charset="0"/>
-              </a:rPr>
-              <a:t>Verzicht auf externe Registry, User Accounts werden fest in den Prototypen geschrieben</a:t>
-            </a:r>
-            <a:endParaRPr lang="en-GB" sz="1200" dirty="0">
-              <a:effectLst/>
-              <a:latin typeface="Calibri" panose="020F0502020204030204" pitchFamily="34" charset="0"/>
-              <a:ea typeface="游明朝" panose="02020400000000000000" pitchFamily="18" charset="-128"/>
-              <a:cs typeface="Times New Roman" panose="02020603050405020304" pitchFamily="18" charset="0"/>
-            </a:endParaRPr>
-          </a:p>
-          <a:p>
-            <a:endParaRPr lang="en-GB" sz="3200" dirty="0"/>
-          </a:p>
-        </p:txBody>
-      </p:sp>
-      <p:sp>
-        <p:nvSpPr>
-          <p:cNvPr id="4" name="Slide Number Placeholder 3">
+        </p:txBody>
+      </p:sp>
+      <p:pic>
+        <p:nvPicPr>
+          <p:cNvPr id="4" name="Content Placeholder 3">
             <a:extLst>
               <a:ext uri="{FF2B5EF4-FFF2-40B4-BE49-F238E27FC236}">
-                <a16:creationId xmlns:a16="http://schemas.microsoft.com/office/drawing/2014/main" id="{BCC4C124-465E-D835-C669-538F1616DF05}"/>
+                <a16:creationId xmlns:a16="http://schemas.microsoft.com/office/drawing/2014/main" id="{832908C3-9D9B-5AF6-D8AE-FD34908985DA}"/>
               </a:ext>
             </a:extLst>
           </p:cNvPr>
-          <p:cNvSpPr>
-            <a:spLocks noGrp="1"/>
-          </p:cNvSpPr>
-          <p:nvPr>
-            <p:ph type="sldNum" sz="quarter" idx="12"/>
-          </p:nvPr>
-        </p:nvSpPr>
-        <p:spPr/>
-        <p:txBody>
-          <a:bodyPr/>
-          <a:lstStyle/>
-          <a:p>
-            <a:fld id="{4FD190AE-D9AE-4074-AAED-D637288AF7F0}" type="slidenum">
-              <a:rPr lang="de-DE" smtClean="0"/>
-              <a:t>8</a:t>
-            </a:fld>
-            <a:endParaRPr lang="de-DE"/>
-          </a:p>
-        </p:txBody>
-      </p:sp>
+          <p:cNvPicPr>
+            <a:picLocks noGrp="1" noChangeAspect="1"/>
+          </p:cNvPicPr>
+          <p:nvPr>
+            <p:ph idx="1"/>
+          </p:nvPr>
+        </p:nvPicPr>
+        <p:blipFill>
+          <a:blip r:embed="rId3">
+            <a:extLst>
+              <a:ext uri="{28A0092B-C50C-407E-A947-70E740481C1C}">
+                <a14:useLocalDpi xmlns:a14="http://schemas.microsoft.com/office/drawing/2010/main" val="0"/>
+              </a:ext>
+            </a:extLst>
+          </a:blip>
+          <a:srcRect/>
+          <a:stretch/>
+        </p:blipFill>
+        <p:spPr>
+          <a:xfrm>
+            <a:off x="2905126" y="365124"/>
+            <a:ext cx="8715374" cy="6012932"/>
+          </a:xfrm>
+        </p:spPr>
+      </p:pic>
     </p:spTree>
     <p:extLst>
       <p:ext uri="{BB962C8B-B14F-4D97-AF65-F5344CB8AC3E}">
-        <p14:creationId xmlns:p14="http://schemas.microsoft.com/office/powerpoint/2010/main" val="905879043"/>
+        <p14:creationId xmlns:p14="http://schemas.microsoft.com/office/powerpoint/2010/main" val="408210267"/>
       </p:ext>
     </p:extLst>
   </p:cSld>
@@ -10607,20 +10271,133 @@
             <p:ph type="title"/>
           </p:nvPr>
         </p:nvSpPr>
-        <p:spPr>
-          <a:xfrm>
-            <a:off x="209549" y="365124"/>
-            <a:ext cx="2847975" cy="3959225"/>
-          </a:xfrm>
-        </p:spPr>
+        <p:spPr/>
         <p:txBody>
           <a:bodyPr/>
           <a:lstStyle/>
           <a:p>
             <a:r>
               <a:rPr lang="de-DE" dirty="0"/>
-              <a:t>Klassen-diagramm</a:t>
-            </a:r>
+              <a:t>Erster Prototyp</a:t>
+            </a:r>
+          </a:p>
+        </p:txBody>
+      </p:sp>
+      <p:sp>
+        <p:nvSpPr>
+          <p:cNvPr id="3" name="Inhaltsplatzhalter 2">
+            <a:extLst>
+              <a:ext uri="{FF2B5EF4-FFF2-40B4-BE49-F238E27FC236}">
+                <a16:creationId xmlns:a16="http://schemas.microsoft.com/office/drawing/2014/main" id="{26828B3D-0288-9D01-3FAB-ED2A638AE90B}"/>
+              </a:ext>
+            </a:extLst>
+          </p:cNvPr>
+          <p:cNvSpPr>
+            <a:spLocks noGrp="1"/>
+          </p:cNvSpPr>
+          <p:nvPr>
+            <p:ph idx="1"/>
+          </p:nvPr>
+        </p:nvSpPr>
+        <p:spPr/>
+        <p:txBody>
+          <a:bodyPr>
+            <a:normAutofit fontScale="92500" lnSpcReduction="10000"/>
+          </a:bodyPr>
+          <a:lstStyle/>
+          <a:p>
+            <a:r>
+              <a:rPr lang="de-DE" sz="2000" dirty="0"/>
+              <a:t>Login </a:t>
+            </a:r>
+          </a:p>
+          <a:p>
+            <a:r>
+              <a:rPr lang="de-DE" sz="2000" dirty="0"/>
+              <a:t>Setze currentUser</a:t>
+            </a:r>
+          </a:p>
+          <a:p>
+            <a:r>
+              <a:rPr lang="de-DE" sz="2000" dirty="0"/>
+              <a:t>Setze currentStadt anhand Heimatstadt des Users</a:t>
+            </a:r>
+          </a:p>
+          <a:p>
+            <a:r>
+              <a:rPr lang="de-DE" sz="2000" dirty="0"/>
+              <a:t>Upload eines Bildes</a:t>
+            </a:r>
+          </a:p>
+          <a:p>
+            <a:pPr lvl="1"/>
+            <a:r>
+              <a:rPr lang="de-DE" sz="1600" dirty="0"/>
+              <a:t>Drawable File einlesen</a:t>
+            </a:r>
+          </a:p>
+          <a:p>
+            <a:pPr lvl="1"/>
+            <a:r>
+              <a:rPr lang="de-DE" sz="1600" dirty="0"/>
+              <a:t>Zu String enkodieren</a:t>
+            </a:r>
+          </a:p>
+          <a:p>
+            <a:pPr lvl="1"/>
+            <a:r>
+              <a:rPr lang="de-DE" sz="1600" dirty="0"/>
+              <a:t>Bildobjekt erzeugen und zur Stadt hinzufügen</a:t>
+            </a:r>
+          </a:p>
+          <a:p>
+            <a:pPr lvl="1"/>
+            <a:r>
+              <a:rPr lang="de-DE" sz="1600" dirty="0"/>
+              <a:t>Stadtliste enkodieren und abspeichern</a:t>
+            </a:r>
+          </a:p>
+          <a:p>
+            <a:pPr lvl="1"/>
+            <a:r>
+              <a:rPr lang="de-DE" sz="1600" dirty="0"/>
+              <a:t>Benachrichtigung an Subscriber senden</a:t>
+            </a:r>
+          </a:p>
+          <a:p>
+            <a:pPr lvl="1"/>
+            <a:r>
+              <a:rPr lang="de-DE" sz="1600" dirty="0"/>
+              <a:t>Userliste enkodieren und abspeichern</a:t>
+            </a:r>
+            <a:endParaRPr lang="de-DE" sz="1200" dirty="0"/>
+          </a:p>
+          <a:p>
+            <a:r>
+              <a:rPr lang="de-DE" sz="2000" dirty="0"/>
+              <a:t>Aufruf eines Bildes</a:t>
+            </a:r>
+          </a:p>
+          <a:p>
+            <a:r>
+              <a:rPr lang="de-DE" sz="2000" dirty="0"/>
+              <a:t>Subscribe/Unsubscribe zur Stadt</a:t>
+            </a:r>
+          </a:p>
+          <a:p>
+            <a:r>
+              <a:rPr lang="de-DE" sz="2000" dirty="0"/>
+              <a:t>Anzeige der Benachrichtigungen</a:t>
+            </a:r>
+          </a:p>
+          <a:p>
+            <a:r>
+              <a:rPr lang="de-DE" sz="2000" dirty="0"/>
+              <a:t>Logout</a:t>
+            </a:r>
+          </a:p>
+          <a:p>
+            <a:endParaRPr lang="de-DE" sz="2000" dirty="0"/>
           </a:p>
         </p:txBody>
       </p:sp>
@@ -10661,44 +10438,10 @@
           </a:p>
         </p:txBody>
       </p:sp>
-      <p:pic>
-        <p:nvPicPr>
-          <p:cNvPr id="4" name="Content Placeholder 3">
-            <a:extLst>
-              <a:ext uri="{FF2B5EF4-FFF2-40B4-BE49-F238E27FC236}">
-                <a16:creationId xmlns:a16="http://schemas.microsoft.com/office/drawing/2014/main" id="{832908C3-9D9B-5AF6-D8AE-FD34908985DA}"/>
-              </a:ext>
-            </a:extLst>
-          </p:cNvPr>
-          <p:cNvPicPr>
-            <a:picLocks noGrp="1" noChangeAspect="1"/>
-          </p:cNvPicPr>
-          <p:nvPr>
-            <p:ph idx="1"/>
-          </p:nvPr>
-        </p:nvPicPr>
-        <p:blipFill>
-          <a:blip r:embed="rId3">
-            <a:extLst>
-              <a:ext uri="{28A0092B-C50C-407E-A947-70E740481C1C}">
-                <a14:useLocalDpi xmlns:a14="http://schemas.microsoft.com/office/drawing/2010/main" val="0"/>
-              </a:ext>
-            </a:extLst>
-          </a:blip>
-          <a:srcRect/>
-          <a:stretch/>
-        </p:blipFill>
-        <p:spPr>
-          <a:xfrm>
-            <a:off x="2905126" y="365124"/>
-            <a:ext cx="8715374" cy="6012932"/>
-          </a:xfrm>
-        </p:spPr>
-      </p:pic>
     </p:spTree>
     <p:extLst>
       <p:ext uri="{BB962C8B-B14F-4D97-AF65-F5344CB8AC3E}">
-        <p14:creationId xmlns:p14="http://schemas.microsoft.com/office/powerpoint/2010/main" val="408210267"/>
+        <p14:creationId xmlns:p14="http://schemas.microsoft.com/office/powerpoint/2010/main" val="2702035577"/>
       </p:ext>
     </p:extLst>
   </p:cSld>

--- a/Audits/EPWS2223HausenKochZimmer Audit 3.pptx
+++ b/Audits/EPWS2223HausenKochZimmer Audit 3.pptx
@@ -1101,7 +1101,19 @@
           <a:bodyPr/>
           <a:lstStyle/>
           <a:p>
-            <a:endParaRPr lang="de-DE" dirty="0"/>
+            <a:r>
+              <a:rPr lang="de-DE" dirty="0"/>
+              <a:t>Die POC mit </a:t>
+            </a:r>
+            <a:r>
+              <a:rPr lang="de-DE" sz="1200" b="0" dirty="0" err="1"/>
+              <a:t>Priority</a:t>
+            </a:r>
+            <a:r>
+              <a:rPr lang="de-DE" sz="1200" b="0" dirty="0"/>
+              <a:t> decken die kern Funktionalitäten unseres Systems ab und wurden demensprechen eingeteilt. Die POCs decken sich ebenfalls mit unseren Use Cases.</a:t>
+            </a:r>
+            <a:endParaRPr lang="de-DE" b="0" dirty="0"/>
           </a:p>
         </p:txBody>
       </p:sp>
@@ -1331,6 +1343,28 @@
           <a:p>
             <a:r>
               <a:rPr lang="de-DE" dirty="0"/>
+              <a:t>Gelaufener POC: Der </a:t>
+            </a:r>
+            <a:r>
+              <a:rPr lang="de-DE" dirty="0" err="1"/>
+              <a:t>Úpload</a:t>
+            </a:r>
+            <a:r>
+              <a:rPr lang="de-DE" dirty="0"/>
+              <a:t> des Bilds hat geklappt, jedoch ist aus Zeitgründen die Speicherung und die gängigen Bildformate wie im </a:t>
+            </a:r>
+            <a:r>
+              <a:rPr lang="de-DE" dirty="0" err="1"/>
+              <a:t>Fallback</a:t>
+            </a:r>
+            <a:r>
+              <a:rPr lang="de-DE" dirty="0"/>
+              <a:t> definiert nicht enthalten.</a:t>
+            </a:r>
+          </a:p>
+          <a:p>
+            <a:r>
+              <a:rPr lang="de-DE" dirty="0"/>
               <a:t>Aufruf eines gespeicherten Bildes</a:t>
             </a:r>
           </a:p>
@@ -1338,6 +1372,44 @@
             <a:r>
               <a:rPr lang="de-DE" dirty="0"/>
               <a:t>Bei diesem POC soll sichergestellt werden das die User des User-Contents eine entsprechende Anzeige erhalten, um eine Irritation zu verhindern. </a:t>
+            </a:r>
+          </a:p>
+          <a:p>
+            <a:r>
+              <a:rPr lang="de-DE" dirty="0"/>
+              <a:t>Gelaufener POC: Durch Probleme </a:t>
+            </a:r>
+            <a:r>
+              <a:rPr lang="de-DE"/>
+              <a:t>bei </a:t>
+            </a:r>
+            <a:r>
+              <a:rPr lang="de-DE" dirty="0"/>
+              <a:t>Z</a:t>
+            </a:r>
+            <a:r>
+              <a:rPr lang="de-DE"/>
+              <a:t>ugriffsrechten </a:t>
+            </a:r>
+            <a:r>
+              <a:rPr lang="de-DE" dirty="0"/>
+              <a:t>unter Android und Fehler beim schreiben in der </a:t>
+            </a:r>
+            <a:r>
+              <a:rPr lang="de-DE" dirty="0" err="1"/>
+              <a:t>realtime</a:t>
+            </a:r>
+            <a:r>
+              <a:rPr lang="de-DE" dirty="0"/>
+              <a:t> Datenbank, wird das Bild aus dem </a:t>
+            </a:r>
+            <a:r>
+              <a:rPr lang="de-DE" dirty="0" err="1"/>
+              <a:t>programm</a:t>
+            </a:r>
+            <a:r>
+              <a:rPr lang="de-DE" dirty="0"/>
+              <a:t> Speicher zur Laufzeit geladen.</a:t>
             </a:r>
           </a:p>
         </p:txBody>

--- a/Audits/EPWS2223HausenKochZimmer Audit 3.pptx
+++ b/Audits/EPWS2223HausenKochZimmer Audit 3.pptx
@@ -10293,7 +10293,7 @@
         <p:spPr>
           <a:xfrm>
             <a:off x="2905126" y="365124"/>
-            <a:ext cx="8715374" cy="6012932"/>
+            <a:ext cx="8715373" cy="6012932"/>
           </a:xfrm>
         </p:spPr>
       </p:pic>

--- a/Audits/EPWS2223HausenKochZimmer Audit 3.pptx
+++ b/Audits/EPWS2223HausenKochZimmer Audit 3.pptx
@@ -1017,7 +1017,10 @@
           <a:bodyPr/>
           <a:lstStyle/>
           <a:p>
-            <a:endParaRPr lang="de-DE" dirty="0"/>
+            <a:r>
+              <a:rPr lang="de-DE" dirty="0"/>
+              <a:t>Wir haben uns für diese Use-Cases entschieden, da wir diese als die Grundfunktionalitäten für unseren Prototypen identifiziert haben. Nach letztem Feedback werden wir den Use-Case „Login“ mit dem Use-Case „Publish“ ersetzen, da dieser für unser System relevanter ist. Aus Zeitgründen werden wir diesen Use-Case jedoch erst für Audit 4 modellieren, da dieser für unser Weiterarbeiten vorerst nicht wichtig ist und wir ihn daher gering priorisieren. </a:t>
+            </a:r>
           </a:p>
         </p:txBody>
       </p:sp>
@@ -5747,9 +5750,14 @@
           <a:bodyPr/>
           <a:lstStyle/>
           <a:p>
-            <a:r>
-              <a:rPr lang="de-DE"/>
-              <a:t>User-Profiles</a:t>
+            <a:pPr algn="ctr"/>
+            <a:r>
+              <a:rPr lang="de-DE" dirty="0"/>
+              <a:t>User-</a:t>
+            </a:r>
+            <a:r>
+              <a:rPr lang="de-DE" dirty="0" err="1"/>
+              <a:t>Profiles</a:t>
             </a:r>
             <a:endParaRPr lang="de-DE" dirty="0"/>
           </a:p>
@@ -7432,6 +7440,7 @@
           <a:bodyPr/>
           <a:lstStyle/>
           <a:p>
+            <a:pPr algn="ctr"/>
             <a:r>
               <a:rPr lang="de-DE" dirty="0"/>
               <a:t>Use-Cases</a:t>
@@ -7439,31 +7448,35 @@
           </a:p>
         </p:txBody>
       </p:sp>
-      <p:sp>
-        <p:nvSpPr>
-          <p:cNvPr id="4" name="Inhaltsplatzhalter 3">
+      <p:pic>
+        <p:nvPicPr>
+          <p:cNvPr id="14" name="Inhaltsplatzhalter 13">
             <a:extLst>
               <a:ext uri="{FF2B5EF4-FFF2-40B4-BE49-F238E27FC236}">
-                <a16:creationId xmlns:a16="http://schemas.microsoft.com/office/drawing/2014/main" id="{43D36CD5-C13A-93D9-C18B-BCA6C25AEC2A}"/>
+                <a16:creationId xmlns:a16="http://schemas.microsoft.com/office/drawing/2014/main" id="{22FE08DF-65BF-2AC6-E3F0-6962A9A0D549}"/>
               </a:ext>
             </a:extLst>
           </p:cNvPr>
-          <p:cNvSpPr>
-            <a:spLocks noGrp="1"/>
-          </p:cNvSpPr>
-          <p:nvPr>
-            <p:ph idx="1"/>
-          </p:nvPr>
-        </p:nvSpPr>
-        <p:spPr/>
-        <p:txBody>
-          <a:bodyPr/>
-          <a:lstStyle/>
-          <a:p>
-            <a:endParaRPr lang="de-DE" dirty="0"/>
-          </a:p>
-        </p:txBody>
-      </p:sp>
+          <p:cNvPicPr>
+            <a:picLocks noGrp="1" noChangeAspect="1"/>
+          </p:cNvPicPr>
+          <p:nvPr>
+            <p:ph sz="half" idx="1"/>
+          </p:nvPr>
+        </p:nvPicPr>
+        <p:blipFill>
+          <a:blip r:embed="rId3"/>
+          <a:stretch>
+            <a:fillRect/>
+          </a:stretch>
+        </p:blipFill>
+        <p:spPr>
+          <a:xfrm>
+            <a:off x="1040787" y="1476375"/>
+            <a:ext cx="4776426" cy="5245100"/>
+          </a:xfrm>
+        </p:spPr>
+      </p:pic>
       <p:sp>
         <p:nvSpPr>
           <p:cNvPr id="5" name="Foliennummernplatzhalter 4">
@@ -7501,6 +7514,35 @@
           </a:p>
         </p:txBody>
       </p:sp>
+      <p:pic>
+        <p:nvPicPr>
+          <p:cNvPr id="16" name="Inhaltsplatzhalter 15">
+            <a:extLst>
+              <a:ext uri="{FF2B5EF4-FFF2-40B4-BE49-F238E27FC236}">
+                <a16:creationId xmlns:a16="http://schemas.microsoft.com/office/drawing/2014/main" id="{076FDD28-A1F5-6918-AF12-701DDEC4EBAB}"/>
+              </a:ext>
+            </a:extLst>
+          </p:cNvPr>
+          <p:cNvPicPr>
+            <a:picLocks noGrp="1" noChangeAspect="1"/>
+          </p:cNvPicPr>
+          <p:nvPr>
+            <p:ph sz="half" idx="2"/>
+          </p:nvPr>
+        </p:nvPicPr>
+        <p:blipFill>
+          <a:blip r:embed="rId4"/>
+          <a:stretch>
+            <a:fillRect/>
+          </a:stretch>
+        </p:blipFill>
+        <p:spPr>
+          <a:xfrm>
+            <a:off x="6879645" y="1476375"/>
+            <a:ext cx="3766709" cy="5245100"/>
+          </a:xfrm>
+        </p:spPr>
+      </p:pic>
     </p:spTree>
     <p:extLst>
       <p:ext uri="{BB962C8B-B14F-4D97-AF65-F5344CB8AC3E}">

--- a/Audits/EPWS2223HausenKochZimmer Audit 3.pptx
+++ b/Audits/EPWS2223HausenKochZimmer Audit 3.pptx
@@ -5,22 +5,23 @@
     <p:sldMasterId id="2147483773" r:id="rId1"/>
   </p:sldMasterIdLst>
   <p:notesMasterIdLst>
-    <p:notesMasterId r:id="rId12"/>
+    <p:notesMasterId r:id="rId13"/>
   </p:notesMasterIdLst>
   <p:handoutMasterIdLst>
-    <p:handoutMasterId r:id="rId13"/>
+    <p:handoutMasterId r:id="rId14"/>
   </p:handoutMasterIdLst>
   <p:sldIdLst>
     <p:sldId id="256" r:id="rId2"/>
     <p:sldId id="260" r:id="rId3"/>
     <p:sldId id="259" r:id="rId4"/>
-    <p:sldId id="263" r:id="rId5"/>
-    <p:sldId id="261" r:id="rId6"/>
-    <p:sldId id="258" r:id="rId7"/>
-    <p:sldId id="266" r:id="rId8"/>
-    <p:sldId id="262" r:id="rId9"/>
-    <p:sldId id="264" r:id="rId10"/>
-    <p:sldId id="265" r:id="rId11"/>
+    <p:sldId id="267" r:id="rId5"/>
+    <p:sldId id="263" r:id="rId6"/>
+    <p:sldId id="261" r:id="rId7"/>
+    <p:sldId id="258" r:id="rId8"/>
+    <p:sldId id="266" r:id="rId9"/>
+    <p:sldId id="262" r:id="rId10"/>
+    <p:sldId id="264" r:id="rId11"/>
+    <p:sldId id="265" r:id="rId12"/>
   </p:sldIdLst>
   <p:sldSz cx="12192000" cy="6858000"/>
   <p:notesSz cx="6858000" cy="9144000"/>
@@ -127,6 +128,7 @@
             <p14:sldId id="256"/>
             <p14:sldId id="260"/>
             <p14:sldId id="259"/>
+            <p14:sldId id="267"/>
             <p14:sldId id="263"/>
             <p14:sldId id="261"/>
             <p14:sldId id="258"/>
@@ -813,7 +815,20 @@
           <a:bodyPr/>
           <a:lstStyle/>
           <a:p>
-            <a:endParaRPr lang="de-DE" dirty="0"/>
+            <a:r>
+              <a:rPr lang="de-DE" dirty="0"/>
+              <a:t>Im ersten Prototypen wurde versucht die Kernfunktionalitäten des Systems umzusetzen, der Upload von Bildern sowie damit einhergehende Pub/Sub Funktionalität. Die Grundlage für die Lösungsansätze wurden durch die PoCs, die Use Case Spezifikation sowie das Klassendiagramm gegeben. Hier ist anzumerken, dass eine detailliertere Interaktionsmodellierung die Arbeit hätte erleichtern können. Der Login erfolgt nach dem im dazugehörigen PoC getestetem Prinzip. Der damit eingeloggte User wird bis zum Logout zum currentUser. Daraufhin wird eine Liste aller Stadtobjekte geladen und anhand der Heimatstadt des Users die currentStadt gesetzt. Dem User werden daraufhin 4 Buttons angeboten (Upload, Aufruf, Sub/Unsub, Logout). Beim Upload sowie beim Aufruf eines Bildes wird aktuell noch ein hardcoded Bild verwendet. Beim Upload wird der Filepath zu diesem Bild fest verwendet und der Aufruf greift stets auf das erste Bild in der Bilderliste der Stadt zu. Dies gilt es in der weiteren Entwicklung so zu erweitern, dass ein beliebiges Bild hochgeladen und aufgerufen werden kann. Die Pub/Sub Funktionalität ist dahingegen im Grunde vollständig implementiert. Zu bedenken wäre nur ob die Verwaltung der eingegangenen Benachrichtigungen noch zu erweitern ist.</a:t>
+            </a:r>
+            <a:br>
+              <a:rPr lang="de-DE" dirty="0"/>
+            </a:br>
+            <a:br>
+              <a:rPr lang="de-DE" dirty="0"/>
+            </a:br>
+            <a:r>
+              <a:rPr lang="de-DE" dirty="0"/>
+              <a:t>Ein wichtiger Punkt bei diesem Prototypen ist, dass die Datenverwaltung auschlieslich über JSON erfolgt. So werden (1) die Bildaten zu einem String enkodiert, (2) diese in einem Bildobjekt gespeichert, (3) was Teil eines Stadtobjekts ist, (4) welches Teil einer Liste aus Stadtobjekten ist, (5) die wiederrum zum einem JSON-String enkodiert wird und (6) dieser String wird in eine entsprechende Datei geschrieben. Diese Datei, diese Liste wird zum Beginn der Activity geladen. Dies bedeutet, dass der komplette Inhalt der Datenhaltung in den Speicher geladen wird. Ab einer bestimmten Größe ist dies nicht mehr angemessen. Dieser Problematik sind wir uns bewusst aber wegen des Umfangs unseres Prototypen wird dieser Zustand in Kauf genommen. Die Alternative wäre ein Datenbanksystem einzubinden, darauf wurde aus Zeitgründen verzichtet.</a:t>
+            </a:r>
           </a:p>
         </p:txBody>
       </p:sp>
@@ -835,6 +850,90 @@
             <a:fld id="{28D422E8-2025-4E88-B448-A26268B25EC5}" type="slidenum">
               <a:rPr lang="de-DE" smtClean="0"/>
               <a:t>10</a:t>
+            </a:fld>
+            <a:endParaRPr lang="de-DE"/>
+          </a:p>
+        </p:txBody>
+      </p:sp>
+    </p:spTree>
+    <p:extLst>
+      <p:ext uri="{BB962C8B-B14F-4D97-AF65-F5344CB8AC3E}">
+        <p14:creationId xmlns:p14="http://schemas.microsoft.com/office/powerpoint/2010/main" val="109453928"/>
+      </p:ext>
+    </p:extLst>
+  </p:cSld>
+  <p:clrMapOvr>
+    <a:masterClrMapping/>
+  </p:clrMapOvr>
+</p:notes>
+</file>
+
+<file path=ppt/notesSlides/notesSlide11.xml><?xml version="1.0" encoding="utf-8"?>
+<p:notes xmlns:a="http://schemas.openxmlformats.org/drawingml/2006/main" xmlns:r="http://schemas.openxmlformats.org/officeDocument/2006/relationships" xmlns:p="http://schemas.openxmlformats.org/presentationml/2006/main">
+  <p:cSld>
+    <p:spTree>
+      <p:nvGrpSpPr>
+        <p:cNvPr id="1" name=""/>
+        <p:cNvGrpSpPr/>
+        <p:nvPr/>
+      </p:nvGrpSpPr>
+      <p:grpSpPr>
+        <a:xfrm>
+          <a:off x="0" y="0"/>
+          <a:ext cx="0" cy="0"/>
+          <a:chOff x="0" y="0"/>
+          <a:chExt cx="0" cy="0"/>
+        </a:xfrm>
+      </p:grpSpPr>
+      <p:sp>
+        <p:nvSpPr>
+          <p:cNvPr id="2" name="Folienbildplatzhalter 1"/>
+          <p:cNvSpPr>
+            <a:spLocks noGrp="1" noRot="1" noChangeAspect="1"/>
+          </p:cNvSpPr>
+          <p:nvPr>
+            <p:ph type="sldImg"/>
+          </p:nvPr>
+        </p:nvSpPr>
+        <p:spPr/>
+      </p:sp>
+      <p:sp>
+        <p:nvSpPr>
+          <p:cNvPr id="3" name="Notizenplatzhalter 2"/>
+          <p:cNvSpPr>
+            <a:spLocks noGrp="1"/>
+          </p:cNvSpPr>
+          <p:nvPr>
+            <p:ph type="body" idx="1"/>
+          </p:nvPr>
+        </p:nvSpPr>
+        <p:spPr/>
+        <p:txBody>
+          <a:bodyPr/>
+          <a:lstStyle/>
+          <a:p>
+            <a:endParaRPr lang="de-DE" dirty="0"/>
+          </a:p>
+        </p:txBody>
+      </p:sp>
+      <p:sp>
+        <p:nvSpPr>
+          <p:cNvPr id="4" name="Foliennummernplatzhalter 3"/>
+          <p:cNvSpPr>
+            <a:spLocks noGrp="1"/>
+          </p:cNvSpPr>
+          <p:nvPr>
+            <p:ph type="sldNum" sz="quarter" idx="5"/>
+          </p:nvPr>
+        </p:nvSpPr>
+        <p:spPr/>
+        <p:txBody>
+          <a:bodyPr/>
+          <a:lstStyle/>
+          <a:p>
+            <a:fld id="{28D422E8-2025-4E88-B448-A26268B25EC5}" type="slidenum">
+              <a:rPr lang="de-DE" smtClean="0"/>
+              <a:t>11</a:t>
             </a:fld>
             <a:endParaRPr lang="de-DE"/>
           </a:p>
@@ -1101,19 +1200,7 @@
           <a:bodyPr/>
           <a:lstStyle/>
           <a:p>
-            <a:r>
-              <a:rPr lang="de-DE" dirty="0"/>
-              <a:t>Die POC mit </a:t>
-            </a:r>
-            <a:r>
-              <a:rPr lang="de-DE" sz="1200" b="0" dirty="0" err="1"/>
-              <a:t>Priority</a:t>
-            </a:r>
-            <a:r>
-              <a:rPr lang="de-DE" sz="1200" b="0" dirty="0"/>
-              <a:t> decken die kern Funktionalitäten unseres Systems ab und wurden demensprechen eingeteilt. Die POCs decken sich ebenfalls mit unseren Use Cases.</a:t>
-            </a:r>
-            <a:endParaRPr lang="de-DE" b="0" dirty="0"/>
+            <a:endParaRPr lang="de-DE" dirty="0"/>
           </a:p>
         </p:txBody>
       </p:sp>
@@ -1143,7 +1230,7 @@
     </p:spTree>
     <p:extLst>
       <p:ext uri="{BB962C8B-B14F-4D97-AF65-F5344CB8AC3E}">
-        <p14:creationId xmlns:p14="http://schemas.microsoft.com/office/powerpoint/2010/main" val="2616213806"/>
+        <p14:creationId xmlns:p14="http://schemas.microsoft.com/office/powerpoint/2010/main" val="3468436000"/>
       </p:ext>
     </p:extLst>
   </p:cSld>
@@ -1199,218 +1286,17 @@
           <a:p>
             <a:r>
               <a:rPr lang="de-DE" dirty="0"/>
-              <a:t>Upload eines Bildes</a:t>
-            </a:r>
-          </a:p>
-          <a:p>
-            <a:r>
-              <a:rPr lang="de-DE" dirty="0"/>
-              <a:t>Ablauf: Beim diesem POC ist geplant, dass er neben der Verarbeitung der gängigen </a:t>
-            </a:r>
-            <a:r>
-              <a:rPr lang="de-DE" dirty="0" err="1"/>
-              <a:t>Bildatei</a:t>
-            </a:r>
-            <a:r>
-              <a:rPr lang="de-DE" dirty="0"/>
-              <a:t> ebenso einige der für das System relevanten Metadaten der digitalisierten </a:t>
-            </a:r>
-            <a:r>
-              <a:rPr lang="de-DE" dirty="0" err="1"/>
-              <a:t>Bildatei</a:t>
-            </a:r>
-            <a:r>
-              <a:rPr lang="de-DE" dirty="0"/>
-              <a:t> verarbeitet. Als gängige </a:t>
-            </a:r>
-            <a:r>
-              <a:rPr lang="de-DE" dirty="0" err="1"/>
-              <a:t>Bildateien</a:t>
-            </a:r>
-            <a:r>
-              <a:rPr lang="de-DE" dirty="0"/>
-              <a:t> sind uns </a:t>
-            </a:r>
-            <a:r>
-              <a:rPr lang="de-DE" dirty="0" err="1"/>
-              <a:t>png</a:t>
-            </a:r>
-            <a:r>
-              <a:rPr lang="de-DE" dirty="0"/>
-              <a:t>, </a:t>
-            </a:r>
-            <a:r>
-              <a:rPr lang="de-DE" dirty="0" err="1"/>
-              <a:t>jpeg</a:t>
-            </a:r>
-            <a:r>
-              <a:rPr lang="de-DE" dirty="0"/>
-              <a:t> sowie </a:t>
-            </a:r>
-            <a:r>
-              <a:rPr lang="de-DE" dirty="0" err="1"/>
-              <a:t>webp</a:t>
-            </a:r>
-            <a:r>
-              <a:rPr lang="de-DE" dirty="0"/>
-              <a:t> geläufig und bei Recherchen zu Bildverarbeitung durch </a:t>
-            </a:r>
-            <a:r>
-              <a:rPr lang="de-DE" dirty="0" err="1"/>
-              <a:t>Kotlin</a:t>
-            </a:r>
-            <a:r>
-              <a:rPr lang="de-DE" dirty="0"/>
-              <a:t>, haben wir diese Formate als </a:t>
-            </a:r>
-            <a:r>
-              <a:rPr lang="de-DE" dirty="0" err="1"/>
-              <a:t>standart</a:t>
-            </a:r>
-            <a:r>
-              <a:rPr lang="de-DE" dirty="0"/>
-              <a:t> verarbeitbare Formate Identifiziert. Als relevante Metadaten haben wir die Auflösung, Bildformat, Uploader identifiziert, diese dienen vor allem zur Qualitätskontrolle, zum Verarbeiten und zum Zuordnen.</a:t>
-            </a:r>
-          </a:p>
-          <a:p>
-            <a:r>
-              <a:rPr lang="de-DE" dirty="0"/>
-              <a:t>Exit-Kriterien, Fail- Kriterien: Ergeben sich aus dem Ablauf des POCs</a:t>
-            </a:r>
-          </a:p>
-          <a:p>
-            <a:r>
-              <a:rPr lang="de-DE" dirty="0" err="1"/>
-              <a:t>Fallback</a:t>
-            </a:r>
-            <a:r>
-              <a:rPr lang="de-DE" dirty="0"/>
-              <a:t>: Der </a:t>
-            </a:r>
-            <a:r>
-              <a:rPr lang="de-DE" dirty="0" err="1"/>
-              <a:t>Fallback</a:t>
-            </a:r>
-            <a:r>
-              <a:rPr lang="de-DE" dirty="0"/>
-              <a:t> des </a:t>
-            </a:r>
-            <a:r>
-              <a:rPr lang="de-DE" dirty="0" err="1"/>
-              <a:t>Bilderuplads</a:t>
-            </a:r>
-            <a:r>
-              <a:rPr lang="de-DE" dirty="0"/>
-              <a:t> per Fehlermeldung soll es ermöglichen das der User immer sein Upload aus seiner Sicht erledigen kann oder wenn nötig weiß das er dies z.B. später ohne Probleme erledigen kann. Das System kann bei Störungen nicht auf alternative Funktionalitäten zurückgreifen, da der Upload als Kernfunktionalität nicht angemessen genug ersetzt werden könnte.</a:t>
-            </a:r>
-          </a:p>
-          <a:p>
-            <a:r>
-              <a:rPr lang="de-DE" dirty="0"/>
-              <a:t>Ein Fehler beim verarbeiten der Metadaten der Bilder darf den wesentlich wichtigeren Ablauf des POC nicht stören, da diese wenn nötig auch zu einem späteren Zeitpunkt ergänzt werden können.</a:t>
-            </a:r>
-          </a:p>
-          <a:p>
-            <a:r>
-              <a:rPr lang="de-DE" dirty="0"/>
-              <a:t>Die Begrenzung der </a:t>
-            </a:r>
-            <a:r>
-              <a:rPr lang="de-DE" dirty="0" err="1"/>
-              <a:t>Uploadbaren</a:t>
-            </a:r>
-            <a:r>
-              <a:rPr lang="de-DE" dirty="0"/>
-              <a:t> </a:t>
-            </a:r>
-            <a:r>
-              <a:rPr lang="de-DE" dirty="0" err="1"/>
-              <a:t>Bilformate</a:t>
-            </a:r>
-            <a:r>
-              <a:rPr lang="de-DE" dirty="0"/>
-              <a:t> auf z.B. nur </a:t>
-            </a:r>
-            <a:r>
-              <a:rPr lang="de-DE" dirty="0" err="1"/>
-              <a:t>jpq</a:t>
-            </a:r>
-            <a:r>
-              <a:rPr lang="de-DE" dirty="0"/>
-              <a:t> ist eine Option um die Funktionalität zusichern, würde aber auch die User Experimente negativ einfließen.</a:t>
-            </a:r>
-          </a:p>
-          <a:p>
-            <a:r>
-              <a:rPr lang="de-DE" dirty="0"/>
-              <a:t>Gelaufener POC: Der </a:t>
-            </a:r>
-            <a:r>
-              <a:rPr lang="de-DE" dirty="0" err="1"/>
-              <a:t>Úpload</a:t>
-            </a:r>
-            <a:r>
-              <a:rPr lang="de-DE" dirty="0"/>
-              <a:t> des Bilds hat geklappt, jedoch ist aus Zeitgründen die Speicherung und die gängigen Bildformate wie im </a:t>
-            </a:r>
-            <a:r>
-              <a:rPr lang="de-DE" dirty="0" err="1"/>
-              <a:t>Fallback</a:t>
-            </a:r>
-            <a:r>
-              <a:rPr lang="de-DE" dirty="0"/>
-              <a:t> definiert nicht enthalten.</a:t>
-            </a:r>
-          </a:p>
-          <a:p>
-            <a:r>
-              <a:rPr lang="de-DE" dirty="0"/>
-              <a:t>Aufruf eines gespeicherten Bildes</a:t>
-            </a:r>
-          </a:p>
-          <a:p>
-            <a:r>
-              <a:rPr lang="de-DE" dirty="0"/>
-              <a:t>Bei diesem POC soll sichergestellt werden das die User des User-Contents eine entsprechende Anzeige erhalten, um eine Irritation zu verhindern. </a:t>
-            </a:r>
-          </a:p>
-          <a:p>
-            <a:r>
-              <a:rPr lang="de-DE" dirty="0"/>
-              <a:t>Gelaufener POC: Durch Probleme </a:t>
-            </a:r>
-            <a:r>
-              <a:rPr lang="de-DE"/>
-              <a:t>bei </a:t>
-            </a:r>
-            <a:r>
-              <a:rPr lang="de-DE" dirty="0"/>
-              <a:t>Z</a:t>
-            </a:r>
-            <a:r>
-              <a:rPr lang="de-DE"/>
-              <a:t>ugriffsrechten </a:t>
-            </a:r>
-            <a:r>
-              <a:rPr lang="de-DE" dirty="0"/>
-              <a:t>unter Android und Fehler beim schreiben in der </a:t>
-            </a:r>
-            <a:r>
-              <a:rPr lang="de-DE" dirty="0" err="1"/>
-              <a:t>realtime</a:t>
-            </a:r>
-            <a:r>
-              <a:rPr lang="de-DE" dirty="0"/>
-              <a:t> Datenbank, wird das Bild aus dem </a:t>
-            </a:r>
-            <a:r>
-              <a:rPr lang="de-DE" dirty="0" err="1"/>
-              <a:t>programm</a:t>
-            </a:r>
-            <a:r>
-              <a:rPr lang="de-DE" dirty="0"/>
-              <a:t> Speicher zur Laufzeit geladen.</a:t>
-            </a:r>
+              <a:t>Die POC mit </a:t>
+            </a:r>
+            <a:r>
+              <a:rPr lang="de-DE" sz="1200" b="0" dirty="0" err="1"/>
+              <a:t>Priority</a:t>
+            </a:r>
+            <a:r>
+              <a:rPr lang="de-DE" sz="1200" b="0" dirty="0"/>
+              <a:t> decken die kern Funktionalitäten unseres Systems ab und wurden demensprechen eingeteilt. Die POCs decken sich ebenfalls mit unseren Use Cases.</a:t>
+            </a:r>
+            <a:endParaRPr lang="de-DE" b="0" dirty="0"/>
           </a:p>
         </p:txBody>
       </p:sp>
@@ -1440,7 +1326,7 @@
     </p:spTree>
     <p:extLst>
       <p:ext uri="{BB962C8B-B14F-4D97-AF65-F5344CB8AC3E}">
-        <p14:creationId xmlns:p14="http://schemas.microsoft.com/office/powerpoint/2010/main" val="2618932596"/>
+        <p14:creationId xmlns:p14="http://schemas.microsoft.com/office/powerpoint/2010/main" val="2616213806"/>
       </p:ext>
     </p:extLst>
   </p:cSld>
@@ -1494,97 +1380,220 @@
           <a:bodyPr/>
           <a:lstStyle/>
           <a:p>
-            <a:pPr marL="0" marR="0" lvl="0" indent="0" algn="l" defTabSz="914400" rtl="0" eaLnBrk="1" fontAlgn="auto" latinLnBrk="0" hangingPunct="1">
-              <a:lnSpc>
-                <a:spcPct val="100000"/>
-              </a:lnSpc>
-              <a:spcBef>
-                <a:spcPts val="0"/>
-              </a:spcBef>
-              <a:spcAft>
-                <a:spcPts val="0"/>
-              </a:spcAft>
-              <a:buClrTx/>
-              <a:buSzTx/>
-              <a:buFontTx/>
-              <a:buNone/>
-              <a:tabLst/>
-              <a:defRPr/>
-            </a:pPr>
-            <a:r>
-              <a:rPr lang="de-DE" b="0" i="0" dirty="0">
-                <a:solidFill>
-                  <a:srgbClr val="374151"/>
-                </a:solidFill>
-                <a:effectLst/>
-                <a:latin typeface="Söhne"/>
-              </a:rPr>
-              <a:t>Dieser Code implementiert eine Pub/Sub-Funktionalität für eine Android-App. Es gibt zwei Schaltflächen in der Benutzeroberfläche, eine zum Abonnieren (</a:t>
-            </a:r>
-            <a:r>
-              <a:rPr lang="de-DE" b="0" i="0" dirty="0" err="1">
-                <a:solidFill>
-                  <a:srgbClr val="374151"/>
-                </a:solidFill>
-                <a:effectLst/>
-                <a:latin typeface="Söhne"/>
-              </a:rPr>
-              <a:t>subscribe</a:t>
-            </a:r>
-            <a:r>
-              <a:rPr lang="de-DE" b="0" i="0" dirty="0">
-                <a:solidFill>
-                  <a:srgbClr val="374151"/>
-                </a:solidFill>
-                <a:effectLst/>
-                <a:latin typeface="Söhne"/>
-              </a:rPr>
-              <a:t>) und eine zum Veröffentlichen (publish). Beim Klicken auf die Schaltfläche „</a:t>
-            </a:r>
-            <a:r>
-              <a:rPr lang="de-DE" b="0" i="0" dirty="0" err="1">
-                <a:solidFill>
-                  <a:srgbClr val="374151"/>
-                </a:solidFill>
-                <a:effectLst/>
-                <a:latin typeface="Söhne"/>
-              </a:rPr>
-              <a:t>Subscribe</a:t>
-            </a:r>
-            <a:r>
-              <a:rPr lang="de-DE" b="0" i="0" dirty="0">
-                <a:solidFill>
-                  <a:srgbClr val="374151"/>
-                </a:solidFill>
-                <a:effectLst/>
-                <a:latin typeface="Söhne"/>
-              </a:rPr>
-              <a:t>" wird geprüft, ob der Benutzername bereits in der Liste der Abonnenten enthalten ist. Wenn nicht, wird der Benutzername zur Liste hinzugefügt. Wenn der Benutzername bereits in der Liste vorhanden ist, wird er aus der Liste entfernt und eine Meldung „</a:t>
-            </a:r>
-            <a:r>
-              <a:rPr lang="de-DE" b="0" i="0" dirty="0" err="1">
-                <a:solidFill>
-                  <a:srgbClr val="374151"/>
-                </a:solidFill>
-                <a:effectLst/>
-                <a:latin typeface="Söhne"/>
-              </a:rPr>
-              <a:t>Unsubscribed</a:t>
-            </a:r>
-            <a:r>
-              <a:rPr lang="de-DE" b="0" i="0" dirty="0">
-                <a:solidFill>
-                  <a:srgbClr val="374151"/>
-                </a:solidFill>
-                <a:effectLst/>
-                <a:latin typeface="Söhne"/>
-              </a:rPr>
-              <a:t>" angezeigt. Beim Klicken auf die Schaltfläche "Veröffentlichen" soll ein Abonnent die Möglichkeit haben, ein Bild zu einer  Stadt hochzuladen und anschließend werden alle Abonnenten in der Liste benachrichtigt. Wenn ein User nicht subscribed ist, hat er nicht die Möglichkeit, ein Bild zu einer Stadt hochzuladen.</a:t>
-            </a:r>
-            <a:endParaRPr lang="de-DE" dirty="0"/>
-          </a:p>
-          <a:p>
-            <a:endParaRPr lang="de-DE" dirty="0"/>
+            <a:r>
+              <a:rPr lang="de-DE" dirty="0"/>
+              <a:t>Upload eines Bildes</a:t>
+            </a:r>
+          </a:p>
+          <a:p>
+            <a:r>
+              <a:rPr lang="de-DE" dirty="0"/>
+              <a:t>Ablauf: Beim diesem POC ist geplant, dass er neben der Verarbeitung der gängigen </a:t>
+            </a:r>
+            <a:r>
+              <a:rPr lang="de-DE" dirty="0" err="1"/>
+              <a:t>Bildatei</a:t>
+            </a:r>
+            <a:r>
+              <a:rPr lang="de-DE" dirty="0"/>
+              <a:t> ebenso einige der für das System relevanten Metadaten der digitalisierten </a:t>
+            </a:r>
+            <a:r>
+              <a:rPr lang="de-DE" dirty="0" err="1"/>
+              <a:t>Bildatei</a:t>
+            </a:r>
+            <a:r>
+              <a:rPr lang="de-DE" dirty="0"/>
+              <a:t> verarbeitet. Als gängige </a:t>
+            </a:r>
+            <a:r>
+              <a:rPr lang="de-DE" dirty="0" err="1"/>
+              <a:t>Bildateien</a:t>
+            </a:r>
+            <a:r>
+              <a:rPr lang="de-DE" dirty="0"/>
+              <a:t> sind uns </a:t>
+            </a:r>
+            <a:r>
+              <a:rPr lang="de-DE" dirty="0" err="1"/>
+              <a:t>png</a:t>
+            </a:r>
+            <a:r>
+              <a:rPr lang="de-DE" dirty="0"/>
+              <a:t>, </a:t>
+            </a:r>
+            <a:r>
+              <a:rPr lang="de-DE" dirty="0" err="1"/>
+              <a:t>jpeg</a:t>
+            </a:r>
+            <a:r>
+              <a:rPr lang="de-DE" dirty="0"/>
+              <a:t> sowie </a:t>
+            </a:r>
+            <a:r>
+              <a:rPr lang="de-DE" dirty="0" err="1"/>
+              <a:t>webp</a:t>
+            </a:r>
+            <a:r>
+              <a:rPr lang="de-DE" dirty="0"/>
+              <a:t> geläufig und bei Recherchen zu Bildverarbeitung durch </a:t>
+            </a:r>
+            <a:r>
+              <a:rPr lang="de-DE" dirty="0" err="1"/>
+              <a:t>Kotlin</a:t>
+            </a:r>
+            <a:r>
+              <a:rPr lang="de-DE" dirty="0"/>
+              <a:t>, haben wir diese Formate als </a:t>
+            </a:r>
+            <a:r>
+              <a:rPr lang="de-DE" dirty="0" err="1"/>
+              <a:t>standart</a:t>
+            </a:r>
+            <a:r>
+              <a:rPr lang="de-DE" dirty="0"/>
+              <a:t> verarbeitbare Formate Identifiziert. Als relevante Metadaten haben wir die Auflösung, Bildformat, Uploader identifiziert, diese dienen vor allem zur Qualitätskontrolle, zum Verarbeiten und zum Zuordnen.</a:t>
+            </a:r>
+          </a:p>
+          <a:p>
+            <a:r>
+              <a:rPr lang="de-DE" dirty="0"/>
+              <a:t>Exit-Kriterien, Fail- Kriterien: Ergeben sich aus dem Ablauf des POCs</a:t>
+            </a:r>
+          </a:p>
+          <a:p>
+            <a:r>
+              <a:rPr lang="de-DE" dirty="0" err="1"/>
+              <a:t>Fallback</a:t>
+            </a:r>
+            <a:r>
+              <a:rPr lang="de-DE" dirty="0"/>
+              <a:t>: Der </a:t>
+            </a:r>
+            <a:r>
+              <a:rPr lang="de-DE" dirty="0" err="1"/>
+              <a:t>Fallback</a:t>
+            </a:r>
+            <a:r>
+              <a:rPr lang="de-DE" dirty="0"/>
+              <a:t> des </a:t>
+            </a:r>
+            <a:r>
+              <a:rPr lang="de-DE" dirty="0" err="1"/>
+              <a:t>Bilderuplads</a:t>
+            </a:r>
+            <a:r>
+              <a:rPr lang="de-DE" dirty="0"/>
+              <a:t> per Fehlermeldung soll es ermöglichen das der User immer sein Upload aus seiner Sicht erledigen kann oder wenn nötig weiß das er dies z.B. später ohne Probleme erledigen kann. Das System kann bei Störungen nicht auf alternative Funktionalitäten zurückgreifen, da der Upload als Kernfunktionalität nicht angemessen genug ersetzt werden könnte.</a:t>
+            </a:r>
+          </a:p>
+          <a:p>
+            <a:r>
+              <a:rPr lang="de-DE" dirty="0"/>
+              <a:t>Ein Fehler beim verarbeiten der Metadaten der Bilder darf den wesentlich wichtigeren Ablauf des POC nicht stören, da diese wenn nötig auch zu einem späteren Zeitpunkt ergänzt werden können.</a:t>
+            </a:r>
+          </a:p>
+          <a:p>
+            <a:r>
+              <a:rPr lang="de-DE" dirty="0"/>
+              <a:t>Die Begrenzung der </a:t>
+            </a:r>
+            <a:r>
+              <a:rPr lang="de-DE" dirty="0" err="1"/>
+              <a:t>Uploadbaren</a:t>
+            </a:r>
+            <a:r>
+              <a:rPr lang="de-DE" dirty="0"/>
+              <a:t> </a:t>
+            </a:r>
+            <a:r>
+              <a:rPr lang="de-DE" dirty="0" err="1"/>
+              <a:t>Bilformate</a:t>
+            </a:r>
+            <a:r>
+              <a:rPr lang="de-DE" dirty="0"/>
+              <a:t> auf z.B. nur </a:t>
+            </a:r>
+            <a:r>
+              <a:rPr lang="de-DE" dirty="0" err="1"/>
+              <a:t>jpq</a:t>
+            </a:r>
+            <a:r>
+              <a:rPr lang="de-DE" dirty="0"/>
+              <a:t> ist eine Option um die Funktionalität zusichern, würde aber auch die User Experimente negativ einfließen.</a:t>
+            </a:r>
+          </a:p>
+          <a:p>
+            <a:r>
+              <a:rPr lang="de-DE" dirty="0"/>
+              <a:t>Gelaufener POC: Der </a:t>
+            </a:r>
+            <a:r>
+              <a:rPr lang="de-DE" dirty="0" err="1"/>
+              <a:t>Úpload</a:t>
+            </a:r>
+            <a:r>
+              <a:rPr lang="de-DE" dirty="0"/>
+              <a:t> des Bilds hat geklappt, jedoch ist aus Zeitgründen die Speicherung und die gängigen Bildformate wie im </a:t>
+            </a:r>
+            <a:r>
+              <a:rPr lang="de-DE" dirty="0" err="1"/>
+              <a:t>Fallback</a:t>
+            </a:r>
+            <a:r>
+              <a:rPr lang="de-DE" dirty="0"/>
+              <a:t> definiert nicht enthalten.</a:t>
+            </a:r>
+          </a:p>
+          <a:p>
+            <a:r>
+              <a:rPr lang="de-DE" dirty="0"/>
+              <a:t>Aufruf eines gespeicherten Bildes</a:t>
+            </a:r>
+          </a:p>
+          <a:p>
+            <a:r>
+              <a:rPr lang="de-DE" dirty="0"/>
+              <a:t>Bei diesem POC soll sichergestellt werden das die User des User-Contents eine entsprechende Anzeige erhalten, um eine Irritation zu verhindern. </a:t>
+            </a:r>
+          </a:p>
+          <a:p>
+            <a:r>
+              <a:rPr lang="de-DE" dirty="0"/>
+              <a:t>Gelaufener POC: Durch Probleme </a:t>
+            </a:r>
+            <a:r>
+              <a:rPr lang="de-DE"/>
+              <a:t>bei </a:t>
+            </a:r>
+            <a:r>
+              <a:rPr lang="de-DE" dirty="0"/>
+              <a:t>Z</a:t>
+            </a:r>
+            <a:r>
+              <a:rPr lang="de-DE"/>
+              <a:t>ugriffsrechten </a:t>
+            </a:r>
+            <a:r>
+              <a:rPr lang="de-DE" dirty="0"/>
+              <a:t>unter Android und Fehler beim schreiben in der </a:t>
+            </a:r>
+            <a:r>
+              <a:rPr lang="de-DE" dirty="0" err="1"/>
+              <a:t>realtime</a:t>
+            </a:r>
+            <a:r>
+              <a:rPr lang="de-DE" dirty="0"/>
+              <a:t> Datenbank, wird das Bild aus dem </a:t>
+            </a:r>
+            <a:r>
+              <a:rPr lang="de-DE" dirty="0" err="1"/>
+              <a:t>programm</a:t>
+            </a:r>
+            <a:r>
+              <a:rPr lang="de-DE" dirty="0"/>
+              <a:t> Speicher zur Laufzeit geladen.</a:t>
+            </a:r>
           </a:p>
         </p:txBody>
       </p:sp>
@@ -1614,7 +1623,7 @@
     </p:spTree>
     <p:extLst>
       <p:ext uri="{BB962C8B-B14F-4D97-AF65-F5344CB8AC3E}">
-        <p14:creationId xmlns:p14="http://schemas.microsoft.com/office/powerpoint/2010/main" val="2321389857"/>
+        <p14:creationId xmlns:p14="http://schemas.microsoft.com/office/powerpoint/2010/main" val="2618932596"/>
       </p:ext>
     </p:extLst>
   </p:cSld>
@@ -1643,7 +1652,7 @@
       </p:grpSpPr>
       <p:sp>
         <p:nvSpPr>
-          <p:cNvPr id="2" name="Slide Image Placeholder 1"/>
+          <p:cNvPr id="2" name="Folienbildplatzhalter 1"/>
           <p:cNvSpPr>
             <a:spLocks noGrp="1" noRot="1" noChangeAspect="1"/>
           </p:cNvSpPr>
@@ -1655,7 +1664,7 @@
       </p:sp>
       <p:sp>
         <p:nvSpPr>
-          <p:cNvPr id="3" name="Notes Placeholder 2"/>
+          <p:cNvPr id="3" name="Notizenplatzhalter 2"/>
           <p:cNvSpPr>
             <a:spLocks noGrp="1"/>
           </p:cNvSpPr>
@@ -1668,16 +1677,103 @@
           <a:bodyPr/>
           <a:lstStyle/>
           <a:p>
-            <a:r>
-              <a:rPr lang="de-DE" noProof="0" dirty="0"/>
-              <a:t>Im Rahmen des Login PoCs stand im Raum das Speichern und den Vergleich von Passwörtern mittels hash-codes umzusetzen. Selbstverständlich dürfen Passwörter nicht in Klartext gespeichert werden, allerdings fehlte us die Zeit sich mit dem Thema auseinanderzusetzen. Da wir aber auschlieslich mit Dummy-Usern und demnach Dummy-Passwörtern arbeiten, ist das Speichern dieser in Klartext zu verzeihen. Der PoC diente dann daraufhin die Deserialisation einer JSON Datei mit den Usernamen und Passwörten zu einer Liste mit Userobjekten zu erproben. Dies war erfolgreich und diese Funktionalität wird auch im Prototypen wiedeverwendet. Wäre dies nicht erfolgreich gewesen hätte einen einzelnen User fest erzeugt und den Login übersprungen oder eine Userliste zur Laufzeit fest erzeugt und damit den Login simuliert.</a:t>
-            </a:r>
-          </a:p>
-        </p:txBody>
-      </p:sp>
-      <p:sp>
-        <p:nvSpPr>
-          <p:cNvPr id="4" name="Slide Number Placeholder 3"/>
+            <a:pPr marL="0" marR="0" lvl="0" indent="0" algn="l" defTabSz="914400" rtl="0" eaLnBrk="1" fontAlgn="auto" latinLnBrk="0" hangingPunct="1">
+              <a:lnSpc>
+                <a:spcPct val="100000"/>
+              </a:lnSpc>
+              <a:spcBef>
+                <a:spcPts val="0"/>
+              </a:spcBef>
+              <a:spcAft>
+                <a:spcPts val="0"/>
+              </a:spcAft>
+              <a:buClrTx/>
+              <a:buSzTx/>
+              <a:buFontTx/>
+              <a:buNone/>
+              <a:tabLst/>
+              <a:defRPr/>
+            </a:pPr>
+            <a:r>
+              <a:rPr lang="de-DE" b="0" i="0" dirty="0">
+                <a:solidFill>
+                  <a:srgbClr val="374151"/>
+                </a:solidFill>
+                <a:effectLst/>
+                <a:latin typeface="Söhne"/>
+              </a:rPr>
+              <a:t>Dieser Code implementiert eine Pub/Sub-Funktionalität für eine Android-App. Es gibt zwei Schaltflächen in der Benutzeroberfläche, eine zum Abonnieren (</a:t>
+            </a:r>
+            <a:r>
+              <a:rPr lang="de-DE" b="0" i="0" dirty="0" err="1">
+                <a:solidFill>
+                  <a:srgbClr val="374151"/>
+                </a:solidFill>
+                <a:effectLst/>
+                <a:latin typeface="Söhne"/>
+              </a:rPr>
+              <a:t>subscribe</a:t>
+            </a:r>
+            <a:r>
+              <a:rPr lang="de-DE" b="0" i="0" dirty="0">
+                <a:solidFill>
+                  <a:srgbClr val="374151"/>
+                </a:solidFill>
+                <a:effectLst/>
+                <a:latin typeface="Söhne"/>
+              </a:rPr>
+              <a:t>) und eine zum Veröffentlichen (publish). Beim Klicken auf die Schaltfläche „</a:t>
+            </a:r>
+            <a:r>
+              <a:rPr lang="de-DE" b="0" i="0" dirty="0" err="1">
+                <a:solidFill>
+                  <a:srgbClr val="374151"/>
+                </a:solidFill>
+                <a:effectLst/>
+                <a:latin typeface="Söhne"/>
+              </a:rPr>
+              <a:t>Subscribe</a:t>
+            </a:r>
+            <a:r>
+              <a:rPr lang="de-DE" b="0" i="0" dirty="0">
+                <a:solidFill>
+                  <a:srgbClr val="374151"/>
+                </a:solidFill>
+                <a:effectLst/>
+                <a:latin typeface="Söhne"/>
+              </a:rPr>
+              <a:t>" wird geprüft, ob der Benutzername bereits in der Liste der Abonnenten enthalten ist. Wenn nicht, wird der Benutzername zur Liste hinzugefügt. Wenn der Benutzername bereits in der Liste vorhanden ist, wird er aus der Liste entfernt und eine Meldung „</a:t>
+            </a:r>
+            <a:r>
+              <a:rPr lang="de-DE" b="0" i="0" dirty="0" err="1">
+                <a:solidFill>
+                  <a:srgbClr val="374151"/>
+                </a:solidFill>
+                <a:effectLst/>
+                <a:latin typeface="Söhne"/>
+              </a:rPr>
+              <a:t>Unsubscribed</a:t>
+            </a:r>
+            <a:r>
+              <a:rPr lang="de-DE" b="0" i="0" dirty="0">
+                <a:solidFill>
+                  <a:srgbClr val="374151"/>
+                </a:solidFill>
+                <a:effectLst/>
+                <a:latin typeface="Söhne"/>
+              </a:rPr>
+              <a:t>" angezeigt. Beim Klicken auf die Schaltfläche "Veröffentlichen" soll ein Abonnent die Möglichkeit haben, ein Bild zu einer  Stadt hochzuladen und anschließend werden alle Abonnenten in der Liste benachrichtigt. Wenn ein User nicht subscribed ist, hat er nicht die Möglichkeit, ein Bild zu einer Stadt hochzuladen.</a:t>
+            </a:r>
+            <a:endParaRPr lang="de-DE" dirty="0"/>
+          </a:p>
+          <a:p>
+            <a:endParaRPr lang="de-DE" dirty="0"/>
+          </a:p>
+        </p:txBody>
+      </p:sp>
+      <p:sp>
+        <p:nvSpPr>
+          <p:cNvPr id="4" name="Foliennummernplatzhalter 3"/>
           <p:cNvSpPr>
             <a:spLocks noGrp="1"/>
           </p:cNvSpPr>
@@ -1701,7 +1797,7 @@
     </p:spTree>
     <p:extLst>
       <p:ext uri="{BB962C8B-B14F-4D97-AF65-F5344CB8AC3E}">
-        <p14:creationId xmlns:p14="http://schemas.microsoft.com/office/powerpoint/2010/main" val="3932912972"/>
+        <p14:creationId xmlns:p14="http://schemas.microsoft.com/office/powerpoint/2010/main" val="2321389857"/>
       </p:ext>
     </p:extLst>
   </p:cSld>
@@ -1730,7 +1826,7 @@
       </p:grpSpPr>
       <p:sp>
         <p:nvSpPr>
-          <p:cNvPr id="2" name="Folienbildplatzhalter 1"/>
+          <p:cNvPr id="2" name="Slide Image Placeholder 1"/>
           <p:cNvSpPr>
             <a:spLocks noGrp="1" noRot="1" noChangeAspect="1"/>
           </p:cNvSpPr>
@@ -1742,7 +1838,7 @@
       </p:sp>
       <p:sp>
         <p:nvSpPr>
-          <p:cNvPr id="3" name="Notizenplatzhalter 2"/>
+          <p:cNvPr id="3" name="Notes Placeholder 2"/>
           <p:cNvSpPr>
             <a:spLocks noGrp="1"/>
           </p:cNvSpPr>
@@ -1756,56 +1852,15 @@
           <a:lstStyle/>
           <a:p>
             <a:r>
-              <a:rPr lang="de-DE" dirty="0"/>
-              <a:t>Quelle zum Bild: https://github.com/sebastiankoch10/EPWS2223HausenKochZimmer/blob/639b4999fcf3b82715c466e36d7729fe9b0d42e7/Modellierungen/Klassendiagramm.PNG</a:t>
-            </a:r>
-          </a:p>
-          <a:p>
-            <a:endParaRPr lang="de-DE" dirty="0"/>
-          </a:p>
-          <a:p>
-            <a:r>
-              <a:rPr lang="de-DE" dirty="0"/>
-              <a:t>Im Rahmen der Modellierungen für das System wurde ein Klassendiagramm angefertigt, um damit festzulegen welche Informationen und Daten abgespeichert werden. Außerdem erfolgt hierdurch eine klare Struktur des Systems, es wird ersichtlich, dass zur Speicherung der Daten zwei Listen ausreichen. Eine Liste aller Städte, die jeweils die Bilder, Geschichten und ihr Forum beinhalten und eine Liste aller User.</a:t>
-            </a:r>
-          </a:p>
-          <a:p>
-            <a:br>
-              <a:rPr lang="de-DE" dirty="0"/>
-            </a:br>
-            <a:r>
-              <a:rPr lang="de-DE" dirty="0"/>
-              <a:t>Im Zuge der Programmierung der PoCs und des Prototypen durchlief das Diagramm einige Iterationen. So wurde zunächst vorgesehen, dass die unterschiedlichen Rollen der User als Erben implementiert werden. Da aber sich keine einzigartigen Attribute für diese Rollen ergeben haben, wurde darauf verzichtet und die Rolle wird als einfacher String gespeichert. Beim Aufruf einer Funktion, die eine bestimmte Rolle benötigt, wird dieses Attribut des aktuellen Users geprüft. Die vorgesehenen Rollen sind regulärer User, blockierter User, Experte (Verifikation), Moderator (Löschen von Beiträgen) und Administrator (Rollenzuweisung). </a:t>
-            </a:r>
-            <a:br>
-              <a:rPr lang="de-DE" dirty="0"/>
-            </a:br>
-            <a:r>
-              <a:rPr lang="de-DE" dirty="0"/>
-              <a:t>Außerdem war noch bis zur Programmierung unklar wie die Pub/Sub Funktionalität implementiert wird. Die dabei entwickelten Funktionen und Attribute wurden daraufhin zur Vollständigkeit im Klassendiagramm integriert. </a:t>
-            </a:r>
-            <a:br>
-              <a:rPr lang="de-DE" dirty="0"/>
-            </a:br>
-            <a:r>
-              <a:rPr lang="de-DE" dirty="0"/>
-              <a:t>Schlieslich ist noch aus der Programmierung erfolgt, dass vorher in den Subscriberlisten, Autoren, Uploader, usw. User als Typ vorgesehen waren. Allerdings würde dies dazu führen, dass die User mehrfach abgespeichert werden in diesen jeweiligen Attributen und der allgemeinen Liste aller User. Es ist nun vorgesehen nur die Namen zu speichern und bei Aufruf mit der Userliste zu vergleichen.</a:t>
-            </a:r>
-          </a:p>
-          <a:p>
-            <a:endParaRPr lang="de-DE" dirty="0"/>
-          </a:p>
-          <a:p>
-            <a:r>
-              <a:rPr lang="de-DE" dirty="0"/>
-              <a:t>Die Klassen zur Implementierung eines Forums und Chatfunktionen sind noch grob gehalten, da unklar ist, ob wir diese Funktionen in dem Prototypen implementieren. Sollte dies der Fall sein ist aber damit schon mal eine Grundlage geschaffen, die dann erweitert werden kann.</a:t>
-            </a:r>
-          </a:p>
-        </p:txBody>
-      </p:sp>
-      <p:sp>
-        <p:nvSpPr>
-          <p:cNvPr id="4" name="Foliennummernplatzhalter 3"/>
+              <a:rPr lang="de-DE" noProof="0" dirty="0"/>
+              <a:t>Im Rahmen des Login PoCs stand im Raum das Speichern und den Vergleich von Passwörtern mittels hash-codes umzusetzen. Selbstverständlich dürfen Passwörter nicht in Klartext gespeichert werden, allerdings fehlte us die Zeit sich mit dem Thema auseinanderzusetzen. Da wir aber auschlieslich mit Dummy-Usern und demnach Dummy-Passwörtern arbeiten, ist das Speichern dieser in Klartext zu verzeihen. Der PoC diente dann daraufhin die Deserialisation einer JSON Datei mit den Usernamen und Passwörten zu einer Liste mit Userobjekten zu erproben. Dies war erfolgreich und diese Funktionalität wird auch im Prototypen wiedeverwendet. Wäre dies nicht erfolgreich gewesen hätte einen einzelnen User fest erzeugt und den Login übersprungen oder eine Userliste zur Laufzeit fest erzeugt und damit den Login simuliert.</a:t>
+            </a:r>
+          </a:p>
+        </p:txBody>
+      </p:sp>
+      <p:sp>
+        <p:nvSpPr>
+          <p:cNvPr id="4" name="Slide Number Placeholder 3"/>
           <p:cNvSpPr>
             <a:spLocks noGrp="1"/>
           </p:cNvSpPr>
@@ -1829,7 +1884,7 @@
     </p:spTree>
     <p:extLst>
       <p:ext uri="{BB962C8B-B14F-4D97-AF65-F5344CB8AC3E}">
-        <p14:creationId xmlns:p14="http://schemas.microsoft.com/office/powerpoint/2010/main" val="1078181049"/>
+        <p14:creationId xmlns:p14="http://schemas.microsoft.com/office/powerpoint/2010/main" val="3932912972"/>
       </p:ext>
     </p:extLst>
   </p:cSld>
@@ -1885,17 +1940,48 @@
           <a:p>
             <a:r>
               <a:rPr lang="de-DE" dirty="0"/>
-              <a:t>Im ersten Prototypen wurde versucht die Kernfunktionalitäten des Systems umzusetzen, der Upload von Bildern sowie damit einhergehende Pub/Sub Funktionalität. Die Grundlage für die Lösungsansätze wurden durch die PoCs, die Use Case Spezifikation sowie das Klassendiagramm gegeben. Hier ist anzumerken, dass eine detailliertere Interaktionsmodellierung die Arbeit hätte erleichtern können. Der Login erfolgt nach dem im dazugehörigen PoC getestetem Prinzip. Der damit eingeloggte User wird bis zum Logout zum currentUser. Daraufhin wird eine Liste aller Stadtobjekte geladen und anhand der Heimatstadt des Users die currentStadt gesetzt. Dem User werden daraufhin 4 Buttons angeboten (Upload, Aufruf, Sub/Unsub, Logout). Beim Upload sowie beim Aufruf eines Bildes wird aktuell noch ein hardcoded Bild verwendet. Beim Upload wird der Filepath zu diesem Bild fest verwendet und der Aufruf greift stets auf das erste Bild in der Bilderliste der Stadt zu. Dies gilt es in der weiteren Entwicklung so zu erweitern, dass ein beliebiges Bild hochgeladen und aufgerufen werden kann. Die Pub/Sub Funktionalität ist dahingegen im Grunde vollständig implementiert. Zu bedenken wäre nur ob die Verwaltung der eingegangenen Benachrichtigungen noch zu erweitern ist.</a:t>
-            </a:r>
+              <a:t>Quelle zum Bild: https://github.com/sebastiankoch10/EPWS2223HausenKochZimmer/blob/639b4999fcf3b82715c466e36d7729fe9b0d42e7/Modellierungen/Klassendiagramm.PNG</a:t>
+            </a:r>
+          </a:p>
+          <a:p>
+            <a:endParaRPr lang="de-DE" dirty="0"/>
+          </a:p>
+          <a:p>
+            <a:r>
+              <a:rPr lang="de-DE" dirty="0"/>
+              <a:t>Im Rahmen der Modellierungen für das System wurde ein Klassendiagramm angefertigt, um damit festzulegen welche Informationen und Daten abgespeichert werden. Außerdem erfolgt hierdurch eine klare Struktur des Systems, es wird ersichtlich, dass zur Speicherung der Daten zwei Listen ausreichen. Eine Liste aller Städte, die jeweils die Bilder, Geschichten und ihr Forum beinhalten und eine Liste aller User.</a:t>
+            </a:r>
+          </a:p>
+          <a:p>
             <a:br>
               <a:rPr lang="de-DE" dirty="0"/>
             </a:br>
+            <a:r>
+              <a:rPr lang="de-DE" dirty="0"/>
+              <a:t>Im Zuge der Programmierung der PoCs und des Prototypen durchlief das Diagramm einige Iterationen. So wurde zunächst vorgesehen, dass die unterschiedlichen Rollen der User als Erben implementiert werden. Da aber sich keine einzigartigen Attribute für diese Rollen ergeben haben, wurde darauf verzichtet und die Rolle wird als einfacher String gespeichert. Beim Aufruf einer Funktion, die eine bestimmte Rolle benötigt, wird dieses Attribut des aktuellen Users geprüft. Die vorgesehenen Rollen sind regulärer User, blockierter User, Experte (Verifikation), Moderator (Löschen von Beiträgen) und Administrator (Rollenzuweisung). </a:t>
+            </a:r>
             <a:br>
               <a:rPr lang="de-DE" dirty="0"/>
             </a:br>
             <a:r>
               <a:rPr lang="de-DE" dirty="0"/>
-              <a:t>Ein wichtiger Punkt bei diesem Prototypen ist, dass die Datenverwaltung auschlieslich über JSON erfolgt. So werden (1) die Bildaten zu einem String enkodiert, (2) diese in einem Bildobjekt gespeichert, (3) was Teil eines Stadtobjekts ist, (4) welches Teil einer Liste aus Stadtobjekten ist, (5) die wiederrum zum einem JSON-String enkodiert wird und (6) dieser String wird in eine entsprechende Datei geschrieben. Diese Datei, diese Liste wird zum Beginn der Activity geladen. Dies bedeutet, dass der komplette Inhalt der Datenhaltung in den Speicher geladen wird. Ab einer bestimmten Größe ist dies nicht mehr angemessen. Dieser Problematik sind wir uns bewusst aber wegen des Umfangs unseres Prototypen wird dieser Zustand in Kauf genommen. Die Alternative wäre ein Datenbanksystem einzubinden, darauf wurde aus Zeitgründen verzichtet.</a:t>
+              <a:t>Außerdem war noch bis zur Programmierung unklar wie die Pub/Sub Funktionalität implementiert wird. Die dabei entwickelten Funktionen und Attribute wurden daraufhin zur Vollständigkeit im Klassendiagramm integriert. </a:t>
+            </a:r>
+            <a:br>
+              <a:rPr lang="de-DE" dirty="0"/>
+            </a:br>
+            <a:r>
+              <a:rPr lang="de-DE" dirty="0"/>
+              <a:t>Schlieslich ist noch aus der Programmierung erfolgt, dass vorher in den Subscriberlisten, Autoren, Uploader, usw. User als Typ vorgesehen waren. Allerdings würde dies dazu führen, dass die User mehrfach abgespeichert werden in diesen jeweiligen Attributen und der allgemeinen Liste aller User. Es ist nun vorgesehen nur die Namen zu speichern und bei Aufruf mit der Userliste zu vergleichen.</a:t>
+            </a:r>
+          </a:p>
+          <a:p>
+            <a:endParaRPr lang="de-DE" dirty="0"/>
+          </a:p>
+          <a:p>
+            <a:r>
+              <a:rPr lang="de-DE" dirty="0"/>
+              <a:t>Die Klassen zur Implementierung eines Forums und Chatfunktionen sind noch grob gehalten, da unklar ist, ob wir diese Funktionen in dem Prototypen implementieren. Sollte dies der Fall sein ist aber damit schon mal eine Grundlage geschaffen, die dann erweitert werden kann.</a:t>
             </a:r>
           </a:p>
         </p:txBody>
@@ -1926,7 +2012,7 @@
     </p:spTree>
     <p:extLst>
       <p:ext uri="{BB962C8B-B14F-4D97-AF65-F5344CB8AC3E}">
-        <p14:creationId xmlns:p14="http://schemas.microsoft.com/office/powerpoint/2010/main" val="109453928"/>
+        <p14:creationId xmlns:p14="http://schemas.microsoft.com/office/powerpoint/2010/main" val="1078181049"/>
       </p:ext>
     </p:extLst>
   </p:cSld>
@@ -5592,15 +5678,7 @@
           <a:p>
             <a:r>
               <a:rPr lang="de-DE" dirty="0"/>
-              <a:t>Audit 4 </a:t>
-            </a:r>
-            <a:r>
-              <a:rPr lang="de-DE" dirty="0" err="1"/>
-              <a:t>Deliverables</a:t>
-            </a:r>
-            <a:r>
-              <a:rPr lang="de-DE" dirty="0"/>
-              <a:t> </a:t>
+              <a:t>Erster Prototyp</a:t>
             </a:r>
           </a:p>
         </p:txBody>
@@ -5623,39 +5701,103 @@
         </p:nvSpPr>
         <p:spPr/>
         <p:txBody>
-          <a:bodyPr/>
+          <a:bodyPr>
+            <a:normAutofit fontScale="92500" lnSpcReduction="10000"/>
+          </a:bodyPr>
           <a:lstStyle/>
           <a:p>
-            <a:pPr marL="0" indent="0">
-              <a:buNone/>
-            </a:pPr>
-            <a:endParaRPr lang="de-DE" dirty="0"/>
-          </a:p>
-          <a:p>
-            <a:r>
-              <a:rPr lang="de-DE" dirty="0"/>
-              <a:t>Use Cases iterieren (KW03)</a:t>
-            </a:r>
-          </a:p>
-          <a:p>
-            <a:r>
-              <a:rPr lang="de-DE" dirty="0"/>
-              <a:t>funktionalen Prototyps (KW07)</a:t>
-            </a:r>
-          </a:p>
-          <a:p>
-            <a:r>
-              <a:rPr lang="de-DE" dirty="0"/>
-              <a:t>Fazit und kritisch reflektiertes </a:t>
-            </a:r>
-            <a:r>
-              <a:rPr lang="de-DE" dirty="0" err="1"/>
-              <a:t>Prozessassessment</a:t>
-            </a:r>
-            <a:r>
-              <a:rPr lang="de-DE" dirty="0"/>
-              <a:t> des gesamten Projektes anhand der ursprünglichen Zielsetzung (KW08)</a:t>
-            </a:r>
+            <a:r>
+              <a:rPr lang="de-DE" sz="2000" dirty="0"/>
+              <a:t>Login </a:t>
+            </a:r>
+          </a:p>
+          <a:p>
+            <a:r>
+              <a:rPr lang="de-DE" sz="2000" dirty="0"/>
+              <a:t>Setze currentUser</a:t>
+            </a:r>
+          </a:p>
+          <a:p>
+            <a:r>
+              <a:rPr lang="de-DE" sz="2000" dirty="0"/>
+              <a:t>Setze currentStadt anhand Heimatstadt des Users</a:t>
+            </a:r>
+          </a:p>
+          <a:p>
+            <a:r>
+              <a:rPr lang="de-DE" sz="2000" dirty="0"/>
+              <a:t>Upload eines Bildes</a:t>
+            </a:r>
+          </a:p>
+          <a:p>
+            <a:pPr lvl="1"/>
+            <a:r>
+              <a:rPr lang="de-DE" sz="1600" dirty="0"/>
+              <a:t>Drawable File einlesen</a:t>
+            </a:r>
+          </a:p>
+          <a:p>
+            <a:pPr lvl="1"/>
+            <a:r>
+              <a:rPr lang="de-DE" sz="1600" dirty="0"/>
+              <a:t>Zu String enkodieren</a:t>
+            </a:r>
+          </a:p>
+          <a:p>
+            <a:pPr lvl="1"/>
+            <a:r>
+              <a:rPr lang="de-DE" sz="1600" dirty="0"/>
+              <a:t>Bildobjekt erzeugen und zur Stadt hinzufügen</a:t>
+            </a:r>
+          </a:p>
+          <a:p>
+            <a:pPr lvl="1"/>
+            <a:r>
+              <a:rPr lang="de-DE" sz="1600" dirty="0"/>
+              <a:t>Stadtliste enkodieren und abspeichern</a:t>
+            </a:r>
+          </a:p>
+          <a:p>
+            <a:pPr lvl="1"/>
+            <a:r>
+              <a:rPr lang="de-DE" sz="1600" dirty="0"/>
+              <a:t>Benachrichtigung an Subscriber senden</a:t>
+            </a:r>
+          </a:p>
+          <a:p>
+            <a:pPr lvl="1"/>
+            <a:r>
+              <a:rPr lang="de-DE" sz="1600" dirty="0"/>
+              <a:t>Userliste enkodieren und abspeichern</a:t>
+            </a:r>
+            <a:endParaRPr lang="de-DE" sz="1200" dirty="0"/>
+          </a:p>
+          <a:p>
+            <a:r>
+              <a:rPr lang="de-DE" sz="2000" dirty="0"/>
+              <a:t>Aufruf eines Bildes</a:t>
+            </a:r>
+          </a:p>
+          <a:p>
+            <a:r>
+              <a:rPr lang="de-DE" sz="2000" dirty="0"/>
+              <a:t>Subscribe/Unsubscribe zur Stadt</a:t>
+            </a:r>
+          </a:p>
+          <a:p>
+            <a:r>
+              <a:rPr lang="de-DE" sz="2000" dirty="0"/>
+              <a:t>Anzeige der Benachrichtigungen</a:t>
+            </a:r>
+          </a:p>
+          <a:p>
+            <a:r>
+              <a:rPr lang="de-DE" sz="2000" dirty="0"/>
+              <a:t>Logout</a:t>
+            </a:r>
+          </a:p>
+          <a:p>
+            <a:endParaRPr lang="de-DE" sz="2000" dirty="0"/>
           </a:p>
         </p:txBody>
       </p:sp>
@@ -5687,6 +5829,163 @@
                 </a:solidFill>
               </a:rPr>
               <a:t>10</a:t>
+            </a:fld>
+            <a:endParaRPr lang="de-DE" sz="2000" dirty="0">
+              <a:solidFill>
+                <a:schemeClr val="tx1"/>
+              </a:solidFill>
+            </a:endParaRPr>
+          </a:p>
+        </p:txBody>
+      </p:sp>
+    </p:spTree>
+    <p:extLst>
+      <p:ext uri="{BB962C8B-B14F-4D97-AF65-F5344CB8AC3E}">
+        <p14:creationId xmlns:p14="http://schemas.microsoft.com/office/powerpoint/2010/main" val="2702035577"/>
+      </p:ext>
+    </p:extLst>
+  </p:cSld>
+  <p:clrMapOvr>
+    <a:masterClrMapping/>
+  </p:clrMapOvr>
+</p:sld>
+</file>
+
+<file path=ppt/slides/slide11.xml><?xml version="1.0" encoding="utf-8"?>
+<p:sld xmlns:a="http://schemas.openxmlformats.org/drawingml/2006/main" xmlns:r="http://schemas.openxmlformats.org/officeDocument/2006/relationships" xmlns:p="http://schemas.openxmlformats.org/presentationml/2006/main">
+  <p:cSld>
+    <p:spTree>
+      <p:nvGrpSpPr>
+        <p:cNvPr id="1" name=""/>
+        <p:cNvGrpSpPr/>
+        <p:nvPr/>
+      </p:nvGrpSpPr>
+      <p:grpSpPr>
+        <a:xfrm>
+          <a:off x="0" y="0"/>
+          <a:ext cx="0" cy="0"/>
+          <a:chOff x="0" y="0"/>
+          <a:chExt cx="0" cy="0"/>
+        </a:xfrm>
+      </p:grpSpPr>
+      <p:sp>
+        <p:nvSpPr>
+          <p:cNvPr id="2" name="Titel 1">
+            <a:extLst>
+              <a:ext uri="{FF2B5EF4-FFF2-40B4-BE49-F238E27FC236}">
+                <a16:creationId xmlns:a16="http://schemas.microsoft.com/office/drawing/2014/main" id="{4AC7DED0-9976-693C-8B24-D84F23C8E7B6}"/>
+              </a:ext>
+            </a:extLst>
+          </p:cNvPr>
+          <p:cNvSpPr>
+            <a:spLocks noGrp="1"/>
+          </p:cNvSpPr>
+          <p:nvPr>
+            <p:ph type="title"/>
+          </p:nvPr>
+        </p:nvSpPr>
+        <p:spPr/>
+        <p:txBody>
+          <a:bodyPr/>
+          <a:lstStyle/>
+          <a:p>
+            <a:r>
+              <a:rPr lang="de-DE" dirty="0"/>
+              <a:t>Audit 4 </a:t>
+            </a:r>
+            <a:r>
+              <a:rPr lang="de-DE" dirty="0" err="1"/>
+              <a:t>Deliverables</a:t>
+            </a:r>
+            <a:r>
+              <a:rPr lang="de-DE" dirty="0"/>
+              <a:t> </a:t>
+            </a:r>
+          </a:p>
+        </p:txBody>
+      </p:sp>
+      <p:sp>
+        <p:nvSpPr>
+          <p:cNvPr id="3" name="Inhaltsplatzhalter 2">
+            <a:extLst>
+              <a:ext uri="{FF2B5EF4-FFF2-40B4-BE49-F238E27FC236}">
+                <a16:creationId xmlns:a16="http://schemas.microsoft.com/office/drawing/2014/main" id="{26828B3D-0288-9D01-3FAB-ED2A638AE90B}"/>
+              </a:ext>
+            </a:extLst>
+          </p:cNvPr>
+          <p:cNvSpPr>
+            <a:spLocks noGrp="1"/>
+          </p:cNvSpPr>
+          <p:nvPr>
+            <p:ph idx="1"/>
+          </p:nvPr>
+        </p:nvSpPr>
+        <p:spPr/>
+        <p:txBody>
+          <a:bodyPr/>
+          <a:lstStyle/>
+          <a:p>
+            <a:pPr marL="0" indent="0">
+              <a:buNone/>
+            </a:pPr>
+            <a:endParaRPr lang="de-DE" dirty="0"/>
+          </a:p>
+          <a:p>
+            <a:r>
+              <a:rPr lang="de-DE" dirty="0"/>
+              <a:t>Use Cases iterieren (KW03)</a:t>
+            </a:r>
+          </a:p>
+          <a:p>
+            <a:r>
+              <a:rPr lang="de-DE" dirty="0"/>
+              <a:t>funktionalen Prototyps (KW07)</a:t>
+            </a:r>
+          </a:p>
+          <a:p>
+            <a:r>
+              <a:rPr lang="de-DE" dirty="0"/>
+              <a:t>Fazit und kritisch reflektiertes </a:t>
+            </a:r>
+            <a:r>
+              <a:rPr lang="de-DE" dirty="0" err="1"/>
+              <a:t>Prozessassessment</a:t>
+            </a:r>
+            <a:r>
+              <a:rPr lang="de-DE" dirty="0"/>
+              <a:t> des gesamten Projektes anhand der ursprünglichen Zielsetzung (KW08)</a:t>
+            </a:r>
+          </a:p>
+        </p:txBody>
+      </p:sp>
+      <p:sp>
+        <p:nvSpPr>
+          <p:cNvPr id="5" name="Foliennummernplatzhalter 4">
+            <a:extLst>
+              <a:ext uri="{FF2B5EF4-FFF2-40B4-BE49-F238E27FC236}">
+                <a16:creationId xmlns:a16="http://schemas.microsoft.com/office/drawing/2014/main" id="{7B246376-21DF-8BF4-A1FD-B77C22C28AAB}"/>
+              </a:ext>
+            </a:extLst>
+          </p:cNvPr>
+          <p:cNvSpPr>
+            <a:spLocks noGrp="1"/>
+          </p:cNvSpPr>
+          <p:nvPr>
+            <p:ph type="sldNum" sz="quarter" idx="12"/>
+          </p:nvPr>
+        </p:nvSpPr>
+        <p:spPr/>
+        <p:txBody>
+          <a:bodyPr/>
+          <a:lstStyle/>
+          <a:p>
+            <a:fld id="{4FD190AE-D9AE-4074-AAED-D637288AF7F0}" type="slidenum">
+              <a:rPr lang="de-DE" sz="2000" smtClean="0">
+                <a:solidFill>
+                  <a:schemeClr val="tx1"/>
+                </a:solidFill>
+              </a:rPr>
+              <a:t>11</a:t>
             </a:fld>
             <a:endParaRPr lang="de-DE" sz="2000" dirty="0">
               <a:solidFill>
@@ -7533,10 +7832,10 @@
       </p:grpSpPr>
       <p:sp>
         <p:nvSpPr>
-          <p:cNvPr id="2" name="Titel 1">
+          <p:cNvPr id="3" name="Titel 2">
             <a:extLst>
               <a:ext uri="{FF2B5EF4-FFF2-40B4-BE49-F238E27FC236}">
-                <a16:creationId xmlns:a16="http://schemas.microsoft.com/office/drawing/2014/main" id="{4AC7DED0-9976-693C-8B24-D84F23C8E7B6}"/>
+                <a16:creationId xmlns:a16="http://schemas.microsoft.com/office/drawing/2014/main" id="{53AD19EA-19FD-31C3-9A36-EC2C3ECA7425}"/>
               </a:ext>
             </a:extLst>
           </p:cNvPr>
@@ -7555,160 +7854,40 @@
             <a:pPr algn="ctr"/>
             <a:r>
               <a:rPr lang="de-DE" dirty="0"/>
-              <a:t>POCs</a:t>
-            </a:r>
-          </a:p>
-        </p:txBody>
-      </p:sp>
-      <p:sp>
-        <p:nvSpPr>
-          <p:cNvPr id="3" name="Inhaltsplatzhalter 2">
+              <a:t>Use-Cases 2</a:t>
+            </a:r>
+          </a:p>
+        </p:txBody>
+      </p:sp>
+      <p:pic>
+        <p:nvPicPr>
+          <p:cNvPr id="6" name="Inhaltsplatzhalter 5">
             <a:extLst>
               <a:ext uri="{FF2B5EF4-FFF2-40B4-BE49-F238E27FC236}">
-                <a16:creationId xmlns:a16="http://schemas.microsoft.com/office/drawing/2014/main" id="{9AA5B10A-797A-3078-DAD6-26CFC5DC6EB5}"/>
+                <a16:creationId xmlns:a16="http://schemas.microsoft.com/office/drawing/2014/main" id="{316B418B-6398-8430-31A1-41E584B8A0DC}"/>
               </a:ext>
             </a:extLst>
           </p:cNvPr>
-          <p:cNvSpPr>
-            <a:spLocks noGrp="1"/>
-          </p:cNvSpPr>
-          <p:nvPr>
-            <p:ph sz="half" idx="1"/>
-          </p:nvPr>
-        </p:nvSpPr>
+          <p:cNvPicPr>
+            <a:picLocks noGrp="1" noChangeAspect="1"/>
+          </p:cNvPicPr>
+          <p:nvPr>
+            <p:ph idx="1"/>
+          </p:nvPr>
+        </p:nvPicPr>
+        <p:blipFill>
+          <a:blip r:embed="rId3"/>
+          <a:stretch>
+            <a:fillRect/>
+          </a:stretch>
+        </p:blipFill>
         <p:spPr>
           <a:xfrm>
-            <a:off x="838200" y="1825624"/>
-            <a:ext cx="5181600" cy="4186069"/>
+            <a:off x="3972944" y="1486406"/>
+            <a:ext cx="4246112" cy="5128801"/>
           </a:xfrm>
         </p:spPr>
-        <p:txBody>
-          <a:bodyPr>
-            <a:normAutofit/>
-          </a:bodyPr>
-          <a:lstStyle/>
-          <a:p>
-            <a:pPr marL="0" indent="0">
-              <a:buNone/>
-            </a:pPr>
-            <a:r>
-              <a:rPr lang="de-DE" sz="1600" b="1" dirty="0" err="1"/>
-              <a:t>Priority</a:t>
-            </a:r>
-            <a:endParaRPr lang="de-DE" sz="1600" b="1" dirty="0"/>
-          </a:p>
-          <a:p>
-            <a:r>
-              <a:rPr lang="de-DE" sz="1600" dirty="0"/>
-              <a:t>Upload eines Bildes</a:t>
-            </a:r>
-          </a:p>
-          <a:p>
-            <a:r>
-              <a:rPr lang="de-DE" sz="1600" dirty="0"/>
-              <a:t>Aufruf eines gespeicherten Bildes</a:t>
-            </a:r>
-          </a:p>
-          <a:p>
-            <a:r>
-              <a:rPr lang="de-DE" sz="1600" dirty="0"/>
-              <a:t>Pub/Sub Funktionalität – </a:t>
-            </a:r>
-            <a:r>
-              <a:rPr lang="de-DE" sz="1600" dirty="0" err="1"/>
-              <a:t>subscribe</a:t>
-            </a:r>
-            <a:endParaRPr lang="de-DE" sz="1600" dirty="0"/>
-          </a:p>
-          <a:p>
-            <a:r>
-              <a:rPr lang="de-DE" sz="1600" dirty="0"/>
-              <a:t>Pub/Sub Funktionalität – publish</a:t>
-            </a:r>
-          </a:p>
-          <a:p>
-            <a:r>
-              <a:rPr lang="de-DE" sz="1600" dirty="0"/>
-              <a:t>Login</a:t>
-            </a:r>
-          </a:p>
-        </p:txBody>
-      </p:sp>
-      <p:sp>
-        <p:nvSpPr>
-          <p:cNvPr id="4" name="Inhaltsplatzhalter 3">
-            <a:extLst>
-              <a:ext uri="{FF2B5EF4-FFF2-40B4-BE49-F238E27FC236}">
-                <a16:creationId xmlns:a16="http://schemas.microsoft.com/office/drawing/2014/main" id="{3745E24A-6EBE-396A-E812-004272A50CC0}"/>
-              </a:ext>
-            </a:extLst>
-          </p:cNvPr>
-          <p:cNvSpPr>
-            <a:spLocks noGrp="1"/>
-          </p:cNvSpPr>
-          <p:nvPr>
-            <p:ph sz="half" idx="2"/>
-          </p:nvPr>
-        </p:nvSpPr>
-        <p:spPr/>
-        <p:txBody>
-          <a:bodyPr/>
-          <a:lstStyle/>
-          <a:p>
-            <a:pPr marL="0" indent="0">
-              <a:buNone/>
-            </a:pPr>
-            <a:r>
-              <a:rPr lang="de-DE" sz="1600" b="1" dirty="0"/>
-              <a:t>Keine </a:t>
-            </a:r>
-            <a:r>
-              <a:rPr lang="de-DE" sz="1600" b="1" dirty="0" err="1"/>
-              <a:t>Priority</a:t>
-            </a:r>
-            <a:endParaRPr lang="de-DE" sz="1600" b="1" dirty="0"/>
-          </a:p>
-          <a:p>
-            <a:r>
-              <a:rPr lang="de-DE" sz="1600" dirty="0"/>
-              <a:t>Registrierung</a:t>
-            </a:r>
-          </a:p>
-          <a:p>
-            <a:r>
-              <a:rPr lang="de-DE" sz="1600" dirty="0"/>
-              <a:t>Verschlüsselung</a:t>
-            </a:r>
-          </a:p>
-          <a:p>
-            <a:r>
-              <a:rPr lang="de-DE" sz="1600" dirty="0"/>
-              <a:t>„Befreunden“ mit anderem User</a:t>
-            </a:r>
-          </a:p>
-          <a:p>
-            <a:r>
-              <a:rPr lang="de-DE" sz="1600" dirty="0"/>
-              <a:t>Annahme „Befreundung“</a:t>
-            </a:r>
-          </a:p>
-          <a:p>
-            <a:r>
-              <a:rPr lang="de-DE" sz="1600" dirty="0"/>
-              <a:t>Chat Funktion</a:t>
-            </a:r>
-          </a:p>
-          <a:p>
-            <a:r>
-              <a:rPr lang="de-DE" sz="1600" dirty="0"/>
-              <a:t>Zugriff auf Datenbank</a:t>
-            </a:r>
-          </a:p>
-          <a:p>
-            <a:endParaRPr lang="de-DE" b="1" dirty="0"/>
-          </a:p>
-        </p:txBody>
-      </p:sp>
+      </p:pic>
       <p:sp>
         <p:nvSpPr>
           <p:cNvPr id="5" name="Foliennummernplatzhalter 4">
@@ -7749,7 +7928,7 @@
     </p:spTree>
     <p:extLst>
       <p:ext uri="{BB962C8B-B14F-4D97-AF65-F5344CB8AC3E}">
-        <p14:creationId xmlns:p14="http://schemas.microsoft.com/office/powerpoint/2010/main" val="3388715465"/>
+        <p14:creationId xmlns:p14="http://schemas.microsoft.com/office/powerpoint/2010/main" val="2841107013"/>
       </p:ext>
     </p:extLst>
   </p:cSld>
@@ -7800,7 +7979,7 @@
             <a:pPr algn="ctr"/>
             <a:r>
               <a:rPr lang="de-DE" dirty="0"/>
-              <a:t>POC Bildaufruf/-abruf</a:t>
+              <a:t>POCs</a:t>
             </a:r>
           </a:p>
         </p:txBody>
@@ -7810,7 +7989,7 @@
           <p:cNvPr id="3" name="Inhaltsplatzhalter 2">
             <a:extLst>
               <a:ext uri="{FF2B5EF4-FFF2-40B4-BE49-F238E27FC236}">
-                <a16:creationId xmlns:a16="http://schemas.microsoft.com/office/drawing/2014/main" id="{26828B3D-0288-9D01-3FAB-ED2A638AE90B}"/>
+                <a16:creationId xmlns:a16="http://schemas.microsoft.com/office/drawing/2014/main" id="{9AA5B10A-797A-3078-DAD6-26CFC5DC6EB5}"/>
               </a:ext>
             </a:extLst>
           </p:cNvPr>
@@ -7823,422 +8002,68 @@
         </p:nvSpPr>
         <p:spPr>
           <a:xfrm>
-            <a:off x="838200" y="1825625"/>
-            <a:ext cx="5181600" cy="4769728"/>
+            <a:off x="838200" y="1825624"/>
+            <a:ext cx="5181600" cy="4186069"/>
           </a:xfrm>
         </p:spPr>
         <p:txBody>
           <a:bodyPr>
-            <a:normAutofit fontScale="92500" lnSpcReduction="20000"/>
+            <a:normAutofit/>
           </a:bodyPr>
           <a:lstStyle/>
           <a:p>
-            <a:pPr marL="342900" lvl="0" indent="-342900">
-              <a:lnSpc>
-                <a:spcPct val="107000"/>
-              </a:lnSpc>
-              <a:buFont typeface="Symbol" panose="05050102010706020507" pitchFamily="18" charset="2"/>
-              <a:buChar char=""/>
+            <a:pPr marL="0" indent="0">
+              <a:buNone/>
             </a:pPr>
             <a:r>
-              <a:rPr lang="de-DE" sz="1200" u="sng" dirty="0">
-                <a:effectLst/>
-                <a:latin typeface="Calibri" panose="020F0502020204030204" pitchFamily="34" charset="0"/>
-                <a:ea typeface="Yu Mincho" panose="02020400000000000000" pitchFamily="18" charset="-128"/>
-                <a:cs typeface="Times New Roman" panose="02020603050405020304" pitchFamily="18" charset="0"/>
-              </a:rPr>
+              <a:rPr lang="de-DE" sz="1600" b="1" dirty="0" err="1"/>
+              <a:t>Priority</a:t>
+            </a:r>
+            <a:endParaRPr lang="de-DE" sz="1600" b="1" dirty="0"/>
+          </a:p>
+          <a:p>
+            <a:r>
+              <a:rPr lang="de-DE" sz="1600" dirty="0"/>
               <a:t>Upload eines Bildes</a:t>
             </a:r>
-            <a:endParaRPr lang="de-DE" sz="1200" dirty="0">
-              <a:effectLst/>
-              <a:latin typeface="Calibri" panose="020F0502020204030204" pitchFamily="34" charset="0"/>
-              <a:ea typeface="Yu Mincho" panose="02020400000000000000" pitchFamily="18" charset="-128"/>
-              <a:cs typeface="Times New Roman" panose="02020603050405020304" pitchFamily="18" charset="0"/>
-            </a:endParaRPr>
-          </a:p>
-          <a:p>
-            <a:pPr marL="742950" lvl="1" indent="-285750">
-              <a:lnSpc>
-                <a:spcPct val="107000"/>
-              </a:lnSpc>
-              <a:buFont typeface="Courier New" panose="02070309020205020404" pitchFamily="49" charset="0"/>
-              <a:buChar char="o"/>
-            </a:pPr>
-            <a:r>
-              <a:rPr lang="de-DE" sz="1200" b="1" dirty="0">
-                <a:effectLst/>
-                <a:latin typeface="Calibri" panose="020F0502020204030204" pitchFamily="34" charset="0"/>
-                <a:ea typeface="Yu Mincho" panose="02020400000000000000" pitchFamily="18" charset="-128"/>
-                <a:cs typeface="Times New Roman" panose="02020603050405020304" pitchFamily="18" charset="0"/>
-              </a:rPr>
-              <a:t>Ablauf</a:t>
-            </a:r>
-            <a:endParaRPr lang="de-DE" sz="1200" dirty="0">
-              <a:effectLst/>
-              <a:latin typeface="Calibri" panose="020F0502020204030204" pitchFamily="34" charset="0"/>
-              <a:ea typeface="Yu Mincho" panose="02020400000000000000" pitchFamily="18" charset="-128"/>
-              <a:cs typeface="Times New Roman" panose="02020603050405020304" pitchFamily="18" charset="0"/>
-            </a:endParaRPr>
-          </a:p>
-          <a:p>
-            <a:pPr marL="1143000" lvl="2" indent="-228600">
-              <a:lnSpc>
-                <a:spcPct val="107000"/>
-              </a:lnSpc>
-              <a:buFont typeface="Wingdings" panose="05000000000000000000" pitchFamily="2" charset="2"/>
-              <a:buChar char=""/>
-            </a:pPr>
-            <a:r>
-              <a:rPr lang="de-DE" sz="1200" dirty="0">
-                <a:effectLst/>
-                <a:latin typeface="Calibri" panose="020F0502020204030204" pitchFamily="34" charset="0"/>
-                <a:ea typeface="Yu Mincho" panose="02020400000000000000" pitchFamily="18" charset="-128"/>
-                <a:cs typeface="Times New Roman" panose="02020603050405020304" pitchFamily="18" charset="0"/>
-              </a:rPr>
-              <a:t>Aufruf einer Upload Funktion</a:t>
-            </a:r>
-          </a:p>
-          <a:p>
-            <a:pPr marL="1143000" lvl="2" indent="-228600">
-              <a:lnSpc>
-                <a:spcPct val="107000"/>
-              </a:lnSpc>
-              <a:buFont typeface="Wingdings" panose="05000000000000000000" pitchFamily="2" charset="2"/>
-              <a:buChar char=""/>
-            </a:pPr>
-            <a:r>
-              <a:rPr lang="de-DE" sz="1200" dirty="0">
-                <a:effectLst/>
-                <a:latin typeface="Calibri" panose="020F0502020204030204" pitchFamily="34" charset="0"/>
-                <a:ea typeface="Yu Mincho" panose="02020400000000000000" pitchFamily="18" charset="-128"/>
-                <a:cs typeface="Times New Roman" panose="02020603050405020304" pitchFamily="18" charset="0"/>
-              </a:rPr>
-              <a:t>Auslesen des Bild mit Unterstützung gängiger Bildformate</a:t>
-            </a:r>
-          </a:p>
-          <a:p>
-            <a:pPr marL="1143000" lvl="2" indent="-228600">
-              <a:lnSpc>
-                <a:spcPct val="107000"/>
-              </a:lnSpc>
-              <a:buFont typeface="Wingdings" panose="05000000000000000000" pitchFamily="2" charset="2"/>
-              <a:buChar char=""/>
-            </a:pPr>
-            <a:r>
-              <a:rPr lang="de-DE" sz="1200" dirty="0">
-                <a:effectLst/>
-                <a:latin typeface="Calibri" panose="020F0502020204030204" pitchFamily="34" charset="0"/>
-                <a:ea typeface="Yu Mincho" panose="02020400000000000000" pitchFamily="18" charset="-128"/>
-                <a:cs typeface="Times New Roman" panose="02020603050405020304" pitchFamily="18" charset="0"/>
-              </a:rPr>
-              <a:t>Automatisches Auslesen der erforderlichen Metadaten</a:t>
-            </a:r>
-          </a:p>
-          <a:p>
-            <a:pPr marL="1143000" lvl="2" indent="-228600">
-              <a:lnSpc>
-                <a:spcPct val="107000"/>
-              </a:lnSpc>
-              <a:buFont typeface="Wingdings" panose="05000000000000000000" pitchFamily="2" charset="2"/>
-              <a:buChar char=""/>
-            </a:pPr>
-            <a:r>
-              <a:rPr lang="de-DE" sz="1200" dirty="0">
-                <a:effectLst/>
-                <a:latin typeface="Calibri" panose="020F0502020204030204" pitchFamily="34" charset="0"/>
-                <a:ea typeface="Yu Mincho" panose="02020400000000000000" pitchFamily="18" charset="-128"/>
-                <a:cs typeface="Times New Roman" panose="02020603050405020304" pitchFamily="18" charset="0"/>
-              </a:rPr>
-              <a:t>Erzeugen eines Bildobjekts mit Bild und Metadaten</a:t>
-            </a:r>
-          </a:p>
-          <a:p>
-            <a:pPr marL="1143000" lvl="2" indent="-228600">
-              <a:lnSpc>
-                <a:spcPct val="107000"/>
-              </a:lnSpc>
-              <a:buFont typeface="Wingdings" panose="05000000000000000000" pitchFamily="2" charset="2"/>
-              <a:buChar char=""/>
-            </a:pPr>
-            <a:r>
-              <a:rPr lang="de-DE" sz="1200" dirty="0">
-                <a:effectLst/>
-                <a:latin typeface="Calibri" panose="020F0502020204030204" pitchFamily="34" charset="0"/>
-                <a:ea typeface="Yu Mincho" panose="02020400000000000000" pitchFamily="18" charset="-128"/>
-                <a:cs typeface="Times New Roman" panose="02020603050405020304" pitchFamily="18" charset="0"/>
-              </a:rPr>
-              <a:t>Abspeichern des Bildobjekts</a:t>
-            </a:r>
-          </a:p>
-          <a:p>
-            <a:pPr marL="742950" lvl="1" indent="-285750">
-              <a:lnSpc>
-                <a:spcPct val="107000"/>
-              </a:lnSpc>
-              <a:buFont typeface="Courier New" panose="02070309020205020404" pitchFamily="49" charset="0"/>
-              <a:buChar char="o"/>
-            </a:pPr>
-            <a:r>
-              <a:rPr lang="de-DE" sz="1200" b="1" dirty="0">
-                <a:effectLst/>
-                <a:latin typeface="Calibri" panose="020F0502020204030204" pitchFamily="34" charset="0"/>
-                <a:ea typeface="Yu Mincho" panose="02020400000000000000" pitchFamily="18" charset="-128"/>
-                <a:cs typeface="Times New Roman" panose="02020603050405020304" pitchFamily="18" charset="0"/>
-              </a:rPr>
-              <a:t>Exit-Kriterien</a:t>
-            </a:r>
-            <a:endParaRPr lang="de-DE" sz="1200" dirty="0">
-              <a:effectLst/>
-              <a:latin typeface="Calibri" panose="020F0502020204030204" pitchFamily="34" charset="0"/>
-              <a:ea typeface="Yu Mincho" panose="02020400000000000000" pitchFamily="18" charset="-128"/>
-              <a:cs typeface="Times New Roman" panose="02020603050405020304" pitchFamily="18" charset="0"/>
-            </a:endParaRPr>
-          </a:p>
-          <a:p>
-            <a:pPr marL="1143000" lvl="2" indent="-228600">
-              <a:lnSpc>
-                <a:spcPct val="107000"/>
-              </a:lnSpc>
-              <a:buFont typeface="Wingdings" panose="05000000000000000000" pitchFamily="2" charset="2"/>
-              <a:buChar char=""/>
-            </a:pPr>
-            <a:r>
-              <a:rPr lang="de-DE" sz="1200" dirty="0">
-                <a:effectLst/>
-                <a:latin typeface="Calibri" panose="020F0502020204030204" pitchFamily="34" charset="0"/>
-                <a:ea typeface="Yu Mincho" panose="02020400000000000000" pitchFamily="18" charset="-128"/>
-                <a:cs typeface="Times New Roman" panose="02020603050405020304" pitchFamily="18" charset="0"/>
-              </a:rPr>
-              <a:t>Funktion konnte aufgerufen werden und Eingaben wurden erfolgreich und korrekt übernommen.</a:t>
-            </a:r>
-          </a:p>
-          <a:p>
-            <a:pPr marL="1143000" lvl="2" indent="-228600">
-              <a:lnSpc>
-                <a:spcPct val="107000"/>
-              </a:lnSpc>
-              <a:buFont typeface="Wingdings" panose="05000000000000000000" pitchFamily="2" charset="2"/>
-              <a:buChar char=""/>
-            </a:pPr>
-            <a:r>
-              <a:rPr lang="de-DE" sz="1200" dirty="0">
-                <a:effectLst/>
-                <a:latin typeface="Calibri" panose="020F0502020204030204" pitchFamily="34" charset="0"/>
-                <a:ea typeface="Yu Mincho" panose="02020400000000000000" pitchFamily="18" charset="-128"/>
-                <a:cs typeface="Times New Roman" panose="02020603050405020304" pitchFamily="18" charset="0"/>
-              </a:rPr>
-              <a:t>Bilddaten konnten erfolgreich geladen werden.</a:t>
-            </a:r>
-          </a:p>
-          <a:p>
-            <a:pPr marL="1143000" lvl="2" indent="-228600">
-              <a:lnSpc>
-                <a:spcPct val="107000"/>
-              </a:lnSpc>
-              <a:buFont typeface="Wingdings" panose="05000000000000000000" pitchFamily="2" charset="2"/>
-              <a:buChar char=""/>
-            </a:pPr>
-            <a:r>
-              <a:rPr lang="de-DE" sz="1200" dirty="0">
-                <a:effectLst/>
-                <a:latin typeface="Calibri" panose="020F0502020204030204" pitchFamily="34" charset="0"/>
-                <a:ea typeface="Yu Mincho" panose="02020400000000000000" pitchFamily="18" charset="-128"/>
-                <a:cs typeface="Times New Roman" panose="02020603050405020304" pitchFamily="18" charset="0"/>
-              </a:rPr>
-              <a:t>Neues Bildobjekt wurde erfolgreich erzeugt und abgespeichert.</a:t>
-            </a:r>
-          </a:p>
-          <a:p>
-            <a:pPr marL="742950" lvl="1" indent="-285750">
-              <a:lnSpc>
-                <a:spcPct val="107000"/>
-              </a:lnSpc>
-              <a:buFont typeface="Courier New" panose="02070309020205020404" pitchFamily="49" charset="0"/>
-              <a:buChar char="o"/>
-            </a:pPr>
-            <a:r>
-              <a:rPr lang="de-DE" sz="1200" b="1" dirty="0">
-                <a:effectLst/>
-                <a:latin typeface="Calibri" panose="020F0502020204030204" pitchFamily="34" charset="0"/>
-                <a:ea typeface="Yu Mincho" panose="02020400000000000000" pitchFamily="18" charset="-128"/>
-                <a:cs typeface="Times New Roman" panose="02020603050405020304" pitchFamily="18" charset="0"/>
-              </a:rPr>
-              <a:t>Fail-Kriterien</a:t>
-            </a:r>
-            <a:endParaRPr lang="de-DE" sz="1200" dirty="0">
-              <a:effectLst/>
-              <a:latin typeface="Calibri" panose="020F0502020204030204" pitchFamily="34" charset="0"/>
-              <a:ea typeface="Yu Mincho" panose="02020400000000000000" pitchFamily="18" charset="-128"/>
-              <a:cs typeface="Times New Roman" panose="02020603050405020304" pitchFamily="18" charset="0"/>
-            </a:endParaRPr>
-          </a:p>
-          <a:p>
-            <a:pPr marL="1143000" lvl="2" indent="-228600">
-              <a:lnSpc>
-                <a:spcPct val="107000"/>
-              </a:lnSpc>
-              <a:buFont typeface="Wingdings" panose="05000000000000000000" pitchFamily="2" charset="2"/>
-              <a:buChar char=""/>
-            </a:pPr>
-            <a:r>
-              <a:rPr lang="de-DE" sz="1200" dirty="0">
-                <a:effectLst/>
-                <a:latin typeface="Calibri" panose="020F0502020204030204" pitchFamily="34" charset="0"/>
-                <a:ea typeface="Yu Mincho" panose="02020400000000000000" pitchFamily="18" charset="-128"/>
-                <a:cs typeface="Times New Roman" panose="02020603050405020304" pitchFamily="18" charset="0"/>
-              </a:rPr>
-              <a:t>Bilddaten konnten gar nicht geladen werden</a:t>
-            </a:r>
-          </a:p>
-          <a:p>
-            <a:pPr marL="1143000" lvl="2" indent="-228600">
-              <a:lnSpc>
-                <a:spcPct val="107000"/>
-              </a:lnSpc>
-              <a:buFont typeface="Wingdings" panose="05000000000000000000" pitchFamily="2" charset="2"/>
-              <a:buChar char=""/>
-            </a:pPr>
-            <a:r>
-              <a:rPr lang="de-DE" sz="1200" dirty="0">
-                <a:effectLst/>
-                <a:latin typeface="Calibri" panose="020F0502020204030204" pitchFamily="34" charset="0"/>
-                <a:ea typeface="Yu Mincho" panose="02020400000000000000" pitchFamily="18" charset="-128"/>
-                <a:cs typeface="Times New Roman" panose="02020603050405020304" pitchFamily="18" charset="0"/>
-              </a:rPr>
-              <a:t>Nur begrenzte Bildformate konnten unterstützt werden</a:t>
-            </a:r>
-          </a:p>
-          <a:p>
-            <a:pPr marL="1143000" lvl="2" indent="-228600">
-              <a:lnSpc>
-                <a:spcPct val="107000"/>
-              </a:lnSpc>
-              <a:buFont typeface="Wingdings" panose="05000000000000000000" pitchFamily="2" charset="2"/>
-              <a:buChar char=""/>
-            </a:pPr>
-            <a:r>
-              <a:rPr lang="de-DE" sz="1200" dirty="0">
-                <a:effectLst/>
-                <a:latin typeface="Calibri" panose="020F0502020204030204" pitchFamily="34" charset="0"/>
-                <a:ea typeface="Yu Mincho" panose="02020400000000000000" pitchFamily="18" charset="-128"/>
-                <a:cs typeface="Times New Roman" panose="02020603050405020304" pitchFamily="18" charset="0"/>
-              </a:rPr>
-              <a:t>Neues Bildobjekt konnte nicht erzeugt werden</a:t>
-            </a:r>
-          </a:p>
-          <a:p>
-            <a:pPr marL="1143000" lvl="2" indent="-228600">
-              <a:lnSpc>
-                <a:spcPct val="107000"/>
-              </a:lnSpc>
-              <a:buFont typeface="Wingdings" panose="05000000000000000000" pitchFamily="2" charset="2"/>
-              <a:buChar char=""/>
-            </a:pPr>
-            <a:r>
-              <a:rPr lang="de-DE" sz="1200" dirty="0">
-                <a:effectLst/>
-                <a:latin typeface="Calibri" panose="020F0502020204030204" pitchFamily="34" charset="0"/>
-                <a:ea typeface="Yu Mincho" panose="02020400000000000000" pitchFamily="18" charset="-128"/>
-                <a:cs typeface="Times New Roman" panose="02020603050405020304" pitchFamily="18" charset="0"/>
-              </a:rPr>
-              <a:t>Bildobjekt konnte nicht abgespeichert werden</a:t>
-            </a:r>
-          </a:p>
-          <a:p>
-            <a:pPr marL="742950" lvl="1" indent="-285750">
-              <a:lnSpc>
-                <a:spcPct val="107000"/>
-              </a:lnSpc>
-              <a:buFont typeface="Courier New" panose="02070309020205020404" pitchFamily="49" charset="0"/>
-              <a:buChar char="o"/>
-            </a:pPr>
-            <a:r>
-              <a:rPr lang="de-DE" sz="1200" b="1" dirty="0" err="1">
-                <a:effectLst/>
-                <a:latin typeface="Calibri" panose="020F0502020204030204" pitchFamily="34" charset="0"/>
-                <a:ea typeface="Yu Mincho" panose="02020400000000000000" pitchFamily="18" charset="-128"/>
-                <a:cs typeface="Times New Roman" panose="02020603050405020304" pitchFamily="18" charset="0"/>
-              </a:rPr>
-              <a:t>Fallback</a:t>
-            </a:r>
-            <a:endParaRPr lang="de-DE" sz="1200" dirty="0">
-              <a:effectLst/>
-              <a:latin typeface="Calibri" panose="020F0502020204030204" pitchFamily="34" charset="0"/>
-              <a:ea typeface="Yu Mincho" panose="02020400000000000000" pitchFamily="18" charset="-128"/>
-              <a:cs typeface="Times New Roman" panose="02020603050405020304" pitchFamily="18" charset="0"/>
-            </a:endParaRPr>
-          </a:p>
-          <a:p>
-            <a:pPr marL="1143000" lvl="2" indent="-228600">
-              <a:lnSpc>
-                <a:spcPct val="107000"/>
-              </a:lnSpc>
-              <a:buFont typeface="Wingdings" panose="05000000000000000000" pitchFamily="2" charset="2"/>
-              <a:buChar char=""/>
-            </a:pPr>
-            <a:r>
-              <a:rPr lang="de-DE" sz="1200" dirty="0">
-                <a:effectLst/>
-                <a:latin typeface="Calibri" panose="020F0502020204030204" pitchFamily="34" charset="0"/>
-                <a:ea typeface="Yu Mincho" panose="02020400000000000000" pitchFamily="18" charset="-128"/>
-                <a:cs typeface="Times New Roman" panose="02020603050405020304" pitchFamily="18" charset="0"/>
-              </a:rPr>
-              <a:t>Aus Eindeutige Fehlermeldung wenn technische Fehler bei der Ausführung der Upload Funktion erfolgen</a:t>
-            </a:r>
-          </a:p>
-          <a:p>
-            <a:pPr marL="1143000" lvl="2" indent="-228600">
-              <a:lnSpc>
-                <a:spcPct val="107000"/>
-              </a:lnSpc>
-              <a:buFont typeface="Wingdings" panose="05000000000000000000" pitchFamily="2" charset="2"/>
-              <a:buChar char=""/>
-            </a:pPr>
-            <a:r>
-              <a:rPr lang="de-DE" sz="1200" dirty="0">
-                <a:effectLst/>
-                <a:latin typeface="Calibri" panose="020F0502020204030204" pitchFamily="34" charset="0"/>
-                <a:ea typeface="Yu Mincho" panose="02020400000000000000" pitchFamily="18" charset="-128"/>
-                <a:cs typeface="Times New Roman" panose="02020603050405020304" pitchFamily="18" charset="0"/>
-              </a:rPr>
-              <a:t>Bild wird ohne Metadaten gespeichert</a:t>
-            </a:r>
-          </a:p>
-          <a:p>
-            <a:pPr marL="1143000" lvl="2" indent="-228600">
-              <a:lnSpc>
-                <a:spcPct val="107000"/>
-              </a:lnSpc>
-              <a:spcAft>
-                <a:spcPts val="800"/>
-              </a:spcAft>
-              <a:buFont typeface="Wingdings" panose="05000000000000000000" pitchFamily="2" charset="2"/>
-              <a:buChar char=""/>
-            </a:pPr>
-            <a:r>
-              <a:rPr lang="de-DE" sz="1200" dirty="0">
-                <a:effectLst/>
-                <a:latin typeface="Calibri" panose="020F0502020204030204" pitchFamily="34" charset="0"/>
-                <a:ea typeface="Yu Mincho" panose="02020400000000000000" pitchFamily="18" charset="-128"/>
-                <a:cs typeface="Times New Roman" panose="02020603050405020304" pitchFamily="18" charset="0"/>
-              </a:rPr>
-              <a:t>Es werden begrenzte Bildformate gefordert</a:t>
-            </a:r>
-            <a:endParaRPr lang="de-DE" sz="1200" dirty="0">
-              <a:effectLst/>
-              <a:latin typeface="Calibri" panose="020F0502020204030204" pitchFamily="34" charset="0"/>
-              <a:ea typeface="Calibri" panose="020F0502020204030204" pitchFamily="34" charset="0"/>
-              <a:cs typeface="Times New Roman" panose="02020603050405020304" pitchFamily="18" charset="0"/>
-            </a:endParaRPr>
-          </a:p>
-        </p:txBody>
-      </p:sp>
-      <p:sp>
-        <p:nvSpPr>
-          <p:cNvPr id="6" name="Inhaltsplatzhalter 5">
+          </a:p>
+          <a:p>
+            <a:r>
+              <a:rPr lang="de-DE" sz="1600" dirty="0"/>
+              <a:t>Aufruf eines gespeicherten Bildes</a:t>
+            </a:r>
+          </a:p>
+          <a:p>
+            <a:r>
+              <a:rPr lang="de-DE" sz="1600" dirty="0"/>
+              <a:t>Pub/Sub Funktionalität – </a:t>
+            </a:r>
+            <a:r>
+              <a:rPr lang="de-DE" sz="1600" dirty="0" err="1"/>
+              <a:t>subscribe</a:t>
+            </a:r>
+            <a:endParaRPr lang="de-DE" sz="1600" dirty="0"/>
+          </a:p>
+          <a:p>
+            <a:r>
+              <a:rPr lang="de-DE" sz="1600" dirty="0"/>
+              <a:t>Pub/Sub Funktionalität – publish</a:t>
+            </a:r>
+          </a:p>
+          <a:p>
+            <a:r>
+              <a:rPr lang="de-DE" sz="1600" dirty="0"/>
+              <a:t>Login</a:t>
+            </a:r>
+          </a:p>
+        </p:txBody>
+      </p:sp>
+      <p:sp>
+        <p:nvSpPr>
+          <p:cNvPr id="4" name="Inhaltsplatzhalter 3">
             <a:extLst>
               <a:ext uri="{FF2B5EF4-FFF2-40B4-BE49-F238E27FC236}">
-                <a16:creationId xmlns:a16="http://schemas.microsoft.com/office/drawing/2014/main" id="{D27F10EA-731C-BC21-64B1-413E86CA7C17}"/>
+                <a16:creationId xmlns:a16="http://schemas.microsoft.com/office/drawing/2014/main" id="{3745E24A-6EBE-396A-E812-004272A50CC0}"/>
               </a:ext>
             </a:extLst>
           </p:cNvPr>
@@ -8249,283 +8074,62 @@
             <p:ph sz="half" idx="2"/>
           </p:nvPr>
         </p:nvSpPr>
-        <p:spPr>
-          <a:xfrm>
-            <a:off x="6172200" y="1825625"/>
-            <a:ext cx="5181600" cy="4769728"/>
-          </a:xfrm>
-        </p:spPr>
-        <p:txBody>
-          <a:bodyPr anchor="t" anchorCtr="0">
-            <a:normAutofit fontScale="92500" lnSpcReduction="20000"/>
-          </a:bodyPr>
+        <p:spPr/>
+        <p:txBody>
+          <a:bodyPr/>
           <a:lstStyle/>
           <a:p>
-            <a:pPr marL="342900" lvl="0" indent="-342900">
-              <a:lnSpc>
-                <a:spcPct val="107000"/>
-              </a:lnSpc>
-              <a:buFont typeface="Symbol" panose="05050102010706020507" pitchFamily="18" charset="2"/>
-              <a:buChar char=""/>
+            <a:pPr marL="0" indent="0">
+              <a:buNone/>
             </a:pPr>
             <a:r>
-              <a:rPr lang="de-DE" sz="1100" u="sng" dirty="0">
-                <a:effectLst/>
-                <a:latin typeface="Calibri" panose="020F0502020204030204" pitchFamily="34" charset="0"/>
-                <a:ea typeface="Yu Mincho" panose="02020400000000000000" pitchFamily="18" charset="-128"/>
-                <a:cs typeface="Times New Roman" panose="02020603050405020304" pitchFamily="18" charset="0"/>
-              </a:rPr>
-              <a:t>Aufruf eines gespeicherten Bildes</a:t>
-            </a:r>
-            <a:endParaRPr lang="de-DE" sz="1100" dirty="0">
-              <a:effectLst/>
-              <a:latin typeface="Calibri" panose="020F0502020204030204" pitchFamily="34" charset="0"/>
-              <a:ea typeface="Yu Mincho" panose="02020400000000000000" pitchFamily="18" charset="-128"/>
-              <a:cs typeface="Times New Roman" panose="02020603050405020304" pitchFamily="18" charset="0"/>
-            </a:endParaRPr>
-          </a:p>
-          <a:p>
-            <a:pPr marL="742950" lvl="1" indent="-285750">
-              <a:lnSpc>
-                <a:spcPct val="107000"/>
-              </a:lnSpc>
-              <a:buFont typeface="Courier New" panose="02070309020205020404" pitchFamily="49" charset="0"/>
-              <a:buChar char="o"/>
-            </a:pPr>
-            <a:r>
-              <a:rPr lang="de-DE" sz="1100" b="1" dirty="0">
-                <a:effectLst/>
-                <a:latin typeface="Calibri" panose="020F0502020204030204" pitchFamily="34" charset="0"/>
-                <a:ea typeface="Yu Mincho" panose="02020400000000000000" pitchFamily="18" charset="-128"/>
-                <a:cs typeface="Times New Roman" panose="02020603050405020304" pitchFamily="18" charset="0"/>
-              </a:rPr>
-              <a:t>Ablauf</a:t>
-            </a:r>
-            <a:endParaRPr lang="de-DE" sz="1100" dirty="0">
-              <a:effectLst/>
-              <a:latin typeface="Calibri" panose="020F0502020204030204" pitchFamily="34" charset="0"/>
-              <a:ea typeface="Yu Mincho" panose="02020400000000000000" pitchFamily="18" charset="-128"/>
-              <a:cs typeface="Times New Roman" panose="02020603050405020304" pitchFamily="18" charset="0"/>
-            </a:endParaRPr>
-          </a:p>
-          <a:p>
-            <a:pPr marL="1143000" lvl="2" indent="-228600">
-              <a:lnSpc>
-                <a:spcPct val="107000"/>
-              </a:lnSpc>
-              <a:buFont typeface="Wingdings" panose="05000000000000000000" pitchFamily="2" charset="2"/>
-              <a:buChar char=""/>
-            </a:pPr>
-            <a:r>
-              <a:rPr lang="de-DE" sz="1100" dirty="0">
-                <a:effectLst/>
-                <a:latin typeface="Calibri" panose="020F0502020204030204" pitchFamily="34" charset="0"/>
-                <a:ea typeface="Yu Mincho" panose="02020400000000000000" pitchFamily="18" charset="-128"/>
-                <a:cs typeface="Times New Roman" panose="02020603050405020304" pitchFamily="18" charset="0"/>
-              </a:rPr>
-              <a:t>Bild wird aus persistentem Speicher geladen</a:t>
-            </a:r>
-          </a:p>
-          <a:p>
-            <a:pPr marL="1143000" lvl="2" indent="-228600">
-              <a:lnSpc>
-                <a:spcPct val="107000"/>
-              </a:lnSpc>
-              <a:buFont typeface="Wingdings" panose="05000000000000000000" pitchFamily="2" charset="2"/>
-              <a:buChar char=""/>
-            </a:pPr>
-            <a:r>
-              <a:rPr lang="de-DE" sz="1100" dirty="0">
-                <a:effectLst/>
-                <a:latin typeface="Calibri" panose="020F0502020204030204" pitchFamily="34" charset="0"/>
-                <a:ea typeface="Yu Mincho" panose="02020400000000000000" pitchFamily="18" charset="-128"/>
-                <a:cs typeface="Times New Roman" panose="02020603050405020304" pitchFamily="18" charset="0"/>
-              </a:rPr>
-              <a:t>Ansicht des Bildobjekts erzeugen</a:t>
-            </a:r>
-          </a:p>
-          <a:p>
-            <a:pPr marL="742950" lvl="1" indent="-285750">
-              <a:lnSpc>
-                <a:spcPct val="107000"/>
-              </a:lnSpc>
-              <a:buFont typeface="Courier New" panose="02070309020205020404" pitchFamily="49" charset="0"/>
-              <a:buChar char="o"/>
-            </a:pPr>
-            <a:r>
-              <a:rPr lang="de-DE" sz="1100" b="1" dirty="0">
-                <a:effectLst/>
-                <a:latin typeface="Calibri" panose="020F0502020204030204" pitchFamily="34" charset="0"/>
-                <a:ea typeface="Yu Mincho" panose="02020400000000000000" pitchFamily="18" charset="-128"/>
-                <a:cs typeface="Times New Roman" panose="02020603050405020304" pitchFamily="18" charset="0"/>
-              </a:rPr>
-              <a:t>Exit-Kriterien</a:t>
-            </a:r>
-            <a:endParaRPr lang="de-DE" sz="1100" dirty="0">
-              <a:effectLst/>
-              <a:latin typeface="Calibri" panose="020F0502020204030204" pitchFamily="34" charset="0"/>
-              <a:ea typeface="Yu Mincho" panose="02020400000000000000" pitchFamily="18" charset="-128"/>
-              <a:cs typeface="Times New Roman" panose="02020603050405020304" pitchFamily="18" charset="0"/>
-            </a:endParaRPr>
-          </a:p>
-          <a:p>
-            <a:pPr marL="1143000" lvl="2" indent="-228600">
-              <a:lnSpc>
-                <a:spcPct val="107000"/>
-              </a:lnSpc>
-              <a:buFont typeface="Wingdings" panose="05000000000000000000" pitchFamily="2" charset="2"/>
-              <a:buChar char=""/>
-            </a:pPr>
-            <a:r>
-              <a:rPr lang="de-DE" sz="1100" dirty="0">
-                <a:effectLst/>
-                <a:latin typeface="Calibri" panose="020F0502020204030204" pitchFamily="34" charset="0"/>
-                <a:ea typeface="Yu Mincho" panose="02020400000000000000" pitchFamily="18" charset="-128"/>
-                <a:cs typeface="Times New Roman" panose="02020603050405020304" pitchFamily="18" charset="0"/>
-              </a:rPr>
-              <a:t>Bild wurde erfolgreich aus persistentem Speicher geladen</a:t>
-            </a:r>
-          </a:p>
-          <a:p>
-            <a:pPr marL="1143000" lvl="2" indent="-228600">
-              <a:lnSpc>
-                <a:spcPct val="107000"/>
-              </a:lnSpc>
-              <a:buFont typeface="Wingdings" panose="05000000000000000000" pitchFamily="2" charset="2"/>
-              <a:buChar char=""/>
-            </a:pPr>
-            <a:r>
-              <a:rPr lang="de-DE" sz="1100" dirty="0">
-                <a:effectLst/>
-                <a:latin typeface="Calibri" panose="020F0502020204030204" pitchFamily="34" charset="0"/>
-                <a:ea typeface="Yu Mincho" panose="02020400000000000000" pitchFamily="18" charset="-128"/>
-                <a:cs typeface="Times New Roman" panose="02020603050405020304" pitchFamily="18" charset="0"/>
-              </a:rPr>
-              <a:t>Ansicht wurde erfolgreich erzeugt.</a:t>
-            </a:r>
-          </a:p>
-          <a:p>
-            <a:pPr marL="742950" lvl="1" indent="-285750">
-              <a:lnSpc>
-                <a:spcPct val="107000"/>
-              </a:lnSpc>
-              <a:buFont typeface="Courier New" panose="02070309020205020404" pitchFamily="49" charset="0"/>
-              <a:buChar char="o"/>
-            </a:pPr>
-            <a:r>
-              <a:rPr lang="de-DE" sz="1100" b="1" dirty="0">
-                <a:effectLst/>
-                <a:latin typeface="Calibri" panose="020F0502020204030204" pitchFamily="34" charset="0"/>
-                <a:ea typeface="Yu Mincho" panose="02020400000000000000" pitchFamily="18" charset="-128"/>
-                <a:cs typeface="Times New Roman" panose="02020603050405020304" pitchFamily="18" charset="0"/>
-              </a:rPr>
-              <a:t>Fail-Kriterien</a:t>
-            </a:r>
-            <a:endParaRPr lang="de-DE" sz="1100" dirty="0">
-              <a:effectLst/>
-              <a:latin typeface="Calibri" panose="020F0502020204030204" pitchFamily="34" charset="0"/>
-              <a:ea typeface="Yu Mincho" panose="02020400000000000000" pitchFamily="18" charset="-128"/>
-              <a:cs typeface="Times New Roman" panose="02020603050405020304" pitchFamily="18" charset="0"/>
-            </a:endParaRPr>
-          </a:p>
-          <a:p>
-            <a:pPr marL="1143000" lvl="2" indent="-228600">
-              <a:lnSpc>
-                <a:spcPct val="107000"/>
-              </a:lnSpc>
-              <a:buFont typeface="Wingdings" panose="05000000000000000000" pitchFamily="2" charset="2"/>
-              <a:buChar char=""/>
-            </a:pPr>
-            <a:r>
-              <a:rPr lang="de-DE" sz="1100" dirty="0">
-                <a:effectLst/>
-                <a:latin typeface="Calibri" panose="020F0502020204030204" pitchFamily="34" charset="0"/>
-                <a:ea typeface="Yu Mincho" panose="02020400000000000000" pitchFamily="18" charset="-128"/>
-                <a:cs typeface="Times New Roman" panose="02020603050405020304" pitchFamily="18" charset="0"/>
-              </a:rPr>
-              <a:t>Bild wurde nicht aus persistentem Speicher geladen</a:t>
-            </a:r>
-          </a:p>
-          <a:p>
-            <a:pPr marL="1143000" lvl="2" indent="-228600">
-              <a:lnSpc>
-                <a:spcPct val="107000"/>
-              </a:lnSpc>
-              <a:buFont typeface="Wingdings" panose="05000000000000000000" pitchFamily="2" charset="2"/>
-              <a:buChar char=""/>
-            </a:pPr>
-            <a:r>
-              <a:rPr lang="de-DE" sz="1100" dirty="0">
-                <a:effectLst/>
-                <a:latin typeface="Calibri" panose="020F0502020204030204" pitchFamily="34" charset="0"/>
-                <a:ea typeface="Yu Mincho" panose="02020400000000000000" pitchFamily="18" charset="-128"/>
-                <a:cs typeface="Times New Roman" panose="02020603050405020304" pitchFamily="18" charset="0"/>
-              </a:rPr>
-              <a:t>Ansicht wurde nicht erzeugt</a:t>
-            </a:r>
-          </a:p>
-          <a:p>
-            <a:pPr marL="742950" lvl="1" indent="-285750">
-              <a:lnSpc>
-                <a:spcPct val="107000"/>
-              </a:lnSpc>
-              <a:buFont typeface="Courier New" panose="02070309020205020404" pitchFamily="49" charset="0"/>
-              <a:buChar char="o"/>
-            </a:pPr>
-            <a:r>
-              <a:rPr lang="de-DE" sz="1100" b="1" dirty="0" err="1">
-                <a:effectLst/>
-                <a:latin typeface="Calibri" panose="020F0502020204030204" pitchFamily="34" charset="0"/>
-                <a:ea typeface="Yu Mincho" panose="02020400000000000000" pitchFamily="18" charset="-128"/>
-                <a:cs typeface="Times New Roman" panose="02020603050405020304" pitchFamily="18" charset="0"/>
-              </a:rPr>
-              <a:t>Fallback</a:t>
-            </a:r>
-            <a:endParaRPr lang="de-DE" sz="1100" dirty="0">
-              <a:effectLst/>
-              <a:latin typeface="Calibri" panose="020F0502020204030204" pitchFamily="34" charset="0"/>
-              <a:ea typeface="Yu Mincho" panose="02020400000000000000" pitchFamily="18" charset="-128"/>
-              <a:cs typeface="Times New Roman" panose="02020603050405020304" pitchFamily="18" charset="0"/>
-            </a:endParaRPr>
-          </a:p>
-          <a:p>
-            <a:pPr marL="1143000" lvl="2" indent="-228600">
-              <a:lnSpc>
-                <a:spcPct val="107000"/>
-              </a:lnSpc>
-              <a:buFont typeface="Wingdings" panose="05000000000000000000" pitchFamily="2" charset="2"/>
-              <a:buChar char=""/>
-            </a:pPr>
-            <a:r>
-              <a:rPr lang="de-DE" sz="1100" dirty="0">
-                <a:effectLst/>
-                <a:latin typeface="Calibri" panose="020F0502020204030204" pitchFamily="34" charset="0"/>
-                <a:ea typeface="Yu Mincho" panose="02020400000000000000" pitchFamily="18" charset="-128"/>
-                <a:cs typeface="Times New Roman" panose="02020603050405020304" pitchFamily="18" charset="0"/>
-              </a:rPr>
-              <a:t>Eindeutige Fehlermeldung anzeigen</a:t>
-            </a:r>
-          </a:p>
-          <a:p>
-            <a:pPr marL="1143000" lvl="2" indent="-228600">
-              <a:lnSpc>
-                <a:spcPct val="107000"/>
-              </a:lnSpc>
-              <a:spcAft>
-                <a:spcPts val="800"/>
-              </a:spcAft>
-              <a:buFont typeface="Wingdings" panose="05000000000000000000" pitchFamily="2" charset="2"/>
-              <a:buChar char=""/>
-            </a:pPr>
-            <a:r>
-              <a:rPr lang="de-DE" sz="1100" dirty="0">
-                <a:effectLst/>
-                <a:latin typeface="Calibri" panose="020F0502020204030204" pitchFamily="34" charset="0"/>
-                <a:ea typeface="Yu Mincho" panose="02020400000000000000" pitchFamily="18" charset="-128"/>
-                <a:cs typeface="Times New Roman" panose="02020603050405020304" pitchFamily="18" charset="0"/>
-              </a:rPr>
-              <a:t>Aufforderung zum neu laden mitteilen</a:t>
-            </a:r>
+              <a:rPr lang="de-DE" sz="1600" b="1" dirty="0"/>
+              <a:t>Keine </a:t>
+            </a:r>
+            <a:r>
+              <a:rPr lang="de-DE" sz="1600" b="1" dirty="0" err="1"/>
+              <a:t>Priority</a:t>
+            </a:r>
+            <a:endParaRPr lang="de-DE" sz="1600" b="1" dirty="0"/>
+          </a:p>
+          <a:p>
+            <a:r>
+              <a:rPr lang="de-DE" sz="1600" dirty="0"/>
+              <a:t>Registrierung</a:t>
+            </a:r>
+          </a:p>
+          <a:p>
+            <a:r>
+              <a:rPr lang="de-DE" sz="1600" dirty="0"/>
+              <a:t>Verschlüsselung</a:t>
+            </a:r>
+          </a:p>
+          <a:p>
+            <a:r>
+              <a:rPr lang="de-DE" sz="1600" dirty="0"/>
+              <a:t>„Befreunden“ mit anderem User</a:t>
+            </a:r>
+          </a:p>
+          <a:p>
+            <a:r>
+              <a:rPr lang="de-DE" sz="1600" dirty="0"/>
+              <a:t>Annahme „Befreundung“</a:t>
+            </a:r>
+          </a:p>
+          <a:p>
+            <a:r>
+              <a:rPr lang="de-DE" sz="1600" dirty="0"/>
+              <a:t>Chat Funktion</a:t>
+            </a:r>
+          </a:p>
+          <a:p>
+            <a:r>
+              <a:rPr lang="de-DE" sz="1600" dirty="0"/>
+              <a:t>Zugriff auf Datenbank</a:t>
+            </a:r>
+          </a:p>
+          <a:p>
+            <a:endParaRPr lang="de-DE" b="1" dirty="0"/>
           </a:p>
         </p:txBody>
       </p:sp>
@@ -8569,7 +8173,7 @@
     </p:spTree>
     <p:extLst>
       <p:ext uri="{BB962C8B-B14F-4D97-AF65-F5344CB8AC3E}">
-        <p14:creationId xmlns:p14="http://schemas.microsoft.com/office/powerpoint/2010/main" val="1195816902"/>
+        <p14:creationId xmlns:p14="http://schemas.microsoft.com/office/powerpoint/2010/main" val="3388715465"/>
       </p:ext>
     </p:extLst>
   </p:cSld>
@@ -8620,6 +8224,826 @@
             <a:pPr algn="ctr"/>
             <a:r>
               <a:rPr lang="de-DE" dirty="0"/>
+              <a:t>POC Bildaufruf/-abruf</a:t>
+            </a:r>
+          </a:p>
+        </p:txBody>
+      </p:sp>
+      <p:sp>
+        <p:nvSpPr>
+          <p:cNvPr id="3" name="Inhaltsplatzhalter 2">
+            <a:extLst>
+              <a:ext uri="{FF2B5EF4-FFF2-40B4-BE49-F238E27FC236}">
+                <a16:creationId xmlns:a16="http://schemas.microsoft.com/office/drawing/2014/main" id="{26828B3D-0288-9D01-3FAB-ED2A638AE90B}"/>
+              </a:ext>
+            </a:extLst>
+          </p:cNvPr>
+          <p:cNvSpPr>
+            <a:spLocks noGrp="1"/>
+          </p:cNvSpPr>
+          <p:nvPr>
+            <p:ph sz="half" idx="1"/>
+          </p:nvPr>
+        </p:nvSpPr>
+        <p:spPr>
+          <a:xfrm>
+            <a:off x="838200" y="1825625"/>
+            <a:ext cx="5181600" cy="4769728"/>
+          </a:xfrm>
+        </p:spPr>
+        <p:txBody>
+          <a:bodyPr>
+            <a:normAutofit fontScale="92500" lnSpcReduction="20000"/>
+          </a:bodyPr>
+          <a:lstStyle/>
+          <a:p>
+            <a:pPr marL="342900" lvl="0" indent="-342900">
+              <a:lnSpc>
+                <a:spcPct val="107000"/>
+              </a:lnSpc>
+              <a:buFont typeface="Symbol" panose="05050102010706020507" pitchFamily="18" charset="2"/>
+              <a:buChar char=""/>
+            </a:pPr>
+            <a:r>
+              <a:rPr lang="de-DE" sz="1200" u="sng" dirty="0">
+                <a:effectLst/>
+                <a:latin typeface="Calibri" panose="020F0502020204030204" pitchFamily="34" charset="0"/>
+                <a:ea typeface="Yu Mincho" panose="02020400000000000000" pitchFamily="18" charset="-128"/>
+                <a:cs typeface="Times New Roman" panose="02020603050405020304" pitchFamily="18" charset="0"/>
+              </a:rPr>
+              <a:t>Upload eines Bildes</a:t>
+            </a:r>
+            <a:endParaRPr lang="de-DE" sz="1200" dirty="0">
+              <a:effectLst/>
+              <a:latin typeface="Calibri" panose="020F0502020204030204" pitchFamily="34" charset="0"/>
+              <a:ea typeface="Yu Mincho" panose="02020400000000000000" pitchFamily="18" charset="-128"/>
+              <a:cs typeface="Times New Roman" panose="02020603050405020304" pitchFamily="18" charset="0"/>
+            </a:endParaRPr>
+          </a:p>
+          <a:p>
+            <a:pPr marL="742950" lvl="1" indent="-285750">
+              <a:lnSpc>
+                <a:spcPct val="107000"/>
+              </a:lnSpc>
+              <a:buFont typeface="Courier New" panose="02070309020205020404" pitchFamily="49" charset="0"/>
+              <a:buChar char="o"/>
+            </a:pPr>
+            <a:r>
+              <a:rPr lang="de-DE" sz="1200" b="1" dirty="0">
+                <a:effectLst/>
+                <a:latin typeface="Calibri" panose="020F0502020204030204" pitchFamily="34" charset="0"/>
+                <a:ea typeface="Yu Mincho" panose="02020400000000000000" pitchFamily="18" charset="-128"/>
+                <a:cs typeface="Times New Roman" panose="02020603050405020304" pitchFamily="18" charset="0"/>
+              </a:rPr>
+              <a:t>Ablauf</a:t>
+            </a:r>
+            <a:endParaRPr lang="de-DE" sz="1200" dirty="0">
+              <a:effectLst/>
+              <a:latin typeface="Calibri" panose="020F0502020204030204" pitchFamily="34" charset="0"/>
+              <a:ea typeface="Yu Mincho" panose="02020400000000000000" pitchFamily="18" charset="-128"/>
+              <a:cs typeface="Times New Roman" panose="02020603050405020304" pitchFamily="18" charset="0"/>
+            </a:endParaRPr>
+          </a:p>
+          <a:p>
+            <a:pPr marL="1143000" lvl="2" indent="-228600">
+              <a:lnSpc>
+                <a:spcPct val="107000"/>
+              </a:lnSpc>
+              <a:buFont typeface="Wingdings" panose="05000000000000000000" pitchFamily="2" charset="2"/>
+              <a:buChar char=""/>
+            </a:pPr>
+            <a:r>
+              <a:rPr lang="de-DE" sz="1200" dirty="0">
+                <a:effectLst/>
+                <a:latin typeface="Calibri" panose="020F0502020204030204" pitchFamily="34" charset="0"/>
+                <a:ea typeface="Yu Mincho" panose="02020400000000000000" pitchFamily="18" charset="-128"/>
+                <a:cs typeface="Times New Roman" panose="02020603050405020304" pitchFamily="18" charset="0"/>
+              </a:rPr>
+              <a:t>Aufruf einer Upload Funktion</a:t>
+            </a:r>
+          </a:p>
+          <a:p>
+            <a:pPr marL="1143000" lvl="2" indent="-228600">
+              <a:lnSpc>
+                <a:spcPct val="107000"/>
+              </a:lnSpc>
+              <a:buFont typeface="Wingdings" panose="05000000000000000000" pitchFamily="2" charset="2"/>
+              <a:buChar char=""/>
+            </a:pPr>
+            <a:r>
+              <a:rPr lang="de-DE" sz="1200" dirty="0">
+                <a:effectLst/>
+                <a:latin typeface="Calibri" panose="020F0502020204030204" pitchFamily="34" charset="0"/>
+                <a:ea typeface="Yu Mincho" panose="02020400000000000000" pitchFamily="18" charset="-128"/>
+                <a:cs typeface="Times New Roman" panose="02020603050405020304" pitchFamily="18" charset="0"/>
+              </a:rPr>
+              <a:t>Auslesen des Bild mit Unterstützung gängiger Bildformate</a:t>
+            </a:r>
+          </a:p>
+          <a:p>
+            <a:pPr marL="1143000" lvl="2" indent="-228600">
+              <a:lnSpc>
+                <a:spcPct val="107000"/>
+              </a:lnSpc>
+              <a:buFont typeface="Wingdings" panose="05000000000000000000" pitchFamily="2" charset="2"/>
+              <a:buChar char=""/>
+            </a:pPr>
+            <a:r>
+              <a:rPr lang="de-DE" sz="1200" dirty="0">
+                <a:effectLst/>
+                <a:latin typeface="Calibri" panose="020F0502020204030204" pitchFamily="34" charset="0"/>
+                <a:ea typeface="Yu Mincho" panose="02020400000000000000" pitchFamily="18" charset="-128"/>
+                <a:cs typeface="Times New Roman" panose="02020603050405020304" pitchFamily="18" charset="0"/>
+              </a:rPr>
+              <a:t>Automatisches Auslesen der erforderlichen Metadaten</a:t>
+            </a:r>
+          </a:p>
+          <a:p>
+            <a:pPr marL="1143000" lvl="2" indent="-228600">
+              <a:lnSpc>
+                <a:spcPct val="107000"/>
+              </a:lnSpc>
+              <a:buFont typeface="Wingdings" panose="05000000000000000000" pitchFamily="2" charset="2"/>
+              <a:buChar char=""/>
+            </a:pPr>
+            <a:r>
+              <a:rPr lang="de-DE" sz="1200" dirty="0">
+                <a:effectLst/>
+                <a:latin typeface="Calibri" panose="020F0502020204030204" pitchFamily="34" charset="0"/>
+                <a:ea typeface="Yu Mincho" panose="02020400000000000000" pitchFamily="18" charset="-128"/>
+                <a:cs typeface="Times New Roman" panose="02020603050405020304" pitchFamily="18" charset="0"/>
+              </a:rPr>
+              <a:t>Erzeugen eines Bildobjekts mit Bild und Metadaten</a:t>
+            </a:r>
+          </a:p>
+          <a:p>
+            <a:pPr marL="1143000" lvl="2" indent="-228600">
+              <a:lnSpc>
+                <a:spcPct val="107000"/>
+              </a:lnSpc>
+              <a:buFont typeface="Wingdings" panose="05000000000000000000" pitchFamily="2" charset="2"/>
+              <a:buChar char=""/>
+            </a:pPr>
+            <a:r>
+              <a:rPr lang="de-DE" sz="1200" dirty="0">
+                <a:effectLst/>
+                <a:latin typeface="Calibri" panose="020F0502020204030204" pitchFamily="34" charset="0"/>
+                <a:ea typeface="Yu Mincho" panose="02020400000000000000" pitchFamily="18" charset="-128"/>
+                <a:cs typeface="Times New Roman" panose="02020603050405020304" pitchFamily="18" charset="0"/>
+              </a:rPr>
+              <a:t>Abspeichern des Bildobjekts</a:t>
+            </a:r>
+          </a:p>
+          <a:p>
+            <a:pPr marL="742950" lvl="1" indent="-285750">
+              <a:lnSpc>
+                <a:spcPct val="107000"/>
+              </a:lnSpc>
+              <a:buFont typeface="Courier New" panose="02070309020205020404" pitchFamily="49" charset="0"/>
+              <a:buChar char="o"/>
+            </a:pPr>
+            <a:r>
+              <a:rPr lang="de-DE" sz="1200" b="1" dirty="0">
+                <a:effectLst/>
+                <a:latin typeface="Calibri" panose="020F0502020204030204" pitchFamily="34" charset="0"/>
+                <a:ea typeface="Yu Mincho" panose="02020400000000000000" pitchFamily="18" charset="-128"/>
+                <a:cs typeface="Times New Roman" panose="02020603050405020304" pitchFamily="18" charset="0"/>
+              </a:rPr>
+              <a:t>Exit-Kriterien</a:t>
+            </a:r>
+            <a:endParaRPr lang="de-DE" sz="1200" dirty="0">
+              <a:effectLst/>
+              <a:latin typeface="Calibri" panose="020F0502020204030204" pitchFamily="34" charset="0"/>
+              <a:ea typeface="Yu Mincho" panose="02020400000000000000" pitchFamily="18" charset="-128"/>
+              <a:cs typeface="Times New Roman" panose="02020603050405020304" pitchFamily="18" charset="0"/>
+            </a:endParaRPr>
+          </a:p>
+          <a:p>
+            <a:pPr marL="1143000" lvl="2" indent="-228600">
+              <a:lnSpc>
+                <a:spcPct val="107000"/>
+              </a:lnSpc>
+              <a:buFont typeface="Wingdings" panose="05000000000000000000" pitchFamily="2" charset="2"/>
+              <a:buChar char=""/>
+            </a:pPr>
+            <a:r>
+              <a:rPr lang="de-DE" sz="1200" dirty="0">
+                <a:effectLst/>
+                <a:latin typeface="Calibri" panose="020F0502020204030204" pitchFamily="34" charset="0"/>
+                <a:ea typeface="Yu Mincho" panose="02020400000000000000" pitchFamily="18" charset="-128"/>
+                <a:cs typeface="Times New Roman" panose="02020603050405020304" pitchFamily="18" charset="0"/>
+              </a:rPr>
+              <a:t>Funktion konnte aufgerufen werden und Eingaben wurden erfolgreich und korrekt übernommen.</a:t>
+            </a:r>
+          </a:p>
+          <a:p>
+            <a:pPr marL="1143000" lvl="2" indent="-228600">
+              <a:lnSpc>
+                <a:spcPct val="107000"/>
+              </a:lnSpc>
+              <a:buFont typeface="Wingdings" panose="05000000000000000000" pitchFamily="2" charset="2"/>
+              <a:buChar char=""/>
+            </a:pPr>
+            <a:r>
+              <a:rPr lang="de-DE" sz="1200" dirty="0">
+                <a:effectLst/>
+                <a:latin typeface="Calibri" panose="020F0502020204030204" pitchFamily="34" charset="0"/>
+                <a:ea typeface="Yu Mincho" panose="02020400000000000000" pitchFamily="18" charset="-128"/>
+                <a:cs typeface="Times New Roman" panose="02020603050405020304" pitchFamily="18" charset="0"/>
+              </a:rPr>
+              <a:t>Bilddaten konnten erfolgreich geladen werden.</a:t>
+            </a:r>
+          </a:p>
+          <a:p>
+            <a:pPr marL="1143000" lvl="2" indent="-228600">
+              <a:lnSpc>
+                <a:spcPct val="107000"/>
+              </a:lnSpc>
+              <a:buFont typeface="Wingdings" panose="05000000000000000000" pitchFamily="2" charset="2"/>
+              <a:buChar char=""/>
+            </a:pPr>
+            <a:r>
+              <a:rPr lang="de-DE" sz="1200" dirty="0">
+                <a:effectLst/>
+                <a:latin typeface="Calibri" panose="020F0502020204030204" pitchFamily="34" charset="0"/>
+                <a:ea typeface="Yu Mincho" panose="02020400000000000000" pitchFamily="18" charset="-128"/>
+                <a:cs typeface="Times New Roman" panose="02020603050405020304" pitchFamily="18" charset="0"/>
+              </a:rPr>
+              <a:t>Neues Bildobjekt wurde erfolgreich erzeugt und abgespeichert.</a:t>
+            </a:r>
+          </a:p>
+          <a:p>
+            <a:pPr marL="742950" lvl="1" indent="-285750">
+              <a:lnSpc>
+                <a:spcPct val="107000"/>
+              </a:lnSpc>
+              <a:buFont typeface="Courier New" panose="02070309020205020404" pitchFamily="49" charset="0"/>
+              <a:buChar char="o"/>
+            </a:pPr>
+            <a:r>
+              <a:rPr lang="de-DE" sz="1200" b="1" dirty="0">
+                <a:effectLst/>
+                <a:latin typeface="Calibri" panose="020F0502020204030204" pitchFamily="34" charset="0"/>
+                <a:ea typeface="Yu Mincho" panose="02020400000000000000" pitchFamily="18" charset="-128"/>
+                <a:cs typeface="Times New Roman" panose="02020603050405020304" pitchFamily="18" charset="0"/>
+              </a:rPr>
+              <a:t>Fail-Kriterien</a:t>
+            </a:r>
+            <a:endParaRPr lang="de-DE" sz="1200" dirty="0">
+              <a:effectLst/>
+              <a:latin typeface="Calibri" panose="020F0502020204030204" pitchFamily="34" charset="0"/>
+              <a:ea typeface="Yu Mincho" panose="02020400000000000000" pitchFamily="18" charset="-128"/>
+              <a:cs typeface="Times New Roman" panose="02020603050405020304" pitchFamily="18" charset="0"/>
+            </a:endParaRPr>
+          </a:p>
+          <a:p>
+            <a:pPr marL="1143000" lvl="2" indent="-228600">
+              <a:lnSpc>
+                <a:spcPct val="107000"/>
+              </a:lnSpc>
+              <a:buFont typeface="Wingdings" panose="05000000000000000000" pitchFamily="2" charset="2"/>
+              <a:buChar char=""/>
+            </a:pPr>
+            <a:r>
+              <a:rPr lang="de-DE" sz="1200" dirty="0">
+                <a:effectLst/>
+                <a:latin typeface="Calibri" panose="020F0502020204030204" pitchFamily="34" charset="0"/>
+                <a:ea typeface="Yu Mincho" panose="02020400000000000000" pitchFamily="18" charset="-128"/>
+                <a:cs typeface="Times New Roman" panose="02020603050405020304" pitchFamily="18" charset="0"/>
+              </a:rPr>
+              <a:t>Bilddaten konnten gar nicht geladen werden</a:t>
+            </a:r>
+          </a:p>
+          <a:p>
+            <a:pPr marL="1143000" lvl="2" indent="-228600">
+              <a:lnSpc>
+                <a:spcPct val="107000"/>
+              </a:lnSpc>
+              <a:buFont typeface="Wingdings" panose="05000000000000000000" pitchFamily="2" charset="2"/>
+              <a:buChar char=""/>
+            </a:pPr>
+            <a:r>
+              <a:rPr lang="de-DE" sz="1200" dirty="0">
+                <a:effectLst/>
+                <a:latin typeface="Calibri" panose="020F0502020204030204" pitchFamily="34" charset="0"/>
+                <a:ea typeface="Yu Mincho" panose="02020400000000000000" pitchFamily="18" charset="-128"/>
+                <a:cs typeface="Times New Roman" panose="02020603050405020304" pitchFamily="18" charset="0"/>
+              </a:rPr>
+              <a:t>Nur begrenzte Bildformate konnten unterstützt werden</a:t>
+            </a:r>
+          </a:p>
+          <a:p>
+            <a:pPr marL="1143000" lvl="2" indent="-228600">
+              <a:lnSpc>
+                <a:spcPct val="107000"/>
+              </a:lnSpc>
+              <a:buFont typeface="Wingdings" panose="05000000000000000000" pitchFamily="2" charset="2"/>
+              <a:buChar char=""/>
+            </a:pPr>
+            <a:r>
+              <a:rPr lang="de-DE" sz="1200" dirty="0">
+                <a:effectLst/>
+                <a:latin typeface="Calibri" panose="020F0502020204030204" pitchFamily="34" charset="0"/>
+                <a:ea typeface="Yu Mincho" panose="02020400000000000000" pitchFamily="18" charset="-128"/>
+                <a:cs typeface="Times New Roman" panose="02020603050405020304" pitchFamily="18" charset="0"/>
+              </a:rPr>
+              <a:t>Neues Bildobjekt konnte nicht erzeugt werden</a:t>
+            </a:r>
+          </a:p>
+          <a:p>
+            <a:pPr marL="1143000" lvl="2" indent="-228600">
+              <a:lnSpc>
+                <a:spcPct val="107000"/>
+              </a:lnSpc>
+              <a:buFont typeface="Wingdings" panose="05000000000000000000" pitchFamily="2" charset="2"/>
+              <a:buChar char=""/>
+            </a:pPr>
+            <a:r>
+              <a:rPr lang="de-DE" sz="1200" dirty="0">
+                <a:effectLst/>
+                <a:latin typeface="Calibri" panose="020F0502020204030204" pitchFamily="34" charset="0"/>
+                <a:ea typeface="Yu Mincho" panose="02020400000000000000" pitchFamily="18" charset="-128"/>
+                <a:cs typeface="Times New Roman" panose="02020603050405020304" pitchFamily="18" charset="0"/>
+              </a:rPr>
+              <a:t>Bildobjekt konnte nicht abgespeichert werden</a:t>
+            </a:r>
+          </a:p>
+          <a:p>
+            <a:pPr marL="742950" lvl="1" indent="-285750">
+              <a:lnSpc>
+                <a:spcPct val="107000"/>
+              </a:lnSpc>
+              <a:buFont typeface="Courier New" panose="02070309020205020404" pitchFamily="49" charset="0"/>
+              <a:buChar char="o"/>
+            </a:pPr>
+            <a:r>
+              <a:rPr lang="de-DE" sz="1200" b="1" dirty="0" err="1">
+                <a:effectLst/>
+                <a:latin typeface="Calibri" panose="020F0502020204030204" pitchFamily="34" charset="0"/>
+                <a:ea typeface="Yu Mincho" panose="02020400000000000000" pitchFamily="18" charset="-128"/>
+                <a:cs typeface="Times New Roman" panose="02020603050405020304" pitchFamily="18" charset="0"/>
+              </a:rPr>
+              <a:t>Fallback</a:t>
+            </a:r>
+            <a:endParaRPr lang="de-DE" sz="1200" dirty="0">
+              <a:effectLst/>
+              <a:latin typeface="Calibri" panose="020F0502020204030204" pitchFamily="34" charset="0"/>
+              <a:ea typeface="Yu Mincho" panose="02020400000000000000" pitchFamily="18" charset="-128"/>
+              <a:cs typeface="Times New Roman" panose="02020603050405020304" pitchFamily="18" charset="0"/>
+            </a:endParaRPr>
+          </a:p>
+          <a:p>
+            <a:pPr marL="1143000" lvl="2" indent="-228600">
+              <a:lnSpc>
+                <a:spcPct val="107000"/>
+              </a:lnSpc>
+              <a:buFont typeface="Wingdings" panose="05000000000000000000" pitchFamily="2" charset="2"/>
+              <a:buChar char=""/>
+            </a:pPr>
+            <a:r>
+              <a:rPr lang="de-DE" sz="1200" dirty="0">
+                <a:effectLst/>
+                <a:latin typeface="Calibri" panose="020F0502020204030204" pitchFamily="34" charset="0"/>
+                <a:ea typeface="Yu Mincho" panose="02020400000000000000" pitchFamily="18" charset="-128"/>
+                <a:cs typeface="Times New Roman" panose="02020603050405020304" pitchFamily="18" charset="0"/>
+              </a:rPr>
+              <a:t>Aus Eindeutige Fehlermeldung wenn technische Fehler bei der Ausführung der Upload Funktion erfolgen</a:t>
+            </a:r>
+          </a:p>
+          <a:p>
+            <a:pPr marL="1143000" lvl="2" indent="-228600">
+              <a:lnSpc>
+                <a:spcPct val="107000"/>
+              </a:lnSpc>
+              <a:buFont typeface="Wingdings" panose="05000000000000000000" pitchFamily="2" charset="2"/>
+              <a:buChar char=""/>
+            </a:pPr>
+            <a:r>
+              <a:rPr lang="de-DE" sz="1200" dirty="0">
+                <a:effectLst/>
+                <a:latin typeface="Calibri" panose="020F0502020204030204" pitchFamily="34" charset="0"/>
+                <a:ea typeface="Yu Mincho" panose="02020400000000000000" pitchFamily="18" charset="-128"/>
+                <a:cs typeface="Times New Roman" panose="02020603050405020304" pitchFamily="18" charset="0"/>
+              </a:rPr>
+              <a:t>Bild wird ohne Metadaten gespeichert</a:t>
+            </a:r>
+          </a:p>
+          <a:p>
+            <a:pPr marL="1143000" lvl="2" indent="-228600">
+              <a:lnSpc>
+                <a:spcPct val="107000"/>
+              </a:lnSpc>
+              <a:spcAft>
+                <a:spcPts val="800"/>
+              </a:spcAft>
+              <a:buFont typeface="Wingdings" panose="05000000000000000000" pitchFamily="2" charset="2"/>
+              <a:buChar char=""/>
+            </a:pPr>
+            <a:r>
+              <a:rPr lang="de-DE" sz="1200" dirty="0">
+                <a:effectLst/>
+                <a:latin typeface="Calibri" panose="020F0502020204030204" pitchFamily="34" charset="0"/>
+                <a:ea typeface="Yu Mincho" panose="02020400000000000000" pitchFamily="18" charset="-128"/>
+                <a:cs typeface="Times New Roman" panose="02020603050405020304" pitchFamily="18" charset="0"/>
+              </a:rPr>
+              <a:t>Es werden begrenzte Bildformate gefordert</a:t>
+            </a:r>
+            <a:endParaRPr lang="de-DE" sz="1200" dirty="0">
+              <a:effectLst/>
+              <a:latin typeface="Calibri" panose="020F0502020204030204" pitchFamily="34" charset="0"/>
+              <a:ea typeface="Calibri" panose="020F0502020204030204" pitchFamily="34" charset="0"/>
+              <a:cs typeface="Times New Roman" panose="02020603050405020304" pitchFamily="18" charset="0"/>
+            </a:endParaRPr>
+          </a:p>
+        </p:txBody>
+      </p:sp>
+      <p:sp>
+        <p:nvSpPr>
+          <p:cNvPr id="6" name="Inhaltsplatzhalter 5">
+            <a:extLst>
+              <a:ext uri="{FF2B5EF4-FFF2-40B4-BE49-F238E27FC236}">
+                <a16:creationId xmlns:a16="http://schemas.microsoft.com/office/drawing/2014/main" id="{D27F10EA-731C-BC21-64B1-413E86CA7C17}"/>
+              </a:ext>
+            </a:extLst>
+          </p:cNvPr>
+          <p:cNvSpPr>
+            <a:spLocks noGrp="1"/>
+          </p:cNvSpPr>
+          <p:nvPr>
+            <p:ph sz="half" idx="2"/>
+          </p:nvPr>
+        </p:nvSpPr>
+        <p:spPr>
+          <a:xfrm>
+            <a:off x="6172200" y="1825625"/>
+            <a:ext cx="5181600" cy="4769728"/>
+          </a:xfrm>
+        </p:spPr>
+        <p:txBody>
+          <a:bodyPr anchor="t" anchorCtr="0">
+            <a:normAutofit fontScale="92500" lnSpcReduction="20000"/>
+          </a:bodyPr>
+          <a:lstStyle/>
+          <a:p>
+            <a:pPr marL="342900" lvl="0" indent="-342900">
+              <a:lnSpc>
+                <a:spcPct val="107000"/>
+              </a:lnSpc>
+              <a:buFont typeface="Symbol" panose="05050102010706020507" pitchFamily="18" charset="2"/>
+              <a:buChar char=""/>
+            </a:pPr>
+            <a:r>
+              <a:rPr lang="de-DE" sz="1100" u="sng" dirty="0">
+                <a:effectLst/>
+                <a:latin typeface="Calibri" panose="020F0502020204030204" pitchFamily="34" charset="0"/>
+                <a:ea typeface="Yu Mincho" panose="02020400000000000000" pitchFamily="18" charset="-128"/>
+                <a:cs typeface="Times New Roman" panose="02020603050405020304" pitchFamily="18" charset="0"/>
+              </a:rPr>
+              <a:t>Aufruf eines gespeicherten Bildes</a:t>
+            </a:r>
+            <a:endParaRPr lang="de-DE" sz="1100" dirty="0">
+              <a:effectLst/>
+              <a:latin typeface="Calibri" panose="020F0502020204030204" pitchFamily="34" charset="0"/>
+              <a:ea typeface="Yu Mincho" panose="02020400000000000000" pitchFamily="18" charset="-128"/>
+              <a:cs typeface="Times New Roman" panose="02020603050405020304" pitchFamily="18" charset="0"/>
+            </a:endParaRPr>
+          </a:p>
+          <a:p>
+            <a:pPr marL="742950" lvl="1" indent="-285750">
+              <a:lnSpc>
+                <a:spcPct val="107000"/>
+              </a:lnSpc>
+              <a:buFont typeface="Courier New" panose="02070309020205020404" pitchFamily="49" charset="0"/>
+              <a:buChar char="o"/>
+            </a:pPr>
+            <a:r>
+              <a:rPr lang="de-DE" sz="1100" b="1" dirty="0">
+                <a:effectLst/>
+                <a:latin typeface="Calibri" panose="020F0502020204030204" pitchFamily="34" charset="0"/>
+                <a:ea typeface="Yu Mincho" panose="02020400000000000000" pitchFamily="18" charset="-128"/>
+                <a:cs typeface="Times New Roman" panose="02020603050405020304" pitchFamily="18" charset="0"/>
+              </a:rPr>
+              <a:t>Ablauf</a:t>
+            </a:r>
+            <a:endParaRPr lang="de-DE" sz="1100" dirty="0">
+              <a:effectLst/>
+              <a:latin typeface="Calibri" panose="020F0502020204030204" pitchFamily="34" charset="0"/>
+              <a:ea typeface="Yu Mincho" panose="02020400000000000000" pitchFamily="18" charset="-128"/>
+              <a:cs typeface="Times New Roman" panose="02020603050405020304" pitchFamily="18" charset="0"/>
+            </a:endParaRPr>
+          </a:p>
+          <a:p>
+            <a:pPr marL="1143000" lvl="2" indent="-228600">
+              <a:lnSpc>
+                <a:spcPct val="107000"/>
+              </a:lnSpc>
+              <a:buFont typeface="Wingdings" panose="05000000000000000000" pitchFamily="2" charset="2"/>
+              <a:buChar char=""/>
+            </a:pPr>
+            <a:r>
+              <a:rPr lang="de-DE" sz="1100" dirty="0">
+                <a:effectLst/>
+                <a:latin typeface="Calibri" panose="020F0502020204030204" pitchFamily="34" charset="0"/>
+                <a:ea typeface="Yu Mincho" panose="02020400000000000000" pitchFamily="18" charset="-128"/>
+                <a:cs typeface="Times New Roman" panose="02020603050405020304" pitchFamily="18" charset="0"/>
+              </a:rPr>
+              <a:t>Bild wird aus persistentem Speicher geladen</a:t>
+            </a:r>
+          </a:p>
+          <a:p>
+            <a:pPr marL="1143000" lvl="2" indent="-228600">
+              <a:lnSpc>
+                <a:spcPct val="107000"/>
+              </a:lnSpc>
+              <a:buFont typeface="Wingdings" panose="05000000000000000000" pitchFamily="2" charset="2"/>
+              <a:buChar char=""/>
+            </a:pPr>
+            <a:r>
+              <a:rPr lang="de-DE" sz="1100" dirty="0">
+                <a:effectLst/>
+                <a:latin typeface="Calibri" panose="020F0502020204030204" pitchFamily="34" charset="0"/>
+                <a:ea typeface="Yu Mincho" panose="02020400000000000000" pitchFamily="18" charset="-128"/>
+                <a:cs typeface="Times New Roman" panose="02020603050405020304" pitchFamily="18" charset="0"/>
+              </a:rPr>
+              <a:t>Ansicht des Bildobjekts erzeugen</a:t>
+            </a:r>
+          </a:p>
+          <a:p>
+            <a:pPr marL="742950" lvl="1" indent="-285750">
+              <a:lnSpc>
+                <a:spcPct val="107000"/>
+              </a:lnSpc>
+              <a:buFont typeface="Courier New" panose="02070309020205020404" pitchFamily="49" charset="0"/>
+              <a:buChar char="o"/>
+            </a:pPr>
+            <a:r>
+              <a:rPr lang="de-DE" sz="1100" b="1" dirty="0">
+                <a:effectLst/>
+                <a:latin typeface="Calibri" panose="020F0502020204030204" pitchFamily="34" charset="0"/>
+                <a:ea typeface="Yu Mincho" panose="02020400000000000000" pitchFamily="18" charset="-128"/>
+                <a:cs typeface="Times New Roman" panose="02020603050405020304" pitchFamily="18" charset="0"/>
+              </a:rPr>
+              <a:t>Exit-Kriterien</a:t>
+            </a:r>
+            <a:endParaRPr lang="de-DE" sz="1100" dirty="0">
+              <a:effectLst/>
+              <a:latin typeface="Calibri" panose="020F0502020204030204" pitchFamily="34" charset="0"/>
+              <a:ea typeface="Yu Mincho" panose="02020400000000000000" pitchFamily="18" charset="-128"/>
+              <a:cs typeface="Times New Roman" panose="02020603050405020304" pitchFamily="18" charset="0"/>
+            </a:endParaRPr>
+          </a:p>
+          <a:p>
+            <a:pPr marL="1143000" lvl="2" indent="-228600">
+              <a:lnSpc>
+                <a:spcPct val="107000"/>
+              </a:lnSpc>
+              <a:buFont typeface="Wingdings" panose="05000000000000000000" pitchFamily="2" charset="2"/>
+              <a:buChar char=""/>
+            </a:pPr>
+            <a:r>
+              <a:rPr lang="de-DE" sz="1100" dirty="0">
+                <a:effectLst/>
+                <a:latin typeface="Calibri" panose="020F0502020204030204" pitchFamily="34" charset="0"/>
+                <a:ea typeface="Yu Mincho" panose="02020400000000000000" pitchFamily="18" charset="-128"/>
+                <a:cs typeface="Times New Roman" panose="02020603050405020304" pitchFamily="18" charset="0"/>
+              </a:rPr>
+              <a:t>Bild wurde erfolgreich aus persistentem Speicher geladen</a:t>
+            </a:r>
+          </a:p>
+          <a:p>
+            <a:pPr marL="1143000" lvl="2" indent="-228600">
+              <a:lnSpc>
+                <a:spcPct val="107000"/>
+              </a:lnSpc>
+              <a:buFont typeface="Wingdings" panose="05000000000000000000" pitchFamily="2" charset="2"/>
+              <a:buChar char=""/>
+            </a:pPr>
+            <a:r>
+              <a:rPr lang="de-DE" sz="1100" dirty="0">
+                <a:effectLst/>
+                <a:latin typeface="Calibri" panose="020F0502020204030204" pitchFamily="34" charset="0"/>
+                <a:ea typeface="Yu Mincho" panose="02020400000000000000" pitchFamily="18" charset="-128"/>
+                <a:cs typeface="Times New Roman" panose="02020603050405020304" pitchFamily="18" charset="0"/>
+              </a:rPr>
+              <a:t>Ansicht wurde erfolgreich erzeugt.</a:t>
+            </a:r>
+          </a:p>
+          <a:p>
+            <a:pPr marL="742950" lvl="1" indent="-285750">
+              <a:lnSpc>
+                <a:spcPct val="107000"/>
+              </a:lnSpc>
+              <a:buFont typeface="Courier New" panose="02070309020205020404" pitchFamily="49" charset="0"/>
+              <a:buChar char="o"/>
+            </a:pPr>
+            <a:r>
+              <a:rPr lang="de-DE" sz="1100" b="1" dirty="0">
+                <a:effectLst/>
+                <a:latin typeface="Calibri" panose="020F0502020204030204" pitchFamily="34" charset="0"/>
+                <a:ea typeface="Yu Mincho" panose="02020400000000000000" pitchFamily="18" charset="-128"/>
+                <a:cs typeface="Times New Roman" panose="02020603050405020304" pitchFamily="18" charset="0"/>
+              </a:rPr>
+              <a:t>Fail-Kriterien</a:t>
+            </a:r>
+            <a:endParaRPr lang="de-DE" sz="1100" dirty="0">
+              <a:effectLst/>
+              <a:latin typeface="Calibri" panose="020F0502020204030204" pitchFamily="34" charset="0"/>
+              <a:ea typeface="Yu Mincho" panose="02020400000000000000" pitchFamily="18" charset="-128"/>
+              <a:cs typeface="Times New Roman" panose="02020603050405020304" pitchFamily="18" charset="0"/>
+            </a:endParaRPr>
+          </a:p>
+          <a:p>
+            <a:pPr marL="1143000" lvl="2" indent="-228600">
+              <a:lnSpc>
+                <a:spcPct val="107000"/>
+              </a:lnSpc>
+              <a:buFont typeface="Wingdings" panose="05000000000000000000" pitchFamily="2" charset="2"/>
+              <a:buChar char=""/>
+            </a:pPr>
+            <a:r>
+              <a:rPr lang="de-DE" sz="1100" dirty="0">
+                <a:effectLst/>
+                <a:latin typeface="Calibri" panose="020F0502020204030204" pitchFamily="34" charset="0"/>
+                <a:ea typeface="Yu Mincho" panose="02020400000000000000" pitchFamily="18" charset="-128"/>
+                <a:cs typeface="Times New Roman" panose="02020603050405020304" pitchFamily="18" charset="0"/>
+              </a:rPr>
+              <a:t>Bild wurde nicht aus persistentem Speicher geladen</a:t>
+            </a:r>
+          </a:p>
+          <a:p>
+            <a:pPr marL="1143000" lvl="2" indent="-228600">
+              <a:lnSpc>
+                <a:spcPct val="107000"/>
+              </a:lnSpc>
+              <a:buFont typeface="Wingdings" panose="05000000000000000000" pitchFamily="2" charset="2"/>
+              <a:buChar char=""/>
+            </a:pPr>
+            <a:r>
+              <a:rPr lang="de-DE" sz="1100" dirty="0">
+                <a:effectLst/>
+                <a:latin typeface="Calibri" panose="020F0502020204030204" pitchFamily="34" charset="0"/>
+                <a:ea typeface="Yu Mincho" panose="02020400000000000000" pitchFamily="18" charset="-128"/>
+                <a:cs typeface="Times New Roman" panose="02020603050405020304" pitchFamily="18" charset="0"/>
+              </a:rPr>
+              <a:t>Ansicht wurde nicht erzeugt</a:t>
+            </a:r>
+          </a:p>
+          <a:p>
+            <a:pPr marL="742950" lvl="1" indent="-285750">
+              <a:lnSpc>
+                <a:spcPct val="107000"/>
+              </a:lnSpc>
+              <a:buFont typeface="Courier New" panose="02070309020205020404" pitchFamily="49" charset="0"/>
+              <a:buChar char="o"/>
+            </a:pPr>
+            <a:r>
+              <a:rPr lang="de-DE" sz="1100" b="1" dirty="0" err="1">
+                <a:effectLst/>
+                <a:latin typeface="Calibri" panose="020F0502020204030204" pitchFamily="34" charset="0"/>
+                <a:ea typeface="Yu Mincho" panose="02020400000000000000" pitchFamily="18" charset="-128"/>
+                <a:cs typeface="Times New Roman" panose="02020603050405020304" pitchFamily="18" charset="0"/>
+              </a:rPr>
+              <a:t>Fallback</a:t>
+            </a:r>
+            <a:endParaRPr lang="de-DE" sz="1100" dirty="0">
+              <a:effectLst/>
+              <a:latin typeface="Calibri" panose="020F0502020204030204" pitchFamily="34" charset="0"/>
+              <a:ea typeface="Yu Mincho" panose="02020400000000000000" pitchFamily="18" charset="-128"/>
+              <a:cs typeface="Times New Roman" panose="02020603050405020304" pitchFamily="18" charset="0"/>
+            </a:endParaRPr>
+          </a:p>
+          <a:p>
+            <a:pPr marL="1143000" lvl="2" indent="-228600">
+              <a:lnSpc>
+                <a:spcPct val="107000"/>
+              </a:lnSpc>
+              <a:buFont typeface="Wingdings" panose="05000000000000000000" pitchFamily="2" charset="2"/>
+              <a:buChar char=""/>
+            </a:pPr>
+            <a:r>
+              <a:rPr lang="de-DE" sz="1100" dirty="0">
+                <a:effectLst/>
+                <a:latin typeface="Calibri" panose="020F0502020204030204" pitchFamily="34" charset="0"/>
+                <a:ea typeface="Yu Mincho" panose="02020400000000000000" pitchFamily="18" charset="-128"/>
+                <a:cs typeface="Times New Roman" panose="02020603050405020304" pitchFamily="18" charset="0"/>
+              </a:rPr>
+              <a:t>Eindeutige Fehlermeldung anzeigen</a:t>
+            </a:r>
+          </a:p>
+          <a:p>
+            <a:pPr marL="1143000" lvl="2" indent="-228600">
+              <a:lnSpc>
+                <a:spcPct val="107000"/>
+              </a:lnSpc>
+              <a:spcAft>
+                <a:spcPts val="800"/>
+              </a:spcAft>
+              <a:buFont typeface="Wingdings" panose="05000000000000000000" pitchFamily="2" charset="2"/>
+              <a:buChar char=""/>
+            </a:pPr>
+            <a:r>
+              <a:rPr lang="de-DE" sz="1100" dirty="0">
+                <a:effectLst/>
+                <a:latin typeface="Calibri" panose="020F0502020204030204" pitchFamily="34" charset="0"/>
+                <a:ea typeface="Yu Mincho" panose="02020400000000000000" pitchFamily="18" charset="-128"/>
+                <a:cs typeface="Times New Roman" panose="02020603050405020304" pitchFamily="18" charset="0"/>
+              </a:rPr>
+              <a:t>Aufforderung zum neu laden mitteilen</a:t>
+            </a:r>
+          </a:p>
+        </p:txBody>
+      </p:sp>
+      <p:sp>
+        <p:nvSpPr>
+          <p:cNvPr id="5" name="Foliennummernplatzhalter 4">
+            <a:extLst>
+              <a:ext uri="{FF2B5EF4-FFF2-40B4-BE49-F238E27FC236}">
+                <a16:creationId xmlns:a16="http://schemas.microsoft.com/office/drawing/2014/main" id="{7B246376-21DF-8BF4-A1FD-B77C22C28AAB}"/>
+              </a:ext>
+            </a:extLst>
+          </p:cNvPr>
+          <p:cNvSpPr>
+            <a:spLocks noGrp="1"/>
+          </p:cNvSpPr>
+          <p:nvPr>
+            <p:ph type="sldNum" sz="quarter" idx="12"/>
+          </p:nvPr>
+        </p:nvSpPr>
+        <p:spPr/>
+        <p:txBody>
+          <a:bodyPr/>
+          <a:lstStyle/>
+          <a:p>
+            <a:fld id="{4FD190AE-D9AE-4074-AAED-D637288AF7F0}" type="slidenum">
+              <a:rPr lang="de-DE" sz="2000" smtClean="0">
+                <a:solidFill>
+                  <a:schemeClr val="tx1"/>
+                </a:solidFill>
+              </a:rPr>
+              <a:t>6</a:t>
+            </a:fld>
+            <a:endParaRPr lang="de-DE" sz="2000" dirty="0">
+              <a:solidFill>
+                <a:schemeClr val="tx1"/>
+              </a:solidFill>
+            </a:endParaRPr>
+          </a:p>
+        </p:txBody>
+      </p:sp>
+    </p:spTree>
+    <p:extLst>
+      <p:ext uri="{BB962C8B-B14F-4D97-AF65-F5344CB8AC3E}">
+        <p14:creationId xmlns:p14="http://schemas.microsoft.com/office/powerpoint/2010/main" val="1195816902"/>
+      </p:ext>
+    </p:extLst>
+  </p:cSld>
+  <p:clrMapOvr>
+    <a:masterClrMapping/>
+  </p:clrMapOvr>
+</p:sld>
+</file>
+
+<file path=ppt/slides/slide7.xml><?xml version="1.0" encoding="utf-8"?>
+<p:sld xmlns:a="http://schemas.openxmlformats.org/drawingml/2006/main" xmlns:r="http://schemas.openxmlformats.org/officeDocument/2006/relationships" xmlns:p="http://schemas.openxmlformats.org/presentationml/2006/main">
+  <p:cSld>
+    <p:spTree>
+      <p:nvGrpSpPr>
+        <p:cNvPr id="1" name=""/>
+        <p:cNvGrpSpPr/>
+        <p:nvPr/>
+      </p:nvGrpSpPr>
+      <p:grpSpPr>
+        <a:xfrm>
+          <a:off x="0" y="0"/>
+          <a:ext cx="0" cy="0"/>
+          <a:chOff x="0" y="0"/>
+          <a:chExt cx="0" cy="0"/>
+        </a:xfrm>
+      </p:grpSpPr>
+      <p:sp>
+        <p:nvSpPr>
+          <p:cNvPr id="2" name="Titel 1">
+            <a:extLst>
+              <a:ext uri="{FF2B5EF4-FFF2-40B4-BE49-F238E27FC236}">
+                <a16:creationId xmlns:a16="http://schemas.microsoft.com/office/drawing/2014/main" id="{4AC7DED0-9976-693C-8B24-D84F23C8E7B6}"/>
+              </a:ext>
+            </a:extLst>
+          </p:cNvPr>
+          <p:cNvSpPr>
+            <a:spLocks noGrp="1"/>
+          </p:cNvSpPr>
+          <p:nvPr>
+            <p:ph type="title"/>
+          </p:nvPr>
+        </p:nvSpPr>
+        <p:spPr/>
+        <p:txBody>
+          <a:bodyPr/>
+          <a:lstStyle/>
+          <a:p>
+            <a:pPr algn="ctr"/>
+            <a:r>
+              <a:rPr lang="de-DE" dirty="0"/>
               <a:t>POC Pub/Sub</a:t>
             </a:r>
           </a:p>
@@ -8940,7 +9364,7 @@
                   <a:schemeClr val="tx1"/>
                 </a:solidFill>
               </a:rPr>
-              <a:t>6</a:t>
+              <a:t>7</a:t>
             </a:fld>
             <a:endParaRPr lang="de-DE" sz="2000" dirty="0">
               <a:solidFill>
@@ -9354,828 +9778,6 @@
 </p:sld>
 </file>
 
-<file path=ppt/slides/slide7.xml><?xml version="1.0" encoding="utf-8"?>
-<p:sld xmlns:a="http://schemas.openxmlformats.org/drawingml/2006/main" xmlns:r="http://schemas.openxmlformats.org/officeDocument/2006/relationships" xmlns:p="http://schemas.openxmlformats.org/presentationml/2006/main">
-  <p:cSld>
-    <p:spTree>
-      <p:nvGrpSpPr>
-        <p:cNvPr id="1" name=""/>
-        <p:cNvGrpSpPr/>
-        <p:nvPr/>
-      </p:nvGrpSpPr>
-      <p:grpSpPr>
-        <a:xfrm>
-          <a:off x="0" y="0"/>
-          <a:ext cx="0" cy="0"/>
-          <a:chOff x="0" y="0"/>
-          <a:chExt cx="0" cy="0"/>
-        </a:xfrm>
-      </p:grpSpPr>
-      <p:sp>
-        <p:nvSpPr>
-          <p:cNvPr id="2" name="Title 1">
-            <a:extLst>
-              <a:ext uri="{FF2B5EF4-FFF2-40B4-BE49-F238E27FC236}">
-                <a16:creationId xmlns:a16="http://schemas.microsoft.com/office/drawing/2014/main" id="{2D9F1241-A252-A34F-D19E-A0B70EDCC08C}"/>
-              </a:ext>
-            </a:extLst>
-          </p:cNvPr>
-          <p:cNvSpPr>
-            <a:spLocks noGrp="1"/>
-          </p:cNvSpPr>
-          <p:nvPr>
-            <p:ph type="title"/>
-          </p:nvPr>
-        </p:nvSpPr>
-        <p:spPr/>
-        <p:txBody>
-          <a:bodyPr/>
-          <a:lstStyle/>
-          <a:p>
-            <a:pPr algn="ctr"/>
-            <a:r>
-              <a:rPr lang="en-GB" dirty="0"/>
-              <a:t>POC Login</a:t>
-            </a:r>
-          </a:p>
-        </p:txBody>
-      </p:sp>
-      <p:sp>
-        <p:nvSpPr>
-          <p:cNvPr id="3" name="Content Placeholder 2">
-            <a:extLst>
-              <a:ext uri="{FF2B5EF4-FFF2-40B4-BE49-F238E27FC236}">
-                <a16:creationId xmlns:a16="http://schemas.microsoft.com/office/drawing/2014/main" id="{DE1BEAB3-472D-EF93-8F10-79654B2530AF}"/>
-              </a:ext>
-            </a:extLst>
-          </p:cNvPr>
-          <p:cNvSpPr>
-            <a:spLocks noGrp="1"/>
-          </p:cNvSpPr>
-          <p:nvPr>
-            <p:ph idx="1"/>
-          </p:nvPr>
-        </p:nvSpPr>
-        <p:spPr/>
-        <p:txBody>
-          <a:bodyPr numCol="2">
-            <a:normAutofit/>
-          </a:bodyPr>
-          <a:lstStyle/>
-          <a:p>
-            <a:pPr marL="342900" lvl="0" indent="-342900">
-              <a:lnSpc>
-                <a:spcPct val="107000"/>
-              </a:lnSpc>
-              <a:buFont typeface="Symbol" panose="05050102010706020507" pitchFamily="18" charset="2"/>
-              <a:buChar char=""/>
-            </a:pPr>
-            <a:r>
-              <a:rPr lang="de-DE" sz="1400" u="sng" dirty="0">
-                <a:solidFill>
-                  <a:srgbClr val="000000"/>
-                </a:solidFill>
-                <a:effectLst/>
-                <a:latin typeface="Calibri" panose="020F0502020204030204" pitchFamily="34" charset="0"/>
-                <a:ea typeface="游明朝" panose="02020400000000000000" pitchFamily="18" charset="-128"/>
-                <a:cs typeface="Times New Roman" panose="02020603050405020304" pitchFamily="18" charset="0"/>
-              </a:rPr>
-              <a:t>Login</a:t>
-            </a:r>
-            <a:endParaRPr lang="en-GB" sz="1200" dirty="0">
-              <a:effectLst/>
-              <a:latin typeface="Calibri" panose="020F0502020204030204" pitchFamily="34" charset="0"/>
-              <a:ea typeface="游明朝" panose="02020400000000000000" pitchFamily="18" charset="-128"/>
-              <a:cs typeface="Times New Roman" panose="02020603050405020304" pitchFamily="18" charset="0"/>
-            </a:endParaRPr>
-          </a:p>
-          <a:p>
-            <a:pPr marL="742950" lvl="1" indent="-285750">
-              <a:lnSpc>
-                <a:spcPct val="107000"/>
-              </a:lnSpc>
-              <a:buFont typeface="Courier New" panose="02070309020205020404" pitchFamily="49" charset="0"/>
-              <a:buChar char="o"/>
-            </a:pPr>
-            <a:r>
-              <a:rPr lang="de-DE" sz="1200" b="1" dirty="0">
-                <a:solidFill>
-                  <a:srgbClr val="000000"/>
-                </a:solidFill>
-                <a:effectLst/>
-                <a:latin typeface="Calibri" panose="020F0502020204030204" pitchFamily="34" charset="0"/>
-                <a:ea typeface="游明朝" panose="02020400000000000000" pitchFamily="18" charset="-128"/>
-                <a:cs typeface="Times New Roman" panose="02020603050405020304" pitchFamily="18" charset="0"/>
-              </a:rPr>
-              <a:t>Ablauf</a:t>
-            </a:r>
-            <a:endParaRPr lang="en-GB" sz="1200" dirty="0">
-              <a:effectLst/>
-              <a:latin typeface="Calibri" panose="020F0502020204030204" pitchFamily="34" charset="0"/>
-              <a:ea typeface="游明朝" panose="02020400000000000000" pitchFamily="18" charset="-128"/>
-              <a:cs typeface="Times New Roman" panose="02020603050405020304" pitchFamily="18" charset="0"/>
-            </a:endParaRPr>
-          </a:p>
-          <a:p>
-            <a:pPr marL="1143000" lvl="2" indent="-228600">
-              <a:lnSpc>
-                <a:spcPct val="107000"/>
-              </a:lnSpc>
-              <a:buFont typeface="Wingdings" panose="05000000000000000000" pitchFamily="2" charset="2"/>
-              <a:buChar char=""/>
-            </a:pPr>
-            <a:r>
-              <a:rPr lang="de-DE" sz="1200" dirty="0">
-                <a:solidFill>
-                  <a:srgbClr val="000000"/>
-                </a:solidFill>
-                <a:effectLst/>
-                <a:latin typeface="Calibri" panose="020F0502020204030204" pitchFamily="34" charset="0"/>
-                <a:ea typeface="游明朝" panose="02020400000000000000" pitchFamily="18" charset="-128"/>
-                <a:cs typeface="Times New Roman" panose="02020603050405020304" pitchFamily="18" charset="0"/>
-              </a:rPr>
-              <a:t>Abfrage nach Username/Email - Passwort Dataset</a:t>
-            </a:r>
-            <a:endParaRPr lang="en-GB" sz="1200" dirty="0">
-              <a:effectLst/>
-              <a:latin typeface="Calibri" panose="020F0502020204030204" pitchFamily="34" charset="0"/>
-              <a:ea typeface="游明朝" panose="02020400000000000000" pitchFamily="18" charset="-128"/>
-              <a:cs typeface="Times New Roman" panose="02020603050405020304" pitchFamily="18" charset="0"/>
-            </a:endParaRPr>
-          </a:p>
-          <a:p>
-            <a:pPr marL="1143000" lvl="2" indent="-228600">
-              <a:lnSpc>
-                <a:spcPct val="107000"/>
-              </a:lnSpc>
-              <a:buFont typeface="Wingdings" panose="05000000000000000000" pitchFamily="2" charset="2"/>
-              <a:buChar char=""/>
-            </a:pPr>
-            <a:r>
-              <a:rPr lang="de-DE" sz="1200" dirty="0">
-                <a:solidFill>
-                  <a:srgbClr val="000000"/>
-                </a:solidFill>
-                <a:effectLst/>
-                <a:latin typeface="Calibri" panose="020F0502020204030204" pitchFamily="34" charset="0"/>
-                <a:ea typeface="游明朝" panose="02020400000000000000" pitchFamily="18" charset="-128"/>
-                <a:cs typeface="Times New Roman" panose="02020603050405020304" pitchFamily="18" charset="0"/>
-              </a:rPr>
-              <a:t>Systemzugriff auf Registry mit allen Username/Email-PW Datasets</a:t>
-            </a:r>
-          </a:p>
-          <a:p>
-            <a:pPr marL="1143000" lvl="2" indent="-228600">
-              <a:lnSpc>
-                <a:spcPct val="107000"/>
-              </a:lnSpc>
-              <a:buFont typeface="Wingdings" panose="05000000000000000000" pitchFamily="2" charset="2"/>
-              <a:buChar char=""/>
-            </a:pPr>
-            <a:r>
-              <a:rPr lang="de-DE" sz="1200" dirty="0">
-                <a:solidFill>
-                  <a:srgbClr val="000000"/>
-                </a:solidFill>
-                <a:latin typeface="Calibri" panose="020F0502020204030204" pitchFamily="34" charset="0"/>
-                <a:ea typeface="游明朝" panose="02020400000000000000" pitchFamily="18" charset="-128"/>
-                <a:cs typeface="Times New Roman" panose="02020603050405020304" pitchFamily="18" charset="0"/>
-              </a:rPr>
-              <a:t>Deserialisation der Registry zu Userliste</a:t>
-            </a:r>
-            <a:endParaRPr lang="en-GB" sz="1200" dirty="0">
-              <a:effectLst/>
-              <a:latin typeface="Calibri" panose="020F0502020204030204" pitchFamily="34" charset="0"/>
-              <a:ea typeface="游明朝" panose="02020400000000000000" pitchFamily="18" charset="-128"/>
-              <a:cs typeface="Times New Roman" panose="02020603050405020304" pitchFamily="18" charset="0"/>
-            </a:endParaRPr>
-          </a:p>
-          <a:p>
-            <a:pPr marL="1143000" lvl="2" indent="-228600">
-              <a:lnSpc>
-                <a:spcPct val="107000"/>
-              </a:lnSpc>
-              <a:buFont typeface="Wingdings" panose="05000000000000000000" pitchFamily="2" charset="2"/>
-              <a:buChar char=""/>
-            </a:pPr>
-            <a:r>
-              <a:rPr lang="de-DE" sz="1200" dirty="0">
-                <a:solidFill>
-                  <a:srgbClr val="000000"/>
-                </a:solidFill>
-                <a:effectLst/>
-                <a:latin typeface="Calibri" panose="020F0502020204030204" pitchFamily="34" charset="0"/>
-                <a:ea typeface="游明朝" panose="02020400000000000000" pitchFamily="18" charset="-128"/>
-                <a:cs typeface="Times New Roman" panose="02020603050405020304" pitchFamily="18" charset="0"/>
-              </a:rPr>
-              <a:t>Vergleich mit </a:t>
-            </a:r>
-            <a:r>
-              <a:rPr lang="en-GB" sz="1200" dirty="0" err="1">
-                <a:solidFill>
-                  <a:srgbClr val="000000"/>
-                </a:solidFill>
-                <a:effectLst/>
-                <a:latin typeface="Calibri" panose="020F0502020204030204" pitchFamily="34" charset="0"/>
-                <a:ea typeface="游明朝" panose="02020400000000000000" pitchFamily="18" charset="-128"/>
-                <a:cs typeface="Times New Roman" panose="02020603050405020304" pitchFamily="18" charset="0"/>
-              </a:rPr>
-              <a:t>Userliste</a:t>
-            </a:r>
-            <a:endParaRPr lang="en-GB" sz="1200" dirty="0">
-              <a:effectLst/>
-              <a:latin typeface="Calibri" panose="020F0502020204030204" pitchFamily="34" charset="0"/>
-              <a:ea typeface="游明朝" panose="02020400000000000000" pitchFamily="18" charset="-128"/>
-              <a:cs typeface="Times New Roman" panose="02020603050405020304" pitchFamily="18" charset="0"/>
-            </a:endParaRPr>
-          </a:p>
-          <a:p>
-            <a:pPr marL="1143000" lvl="2" indent="-228600">
-              <a:lnSpc>
-                <a:spcPct val="107000"/>
-              </a:lnSpc>
-              <a:buFont typeface="Wingdings" panose="05000000000000000000" pitchFamily="2" charset="2"/>
-              <a:buChar char=""/>
-            </a:pPr>
-            <a:r>
-              <a:rPr lang="de-DE" sz="1200" dirty="0">
-                <a:solidFill>
-                  <a:srgbClr val="000000"/>
-                </a:solidFill>
-                <a:effectLst/>
-                <a:latin typeface="Calibri" panose="020F0502020204030204" pitchFamily="34" charset="0"/>
-                <a:ea typeface="游明朝" panose="02020400000000000000" pitchFamily="18" charset="-128"/>
-                <a:cs typeface="Times New Roman" panose="02020603050405020304" pitchFamily="18" charset="0"/>
-              </a:rPr>
-              <a:t>Bei gefundener Übereinstimmung -&gt; Ansicht des Heimatorts</a:t>
-            </a:r>
-            <a:endParaRPr lang="en-GB" sz="1200" dirty="0">
-              <a:effectLst/>
-              <a:latin typeface="Calibri" panose="020F0502020204030204" pitchFamily="34" charset="0"/>
-              <a:ea typeface="游明朝" panose="02020400000000000000" pitchFamily="18" charset="-128"/>
-              <a:cs typeface="Times New Roman" panose="02020603050405020304" pitchFamily="18" charset="0"/>
-            </a:endParaRPr>
-          </a:p>
-          <a:p>
-            <a:pPr marL="1143000" lvl="2" indent="-228600">
-              <a:lnSpc>
-                <a:spcPct val="107000"/>
-              </a:lnSpc>
-              <a:buFont typeface="Wingdings" panose="05000000000000000000" pitchFamily="2" charset="2"/>
-              <a:buChar char=""/>
-            </a:pPr>
-            <a:r>
-              <a:rPr lang="de-DE" sz="1200" dirty="0">
-                <a:solidFill>
-                  <a:srgbClr val="000000"/>
-                </a:solidFill>
-                <a:effectLst/>
-                <a:latin typeface="Calibri" panose="020F0502020204030204" pitchFamily="34" charset="0"/>
-                <a:ea typeface="游明朝" panose="02020400000000000000" pitchFamily="18" charset="-128"/>
-                <a:cs typeface="Times New Roman" panose="02020603050405020304" pitchFamily="18" charset="0"/>
-              </a:rPr>
-              <a:t>Bei fehlender Übereinstimmung -&gt; Ansicht mit Fehlermeldung</a:t>
-            </a:r>
-            <a:endParaRPr lang="en-GB" sz="1200" dirty="0">
-              <a:effectLst/>
-              <a:latin typeface="Calibri" panose="020F0502020204030204" pitchFamily="34" charset="0"/>
-              <a:ea typeface="游明朝" panose="02020400000000000000" pitchFamily="18" charset="-128"/>
-              <a:cs typeface="Times New Roman" panose="02020603050405020304" pitchFamily="18" charset="0"/>
-            </a:endParaRPr>
-          </a:p>
-          <a:p>
-            <a:pPr marL="742950" lvl="1" indent="-285750">
-              <a:lnSpc>
-                <a:spcPct val="107000"/>
-              </a:lnSpc>
-              <a:buFont typeface="Courier New" panose="02070309020205020404" pitchFamily="49" charset="0"/>
-              <a:buChar char="o"/>
-            </a:pPr>
-            <a:r>
-              <a:rPr lang="de-DE" sz="1200" b="1" dirty="0">
-                <a:solidFill>
-                  <a:srgbClr val="000000"/>
-                </a:solidFill>
-                <a:effectLst/>
-                <a:latin typeface="Calibri" panose="020F0502020204030204" pitchFamily="34" charset="0"/>
-                <a:ea typeface="游明朝" panose="02020400000000000000" pitchFamily="18" charset="-128"/>
-                <a:cs typeface="Times New Roman" panose="02020603050405020304" pitchFamily="18" charset="0"/>
-              </a:rPr>
-              <a:t>Exit-Kriterien</a:t>
-            </a:r>
-            <a:endParaRPr lang="en-GB" sz="1200" dirty="0">
-              <a:effectLst/>
-              <a:latin typeface="Calibri" panose="020F0502020204030204" pitchFamily="34" charset="0"/>
-              <a:ea typeface="游明朝" panose="02020400000000000000" pitchFamily="18" charset="-128"/>
-              <a:cs typeface="Times New Roman" panose="02020603050405020304" pitchFamily="18" charset="0"/>
-            </a:endParaRPr>
-          </a:p>
-          <a:p>
-            <a:pPr marL="1143000" lvl="2" indent="-228600">
-              <a:lnSpc>
-                <a:spcPct val="107000"/>
-              </a:lnSpc>
-              <a:buFont typeface="Wingdings" panose="05000000000000000000" pitchFamily="2" charset="2"/>
-              <a:buChar char=""/>
-            </a:pPr>
-            <a:r>
-              <a:rPr lang="de-DE" sz="1200" dirty="0">
-                <a:solidFill>
-                  <a:srgbClr val="000000"/>
-                </a:solidFill>
-                <a:effectLst/>
-                <a:latin typeface="Calibri" panose="020F0502020204030204" pitchFamily="34" charset="0"/>
-                <a:ea typeface="游明朝" panose="02020400000000000000" pitchFamily="18" charset="-128"/>
-                <a:cs typeface="Times New Roman" panose="02020603050405020304" pitchFamily="18" charset="0"/>
-              </a:rPr>
-              <a:t>Eingabe wude erfolgreich und korrekt übernommen</a:t>
-            </a:r>
-            <a:endParaRPr lang="en-GB" sz="1200" dirty="0">
-              <a:effectLst/>
-              <a:latin typeface="Calibri" panose="020F0502020204030204" pitchFamily="34" charset="0"/>
-              <a:ea typeface="游明朝" panose="02020400000000000000" pitchFamily="18" charset="-128"/>
-              <a:cs typeface="Times New Roman" panose="02020603050405020304" pitchFamily="18" charset="0"/>
-            </a:endParaRPr>
-          </a:p>
-          <a:p>
-            <a:pPr marL="1143000" lvl="2" indent="-228600">
-              <a:lnSpc>
-                <a:spcPct val="107000"/>
-              </a:lnSpc>
-              <a:buFont typeface="Wingdings" panose="05000000000000000000" pitchFamily="2" charset="2"/>
-              <a:buChar char=""/>
-            </a:pPr>
-            <a:r>
-              <a:rPr lang="de-DE" sz="1200" dirty="0">
-                <a:solidFill>
-                  <a:srgbClr val="000000"/>
-                </a:solidFill>
-                <a:effectLst/>
-                <a:latin typeface="Calibri" panose="020F0502020204030204" pitchFamily="34" charset="0"/>
-                <a:ea typeface="游明朝" panose="02020400000000000000" pitchFamily="18" charset="-128"/>
-                <a:cs typeface="Times New Roman" panose="02020603050405020304" pitchFamily="18" charset="0"/>
-              </a:rPr>
-              <a:t>Zugriff auf Registry war erfolgreich</a:t>
-            </a:r>
-            <a:endParaRPr lang="en-GB" sz="1200" dirty="0">
-              <a:effectLst/>
-              <a:latin typeface="Calibri" panose="020F0502020204030204" pitchFamily="34" charset="0"/>
-              <a:ea typeface="游明朝" panose="02020400000000000000" pitchFamily="18" charset="-128"/>
-              <a:cs typeface="Times New Roman" panose="02020603050405020304" pitchFamily="18" charset="0"/>
-            </a:endParaRPr>
-          </a:p>
-          <a:p>
-            <a:pPr marL="1143000" lvl="2" indent="-228600">
-              <a:lnSpc>
-                <a:spcPct val="107000"/>
-              </a:lnSpc>
-              <a:buFont typeface="Wingdings" panose="05000000000000000000" pitchFamily="2" charset="2"/>
-              <a:buChar char=""/>
-            </a:pPr>
-            <a:r>
-              <a:rPr lang="de-DE" sz="1200" dirty="0">
-                <a:solidFill>
-                  <a:srgbClr val="000000"/>
-                </a:solidFill>
-                <a:effectLst/>
-                <a:latin typeface="Calibri" panose="020F0502020204030204" pitchFamily="34" charset="0"/>
-                <a:ea typeface="游明朝" panose="02020400000000000000" pitchFamily="18" charset="-128"/>
-                <a:cs typeface="Times New Roman" panose="02020603050405020304" pitchFamily="18" charset="0"/>
-              </a:rPr>
-              <a:t>Vergleich lieferte korrektes Ergebnis</a:t>
-            </a:r>
-            <a:endParaRPr lang="en-GB" sz="1200" dirty="0">
-              <a:effectLst/>
-              <a:latin typeface="Calibri" panose="020F0502020204030204" pitchFamily="34" charset="0"/>
-              <a:ea typeface="游明朝" panose="02020400000000000000" pitchFamily="18" charset="-128"/>
-              <a:cs typeface="Times New Roman" panose="02020603050405020304" pitchFamily="18" charset="0"/>
-            </a:endParaRPr>
-          </a:p>
-          <a:p>
-            <a:pPr marL="1143000" lvl="2" indent="-228600">
-              <a:lnSpc>
-                <a:spcPct val="107000"/>
-              </a:lnSpc>
-              <a:buFont typeface="Wingdings" panose="05000000000000000000" pitchFamily="2" charset="2"/>
-              <a:buChar char=""/>
-            </a:pPr>
-            <a:r>
-              <a:rPr lang="de-DE" sz="1200" dirty="0">
-                <a:solidFill>
-                  <a:srgbClr val="000000"/>
-                </a:solidFill>
-                <a:effectLst/>
-                <a:latin typeface="Calibri" panose="020F0502020204030204" pitchFamily="34" charset="0"/>
-                <a:ea typeface="游明朝" panose="02020400000000000000" pitchFamily="18" charset="-128"/>
-                <a:cs typeface="Times New Roman" panose="02020603050405020304" pitchFamily="18" charset="0"/>
-              </a:rPr>
-              <a:t>Richtige Ansicht wurde erzeugt</a:t>
-            </a:r>
-            <a:endParaRPr lang="en-GB" sz="1200" dirty="0">
-              <a:effectLst/>
-              <a:latin typeface="Calibri" panose="020F0502020204030204" pitchFamily="34" charset="0"/>
-              <a:ea typeface="游明朝" panose="02020400000000000000" pitchFamily="18" charset="-128"/>
-              <a:cs typeface="Times New Roman" panose="02020603050405020304" pitchFamily="18" charset="0"/>
-            </a:endParaRPr>
-          </a:p>
-          <a:p>
-            <a:pPr marL="742950" lvl="1" indent="-285750">
-              <a:lnSpc>
-                <a:spcPct val="107000"/>
-              </a:lnSpc>
-              <a:buFont typeface="Courier New" panose="02070309020205020404" pitchFamily="49" charset="0"/>
-              <a:buChar char="o"/>
-            </a:pPr>
-            <a:endParaRPr lang="de-DE" sz="1200" b="1" dirty="0">
-              <a:solidFill>
-                <a:srgbClr val="000000"/>
-              </a:solidFill>
-              <a:effectLst/>
-              <a:latin typeface="Calibri" panose="020F0502020204030204" pitchFamily="34" charset="0"/>
-              <a:ea typeface="游明朝" panose="02020400000000000000" pitchFamily="18" charset="-128"/>
-              <a:cs typeface="Times New Roman" panose="02020603050405020304" pitchFamily="18" charset="0"/>
-            </a:endParaRPr>
-          </a:p>
-          <a:p>
-            <a:pPr marL="742950" lvl="1" indent="-285750">
-              <a:lnSpc>
-                <a:spcPct val="107000"/>
-              </a:lnSpc>
-              <a:buFont typeface="Courier New" panose="02070309020205020404" pitchFamily="49" charset="0"/>
-              <a:buChar char="o"/>
-            </a:pPr>
-            <a:endParaRPr lang="de-DE" sz="1200" b="1" dirty="0">
-              <a:solidFill>
-                <a:srgbClr val="000000"/>
-              </a:solidFill>
-              <a:latin typeface="Calibri" panose="020F0502020204030204" pitchFamily="34" charset="0"/>
-              <a:ea typeface="游明朝" panose="02020400000000000000" pitchFamily="18" charset="-128"/>
-              <a:cs typeface="Times New Roman" panose="02020603050405020304" pitchFamily="18" charset="0"/>
-            </a:endParaRPr>
-          </a:p>
-          <a:p>
-            <a:pPr marL="742950" lvl="1" indent="-285750">
-              <a:lnSpc>
-                <a:spcPct val="107000"/>
-              </a:lnSpc>
-              <a:buFont typeface="Courier New" panose="02070309020205020404" pitchFamily="49" charset="0"/>
-              <a:buChar char="o"/>
-            </a:pPr>
-            <a:endParaRPr lang="de-DE" sz="1200" b="1" dirty="0">
-              <a:solidFill>
-                <a:srgbClr val="000000"/>
-              </a:solidFill>
-              <a:effectLst/>
-              <a:latin typeface="Calibri" panose="020F0502020204030204" pitchFamily="34" charset="0"/>
-              <a:ea typeface="游明朝" panose="02020400000000000000" pitchFamily="18" charset="-128"/>
-              <a:cs typeface="Times New Roman" panose="02020603050405020304" pitchFamily="18" charset="0"/>
-            </a:endParaRPr>
-          </a:p>
-          <a:p>
-            <a:pPr marL="742950" lvl="1" indent="-285750">
-              <a:lnSpc>
-                <a:spcPct val="107000"/>
-              </a:lnSpc>
-              <a:buFont typeface="Courier New" panose="02070309020205020404" pitchFamily="49" charset="0"/>
-              <a:buChar char="o"/>
-            </a:pPr>
-            <a:endParaRPr lang="de-DE" sz="1200" b="1" dirty="0">
-              <a:solidFill>
-                <a:srgbClr val="000000"/>
-              </a:solidFill>
-              <a:latin typeface="Calibri" panose="020F0502020204030204" pitchFamily="34" charset="0"/>
-              <a:ea typeface="游明朝" panose="02020400000000000000" pitchFamily="18" charset="-128"/>
-              <a:cs typeface="Times New Roman" panose="02020603050405020304" pitchFamily="18" charset="0"/>
-            </a:endParaRPr>
-          </a:p>
-          <a:p>
-            <a:pPr marL="742950" lvl="1" indent="-285750">
-              <a:lnSpc>
-                <a:spcPct val="107000"/>
-              </a:lnSpc>
-              <a:buFont typeface="Courier New" panose="02070309020205020404" pitchFamily="49" charset="0"/>
-              <a:buChar char="o"/>
-            </a:pPr>
-            <a:endParaRPr lang="de-DE" sz="1200" b="1" dirty="0">
-              <a:solidFill>
-                <a:srgbClr val="000000"/>
-              </a:solidFill>
-              <a:effectLst/>
-              <a:latin typeface="Calibri" panose="020F0502020204030204" pitchFamily="34" charset="0"/>
-              <a:ea typeface="游明朝" panose="02020400000000000000" pitchFamily="18" charset="-128"/>
-              <a:cs typeface="Times New Roman" panose="02020603050405020304" pitchFamily="18" charset="0"/>
-            </a:endParaRPr>
-          </a:p>
-          <a:p>
-            <a:pPr marL="742950" lvl="1" indent="-285750">
-              <a:lnSpc>
-                <a:spcPct val="107000"/>
-              </a:lnSpc>
-              <a:buFont typeface="Courier New" panose="02070309020205020404" pitchFamily="49" charset="0"/>
-              <a:buChar char="o"/>
-            </a:pPr>
-            <a:endParaRPr lang="de-DE" sz="1200" b="1" dirty="0">
-              <a:solidFill>
-                <a:srgbClr val="000000"/>
-              </a:solidFill>
-              <a:latin typeface="Calibri" panose="020F0502020204030204" pitchFamily="34" charset="0"/>
-              <a:ea typeface="游明朝" panose="02020400000000000000" pitchFamily="18" charset="-128"/>
-              <a:cs typeface="Times New Roman" panose="02020603050405020304" pitchFamily="18" charset="0"/>
-            </a:endParaRPr>
-          </a:p>
-          <a:p>
-            <a:pPr marL="742950" lvl="1" indent="-285750">
-              <a:lnSpc>
-                <a:spcPct val="107000"/>
-              </a:lnSpc>
-              <a:buFont typeface="Courier New" panose="02070309020205020404" pitchFamily="49" charset="0"/>
-              <a:buChar char="o"/>
-            </a:pPr>
-            <a:r>
-              <a:rPr lang="de-DE" sz="1200" b="1" dirty="0">
-                <a:solidFill>
-                  <a:srgbClr val="000000"/>
-                </a:solidFill>
-                <a:effectLst/>
-                <a:latin typeface="Calibri" panose="020F0502020204030204" pitchFamily="34" charset="0"/>
-                <a:ea typeface="游明朝" panose="02020400000000000000" pitchFamily="18" charset="-128"/>
-                <a:cs typeface="Times New Roman" panose="02020603050405020304" pitchFamily="18" charset="0"/>
-              </a:rPr>
-              <a:t>Fail-Kriterien</a:t>
-            </a:r>
-            <a:endParaRPr lang="en-GB" sz="1200" dirty="0">
-              <a:effectLst/>
-              <a:latin typeface="Calibri" panose="020F0502020204030204" pitchFamily="34" charset="0"/>
-              <a:ea typeface="游明朝" panose="02020400000000000000" pitchFamily="18" charset="-128"/>
-              <a:cs typeface="Times New Roman" panose="02020603050405020304" pitchFamily="18" charset="0"/>
-            </a:endParaRPr>
-          </a:p>
-          <a:p>
-            <a:pPr marL="1143000" lvl="2" indent="-228600">
-              <a:lnSpc>
-                <a:spcPct val="107000"/>
-              </a:lnSpc>
-              <a:buFont typeface="Wingdings" panose="05000000000000000000" pitchFamily="2" charset="2"/>
-              <a:buChar char=""/>
-            </a:pPr>
-            <a:r>
-              <a:rPr lang="de-DE" sz="1200" dirty="0">
-                <a:solidFill>
-                  <a:srgbClr val="000000"/>
-                </a:solidFill>
-                <a:effectLst/>
-                <a:latin typeface="Calibri" panose="020F0502020204030204" pitchFamily="34" charset="0"/>
-                <a:ea typeface="游明朝" panose="02020400000000000000" pitchFamily="18" charset="-128"/>
-                <a:cs typeface="Times New Roman" panose="02020603050405020304" pitchFamily="18" charset="0"/>
-              </a:rPr>
-              <a:t>Ungültige Eingabe wurde übernommen (Email constraints)</a:t>
-            </a:r>
-            <a:endParaRPr lang="en-GB" sz="1200" dirty="0">
-              <a:effectLst/>
-              <a:latin typeface="Calibri" panose="020F0502020204030204" pitchFamily="34" charset="0"/>
-              <a:ea typeface="游明朝" panose="02020400000000000000" pitchFamily="18" charset="-128"/>
-              <a:cs typeface="Times New Roman" panose="02020603050405020304" pitchFamily="18" charset="0"/>
-            </a:endParaRPr>
-          </a:p>
-          <a:p>
-            <a:pPr marL="1143000" lvl="2" indent="-228600">
-              <a:lnSpc>
-                <a:spcPct val="107000"/>
-              </a:lnSpc>
-              <a:buFont typeface="Wingdings" panose="05000000000000000000" pitchFamily="2" charset="2"/>
-              <a:buChar char=""/>
-            </a:pPr>
-            <a:r>
-              <a:rPr lang="de-DE" sz="1200" dirty="0">
-                <a:solidFill>
-                  <a:srgbClr val="000000"/>
-                </a:solidFill>
-                <a:effectLst/>
-                <a:latin typeface="Calibri" panose="020F0502020204030204" pitchFamily="34" charset="0"/>
-                <a:ea typeface="游明朝" panose="02020400000000000000" pitchFamily="18" charset="-128"/>
-                <a:cs typeface="Times New Roman" panose="02020603050405020304" pitchFamily="18" charset="0"/>
-              </a:rPr>
-              <a:t>Zugriff auf Registry war nicht erfolgreich</a:t>
-            </a:r>
-            <a:endParaRPr lang="en-GB" sz="1200" dirty="0">
-              <a:effectLst/>
-              <a:latin typeface="Calibri" panose="020F0502020204030204" pitchFamily="34" charset="0"/>
-              <a:ea typeface="游明朝" panose="02020400000000000000" pitchFamily="18" charset="-128"/>
-              <a:cs typeface="Times New Roman" panose="02020603050405020304" pitchFamily="18" charset="0"/>
-            </a:endParaRPr>
-          </a:p>
-          <a:p>
-            <a:pPr marL="1143000" lvl="2" indent="-228600">
-              <a:lnSpc>
-                <a:spcPct val="107000"/>
-              </a:lnSpc>
-              <a:buFont typeface="Wingdings" panose="05000000000000000000" pitchFamily="2" charset="2"/>
-              <a:buChar char=""/>
-            </a:pPr>
-            <a:r>
-              <a:rPr lang="de-DE" sz="1200" dirty="0">
-                <a:solidFill>
-                  <a:srgbClr val="000000"/>
-                </a:solidFill>
-                <a:effectLst/>
-                <a:latin typeface="Calibri" panose="020F0502020204030204" pitchFamily="34" charset="0"/>
-                <a:ea typeface="游明朝" panose="02020400000000000000" pitchFamily="18" charset="-128"/>
-                <a:cs typeface="Times New Roman" panose="02020603050405020304" pitchFamily="18" charset="0"/>
-              </a:rPr>
-              <a:t>Vergleich lieferte falsches Ergebnis</a:t>
-            </a:r>
-            <a:endParaRPr lang="en-GB" sz="1200" dirty="0">
-              <a:effectLst/>
-              <a:latin typeface="Calibri" panose="020F0502020204030204" pitchFamily="34" charset="0"/>
-              <a:ea typeface="游明朝" panose="02020400000000000000" pitchFamily="18" charset="-128"/>
-              <a:cs typeface="Times New Roman" panose="02020603050405020304" pitchFamily="18" charset="0"/>
-            </a:endParaRPr>
-          </a:p>
-          <a:p>
-            <a:pPr marL="1143000" lvl="2" indent="-228600">
-              <a:lnSpc>
-                <a:spcPct val="107000"/>
-              </a:lnSpc>
-              <a:buFont typeface="Wingdings" panose="05000000000000000000" pitchFamily="2" charset="2"/>
-              <a:buChar char=""/>
-            </a:pPr>
-            <a:r>
-              <a:rPr lang="de-DE" sz="1200" dirty="0">
-                <a:solidFill>
-                  <a:srgbClr val="000000"/>
-                </a:solidFill>
-                <a:effectLst/>
-                <a:latin typeface="Calibri" panose="020F0502020204030204" pitchFamily="34" charset="0"/>
-                <a:ea typeface="游明朝" panose="02020400000000000000" pitchFamily="18" charset="-128"/>
-                <a:cs typeface="Times New Roman" panose="02020603050405020304" pitchFamily="18" charset="0"/>
-              </a:rPr>
-              <a:t>Vergleich lieferte kein Ergebnis</a:t>
-            </a:r>
-            <a:endParaRPr lang="en-GB" sz="1200" dirty="0">
-              <a:effectLst/>
-              <a:latin typeface="Calibri" panose="020F0502020204030204" pitchFamily="34" charset="0"/>
-              <a:ea typeface="游明朝" panose="02020400000000000000" pitchFamily="18" charset="-128"/>
-              <a:cs typeface="Times New Roman" panose="02020603050405020304" pitchFamily="18" charset="0"/>
-            </a:endParaRPr>
-          </a:p>
-          <a:p>
-            <a:pPr marL="1143000" lvl="2" indent="-228600">
-              <a:lnSpc>
-                <a:spcPct val="107000"/>
-              </a:lnSpc>
-              <a:buFont typeface="Wingdings" panose="05000000000000000000" pitchFamily="2" charset="2"/>
-              <a:buChar char=""/>
-            </a:pPr>
-            <a:r>
-              <a:rPr lang="de-DE" sz="1200" dirty="0">
-                <a:solidFill>
-                  <a:srgbClr val="000000"/>
-                </a:solidFill>
-                <a:effectLst/>
-                <a:latin typeface="Calibri" panose="020F0502020204030204" pitchFamily="34" charset="0"/>
-                <a:ea typeface="游明朝" panose="02020400000000000000" pitchFamily="18" charset="-128"/>
-                <a:cs typeface="Times New Roman" panose="02020603050405020304" pitchFamily="18" charset="0"/>
-              </a:rPr>
-              <a:t>Falsche Ansicht wurde erzeugt</a:t>
-            </a:r>
-            <a:endParaRPr lang="en-GB" sz="1200" dirty="0">
-              <a:effectLst/>
-              <a:latin typeface="Calibri" panose="020F0502020204030204" pitchFamily="34" charset="0"/>
-              <a:ea typeface="游明朝" panose="02020400000000000000" pitchFamily="18" charset="-128"/>
-              <a:cs typeface="Times New Roman" panose="02020603050405020304" pitchFamily="18" charset="0"/>
-            </a:endParaRPr>
-          </a:p>
-          <a:p>
-            <a:pPr marL="742950" lvl="1" indent="-285750">
-              <a:lnSpc>
-                <a:spcPct val="107000"/>
-              </a:lnSpc>
-              <a:buFont typeface="Courier New" panose="02070309020205020404" pitchFamily="49" charset="0"/>
-              <a:buChar char="o"/>
-            </a:pPr>
-            <a:r>
-              <a:rPr lang="de-DE" sz="1200" b="1" dirty="0">
-                <a:solidFill>
-                  <a:srgbClr val="000000"/>
-                </a:solidFill>
-                <a:effectLst/>
-                <a:latin typeface="Calibri" panose="020F0502020204030204" pitchFamily="34" charset="0"/>
-                <a:ea typeface="游明朝" panose="02020400000000000000" pitchFamily="18" charset="-128"/>
-                <a:cs typeface="Times New Roman" panose="02020603050405020304" pitchFamily="18" charset="0"/>
-              </a:rPr>
-              <a:t>Fallback</a:t>
-            </a:r>
-            <a:endParaRPr lang="en-GB" sz="1200" dirty="0">
-              <a:effectLst/>
-              <a:latin typeface="Calibri" panose="020F0502020204030204" pitchFamily="34" charset="0"/>
-              <a:ea typeface="游明朝" panose="02020400000000000000" pitchFamily="18" charset="-128"/>
-              <a:cs typeface="Times New Roman" panose="02020603050405020304" pitchFamily="18" charset="0"/>
-            </a:endParaRPr>
-          </a:p>
-          <a:p>
-            <a:pPr marL="1143000" lvl="2" indent="-228600">
-              <a:lnSpc>
-                <a:spcPct val="107000"/>
-              </a:lnSpc>
-              <a:buFont typeface="Wingdings" panose="05000000000000000000" pitchFamily="2" charset="2"/>
-              <a:buChar char=""/>
-            </a:pPr>
-            <a:r>
-              <a:rPr lang="de-DE" sz="1200" dirty="0">
-                <a:solidFill>
-                  <a:srgbClr val="000000"/>
-                </a:solidFill>
-                <a:effectLst/>
-                <a:latin typeface="Calibri" panose="020F0502020204030204" pitchFamily="34" charset="0"/>
-                <a:ea typeface="游明朝" panose="02020400000000000000" pitchFamily="18" charset="-128"/>
-                <a:cs typeface="Times New Roman" panose="02020603050405020304" pitchFamily="18" charset="0"/>
-              </a:rPr>
-              <a:t>Ein fester User Account wird im Prototypen vorgelegt</a:t>
-            </a:r>
-            <a:endParaRPr lang="en-GB" sz="1200" dirty="0">
-              <a:effectLst/>
-              <a:latin typeface="Calibri" panose="020F0502020204030204" pitchFamily="34" charset="0"/>
-              <a:ea typeface="游明朝" panose="02020400000000000000" pitchFamily="18" charset="-128"/>
-              <a:cs typeface="Times New Roman" panose="02020603050405020304" pitchFamily="18" charset="0"/>
-            </a:endParaRPr>
-          </a:p>
-          <a:p>
-            <a:pPr marL="1143000" lvl="2" indent="-228600">
-              <a:lnSpc>
-                <a:spcPct val="107000"/>
-              </a:lnSpc>
-              <a:spcAft>
-                <a:spcPts val="800"/>
-              </a:spcAft>
-              <a:buFont typeface="Wingdings" panose="05000000000000000000" pitchFamily="2" charset="2"/>
-              <a:buChar char=""/>
-            </a:pPr>
-            <a:r>
-              <a:rPr lang="de-DE" sz="1200" dirty="0">
-                <a:solidFill>
-                  <a:srgbClr val="000000"/>
-                </a:solidFill>
-                <a:effectLst/>
-                <a:latin typeface="Calibri" panose="020F0502020204030204" pitchFamily="34" charset="0"/>
-                <a:ea typeface="游明朝" panose="02020400000000000000" pitchFamily="18" charset="-128"/>
-                <a:cs typeface="Times New Roman" panose="02020603050405020304" pitchFamily="18" charset="0"/>
-              </a:rPr>
-              <a:t>Verzicht auf externe Registry, User Accounts werden fest in den Prototypen geschrieben</a:t>
-            </a:r>
-            <a:endParaRPr lang="en-GB" sz="1200" dirty="0">
-              <a:effectLst/>
-              <a:latin typeface="Calibri" panose="020F0502020204030204" pitchFamily="34" charset="0"/>
-              <a:ea typeface="游明朝" panose="02020400000000000000" pitchFamily="18" charset="-128"/>
-              <a:cs typeface="Times New Roman" panose="02020603050405020304" pitchFamily="18" charset="0"/>
-            </a:endParaRPr>
-          </a:p>
-          <a:p>
-            <a:endParaRPr lang="en-GB" sz="3200" dirty="0"/>
-          </a:p>
-        </p:txBody>
-      </p:sp>
-      <p:sp>
-        <p:nvSpPr>
-          <p:cNvPr id="4" name="Slide Number Placeholder 3">
-            <a:extLst>
-              <a:ext uri="{FF2B5EF4-FFF2-40B4-BE49-F238E27FC236}">
-                <a16:creationId xmlns:a16="http://schemas.microsoft.com/office/drawing/2014/main" id="{BCC4C124-465E-D835-C669-538F1616DF05}"/>
-              </a:ext>
-            </a:extLst>
-          </p:cNvPr>
-          <p:cNvSpPr>
-            <a:spLocks noGrp="1"/>
-          </p:cNvSpPr>
-          <p:nvPr>
-            <p:ph type="sldNum" sz="quarter" idx="12"/>
-          </p:nvPr>
-        </p:nvSpPr>
-        <p:spPr/>
-        <p:txBody>
-          <a:bodyPr/>
-          <a:lstStyle/>
-          <a:p>
-            <a:fld id="{4FD190AE-D9AE-4074-AAED-D637288AF7F0}" type="slidenum">
-              <a:rPr lang="de-DE" smtClean="0"/>
-              <a:t>7</a:t>
-            </a:fld>
-            <a:endParaRPr lang="de-DE"/>
-          </a:p>
-        </p:txBody>
-      </p:sp>
-    </p:spTree>
-    <p:extLst>
-      <p:ext uri="{BB962C8B-B14F-4D97-AF65-F5344CB8AC3E}">
-        <p14:creationId xmlns:p14="http://schemas.microsoft.com/office/powerpoint/2010/main" val="905879043"/>
-      </p:ext>
-    </p:extLst>
-  </p:cSld>
-  <p:clrMapOvr>
-    <a:masterClrMapping/>
-  </p:clrMapOvr>
-</p:sld>
-</file>
-
 <file path=ppt/slides/slide8.xml><?xml version="1.0" encoding="utf-8"?>
 <p:sld xmlns:a="http://schemas.openxmlformats.org/drawingml/2006/main" xmlns:r="http://schemas.openxmlformats.org/officeDocument/2006/relationships" xmlns:p="http://schemas.openxmlformats.org/presentationml/2006/main">
   <p:cSld>
@@ -10195,10 +9797,10 @@
       </p:grpSpPr>
       <p:sp>
         <p:nvSpPr>
-          <p:cNvPr id="2" name="Titel 1">
+          <p:cNvPr id="2" name="Title 1">
             <a:extLst>
               <a:ext uri="{FF2B5EF4-FFF2-40B4-BE49-F238E27FC236}">
-                <a16:creationId xmlns:a16="http://schemas.microsoft.com/office/drawing/2014/main" id="{4AC7DED0-9976-693C-8B24-D84F23C8E7B6}"/>
+                <a16:creationId xmlns:a16="http://schemas.microsoft.com/office/drawing/2014/main" id="{2D9F1241-A252-A34F-D19E-A0B70EDCC08C}"/>
               </a:ext>
             </a:extLst>
           </p:cNvPr>
@@ -10209,29 +9811,25 @@
             <p:ph type="title"/>
           </p:nvPr>
         </p:nvSpPr>
-        <p:spPr>
-          <a:xfrm>
-            <a:off x="209549" y="365124"/>
-            <a:ext cx="2847975" cy="3959225"/>
-          </a:xfrm>
-        </p:spPr>
+        <p:spPr/>
         <p:txBody>
           <a:bodyPr/>
           <a:lstStyle/>
           <a:p>
-            <a:r>
-              <a:rPr lang="de-DE" dirty="0"/>
-              <a:t>Klassen-diagramm</a:t>
-            </a:r>
-          </a:p>
-        </p:txBody>
-      </p:sp>
-      <p:sp>
-        <p:nvSpPr>
-          <p:cNvPr id="5" name="Foliennummernplatzhalter 4">
+            <a:pPr algn="ctr"/>
+            <a:r>
+              <a:rPr lang="en-GB" dirty="0"/>
+              <a:t>POC Login</a:t>
+            </a:r>
+          </a:p>
+        </p:txBody>
+      </p:sp>
+      <p:sp>
+        <p:nvSpPr>
+          <p:cNvPr id="3" name="Content Placeholder 2">
             <a:extLst>
               <a:ext uri="{FF2B5EF4-FFF2-40B4-BE49-F238E27FC236}">
-                <a16:creationId xmlns:a16="http://schemas.microsoft.com/office/drawing/2014/main" id="{7B246376-21DF-8BF4-A1FD-B77C22C28AAB}"/>
+                <a16:creationId xmlns:a16="http://schemas.microsoft.com/office/drawing/2014/main" id="{DE1BEAB3-472D-EF93-8F10-79654B2530AF}"/>
               </a:ext>
             </a:extLst>
           </p:cNvPr>
@@ -10239,68 +9837,760 @@
             <a:spLocks noGrp="1"/>
           </p:cNvSpPr>
           <p:nvPr>
-            <p:ph type="sldNum" sz="quarter" idx="12"/>
+            <p:ph idx="1"/>
           </p:nvPr>
         </p:nvSpPr>
         <p:spPr/>
         <p:txBody>
-          <a:bodyPr/>
+          <a:bodyPr numCol="2">
+            <a:normAutofit/>
+          </a:bodyPr>
           <a:lstStyle/>
           <a:p>
-            <a:fld id="{4FD190AE-D9AE-4074-AAED-D637288AF7F0}" type="slidenum">
-              <a:rPr lang="de-DE" sz="2000" smtClean="0">
+            <a:pPr marL="342900" lvl="0" indent="-342900">
+              <a:lnSpc>
+                <a:spcPct val="107000"/>
+              </a:lnSpc>
+              <a:buFont typeface="Symbol" panose="05050102010706020507" pitchFamily="18" charset="2"/>
+              <a:buChar char=""/>
+            </a:pPr>
+            <a:r>
+              <a:rPr lang="de-DE" sz="1400" u="sng" dirty="0">
                 <a:solidFill>
-                  <a:schemeClr val="tx1"/>
+                  <a:srgbClr val="000000"/>
                 </a:solidFill>
+                <a:effectLst/>
+                <a:latin typeface="Calibri" panose="020F0502020204030204" pitchFamily="34" charset="0"/>
+                <a:ea typeface="游明朝" panose="02020400000000000000" pitchFamily="18" charset="-128"/>
+                <a:cs typeface="Times New Roman" panose="02020603050405020304" pitchFamily="18" charset="0"/>
               </a:rPr>
-              <a:t>8</a:t>
-            </a:fld>
-            <a:endParaRPr lang="de-DE" sz="2000" dirty="0">
+              <a:t>Login</a:t>
+            </a:r>
+            <a:endParaRPr lang="en-GB" sz="1200" dirty="0">
+              <a:effectLst/>
+              <a:latin typeface="Calibri" panose="020F0502020204030204" pitchFamily="34" charset="0"/>
+              <a:ea typeface="游明朝" panose="02020400000000000000" pitchFamily="18" charset="-128"/>
+              <a:cs typeface="Times New Roman" panose="02020603050405020304" pitchFamily="18" charset="0"/>
+            </a:endParaRPr>
+          </a:p>
+          <a:p>
+            <a:pPr marL="742950" lvl="1" indent="-285750">
+              <a:lnSpc>
+                <a:spcPct val="107000"/>
+              </a:lnSpc>
+              <a:buFont typeface="Courier New" panose="02070309020205020404" pitchFamily="49" charset="0"/>
+              <a:buChar char="o"/>
+            </a:pPr>
+            <a:r>
+              <a:rPr lang="de-DE" sz="1200" b="1" dirty="0">
+                <a:solidFill>
+                  <a:srgbClr val="000000"/>
+                </a:solidFill>
+                <a:effectLst/>
+                <a:latin typeface="Calibri" panose="020F0502020204030204" pitchFamily="34" charset="0"/>
+                <a:ea typeface="游明朝" panose="02020400000000000000" pitchFamily="18" charset="-128"/>
+                <a:cs typeface="Times New Roman" panose="02020603050405020304" pitchFamily="18" charset="0"/>
+              </a:rPr>
+              <a:t>Ablauf</a:t>
+            </a:r>
+            <a:endParaRPr lang="en-GB" sz="1200" dirty="0">
+              <a:effectLst/>
+              <a:latin typeface="Calibri" panose="020F0502020204030204" pitchFamily="34" charset="0"/>
+              <a:ea typeface="游明朝" panose="02020400000000000000" pitchFamily="18" charset="-128"/>
+              <a:cs typeface="Times New Roman" panose="02020603050405020304" pitchFamily="18" charset="0"/>
+            </a:endParaRPr>
+          </a:p>
+          <a:p>
+            <a:pPr marL="1143000" lvl="2" indent="-228600">
+              <a:lnSpc>
+                <a:spcPct val="107000"/>
+              </a:lnSpc>
+              <a:buFont typeface="Wingdings" panose="05000000000000000000" pitchFamily="2" charset="2"/>
+              <a:buChar char=""/>
+            </a:pPr>
+            <a:r>
+              <a:rPr lang="de-DE" sz="1200" dirty="0">
+                <a:solidFill>
+                  <a:srgbClr val="000000"/>
+                </a:solidFill>
+                <a:effectLst/>
+                <a:latin typeface="Calibri" panose="020F0502020204030204" pitchFamily="34" charset="0"/>
+                <a:ea typeface="游明朝" panose="02020400000000000000" pitchFamily="18" charset="-128"/>
+                <a:cs typeface="Times New Roman" panose="02020603050405020304" pitchFamily="18" charset="0"/>
+              </a:rPr>
+              <a:t>Abfrage nach Username/Email - Passwort Dataset</a:t>
+            </a:r>
+            <a:endParaRPr lang="en-GB" sz="1200" dirty="0">
+              <a:effectLst/>
+              <a:latin typeface="Calibri" panose="020F0502020204030204" pitchFamily="34" charset="0"/>
+              <a:ea typeface="游明朝" panose="02020400000000000000" pitchFamily="18" charset="-128"/>
+              <a:cs typeface="Times New Roman" panose="02020603050405020304" pitchFamily="18" charset="0"/>
+            </a:endParaRPr>
+          </a:p>
+          <a:p>
+            <a:pPr marL="1143000" lvl="2" indent="-228600">
+              <a:lnSpc>
+                <a:spcPct val="107000"/>
+              </a:lnSpc>
+              <a:buFont typeface="Wingdings" panose="05000000000000000000" pitchFamily="2" charset="2"/>
+              <a:buChar char=""/>
+            </a:pPr>
+            <a:r>
+              <a:rPr lang="de-DE" sz="1200" dirty="0">
+                <a:solidFill>
+                  <a:srgbClr val="000000"/>
+                </a:solidFill>
+                <a:effectLst/>
+                <a:latin typeface="Calibri" panose="020F0502020204030204" pitchFamily="34" charset="0"/>
+                <a:ea typeface="游明朝" panose="02020400000000000000" pitchFamily="18" charset="-128"/>
+                <a:cs typeface="Times New Roman" panose="02020603050405020304" pitchFamily="18" charset="0"/>
+              </a:rPr>
+              <a:t>Systemzugriff auf Registry mit allen Username/Email-PW Datasets</a:t>
+            </a:r>
+          </a:p>
+          <a:p>
+            <a:pPr marL="1143000" lvl="2" indent="-228600">
+              <a:lnSpc>
+                <a:spcPct val="107000"/>
+              </a:lnSpc>
+              <a:buFont typeface="Wingdings" panose="05000000000000000000" pitchFamily="2" charset="2"/>
+              <a:buChar char=""/>
+            </a:pPr>
+            <a:r>
+              <a:rPr lang="de-DE" sz="1200" dirty="0">
+                <a:solidFill>
+                  <a:srgbClr val="000000"/>
+                </a:solidFill>
+                <a:latin typeface="Calibri" panose="020F0502020204030204" pitchFamily="34" charset="0"/>
+                <a:ea typeface="游明朝" panose="02020400000000000000" pitchFamily="18" charset="-128"/>
+                <a:cs typeface="Times New Roman" panose="02020603050405020304" pitchFamily="18" charset="0"/>
+              </a:rPr>
+              <a:t>Deserialisation der Registry zu Userliste</a:t>
+            </a:r>
+            <a:endParaRPr lang="en-GB" sz="1200" dirty="0">
+              <a:effectLst/>
+              <a:latin typeface="Calibri" panose="020F0502020204030204" pitchFamily="34" charset="0"/>
+              <a:ea typeface="游明朝" panose="02020400000000000000" pitchFamily="18" charset="-128"/>
+              <a:cs typeface="Times New Roman" panose="02020603050405020304" pitchFamily="18" charset="0"/>
+            </a:endParaRPr>
+          </a:p>
+          <a:p>
+            <a:pPr marL="1143000" lvl="2" indent="-228600">
+              <a:lnSpc>
+                <a:spcPct val="107000"/>
+              </a:lnSpc>
+              <a:buFont typeface="Wingdings" panose="05000000000000000000" pitchFamily="2" charset="2"/>
+              <a:buChar char=""/>
+            </a:pPr>
+            <a:r>
+              <a:rPr lang="de-DE" sz="1200" dirty="0">
+                <a:solidFill>
+                  <a:srgbClr val="000000"/>
+                </a:solidFill>
+                <a:effectLst/>
+                <a:latin typeface="Calibri" panose="020F0502020204030204" pitchFamily="34" charset="0"/>
+                <a:ea typeface="游明朝" panose="02020400000000000000" pitchFamily="18" charset="-128"/>
+                <a:cs typeface="Times New Roman" panose="02020603050405020304" pitchFamily="18" charset="0"/>
+              </a:rPr>
+              <a:t>Vergleich mit </a:t>
+            </a:r>
+            <a:r>
+              <a:rPr lang="en-GB" sz="1200" dirty="0" err="1">
+                <a:solidFill>
+                  <a:srgbClr val="000000"/>
+                </a:solidFill>
+                <a:effectLst/>
+                <a:latin typeface="Calibri" panose="020F0502020204030204" pitchFamily="34" charset="0"/>
+                <a:ea typeface="游明朝" panose="02020400000000000000" pitchFamily="18" charset="-128"/>
+                <a:cs typeface="Times New Roman" panose="02020603050405020304" pitchFamily="18" charset="0"/>
+              </a:rPr>
+              <a:t>Userliste</a:t>
+            </a:r>
+            <a:endParaRPr lang="en-GB" sz="1200" dirty="0">
+              <a:effectLst/>
+              <a:latin typeface="Calibri" panose="020F0502020204030204" pitchFamily="34" charset="0"/>
+              <a:ea typeface="游明朝" panose="02020400000000000000" pitchFamily="18" charset="-128"/>
+              <a:cs typeface="Times New Roman" panose="02020603050405020304" pitchFamily="18" charset="0"/>
+            </a:endParaRPr>
+          </a:p>
+          <a:p>
+            <a:pPr marL="1143000" lvl="2" indent="-228600">
+              <a:lnSpc>
+                <a:spcPct val="107000"/>
+              </a:lnSpc>
+              <a:buFont typeface="Wingdings" panose="05000000000000000000" pitchFamily="2" charset="2"/>
+              <a:buChar char=""/>
+            </a:pPr>
+            <a:r>
+              <a:rPr lang="de-DE" sz="1200" dirty="0">
+                <a:solidFill>
+                  <a:srgbClr val="000000"/>
+                </a:solidFill>
+                <a:effectLst/>
+                <a:latin typeface="Calibri" panose="020F0502020204030204" pitchFamily="34" charset="0"/>
+                <a:ea typeface="游明朝" panose="02020400000000000000" pitchFamily="18" charset="-128"/>
+                <a:cs typeface="Times New Roman" panose="02020603050405020304" pitchFamily="18" charset="0"/>
+              </a:rPr>
+              <a:t>Bei gefundener Übereinstimmung -&gt; Ansicht des Heimatorts</a:t>
+            </a:r>
+            <a:endParaRPr lang="en-GB" sz="1200" dirty="0">
+              <a:effectLst/>
+              <a:latin typeface="Calibri" panose="020F0502020204030204" pitchFamily="34" charset="0"/>
+              <a:ea typeface="游明朝" panose="02020400000000000000" pitchFamily="18" charset="-128"/>
+              <a:cs typeface="Times New Roman" panose="02020603050405020304" pitchFamily="18" charset="0"/>
+            </a:endParaRPr>
+          </a:p>
+          <a:p>
+            <a:pPr marL="1143000" lvl="2" indent="-228600">
+              <a:lnSpc>
+                <a:spcPct val="107000"/>
+              </a:lnSpc>
+              <a:buFont typeface="Wingdings" panose="05000000000000000000" pitchFamily="2" charset="2"/>
+              <a:buChar char=""/>
+            </a:pPr>
+            <a:r>
+              <a:rPr lang="de-DE" sz="1200" dirty="0">
+                <a:solidFill>
+                  <a:srgbClr val="000000"/>
+                </a:solidFill>
+                <a:effectLst/>
+                <a:latin typeface="Calibri" panose="020F0502020204030204" pitchFamily="34" charset="0"/>
+                <a:ea typeface="游明朝" panose="02020400000000000000" pitchFamily="18" charset="-128"/>
+                <a:cs typeface="Times New Roman" panose="02020603050405020304" pitchFamily="18" charset="0"/>
+              </a:rPr>
+              <a:t>Bei fehlender Übereinstimmung -&gt; Ansicht mit Fehlermeldung</a:t>
+            </a:r>
+            <a:endParaRPr lang="en-GB" sz="1200" dirty="0">
+              <a:effectLst/>
+              <a:latin typeface="Calibri" panose="020F0502020204030204" pitchFamily="34" charset="0"/>
+              <a:ea typeface="游明朝" panose="02020400000000000000" pitchFamily="18" charset="-128"/>
+              <a:cs typeface="Times New Roman" panose="02020603050405020304" pitchFamily="18" charset="0"/>
+            </a:endParaRPr>
+          </a:p>
+          <a:p>
+            <a:pPr marL="742950" lvl="1" indent="-285750">
+              <a:lnSpc>
+                <a:spcPct val="107000"/>
+              </a:lnSpc>
+              <a:buFont typeface="Courier New" panose="02070309020205020404" pitchFamily="49" charset="0"/>
+              <a:buChar char="o"/>
+            </a:pPr>
+            <a:r>
+              <a:rPr lang="de-DE" sz="1200" b="1" dirty="0">
+                <a:solidFill>
+                  <a:srgbClr val="000000"/>
+                </a:solidFill>
+                <a:effectLst/>
+                <a:latin typeface="Calibri" panose="020F0502020204030204" pitchFamily="34" charset="0"/>
+                <a:ea typeface="游明朝" panose="02020400000000000000" pitchFamily="18" charset="-128"/>
+                <a:cs typeface="Times New Roman" panose="02020603050405020304" pitchFamily="18" charset="0"/>
+              </a:rPr>
+              <a:t>Exit-Kriterien</a:t>
+            </a:r>
+            <a:endParaRPr lang="en-GB" sz="1200" dirty="0">
+              <a:effectLst/>
+              <a:latin typeface="Calibri" panose="020F0502020204030204" pitchFamily="34" charset="0"/>
+              <a:ea typeface="游明朝" panose="02020400000000000000" pitchFamily="18" charset="-128"/>
+              <a:cs typeface="Times New Roman" panose="02020603050405020304" pitchFamily="18" charset="0"/>
+            </a:endParaRPr>
+          </a:p>
+          <a:p>
+            <a:pPr marL="1143000" lvl="2" indent="-228600">
+              <a:lnSpc>
+                <a:spcPct val="107000"/>
+              </a:lnSpc>
+              <a:buFont typeface="Wingdings" panose="05000000000000000000" pitchFamily="2" charset="2"/>
+              <a:buChar char=""/>
+            </a:pPr>
+            <a:r>
+              <a:rPr lang="de-DE" sz="1200" dirty="0">
+                <a:solidFill>
+                  <a:srgbClr val="000000"/>
+                </a:solidFill>
+                <a:effectLst/>
+                <a:latin typeface="Calibri" panose="020F0502020204030204" pitchFamily="34" charset="0"/>
+                <a:ea typeface="游明朝" panose="02020400000000000000" pitchFamily="18" charset="-128"/>
+                <a:cs typeface="Times New Roman" panose="02020603050405020304" pitchFamily="18" charset="0"/>
+              </a:rPr>
+              <a:t>Eingabe wude erfolgreich und korrekt übernommen</a:t>
+            </a:r>
+            <a:endParaRPr lang="en-GB" sz="1200" dirty="0">
+              <a:effectLst/>
+              <a:latin typeface="Calibri" panose="020F0502020204030204" pitchFamily="34" charset="0"/>
+              <a:ea typeface="游明朝" panose="02020400000000000000" pitchFamily="18" charset="-128"/>
+              <a:cs typeface="Times New Roman" panose="02020603050405020304" pitchFamily="18" charset="0"/>
+            </a:endParaRPr>
+          </a:p>
+          <a:p>
+            <a:pPr marL="1143000" lvl="2" indent="-228600">
+              <a:lnSpc>
+                <a:spcPct val="107000"/>
+              </a:lnSpc>
+              <a:buFont typeface="Wingdings" panose="05000000000000000000" pitchFamily="2" charset="2"/>
+              <a:buChar char=""/>
+            </a:pPr>
+            <a:r>
+              <a:rPr lang="de-DE" sz="1200" dirty="0">
+                <a:solidFill>
+                  <a:srgbClr val="000000"/>
+                </a:solidFill>
+                <a:effectLst/>
+                <a:latin typeface="Calibri" panose="020F0502020204030204" pitchFamily="34" charset="0"/>
+                <a:ea typeface="游明朝" panose="02020400000000000000" pitchFamily="18" charset="-128"/>
+                <a:cs typeface="Times New Roman" panose="02020603050405020304" pitchFamily="18" charset="0"/>
+              </a:rPr>
+              <a:t>Zugriff auf Registry war erfolgreich</a:t>
+            </a:r>
+            <a:endParaRPr lang="en-GB" sz="1200" dirty="0">
+              <a:effectLst/>
+              <a:latin typeface="Calibri" panose="020F0502020204030204" pitchFamily="34" charset="0"/>
+              <a:ea typeface="游明朝" panose="02020400000000000000" pitchFamily="18" charset="-128"/>
+              <a:cs typeface="Times New Roman" panose="02020603050405020304" pitchFamily="18" charset="0"/>
+            </a:endParaRPr>
+          </a:p>
+          <a:p>
+            <a:pPr marL="1143000" lvl="2" indent="-228600">
+              <a:lnSpc>
+                <a:spcPct val="107000"/>
+              </a:lnSpc>
+              <a:buFont typeface="Wingdings" panose="05000000000000000000" pitchFamily="2" charset="2"/>
+              <a:buChar char=""/>
+            </a:pPr>
+            <a:r>
+              <a:rPr lang="de-DE" sz="1200" dirty="0">
+                <a:solidFill>
+                  <a:srgbClr val="000000"/>
+                </a:solidFill>
+                <a:effectLst/>
+                <a:latin typeface="Calibri" panose="020F0502020204030204" pitchFamily="34" charset="0"/>
+                <a:ea typeface="游明朝" panose="02020400000000000000" pitchFamily="18" charset="-128"/>
+                <a:cs typeface="Times New Roman" panose="02020603050405020304" pitchFamily="18" charset="0"/>
+              </a:rPr>
+              <a:t>Vergleich lieferte korrektes Ergebnis</a:t>
+            </a:r>
+            <a:endParaRPr lang="en-GB" sz="1200" dirty="0">
+              <a:effectLst/>
+              <a:latin typeface="Calibri" panose="020F0502020204030204" pitchFamily="34" charset="0"/>
+              <a:ea typeface="游明朝" panose="02020400000000000000" pitchFamily="18" charset="-128"/>
+              <a:cs typeface="Times New Roman" panose="02020603050405020304" pitchFamily="18" charset="0"/>
+            </a:endParaRPr>
+          </a:p>
+          <a:p>
+            <a:pPr marL="1143000" lvl="2" indent="-228600">
+              <a:lnSpc>
+                <a:spcPct val="107000"/>
+              </a:lnSpc>
+              <a:buFont typeface="Wingdings" panose="05000000000000000000" pitchFamily="2" charset="2"/>
+              <a:buChar char=""/>
+            </a:pPr>
+            <a:r>
+              <a:rPr lang="de-DE" sz="1200" dirty="0">
+                <a:solidFill>
+                  <a:srgbClr val="000000"/>
+                </a:solidFill>
+                <a:effectLst/>
+                <a:latin typeface="Calibri" panose="020F0502020204030204" pitchFamily="34" charset="0"/>
+                <a:ea typeface="游明朝" panose="02020400000000000000" pitchFamily="18" charset="-128"/>
+                <a:cs typeface="Times New Roman" panose="02020603050405020304" pitchFamily="18" charset="0"/>
+              </a:rPr>
+              <a:t>Richtige Ansicht wurde erzeugt</a:t>
+            </a:r>
+            <a:endParaRPr lang="en-GB" sz="1200" dirty="0">
+              <a:effectLst/>
+              <a:latin typeface="Calibri" panose="020F0502020204030204" pitchFamily="34" charset="0"/>
+              <a:ea typeface="游明朝" panose="02020400000000000000" pitchFamily="18" charset="-128"/>
+              <a:cs typeface="Times New Roman" panose="02020603050405020304" pitchFamily="18" charset="0"/>
+            </a:endParaRPr>
+          </a:p>
+          <a:p>
+            <a:pPr marL="742950" lvl="1" indent="-285750">
+              <a:lnSpc>
+                <a:spcPct val="107000"/>
+              </a:lnSpc>
+              <a:buFont typeface="Courier New" panose="02070309020205020404" pitchFamily="49" charset="0"/>
+              <a:buChar char="o"/>
+            </a:pPr>
+            <a:endParaRPr lang="de-DE" sz="1200" b="1" dirty="0">
               <a:solidFill>
-                <a:schemeClr val="tx1"/>
+                <a:srgbClr val="000000"/>
               </a:solidFill>
+              <a:effectLst/>
+              <a:latin typeface="Calibri" panose="020F0502020204030204" pitchFamily="34" charset="0"/>
+              <a:ea typeface="游明朝" panose="02020400000000000000" pitchFamily="18" charset="-128"/>
+              <a:cs typeface="Times New Roman" panose="02020603050405020304" pitchFamily="18" charset="0"/>
             </a:endParaRPr>
           </a:p>
-        </p:txBody>
-      </p:sp>
-      <p:pic>
-        <p:nvPicPr>
-          <p:cNvPr id="4" name="Content Placeholder 3">
+          <a:p>
+            <a:pPr marL="742950" lvl="1" indent="-285750">
+              <a:lnSpc>
+                <a:spcPct val="107000"/>
+              </a:lnSpc>
+              <a:buFont typeface="Courier New" panose="02070309020205020404" pitchFamily="49" charset="0"/>
+              <a:buChar char="o"/>
+            </a:pPr>
+            <a:endParaRPr lang="de-DE" sz="1200" b="1" dirty="0">
+              <a:solidFill>
+                <a:srgbClr val="000000"/>
+              </a:solidFill>
+              <a:latin typeface="Calibri" panose="020F0502020204030204" pitchFamily="34" charset="0"/>
+              <a:ea typeface="游明朝" panose="02020400000000000000" pitchFamily="18" charset="-128"/>
+              <a:cs typeface="Times New Roman" panose="02020603050405020304" pitchFamily="18" charset="0"/>
+            </a:endParaRPr>
+          </a:p>
+          <a:p>
+            <a:pPr marL="742950" lvl="1" indent="-285750">
+              <a:lnSpc>
+                <a:spcPct val="107000"/>
+              </a:lnSpc>
+              <a:buFont typeface="Courier New" panose="02070309020205020404" pitchFamily="49" charset="0"/>
+              <a:buChar char="o"/>
+            </a:pPr>
+            <a:endParaRPr lang="de-DE" sz="1200" b="1" dirty="0">
+              <a:solidFill>
+                <a:srgbClr val="000000"/>
+              </a:solidFill>
+              <a:effectLst/>
+              <a:latin typeface="Calibri" panose="020F0502020204030204" pitchFamily="34" charset="0"/>
+              <a:ea typeface="游明朝" panose="02020400000000000000" pitchFamily="18" charset="-128"/>
+              <a:cs typeface="Times New Roman" panose="02020603050405020304" pitchFamily="18" charset="0"/>
+            </a:endParaRPr>
+          </a:p>
+          <a:p>
+            <a:pPr marL="742950" lvl="1" indent="-285750">
+              <a:lnSpc>
+                <a:spcPct val="107000"/>
+              </a:lnSpc>
+              <a:buFont typeface="Courier New" panose="02070309020205020404" pitchFamily="49" charset="0"/>
+              <a:buChar char="o"/>
+            </a:pPr>
+            <a:endParaRPr lang="de-DE" sz="1200" b="1" dirty="0">
+              <a:solidFill>
+                <a:srgbClr val="000000"/>
+              </a:solidFill>
+              <a:latin typeface="Calibri" panose="020F0502020204030204" pitchFamily="34" charset="0"/>
+              <a:ea typeface="游明朝" panose="02020400000000000000" pitchFamily="18" charset="-128"/>
+              <a:cs typeface="Times New Roman" panose="02020603050405020304" pitchFamily="18" charset="0"/>
+            </a:endParaRPr>
+          </a:p>
+          <a:p>
+            <a:pPr marL="742950" lvl="1" indent="-285750">
+              <a:lnSpc>
+                <a:spcPct val="107000"/>
+              </a:lnSpc>
+              <a:buFont typeface="Courier New" panose="02070309020205020404" pitchFamily="49" charset="0"/>
+              <a:buChar char="o"/>
+            </a:pPr>
+            <a:endParaRPr lang="de-DE" sz="1200" b="1" dirty="0">
+              <a:solidFill>
+                <a:srgbClr val="000000"/>
+              </a:solidFill>
+              <a:effectLst/>
+              <a:latin typeface="Calibri" panose="020F0502020204030204" pitchFamily="34" charset="0"/>
+              <a:ea typeface="游明朝" panose="02020400000000000000" pitchFamily="18" charset="-128"/>
+              <a:cs typeface="Times New Roman" panose="02020603050405020304" pitchFamily="18" charset="0"/>
+            </a:endParaRPr>
+          </a:p>
+          <a:p>
+            <a:pPr marL="742950" lvl="1" indent="-285750">
+              <a:lnSpc>
+                <a:spcPct val="107000"/>
+              </a:lnSpc>
+              <a:buFont typeface="Courier New" panose="02070309020205020404" pitchFamily="49" charset="0"/>
+              <a:buChar char="o"/>
+            </a:pPr>
+            <a:endParaRPr lang="de-DE" sz="1200" b="1" dirty="0">
+              <a:solidFill>
+                <a:srgbClr val="000000"/>
+              </a:solidFill>
+              <a:latin typeface="Calibri" panose="020F0502020204030204" pitchFamily="34" charset="0"/>
+              <a:ea typeface="游明朝" panose="02020400000000000000" pitchFamily="18" charset="-128"/>
+              <a:cs typeface="Times New Roman" panose="02020603050405020304" pitchFamily="18" charset="0"/>
+            </a:endParaRPr>
+          </a:p>
+          <a:p>
+            <a:pPr marL="742950" lvl="1" indent="-285750">
+              <a:lnSpc>
+                <a:spcPct val="107000"/>
+              </a:lnSpc>
+              <a:buFont typeface="Courier New" panose="02070309020205020404" pitchFamily="49" charset="0"/>
+              <a:buChar char="o"/>
+            </a:pPr>
+            <a:r>
+              <a:rPr lang="de-DE" sz="1200" b="1" dirty="0">
+                <a:solidFill>
+                  <a:srgbClr val="000000"/>
+                </a:solidFill>
+                <a:effectLst/>
+                <a:latin typeface="Calibri" panose="020F0502020204030204" pitchFamily="34" charset="0"/>
+                <a:ea typeface="游明朝" panose="02020400000000000000" pitchFamily="18" charset="-128"/>
+                <a:cs typeface="Times New Roman" panose="02020603050405020304" pitchFamily="18" charset="0"/>
+              </a:rPr>
+              <a:t>Fail-Kriterien</a:t>
+            </a:r>
+            <a:endParaRPr lang="en-GB" sz="1200" dirty="0">
+              <a:effectLst/>
+              <a:latin typeface="Calibri" panose="020F0502020204030204" pitchFamily="34" charset="0"/>
+              <a:ea typeface="游明朝" panose="02020400000000000000" pitchFamily="18" charset="-128"/>
+              <a:cs typeface="Times New Roman" panose="02020603050405020304" pitchFamily="18" charset="0"/>
+            </a:endParaRPr>
+          </a:p>
+          <a:p>
+            <a:pPr marL="1143000" lvl="2" indent="-228600">
+              <a:lnSpc>
+                <a:spcPct val="107000"/>
+              </a:lnSpc>
+              <a:buFont typeface="Wingdings" panose="05000000000000000000" pitchFamily="2" charset="2"/>
+              <a:buChar char=""/>
+            </a:pPr>
+            <a:r>
+              <a:rPr lang="de-DE" sz="1200" dirty="0">
+                <a:solidFill>
+                  <a:srgbClr val="000000"/>
+                </a:solidFill>
+                <a:effectLst/>
+                <a:latin typeface="Calibri" panose="020F0502020204030204" pitchFamily="34" charset="0"/>
+                <a:ea typeface="游明朝" panose="02020400000000000000" pitchFamily="18" charset="-128"/>
+                <a:cs typeface="Times New Roman" panose="02020603050405020304" pitchFamily="18" charset="0"/>
+              </a:rPr>
+              <a:t>Ungültige Eingabe wurde übernommen (Email constraints)</a:t>
+            </a:r>
+            <a:endParaRPr lang="en-GB" sz="1200" dirty="0">
+              <a:effectLst/>
+              <a:latin typeface="Calibri" panose="020F0502020204030204" pitchFamily="34" charset="0"/>
+              <a:ea typeface="游明朝" panose="02020400000000000000" pitchFamily="18" charset="-128"/>
+              <a:cs typeface="Times New Roman" panose="02020603050405020304" pitchFamily="18" charset="0"/>
+            </a:endParaRPr>
+          </a:p>
+          <a:p>
+            <a:pPr marL="1143000" lvl="2" indent="-228600">
+              <a:lnSpc>
+                <a:spcPct val="107000"/>
+              </a:lnSpc>
+              <a:buFont typeface="Wingdings" panose="05000000000000000000" pitchFamily="2" charset="2"/>
+              <a:buChar char=""/>
+            </a:pPr>
+            <a:r>
+              <a:rPr lang="de-DE" sz="1200" dirty="0">
+                <a:solidFill>
+                  <a:srgbClr val="000000"/>
+                </a:solidFill>
+                <a:effectLst/>
+                <a:latin typeface="Calibri" panose="020F0502020204030204" pitchFamily="34" charset="0"/>
+                <a:ea typeface="游明朝" panose="02020400000000000000" pitchFamily="18" charset="-128"/>
+                <a:cs typeface="Times New Roman" panose="02020603050405020304" pitchFamily="18" charset="0"/>
+              </a:rPr>
+              <a:t>Zugriff auf Registry war nicht erfolgreich</a:t>
+            </a:r>
+            <a:endParaRPr lang="en-GB" sz="1200" dirty="0">
+              <a:effectLst/>
+              <a:latin typeface="Calibri" panose="020F0502020204030204" pitchFamily="34" charset="0"/>
+              <a:ea typeface="游明朝" panose="02020400000000000000" pitchFamily="18" charset="-128"/>
+              <a:cs typeface="Times New Roman" panose="02020603050405020304" pitchFamily="18" charset="0"/>
+            </a:endParaRPr>
+          </a:p>
+          <a:p>
+            <a:pPr marL="1143000" lvl="2" indent="-228600">
+              <a:lnSpc>
+                <a:spcPct val="107000"/>
+              </a:lnSpc>
+              <a:buFont typeface="Wingdings" panose="05000000000000000000" pitchFamily="2" charset="2"/>
+              <a:buChar char=""/>
+            </a:pPr>
+            <a:r>
+              <a:rPr lang="de-DE" sz="1200" dirty="0">
+                <a:solidFill>
+                  <a:srgbClr val="000000"/>
+                </a:solidFill>
+                <a:effectLst/>
+                <a:latin typeface="Calibri" panose="020F0502020204030204" pitchFamily="34" charset="0"/>
+                <a:ea typeface="游明朝" panose="02020400000000000000" pitchFamily="18" charset="-128"/>
+                <a:cs typeface="Times New Roman" panose="02020603050405020304" pitchFamily="18" charset="0"/>
+              </a:rPr>
+              <a:t>Vergleich lieferte falsches Ergebnis</a:t>
+            </a:r>
+            <a:endParaRPr lang="en-GB" sz="1200" dirty="0">
+              <a:effectLst/>
+              <a:latin typeface="Calibri" panose="020F0502020204030204" pitchFamily="34" charset="0"/>
+              <a:ea typeface="游明朝" panose="02020400000000000000" pitchFamily="18" charset="-128"/>
+              <a:cs typeface="Times New Roman" panose="02020603050405020304" pitchFamily="18" charset="0"/>
+            </a:endParaRPr>
+          </a:p>
+          <a:p>
+            <a:pPr marL="1143000" lvl="2" indent="-228600">
+              <a:lnSpc>
+                <a:spcPct val="107000"/>
+              </a:lnSpc>
+              <a:buFont typeface="Wingdings" panose="05000000000000000000" pitchFamily="2" charset="2"/>
+              <a:buChar char=""/>
+            </a:pPr>
+            <a:r>
+              <a:rPr lang="de-DE" sz="1200" dirty="0">
+                <a:solidFill>
+                  <a:srgbClr val="000000"/>
+                </a:solidFill>
+                <a:effectLst/>
+                <a:latin typeface="Calibri" panose="020F0502020204030204" pitchFamily="34" charset="0"/>
+                <a:ea typeface="游明朝" panose="02020400000000000000" pitchFamily="18" charset="-128"/>
+                <a:cs typeface="Times New Roman" panose="02020603050405020304" pitchFamily="18" charset="0"/>
+              </a:rPr>
+              <a:t>Vergleich lieferte kein Ergebnis</a:t>
+            </a:r>
+            <a:endParaRPr lang="en-GB" sz="1200" dirty="0">
+              <a:effectLst/>
+              <a:latin typeface="Calibri" panose="020F0502020204030204" pitchFamily="34" charset="0"/>
+              <a:ea typeface="游明朝" panose="02020400000000000000" pitchFamily="18" charset="-128"/>
+              <a:cs typeface="Times New Roman" panose="02020603050405020304" pitchFamily="18" charset="0"/>
+            </a:endParaRPr>
+          </a:p>
+          <a:p>
+            <a:pPr marL="1143000" lvl="2" indent="-228600">
+              <a:lnSpc>
+                <a:spcPct val="107000"/>
+              </a:lnSpc>
+              <a:buFont typeface="Wingdings" panose="05000000000000000000" pitchFamily="2" charset="2"/>
+              <a:buChar char=""/>
+            </a:pPr>
+            <a:r>
+              <a:rPr lang="de-DE" sz="1200" dirty="0">
+                <a:solidFill>
+                  <a:srgbClr val="000000"/>
+                </a:solidFill>
+                <a:effectLst/>
+                <a:latin typeface="Calibri" panose="020F0502020204030204" pitchFamily="34" charset="0"/>
+                <a:ea typeface="游明朝" panose="02020400000000000000" pitchFamily="18" charset="-128"/>
+                <a:cs typeface="Times New Roman" panose="02020603050405020304" pitchFamily="18" charset="0"/>
+              </a:rPr>
+              <a:t>Falsche Ansicht wurde erzeugt</a:t>
+            </a:r>
+            <a:endParaRPr lang="en-GB" sz="1200" dirty="0">
+              <a:effectLst/>
+              <a:latin typeface="Calibri" panose="020F0502020204030204" pitchFamily="34" charset="0"/>
+              <a:ea typeface="游明朝" panose="02020400000000000000" pitchFamily="18" charset="-128"/>
+              <a:cs typeface="Times New Roman" panose="02020603050405020304" pitchFamily="18" charset="0"/>
+            </a:endParaRPr>
+          </a:p>
+          <a:p>
+            <a:pPr marL="742950" lvl="1" indent="-285750">
+              <a:lnSpc>
+                <a:spcPct val="107000"/>
+              </a:lnSpc>
+              <a:buFont typeface="Courier New" panose="02070309020205020404" pitchFamily="49" charset="0"/>
+              <a:buChar char="o"/>
+            </a:pPr>
+            <a:r>
+              <a:rPr lang="de-DE" sz="1200" b="1" dirty="0">
+                <a:solidFill>
+                  <a:srgbClr val="000000"/>
+                </a:solidFill>
+                <a:effectLst/>
+                <a:latin typeface="Calibri" panose="020F0502020204030204" pitchFamily="34" charset="0"/>
+                <a:ea typeface="游明朝" panose="02020400000000000000" pitchFamily="18" charset="-128"/>
+                <a:cs typeface="Times New Roman" panose="02020603050405020304" pitchFamily="18" charset="0"/>
+              </a:rPr>
+              <a:t>Fallback</a:t>
+            </a:r>
+            <a:endParaRPr lang="en-GB" sz="1200" dirty="0">
+              <a:effectLst/>
+              <a:latin typeface="Calibri" panose="020F0502020204030204" pitchFamily="34" charset="0"/>
+              <a:ea typeface="游明朝" panose="02020400000000000000" pitchFamily="18" charset="-128"/>
+              <a:cs typeface="Times New Roman" panose="02020603050405020304" pitchFamily="18" charset="0"/>
+            </a:endParaRPr>
+          </a:p>
+          <a:p>
+            <a:pPr marL="1143000" lvl="2" indent="-228600">
+              <a:lnSpc>
+                <a:spcPct val="107000"/>
+              </a:lnSpc>
+              <a:buFont typeface="Wingdings" panose="05000000000000000000" pitchFamily="2" charset="2"/>
+              <a:buChar char=""/>
+            </a:pPr>
+            <a:r>
+              <a:rPr lang="de-DE" sz="1200" dirty="0">
+                <a:solidFill>
+                  <a:srgbClr val="000000"/>
+                </a:solidFill>
+                <a:effectLst/>
+                <a:latin typeface="Calibri" panose="020F0502020204030204" pitchFamily="34" charset="0"/>
+                <a:ea typeface="游明朝" panose="02020400000000000000" pitchFamily="18" charset="-128"/>
+                <a:cs typeface="Times New Roman" panose="02020603050405020304" pitchFamily="18" charset="0"/>
+              </a:rPr>
+              <a:t>Ein fester User Account wird im Prototypen vorgelegt</a:t>
+            </a:r>
+            <a:endParaRPr lang="en-GB" sz="1200" dirty="0">
+              <a:effectLst/>
+              <a:latin typeface="Calibri" panose="020F0502020204030204" pitchFamily="34" charset="0"/>
+              <a:ea typeface="游明朝" panose="02020400000000000000" pitchFamily="18" charset="-128"/>
+              <a:cs typeface="Times New Roman" panose="02020603050405020304" pitchFamily="18" charset="0"/>
+            </a:endParaRPr>
+          </a:p>
+          <a:p>
+            <a:pPr marL="1143000" lvl="2" indent="-228600">
+              <a:lnSpc>
+                <a:spcPct val="107000"/>
+              </a:lnSpc>
+              <a:spcAft>
+                <a:spcPts val="800"/>
+              </a:spcAft>
+              <a:buFont typeface="Wingdings" panose="05000000000000000000" pitchFamily="2" charset="2"/>
+              <a:buChar char=""/>
+            </a:pPr>
+            <a:r>
+              <a:rPr lang="de-DE" sz="1200" dirty="0">
+                <a:solidFill>
+                  <a:srgbClr val="000000"/>
+                </a:solidFill>
+                <a:effectLst/>
+                <a:latin typeface="Calibri" panose="020F0502020204030204" pitchFamily="34" charset="0"/>
+                <a:ea typeface="游明朝" panose="02020400000000000000" pitchFamily="18" charset="-128"/>
+                <a:cs typeface="Times New Roman" panose="02020603050405020304" pitchFamily="18" charset="0"/>
+              </a:rPr>
+              <a:t>Verzicht auf externe Registry, User Accounts werden fest in den Prototypen geschrieben</a:t>
+            </a:r>
+            <a:endParaRPr lang="en-GB" sz="1200" dirty="0">
+              <a:effectLst/>
+              <a:latin typeface="Calibri" panose="020F0502020204030204" pitchFamily="34" charset="0"/>
+              <a:ea typeface="游明朝" panose="02020400000000000000" pitchFamily="18" charset="-128"/>
+              <a:cs typeface="Times New Roman" panose="02020603050405020304" pitchFamily="18" charset="0"/>
+            </a:endParaRPr>
+          </a:p>
+          <a:p>
+            <a:endParaRPr lang="en-GB" sz="3200" dirty="0"/>
+          </a:p>
+        </p:txBody>
+      </p:sp>
+      <p:sp>
+        <p:nvSpPr>
+          <p:cNvPr id="4" name="Slide Number Placeholder 3">
             <a:extLst>
               <a:ext uri="{FF2B5EF4-FFF2-40B4-BE49-F238E27FC236}">
-                <a16:creationId xmlns:a16="http://schemas.microsoft.com/office/drawing/2014/main" id="{832908C3-9D9B-5AF6-D8AE-FD34908985DA}"/>
+                <a16:creationId xmlns:a16="http://schemas.microsoft.com/office/drawing/2014/main" id="{BCC4C124-465E-D835-C669-538F1616DF05}"/>
               </a:ext>
             </a:extLst>
           </p:cNvPr>
-          <p:cNvPicPr>
-            <a:picLocks noGrp="1" noChangeAspect="1"/>
-          </p:cNvPicPr>
-          <p:nvPr>
-            <p:ph idx="1"/>
-          </p:nvPr>
-        </p:nvPicPr>
-        <p:blipFill>
-          <a:blip r:embed="rId3">
-            <a:extLst>
-              <a:ext uri="{28A0092B-C50C-407E-A947-70E740481C1C}">
-                <a14:useLocalDpi xmlns:a14="http://schemas.microsoft.com/office/drawing/2010/main" val="0"/>
-              </a:ext>
-            </a:extLst>
-          </a:blip>
-          <a:srcRect/>
-          <a:stretch/>
-        </p:blipFill>
-        <p:spPr>
-          <a:xfrm>
-            <a:off x="2905126" y="365124"/>
-            <a:ext cx="8715373" cy="6012932"/>
-          </a:xfrm>
-        </p:spPr>
-      </p:pic>
+          <p:cNvSpPr>
+            <a:spLocks noGrp="1"/>
+          </p:cNvSpPr>
+          <p:nvPr>
+            <p:ph type="sldNum" sz="quarter" idx="12"/>
+          </p:nvPr>
+        </p:nvSpPr>
+        <p:spPr/>
+        <p:txBody>
+          <a:bodyPr/>
+          <a:lstStyle/>
+          <a:p>
+            <a:fld id="{4FD190AE-D9AE-4074-AAED-D637288AF7F0}" type="slidenum">
+              <a:rPr lang="de-DE" smtClean="0"/>
+              <a:t>8</a:t>
+            </a:fld>
+            <a:endParaRPr lang="de-DE"/>
+          </a:p>
+        </p:txBody>
+      </p:sp>
     </p:spTree>
     <p:extLst>
       <p:ext uri="{BB962C8B-B14F-4D97-AF65-F5344CB8AC3E}">
-        <p14:creationId xmlns:p14="http://schemas.microsoft.com/office/powerpoint/2010/main" val="408210267"/>
+        <p14:creationId xmlns:p14="http://schemas.microsoft.com/office/powerpoint/2010/main" val="905879043"/>
       </p:ext>
     </p:extLst>
   </p:cSld>
@@ -10343,133 +10633,20 @@
             <p:ph type="title"/>
           </p:nvPr>
         </p:nvSpPr>
-        <p:spPr/>
+        <p:spPr>
+          <a:xfrm>
+            <a:off x="209549" y="365124"/>
+            <a:ext cx="2847975" cy="3959225"/>
+          </a:xfrm>
+        </p:spPr>
         <p:txBody>
           <a:bodyPr/>
           <a:lstStyle/>
           <a:p>
             <a:r>
               <a:rPr lang="de-DE" dirty="0"/>
-              <a:t>Erster Prototyp</a:t>
-            </a:r>
-          </a:p>
-        </p:txBody>
-      </p:sp>
-      <p:sp>
-        <p:nvSpPr>
-          <p:cNvPr id="3" name="Inhaltsplatzhalter 2">
-            <a:extLst>
-              <a:ext uri="{FF2B5EF4-FFF2-40B4-BE49-F238E27FC236}">
-                <a16:creationId xmlns:a16="http://schemas.microsoft.com/office/drawing/2014/main" id="{26828B3D-0288-9D01-3FAB-ED2A638AE90B}"/>
-              </a:ext>
-            </a:extLst>
-          </p:cNvPr>
-          <p:cNvSpPr>
-            <a:spLocks noGrp="1"/>
-          </p:cNvSpPr>
-          <p:nvPr>
-            <p:ph idx="1"/>
-          </p:nvPr>
-        </p:nvSpPr>
-        <p:spPr/>
-        <p:txBody>
-          <a:bodyPr>
-            <a:normAutofit fontScale="92500" lnSpcReduction="10000"/>
-          </a:bodyPr>
-          <a:lstStyle/>
-          <a:p>
-            <a:r>
-              <a:rPr lang="de-DE" sz="2000" dirty="0"/>
-              <a:t>Login </a:t>
-            </a:r>
-          </a:p>
-          <a:p>
-            <a:r>
-              <a:rPr lang="de-DE" sz="2000" dirty="0"/>
-              <a:t>Setze currentUser</a:t>
-            </a:r>
-          </a:p>
-          <a:p>
-            <a:r>
-              <a:rPr lang="de-DE" sz="2000" dirty="0"/>
-              <a:t>Setze currentStadt anhand Heimatstadt des Users</a:t>
-            </a:r>
-          </a:p>
-          <a:p>
-            <a:r>
-              <a:rPr lang="de-DE" sz="2000" dirty="0"/>
-              <a:t>Upload eines Bildes</a:t>
-            </a:r>
-          </a:p>
-          <a:p>
-            <a:pPr lvl="1"/>
-            <a:r>
-              <a:rPr lang="de-DE" sz="1600" dirty="0"/>
-              <a:t>Drawable File einlesen</a:t>
-            </a:r>
-          </a:p>
-          <a:p>
-            <a:pPr lvl="1"/>
-            <a:r>
-              <a:rPr lang="de-DE" sz="1600" dirty="0"/>
-              <a:t>Zu String enkodieren</a:t>
-            </a:r>
-          </a:p>
-          <a:p>
-            <a:pPr lvl="1"/>
-            <a:r>
-              <a:rPr lang="de-DE" sz="1600" dirty="0"/>
-              <a:t>Bildobjekt erzeugen und zur Stadt hinzufügen</a:t>
-            </a:r>
-          </a:p>
-          <a:p>
-            <a:pPr lvl="1"/>
-            <a:r>
-              <a:rPr lang="de-DE" sz="1600" dirty="0"/>
-              <a:t>Stadtliste enkodieren und abspeichern</a:t>
-            </a:r>
-          </a:p>
-          <a:p>
-            <a:pPr lvl="1"/>
-            <a:r>
-              <a:rPr lang="de-DE" sz="1600" dirty="0"/>
-              <a:t>Benachrichtigung an Subscriber senden</a:t>
-            </a:r>
-          </a:p>
-          <a:p>
-            <a:pPr lvl="1"/>
-            <a:r>
-              <a:rPr lang="de-DE" sz="1600" dirty="0"/>
-              <a:t>Userliste enkodieren und abspeichern</a:t>
-            </a:r>
-            <a:endParaRPr lang="de-DE" sz="1200" dirty="0"/>
-          </a:p>
-          <a:p>
-            <a:r>
-              <a:rPr lang="de-DE" sz="2000" dirty="0"/>
-              <a:t>Aufruf eines Bildes</a:t>
-            </a:r>
-          </a:p>
-          <a:p>
-            <a:r>
-              <a:rPr lang="de-DE" sz="2000" dirty="0"/>
-              <a:t>Subscribe/Unsubscribe zur Stadt</a:t>
-            </a:r>
-          </a:p>
-          <a:p>
-            <a:r>
-              <a:rPr lang="de-DE" sz="2000" dirty="0"/>
-              <a:t>Anzeige der Benachrichtigungen</a:t>
-            </a:r>
-          </a:p>
-          <a:p>
-            <a:r>
-              <a:rPr lang="de-DE" sz="2000" dirty="0"/>
-              <a:t>Logout</a:t>
-            </a:r>
-          </a:p>
-          <a:p>
-            <a:endParaRPr lang="de-DE" sz="2000" dirty="0"/>
+              <a:t>Klassen-diagramm</a:t>
+            </a:r>
           </a:p>
         </p:txBody>
       </p:sp>
@@ -10510,10 +10687,44 @@
           </a:p>
         </p:txBody>
       </p:sp>
+      <p:pic>
+        <p:nvPicPr>
+          <p:cNvPr id="4" name="Content Placeholder 3">
+            <a:extLst>
+              <a:ext uri="{FF2B5EF4-FFF2-40B4-BE49-F238E27FC236}">
+                <a16:creationId xmlns:a16="http://schemas.microsoft.com/office/drawing/2014/main" id="{832908C3-9D9B-5AF6-D8AE-FD34908985DA}"/>
+              </a:ext>
+            </a:extLst>
+          </p:cNvPr>
+          <p:cNvPicPr>
+            <a:picLocks noGrp="1" noChangeAspect="1"/>
+          </p:cNvPicPr>
+          <p:nvPr>
+            <p:ph idx="1"/>
+          </p:nvPr>
+        </p:nvPicPr>
+        <p:blipFill>
+          <a:blip r:embed="rId3">
+            <a:extLst>
+              <a:ext uri="{28A0092B-C50C-407E-A947-70E740481C1C}">
+                <a14:useLocalDpi xmlns:a14="http://schemas.microsoft.com/office/drawing/2010/main" val="0"/>
+              </a:ext>
+            </a:extLst>
+          </a:blip>
+          <a:srcRect/>
+          <a:stretch/>
+        </p:blipFill>
+        <p:spPr>
+          <a:xfrm>
+            <a:off x="2905126" y="365124"/>
+            <a:ext cx="8715373" cy="6012932"/>
+          </a:xfrm>
+        </p:spPr>
+      </p:pic>
     </p:spTree>
     <p:extLst>
       <p:ext uri="{BB962C8B-B14F-4D97-AF65-F5344CB8AC3E}">
-        <p14:creationId xmlns:p14="http://schemas.microsoft.com/office/powerpoint/2010/main" val="2702035577"/>
+        <p14:creationId xmlns:p14="http://schemas.microsoft.com/office/powerpoint/2010/main" val="408210267"/>
       </p:ext>
     </p:extLst>
   </p:cSld>

--- a/Audits/EPWS2223HausenKochZimmer Audit 3.pptx
+++ b/Audits/EPWS2223HausenKochZimmer Audit 3.pptx
@@ -5,23 +5,22 @@
     <p:sldMasterId id="2147483773" r:id="rId1"/>
   </p:sldMasterIdLst>
   <p:notesMasterIdLst>
-    <p:notesMasterId r:id="rId13"/>
+    <p:notesMasterId r:id="rId12"/>
   </p:notesMasterIdLst>
   <p:handoutMasterIdLst>
-    <p:handoutMasterId r:id="rId14"/>
+    <p:handoutMasterId r:id="rId13"/>
   </p:handoutMasterIdLst>
   <p:sldIdLst>
     <p:sldId id="256" r:id="rId2"/>
     <p:sldId id="260" r:id="rId3"/>
     <p:sldId id="259" r:id="rId4"/>
-    <p:sldId id="267" r:id="rId5"/>
-    <p:sldId id="263" r:id="rId6"/>
-    <p:sldId id="261" r:id="rId7"/>
-    <p:sldId id="258" r:id="rId8"/>
-    <p:sldId id="266" r:id="rId9"/>
-    <p:sldId id="262" r:id="rId10"/>
-    <p:sldId id="264" r:id="rId11"/>
-    <p:sldId id="265" r:id="rId12"/>
+    <p:sldId id="263" r:id="rId5"/>
+    <p:sldId id="261" r:id="rId6"/>
+    <p:sldId id="258" r:id="rId7"/>
+    <p:sldId id="266" r:id="rId8"/>
+    <p:sldId id="262" r:id="rId9"/>
+    <p:sldId id="264" r:id="rId10"/>
+    <p:sldId id="265" r:id="rId11"/>
   </p:sldIdLst>
   <p:sldSz cx="12192000" cy="6858000"/>
   <p:notesSz cx="6858000" cy="9144000"/>
@@ -128,7 +127,6 @@
             <p14:sldId id="256"/>
             <p14:sldId id="260"/>
             <p14:sldId id="259"/>
-            <p14:sldId id="267"/>
             <p14:sldId id="263"/>
             <p14:sldId id="261"/>
             <p14:sldId id="258"/>
@@ -815,20 +813,7 @@
           <a:bodyPr/>
           <a:lstStyle/>
           <a:p>
-            <a:r>
-              <a:rPr lang="de-DE" dirty="0"/>
-              <a:t>Im ersten Prototypen wurde versucht die Kernfunktionalitäten des Systems umzusetzen, der Upload von Bildern sowie damit einhergehende Pub/Sub Funktionalität. Die Grundlage für die Lösungsansätze wurden durch die PoCs, die Use Case Spezifikation sowie das Klassendiagramm gegeben. Hier ist anzumerken, dass eine detailliertere Interaktionsmodellierung die Arbeit hätte erleichtern können. Der Login erfolgt nach dem im dazugehörigen PoC getestetem Prinzip. Der damit eingeloggte User wird bis zum Logout zum currentUser. Daraufhin wird eine Liste aller Stadtobjekte geladen und anhand der Heimatstadt des Users die currentStadt gesetzt. Dem User werden daraufhin 4 Buttons angeboten (Upload, Aufruf, Sub/Unsub, Logout). Beim Upload sowie beim Aufruf eines Bildes wird aktuell noch ein hardcoded Bild verwendet. Beim Upload wird der Filepath zu diesem Bild fest verwendet und der Aufruf greift stets auf das erste Bild in der Bilderliste der Stadt zu. Dies gilt es in der weiteren Entwicklung so zu erweitern, dass ein beliebiges Bild hochgeladen und aufgerufen werden kann. Die Pub/Sub Funktionalität ist dahingegen im Grunde vollständig implementiert. Zu bedenken wäre nur ob die Verwaltung der eingegangenen Benachrichtigungen noch zu erweitern ist.</a:t>
-            </a:r>
-            <a:br>
-              <a:rPr lang="de-DE" dirty="0"/>
-            </a:br>
-            <a:br>
-              <a:rPr lang="de-DE" dirty="0"/>
-            </a:br>
-            <a:r>
-              <a:rPr lang="de-DE" dirty="0"/>
-              <a:t>Ein wichtiger Punkt bei diesem Prototypen ist, dass die Datenverwaltung auschlieslich über JSON erfolgt. So werden (1) die Bildaten zu einem String enkodiert, (2) diese in einem Bildobjekt gespeichert, (3) was Teil eines Stadtobjekts ist, (4) welches Teil einer Liste aus Stadtobjekten ist, (5) die wiederrum zum einem JSON-String enkodiert wird und (6) dieser String wird in eine entsprechende Datei geschrieben. Diese Datei, diese Liste wird zum Beginn der Activity geladen. Dies bedeutet, dass der komplette Inhalt der Datenhaltung in den Speicher geladen wird. Ab einer bestimmten Größe ist dies nicht mehr angemessen. Dieser Problematik sind wir uns bewusst aber wegen des Umfangs unseres Prototypen wird dieser Zustand in Kauf genommen. Die Alternative wäre ein Datenbanksystem einzubinden, darauf wurde aus Zeitgründen verzichtet.</a:t>
-            </a:r>
+            <a:endParaRPr lang="de-DE" dirty="0"/>
           </a:p>
         </p:txBody>
       </p:sp>
@@ -850,90 +835,6 @@
             <a:fld id="{28D422E8-2025-4E88-B448-A26268B25EC5}" type="slidenum">
               <a:rPr lang="de-DE" smtClean="0"/>
               <a:t>10</a:t>
-            </a:fld>
-            <a:endParaRPr lang="de-DE"/>
-          </a:p>
-        </p:txBody>
-      </p:sp>
-    </p:spTree>
-    <p:extLst>
-      <p:ext uri="{BB962C8B-B14F-4D97-AF65-F5344CB8AC3E}">
-        <p14:creationId xmlns:p14="http://schemas.microsoft.com/office/powerpoint/2010/main" val="109453928"/>
-      </p:ext>
-    </p:extLst>
-  </p:cSld>
-  <p:clrMapOvr>
-    <a:masterClrMapping/>
-  </p:clrMapOvr>
-</p:notes>
-</file>
-
-<file path=ppt/notesSlides/notesSlide11.xml><?xml version="1.0" encoding="utf-8"?>
-<p:notes xmlns:a="http://schemas.openxmlformats.org/drawingml/2006/main" xmlns:r="http://schemas.openxmlformats.org/officeDocument/2006/relationships" xmlns:p="http://schemas.openxmlformats.org/presentationml/2006/main">
-  <p:cSld>
-    <p:spTree>
-      <p:nvGrpSpPr>
-        <p:cNvPr id="1" name=""/>
-        <p:cNvGrpSpPr/>
-        <p:nvPr/>
-      </p:nvGrpSpPr>
-      <p:grpSpPr>
-        <a:xfrm>
-          <a:off x="0" y="0"/>
-          <a:ext cx="0" cy="0"/>
-          <a:chOff x="0" y="0"/>
-          <a:chExt cx="0" cy="0"/>
-        </a:xfrm>
-      </p:grpSpPr>
-      <p:sp>
-        <p:nvSpPr>
-          <p:cNvPr id="2" name="Folienbildplatzhalter 1"/>
-          <p:cNvSpPr>
-            <a:spLocks noGrp="1" noRot="1" noChangeAspect="1"/>
-          </p:cNvSpPr>
-          <p:nvPr>
-            <p:ph type="sldImg"/>
-          </p:nvPr>
-        </p:nvSpPr>
-        <p:spPr/>
-      </p:sp>
-      <p:sp>
-        <p:nvSpPr>
-          <p:cNvPr id="3" name="Notizenplatzhalter 2"/>
-          <p:cNvSpPr>
-            <a:spLocks noGrp="1"/>
-          </p:cNvSpPr>
-          <p:nvPr>
-            <p:ph type="body" idx="1"/>
-          </p:nvPr>
-        </p:nvSpPr>
-        <p:spPr/>
-        <p:txBody>
-          <a:bodyPr/>
-          <a:lstStyle/>
-          <a:p>
-            <a:endParaRPr lang="de-DE" dirty="0"/>
-          </a:p>
-        </p:txBody>
-      </p:sp>
-      <p:sp>
-        <p:nvSpPr>
-          <p:cNvPr id="4" name="Foliennummernplatzhalter 3"/>
-          <p:cNvSpPr>
-            <a:spLocks noGrp="1"/>
-          </p:cNvSpPr>
-          <p:nvPr>
-            <p:ph type="sldNum" sz="quarter" idx="5"/>
-          </p:nvPr>
-        </p:nvSpPr>
-        <p:spPr/>
-        <p:txBody>
-          <a:bodyPr/>
-          <a:lstStyle/>
-          <a:p>
-            <a:fld id="{28D422E8-2025-4E88-B448-A26268B25EC5}" type="slidenum">
-              <a:rPr lang="de-DE" smtClean="0"/>
-              <a:t>11</a:t>
             </a:fld>
             <a:endParaRPr lang="de-DE"/>
           </a:p>
@@ -1200,7 +1101,19 @@
           <a:bodyPr/>
           <a:lstStyle/>
           <a:p>
-            <a:endParaRPr lang="de-DE" dirty="0"/>
+            <a:r>
+              <a:rPr lang="de-DE" dirty="0"/>
+              <a:t>Die POC mit </a:t>
+            </a:r>
+            <a:r>
+              <a:rPr lang="de-DE" sz="1200" b="0" dirty="0" err="1"/>
+              <a:t>Priority</a:t>
+            </a:r>
+            <a:r>
+              <a:rPr lang="de-DE" sz="1200" b="0" dirty="0"/>
+              <a:t> decken die kern Funktionalitäten unseres Systems ab und wurden demensprechen eingeteilt. Die POCs decken sich ebenfalls mit unseren Use Cases.</a:t>
+            </a:r>
+            <a:endParaRPr lang="de-DE" b="0" dirty="0"/>
           </a:p>
         </p:txBody>
       </p:sp>
@@ -1230,7 +1143,7 @@
     </p:spTree>
     <p:extLst>
       <p:ext uri="{BB962C8B-B14F-4D97-AF65-F5344CB8AC3E}">
-        <p14:creationId xmlns:p14="http://schemas.microsoft.com/office/powerpoint/2010/main" val="3468436000"/>
+        <p14:creationId xmlns:p14="http://schemas.microsoft.com/office/powerpoint/2010/main" val="2616213806"/>
       </p:ext>
     </p:extLst>
   </p:cSld>
@@ -1286,17 +1199,218 @@
           <a:p>
             <a:r>
               <a:rPr lang="de-DE" dirty="0"/>
-              <a:t>Die POC mit </a:t>
-            </a:r>
-            <a:r>
-              <a:rPr lang="de-DE" sz="1200" b="0" dirty="0" err="1"/>
-              <a:t>Priority</a:t>
-            </a:r>
-            <a:r>
-              <a:rPr lang="de-DE" sz="1200" b="0" dirty="0"/>
-              <a:t> decken die kern Funktionalitäten unseres Systems ab und wurden demensprechen eingeteilt. Die POCs decken sich ebenfalls mit unseren Use Cases.</a:t>
-            </a:r>
-            <a:endParaRPr lang="de-DE" b="0" dirty="0"/>
+              <a:t>Upload eines Bildes</a:t>
+            </a:r>
+          </a:p>
+          <a:p>
+            <a:r>
+              <a:rPr lang="de-DE" dirty="0"/>
+              <a:t>Ablauf: Beim diesem POC ist geplant, dass er neben der Verarbeitung der gängigen </a:t>
+            </a:r>
+            <a:r>
+              <a:rPr lang="de-DE" dirty="0" err="1"/>
+              <a:t>Bildatei</a:t>
+            </a:r>
+            <a:r>
+              <a:rPr lang="de-DE" dirty="0"/>
+              <a:t> ebenso einige der für das System relevanten Metadaten der digitalisierten </a:t>
+            </a:r>
+            <a:r>
+              <a:rPr lang="de-DE" dirty="0" err="1"/>
+              <a:t>Bildatei</a:t>
+            </a:r>
+            <a:r>
+              <a:rPr lang="de-DE" dirty="0"/>
+              <a:t> verarbeitet. Als gängige </a:t>
+            </a:r>
+            <a:r>
+              <a:rPr lang="de-DE" dirty="0" err="1"/>
+              <a:t>Bildateien</a:t>
+            </a:r>
+            <a:r>
+              <a:rPr lang="de-DE" dirty="0"/>
+              <a:t> sind uns </a:t>
+            </a:r>
+            <a:r>
+              <a:rPr lang="de-DE" dirty="0" err="1"/>
+              <a:t>png</a:t>
+            </a:r>
+            <a:r>
+              <a:rPr lang="de-DE" dirty="0"/>
+              <a:t>, </a:t>
+            </a:r>
+            <a:r>
+              <a:rPr lang="de-DE" dirty="0" err="1"/>
+              <a:t>jpeg</a:t>
+            </a:r>
+            <a:r>
+              <a:rPr lang="de-DE" dirty="0"/>
+              <a:t> sowie </a:t>
+            </a:r>
+            <a:r>
+              <a:rPr lang="de-DE" dirty="0" err="1"/>
+              <a:t>webp</a:t>
+            </a:r>
+            <a:r>
+              <a:rPr lang="de-DE" dirty="0"/>
+              <a:t> geläufig und bei Recherchen zu Bildverarbeitung durch </a:t>
+            </a:r>
+            <a:r>
+              <a:rPr lang="de-DE" dirty="0" err="1"/>
+              <a:t>Kotlin</a:t>
+            </a:r>
+            <a:r>
+              <a:rPr lang="de-DE" dirty="0"/>
+              <a:t>, haben wir diese Formate als </a:t>
+            </a:r>
+            <a:r>
+              <a:rPr lang="de-DE" dirty="0" err="1"/>
+              <a:t>standart</a:t>
+            </a:r>
+            <a:r>
+              <a:rPr lang="de-DE" dirty="0"/>
+              <a:t> verarbeitbare Formate Identifiziert. Als relevante Metadaten haben wir die Auflösung, Bildformat, Uploader identifiziert, diese dienen vor allem zur Qualitätskontrolle, zum Verarbeiten und zum Zuordnen.</a:t>
+            </a:r>
+          </a:p>
+          <a:p>
+            <a:r>
+              <a:rPr lang="de-DE" dirty="0"/>
+              <a:t>Exit-Kriterien, Fail- Kriterien: Ergeben sich aus dem Ablauf des POCs</a:t>
+            </a:r>
+          </a:p>
+          <a:p>
+            <a:r>
+              <a:rPr lang="de-DE" dirty="0" err="1"/>
+              <a:t>Fallback</a:t>
+            </a:r>
+            <a:r>
+              <a:rPr lang="de-DE" dirty="0"/>
+              <a:t>: Der </a:t>
+            </a:r>
+            <a:r>
+              <a:rPr lang="de-DE" dirty="0" err="1"/>
+              <a:t>Fallback</a:t>
+            </a:r>
+            <a:r>
+              <a:rPr lang="de-DE" dirty="0"/>
+              <a:t> des </a:t>
+            </a:r>
+            <a:r>
+              <a:rPr lang="de-DE" dirty="0" err="1"/>
+              <a:t>Bilderuplads</a:t>
+            </a:r>
+            <a:r>
+              <a:rPr lang="de-DE" dirty="0"/>
+              <a:t> per Fehlermeldung soll es ermöglichen das der User immer sein Upload aus seiner Sicht erledigen kann oder wenn nötig weiß das er dies z.B. später ohne Probleme erledigen kann. Das System kann bei Störungen nicht auf alternative Funktionalitäten zurückgreifen, da der Upload als Kernfunktionalität nicht angemessen genug ersetzt werden könnte.</a:t>
+            </a:r>
+          </a:p>
+          <a:p>
+            <a:r>
+              <a:rPr lang="de-DE" dirty="0"/>
+              <a:t>Ein Fehler beim verarbeiten der Metadaten der Bilder darf den wesentlich wichtigeren Ablauf des POC nicht stören, da diese wenn nötig auch zu einem späteren Zeitpunkt ergänzt werden können.</a:t>
+            </a:r>
+          </a:p>
+          <a:p>
+            <a:r>
+              <a:rPr lang="de-DE" dirty="0"/>
+              <a:t>Die Begrenzung der </a:t>
+            </a:r>
+            <a:r>
+              <a:rPr lang="de-DE" dirty="0" err="1"/>
+              <a:t>Uploadbaren</a:t>
+            </a:r>
+            <a:r>
+              <a:rPr lang="de-DE" dirty="0"/>
+              <a:t> </a:t>
+            </a:r>
+            <a:r>
+              <a:rPr lang="de-DE" dirty="0" err="1"/>
+              <a:t>Bilformate</a:t>
+            </a:r>
+            <a:r>
+              <a:rPr lang="de-DE" dirty="0"/>
+              <a:t> auf z.B. nur </a:t>
+            </a:r>
+            <a:r>
+              <a:rPr lang="de-DE" dirty="0" err="1"/>
+              <a:t>jpq</a:t>
+            </a:r>
+            <a:r>
+              <a:rPr lang="de-DE" dirty="0"/>
+              <a:t> ist eine Option um die Funktionalität zusichern, würde aber auch die User Experimente negativ einfließen.</a:t>
+            </a:r>
+          </a:p>
+          <a:p>
+            <a:r>
+              <a:rPr lang="de-DE" dirty="0"/>
+              <a:t>Gelaufener POC: Der </a:t>
+            </a:r>
+            <a:r>
+              <a:rPr lang="de-DE" dirty="0" err="1"/>
+              <a:t>Úpload</a:t>
+            </a:r>
+            <a:r>
+              <a:rPr lang="de-DE" dirty="0"/>
+              <a:t> des Bilds hat geklappt, jedoch ist aus Zeitgründen die Speicherung und die gängigen Bildformate wie im </a:t>
+            </a:r>
+            <a:r>
+              <a:rPr lang="de-DE" dirty="0" err="1"/>
+              <a:t>Fallback</a:t>
+            </a:r>
+            <a:r>
+              <a:rPr lang="de-DE" dirty="0"/>
+              <a:t> definiert nicht enthalten.</a:t>
+            </a:r>
+          </a:p>
+          <a:p>
+            <a:r>
+              <a:rPr lang="de-DE" dirty="0"/>
+              <a:t>Aufruf eines gespeicherten Bildes</a:t>
+            </a:r>
+          </a:p>
+          <a:p>
+            <a:r>
+              <a:rPr lang="de-DE" dirty="0"/>
+              <a:t>Bei diesem POC soll sichergestellt werden das die User des User-Contents eine entsprechende Anzeige erhalten, um eine Irritation zu verhindern. </a:t>
+            </a:r>
+          </a:p>
+          <a:p>
+            <a:r>
+              <a:rPr lang="de-DE" dirty="0"/>
+              <a:t>Gelaufener POC: Durch Probleme </a:t>
+            </a:r>
+            <a:r>
+              <a:rPr lang="de-DE"/>
+              <a:t>bei </a:t>
+            </a:r>
+            <a:r>
+              <a:rPr lang="de-DE" dirty="0"/>
+              <a:t>Z</a:t>
+            </a:r>
+            <a:r>
+              <a:rPr lang="de-DE"/>
+              <a:t>ugriffsrechten </a:t>
+            </a:r>
+            <a:r>
+              <a:rPr lang="de-DE" dirty="0"/>
+              <a:t>unter Android und Fehler beim schreiben in der </a:t>
+            </a:r>
+            <a:r>
+              <a:rPr lang="de-DE" dirty="0" err="1"/>
+              <a:t>realtime</a:t>
+            </a:r>
+            <a:r>
+              <a:rPr lang="de-DE" dirty="0"/>
+              <a:t> Datenbank, wird das Bild aus dem </a:t>
+            </a:r>
+            <a:r>
+              <a:rPr lang="de-DE" dirty="0" err="1"/>
+              <a:t>programm</a:t>
+            </a:r>
+            <a:r>
+              <a:rPr lang="de-DE" dirty="0"/>
+              <a:t> Speicher zur Laufzeit geladen.</a:t>
+            </a:r>
           </a:p>
         </p:txBody>
       </p:sp>
@@ -1326,7 +1440,7 @@
     </p:spTree>
     <p:extLst>
       <p:ext uri="{BB962C8B-B14F-4D97-AF65-F5344CB8AC3E}">
-        <p14:creationId xmlns:p14="http://schemas.microsoft.com/office/powerpoint/2010/main" val="2616213806"/>
+        <p14:creationId xmlns:p14="http://schemas.microsoft.com/office/powerpoint/2010/main" val="2618932596"/>
       </p:ext>
     </p:extLst>
   </p:cSld>
@@ -1380,220 +1494,97 @@
           <a:bodyPr/>
           <a:lstStyle/>
           <a:p>
-            <a:r>
-              <a:rPr lang="de-DE" dirty="0"/>
-              <a:t>Upload eines Bildes</a:t>
-            </a:r>
-          </a:p>
-          <a:p>
-            <a:r>
-              <a:rPr lang="de-DE" dirty="0"/>
-              <a:t>Ablauf: Beim diesem POC ist geplant, dass er neben der Verarbeitung der gängigen </a:t>
-            </a:r>
-            <a:r>
-              <a:rPr lang="de-DE" dirty="0" err="1"/>
-              <a:t>Bildatei</a:t>
-            </a:r>
-            <a:r>
-              <a:rPr lang="de-DE" dirty="0"/>
-              <a:t> ebenso einige der für das System relevanten Metadaten der digitalisierten </a:t>
-            </a:r>
-            <a:r>
-              <a:rPr lang="de-DE" dirty="0" err="1"/>
-              <a:t>Bildatei</a:t>
-            </a:r>
-            <a:r>
-              <a:rPr lang="de-DE" dirty="0"/>
-              <a:t> verarbeitet. Als gängige </a:t>
-            </a:r>
-            <a:r>
-              <a:rPr lang="de-DE" dirty="0" err="1"/>
-              <a:t>Bildateien</a:t>
-            </a:r>
-            <a:r>
-              <a:rPr lang="de-DE" dirty="0"/>
-              <a:t> sind uns </a:t>
-            </a:r>
-            <a:r>
-              <a:rPr lang="de-DE" dirty="0" err="1"/>
-              <a:t>png</a:t>
-            </a:r>
-            <a:r>
-              <a:rPr lang="de-DE" dirty="0"/>
-              <a:t>, </a:t>
-            </a:r>
-            <a:r>
-              <a:rPr lang="de-DE" dirty="0" err="1"/>
-              <a:t>jpeg</a:t>
-            </a:r>
-            <a:r>
-              <a:rPr lang="de-DE" dirty="0"/>
-              <a:t> sowie </a:t>
-            </a:r>
-            <a:r>
-              <a:rPr lang="de-DE" dirty="0" err="1"/>
-              <a:t>webp</a:t>
-            </a:r>
-            <a:r>
-              <a:rPr lang="de-DE" dirty="0"/>
-              <a:t> geläufig und bei Recherchen zu Bildverarbeitung durch </a:t>
-            </a:r>
-            <a:r>
-              <a:rPr lang="de-DE" dirty="0" err="1"/>
-              <a:t>Kotlin</a:t>
-            </a:r>
-            <a:r>
-              <a:rPr lang="de-DE" dirty="0"/>
-              <a:t>, haben wir diese Formate als </a:t>
-            </a:r>
-            <a:r>
-              <a:rPr lang="de-DE" dirty="0" err="1"/>
-              <a:t>standart</a:t>
-            </a:r>
-            <a:r>
-              <a:rPr lang="de-DE" dirty="0"/>
-              <a:t> verarbeitbare Formate Identifiziert. Als relevante Metadaten haben wir die Auflösung, Bildformat, Uploader identifiziert, diese dienen vor allem zur Qualitätskontrolle, zum Verarbeiten und zum Zuordnen.</a:t>
-            </a:r>
-          </a:p>
-          <a:p>
-            <a:r>
-              <a:rPr lang="de-DE" dirty="0"/>
-              <a:t>Exit-Kriterien, Fail- Kriterien: Ergeben sich aus dem Ablauf des POCs</a:t>
-            </a:r>
-          </a:p>
-          <a:p>
-            <a:r>
-              <a:rPr lang="de-DE" dirty="0" err="1"/>
-              <a:t>Fallback</a:t>
-            </a:r>
-            <a:r>
-              <a:rPr lang="de-DE" dirty="0"/>
-              <a:t>: Der </a:t>
-            </a:r>
-            <a:r>
-              <a:rPr lang="de-DE" dirty="0" err="1"/>
-              <a:t>Fallback</a:t>
-            </a:r>
-            <a:r>
-              <a:rPr lang="de-DE" dirty="0"/>
-              <a:t> des </a:t>
-            </a:r>
-            <a:r>
-              <a:rPr lang="de-DE" dirty="0" err="1"/>
-              <a:t>Bilderuplads</a:t>
-            </a:r>
-            <a:r>
-              <a:rPr lang="de-DE" dirty="0"/>
-              <a:t> per Fehlermeldung soll es ermöglichen das der User immer sein Upload aus seiner Sicht erledigen kann oder wenn nötig weiß das er dies z.B. später ohne Probleme erledigen kann. Das System kann bei Störungen nicht auf alternative Funktionalitäten zurückgreifen, da der Upload als Kernfunktionalität nicht angemessen genug ersetzt werden könnte.</a:t>
-            </a:r>
-          </a:p>
-          <a:p>
-            <a:r>
-              <a:rPr lang="de-DE" dirty="0"/>
-              <a:t>Ein Fehler beim verarbeiten der Metadaten der Bilder darf den wesentlich wichtigeren Ablauf des POC nicht stören, da diese wenn nötig auch zu einem späteren Zeitpunkt ergänzt werden können.</a:t>
-            </a:r>
-          </a:p>
-          <a:p>
-            <a:r>
-              <a:rPr lang="de-DE" dirty="0"/>
-              <a:t>Die Begrenzung der </a:t>
-            </a:r>
-            <a:r>
-              <a:rPr lang="de-DE" dirty="0" err="1"/>
-              <a:t>Uploadbaren</a:t>
-            </a:r>
-            <a:r>
-              <a:rPr lang="de-DE" dirty="0"/>
-              <a:t> </a:t>
-            </a:r>
-            <a:r>
-              <a:rPr lang="de-DE" dirty="0" err="1"/>
-              <a:t>Bilformate</a:t>
-            </a:r>
-            <a:r>
-              <a:rPr lang="de-DE" dirty="0"/>
-              <a:t> auf z.B. nur </a:t>
-            </a:r>
-            <a:r>
-              <a:rPr lang="de-DE" dirty="0" err="1"/>
-              <a:t>jpq</a:t>
-            </a:r>
-            <a:r>
-              <a:rPr lang="de-DE" dirty="0"/>
-              <a:t> ist eine Option um die Funktionalität zusichern, würde aber auch die User Experimente negativ einfließen.</a:t>
-            </a:r>
-          </a:p>
-          <a:p>
-            <a:r>
-              <a:rPr lang="de-DE" dirty="0"/>
-              <a:t>Gelaufener POC: Der </a:t>
-            </a:r>
-            <a:r>
-              <a:rPr lang="de-DE" dirty="0" err="1"/>
-              <a:t>Úpload</a:t>
-            </a:r>
-            <a:r>
-              <a:rPr lang="de-DE" dirty="0"/>
-              <a:t> des Bilds hat geklappt, jedoch ist aus Zeitgründen die Speicherung und die gängigen Bildformate wie im </a:t>
-            </a:r>
-            <a:r>
-              <a:rPr lang="de-DE" dirty="0" err="1"/>
-              <a:t>Fallback</a:t>
-            </a:r>
-            <a:r>
-              <a:rPr lang="de-DE" dirty="0"/>
-              <a:t> definiert nicht enthalten.</a:t>
-            </a:r>
-          </a:p>
-          <a:p>
-            <a:r>
-              <a:rPr lang="de-DE" dirty="0"/>
-              <a:t>Aufruf eines gespeicherten Bildes</a:t>
-            </a:r>
-          </a:p>
-          <a:p>
-            <a:r>
-              <a:rPr lang="de-DE" dirty="0"/>
-              <a:t>Bei diesem POC soll sichergestellt werden das die User des User-Contents eine entsprechende Anzeige erhalten, um eine Irritation zu verhindern. </a:t>
-            </a:r>
-          </a:p>
-          <a:p>
-            <a:r>
-              <a:rPr lang="de-DE" dirty="0"/>
-              <a:t>Gelaufener POC: Durch Probleme </a:t>
-            </a:r>
-            <a:r>
-              <a:rPr lang="de-DE"/>
-              <a:t>bei </a:t>
-            </a:r>
-            <a:r>
-              <a:rPr lang="de-DE" dirty="0"/>
-              <a:t>Z</a:t>
-            </a:r>
-            <a:r>
-              <a:rPr lang="de-DE"/>
-              <a:t>ugriffsrechten </a:t>
-            </a:r>
-            <a:r>
-              <a:rPr lang="de-DE" dirty="0"/>
-              <a:t>unter Android und Fehler beim schreiben in der </a:t>
-            </a:r>
-            <a:r>
-              <a:rPr lang="de-DE" dirty="0" err="1"/>
-              <a:t>realtime</a:t>
-            </a:r>
-            <a:r>
-              <a:rPr lang="de-DE" dirty="0"/>
-              <a:t> Datenbank, wird das Bild aus dem </a:t>
-            </a:r>
-            <a:r>
-              <a:rPr lang="de-DE" dirty="0" err="1"/>
-              <a:t>programm</a:t>
-            </a:r>
-            <a:r>
-              <a:rPr lang="de-DE" dirty="0"/>
-              <a:t> Speicher zur Laufzeit geladen.</a:t>
-            </a:r>
+            <a:pPr marL="0" marR="0" lvl="0" indent="0" algn="l" defTabSz="914400" rtl="0" eaLnBrk="1" fontAlgn="auto" latinLnBrk="0" hangingPunct="1">
+              <a:lnSpc>
+                <a:spcPct val="100000"/>
+              </a:lnSpc>
+              <a:spcBef>
+                <a:spcPts val="0"/>
+              </a:spcBef>
+              <a:spcAft>
+                <a:spcPts val="0"/>
+              </a:spcAft>
+              <a:buClrTx/>
+              <a:buSzTx/>
+              <a:buFontTx/>
+              <a:buNone/>
+              <a:tabLst/>
+              <a:defRPr/>
+            </a:pPr>
+            <a:r>
+              <a:rPr lang="de-DE" b="0" i="0" dirty="0">
+                <a:solidFill>
+                  <a:srgbClr val="374151"/>
+                </a:solidFill>
+                <a:effectLst/>
+                <a:latin typeface="Söhne"/>
+              </a:rPr>
+              <a:t>Dieser Code implementiert eine Pub/Sub-Funktionalität für eine Android-App. Es gibt zwei Schaltflächen in der Benutzeroberfläche, eine zum Abonnieren (</a:t>
+            </a:r>
+            <a:r>
+              <a:rPr lang="de-DE" b="0" i="0" dirty="0" err="1">
+                <a:solidFill>
+                  <a:srgbClr val="374151"/>
+                </a:solidFill>
+                <a:effectLst/>
+                <a:latin typeface="Söhne"/>
+              </a:rPr>
+              <a:t>subscribe</a:t>
+            </a:r>
+            <a:r>
+              <a:rPr lang="de-DE" b="0" i="0" dirty="0">
+                <a:solidFill>
+                  <a:srgbClr val="374151"/>
+                </a:solidFill>
+                <a:effectLst/>
+                <a:latin typeface="Söhne"/>
+              </a:rPr>
+              <a:t>) und eine zum Veröffentlichen (publish). Beim Klicken auf die Schaltfläche „</a:t>
+            </a:r>
+            <a:r>
+              <a:rPr lang="de-DE" b="0" i="0" dirty="0" err="1">
+                <a:solidFill>
+                  <a:srgbClr val="374151"/>
+                </a:solidFill>
+                <a:effectLst/>
+                <a:latin typeface="Söhne"/>
+              </a:rPr>
+              <a:t>Subscribe</a:t>
+            </a:r>
+            <a:r>
+              <a:rPr lang="de-DE" b="0" i="0" dirty="0">
+                <a:solidFill>
+                  <a:srgbClr val="374151"/>
+                </a:solidFill>
+                <a:effectLst/>
+                <a:latin typeface="Söhne"/>
+              </a:rPr>
+              <a:t>" wird geprüft, ob der Benutzername bereits in der Liste der Abonnenten enthalten ist. Wenn nicht, wird der Benutzername zur Liste hinzugefügt. Wenn der Benutzername bereits in der Liste vorhanden ist, wird er aus der Liste entfernt und eine Meldung „</a:t>
+            </a:r>
+            <a:r>
+              <a:rPr lang="de-DE" b="0" i="0" dirty="0" err="1">
+                <a:solidFill>
+                  <a:srgbClr val="374151"/>
+                </a:solidFill>
+                <a:effectLst/>
+                <a:latin typeface="Söhne"/>
+              </a:rPr>
+              <a:t>Unsubscribed</a:t>
+            </a:r>
+            <a:r>
+              <a:rPr lang="de-DE" b="0" i="0" dirty="0">
+                <a:solidFill>
+                  <a:srgbClr val="374151"/>
+                </a:solidFill>
+                <a:effectLst/>
+                <a:latin typeface="Söhne"/>
+              </a:rPr>
+              <a:t>" angezeigt. Beim Klicken auf die Schaltfläche "Veröffentlichen" soll ein Abonnent die Möglichkeit haben, ein Bild zu einer  Stadt hochzuladen und anschließend werden alle Abonnenten in der Liste benachrichtigt. Wenn ein User nicht subscribed ist, hat er nicht die Möglichkeit, ein Bild zu einer Stadt hochzuladen.</a:t>
+            </a:r>
+            <a:endParaRPr lang="de-DE" dirty="0"/>
+          </a:p>
+          <a:p>
+            <a:endParaRPr lang="de-DE" dirty="0"/>
           </a:p>
         </p:txBody>
       </p:sp>
@@ -1623,7 +1614,7 @@
     </p:spTree>
     <p:extLst>
       <p:ext uri="{BB962C8B-B14F-4D97-AF65-F5344CB8AC3E}">
-        <p14:creationId xmlns:p14="http://schemas.microsoft.com/office/powerpoint/2010/main" val="2618932596"/>
+        <p14:creationId xmlns:p14="http://schemas.microsoft.com/office/powerpoint/2010/main" val="2321389857"/>
       </p:ext>
     </p:extLst>
   </p:cSld>
@@ -1652,7 +1643,7 @@
       </p:grpSpPr>
       <p:sp>
         <p:nvSpPr>
-          <p:cNvPr id="2" name="Folienbildplatzhalter 1"/>
+          <p:cNvPr id="2" name="Slide Image Placeholder 1"/>
           <p:cNvSpPr>
             <a:spLocks noGrp="1" noRot="1" noChangeAspect="1"/>
           </p:cNvSpPr>
@@ -1664,7 +1655,7 @@
       </p:sp>
       <p:sp>
         <p:nvSpPr>
-          <p:cNvPr id="3" name="Notizenplatzhalter 2"/>
+          <p:cNvPr id="3" name="Notes Placeholder 2"/>
           <p:cNvSpPr>
             <a:spLocks noGrp="1"/>
           </p:cNvSpPr>
@@ -1677,103 +1668,16 @@
           <a:bodyPr/>
           <a:lstStyle/>
           <a:p>
-            <a:pPr marL="0" marR="0" lvl="0" indent="0" algn="l" defTabSz="914400" rtl="0" eaLnBrk="1" fontAlgn="auto" latinLnBrk="0" hangingPunct="1">
-              <a:lnSpc>
-                <a:spcPct val="100000"/>
-              </a:lnSpc>
-              <a:spcBef>
-                <a:spcPts val="0"/>
-              </a:spcBef>
-              <a:spcAft>
-                <a:spcPts val="0"/>
-              </a:spcAft>
-              <a:buClrTx/>
-              <a:buSzTx/>
-              <a:buFontTx/>
-              <a:buNone/>
-              <a:tabLst/>
-              <a:defRPr/>
-            </a:pPr>
-            <a:r>
-              <a:rPr lang="de-DE" b="0" i="0" dirty="0">
-                <a:solidFill>
-                  <a:srgbClr val="374151"/>
-                </a:solidFill>
-                <a:effectLst/>
-                <a:latin typeface="Söhne"/>
-              </a:rPr>
-              <a:t>Dieser Code implementiert eine Pub/Sub-Funktionalität für eine Android-App. Es gibt zwei Schaltflächen in der Benutzeroberfläche, eine zum Abonnieren (</a:t>
-            </a:r>
-            <a:r>
-              <a:rPr lang="de-DE" b="0" i="0" dirty="0" err="1">
-                <a:solidFill>
-                  <a:srgbClr val="374151"/>
-                </a:solidFill>
-                <a:effectLst/>
-                <a:latin typeface="Söhne"/>
-              </a:rPr>
-              <a:t>subscribe</a:t>
-            </a:r>
-            <a:r>
-              <a:rPr lang="de-DE" b="0" i="0" dirty="0">
-                <a:solidFill>
-                  <a:srgbClr val="374151"/>
-                </a:solidFill>
-                <a:effectLst/>
-                <a:latin typeface="Söhne"/>
-              </a:rPr>
-              <a:t>) und eine zum Veröffentlichen (publish). Beim Klicken auf die Schaltfläche „</a:t>
-            </a:r>
-            <a:r>
-              <a:rPr lang="de-DE" b="0" i="0" dirty="0" err="1">
-                <a:solidFill>
-                  <a:srgbClr val="374151"/>
-                </a:solidFill>
-                <a:effectLst/>
-                <a:latin typeface="Söhne"/>
-              </a:rPr>
-              <a:t>Subscribe</a:t>
-            </a:r>
-            <a:r>
-              <a:rPr lang="de-DE" b="0" i="0" dirty="0">
-                <a:solidFill>
-                  <a:srgbClr val="374151"/>
-                </a:solidFill>
-                <a:effectLst/>
-                <a:latin typeface="Söhne"/>
-              </a:rPr>
-              <a:t>" wird geprüft, ob der Benutzername bereits in der Liste der Abonnenten enthalten ist. Wenn nicht, wird der Benutzername zur Liste hinzugefügt. Wenn der Benutzername bereits in der Liste vorhanden ist, wird er aus der Liste entfernt und eine Meldung „</a:t>
-            </a:r>
-            <a:r>
-              <a:rPr lang="de-DE" b="0" i="0" dirty="0" err="1">
-                <a:solidFill>
-                  <a:srgbClr val="374151"/>
-                </a:solidFill>
-                <a:effectLst/>
-                <a:latin typeface="Söhne"/>
-              </a:rPr>
-              <a:t>Unsubscribed</a:t>
-            </a:r>
-            <a:r>
-              <a:rPr lang="de-DE" b="0" i="0" dirty="0">
-                <a:solidFill>
-                  <a:srgbClr val="374151"/>
-                </a:solidFill>
-                <a:effectLst/>
-                <a:latin typeface="Söhne"/>
-              </a:rPr>
-              <a:t>" angezeigt. Beim Klicken auf die Schaltfläche "Veröffentlichen" soll ein Abonnent die Möglichkeit haben, ein Bild zu einer  Stadt hochzuladen und anschließend werden alle Abonnenten in der Liste benachrichtigt. Wenn ein User nicht subscribed ist, hat er nicht die Möglichkeit, ein Bild zu einer Stadt hochzuladen.</a:t>
-            </a:r>
-            <a:endParaRPr lang="de-DE" dirty="0"/>
-          </a:p>
-          <a:p>
-            <a:endParaRPr lang="de-DE" dirty="0"/>
-          </a:p>
-        </p:txBody>
-      </p:sp>
-      <p:sp>
-        <p:nvSpPr>
-          <p:cNvPr id="4" name="Foliennummernplatzhalter 3"/>
+            <a:r>
+              <a:rPr lang="de-DE" noProof="0" dirty="0"/>
+              <a:t>Im Rahmen des Login PoCs stand im Raum das Speichern und den Vergleich von Passwörtern mittels hash-codes umzusetzen. Selbstverständlich dürfen Passwörter nicht in Klartext gespeichert werden, allerdings fehlte us die Zeit sich mit dem Thema auseinanderzusetzen. Da wir aber auschlieslich mit Dummy-Usern und demnach Dummy-Passwörtern arbeiten, ist das Speichern dieser in Klartext zu verzeihen. Der PoC diente dann daraufhin die Deserialisation einer JSON Datei mit den Usernamen und Passwörten zu einer Liste mit Userobjekten zu erproben. Dies war erfolgreich und diese Funktionalität wird auch im Prototypen wiedeverwendet. Wäre dies nicht erfolgreich gewesen hätte einen einzelnen User fest erzeugt und den Login übersprungen oder eine Userliste zur Laufzeit fest erzeugt und damit den Login simuliert.</a:t>
+            </a:r>
+          </a:p>
+        </p:txBody>
+      </p:sp>
+      <p:sp>
+        <p:nvSpPr>
+          <p:cNvPr id="4" name="Slide Number Placeholder 3"/>
           <p:cNvSpPr>
             <a:spLocks noGrp="1"/>
           </p:cNvSpPr>
@@ -1797,7 +1701,7 @@
     </p:spTree>
     <p:extLst>
       <p:ext uri="{BB962C8B-B14F-4D97-AF65-F5344CB8AC3E}">
-        <p14:creationId xmlns:p14="http://schemas.microsoft.com/office/powerpoint/2010/main" val="2321389857"/>
+        <p14:creationId xmlns:p14="http://schemas.microsoft.com/office/powerpoint/2010/main" val="3932912972"/>
       </p:ext>
     </p:extLst>
   </p:cSld>
@@ -1826,7 +1730,7 @@
       </p:grpSpPr>
       <p:sp>
         <p:nvSpPr>
-          <p:cNvPr id="2" name="Slide Image Placeholder 1"/>
+          <p:cNvPr id="2" name="Folienbildplatzhalter 1"/>
           <p:cNvSpPr>
             <a:spLocks noGrp="1" noRot="1" noChangeAspect="1"/>
           </p:cNvSpPr>
@@ -1838,7 +1742,7 @@
       </p:sp>
       <p:sp>
         <p:nvSpPr>
-          <p:cNvPr id="3" name="Notes Placeholder 2"/>
+          <p:cNvPr id="3" name="Notizenplatzhalter 2"/>
           <p:cNvSpPr>
             <a:spLocks noGrp="1"/>
           </p:cNvSpPr>
@@ -1852,15 +1756,56 @@
           <a:lstStyle/>
           <a:p>
             <a:r>
-              <a:rPr lang="de-DE" noProof="0" dirty="0"/>
-              <a:t>Im Rahmen des Login PoCs stand im Raum das Speichern und den Vergleich von Passwörtern mittels hash-codes umzusetzen. Selbstverständlich dürfen Passwörter nicht in Klartext gespeichert werden, allerdings fehlte us die Zeit sich mit dem Thema auseinanderzusetzen. Da wir aber auschlieslich mit Dummy-Usern und demnach Dummy-Passwörtern arbeiten, ist das Speichern dieser in Klartext zu verzeihen. Der PoC diente dann daraufhin die Deserialisation einer JSON Datei mit den Usernamen und Passwörten zu einer Liste mit Userobjekten zu erproben. Dies war erfolgreich und diese Funktionalität wird auch im Prototypen wiedeverwendet. Wäre dies nicht erfolgreich gewesen hätte einen einzelnen User fest erzeugt und den Login übersprungen oder eine Userliste zur Laufzeit fest erzeugt und damit den Login simuliert.</a:t>
-            </a:r>
-          </a:p>
-        </p:txBody>
-      </p:sp>
-      <p:sp>
-        <p:nvSpPr>
-          <p:cNvPr id="4" name="Slide Number Placeholder 3"/>
+              <a:rPr lang="de-DE" dirty="0"/>
+              <a:t>Quelle zum Bild: https://github.com/sebastiankoch10/EPWS2223HausenKochZimmer/blob/639b4999fcf3b82715c466e36d7729fe9b0d42e7/Modellierungen/Klassendiagramm.PNG</a:t>
+            </a:r>
+          </a:p>
+          <a:p>
+            <a:endParaRPr lang="de-DE" dirty="0"/>
+          </a:p>
+          <a:p>
+            <a:r>
+              <a:rPr lang="de-DE" dirty="0"/>
+              <a:t>Im Rahmen der Modellierungen für das System wurde ein Klassendiagramm angefertigt, um damit festzulegen welche Informationen und Daten abgespeichert werden. Außerdem erfolgt hierdurch eine klare Struktur des Systems, es wird ersichtlich, dass zur Speicherung der Daten zwei Listen ausreichen. Eine Liste aller Städte, die jeweils die Bilder, Geschichten und ihr Forum beinhalten und eine Liste aller User.</a:t>
+            </a:r>
+          </a:p>
+          <a:p>
+            <a:br>
+              <a:rPr lang="de-DE" dirty="0"/>
+            </a:br>
+            <a:r>
+              <a:rPr lang="de-DE" dirty="0"/>
+              <a:t>Im Zuge der Programmierung der PoCs und des Prototypen durchlief das Diagramm einige Iterationen. So wurde zunächst vorgesehen, dass die unterschiedlichen Rollen der User als Erben implementiert werden. Da aber sich keine einzigartigen Attribute für diese Rollen ergeben haben, wurde darauf verzichtet und die Rolle wird als einfacher String gespeichert. Beim Aufruf einer Funktion, die eine bestimmte Rolle benötigt, wird dieses Attribut des aktuellen Users geprüft. Die vorgesehenen Rollen sind regulärer User, blockierter User, Experte (Verifikation), Moderator (Löschen von Beiträgen) und Administrator (Rollenzuweisung). </a:t>
+            </a:r>
+            <a:br>
+              <a:rPr lang="de-DE" dirty="0"/>
+            </a:br>
+            <a:r>
+              <a:rPr lang="de-DE" dirty="0"/>
+              <a:t>Außerdem war noch bis zur Programmierung unklar wie die Pub/Sub Funktionalität implementiert wird. Die dabei entwickelten Funktionen und Attribute wurden daraufhin zur Vollständigkeit im Klassendiagramm integriert. </a:t>
+            </a:r>
+            <a:br>
+              <a:rPr lang="de-DE" dirty="0"/>
+            </a:br>
+            <a:r>
+              <a:rPr lang="de-DE" dirty="0"/>
+              <a:t>Schlieslich ist noch aus der Programmierung erfolgt, dass vorher in den Subscriberlisten, Autoren, Uploader, usw. User als Typ vorgesehen waren. Allerdings würde dies dazu führen, dass die User mehrfach abgespeichert werden in diesen jeweiligen Attributen und der allgemeinen Liste aller User. Es ist nun vorgesehen nur die Namen zu speichern und bei Aufruf mit der Userliste zu vergleichen.</a:t>
+            </a:r>
+          </a:p>
+          <a:p>
+            <a:endParaRPr lang="de-DE" dirty="0"/>
+          </a:p>
+          <a:p>
+            <a:r>
+              <a:rPr lang="de-DE" dirty="0"/>
+              <a:t>Die Klassen zur Implementierung eines Forums und Chatfunktionen sind noch grob gehalten, da unklar ist, ob wir diese Funktionen in dem Prototypen implementieren. Sollte dies der Fall sein ist aber damit schon mal eine Grundlage geschaffen, die dann erweitert werden kann.</a:t>
+            </a:r>
+          </a:p>
+        </p:txBody>
+      </p:sp>
+      <p:sp>
+        <p:nvSpPr>
+          <p:cNvPr id="4" name="Foliennummernplatzhalter 3"/>
           <p:cNvSpPr>
             <a:spLocks noGrp="1"/>
           </p:cNvSpPr>
@@ -1884,7 +1829,7 @@
     </p:spTree>
     <p:extLst>
       <p:ext uri="{BB962C8B-B14F-4D97-AF65-F5344CB8AC3E}">
-        <p14:creationId xmlns:p14="http://schemas.microsoft.com/office/powerpoint/2010/main" val="3932912972"/>
+        <p14:creationId xmlns:p14="http://schemas.microsoft.com/office/powerpoint/2010/main" val="1078181049"/>
       </p:ext>
     </p:extLst>
   </p:cSld>
@@ -1940,48 +1885,17 @@
           <a:p>
             <a:r>
               <a:rPr lang="de-DE" dirty="0"/>
-              <a:t>Quelle zum Bild: https://github.com/sebastiankoch10/EPWS2223HausenKochZimmer/blob/639b4999fcf3b82715c466e36d7729fe9b0d42e7/Modellierungen/Klassendiagramm.PNG</a:t>
-            </a:r>
-          </a:p>
-          <a:p>
-            <a:endParaRPr lang="de-DE" dirty="0"/>
-          </a:p>
-          <a:p>
-            <a:r>
-              <a:rPr lang="de-DE" dirty="0"/>
-              <a:t>Im Rahmen der Modellierungen für das System wurde ein Klassendiagramm angefertigt, um damit festzulegen welche Informationen und Daten abgespeichert werden. Außerdem erfolgt hierdurch eine klare Struktur des Systems, es wird ersichtlich, dass zur Speicherung der Daten zwei Listen ausreichen. Eine Liste aller Städte, die jeweils die Bilder, Geschichten und ihr Forum beinhalten und eine Liste aller User.</a:t>
-            </a:r>
-          </a:p>
-          <a:p>
+              <a:t>Im ersten Prototypen wurde versucht die Kernfunktionalitäten des Systems umzusetzen, der Upload von Bildern sowie damit einhergehende Pub/Sub Funktionalität. Die Grundlage für die Lösungsansätze wurden durch die PoCs, die Use Case Spezifikation sowie das Klassendiagramm gegeben. Hier ist anzumerken, dass eine detailliertere Interaktionsmodellierung die Arbeit hätte erleichtern können. Der Login erfolgt nach dem im dazugehörigen PoC getestetem Prinzip. Der damit eingeloggte User wird bis zum Logout zum currentUser. Daraufhin wird eine Liste aller Stadtobjekte geladen und anhand der Heimatstadt des Users die currentStadt gesetzt. Dem User werden daraufhin 4 Buttons angeboten (Upload, Aufruf, Sub/Unsub, Logout). Beim Upload sowie beim Aufruf eines Bildes wird aktuell noch ein hardcoded Bild verwendet. Beim Upload wird der Filepath zu diesem Bild fest verwendet und der Aufruf greift stets auf das erste Bild in der Bilderliste der Stadt zu. Dies gilt es in der weiteren Entwicklung so zu erweitern, dass ein beliebiges Bild hochgeladen und aufgerufen werden kann. Die Pub/Sub Funktionalität ist dahingegen im Grunde vollständig implementiert. Zu bedenken wäre nur ob die Verwaltung der eingegangenen Benachrichtigungen noch zu erweitern ist.</a:t>
+            </a:r>
             <a:br>
               <a:rPr lang="de-DE" dirty="0"/>
             </a:br>
-            <a:r>
-              <a:rPr lang="de-DE" dirty="0"/>
-              <a:t>Im Zuge der Programmierung der PoCs und des Prototypen durchlief das Diagramm einige Iterationen. So wurde zunächst vorgesehen, dass die unterschiedlichen Rollen der User als Erben implementiert werden. Da aber sich keine einzigartigen Attribute für diese Rollen ergeben haben, wurde darauf verzichtet und die Rolle wird als einfacher String gespeichert. Beim Aufruf einer Funktion, die eine bestimmte Rolle benötigt, wird dieses Attribut des aktuellen Users geprüft. Die vorgesehenen Rollen sind regulärer User, blockierter User, Experte (Verifikation), Moderator (Löschen von Beiträgen) und Administrator (Rollenzuweisung). </a:t>
-            </a:r>
             <a:br>
               <a:rPr lang="de-DE" dirty="0"/>
             </a:br>
             <a:r>
               <a:rPr lang="de-DE" dirty="0"/>
-              <a:t>Außerdem war noch bis zur Programmierung unklar wie die Pub/Sub Funktionalität implementiert wird. Die dabei entwickelten Funktionen und Attribute wurden daraufhin zur Vollständigkeit im Klassendiagramm integriert. </a:t>
-            </a:r>
-            <a:br>
-              <a:rPr lang="de-DE" dirty="0"/>
-            </a:br>
-            <a:r>
-              <a:rPr lang="de-DE" dirty="0"/>
-              <a:t>Schlieslich ist noch aus der Programmierung erfolgt, dass vorher in den Subscriberlisten, Autoren, Uploader, usw. User als Typ vorgesehen waren. Allerdings würde dies dazu führen, dass die User mehrfach abgespeichert werden in diesen jeweiligen Attributen und der allgemeinen Liste aller User. Es ist nun vorgesehen nur die Namen zu speichern und bei Aufruf mit der Userliste zu vergleichen.</a:t>
-            </a:r>
-          </a:p>
-          <a:p>
-            <a:endParaRPr lang="de-DE" dirty="0"/>
-          </a:p>
-          <a:p>
-            <a:r>
-              <a:rPr lang="de-DE" dirty="0"/>
-              <a:t>Die Klassen zur Implementierung eines Forums und Chatfunktionen sind noch grob gehalten, da unklar ist, ob wir diese Funktionen in dem Prototypen implementieren. Sollte dies der Fall sein ist aber damit schon mal eine Grundlage geschaffen, die dann erweitert werden kann.</a:t>
+              <a:t>Ein wichtiger Punkt bei diesem Prototypen ist, dass die Datenverwaltung auschlieslich über JSON erfolgt. So werden (1) die Bildaten zu einem String enkodiert, (2) diese in einem Bildobjekt gespeichert, (3) was Teil eines Stadtobjekts ist, (4) welches Teil einer Liste aus Stadtobjekten ist, (5) die wiederrum zum einem JSON-String enkodiert wird und (6) dieser String wird in eine entsprechende Datei geschrieben. Diese Datei, diese Liste wird zum Beginn der Activity geladen. Dies bedeutet, dass der komplette Inhalt der Datenhaltung in den Speicher geladen wird. Ab einer bestimmten Größe ist dies nicht mehr angemessen. Dieser Problematik sind wir uns bewusst aber wegen des Umfangs unseres Prototypen wird dieser Zustand in Kauf genommen. Die Alternative wäre ein Datenbanksystem einzubinden, darauf wurde aus Zeitgründen verzichtet.</a:t>
             </a:r>
           </a:p>
         </p:txBody>
@@ -2012,7 +1926,7 @@
     </p:spTree>
     <p:extLst>
       <p:ext uri="{BB962C8B-B14F-4D97-AF65-F5344CB8AC3E}">
-        <p14:creationId xmlns:p14="http://schemas.microsoft.com/office/powerpoint/2010/main" val="1078181049"/>
+        <p14:creationId xmlns:p14="http://schemas.microsoft.com/office/powerpoint/2010/main" val="109453928"/>
       </p:ext>
     </p:extLst>
   </p:cSld>
@@ -5678,7 +5592,15 @@
           <a:p>
             <a:r>
               <a:rPr lang="de-DE" dirty="0"/>
-              <a:t>Erster Prototyp</a:t>
+              <a:t>Audit 4 </a:t>
+            </a:r>
+            <a:r>
+              <a:rPr lang="de-DE" dirty="0" err="1"/>
+              <a:t>Deliverables</a:t>
+            </a:r>
+            <a:r>
+              <a:rPr lang="de-DE" dirty="0"/>
+              <a:t> </a:t>
             </a:r>
           </a:p>
         </p:txBody>
@@ -5701,103 +5623,39 @@
         </p:nvSpPr>
         <p:spPr/>
         <p:txBody>
-          <a:bodyPr>
-            <a:normAutofit fontScale="92500" lnSpcReduction="10000"/>
-          </a:bodyPr>
+          <a:bodyPr/>
           <a:lstStyle/>
           <a:p>
-            <a:r>
-              <a:rPr lang="de-DE" sz="2000" dirty="0"/>
-              <a:t>Login </a:t>
-            </a:r>
-          </a:p>
-          <a:p>
-            <a:r>
-              <a:rPr lang="de-DE" sz="2000" dirty="0"/>
-              <a:t>Setze currentUser</a:t>
-            </a:r>
-          </a:p>
-          <a:p>
-            <a:r>
-              <a:rPr lang="de-DE" sz="2000" dirty="0"/>
-              <a:t>Setze currentStadt anhand Heimatstadt des Users</a:t>
-            </a:r>
-          </a:p>
-          <a:p>
-            <a:r>
-              <a:rPr lang="de-DE" sz="2000" dirty="0"/>
-              <a:t>Upload eines Bildes</a:t>
-            </a:r>
-          </a:p>
-          <a:p>
-            <a:pPr lvl="1"/>
-            <a:r>
-              <a:rPr lang="de-DE" sz="1600" dirty="0"/>
-              <a:t>Drawable File einlesen</a:t>
-            </a:r>
-          </a:p>
-          <a:p>
-            <a:pPr lvl="1"/>
-            <a:r>
-              <a:rPr lang="de-DE" sz="1600" dirty="0"/>
-              <a:t>Zu String enkodieren</a:t>
-            </a:r>
-          </a:p>
-          <a:p>
-            <a:pPr lvl="1"/>
-            <a:r>
-              <a:rPr lang="de-DE" sz="1600" dirty="0"/>
-              <a:t>Bildobjekt erzeugen und zur Stadt hinzufügen</a:t>
-            </a:r>
-          </a:p>
-          <a:p>
-            <a:pPr lvl="1"/>
-            <a:r>
-              <a:rPr lang="de-DE" sz="1600" dirty="0"/>
-              <a:t>Stadtliste enkodieren und abspeichern</a:t>
-            </a:r>
-          </a:p>
-          <a:p>
-            <a:pPr lvl="1"/>
-            <a:r>
-              <a:rPr lang="de-DE" sz="1600" dirty="0"/>
-              <a:t>Benachrichtigung an Subscriber senden</a:t>
-            </a:r>
-          </a:p>
-          <a:p>
-            <a:pPr lvl="1"/>
-            <a:r>
-              <a:rPr lang="de-DE" sz="1600" dirty="0"/>
-              <a:t>Userliste enkodieren und abspeichern</a:t>
-            </a:r>
-            <a:endParaRPr lang="de-DE" sz="1200" dirty="0"/>
-          </a:p>
-          <a:p>
-            <a:r>
-              <a:rPr lang="de-DE" sz="2000" dirty="0"/>
-              <a:t>Aufruf eines Bildes</a:t>
-            </a:r>
-          </a:p>
-          <a:p>
-            <a:r>
-              <a:rPr lang="de-DE" sz="2000" dirty="0"/>
-              <a:t>Subscribe/Unsubscribe zur Stadt</a:t>
-            </a:r>
-          </a:p>
-          <a:p>
-            <a:r>
-              <a:rPr lang="de-DE" sz="2000" dirty="0"/>
-              <a:t>Anzeige der Benachrichtigungen</a:t>
-            </a:r>
-          </a:p>
-          <a:p>
-            <a:r>
-              <a:rPr lang="de-DE" sz="2000" dirty="0"/>
-              <a:t>Logout</a:t>
-            </a:r>
-          </a:p>
-          <a:p>
-            <a:endParaRPr lang="de-DE" sz="2000" dirty="0"/>
+            <a:pPr marL="0" indent="0">
+              <a:buNone/>
+            </a:pPr>
+            <a:endParaRPr lang="de-DE" dirty="0"/>
+          </a:p>
+          <a:p>
+            <a:r>
+              <a:rPr lang="de-DE" dirty="0"/>
+              <a:t>Use Cases iterieren (KW03)</a:t>
+            </a:r>
+          </a:p>
+          <a:p>
+            <a:r>
+              <a:rPr lang="de-DE" dirty="0"/>
+              <a:t>funktionalen Prototyps (KW07)</a:t>
+            </a:r>
+          </a:p>
+          <a:p>
+            <a:r>
+              <a:rPr lang="de-DE" dirty="0"/>
+              <a:t>Fazit und kritisch reflektiertes </a:t>
+            </a:r>
+            <a:r>
+              <a:rPr lang="de-DE" dirty="0" err="1"/>
+              <a:t>Prozessassessment</a:t>
+            </a:r>
+            <a:r>
+              <a:rPr lang="de-DE" dirty="0"/>
+              <a:t> des gesamten Projektes anhand der ursprünglichen Zielsetzung (KW08)</a:t>
+            </a:r>
           </a:p>
         </p:txBody>
       </p:sp>
@@ -5829,163 +5687,6 @@
                 </a:solidFill>
               </a:rPr>
               <a:t>10</a:t>
-            </a:fld>
-            <a:endParaRPr lang="de-DE" sz="2000" dirty="0">
-              <a:solidFill>
-                <a:schemeClr val="tx1"/>
-              </a:solidFill>
-            </a:endParaRPr>
-          </a:p>
-        </p:txBody>
-      </p:sp>
-    </p:spTree>
-    <p:extLst>
-      <p:ext uri="{BB962C8B-B14F-4D97-AF65-F5344CB8AC3E}">
-        <p14:creationId xmlns:p14="http://schemas.microsoft.com/office/powerpoint/2010/main" val="2702035577"/>
-      </p:ext>
-    </p:extLst>
-  </p:cSld>
-  <p:clrMapOvr>
-    <a:masterClrMapping/>
-  </p:clrMapOvr>
-</p:sld>
-</file>
-
-<file path=ppt/slides/slide11.xml><?xml version="1.0" encoding="utf-8"?>
-<p:sld xmlns:a="http://schemas.openxmlformats.org/drawingml/2006/main" xmlns:r="http://schemas.openxmlformats.org/officeDocument/2006/relationships" xmlns:p="http://schemas.openxmlformats.org/presentationml/2006/main">
-  <p:cSld>
-    <p:spTree>
-      <p:nvGrpSpPr>
-        <p:cNvPr id="1" name=""/>
-        <p:cNvGrpSpPr/>
-        <p:nvPr/>
-      </p:nvGrpSpPr>
-      <p:grpSpPr>
-        <a:xfrm>
-          <a:off x="0" y="0"/>
-          <a:ext cx="0" cy="0"/>
-          <a:chOff x="0" y="0"/>
-          <a:chExt cx="0" cy="0"/>
-        </a:xfrm>
-      </p:grpSpPr>
-      <p:sp>
-        <p:nvSpPr>
-          <p:cNvPr id="2" name="Titel 1">
-            <a:extLst>
-              <a:ext uri="{FF2B5EF4-FFF2-40B4-BE49-F238E27FC236}">
-                <a16:creationId xmlns:a16="http://schemas.microsoft.com/office/drawing/2014/main" id="{4AC7DED0-9976-693C-8B24-D84F23C8E7B6}"/>
-              </a:ext>
-            </a:extLst>
-          </p:cNvPr>
-          <p:cNvSpPr>
-            <a:spLocks noGrp="1"/>
-          </p:cNvSpPr>
-          <p:nvPr>
-            <p:ph type="title"/>
-          </p:nvPr>
-        </p:nvSpPr>
-        <p:spPr/>
-        <p:txBody>
-          <a:bodyPr/>
-          <a:lstStyle/>
-          <a:p>
-            <a:r>
-              <a:rPr lang="de-DE" dirty="0"/>
-              <a:t>Audit 4 </a:t>
-            </a:r>
-            <a:r>
-              <a:rPr lang="de-DE" dirty="0" err="1"/>
-              <a:t>Deliverables</a:t>
-            </a:r>
-            <a:r>
-              <a:rPr lang="de-DE" dirty="0"/>
-              <a:t> </a:t>
-            </a:r>
-          </a:p>
-        </p:txBody>
-      </p:sp>
-      <p:sp>
-        <p:nvSpPr>
-          <p:cNvPr id="3" name="Inhaltsplatzhalter 2">
-            <a:extLst>
-              <a:ext uri="{FF2B5EF4-FFF2-40B4-BE49-F238E27FC236}">
-                <a16:creationId xmlns:a16="http://schemas.microsoft.com/office/drawing/2014/main" id="{26828B3D-0288-9D01-3FAB-ED2A638AE90B}"/>
-              </a:ext>
-            </a:extLst>
-          </p:cNvPr>
-          <p:cNvSpPr>
-            <a:spLocks noGrp="1"/>
-          </p:cNvSpPr>
-          <p:nvPr>
-            <p:ph idx="1"/>
-          </p:nvPr>
-        </p:nvSpPr>
-        <p:spPr/>
-        <p:txBody>
-          <a:bodyPr/>
-          <a:lstStyle/>
-          <a:p>
-            <a:pPr marL="0" indent="0">
-              <a:buNone/>
-            </a:pPr>
-            <a:endParaRPr lang="de-DE" dirty="0"/>
-          </a:p>
-          <a:p>
-            <a:r>
-              <a:rPr lang="de-DE" dirty="0"/>
-              <a:t>Use Cases iterieren (KW03)</a:t>
-            </a:r>
-          </a:p>
-          <a:p>
-            <a:r>
-              <a:rPr lang="de-DE" dirty="0"/>
-              <a:t>funktionalen Prototyps (KW07)</a:t>
-            </a:r>
-          </a:p>
-          <a:p>
-            <a:r>
-              <a:rPr lang="de-DE" dirty="0"/>
-              <a:t>Fazit und kritisch reflektiertes </a:t>
-            </a:r>
-            <a:r>
-              <a:rPr lang="de-DE" dirty="0" err="1"/>
-              <a:t>Prozessassessment</a:t>
-            </a:r>
-            <a:r>
-              <a:rPr lang="de-DE" dirty="0"/>
-              <a:t> des gesamten Projektes anhand der ursprünglichen Zielsetzung (KW08)</a:t>
-            </a:r>
-          </a:p>
-        </p:txBody>
-      </p:sp>
-      <p:sp>
-        <p:nvSpPr>
-          <p:cNvPr id="5" name="Foliennummernplatzhalter 4">
-            <a:extLst>
-              <a:ext uri="{FF2B5EF4-FFF2-40B4-BE49-F238E27FC236}">
-                <a16:creationId xmlns:a16="http://schemas.microsoft.com/office/drawing/2014/main" id="{7B246376-21DF-8BF4-A1FD-B77C22C28AAB}"/>
-              </a:ext>
-            </a:extLst>
-          </p:cNvPr>
-          <p:cNvSpPr>
-            <a:spLocks noGrp="1"/>
-          </p:cNvSpPr>
-          <p:nvPr>
-            <p:ph type="sldNum" sz="quarter" idx="12"/>
-          </p:nvPr>
-        </p:nvSpPr>
-        <p:spPr/>
-        <p:txBody>
-          <a:bodyPr/>
-          <a:lstStyle/>
-          <a:p>
-            <a:fld id="{4FD190AE-D9AE-4074-AAED-D637288AF7F0}" type="slidenum">
-              <a:rPr lang="de-DE" sz="2000" smtClean="0">
-                <a:solidFill>
-                  <a:schemeClr val="tx1"/>
-                </a:solidFill>
-              </a:rPr>
-              <a:t>11</a:t>
             </a:fld>
             <a:endParaRPr lang="de-DE" sz="2000" dirty="0">
               <a:solidFill>
@@ -7832,10 +7533,10 @@
       </p:grpSpPr>
       <p:sp>
         <p:nvSpPr>
-          <p:cNvPr id="3" name="Titel 2">
+          <p:cNvPr id="2" name="Titel 1">
             <a:extLst>
               <a:ext uri="{FF2B5EF4-FFF2-40B4-BE49-F238E27FC236}">
-                <a16:creationId xmlns:a16="http://schemas.microsoft.com/office/drawing/2014/main" id="{53AD19EA-19FD-31C3-9A36-EC2C3ECA7425}"/>
+                <a16:creationId xmlns:a16="http://schemas.microsoft.com/office/drawing/2014/main" id="{4AC7DED0-9976-693C-8B24-D84F23C8E7B6}"/>
               </a:ext>
             </a:extLst>
           </p:cNvPr>
@@ -7854,40 +7555,160 @@
             <a:pPr algn="ctr"/>
             <a:r>
               <a:rPr lang="de-DE" dirty="0"/>
-              <a:t>Use-Cases 2</a:t>
-            </a:r>
-          </a:p>
-        </p:txBody>
-      </p:sp>
-      <p:pic>
-        <p:nvPicPr>
-          <p:cNvPr id="6" name="Inhaltsplatzhalter 5">
+              <a:t>POCs</a:t>
+            </a:r>
+          </a:p>
+        </p:txBody>
+      </p:sp>
+      <p:sp>
+        <p:nvSpPr>
+          <p:cNvPr id="3" name="Inhaltsplatzhalter 2">
             <a:extLst>
               <a:ext uri="{FF2B5EF4-FFF2-40B4-BE49-F238E27FC236}">
-                <a16:creationId xmlns:a16="http://schemas.microsoft.com/office/drawing/2014/main" id="{316B418B-6398-8430-31A1-41E584B8A0DC}"/>
+                <a16:creationId xmlns:a16="http://schemas.microsoft.com/office/drawing/2014/main" id="{9AA5B10A-797A-3078-DAD6-26CFC5DC6EB5}"/>
               </a:ext>
             </a:extLst>
           </p:cNvPr>
-          <p:cNvPicPr>
-            <a:picLocks noGrp="1" noChangeAspect="1"/>
-          </p:cNvPicPr>
-          <p:nvPr>
-            <p:ph idx="1"/>
-          </p:nvPr>
-        </p:nvPicPr>
-        <p:blipFill>
-          <a:blip r:embed="rId3"/>
-          <a:stretch>
-            <a:fillRect/>
-          </a:stretch>
-        </p:blipFill>
+          <p:cNvSpPr>
+            <a:spLocks noGrp="1"/>
+          </p:cNvSpPr>
+          <p:nvPr>
+            <p:ph sz="half" idx="1"/>
+          </p:nvPr>
+        </p:nvSpPr>
         <p:spPr>
           <a:xfrm>
-            <a:off x="3972944" y="1486406"/>
-            <a:ext cx="4246112" cy="5128801"/>
+            <a:off x="838200" y="1825624"/>
+            <a:ext cx="5181600" cy="4186069"/>
           </a:xfrm>
         </p:spPr>
-      </p:pic>
+        <p:txBody>
+          <a:bodyPr>
+            <a:normAutofit/>
+          </a:bodyPr>
+          <a:lstStyle/>
+          <a:p>
+            <a:pPr marL="0" indent="0">
+              <a:buNone/>
+            </a:pPr>
+            <a:r>
+              <a:rPr lang="de-DE" sz="1600" b="1" dirty="0" err="1"/>
+              <a:t>Priority</a:t>
+            </a:r>
+            <a:endParaRPr lang="de-DE" sz="1600" b="1" dirty="0"/>
+          </a:p>
+          <a:p>
+            <a:r>
+              <a:rPr lang="de-DE" sz="1600" dirty="0"/>
+              <a:t>Upload eines Bildes</a:t>
+            </a:r>
+          </a:p>
+          <a:p>
+            <a:r>
+              <a:rPr lang="de-DE" sz="1600" dirty="0"/>
+              <a:t>Aufruf eines gespeicherten Bildes</a:t>
+            </a:r>
+          </a:p>
+          <a:p>
+            <a:r>
+              <a:rPr lang="de-DE" sz="1600" dirty="0"/>
+              <a:t>Pub/Sub Funktionalität – </a:t>
+            </a:r>
+            <a:r>
+              <a:rPr lang="de-DE" sz="1600" dirty="0" err="1"/>
+              <a:t>subscribe</a:t>
+            </a:r>
+            <a:endParaRPr lang="de-DE" sz="1600" dirty="0"/>
+          </a:p>
+          <a:p>
+            <a:r>
+              <a:rPr lang="de-DE" sz="1600" dirty="0"/>
+              <a:t>Pub/Sub Funktionalität – publish</a:t>
+            </a:r>
+          </a:p>
+          <a:p>
+            <a:r>
+              <a:rPr lang="de-DE" sz="1600" dirty="0"/>
+              <a:t>Login</a:t>
+            </a:r>
+          </a:p>
+        </p:txBody>
+      </p:sp>
+      <p:sp>
+        <p:nvSpPr>
+          <p:cNvPr id="4" name="Inhaltsplatzhalter 3">
+            <a:extLst>
+              <a:ext uri="{FF2B5EF4-FFF2-40B4-BE49-F238E27FC236}">
+                <a16:creationId xmlns:a16="http://schemas.microsoft.com/office/drawing/2014/main" id="{3745E24A-6EBE-396A-E812-004272A50CC0}"/>
+              </a:ext>
+            </a:extLst>
+          </p:cNvPr>
+          <p:cNvSpPr>
+            <a:spLocks noGrp="1"/>
+          </p:cNvSpPr>
+          <p:nvPr>
+            <p:ph sz="half" idx="2"/>
+          </p:nvPr>
+        </p:nvSpPr>
+        <p:spPr/>
+        <p:txBody>
+          <a:bodyPr/>
+          <a:lstStyle/>
+          <a:p>
+            <a:pPr marL="0" indent="0">
+              <a:buNone/>
+            </a:pPr>
+            <a:r>
+              <a:rPr lang="de-DE" sz="1600" b="1" dirty="0"/>
+              <a:t>Keine </a:t>
+            </a:r>
+            <a:r>
+              <a:rPr lang="de-DE" sz="1600" b="1" dirty="0" err="1"/>
+              <a:t>Priority</a:t>
+            </a:r>
+            <a:endParaRPr lang="de-DE" sz="1600" b="1" dirty="0"/>
+          </a:p>
+          <a:p>
+            <a:r>
+              <a:rPr lang="de-DE" sz="1600" dirty="0"/>
+              <a:t>Registrierung</a:t>
+            </a:r>
+          </a:p>
+          <a:p>
+            <a:r>
+              <a:rPr lang="de-DE" sz="1600" dirty="0"/>
+              <a:t>Verschlüsselung</a:t>
+            </a:r>
+          </a:p>
+          <a:p>
+            <a:r>
+              <a:rPr lang="de-DE" sz="1600" dirty="0"/>
+              <a:t>„Befreunden“ mit anderem User</a:t>
+            </a:r>
+          </a:p>
+          <a:p>
+            <a:r>
+              <a:rPr lang="de-DE" sz="1600" dirty="0"/>
+              <a:t>Annahme „Befreundung“</a:t>
+            </a:r>
+          </a:p>
+          <a:p>
+            <a:r>
+              <a:rPr lang="de-DE" sz="1600" dirty="0"/>
+              <a:t>Chat Funktion</a:t>
+            </a:r>
+          </a:p>
+          <a:p>
+            <a:r>
+              <a:rPr lang="de-DE" sz="1600" dirty="0"/>
+              <a:t>Zugriff auf Datenbank</a:t>
+            </a:r>
+          </a:p>
+          <a:p>
+            <a:endParaRPr lang="de-DE" b="1" dirty="0"/>
+          </a:p>
+        </p:txBody>
+      </p:sp>
       <p:sp>
         <p:nvSpPr>
           <p:cNvPr id="5" name="Foliennummernplatzhalter 4">
@@ -7928,7 +7749,7 @@
     </p:spTree>
     <p:extLst>
       <p:ext uri="{BB962C8B-B14F-4D97-AF65-F5344CB8AC3E}">
-        <p14:creationId xmlns:p14="http://schemas.microsoft.com/office/powerpoint/2010/main" val="2841107013"/>
+        <p14:creationId xmlns:p14="http://schemas.microsoft.com/office/powerpoint/2010/main" val="3388715465"/>
       </p:ext>
     </p:extLst>
   </p:cSld>
@@ -7979,7 +7800,7 @@
             <a:pPr algn="ctr"/>
             <a:r>
               <a:rPr lang="de-DE" dirty="0"/>
-              <a:t>POCs</a:t>
+              <a:t>POC Bildaufruf/-abruf</a:t>
             </a:r>
           </a:p>
         </p:txBody>
@@ -7989,7 +7810,7 @@
           <p:cNvPr id="3" name="Inhaltsplatzhalter 2">
             <a:extLst>
               <a:ext uri="{FF2B5EF4-FFF2-40B4-BE49-F238E27FC236}">
-                <a16:creationId xmlns:a16="http://schemas.microsoft.com/office/drawing/2014/main" id="{9AA5B10A-797A-3078-DAD6-26CFC5DC6EB5}"/>
+                <a16:creationId xmlns:a16="http://schemas.microsoft.com/office/drawing/2014/main" id="{26828B3D-0288-9D01-3FAB-ED2A638AE90B}"/>
               </a:ext>
             </a:extLst>
           </p:cNvPr>
@@ -8002,68 +7823,422 @@
         </p:nvSpPr>
         <p:spPr>
           <a:xfrm>
-            <a:off x="838200" y="1825624"/>
-            <a:ext cx="5181600" cy="4186069"/>
+            <a:off x="838200" y="1825625"/>
+            <a:ext cx="5181600" cy="4769728"/>
           </a:xfrm>
         </p:spPr>
         <p:txBody>
           <a:bodyPr>
-            <a:normAutofit/>
+            <a:normAutofit fontScale="92500" lnSpcReduction="20000"/>
           </a:bodyPr>
           <a:lstStyle/>
           <a:p>
-            <a:pPr marL="0" indent="0">
-              <a:buNone/>
+            <a:pPr marL="342900" lvl="0" indent="-342900">
+              <a:lnSpc>
+                <a:spcPct val="107000"/>
+              </a:lnSpc>
+              <a:buFont typeface="Symbol" panose="05050102010706020507" pitchFamily="18" charset="2"/>
+              <a:buChar char=""/>
             </a:pPr>
             <a:r>
-              <a:rPr lang="de-DE" sz="1600" b="1" dirty="0" err="1"/>
-              <a:t>Priority</a:t>
-            </a:r>
-            <a:endParaRPr lang="de-DE" sz="1600" b="1" dirty="0"/>
-          </a:p>
-          <a:p>
-            <a:r>
-              <a:rPr lang="de-DE" sz="1600" dirty="0"/>
+              <a:rPr lang="de-DE" sz="1200" u="sng" dirty="0">
+                <a:effectLst/>
+                <a:latin typeface="Calibri" panose="020F0502020204030204" pitchFamily="34" charset="0"/>
+                <a:ea typeface="Yu Mincho" panose="02020400000000000000" pitchFamily="18" charset="-128"/>
+                <a:cs typeface="Times New Roman" panose="02020603050405020304" pitchFamily="18" charset="0"/>
+              </a:rPr>
               <a:t>Upload eines Bildes</a:t>
             </a:r>
-          </a:p>
-          <a:p>
-            <a:r>
-              <a:rPr lang="de-DE" sz="1600" dirty="0"/>
-              <a:t>Aufruf eines gespeicherten Bildes</a:t>
-            </a:r>
-          </a:p>
-          <a:p>
-            <a:r>
-              <a:rPr lang="de-DE" sz="1600" dirty="0"/>
-              <a:t>Pub/Sub Funktionalität – </a:t>
-            </a:r>
-            <a:r>
-              <a:rPr lang="de-DE" sz="1600" dirty="0" err="1"/>
-              <a:t>subscribe</a:t>
-            </a:r>
-            <a:endParaRPr lang="de-DE" sz="1600" dirty="0"/>
-          </a:p>
-          <a:p>
-            <a:r>
-              <a:rPr lang="de-DE" sz="1600" dirty="0"/>
-              <a:t>Pub/Sub Funktionalität – publish</a:t>
-            </a:r>
-          </a:p>
-          <a:p>
-            <a:r>
-              <a:rPr lang="de-DE" sz="1600" dirty="0"/>
-              <a:t>Login</a:t>
-            </a:r>
-          </a:p>
-        </p:txBody>
-      </p:sp>
-      <p:sp>
-        <p:nvSpPr>
-          <p:cNvPr id="4" name="Inhaltsplatzhalter 3">
+            <a:endParaRPr lang="de-DE" sz="1200" dirty="0">
+              <a:effectLst/>
+              <a:latin typeface="Calibri" panose="020F0502020204030204" pitchFamily="34" charset="0"/>
+              <a:ea typeface="Yu Mincho" panose="02020400000000000000" pitchFamily="18" charset="-128"/>
+              <a:cs typeface="Times New Roman" panose="02020603050405020304" pitchFamily="18" charset="0"/>
+            </a:endParaRPr>
+          </a:p>
+          <a:p>
+            <a:pPr marL="742950" lvl="1" indent="-285750">
+              <a:lnSpc>
+                <a:spcPct val="107000"/>
+              </a:lnSpc>
+              <a:buFont typeface="Courier New" panose="02070309020205020404" pitchFamily="49" charset="0"/>
+              <a:buChar char="o"/>
+            </a:pPr>
+            <a:r>
+              <a:rPr lang="de-DE" sz="1200" b="1" dirty="0">
+                <a:effectLst/>
+                <a:latin typeface="Calibri" panose="020F0502020204030204" pitchFamily="34" charset="0"/>
+                <a:ea typeface="Yu Mincho" panose="02020400000000000000" pitchFamily="18" charset="-128"/>
+                <a:cs typeface="Times New Roman" panose="02020603050405020304" pitchFamily="18" charset="0"/>
+              </a:rPr>
+              <a:t>Ablauf</a:t>
+            </a:r>
+            <a:endParaRPr lang="de-DE" sz="1200" dirty="0">
+              <a:effectLst/>
+              <a:latin typeface="Calibri" panose="020F0502020204030204" pitchFamily="34" charset="0"/>
+              <a:ea typeface="Yu Mincho" panose="02020400000000000000" pitchFamily="18" charset="-128"/>
+              <a:cs typeface="Times New Roman" panose="02020603050405020304" pitchFamily="18" charset="0"/>
+            </a:endParaRPr>
+          </a:p>
+          <a:p>
+            <a:pPr marL="1143000" lvl="2" indent="-228600">
+              <a:lnSpc>
+                <a:spcPct val="107000"/>
+              </a:lnSpc>
+              <a:buFont typeface="Wingdings" panose="05000000000000000000" pitchFamily="2" charset="2"/>
+              <a:buChar char=""/>
+            </a:pPr>
+            <a:r>
+              <a:rPr lang="de-DE" sz="1200" dirty="0">
+                <a:effectLst/>
+                <a:latin typeface="Calibri" panose="020F0502020204030204" pitchFamily="34" charset="0"/>
+                <a:ea typeface="Yu Mincho" panose="02020400000000000000" pitchFamily="18" charset="-128"/>
+                <a:cs typeface="Times New Roman" panose="02020603050405020304" pitchFamily="18" charset="0"/>
+              </a:rPr>
+              <a:t>Aufruf einer Upload Funktion</a:t>
+            </a:r>
+          </a:p>
+          <a:p>
+            <a:pPr marL="1143000" lvl="2" indent="-228600">
+              <a:lnSpc>
+                <a:spcPct val="107000"/>
+              </a:lnSpc>
+              <a:buFont typeface="Wingdings" panose="05000000000000000000" pitchFamily="2" charset="2"/>
+              <a:buChar char=""/>
+            </a:pPr>
+            <a:r>
+              <a:rPr lang="de-DE" sz="1200" dirty="0">
+                <a:effectLst/>
+                <a:latin typeface="Calibri" panose="020F0502020204030204" pitchFamily="34" charset="0"/>
+                <a:ea typeface="Yu Mincho" panose="02020400000000000000" pitchFamily="18" charset="-128"/>
+                <a:cs typeface="Times New Roman" panose="02020603050405020304" pitchFamily="18" charset="0"/>
+              </a:rPr>
+              <a:t>Auslesen des Bild mit Unterstützung gängiger Bildformate</a:t>
+            </a:r>
+          </a:p>
+          <a:p>
+            <a:pPr marL="1143000" lvl="2" indent="-228600">
+              <a:lnSpc>
+                <a:spcPct val="107000"/>
+              </a:lnSpc>
+              <a:buFont typeface="Wingdings" panose="05000000000000000000" pitchFamily="2" charset="2"/>
+              <a:buChar char=""/>
+            </a:pPr>
+            <a:r>
+              <a:rPr lang="de-DE" sz="1200" dirty="0">
+                <a:effectLst/>
+                <a:latin typeface="Calibri" panose="020F0502020204030204" pitchFamily="34" charset="0"/>
+                <a:ea typeface="Yu Mincho" panose="02020400000000000000" pitchFamily="18" charset="-128"/>
+                <a:cs typeface="Times New Roman" panose="02020603050405020304" pitchFamily="18" charset="0"/>
+              </a:rPr>
+              <a:t>Automatisches Auslesen der erforderlichen Metadaten</a:t>
+            </a:r>
+          </a:p>
+          <a:p>
+            <a:pPr marL="1143000" lvl="2" indent="-228600">
+              <a:lnSpc>
+                <a:spcPct val="107000"/>
+              </a:lnSpc>
+              <a:buFont typeface="Wingdings" panose="05000000000000000000" pitchFamily="2" charset="2"/>
+              <a:buChar char=""/>
+            </a:pPr>
+            <a:r>
+              <a:rPr lang="de-DE" sz="1200" dirty="0">
+                <a:effectLst/>
+                <a:latin typeface="Calibri" panose="020F0502020204030204" pitchFamily="34" charset="0"/>
+                <a:ea typeface="Yu Mincho" panose="02020400000000000000" pitchFamily="18" charset="-128"/>
+                <a:cs typeface="Times New Roman" panose="02020603050405020304" pitchFamily="18" charset="0"/>
+              </a:rPr>
+              <a:t>Erzeugen eines Bildobjekts mit Bild und Metadaten</a:t>
+            </a:r>
+          </a:p>
+          <a:p>
+            <a:pPr marL="1143000" lvl="2" indent="-228600">
+              <a:lnSpc>
+                <a:spcPct val="107000"/>
+              </a:lnSpc>
+              <a:buFont typeface="Wingdings" panose="05000000000000000000" pitchFamily="2" charset="2"/>
+              <a:buChar char=""/>
+            </a:pPr>
+            <a:r>
+              <a:rPr lang="de-DE" sz="1200" dirty="0">
+                <a:effectLst/>
+                <a:latin typeface="Calibri" panose="020F0502020204030204" pitchFamily="34" charset="0"/>
+                <a:ea typeface="Yu Mincho" panose="02020400000000000000" pitchFamily="18" charset="-128"/>
+                <a:cs typeface="Times New Roman" panose="02020603050405020304" pitchFamily="18" charset="0"/>
+              </a:rPr>
+              <a:t>Abspeichern des Bildobjekts</a:t>
+            </a:r>
+          </a:p>
+          <a:p>
+            <a:pPr marL="742950" lvl="1" indent="-285750">
+              <a:lnSpc>
+                <a:spcPct val="107000"/>
+              </a:lnSpc>
+              <a:buFont typeface="Courier New" panose="02070309020205020404" pitchFamily="49" charset="0"/>
+              <a:buChar char="o"/>
+            </a:pPr>
+            <a:r>
+              <a:rPr lang="de-DE" sz="1200" b="1" dirty="0">
+                <a:effectLst/>
+                <a:latin typeface="Calibri" panose="020F0502020204030204" pitchFamily="34" charset="0"/>
+                <a:ea typeface="Yu Mincho" panose="02020400000000000000" pitchFamily="18" charset="-128"/>
+                <a:cs typeface="Times New Roman" panose="02020603050405020304" pitchFamily="18" charset="0"/>
+              </a:rPr>
+              <a:t>Exit-Kriterien</a:t>
+            </a:r>
+            <a:endParaRPr lang="de-DE" sz="1200" dirty="0">
+              <a:effectLst/>
+              <a:latin typeface="Calibri" panose="020F0502020204030204" pitchFamily="34" charset="0"/>
+              <a:ea typeface="Yu Mincho" panose="02020400000000000000" pitchFamily="18" charset="-128"/>
+              <a:cs typeface="Times New Roman" panose="02020603050405020304" pitchFamily="18" charset="0"/>
+            </a:endParaRPr>
+          </a:p>
+          <a:p>
+            <a:pPr marL="1143000" lvl="2" indent="-228600">
+              <a:lnSpc>
+                <a:spcPct val="107000"/>
+              </a:lnSpc>
+              <a:buFont typeface="Wingdings" panose="05000000000000000000" pitchFamily="2" charset="2"/>
+              <a:buChar char=""/>
+            </a:pPr>
+            <a:r>
+              <a:rPr lang="de-DE" sz="1200" dirty="0">
+                <a:effectLst/>
+                <a:latin typeface="Calibri" panose="020F0502020204030204" pitchFamily="34" charset="0"/>
+                <a:ea typeface="Yu Mincho" panose="02020400000000000000" pitchFamily="18" charset="-128"/>
+                <a:cs typeface="Times New Roman" panose="02020603050405020304" pitchFamily="18" charset="0"/>
+              </a:rPr>
+              <a:t>Funktion konnte aufgerufen werden und Eingaben wurden erfolgreich und korrekt übernommen.</a:t>
+            </a:r>
+          </a:p>
+          <a:p>
+            <a:pPr marL="1143000" lvl="2" indent="-228600">
+              <a:lnSpc>
+                <a:spcPct val="107000"/>
+              </a:lnSpc>
+              <a:buFont typeface="Wingdings" panose="05000000000000000000" pitchFamily="2" charset="2"/>
+              <a:buChar char=""/>
+            </a:pPr>
+            <a:r>
+              <a:rPr lang="de-DE" sz="1200" dirty="0">
+                <a:effectLst/>
+                <a:latin typeface="Calibri" panose="020F0502020204030204" pitchFamily="34" charset="0"/>
+                <a:ea typeface="Yu Mincho" panose="02020400000000000000" pitchFamily="18" charset="-128"/>
+                <a:cs typeface="Times New Roman" panose="02020603050405020304" pitchFamily="18" charset="0"/>
+              </a:rPr>
+              <a:t>Bilddaten konnten erfolgreich geladen werden.</a:t>
+            </a:r>
+          </a:p>
+          <a:p>
+            <a:pPr marL="1143000" lvl="2" indent="-228600">
+              <a:lnSpc>
+                <a:spcPct val="107000"/>
+              </a:lnSpc>
+              <a:buFont typeface="Wingdings" panose="05000000000000000000" pitchFamily="2" charset="2"/>
+              <a:buChar char=""/>
+            </a:pPr>
+            <a:r>
+              <a:rPr lang="de-DE" sz="1200" dirty="0">
+                <a:effectLst/>
+                <a:latin typeface="Calibri" panose="020F0502020204030204" pitchFamily="34" charset="0"/>
+                <a:ea typeface="Yu Mincho" panose="02020400000000000000" pitchFamily="18" charset="-128"/>
+                <a:cs typeface="Times New Roman" panose="02020603050405020304" pitchFamily="18" charset="0"/>
+              </a:rPr>
+              <a:t>Neues Bildobjekt wurde erfolgreich erzeugt und abgespeichert.</a:t>
+            </a:r>
+          </a:p>
+          <a:p>
+            <a:pPr marL="742950" lvl="1" indent="-285750">
+              <a:lnSpc>
+                <a:spcPct val="107000"/>
+              </a:lnSpc>
+              <a:buFont typeface="Courier New" panose="02070309020205020404" pitchFamily="49" charset="0"/>
+              <a:buChar char="o"/>
+            </a:pPr>
+            <a:r>
+              <a:rPr lang="de-DE" sz="1200" b="1" dirty="0">
+                <a:effectLst/>
+                <a:latin typeface="Calibri" panose="020F0502020204030204" pitchFamily="34" charset="0"/>
+                <a:ea typeface="Yu Mincho" panose="02020400000000000000" pitchFamily="18" charset="-128"/>
+                <a:cs typeface="Times New Roman" panose="02020603050405020304" pitchFamily="18" charset="0"/>
+              </a:rPr>
+              <a:t>Fail-Kriterien</a:t>
+            </a:r>
+            <a:endParaRPr lang="de-DE" sz="1200" dirty="0">
+              <a:effectLst/>
+              <a:latin typeface="Calibri" panose="020F0502020204030204" pitchFamily="34" charset="0"/>
+              <a:ea typeface="Yu Mincho" panose="02020400000000000000" pitchFamily="18" charset="-128"/>
+              <a:cs typeface="Times New Roman" panose="02020603050405020304" pitchFamily="18" charset="0"/>
+            </a:endParaRPr>
+          </a:p>
+          <a:p>
+            <a:pPr marL="1143000" lvl="2" indent="-228600">
+              <a:lnSpc>
+                <a:spcPct val="107000"/>
+              </a:lnSpc>
+              <a:buFont typeface="Wingdings" panose="05000000000000000000" pitchFamily="2" charset="2"/>
+              <a:buChar char=""/>
+            </a:pPr>
+            <a:r>
+              <a:rPr lang="de-DE" sz="1200" dirty="0">
+                <a:effectLst/>
+                <a:latin typeface="Calibri" panose="020F0502020204030204" pitchFamily="34" charset="0"/>
+                <a:ea typeface="Yu Mincho" panose="02020400000000000000" pitchFamily="18" charset="-128"/>
+                <a:cs typeface="Times New Roman" panose="02020603050405020304" pitchFamily="18" charset="0"/>
+              </a:rPr>
+              <a:t>Bilddaten konnten gar nicht geladen werden</a:t>
+            </a:r>
+          </a:p>
+          <a:p>
+            <a:pPr marL="1143000" lvl="2" indent="-228600">
+              <a:lnSpc>
+                <a:spcPct val="107000"/>
+              </a:lnSpc>
+              <a:buFont typeface="Wingdings" panose="05000000000000000000" pitchFamily="2" charset="2"/>
+              <a:buChar char=""/>
+            </a:pPr>
+            <a:r>
+              <a:rPr lang="de-DE" sz="1200" dirty="0">
+                <a:effectLst/>
+                <a:latin typeface="Calibri" panose="020F0502020204030204" pitchFamily="34" charset="0"/>
+                <a:ea typeface="Yu Mincho" panose="02020400000000000000" pitchFamily="18" charset="-128"/>
+                <a:cs typeface="Times New Roman" panose="02020603050405020304" pitchFamily="18" charset="0"/>
+              </a:rPr>
+              <a:t>Nur begrenzte Bildformate konnten unterstützt werden</a:t>
+            </a:r>
+          </a:p>
+          <a:p>
+            <a:pPr marL="1143000" lvl="2" indent="-228600">
+              <a:lnSpc>
+                <a:spcPct val="107000"/>
+              </a:lnSpc>
+              <a:buFont typeface="Wingdings" panose="05000000000000000000" pitchFamily="2" charset="2"/>
+              <a:buChar char=""/>
+            </a:pPr>
+            <a:r>
+              <a:rPr lang="de-DE" sz="1200" dirty="0">
+                <a:effectLst/>
+                <a:latin typeface="Calibri" panose="020F0502020204030204" pitchFamily="34" charset="0"/>
+                <a:ea typeface="Yu Mincho" panose="02020400000000000000" pitchFamily="18" charset="-128"/>
+                <a:cs typeface="Times New Roman" panose="02020603050405020304" pitchFamily="18" charset="0"/>
+              </a:rPr>
+              <a:t>Neues Bildobjekt konnte nicht erzeugt werden</a:t>
+            </a:r>
+          </a:p>
+          <a:p>
+            <a:pPr marL="1143000" lvl="2" indent="-228600">
+              <a:lnSpc>
+                <a:spcPct val="107000"/>
+              </a:lnSpc>
+              <a:buFont typeface="Wingdings" panose="05000000000000000000" pitchFamily="2" charset="2"/>
+              <a:buChar char=""/>
+            </a:pPr>
+            <a:r>
+              <a:rPr lang="de-DE" sz="1200" dirty="0">
+                <a:effectLst/>
+                <a:latin typeface="Calibri" panose="020F0502020204030204" pitchFamily="34" charset="0"/>
+                <a:ea typeface="Yu Mincho" panose="02020400000000000000" pitchFamily="18" charset="-128"/>
+                <a:cs typeface="Times New Roman" panose="02020603050405020304" pitchFamily="18" charset="0"/>
+              </a:rPr>
+              <a:t>Bildobjekt konnte nicht abgespeichert werden</a:t>
+            </a:r>
+          </a:p>
+          <a:p>
+            <a:pPr marL="742950" lvl="1" indent="-285750">
+              <a:lnSpc>
+                <a:spcPct val="107000"/>
+              </a:lnSpc>
+              <a:buFont typeface="Courier New" panose="02070309020205020404" pitchFamily="49" charset="0"/>
+              <a:buChar char="o"/>
+            </a:pPr>
+            <a:r>
+              <a:rPr lang="de-DE" sz="1200" b="1" dirty="0" err="1">
+                <a:effectLst/>
+                <a:latin typeface="Calibri" panose="020F0502020204030204" pitchFamily="34" charset="0"/>
+                <a:ea typeface="Yu Mincho" panose="02020400000000000000" pitchFamily="18" charset="-128"/>
+                <a:cs typeface="Times New Roman" panose="02020603050405020304" pitchFamily="18" charset="0"/>
+              </a:rPr>
+              <a:t>Fallback</a:t>
+            </a:r>
+            <a:endParaRPr lang="de-DE" sz="1200" dirty="0">
+              <a:effectLst/>
+              <a:latin typeface="Calibri" panose="020F0502020204030204" pitchFamily="34" charset="0"/>
+              <a:ea typeface="Yu Mincho" panose="02020400000000000000" pitchFamily="18" charset="-128"/>
+              <a:cs typeface="Times New Roman" panose="02020603050405020304" pitchFamily="18" charset="0"/>
+            </a:endParaRPr>
+          </a:p>
+          <a:p>
+            <a:pPr marL="1143000" lvl="2" indent="-228600">
+              <a:lnSpc>
+                <a:spcPct val="107000"/>
+              </a:lnSpc>
+              <a:buFont typeface="Wingdings" panose="05000000000000000000" pitchFamily="2" charset="2"/>
+              <a:buChar char=""/>
+            </a:pPr>
+            <a:r>
+              <a:rPr lang="de-DE" sz="1200" dirty="0">
+                <a:effectLst/>
+                <a:latin typeface="Calibri" panose="020F0502020204030204" pitchFamily="34" charset="0"/>
+                <a:ea typeface="Yu Mincho" panose="02020400000000000000" pitchFamily="18" charset="-128"/>
+                <a:cs typeface="Times New Roman" panose="02020603050405020304" pitchFamily="18" charset="0"/>
+              </a:rPr>
+              <a:t>Aus Eindeutige Fehlermeldung wenn technische Fehler bei der Ausführung der Upload Funktion erfolgen</a:t>
+            </a:r>
+          </a:p>
+          <a:p>
+            <a:pPr marL="1143000" lvl="2" indent="-228600">
+              <a:lnSpc>
+                <a:spcPct val="107000"/>
+              </a:lnSpc>
+              <a:buFont typeface="Wingdings" panose="05000000000000000000" pitchFamily="2" charset="2"/>
+              <a:buChar char=""/>
+            </a:pPr>
+            <a:r>
+              <a:rPr lang="de-DE" sz="1200" dirty="0">
+                <a:effectLst/>
+                <a:latin typeface="Calibri" panose="020F0502020204030204" pitchFamily="34" charset="0"/>
+                <a:ea typeface="Yu Mincho" panose="02020400000000000000" pitchFamily="18" charset="-128"/>
+                <a:cs typeface="Times New Roman" panose="02020603050405020304" pitchFamily="18" charset="0"/>
+              </a:rPr>
+              <a:t>Bild wird ohne Metadaten gespeichert</a:t>
+            </a:r>
+          </a:p>
+          <a:p>
+            <a:pPr marL="1143000" lvl="2" indent="-228600">
+              <a:lnSpc>
+                <a:spcPct val="107000"/>
+              </a:lnSpc>
+              <a:spcAft>
+                <a:spcPts val="800"/>
+              </a:spcAft>
+              <a:buFont typeface="Wingdings" panose="05000000000000000000" pitchFamily="2" charset="2"/>
+              <a:buChar char=""/>
+            </a:pPr>
+            <a:r>
+              <a:rPr lang="de-DE" sz="1200" dirty="0">
+                <a:effectLst/>
+                <a:latin typeface="Calibri" panose="020F0502020204030204" pitchFamily="34" charset="0"/>
+                <a:ea typeface="Yu Mincho" panose="02020400000000000000" pitchFamily="18" charset="-128"/>
+                <a:cs typeface="Times New Roman" panose="02020603050405020304" pitchFamily="18" charset="0"/>
+              </a:rPr>
+              <a:t>Es werden begrenzte Bildformate gefordert</a:t>
+            </a:r>
+            <a:endParaRPr lang="de-DE" sz="1200" dirty="0">
+              <a:effectLst/>
+              <a:latin typeface="Calibri" panose="020F0502020204030204" pitchFamily="34" charset="0"/>
+              <a:ea typeface="Calibri" panose="020F0502020204030204" pitchFamily="34" charset="0"/>
+              <a:cs typeface="Times New Roman" panose="02020603050405020304" pitchFamily="18" charset="0"/>
+            </a:endParaRPr>
+          </a:p>
+        </p:txBody>
+      </p:sp>
+      <p:sp>
+        <p:nvSpPr>
+          <p:cNvPr id="6" name="Inhaltsplatzhalter 5">
             <a:extLst>
               <a:ext uri="{FF2B5EF4-FFF2-40B4-BE49-F238E27FC236}">
-                <a16:creationId xmlns:a16="http://schemas.microsoft.com/office/drawing/2014/main" id="{3745E24A-6EBE-396A-E812-004272A50CC0}"/>
+                <a16:creationId xmlns:a16="http://schemas.microsoft.com/office/drawing/2014/main" id="{D27F10EA-731C-BC21-64B1-413E86CA7C17}"/>
               </a:ext>
             </a:extLst>
           </p:cNvPr>
@@ -8074,62 +8249,283 @@
             <p:ph sz="half" idx="2"/>
           </p:nvPr>
         </p:nvSpPr>
-        <p:spPr/>
-        <p:txBody>
-          <a:bodyPr/>
+        <p:spPr>
+          <a:xfrm>
+            <a:off x="6172200" y="1825625"/>
+            <a:ext cx="5181600" cy="4769728"/>
+          </a:xfrm>
+        </p:spPr>
+        <p:txBody>
+          <a:bodyPr anchor="t" anchorCtr="0">
+            <a:normAutofit fontScale="92500" lnSpcReduction="20000"/>
+          </a:bodyPr>
           <a:lstStyle/>
           <a:p>
-            <a:pPr marL="0" indent="0">
-              <a:buNone/>
+            <a:pPr marL="342900" lvl="0" indent="-342900">
+              <a:lnSpc>
+                <a:spcPct val="107000"/>
+              </a:lnSpc>
+              <a:buFont typeface="Symbol" panose="05050102010706020507" pitchFamily="18" charset="2"/>
+              <a:buChar char=""/>
             </a:pPr>
             <a:r>
-              <a:rPr lang="de-DE" sz="1600" b="1" dirty="0"/>
-              <a:t>Keine </a:t>
-            </a:r>
-            <a:r>
-              <a:rPr lang="de-DE" sz="1600" b="1" dirty="0" err="1"/>
-              <a:t>Priority</a:t>
-            </a:r>
-            <a:endParaRPr lang="de-DE" sz="1600" b="1" dirty="0"/>
-          </a:p>
-          <a:p>
-            <a:r>
-              <a:rPr lang="de-DE" sz="1600" dirty="0"/>
-              <a:t>Registrierung</a:t>
-            </a:r>
-          </a:p>
-          <a:p>
-            <a:r>
-              <a:rPr lang="de-DE" sz="1600" dirty="0"/>
-              <a:t>Verschlüsselung</a:t>
-            </a:r>
-          </a:p>
-          <a:p>
-            <a:r>
-              <a:rPr lang="de-DE" sz="1600" dirty="0"/>
-              <a:t>„Befreunden“ mit anderem User</a:t>
-            </a:r>
-          </a:p>
-          <a:p>
-            <a:r>
-              <a:rPr lang="de-DE" sz="1600" dirty="0"/>
-              <a:t>Annahme „Befreundung“</a:t>
-            </a:r>
-          </a:p>
-          <a:p>
-            <a:r>
-              <a:rPr lang="de-DE" sz="1600" dirty="0"/>
-              <a:t>Chat Funktion</a:t>
-            </a:r>
-          </a:p>
-          <a:p>
-            <a:r>
-              <a:rPr lang="de-DE" sz="1600" dirty="0"/>
-              <a:t>Zugriff auf Datenbank</a:t>
-            </a:r>
-          </a:p>
-          <a:p>
-            <a:endParaRPr lang="de-DE" b="1" dirty="0"/>
+              <a:rPr lang="de-DE" sz="1100" u="sng" dirty="0">
+                <a:effectLst/>
+                <a:latin typeface="Calibri" panose="020F0502020204030204" pitchFamily="34" charset="0"/>
+                <a:ea typeface="Yu Mincho" panose="02020400000000000000" pitchFamily="18" charset="-128"/>
+                <a:cs typeface="Times New Roman" panose="02020603050405020304" pitchFamily="18" charset="0"/>
+              </a:rPr>
+              <a:t>Aufruf eines gespeicherten Bildes</a:t>
+            </a:r>
+            <a:endParaRPr lang="de-DE" sz="1100" dirty="0">
+              <a:effectLst/>
+              <a:latin typeface="Calibri" panose="020F0502020204030204" pitchFamily="34" charset="0"/>
+              <a:ea typeface="Yu Mincho" panose="02020400000000000000" pitchFamily="18" charset="-128"/>
+              <a:cs typeface="Times New Roman" panose="02020603050405020304" pitchFamily="18" charset="0"/>
+            </a:endParaRPr>
+          </a:p>
+          <a:p>
+            <a:pPr marL="742950" lvl="1" indent="-285750">
+              <a:lnSpc>
+                <a:spcPct val="107000"/>
+              </a:lnSpc>
+              <a:buFont typeface="Courier New" panose="02070309020205020404" pitchFamily="49" charset="0"/>
+              <a:buChar char="o"/>
+            </a:pPr>
+            <a:r>
+              <a:rPr lang="de-DE" sz="1100" b="1" dirty="0">
+                <a:effectLst/>
+                <a:latin typeface="Calibri" panose="020F0502020204030204" pitchFamily="34" charset="0"/>
+                <a:ea typeface="Yu Mincho" panose="02020400000000000000" pitchFamily="18" charset="-128"/>
+                <a:cs typeface="Times New Roman" panose="02020603050405020304" pitchFamily="18" charset="0"/>
+              </a:rPr>
+              <a:t>Ablauf</a:t>
+            </a:r>
+            <a:endParaRPr lang="de-DE" sz="1100" dirty="0">
+              <a:effectLst/>
+              <a:latin typeface="Calibri" panose="020F0502020204030204" pitchFamily="34" charset="0"/>
+              <a:ea typeface="Yu Mincho" panose="02020400000000000000" pitchFamily="18" charset="-128"/>
+              <a:cs typeface="Times New Roman" panose="02020603050405020304" pitchFamily="18" charset="0"/>
+            </a:endParaRPr>
+          </a:p>
+          <a:p>
+            <a:pPr marL="1143000" lvl="2" indent="-228600">
+              <a:lnSpc>
+                <a:spcPct val="107000"/>
+              </a:lnSpc>
+              <a:buFont typeface="Wingdings" panose="05000000000000000000" pitchFamily="2" charset="2"/>
+              <a:buChar char=""/>
+            </a:pPr>
+            <a:r>
+              <a:rPr lang="de-DE" sz="1100" dirty="0">
+                <a:effectLst/>
+                <a:latin typeface="Calibri" panose="020F0502020204030204" pitchFamily="34" charset="0"/>
+                <a:ea typeface="Yu Mincho" panose="02020400000000000000" pitchFamily="18" charset="-128"/>
+                <a:cs typeface="Times New Roman" panose="02020603050405020304" pitchFamily="18" charset="0"/>
+              </a:rPr>
+              <a:t>Bild wird aus persistentem Speicher geladen</a:t>
+            </a:r>
+          </a:p>
+          <a:p>
+            <a:pPr marL="1143000" lvl="2" indent="-228600">
+              <a:lnSpc>
+                <a:spcPct val="107000"/>
+              </a:lnSpc>
+              <a:buFont typeface="Wingdings" panose="05000000000000000000" pitchFamily="2" charset="2"/>
+              <a:buChar char=""/>
+            </a:pPr>
+            <a:r>
+              <a:rPr lang="de-DE" sz="1100" dirty="0">
+                <a:effectLst/>
+                <a:latin typeface="Calibri" panose="020F0502020204030204" pitchFamily="34" charset="0"/>
+                <a:ea typeface="Yu Mincho" panose="02020400000000000000" pitchFamily="18" charset="-128"/>
+                <a:cs typeface="Times New Roman" panose="02020603050405020304" pitchFamily="18" charset="0"/>
+              </a:rPr>
+              <a:t>Ansicht des Bildobjekts erzeugen</a:t>
+            </a:r>
+          </a:p>
+          <a:p>
+            <a:pPr marL="742950" lvl="1" indent="-285750">
+              <a:lnSpc>
+                <a:spcPct val="107000"/>
+              </a:lnSpc>
+              <a:buFont typeface="Courier New" panose="02070309020205020404" pitchFamily="49" charset="0"/>
+              <a:buChar char="o"/>
+            </a:pPr>
+            <a:r>
+              <a:rPr lang="de-DE" sz="1100" b="1" dirty="0">
+                <a:effectLst/>
+                <a:latin typeface="Calibri" panose="020F0502020204030204" pitchFamily="34" charset="0"/>
+                <a:ea typeface="Yu Mincho" panose="02020400000000000000" pitchFamily="18" charset="-128"/>
+                <a:cs typeface="Times New Roman" panose="02020603050405020304" pitchFamily="18" charset="0"/>
+              </a:rPr>
+              <a:t>Exit-Kriterien</a:t>
+            </a:r>
+            <a:endParaRPr lang="de-DE" sz="1100" dirty="0">
+              <a:effectLst/>
+              <a:latin typeface="Calibri" panose="020F0502020204030204" pitchFamily="34" charset="0"/>
+              <a:ea typeface="Yu Mincho" panose="02020400000000000000" pitchFamily="18" charset="-128"/>
+              <a:cs typeface="Times New Roman" panose="02020603050405020304" pitchFamily="18" charset="0"/>
+            </a:endParaRPr>
+          </a:p>
+          <a:p>
+            <a:pPr marL="1143000" lvl="2" indent="-228600">
+              <a:lnSpc>
+                <a:spcPct val="107000"/>
+              </a:lnSpc>
+              <a:buFont typeface="Wingdings" panose="05000000000000000000" pitchFamily="2" charset="2"/>
+              <a:buChar char=""/>
+            </a:pPr>
+            <a:r>
+              <a:rPr lang="de-DE" sz="1100" dirty="0">
+                <a:effectLst/>
+                <a:latin typeface="Calibri" panose="020F0502020204030204" pitchFamily="34" charset="0"/>
+                <a:ea typeface="Yu Mincho" panose="02020400000000000000" pitchFamily="18" charset="-128"/>
+                <a:cs typeface="Times New Roman" panose="02020603050405020304" pitchFamily="18" charset="0"/>
+              </a:rPr>
+              <a:t>Bild wurde erfolgreich aus persistentem Speicher geladen</a:t>
+            </a:r>
+          </a:p>
+          <a:p>
+            <a:pPr marL="1143000" lvl="2" indent="-228600">
+              <a:lnSpc>
+                <a:spcPct val="107000"/>
+              </a:lnSpc>
+              <a:buFont typeface="Wingdings" panose="05000000000000000000" pitchFamily="2" charset="2"/>
+              <a:buChar char=""/>
+            </a:pPr>
+            <a:r>
+              <a:rPr lang="de-DE" sz="1100" dirty="0">
+                <a:effectLst/>
+                <a:latin typeface="Calibri" panose="020F0502020204030204" pitchFamily="34" charset="0"/>
+                <a:ea typeface="Yu Mincho" panose="02020400000000000000" pitchFamily="18" charset="-128"/>
+                <a:cs typeface="Times New Roman" panose="02020603050405020304" pitchFamily="18" charset="0"/>
+              </a:rPr>
+              <a:t>Ansicht wurde erfolgreich erzeugt.</a:t>
+            </a:r>
+          </a:p>
+          <a:p>
+            <a:pPr marL="742950" lvl="1" indent="-285750">
+              <a:lnSpc>
+                <a:spcPct val="107000"/>
+              </a:lnSpc>
+              <a:buFont typeface="Courier New" panose="02070309020205020404" pitchFamily="49" charset="0"/>
+              <a:buChar char="o"/>
+            </a:pPr>
+            <a:r>
+              <a:rPr lang="de-DE" sz="1100" b="1" dirty="0">
+                <a:effectLst/>
+                <a:latin typeface="Calibri" panose="020F0502020204030204" pitchFamily="34" charset="0"/>
+                <a:ea typeface="Yu Mincho" panose="02020400000000000000" pitchFamily="18" charset="-128"/>
+                <a:cs typeface="Times New Roman" panose="02020603050405020304" pitchFamily="18" charset="0"/>
+              </a:rPr>
+              <a:t>Fail-Kriterien</a:t>
+            </a:r>
+            <a:endParaRPr lang="de-DE" sz="1100" dirty="0">
+              <a:effectLst/>
+              <a:latin typeface="Calibri" panose="020F0502020204030204" pitchFamily="34" charset="0"/>
+              <a:ea typeface="Yu Mincho" panose="02020400000000000000" pitchFamily="18" charset="-128"/>
+              <a:cs typeface="Times New Roman" panose="02020603050405020304" pitchFamily="18" charset="0"/>
+            </a:endParaRPr>
+          </a:p>
+          <a:p>
+            <a:pPr marL="1143000" lvl="2" indent="-228600">
+              <a:lnSpc>
+                <a:spcPct val="107000"/>
+              </a:lnSpc>
+              <a:buFont typeface="Wingdings" panose="05000000000000000000" pitchFamily="2" charset="2"/>
+              <a:buChar char=""/>
+            </a:pPr>
+            <a:r>
+              <a:rPr lang="de-DE" sz="1100" dirty="0">
+                <a:effectLst/>
+                <a:latin typeface="Calibri" panose="020F0502020204030204" pitchFamily="34" charset="0"/>
+                <a:ea typeface="Yu Mincho" panose="02020400000000000000" pitchFamily="18" charset="-128"/>
+                <a:cs typeface="Times New Roman" panose="02020603050405020304" pitchFamily="18" charset="0"/>
+              </a:rPr>
+              <a:t>Bild wurde nicht aus persistentem Speicher geladen</a:t>
+            </a:r>
+          </a:p>
+          <a:p>
+            <a:pPr marL="1143000" lvl="2" indent="-228600">
+              <a:lnSpc>
+                <a:spcPct val="107000"/>
+              </a:lnSpc>
+              <a:buFont typeface="Wingdings" panose="05000000000000000000" pitchFamily="2" charset="2"/>
+              <a:buChar char=""/>
+            </a:pPr>
+            <a:r>
+              <a:rPr lang="de-DE" sz="1100" dirty="0">
+                <a:effectLst/>
+                <a:latin typeface="Calibri" panose="020F0502020204030204" pitchFamily="34" charset="0"/>
+                <a:ea typeface="Yu Mincho" panose="02020400000000000000" pitchFamily="18" charset="-128"/>
+                <a:cs typeface="Times New Roman" panose="02020603050405020304" pitchFamily="18" charset="0"/>
+              </a:rPr>
+              <a:t>Ansicht wurde nicht erzeugt</a:t>
+            </a:r>
+          </a:p>
+          <a:p>
+            <a:pPr marL="742950" lvl="1" indent="-285750">
+              <a:lnSpc>
+                <a:spcPct val="107000"/>
+              </a:lnSpc>
+              <a:buFont typeface="Courier New" panose="02070309020205020404" pitchFamily="49" charset="0"/>
+              <a:buChar char="o"/>
+            </a:pPr>
+            <a:r>
+              <a:rPr lang="de-DE" sz="1100" b="1" dirty="0" err="1">
+                <a:effectLst/>
+                <a:latin typeface="Calibri" panose="020F0502020204030204" pitchFamily="34" charset="0"/>
+                <a:ea typeface="Yu Mincho" panose="02020400000000000000" pitchFamily="18" charset="-128"/>
+                <a:cs typeface="Times New Roman" panose="02020603050405020304" pitchFamily="18" charset="0"/>
+              </a:rPr>
+              <a:t>Fallback</a:t>
+            </a:r>
+            <a:endParaRPr lang="de-DE" sz="1100" dirty="0">
+              <a:effectLst/>
+              <a:latin typeface="Calibri" panose="020F0502020204030204" pitchFamily="34" charset="0"/>
+              <a:ea typeface="Yu Mincho" panose="02020400000000000000" pitchFamily="18" charset="-128"/>
+              <a:cs typeface="Times New Roman" panose="02020603050405020304" pitchFamily="18" charset="0"/>
+            </a:endParaRPr>
+          </a:p>
+          <a:p>
+            <a:pPr marL="1143000" lvl="2" indent="-228600">
+              <a:lnSpc>
+                <a:spcPct val="107000"/>
+              </a:lnSpc>
+              <a:buFont typeface="Wingdings" panose="05000000000000000000" pitchFamily="2" charset="2"/>
+              <a:buChar char=""/>
+            </a:pPr>
+            <a:r>
+              <a:rPr lang="de-DE" sz="1100" dirty="0">
+                <a:effectLst/>
+                <a:latin typeface="Calibri" panose="020F0502020204030204" pitchFamily="34" charset="0"/>
+                <a:ea typeface="Yu Mincho" panose="02020400000000000000" pitchFamily="18" charset="-128"/>
+                <a:cs typeface="Times New Roman" panose="02020603050405020304" pitchFamily="18" charset="0"/>
+              </a:rPr>
+              <a:t>Eindeutige Fehlermeldung anzeigen</a:t>
+            </a:r>
+          </a:p>
+          <a:p>
+            <a:pPr marL="1143000" lvl="2" indent="-228600">
+              <a:lnSpc>
+                <a:spcPct val="107000"/>
+              </a:lnSpc>
+              <a:spcAft>
+                <a:spcPts val="800"/>
+              </a:spcAft>
+              <a:buFont typeface="Wingdings" panose="05000000000000000000" pitchFamily="2" charset="2"/>
+              <a:buChar char=""/>
+            </a:pPr>
+            <a:r>
+              <a:rPr lang="de-DE" sz="1100" dirty="0">
+                <a:effectLst/>
+                <a:latin typeface="Calibri" panose="020F0502020204030204" pitchFamily="34" charset="0"/>
+                <a:ea typeface="Yu Mincho" panose="02020400000000000000" pitchFamily="18" charset="-128"/>
+                <a:cs typeface="Times New Roman" panose="02020603050405020304" pitchFamily="18" charset="0"/>
+              </a:rPr>
+              <a:t>Aufforderung zum neu laden mitteilen</a:t>
+            </a:r>
           </a:p>
         </p:txBody>
       </p:sp>
@@ -8173,7 +8569,7 @@
     </p:spTree>
     <p:extLst>
       <p:ext uri="{BB962C8B-B14F-4D97-AF65-F5344CB8AC3E}">
-        <p14:creationId xmlns:p14="http://schemas.microsoft.com/office/powerpoint/2010/main" val="3388715465"/>
+        <p14:creationId xmlns:p14="http://schemas.microsoft.com/office/powerpoint/2010/main" val="1195816902"/>
       </p:ext>
     </p:extLst>
   </p:cSld>
@@ -8224,826 +8620,6 @@
             <a:pPr algn="ctr"/>
             <a:r>
               <a:rPr lang="de-DE" dirty="0"/>
-              <a:t>POC Bildaufruf/-abruf</a:t>
-            </a:r>
-          </a:p>
-        </p:txBody>
-      </p:sp>
-      <p:sp>
-        <p:nvSpPr>
-          <p:cNvPr id="3" name="Inhaltsplatzhalter 2">
-            <a:extLst>
-              <a:ext uri="{FF2B5EF4-FFF2-40B4-BE49-F238E27FC236}">
-                <a16:creationId xmlns:a16="http://schemas.microsoft.com/office/drawing/2014/main" id="{26828B3D-0288-9D01-3FAB-ED2A638AE90B}"/>
-              </a:ext>
-            </a:extLst>
-          </p:cNvPr>
-          <p:cNvSpPr>
-            <a:spLocks noGrp="1"/>
-          </p:cNvSpPr>
-          <p:nvPr>
-            <p:ph sz="half" idx="1"/>
-          </p:nvPr>
-        </p:nvSpPr>
-        <p:spPr>
-          <a:xfrm>
-            <a:off x="838200" y="1825625"/>
-            <a:ext cx="5181600" cy="4769728"/>
-          </a:xfrm>
-        </p:spPr>
-        <p:txBody>
-          <a:bodyPr>
-            <a:normAutofit fontScale="92500" lnSpcReduction="20000"/>
-          </a:bodyPr>
-          <a:lstStyle/>
-          <a:p>
-            <a:pPr marL="342900" lvl="0" indent="-342900">
-              <a:lnSpc>
-                <a:spcPct val="107000"/>
-              </a:lnSpc>
-              <a:buFont typeface="Symbol" panose="05050102010706020507" pitchFamily="18" charset="2"/>
-              <a:buChar char=""/>
-            </a:pPr>
-            <a:r>
-              <a:rPr lang="de-DE" sz="1200" u="sng" dirty="0">
-                <a:effectLst/>
-                <a:latin typeface="Calibri" panose="020F0502020204030204" pitchFamily="34" charset="0"/>
-                <a:ea typeface="Yu Mincho" panose="02020400000000000000" pitchFamily="18" charset="-128"/>
-                <a:cs typeface="Times New Roman" panose="02020603050405020304" pitchFamily="18" charset="0"/>
-              </a:rPr>
-              <a:t>Upload eines Bildes</a:t>
-            </a:r>
-            <a:endParaRPr lang="de-DE" sz="1200" dirty="0">
-              <a:effectLst/>
-              <a:latin typeface="Calibri" panose="020F0502020204030204" pitchFamily="34" charset="0"/>
-              <a:ea typeface="Yu Mincho" panose="02020400000000000000" pitchFamily="18" charset="-128"/>
-              <a:cs typeface="Times New Roman" panose="02020603050405020304" pitchFamily="18" charset="0"/>
-            </a:endParaRPr>
-          </a:p>
-          <a:p>
-            <a:pPr marL="742950" lvl="1" indent="-285750">
-              <a:lnSpc>
-                <a:spcPct val="107000"/>
-              </a:lnSpc>
-              <a:buFont typeface="Courier New" panose="02070309020205020404" pitchFamily="49" charset="0"/>
-              <a:buChar char="o"/>
-            </a:pPr>
-            <a:r>
-              <a:rPr lang="de-DE" sz="1200" b="1" dirty="0">
-                <a:effectLst/>
-                <a:latin typeface="Calibri" panose="020F0502020204030204" pitchFamily="34" charset="0"/>
-                <a:ea typeface="Yu Mincho" panose="02020400000000000000" pitchFamily="18" charset="-128"/>
-                <a:cs typeface="Times New Roman" panose="02020603050405020304" pitchFamily="18" charset="0"/>
-              </a:rPr>
-              <a:t>Ablauf</a:t>
-            </a:r>
-            <a:endParaRPr lang="de-DE" sz="1200" dirty="0">
-              <a:effectLst/>
-              <a:latin typeface="Calibri" panose="020F0502020204030204" pitchFamily="34" charset="0"/>
-              <a:ea typeface="Yu Mincho" panose="02020400000000000000" pitchFamily="18" charset="-128"/>
-              <a:cs typeface="Times New Roman" panose="02020603050405020304" pitchFamily="18" charset="0"/>
-            </a:endParaRPr>
-          </a:p>
-          <a:p>
-            <a:pPr marL="1143000" lvl="2" indent="-228600">
-              <a:lnSpc>
-                <a:spcPct val="107000"/>
-              </a:lnSpc>
-              <a:buFont typeface="Wingdings" panose="05000000000000000000" pitchFamily="2" charset="2"/>
-              <a:buChar char=""/>
-            </a:pPr>
-            <a:r>
-              <a:rPr lang="de-DE" sz="1200" dirty="0">
-                <a:effectLst/>
-                <a:latin typeface="Calibri" panose="020F0502020204030204" pitchFamily="34" charset="0"/>
-                <a:ea typeface="Yu Mincho" panose="02020400000000000000" pitchFamily="18" charset="-128"/>
-                <a:cs typeface="Times New Roman" panose="02020603050405020304" pitchFamily="18" charset="0"/>
-              </a:rPr>
-              <a:t>Aufruf einer Upload Funktion</a:t>
-            </a:r>
-          </a:p>
-          <a:p>
-            <a:pPr marL="1143000" lvl="2" indent="-228600">
-              <a:lnSpc>
-                <a:spcPct val="107000"/>
-              </a:lnSpc>
-              <a:buFont typeface="Wingdings" panose="05000000000000000000" pitchFamily="2" charset="2"/>
-              <a:buChar char=""/>
-            </a:pPr>
-            <a:r>
-              <a:rPr lang="de-DE" sz="1200" dirty="0">
-                <a:effectLst/>
-                <a:latin typeface="Calibri" panose="020F0502020204030204" pitchFamily="34" charset="0"/>
-                <a:ea typeface="Yu Mincho" panose="02020400000000000000" pitchFamily="18" charset="-128"/>
-                <a:cs typeface="Times New Roman" panose="02020603050405020304" pitchFamily="18" charset="0"/>
-              </a:rPr>
-              <a:t>Auslesen des Bild mit Unterstützung gängiger Bildformate</a:t>
-            </a:r>
-          </a:p>
-          <a:p>
-            <a:pPr marL="1143000" lvl="2" indent="-228600">
-              <a:lnSpc>
-                <a:spcPct val="107000"/>
-              </a:lnSpc>
-              <a:buFont typeface="Wingdings" panose="05000000000000000000" pitchFamily="2" charset="2"/>
-              <a:buChar char=""/>
-            </a:pPr>
-            <a:r>
-              <a:rPr lang="de-DE" sz="1200" dirty="0">
-                <a:effectLst/>
-                <a:latin typeface="Calibri" panose="020F0502020204030204" pitchFamily="34" charset="0"/>
-                <a:ea typeface="Yu Mincho" panose="02020400000000000000" pitchFamily="18" charset="-128"/>
-                <a:cs typeface="Times New Roman" panose="02020603050405020304" pitchFamily="18" charset="0"/>
-              </a:rPr>
-              <a:t>Automatisches Auslesen der erforderlichen Metadaten</a:t>
-            </a:r>
-          </a:p>
-          <a:p>
-            <a:pPr marL="1143000" lvl="2" indent="-228600">
-              <a:lnSpc>
-                <a:spcPct val="107000"/>
-              </a:lnSpc>
-              <a:buFont typeface="Wingdings" panose="05000000000000000000" pitchFamily="2" charset="2"/>
-              <a:buChar char=""/>
-            </a:pPr>
-            <a:r>
-              <a:rPr lang="de-DE" sz="1200" dirty="0">
-                <a:effectLst/>
-                <a:latin typeface="Calibri" panose="020F0502020204030204" pitchFamily="34" charset="0"/>
-                <a:ea typeface="Yu Mincho" panose="02020400000000000000" pitchFamily="18" charset="-128"/>
-                <a:cs typeface="Times New Roman" panose="02020603050405020304" pitchFamily="18" charset="0"/>
-              </a:rPr>
-              <a:t>Erzeugen eines Bildobjekts mit Bild und Metadaten</a:t>
-            </a:r>
-          </a:p>
-          <a:p>
-            <a:pPr marL="1143000" lvl="2" indent="-228600">
-              <a:lnSpc>
-                <a:spcPct val="107000"/>
-              </a:lnSpc>
-              <a:buFont typeface="Wingdings" panose="05000000000000000000" pitchFamily="2" charset="2"/>
-              <a:buChar char=""/>
-            </a:pPr>
-            <a:r>
-              <a:rPr lang="de-DE" sz="1200" dirty="0">
-                <a:effectLst/>
-                <a:latin typeface="Calibri" panose="020F0502020204030204" pitchFamily="34" charset="0"/>
-                <a:ea typeface="Yu Mincho" panose="02020400000000000000" pitchFamily="18" charset="-128"/>
-                <a:cs typeface="Times New Roman" panose="02020603050405020304" pitchFamily="18" charset="0"/>
-              </a:rPr>
-              <a:t>Abspeichern des Bildobjekts</a:t>
-            </a:r>
-          </a:p>
-          <a:p>
-            <a:pPr marL="742950" lvl="1" indent="-285750">
-              <a:lnSpc>
-                <a:spcPct val="107000"/>
-              </a:lnSpc>
-              <a:buFont typeface="Courier New" panose="02070309020205020404" pitchFamily="49" charset="0"/>
-              <a:buChar char="o"/>
-            </a:pPr>
-            <a:r>
-              <a:rPr lang="de-DE" sz="1200" b="1" dirty="0">
-                <a:effectLst/>
-                <a:latin typeface="Calibri" panose="020F0502020204030204" pitchFamily="34" charset="0"/>
-                <a:ea typeface="Yu Mincho" panose="02020400000000000000" pitchFamily="18" charset="-128"/>
-                <a:cs typeface="Times New Roman" panose="02020603050405020304" pitchFamily="18" charset="0"/>
-              </a:rPr>
-              <a:t>Exit-Kriterien</a:t>
-            </a:r>
-            <a:endParaRPr lang="de-DE" sz="1200" dirty="0">
-              <a:effectLst/>
-              <a:latin typeface="Calibri" panose="020F0502020204030204" pitchFamily="34" charset="0"/>
-              <a:ea typeface="Yu Mincho" panose="02020400000000000000" pitchFamily="18" charset="-128"/>
-              <a:cs typeface="Times New Roman" panose="02020603050405020304" pitchFamily="18" charset="0"/>
-            </a:endParaRPr>
-          </a:p>
-          <a:p>
-            <a:pPr marL="1143000" lvl="2" indent="-228600">
-              <a:lnSpc>
-                <a:spcPct val="107000"/>
-              </a:lnSpc>
-              <a:buFont typeface="Wingdings" panose="05000000000000000000" pitchFamily="2" charset="2"/>
-              <a:buChar char=""/>
-            </a:pPr>
-            <a:r>
-              <a:rPr lang="de-DE" sz="1200" dirty="0">
-                <a:effectLst/>
-                <a:latin typeface="Calibri" panose="020F0502020204030204" pitchFamily="34" charset="0"/>
-                <a:ea typeface="Yu Mincho" panose="02020400000000000000" pitchFamily="18" charset="-128"/>
-                <a:cs typeface="Times New Roman" panose="02020603050405020304" pitchFamily="18" charset="0"/>
-              </a:rPr>
-              <a:t>Funktion konnte aufgerufen werden und Eingaben wurden erfolgreich und korrekt übernommen.</a:t>
-            </a:r>
-          </a:p>
-          <a:p>
-            <a:pPr marL="1143000" lvl="2" indent="-228600">
-              <a:lnSpc>
-                <a:spcPct val="107000"/>
-              </a:lnSpc>
-              <a:buFont typeface="Wingdings" panose="05000000000000000000" pitchFamily="2" charset="2"/>
-              <a:buChar char=""/>
-            </a:pPr>
-            <a:r>
-              <a:rPr lang="de-DE" sz="1200" dirty="0">
-                <a:effectLst/>
-                <a:latin typeface="Calibri" panose="020F0502020204030204" pitchFamily="34" charset="0"/>
-                <a:ea typeface="Yu Mincho" panose="02020400000000000000" pitchFamily="18" charset="-128"/>
-                <a:cs typeface="Times New Roman" panose="02020603050405020304" pitchFamily="18" charset="0"/>
-              </a:rPr>
-              <a:t>Bilddaten konnten erfolgreich geladen werden.</a:t>
-            </a:r>
-          </a:p>
-          <a:p>
-            <a:pPr marL="1143000" lvl="2" indent="-228600">
-              <a:lnSpc>
-                <a:spcPct val="107000"/>
-              </a:lnSpc>
-              <a:buFont typeface="Wingdings" panose="05000000000000000000" pitchFamily="2" charset="2"/>
-              <a:buChar char=""/>
-            </a:pPr>
-            <a:r>
-              <a:rPr lang="de-DE" sz="1200" dirty="0">
-                <a:effectLst/>
-                <a:latin typeface="Calibri" panose="020F0502020204030204" pitchFamily="34" charset="0"/>
-                <a:ea typeface="Yu Mincho" panose="02020400000000000000" pitchFamily="18" charset="-128"/>
-                <a:cs typeface="Times New Roman" panose="02020603050405020304" pitchFamily="18" charset="0"/>
-              </a:rPr>
-              <a:t>Neues Bildobjekt wurde erfolgreich erzeugt und abgespeichert.</a:t>
-            </a:r>
-          </a:p>
-          <a:p>
-            <a:pPr marL="742950" lvl="1" indent="-285750">
-              <a:lnSpc>
-                <a:spcPct val="107000"/>
-              </a:lnSpc>
-              <a:buFont typeface="Courier New" panose="02070309020205020404" pitchFamily="49" charset="0"/>
-              <a:buChar char="o"/>
-            </a:pPr>
-            <a:r>
-              <a:rPr lang="de-DE" sz="1200" b="1" dirty="0">
-                <a:effectLst/>
-                <a:latin typeface="Calibri" panose="020F0502020204030204" pitchFamily="34" charset="0"/>
-                <a:ea typeface="Yu Mincho" panose="02020400000000000000" pitchFamily="18" charset="-128"/>
-                <a:cs typeface="Times New Roman" panose="02020603050405020304" pitchFamily="18" charset="0"/>
-              </a:rPr>
-              <a:t>Fail-Kriterien</a:t>
-            </a:r>
-            <a:endParaRPr lang="de-DE" sz="1200" dirty="0">
-              <a:effectLst/>
-              <a:latin typeface="Calibri" panose="020F0502020204030204" pitchFamily="34" charset="0"/>
-              <a:ea typeface="Yu Mincho" panose="02020400000000000000" pitchFamily="18" charset="-128"/>
-              <a:cs typeface="Times New Roman" panose="02020603050405020304" pitchFamily="18" charset="0"/>
-            </a:endParaRPr>
-          </a:p>
-          <a:p>
-            <a:pPr marL="1143000" lvl="2" indent="-228600">
-              <a:lnSpc>
-                <a:spcPct val="107000"/>
-              </a:lnSpc>
-              <a:buFont typeface="Wingdings" panose="05000000000000000000" pitchFamily="2" charset="2"/>
-              <a:buChar char=""/>
-            </a:pPr>
-            <a:r>
-              <a:rPr lang="de-DE" sz="1200" dirty="0">
-                <a:effectLst/>
-                <a:latin typeface="Calibri" panose="020F0502020204030204" pitchFamily="34" charset="0"/>
-                <a:ea typeface="Yu Mincho" panose="02020400000000000000" pitchFamily="18" charset="-128"/>
-                <a:cs typeface="Times New Roman" panose="02020603050405020304" pitchFamily="18" charset="0"/>
-              </a:rPr>
-              <a:t>Bilddaten konnten gar nicht geladen werden</a:t>
-            </a:r>
-          </a:p>
-          <a:p>
-            <a:pPr marL="1143000" lvl="2" indent="-228600">
-              <a:lnSpc>
-                <a:spcPct val="107000"/>
-              </a:lnSpc>
-              <a:buFont typeface="Wingdings" panose="05000000000000000000" pitchFamily="2" charset="2"/>
-              <a:buChar char=""/>
-            </a:pPr>
-            <a:r>
-              <a:rPr lang="de-DE" sz="1200" dirty="0">
-                <a:effectLst/>
-                <a:latin typeface="Calibri" panose="020F0502020204030204" pitchFamily="34" charset="0"/>
-                <a:ea typeface="Yu Mincho" panose="02020400000000000000" pitchFamily="18" charset="-128"/>
-                <a:cs typeface="Times New Roman" panose="02020603050405020304" pitchFamily="18" charset="0"/>
-              </a:rPr>
-              <a:t>Nur begrenzte Bildformate konnten unterstützt werden</a:t>
-            </a:r>
-          </a:p>
-          <a:p>
-            <a:pPr marL="1143000" lvl="2" indent="-228600">
-              <a:lnSpc>
-                <a:spcPct val="107000"/>
-              </a:lnSpc>
-              <a:buFont typeface="Wingdings" panose="05000000000000000000" pitchFamily="2" charset="2"/>
-              <a:buChar char=""/>
-            </a:pPr>
-            <a:r>
-              <a:rPr lang="de-DE" sz="1200" dirty="0">
-                <a:effectLst/>
-                <a:latin typeface="Calibri" panose="020F0502020204030204" pitchFamily="34" charset="0"/>
-                <a:ea typeface="Yu Mincho" panose="02020400000000000000" pitchFamily="18" charset="-128"/>
-                <a:cs typeface="Times New Roman" panose="02020603050405020304" pitchFamily="18" charset="0"/>
-              </a:rPr>
-              <a:t>Neues Bildobjekt konnte nicht erzeugt werden</a:t>
-            </a:r>
-          </a:p>
-          <a:p>
-            <a:pPr marL="1143000" lvl="2" indent="-228600">
-              <a:lnSpc>
-                <a:spcPct val="107000"/>
-              </a:lnSpc>
-              <a:buFont typeface="Wingdings" panose="05000000000000000000" pitchFamily="2" charset="2"/>
-              <a:buChar char=""/>
-            </a:pPr>
-            <a:r>
-              <a:rPr lang="de-DE" sz="1200" dirty="0">
-                <a:effectLst/>
-                <a:latin typeface="Calibri" panose="020F0502020204030204" pitchFamily="34" charset="0"/>
-                <a:ea typeface="Yu Mincho" panose="02020400000000000000" pitchFamily="18" charset="-128"/>
-                <a:cs typeface="Times New Roman" panose="02020603050405020304" pitchFamily="18" charset="0"/>
-              </a:rPr>
-              <a:t>Bildobjekt konnte nicht abgespeichert werden</a:t>
-            </a:r>
-          </a:p>
-          <a:p>
-            <a:pPr marL="742950" lvl="1" indent="-285750">
-              <a:lnSpc>
-                <a:spcPct val="107000"/>
-              </a:lnSpc>
-              <a:buFont typeface="Courier New" panose="02070309020205020404" pitchFamily="49" charset="0"/>
-              <a:buChar char="o"/>
-            </a:pPr>
-            <a:r>
-              <a:rPr lang="de-DE" sz="1200" b="1" dirty="0" err="1">
-                <a:effectLst/>
-                <a:latin typeface="Calibri" panose="020F0502020204030204" pitchFamily="34" charset="0"/>
-                <a:ea typeface="Yu Mincho" panose="02020400000000000000" pitchFamily="18" charset="-128"/>
-                <a:cs typeface="Times New Roman" panose="02020603050405020304" pitchFamily="18" charset="0"/>
-              </a:rPr>
-              <a:t>Fallback</a:t>
-            </a:r>
-            <a:endParaRPr lang="de-DE" sz="1200" dirty="0">
-              <a:effectLst/>
-              <a:latin typeface="Calibri" panose="020F0502020204030204" pitchFamily="34" charset="0"/>
-              <a:ea typeface="Yu Mincho" panose="02020400000000000000" pitchFamily="18" charset="-128"/>
-              <a:cs typeface="Times New Roman" panose="02020603050405020304" pitchFamily="18" charset="0"/>
-            </a:endParaRPr>
-          </a:p>
-          <a:p>
-            <a:pPr marL="1143000" lvl="2" indent="-228600">
-              <a:lnSpc>
-                <a:spcPct val="107000"/>
-              </a:lnSpc>
-              <a:buFont typeface="Wingdings" panose="05000000000000000000" pitchFamily="2" charset="2"/>
-              <a:buChar char=""/>
-            </a:pPr>
-            <a:r>
-              <a:rPr lang="de-DE" sz="1200" dirty="0">
-                <a:effectLst/>
-                <a:latin typeface="Calibri" panose="020F0502020204030204" pitchFamily="34" charset="0"/>
-                <a:ea typeface="Yu Mincho" panose="02020400000000000000" pitchFamily="18" charset="-128"/>
-                <a:cs typeface="Times New Roman" panose="02020603050405020304" pitchFamily="18" charset="0"/>
-              </a:rPr>
-              <a:t>Aus Eindeutige Fehlermeldung wenn technische Fehler bei der Ausführung der Upload Funktion erfolgen</a:t>
-            </a:r>
-          </a:p>
-          <a:p>
-            <a:pPr marL="1143000" lvl="2" indent="-228600">
-              <a:lnSpc>
-                <a:spcPct val="107000"/>
-              </a:lnSpc>
-              <a:buFont typeface="Wingdings" panose="05000000000000000000" pitchFamily="2" charset="2"/>
-              <a:buChar char=""/>
-            </a:pPr>
-            <a:r>
-              <a:rPr lang="de-DE" sz="1200" dirty="0">
-                <a:effectLst/>
-                <a:latin typeface="Calibri" panose="020F0502020204030204" pitchFamily="34" charset="0"/>
-                <a:ea typeface="Yu Mincho" panose="02020400000000000000" pitchFamily="18" charset="-128"/>
-                <a:cs typeface="Times New Roman" panose="02020603050405020304" pitchFamily="18" charset="0"/>
-              </a:rPr>
-              <a:t>Bild wird ohne Metadaten gespeichert</a:t>
-            </a:r>
-          </a:p>
-          <a:p>
-            <a:pPr marL="1143000" lvl="2" indent="-228600">
-              <a:lnSpc>
-                <a:spcPct val="107000"/>
-              </a:lnSpc>
-              <a:spcAft>
-                <a:spcPts val="800"/>
-              </a:spcAft>
-              <a:buFont typeface="Wingdings" panose="05000000000000000000" pitchFamily="2" charset="2"/>
-              <a:buChar char=""/>
-            </a:pPr>
-            <a:r>
-              <a:rPr lang="de-DE" sz="1200" dirty="0">
-                <a:effectLst/>
-                <a:latin typeface="Calibri" panose="020F0502020204030204" pitchFamily="34" charset="0"/>
-                <a:ea typeface="Yu Mincho" panose="02020400000000000000" pitchFamily="18" charset="-128"/>
-                <a:cs typeface="Times New Roman" panose="02020603050405020304" pitchFamily="18" charset="0"/>
-              </a:rPr>
-              <a:t>Es werden begrenzte Bildformate gefordert</a:t>
-            </a:r>
-            <a:endParaRPr lang="de-DE" sz="1200" dirty="0">
-              <a:effectLst/>
-              <a:latin typeface="Calibri" panose="020F0502020204030204" pitchFamily="34" charset="0"/>
-              <a:ea typeface="Calibri" panose="020F0502020204030204" pitchFamily="34" charset="0"/>
-              <a:cs typeface="Times New Roman" panose="02020603050405020304" pitchFamily="18" charset="0"/>
-            </a:endParaRPr>
-          </a:p>
-        </p:txBody>
-      </p:sp>
-      <p:sp>
-        <p:nvSpPr>
-          <p:cNvPr id="6" name="Inhaltsplatzhalter 5">
-            <a:extLst>
-              <a:ext uri="{FF2B5EF4-FFF2-40B4-BE49-F238E27FC236}">
-                <a16:creationId xmlns:a16="http://schemas.microsoft.com/office/drawing/2014/main" id="{D27F10EA-731C-BC21-64B1-413E86CA7C17}"/>
-              </a:ext>
-            </a:extLst>
-          </p:cNvPr>
-          <p:cNvSpPr>
-            <a:spLocks noGrp="1"/>
-          </p:cNvSpPr>
-          <p:nvPr>
-            <p:ph sz="half" idx="2"/>
-          </p:nvPr>
-        </p:nvSpPr>
-        <p:spPr>
-          <a:xfrm>
-            <a:off x="6172200" y="1825625"/>
-            <a:ext cx="5181600" cy="4769728"/>
-          </a:xfrm>
-        </p:spPr>
-        <p:txBody>
-          <a:bodyPr anchor="t" anchorCtr="0">
-            <a:normAutofit fontScale="92500" lnSpcReduction="20000"/>
-          </a:bodyPr>
-          <a:lstStyle/>
-          <a:p>
-            <a:pPr marL="342900" lvl="0" indent="-342900">
-              <a:lnSpc>
-                <a:spcPct val="107000"/>
-              </a:lnSpc>
-              <a:buFont typeface="Symbol" panose="05050102010706020507" pitchFamily="18" charset="2"/>
-              <a:buChar char=""/>
-            </a:pPr>
-            <a:r>
-              <a:rPr lang="de-DE" sz="1100" u="sng" dirty="0">
-                <a:effectLst/>
-                <a:latin typeface="Calibri" panose="020F0502020204030204" pitchFamily="34" charset="0"/>
-                <a:ea typeface="Yu Mincho" panose="02020400000000000000" pitchFamily="18" charset="-128"/>
-                <a:cs typeface="Times New Roman" panose="02020603050405020304" pitchFamily="18" charset="0"/>
-              </a:rPr>
-              <a:t>Aufruf eines gespeicherten Bildes</a:t>
-            </a:r>
-            <a:endParaRPr lang="de-DE" sz="1100" dirty="0">
-              <a:effectLst/>
-              <a:latin typeface="Calibri" panose="020F0502020204030204" pitchFamily="34" charset="0"/>
-              <a:ea typeface="Yu Mincho" panose="02020400000000000000" pitchFamily="18" charset="-128"/>
-              <a:cs typeface="Times New Roman" panose="02020603050405020304" pitchFamily="18" charset="0"/>
-            </a:endParaRPr>
-          </a:p>
-          <a:p>
-            <a:pPr marL="742950" lvl="1" indent="-285750">
-              <a:lnSpc>
-                <a:spcPct val="107000"/>
-              </a:lnSpc>
-              <a:buFont typeface="Courier New" panose="02070309020205020404" pitchFamily="49" charset="0"/>
-              <a:buChar char="o"/>
-            </a:pPr>
-            <a:r>
-              <a:rPr lang="de-DE" sz="1100" b="1" dirty="0">
-                <a:effectLst/>
-                <a:latin typeface="Calibri" panose="020F0502020204030204" pitchFamily="34" charset="0"/>
-                <a:ea typeface="Yu Mincho" panose="02020400000000000000" pitchFamily="18" charset="-128"/>
-                <a:cs typeface="Times New Roman" panose="02020603050405020304" pitchFamily="18" charset="0"/>
-              </a:rPr>
-              <a:t>Ablauf</a:t>
-            </a:r>
-            <a:endParaRPr lang="de-DE" sz="1100" dirty="0">
-              <a:effectLst/>
-              <a:latin typeface="Calibri" panose="020F0502020204030204" pitchFamily="34" charset="0"/>
-              <a:ea typeface="Yu Mincho" panose="02020400000000000000" pitchFamily="18" charset="-128"/>
-              <a:cs typeface="Times New Roman" panose="02020603050405020304" pitchFamily="18" charset="0"/>
-            </a:endParaRPr>
-          </a:p>
-          <a:p>
-            <a:pPr marL="1143000" lvl="2" indent="-228600">
-              <a:lnSpc>
-                <a:spcPct val="107000"/>
-              </a:lnSpc>
-              <a:buFont typeface="Wingdings" panose="05000000000000000000" pitchFamily="2" charset="2"/>
-              <a:buChar char=""/>
-            </a:pPr>
-            <a:r>
-              <a:rPr lang="de-DE" sz="1100" dirty="0">
-                <a:effectLst/>
-                <a:latin typeface="Calibri" panose="020F0502020204030204" pitchFamily="34" charset="0"/>
-                <a:ea typeface="Yu Mincho" panose="02020400000000000000" pitchFamily="18" charset="-128"/>
-                <a:cs typeface="Times New Roman" panose="02020603050405020304" pitchFamily="18" charset="0"/>
-              </a:rPr>
-              <a:t>Bild wird aus persistentem Speicher geladen</a:t>
-            </a:r>
-          </a:p>
-          <a:p>
-            <a:pPr marL="1143000" lvl="2" indent="-228600">
-              <a:lnSpc>
-                <a:spcPct val="107000"/>
-              </a:lnSpc>
-              <a:buFont typeface="Wingdings" panose="05000000000000000000" pitchFamily="2" charset="2"/>
-              <a:buChar char=""/>
-            </a:pPr>
-            <a:r>
-              <a:rPr lang="de-DE" sz="1100" dirty="0">
-                <a:effectLst/>
-                <a:latin typeface="Calibri" panose="020F0502020204030204" pitchFamily="34" charset="0"/>
-                <a:ea typeface="Yu Mincho" panose="02020400000000000000" pitchFamily="18" charset="-128"/>
-                <a:cs typeface="Times New Roman" panose="02020603050405020304" pitchFamily="18" charset="0"/>
-              </a:rPr>
-              <a:t>Ansicht des Bildobjekts erzeugen</a:t>
-            </a:r>
-          </a:p>
-          <a:p>
-            <a:pPr marL="742950" lvl="1" indent="-285750">
-              <a:lnSpc>
-                <a:spcPct val="107000"/>
-              </a:lnSpc>
-              <a:buFont typeface="Courier New" panose="02070309020205020404" pitchFamily="49" charset="0"/>
-              <a:buChar char="o"/>
-            </a:pPr>
-            <a:r>
-              <a:rPr lang="de-DE" sz="1100" b="1" dirty="0">
-                <a:effectLst/>
-                <a:latin typeface="Calibri" panose="020F0502020204030204" pitchFamily="34" charset="0"/>
-                <a:ea typeface="Yu Mincho" panose="02020400000000000000" pitchFamily="18" charset="-128"/>
-                <a:cs typeface="Times New Roman" panose="02020603050405020304" pitchFamily="18" charset="0"/>
-              </a:rPr>
-              <a:t>Exit-Kriterien</a:t>
-            </a:r>
-            <a:endParaRPr lang="de-DE" sz="1100" dirty="0">
-              <a:effectLst/>
-              <a:latin typeface="Calibri" panose="020F0502020204030204" pitchFamily="34" charset="0"/>
-              <a:ea typeface="Yu Mincho" panose="02020400000000000000" pitchFamily="18" charset="-128"/>
-              <a:cs typeface="Times New Roman" panose="02020603050405020304" pitchFamily="18" charset="0"/>
-            </a:endParaRPr>
-          </a:p>
-          <a:p>
-            <a:pPr marL="1143000" lvl="2" indent="-228600">
-              <a:lnSpc>
-                <a:spcPct val="107000"/>
-              </a:lnSpc>
-              <a:buFont typeface="Wingdings" panose="05000000000000000000" pitchFamily="2" charset="2"/>
-              <a:buChar char=""/>
-            </a:pPr>
-            <a:r>
-              <a:rPr lang="de-DE" sz="1100" dirty="0">
-                <a:effectLst/>
-                <a:latin typeface="Calibri" panose="020F0502020204030204" pitchFamily="34" charset="0"/>
-                <a:ea typeface="Yu Mincho" panose="02020400000000000000" pitchFamily="18" charset="-128"/>
-                <a:cs typeface="Times New Roman" panose="02020603050405020304" pitchFamily="18" charset="0"/>
-              </a:rPr>
-              <a:t>Bild wurde erfolgreich aus persistentem Speicher geladen</a:t>
-            </a:r>
-          </a:p>
-          <a:p>
-            <a:pPr marL="1143000" lvl="2" indent="-228600">
-              <a:lnSpc>
-                <a:spcPct val="107000"/>
-              </a:lnSpc>
-              <a:buFont typeface="Wingdings" panose="05000000000000000000" pitchFamily="2" charset="2"/>
-              <a:buChar char=""/>
-            </a:pPr>
-            <a:r>
-              <a:rPr lang="de-DE" sz="1100" dirty="0">
-                <a:effectLst/>
-                <a:latin typeface="Calibri" panose="020F0502020204030204" pitchFamily="34" charset="0"/>
-                <a:ea typeface="Yu Mincho" panose="02020400000000000000" pitchFamily="18" charset="-128"/>
-                <a:cs typeface="Times New Roman" panose="02020603050405020304" pitchFamily="18" charset="0"/>
-              </a:rPr>
-              <a:t>Ansicht wurde erfolgreich erzeugt.</a:t>
-            </a:r>
-          </a:p>
-          <a:p>
-            <a:pPr marL="742950" lvl="1" indent="-285750">
-              <a:lnSpc>
-                <a:spcPct val="107000"/>
-              </a:lnSpc>
-              <a:buFont typeface="Courier New" panose="02070309020205020404" pitchFamily="49" charset="0"/>
-              <a:buChar char="o"/>
-            </a:pPr>
-            <a:r>
-              <a:rPr lang="de-DE" sz="1100" b="1" dirty="0">
-                <a:effectLst/>
-                <a:latin typeface="Calibri" panose="020F0502020204030204" pitchFamily="34" charset="0"/>
-                <a:ea typeface="Yu Mincho" panose="02020400000000000000" pitchFamily="18" charset="-128"/>
-                <a:cs typeface="Times New Roman" panose="02020603050405020304" pitchFamily="18" charset="0"/>
-              </a:rPr>
-              <a:t>Fail-Kriterien</a:t>
-            </a:r>
-            <a:endParaRPr lang="de-DE" sz="1100" dirty="0">
-              <a:effectLst/>
-              <a:latin typeface="Calibri" panose="020F0502020204030204" pitchFamily="34" charset="0"/>
-              <a:ea typeface="Yu Mincho" panose="02020400000000000000" pitchFamily="18" charset="-128"/>
-              <a:cs typeface="Times New Roman" panose="02020603050405020304" pitchFamily="18" charset="0"/>
-            </a:endParaRPr>
-          </a:p>
-          <a:p>
-            <a:pPr marL="1143000" lvl="2" indent="-228600">
-              <a:lnSpc>
-                <a:spcPct val="107000"/>
-              </a:lnSpc>
-              <a:buFont typeface="Wingdings" panose="05000000000000000000" pitchFamily="2" charset="2"/>
-              <a:buChar char=""/>
-            </a:pPr>
-            <a:r>
-              <a:rPr lang="de-DE" sz="1100" dirty="0">
-                <a:effectLst/>
-                <a:latin typeface="Calibri" panose="020F0502020204030204" pitchFamily="34" charset="0"/>
-                <a:ea typeface="Yu Mincho" panose="02020400000000000000" pitchFamily="18" charset="-128"/>
-                <a:cs typeface="Times New Roman" panose="02020603050405020304" pitchFamily="18" charset="0"/>
-              </a:rPr>
-              <a:t>Bild wurde nicht aus persistentem Speicher geladen</a:t>
-            </a:r>
-          </a:p>
-          <a:p>
-            <a:pPr marL="1143000" lvl="2" indent="-228600">
-              <a:lnSpc>
-                <a:spcPct val="107000"/>
-              </a:lnSpc>
-              <a:buFont typeface="Wingdings" panose="05000000000000000000" pitchFamily="2" charset="2"/>
-              <a:buChar char=""/>
-            </a:pPr>
-            <a:r>
-              <a:rPr lang="de-DE" sz="1100" dirty="0">
-                <a:effectLst/>
-                <a:latin typeface="Calibri" panose="020F0502020204030204" pitchFamily="34" charset="0"/>
-                <a:ea typeface="Yu Mincho" panose="02020400000000000000" pitchFamily="18" charset="-128"/>
-                <a:cs typeface="Times New Roman" panose="02020603050405020304" pitchFamily="18" charset="0"/>
-              </a:rPr>
-              <a:t>Ansicht wurde nicht erzeugt</a:t>
-            </a:r>
-          </a:p>
-          <a:p>
-            <a:pPr marL="742950" lvl="1" indent="-285750">
-              <a:lnSpc>
-                <a:spcPct val="107000"/>
-              </a:lnSpc>
-              <a:buFont typeface="Courier New" panose="02070309020205020404" pitchFamily="49" charset="0"/>
-              <a:buChar char="o"/>
-            </a:pPr>
-            <a:r>
-              <a:rPr lang="de-DE" sz="1100" b="1" dirty="0" err="1">
-                <a:effectLst/>
-                <a:latin typeface="Calibri" panose="020F0502020204030204" pitchFamily="34" charset="0"/>
-                <a:ea typeface="Yu Mincho" panose="02020400000000000000" pitchFamily="18" charset="-128"/>
-                <a:cs typeface="Times New Roman" panose="02020603050405020304" pitchFamily="18" charset="0"/>
-              </a:rPr>
-              <a:t>Fallback</a:t>
-            </a:r>
-            <a:endParaRPr lang="de-DE" sz="1100" dirty="0">
-              <a:effectLst/>
-              <a:latin typeface="Calibri" panose="020F0502020204030204" pitchFamily="34" charset="0"/>
-              <a:ea typeface="Yu Mincho" panose="02020400000000000000" pitchFamily="18" charset="-128"/>
-              <a:cs typeface="Times New Roman" panose="02020603050405020304" pitchFamily="18" charset="0"/>
-            </a:endParaRPr>
-          </a:p>
-          <a:p>
-            <a:pPr marL="1143000" lvl="2" indent="-228600">
-              <a:lnSpc>
-                <a:spcPct val="107000"/>
-              </a:lnSpc>
-              <a:buFont typeface="Wingdings" panose="05000000000000000000" pitchFamily="2" charset="2"/>
-              <a:buChar char=""/>
-            </a:pPr>
-            <a:r>
-              <a:rPr lang="de-DE" sz="1100" dirty="0">
-                <a:effectLst/>
-                <a:latin typeface="Calibri" panose="020F0502020204030204" pitchFamily="34" charset="0"/>
-                <a:ea typeface="Yu Mincho" panose="02020400000000000000" pitchFamily="18" charset="-128"/>
-                <a:cs typeface="Times New Roman" panose="02020603050405020304" pitchFamily="18" charset="0"/>
-              </a:rPr>
-              <a:t>Eindeutige Fehlermeldung anzeigen</a:t>
-            </a:r>
-          </a:p>
-          <a:p>
-            <a:pPr marL="1143000" lvl="2" indent="-228600">
-              <a:lnSpc>
-                <a:spcPct val="107000"/>
-              </a:lnSpc>
-              <a:spcAft>
-                <a:spcPts val="800"/>
-              </a:spcAft>
-              <a:buFont typeface="Wingdings" panose="05000000000000000000" pitchFamily="2" charset="2"/>
-              <a:buChar char=""/>
-            </a:pPr>
-            <a:r>
-              <a:rPr lang="de-DE" sz="1100" dirty="0">
-                <a:effectLst/>
-                <a:latin typeface="Calibri" panose="020F0502020204030204" pitchFamily="34" charset="0"/>
-                <a:ea typeface="Yu Mincho" panose="02020400000000000000" pitchFamily="18" charset="-128"/>
-                <a:cs typeface="Times New Roman" panose="02020603050405020304" pitchFamily="18" charset="0"/>
-              </a:rPr>
-              <a:t>Aufforderung zum neu laden mitteilen</a:t>
-            </a:r>
-          </a:p>
-        </p:txBody>
-      </p:sp>
-      <p:sp>
-        <p:nvSpPr>
-          <p:cNvPr id="5" name="Foliennummernplatzhalter 4">
-            <a:extLst>
-              <a:ext uri="{FF2B5EF4-FFF2-40B4-BE49-F238E27FC236}">
-                <a16:creationId xmlns:a16="http://schemas.microsoft.com/office/drawing/2014/main" id="{7B246376-21DF-8BF4-A1FD-B77C22C28AAB}"/>
-              </a:ext>
-            </a:extLst>
-          </p:cNvPr>
-          <p:cNvSpPr>
-            <a:spLocks noGrp="1"/>
-          </p:cNvSpPr>
-          <p:nvPr>
-            <p:ph type="sldNum" sz="quarter" idx="12"/>
-          </p:nvPr>
-        </p:nvSpPr>
-        <p:spPr/>
-        <p:txBody>
-          <a:bodyPr/>
-          <a:lstStyle/>
-          <a:p>
-            <a:fld id="{4FD190AE-D9AE-4074-AAED-D637288AF7F0}" type="slidenum">
-              <a:rPr lang="de-DE" sz="2000" smtClean="0">
-                <a:solidFill>
-                  <a:schemeClr val="tx1"/>
-                </a:solidFill>
-              </a:rPr>
-              <a:t>6</a:t>
-            </a:fld>
-            <a:endParaRPr lang="de-DE" sz="2000" dirty="0">
-              <a:solidFill>
-                <a:schemeClr val="tx1"/>
-              </a:solidFill>
-            </a:endParaRPr>
-          </a:p>
-        </p:txBody>
-      </p:sp>
-    </p:spTree>
-    <p:extLst>
-      <p:ext uri="{BB962C8B-B14F-4D97-AF65-F5344CB8AC3E}">
-        <p14:creationId xmlns:p14="http://schemas.microsoft.com/office/powerpoint/2010/main" val="1195816902"/>
-      </p:ext>
-    </p:extLst>
-  </p:cSld>
-  <p:clrMapOvr>
-    <a:masterClrMapping/>
-  </p:clrMapOvr>
-</p:sld>
-</file>
-
-<file path=ppt/slides/slide7.xml><?xml version="1.0" encoding="utf-8"?>
-<p:sld xmlns:a="http://schemas.openxmlformats.org/drawingml/2006/main" xmlns:r="http://schemas.openxmlformats.org/officeDocument/2006/relationships" xmlns:p="http://schemas.openxmlformats.org/presentationml/2006/main">
-  <p:cSld>
-    <p:spTree>
-      <p:nvGrpSpPr>
-        <p:cNvPr id="1" name=""/>
-        <p:cNvGrpSpPr/>
-        <p:nvPr/>
-      </p:nvGrpSpPr>
-      <p:grpSpPr>
-        <a:xfrm>
-          <a:off x="0" y="0"/>
-          <a:ext cx="0" cy="0"/>
-          <a:chOff x="0" y="0"/>
-          <a:chExt cx="0" cy="0"/>
-        </a:xfrm>
-      </p:grpSpPr>
-      <p:sp>
-        <p:nvSpPr>
-          <p:cNvPr id="2" name="Titel 1">
-            <a:extLst>
-              <a:ext uri="{FF2B5EF4-FFF2-40B4-BE49-F238E27FC236}">
-                <a16:creationId xmlns:a16="http://schemas.microsoft.com/office/drawing/2014/main" id="{4AC7DED0-9976-693C-8B24-D84F23C8E7B6}"/>
-              </a:ext>
-            </a:extLst>
-          </p:cNvPr>
-          <p:cNvSpPr>
-            <a:spLocks noGrp="1"/>
-          </p:cNvSpPr>
-          <p:nvPr>
-            <p:ph type="title"/>
-          </p:nvPr>
-        </p:nvSpPr>
-        <p:spPr/>
-        <p:txBody>
-          <a:bodyPr/>
-          <a:lstStyle/>
-          <a:p>
-            <a:pPr algn="ctr"/>
-            <a:r>
-              <a:rPr lang="de-DE" dirty="0"/>
               <a:t>POC Pub/Sub</a:t>
             </a:r>
           </a:p>
@@ -9364,7 +8940,7 @@
                   <a:schemeClr val="tx1"/>
                 </a:solidFill>
               </a:rPr>
-              <a:t>7</a:t>
+              <a:t>6</a:t>
             </a:fld>
             <a:endParaRPr lang="de-DE" sz="2000" dirty="0">
               <a:solidFill>
@@ -9778,6 +9354,828 @@
 </p:sld>
 </file>
 
+<file path=ppt/slides/slide7.xml><?xml version="1.0" encoding="utf-8"?>
+<p:sld xmlns:a="http://schemas.openxmlformats.org/drawingml/2006/main" xmlns:r="http://schemas.openxmlformats.org/officeDocument/2006/relationships" xmlns:p="http://schemas.openxmlformats.org/presentationml/2006/main">
+  <p:cSld>
+    <p:spTree>
+      <p:nvGrpSpPr>
+        <p:cNvPr id="1" name=""/>
+        <p:cNvGrpSpPr/>
+        <p:nvPr/>
+      </p:nvGrpSpPr>
+      <p:grpSpPr>
+        <a:xfrm>
+          <a:off x="0" y="0"/>
+          <a:ext cx="0" cy="0"/>
+          <a:chOff x="0" y="0"/>
+          <a:chExt cx="0" cy="0"/>
+        </a:xfrm>
+      </p:grpSpPr>
+      <p:sp>
+        <p:nvSpPr>
+          <p:cNvPr id="2" name="Title 1">
+            <a:extLst>
+              <a:ext uri="{FF2B5EF4-FFF2-40B4-BE49-F238E27FC236}">
+                <a16:creationId xmlns:a16="http://schemas.microsoft.com/office/drawing/2014/main" id="{2D9F1241-A252-A34F-D19E-A0B70EDCC08C}"/>
+              </a:ext>
+            </a:extLst>
+          </p:cNvPr>
+          <p:cNvSpPr>
+            <a:spLocks noGrp="1"/>
+          </p:cNvSpPr>
+          <p:nvPr>
+            <p:ph type="title"/>
+          </p:nvPr>
+        </p:nvSpPr>
+        <p:spPr/>
+        <p:txBody>
+          <a:bodyPr/>
+          <a:lstStyle/>
+          <a:p>
+            <a:pPr algn="ctr"/>
+            <a:r>
+              <a:rPr lang="en-GB" dirty="0"/>
+              <a:t>POC Login</a:t>
+            </a:r>
+          </a:p>
+        </p:txBody>
+      </p:sp>
+      <p:sp>
+        <p:nvSpPr>
+          <p:cNvPr id="3" name="Content Placeholder 2">
+            <a:extLst>
+              <a:ext uri="{FF2B5EF4-FFF2-40B4-BE49-F238E27FC236}">
+                <a16:creationId xmlns:a16="http://schemas.microsoft.com/office/drawing/2014/main" id="{DE1BEAB3-472D-EF93-8F10-79654B2530AF}"/>
+              </a:ext>
+            </a:extLst>
+          </p:cNvPr>
+          <p:cNvSpPr>
+            <a:spLocks noGrp="1"/>
+          </p:cNvSpPr>
+          <p:nvPr>
+            <p:ph idx="1"/>
+          </p:nvPr>
+        </p:nvSpPr>
+        <p:spPr/>
+        <p:txBody>
+          <a:bodyPr numCol="2">
+            <a:normAutofit/>
+          </a:bodyPr>
+          <a:lstStyle/>
+          <a:p>
+            <a:pPr marL="342900" lvl="0" indent="-342900">
+              <a:lnSpc>
+                <a:spcPct val="107000"/>
+              </a:lnSpc>
+              <a:buFont typeface="Symbol" panose="05050102010706020507" pitchFamily="18" charset="2"/>
+              <a:buChar char=""/>
+            </a:pPr>
+            <a:r>
+              <a:rPr lang="de-DE" sz="1400" u="sng" dirty="0">
+                <a:solidFill>
+                  <a:srgbClr val="000000"/>
+                </a:solidFill>
+                <a:effectLst/>
+                <a:latin typeface="Calibri" panose="020F0502020204030204" pitchFamily="34" charset="0"/>
+                <a:ea typeface="游明朝" panose="02020400000000000000" pitchFamily="18" charset="-128"/>
+                <a:cs typeface="Times New Roman" panose="02020603050405020304" pitchFamily="18" charset="0"/>
+              </a:rPr>
+              <a:t>Login</a:t>
+            </a:r>
+            <a:endParaRPr lang="en-GB" sz="1200" dirty="0">
+              <a:effectLst/>
+              <a:latin typeface="Calibri" panose="020F0502020204030204" pitchFamily="34" charset="0"/>
+              <a:ea typeface="游明朝" panose="02020400000000000000" pitchFamily="18" charset="-128"/>
+              <a:cs typeface="Times New Roman" panose="02020603050405020304" pitchFamily="18" charset="0"/>
+            </a:endParaRPr>
+          </a:p>
+          <a:p>
+            <a:pPr marL="742950" lvl="1" indent="-285750">
+              <a:lnSpc>
+                <a:spcPct val="107000"/>
+              </a:lnSpc>
+              <a:buFont typeface="Courier New" panose="02070309020205020404" pitchFamily="49" charset="0"/>
+              <a:buChar char="o"/>
+            </a:pPr>
+            <a:r>
+              <a:rPr lang="de-DE" sz="1200" b="1" dirty="0">
+                <a:solidFill>
+                  <a:srgbClr val="000000"/>
+                </a:solidFill>
+                <a:effectLst/>
+                <a:latin typeface="Calibri" panose="020F0502020204030204" pitchFamily="34" charset="0"/>
+                <a:ea typeface="游明朝" panose="02020400000000000000" pitchFamily="18" charset="-128"/>
+                <a:cs typeface="Times New Roman" panose="02020603050405020304" pitchFamily="18" charset="0"/>
+              </a:rPr>
+              <a:t>Ablauf</a:t>
+            </a:r>
+            <a:endParaRPr lang="en-GB" sz="1200" dirty="0">
+              <a:effectLst/>
+              <a:latin typeface="Calibri" panose="020F0502020204030204" pitchFamily="34" charset="0"/>
+              <a:ea typeface="游明朝" panose="02020400000000000000" pitchFamily="18" charset="-128"/>
+              <a:cs typeface="Times New Roman" panose="02020603050405020304" pitchFamily="18" charset="0"/>
+            </a:endParaRPr>
+          </a:p>
+          <a:p>
+            <a:pPr marL="1143000" lvl="2" indent="-228600">
+              <a:lnSpc>
+                <a:spcPct val="107000"/>
+              </a:lnSpc>
+              <a:buFont typeface="Wingdings" panose="05000000000000000000" pitchFamily="2" charset="2"/>
+              <a:buChar char=""/>
+            </a:pPr>
+            <a:r>
+              <a:rPr lang="de-DE" sz="1200" dirty="0">
+                <a:solidFill>
+                  <a:srgbClr val="000000"/>
+                </a:solidFill>
+                <a:effectLst/>
+                <a:latin typeface="Calibri" panose="020F0502020204030204" pitchFamily="34" charset="0"/>
+                <a:ea typeface="游明朝" panose="02020400000000000000" pitchFamily="18" charset="-128"/>
+                <a:cs typeface="Times New Roman" panose="02020603050405020304" pitchFamily="18" charset="0"/>
+              </a:rPr>
+              <a:t>Abfrage nach Username/Email - Passwort Dataset</a:t>
+            </a:r>
+            <a:endParaRPr lang="en-GB" sz="1200" dirty="0">
+              <a:effectLst/>
+              <a:latin typeface="Calibri" panose="020F0502020204030204" pitchFamily="34" charset="0"/>
+              <a:ea typeface="游明朝" panose="02020400000000000000" pitchFamily="18" charset="-128"/>
+              <a:cs typeface="Times New Roman" panose="02020603050405020304" pitchFamily="18" charset="0"/>
+            </a:endParaRPr>
+          </a:p>
+          <a:p>
+            <a:pPr marL="1143000" lvl="2" indent="-228600">
+              <a:lnSpc>
+                <a:spcPct val="107000"/>
+              </a:lnSpc>
+              <a:buFont typeface="Wingdings" panose="05000000000000000000" pitchFamily="2" charset="2"/>
+              <a:buChar char=""/>
+            </a:pPr>
+            <a:r>
+              <a:rPr lang="de-DE" sz="1200" dirty="0">
+                <a:solidFill>
+                  <a:srgbClr val="000000"/>
+                </a:solidFill>
+                <a:effectLst/>
+                <a:latin typeface="Calibri" panose="020F0502020204030204" pitchFamily="34" charset="0"/>
+                <a:ea typeface="游明朝" panose="02020400000000000000" pitchFamily="18" charset="-128"/>
+                <a:cs typeface="Times New Roman" panose="02020603050405020304" pitchFamily="18" charset="0"/>
+              </a:rPr>
+              <a:t>Systemzugriff auf Registry mit allen Username/Email-PW Datasets</a:t>
+            </a:r>
+          </a:p>
+          <a:p>
+            <a:pPr marL="1143000" lvl="2" indent="-228600">
+              <a:lnSpc>
+                <a:spcPct val="107000"/>
+              </a:lnSpc>
+              <a:buFont typeface="Wingdings" panose="05000000000000000000" pitchFamily="2" charset="2"/>
+              <a:buChar char=""/>
+            </a:pPr>
+            <a:r>
+              <a:rPr lang="de-DE" sz="1200" dirty="0">
+                <a:solidFill>
+                  <a:srgbClr val="000000"/>
+                </a:solidFill>
+                <a:latin typeface="Calibri" panose="020F0502020204030204" pitchFamily="34" charset="0"/>
+                <a:ea typeface="游明朝" panose="02020400000000000000" pitchFamily="18" charset="-128"/>
+                <a:cs typeface="Times New Roman" panose="02020603050405020304" pitchFamily="18" charset="0"/>
+              </a:rPr>
+              <a:t>Deserialisation der Registry zu Userliste</a:t>
+            </a:r>
+            <a:endParaRPr lang="en-GB" sz="1200" dirty="0">
+              <a:effectLst/>
+              <a:latin typeface="Calibri" panose="020F0502020204030204" pitchFamily="34" charset="0"/>
+              <a:ea typeface="游明朝" panose="02020400000000000000" pitchFamily="18" charset="-128"/>
+              <a:cs typeface="Times New Roman" panose="02020603050405020304" pitchFamily="18" charset="0"/>
+            </a:endParaRPr>
+          </a:p>
+          <a:p>
+            <a:pPr marL="1143000" lvl="2" indent="-228600">
+              <a:lnSpc>
+                <a:spcPct val="107000"/>
+              </a:lnSpc>
+              <a:buFont typeface="Wingdings" panose="05000000000000000000" pitchFamily="2" charset="2"/>
+              <a:buChar char=""/>
+            </a:pPr>
+            <a:r>
+              <a:rPr lang="de-DE" sz="1200" dirty="0">
+                <a:solidFill>
+                  <a:srgbClr val="000000"/>
+                </a:solidFill>
+                <a:effectLst/>
+                <a:latin typeface="Calibri" panose="020F0502020204030204" pitchFamily="34" charset="0"/>
+                <a:ea typeface="游明朝" panose="02020400000000000000" pitchFamily="18" charset="-128"/>
+                <a:cs typeface="Times New Roman" panose="02020603050405020304" pitchFamily="18" charset="0"/>
+              </a:rPr>
+              <a:t>Vergleich mit </a:t>
+            </a:r>
+            <a:r>
+              <a:rPr lang="en-GB" sz="1200" dirty="0" err="1">
+                <a:solidFill>
+                  <a:srgbClr val="000000"/>
+                </a:solidFill>
+                <a:effectLst/>
+                <a:latin typeface="Calibri" panose="020F0502020204030204" pitchFamily="34" charset="0"/>
+                <a:ea typeface="游明朝" panose="02020400000000000000" pitchFamily="18" charset="-128"/>
+                <a:cs typeface="Times New Roman" panose="02020603050405020304" pitchFamily="18" charset="0"/>
+              </a:rPr>
+              <a:t>Userliste</a:t>
+            </a:r>
+            <a:endParaRPr lang="en-GB" sz="1200" dirty="0">
+              <a:effectLst/>
+              <a:latin typeface="Calibri" panose="020F0502020204030204" pitchFamily="34" charset="0"/>
+              <a:ea typeface="游明朝" panose="02020400000000000000" pitchFamily="18" charset="-128"/>
+              <a:cs typeface="Times New Roman" panose="02020603050405020304" pitchFamily="18" charset="0"/>
+            </a:endParaRPr>
+          </a:p>
+          <a:p>
+            <a:pPr marL="1143000" lvl="2" indent="-228600">
+              <a:lnSpc>
+                <a:spcPct val="107000"/>
+              </a:lnSpc>
+              <a:buFont typeface="Wingdings" panose="05000000000000000000" pitchFamily="2" charset="2"/>
+              <a:buChar char=""/>
+            </a:pPr>
+            <a:r>
+              <a:rPr lang="de-DE" sz="1200" dirty="0">
+                <a:solidFill>
+                  <a:srgbClr val="000000"/>
+                </a:solidFill>
+                <a:effectLst/>
+                <a:latin typeface="Calibri" panose="020F0502020204030204" pitchFamily="34" charset="0"/>
+                <a:ea typeface="游明朝" panose="02020400000000000000" pitchFamily="18" charset="-128"/>
+                <a:cs typeface="Times New Roman" panose="02020603050405020304" pitchFamily="18" charset="0"/>
+              </a:rPr>
+              <a:t>Bei gefundener Übereinstimmung -&gt; Ansicht des Heimatorts</a:t>
+            </a:r>
+            <a:endParaRPr lang="en-GB" sz="1200" dirty="0">
+              <a:effectLst/>
+              <a:latin typeface="Calibri" panose="020F0502020204030204" pitchFamily="34" charset="0"/>
+              <a:ea typeface="游明朝" panose="02020400000000000000" pitchFamily="18" charset="-128"/>
+              <a:cs typeface="Times New Roman" panose="02020603050405020304" pitchFamily="18" charset="0"/>
+            </a:endParaRPr>
+          </a:p>
+          <a:p>
+            <a:pPr marL="1143000" lvl="2" indent="-228600">
+              <a:lnSpc>
+                <a:spcPct val="107000"/>
+              </a:lnSpc>
+              <a:buFont typeface="Wingdings" panose="05000000000000000000" pitchFamily="2" charset="2"/>
+              <a:buChar char=""/>
+            </a:pPr>
+            <a:r>
+              <a:rPr lang="de-DE" sz="1200" dirty="0">
+                <a:solidFill>
+                  <a:srgbClr val="000000"/>
+                </a:solidFill>
+                <a:effectLst/>
+                <a:latin typeface="Calibri" panose="020F0502020204030204" pitchFamily="34" charset="0"/>
+                <a:ea typeface="游明朝" panose="02020400000000000000" pitchFamily="18" charset="-128"/>
+                <a:cs typeface="Times New Roman" panose="02020603050405020304" pitchFamily="18" charset="0"/>
+              </a:rPr>
+              <a:t>Bei fehlender Übereinstimmung -&gt; Ansicht mit Fehlermeldung</a:t>
+            </a:r>
+            <a:endParaRPr lang="en-GB" sz="1200" dirty="0">
+              <a:effectLst/>
+              <a:latin typeface="Calibri" panose="020F0502020204030204" pitchFamily="34" charset="0"/>
+              <a:ea typeface="游明朝" panose="02020400000000000000" pitchFamily="18" charset="-128"/>
+              <a:cs typeface="Times New Roman" panose="02020603050405020304" pitchFamily="18" charset="0"/>
+            </a:endParaRPr>
+          </a:p>
+          <a:p>
+            <a:pPr marL="742950" lvl="1" indent="-285750">
+              <a:lnSpc>
+                <a:spcPct val="107000"/>
+              </a:lnSpc>
+              <a:buFont typeface="Courier New" panose="02070309020205020404" pitchFamily="49" charset="0"/>
+              <a:buChar char="o"/>
+            </a:pPr>
+            <a:r>
+              <a:rPr lang="de-DE" sz="1200" b="1" dirty="0">
+                <a:solidFill>
+                  <a:srgbClr val="000000"/>
+                </a:solidFill>
+                <a:effectLst/>
+                <a:latin typeface="Calibri" panose="020F0502020204030204" pitchFamily="34" charset="0"/>
+                <a:ea typeface="游明朝" panose="02020400000000000000" pitchFamily="18" charset="-128"/>
+                <a:cs typeface="Times New Roman" panose="02020603050405020304" pitchFamily="18" charset="0"/>
+              </a:rPr>
+              <a:t>Exit-Kriterien</a:t>
+            </a:r>
+            <a:endParaRPr lang="en-GB" sz="1200" dirty="0">
+              <a:effectLst/>
+              <a:latin typeface="Calibri" panose="020F0502020204030204" pitchFamily="34" charset="0"/>
+              <a:ea typeface="游明朝" panose="02020400000000000000" pitchFamily="18" charset="-128"/>
+              <a:cs typeface="Times New Roman" panose="02020603050405020304" pitchFamily="18" charset="0"/>
+            </a:endParaRPr>
+          </a:p>
+          <a:p>
+            <a:pPr marL="1143000" lvl="2" indent="-228600">
+              <a:lnSpc>
+                <a:spcPct val="107000"/>
+              </a:lnSpc>
+              <a:buFont typeface="Wingdings" panose="05000000000000000000" pitchFamily="2" charset="2"/>
+              <a:buChar char=""/>
+            </a:pPr>
+            <a:r>
+              <a:rPr lang="de-DE" sz="1200" dirty="0">
+                <a:solidFill>
+                  <a:srgbClr val="000000"/>
+                </a:solidFill>
+                <a:effectLst/>
+                <a:latin typeface="Calibri" panose="020F0502020204030204" pitchFamily="34" charset="0"/>
+                <a:ea typeface="游明朝" panose="02020400000000000000" pitchFamily="18" charset="-128"/>
+                <a:cs typeface="Times New Roman" panose="02020603050405020304" pitchFamily="18" charset="0"/>
+              </a:rPr>
+              <a:t>Eingabe wude erfolgreich und korrekt übernommen</a:t>
+            </a:r>
+            <a:endParaRPr lang="en-GB" sz="1200" dirty="0">
+              <a:effectLst/>
+              <a:latin typeface="Calibri" panose="020F0502020204030204" pitchFamily="34" charset="0"/>
+              <a:ea typeface="游明朝" panose="02020400000000000000" pitchFamily="18" charset="-128"/>
+              <a:cs typeface="Times New Roman" panose="02020603050405020304" pitchFamily="18" charset="0"/>
+            </a:endParaRPr>
+          </a:p>
+          <a:p>
+            <a:pPr marL="1143000" lvl="2" indent="-228600">
+              <a:lnSpc>
+                <a:spcPct val="107000"/>
+              </a:lnSpc>
+              <a:buFont typeface="Wingdings" panose="05000000000000000000" pitchFamily="2" charset="2"/>
+              <a:buChar char=""/>
+            </a:pPr>
+            <a:r>
+              <a:rPr lang="de-DE" sz="1200" dirty="0">
+                <a:solidFill>
+                  <a:srgbClr val="000000"/>
+                </a:solidFill>
+                <a:effectLst/>
+                <a:latin typeface="Calibri" panose="020F0502020204030204" pitchFamily="34" charset="0"/>
+                <a:ea typeface="游明朝" panose="02020400000000000000" pitchFamily="18" charset="-128"/>
+                <a:cs typeface="Times New Roman" panose="02020603050405020304" pitchFamily="18" charset="0"/>
+              </a:rPr>
+              <a:t>Zugriff auf Registry war erfolgreich</a:t>
+            </a:r>
+            <a:endParaRPr lang="en-GB" sz="1200" dirty="0">
+              <a:effectLst/>
+              <a:latin typeface="Calibri" panose="020F0502020204030204" pitchFamily="34" charset="0"/>
+              <a:ea typeface="游明朝" panose="02020400000000000000" pitchFamily="18" charset="-128"/>
+              <a:cs typeface="Times New Roman" panose="02020603050405020304" pitchFamily="18" charset="0"/>
+            </a:endParaRPr>
+          </a:p>
+          <a:p>
+            <a:pPr marL="1143000" lvl="2" indent="-228600">
+              <a:lnSpc>
+                <a:spcPct val="107000"/>
+              </a:lnSpc>
+              <a:buFont typeface="Wingdings" panose="05000000000000000000" pitchFamily="2" charset="2"/>
+              <a:buChar char=""/>
+            </a:pPr>
+            <a:r>
+              <a:rPr lang="de-DE" sz="1200" dirty="0">
+                <a:solidFill>
+                  <a:srgbClr val="000000"/>
+                </a:solidFill>
+                <a:effectLst/>
+                <a:latin typeface="Calibri" panose="020F0502020204030204" pitchFamily="34" charset="0"/>
+                <a:ea typeface="游明朝" panose="02020400000000000000" pitchFamily="18" charset="-128"/>
+                <a:cs typeface="Times New Roman" panose="02020603050405020304" pitchFamily="18" charset="0"/>
+              </a:rPr>
+              <a:t>Vergleich lieferte korrektes Ergebnis</a:t>
+            </a:r>
+            <a:endParaRPr lang="en-GB" sz="1200" dirty="0">
+              <a:effectLst/>
+              <a:latin typeface="Calibri" panose="020F0502020204030204" pitchFamily="34" charset="0"/>
+              <a:ea typeface="游明朝" panose="02020400000000000000" pitchFamily="18" charset="-128"/>
+              <a:cs typeface="Times New Roman" panose="02020603050405020304" pitchFamily="18" charset="0"/>
+            </a:endParaRPr>
+          </a:p>
+          <a:p>
+            <a:pPr marL="1143000" lvl="2" indent="-228600">
+              <a:lnSpc>
+                <a:spcPct val="107000"/>
+              </a:lnSpc>
+              <a:buFont typeface="Wingdings" panose="05000000000000000000" pitchFamily="2" charset="2"/>
+              <a:buChar char=""/>
+            </a:pPr>
+            <a:r>
+              <a:rPr lang="de-DE" sz="1200" dirty="0">
+                <a:solidFill>
+                  <a:srgbClr val="000000"/>
+                </a:solidFill>
+                <a:effectLst/>
+                <a:latin typeface="Calibri" panose="020F0502020204030204" pitchFamily="34" charset="0"/>
+                <a:ea typeface="游明朝" panose="02020400000000000000" pitchFamily="18" charset="-128"/>
+                <a:cs typeface="Times New Roman" panose="02020603050405020304" pitchFamily="18" charset="0"/>
+              </a:rPr>
+              <a:t>Richtige Ansicht wurde erzeugt</a:t>
+            </a:r>
+            <a:endParaRPr lang="en-GB" sz="1200" dirty="0">
+              <a:effectLst/>
+              <a:latin typeface="Calibri" panose="020F0502020204030204" pitchFamily="34" charset="0"/>
+              <a:ea typeface="游明朝" panose="02020400000000000000" pitchFamily="18" charset="-128"/>
+              <a:cs typeface="Times New Roman" panose="02020603050405020304" pitchFamily="18" charset="0"/>
+            </a:endParaRPr>
+          </a:p>
+          <a:p>
+            <a:pPr marL="742950" lvl="1" indent="-285750">
+              <a:lnSpc>
+                <a:spcPct val="107000"/>
+              </a:lnSpc>
+              <a:buFont typeface="Courier New" panose="02070309020205020404" pitchFamily="49" charset="0"/>
+              <a:buChar char="o"/>
+            </a:pPr>
+            <a:endParaRPr lang="de-DE" sz="1200" b="1" dirty="0">
+              <a:solidFill>
+                <a:srgbClr val="000000"/>
+              </a:solidFill>
+              <a:effectLst/>
+              <a:latin typeface="Calibri" panose="020F0502020204030204" pitchFamily="34" charset="0"/>
+              <a:ea typeface="游明朝" panose="02020400000000000000" pitchFamily="18" charset="-128"/>
+              <a:cs typeface="Times New Roman" panose="02020603050405020304" pitchFamily="18" charset="0"/>
+            </a:endParaRPr>
+          </a:p>
+          <a:p>
+            <a:pPr marL="742950" lvl="1" indent="-285750">
+              <a:lnSpc>
+                <a:spcPct val="107000"/>
+              </a:lnSpc>
+              <a:buFont typeface="Courier New" panose="02070309020205020404" pitchFamily="49" charset="0"/>
+              <a:buChar char="o"/>
+            </a:pPr>
+            <a:endParaRPr lang="de-DE" sz="1200" b="1" dirty="0">
+              <a:solidFill>
+                <a:srgbClr val="000000"/>
+              </a:solidFill>
+              <a:latin typeface="Calibri" panose="020F0502020204030204" pitchFamily="34" charset="0"/>
+              <a:ea typeface="游明朝" panose="02020400000000000000" pitchFamily="18" charset="-128"/>
+              <a:cs typeface="Times New Roman" panose="02020603050405020304" pitchFamily="18" charset="0"/>
+            </a:endParaRPr>
+          </a:p>
+          <a:p>
+            <a:pPr marL="742950" lvl="1" indent="-285750">
+              <a:lnSpc>
+                <a:spcPct val="107000"/>
+              </a:lnSpc>
+              <a:buFont typeface="Courier New" panose="02070309020205020404" pitchFamily="49" charset="0"/>
+              <a:buChar char="o"/>
+            </a:pPr>
+            <a:endParaRPr lang="de-DE" sz="1200" b="1" dirty="0">
+              <a:solidFill>
+                <a:srgbClr val="000000"/>
+              </a:solidFill>
+              <a:effectLst/>
+              <a:latin typeface="Calibri" panose="020F0502020204030204" pitchFamily="34" charset="0"/>
+              <a:ea typeface="游明朝" panose="02020400000000000000" pitchFamily="18" charset="-128"/>
+              <a:cs typeface="Times New Roman" panose="02020603050405020304" pitchFamily="18" charset="0"/>
+            </a:endParaRPr>
+          </a:p>
+          <a:p>
+            <a:pPr marL="742950" lvl="1" indent="-285750">
+              <a:lnSpc>
+                <a:spcPct val="107000"/>
+              </a:lnSpc>
+              <a:buFont typeface="Courier New" panose="02070309020205020404" pitchFamily="49" charset="0"/>
+              <a:buChar char="o"/>
+            </a:pPr>
+            <a:endParaRPr lang="de-DE" sz="1200" b="1" dirty="0">
+              <a:solidFill>
+                <a:srgbClr val="000000"/>
+              </a:solidFill>
+              <a:latin typeface="Calibri" panose="020F0502020204030204" pitchFamily="34" charset="0"/>
+              <a:ea typeface="游明朝" panose="02020400000000000000" pitchFamily="18" charset="-128"/>
+              <a:cs typeface="Times New Roman" panose="02020603050405020304" pitchFamily="18" charset="0"/>
+            </a:endParaRPr>
+          </a:p>
+          <a:p>
+            <a:pPr marL="742950" lvl="1" indent="-285750">
+              <a:lnSpc>
+                <a:spcPct val="107000"/>
+              </a:lnSpc>
+              <a:buFont typeface="Courier New" panose="02070309020205020404" pitchFamily="49" charset="0"/>
+              <a:buChar char="o"/>
+            </a:pPr>
+            <a:endParaRPr lang="de-DE" sz="1200" b="1" dirty="0">
+              <a:solidFill>
+                <a:srgbClr val="000000"/>
+              </a:solidFill>
+              <a:effectLst/>
+              <a:latin typeface="Calibri" panose="020F0502020204030204" pitchFamily="34" charset="0"/>
+              <a:ea typeface="游明朝" panose="02020400000000000000" pitchFamily="18" charset="-128"/>
+              <a:cs typeface="Times New Roman" panose="02020603050405020304" pitchFamily="18" charset="0"/>
+            </a:endParaRPr>
+          </a:p>
+          <a:p>
+            <a:pPr marL="742950" lvl="1" indent="-285750">
+              <a:lnSpc>
+                <a:spcPct val="107000"/>
+              </a:lnSpc>
+              <a:buFont typeface="Courier New" panose="02070309020205020404" pitchFamily="49" charset="0"/>
+              <a:buChar char="o"/>
+            </a:pPr>
+            <a:endParaRPr lang="de-DE" sz="1200" b="1" dirty="0">
+              <a:solidFill>
+                <a:srgbClr val="000000"/>
+              </a:solidFill>
+              <a:latin typeface="Calibri" panose="020F0502020204030204" pitchFamily="34" charset="0"/>
+              <a:ea typeface="游明朝" panose="02020400000000000000" pitchFamily="18" charset="-128"/>
+              <a:cs typeface="Times New Roman" panose="02020603050405020304" pitchFamily="18" charset="0"/>
+            </a:endParaRPr>
+          </a:p>
+          <a:p>
+            <a:pPr marL="742950" lvl="1" indent="-285750">
+              <a:lnSpc>
+                <a:spcPct val="107000"/>
+              </a:lnSpc>
+              <a:buFont typeface="Courier New" panose="02070309020205020404" pitchFamily="49" charset="0"/>
+              <a:buChar char="o"/>
+            </a:pPr>
+            <a:r>
+              <a:rPr lang="de-DE" sz="1200" b="1" dirty="0">
+                <a:solidFill>
+                  <a:srgbClr val="000000"/>
+                </a:solidFill>
+                <a:effectLst/>
+                <a:latin typeface="Calibri" panose="020F0502020204030204" pitchFamily="34" charset="0"/>
+                <a:ea typeface="游明朝" panose="02020400000000000000" pitchFamily="18" charset="-128"/>
+                <a:cs typeface="Times New Roman" panose="02020603050405020304" pitchFamily="18" charset="0"/>
+              </a:rPr>
+              <a:t>Fail-Kriterien</a:t>
+            </a:r>
+            <a:endParaRPr lang="en-GB" sz="1200" dirty="0">
+              <a:effectLst/>
+              <a:latin typeface="Calibri" panose="020F0502020204030204" pitchFamily="34" charset="0"/>
+              <a:ea typeface="游明朝" panose="02020400000000000000" pitchFamily="18" charset="-128"/>
+              <a:cs typeface="Times New Roman" panose="02020603050405020304" pitchFamily="18" charset="0"/>
+            </a:endParaRPr>
+          </a:p>
+          <a:p>
+            <a:pPr marL="1143000" lvl="2" indent="-228600">
+              <a:lnSpc>
+                <a:spcPct val="107000"/>
+              </a:lnSpc>
+              <a:buFont typeface="Wingdings" panose="05000000000000000000" pitchFamily="2" charset="2"/>
+              <a:buChar char=""/>
+            </a:pPr>
+            <a:r>
+              <a:rPr lang="de-DE" sz="1200" dirty="0">
+                <a:solidFill>
+                  <a:srgbClr val="000000"/>
+                </a:solidFill>
+                <a:effectLst/>
+                <a:latin typeface="Calibri" panose="020F0502020204030204" pitchFamily="34" charset="0"/>
+                <a:ea typeface="游明朝" panose="02020400000000000000" pitchFamily="18" charset="-128"/>
+                <a:cs typeface="Times New Roman" panose="02020603050405020304" pitchFamily="18" charset="0"/>
+              </a:rPr>
+              <a:t>Ungültige Eingabe wurde übernommen (Email constraints)</a:t>
+            </a:r>
+            <a:endParaRPr lang="en-GB" sz="1200" dirty="0">
+              <a:effectLst/>
+              <a:latin typeface="Calibri" panose="020F0502020204030204" pitchFamily="34" charset="0"/>
+              <a:ea typeface="游明朝" panose="02020400000000000000" pitchFamily="18" charset="-128"/>
+              <a:cs typeface="Times New Roman" panose="02020603050405020304" pitchFamily="18" charset="0"/>
+            </a:endParaRPr>
+          </a:p>
+          <a:p>
+            <a:pPr marL="1143000" lvl="2" indent="-228600">
+              <a:lnSpc>
+                <a:spcPct val="107000"/>
+              </a:lnSpc>
+              <a:buFont typeface="Wingdings" panose="05000000000000000000" pitchFamily="2" charset="2"/>
+              <a:buChar char=""/>
+            </a:pPr>
+            <a:r>
+              <a:rPr lang="de-DE" sz="1200" dirty="0">
+                <a:solidFill>
+                  <a:srgbClr val="000000"/>
+                </a:solidFill>
+                <a:effectLst/>
+                <a:latin typeface="Calibri" panose="020F0502020204030204" pitchFamily="34" charset="0"/>
+                <a:ea typeface="游明朝" panose="02020400000000000000" pitchFamily="18" charset="-128"/>
+                <a:cs typeface="Times New Roman" panose="02020603050405020304" pitchFamily="18" charset="0"/>
+              </a:rPr>
+              <a:t>Zugriff auf Registry war nicht erfolgreich</a:t>
+            </a:r>
+            <a:endParaRPr lang="en-GB" sz="1200" dirty="0">
+              <a:effectLst/>
+              <a:latin typeface="Calibri" panose="020F0502020204030204" pitchFamily="34" charset="0"/>
+              <a:ea typeface="游明朝" panose="02020400000000000000" pitchFamily="18" charset="-128"/>
+              <a:cs typeface="Times New Roman" panose="02020603050405020304" pitchFamily="18" charset="0"/>
+            </a:endParaRPr>
+          </a:p>
+          <a:p>
+            <a:pPr marL="1143000" lvl="2" indent="-228600">
+              <a:lnSpc>
+                <a:spcPct val="107000"/>
+              </a:lnSpc>
+              <a:buFont typeface="Wingdings" panose="05000000000000000000" pitchFamily="2" charset="2"/>
+              <a:buChar char=""/>
+            </a:pPr>
+            <a:r>
+              <a:rPr lang="de-DE" sz="1200" dirty="0">
+                <a:solidFill>
+                  <a:srgbClr val="000000"/>
+                </a:solidFill>
+                <a:effectLst/>
+                <a:latin typeface="Calibri" panose="020F0502020204030204" pitchFamily="34" charset="0"/>
+                <a:ea typeface="游明朝" panose="02020400000000000000" pitchFamily="18" charset="-128"/>
+                <a:cs typeface="Times New Roman" panose="02020603050405020304" pitchFamily="18" charset="0"/>
+              </a:rPr>
+              <a:t>Vergleich lieferte falsches Ergebnis</a:t>
+            </a:r>
+            <a:endParaRPr lang="en-GB" sz="1200" dirty="0">
+              <a:effectLst/>
+              <a:latin typeface="Calibri" panose="020F0502020204030204" pitchFamily="34" charset="0"/>
+              <a:ea typeface="游明朝" panose="02020400000000000000" pitchFamily="18" charset="-128"/>
+              <a:cs typeface="Times New Roman" panose="02020603050405020304" pitchFamily="18" charset="0"/>
+            </a:endParaRPr>
+          </a:p>
+          <a:p>
+            <a:pPr marL="1143000" lvl="2" indent="-228600">
+              <a:lnSpc>
+                <a:spcPct val="107000"/>
+              </a:lnSpc>
+              <a:buFont typeface="Wingdings" panose="05000000000000000000" pitchFamily="2" charset="2"/>
+              <a:buChar char=""/>
+            </a:pPr>
+            <a:r>
+              <a:rPr lang="de-DE" sz="1200" dirty="0">
+                <a:solidFill>
+                  <a:srgbClr val="000000"/>
+                </a:solidFill>
+                <a:effectLst/>
+                <a:latin typeface="Calibri" panose="020F0502020204030204" pitchFamily="34" charset="0"/>
+                <a:ea typeface="游明朝" panose="02020400000000000000" pitchFamily="18" charset="-128"/>
+                <a:cs typeface="Times New Roman" panose="02020603050405020304" pitchFamily="18" charset="0"/>
+              </a:rPr>
+              <a:t>Vergleich lieferte kein Ergebnis</a:t>
+            </a:r>
+            <a:endParaRPr lang="en-GB" sz="1200" dirty="0">
+              <a:effectLst/>
+              <a:latin typeface="Calibri" panose="020F0502020204030204" pitchFamily="34" charset="0"/>
+              <a:ea typeface="游明朝" panose="02020400000000000000" pitchFamily="18" charset="-128"/>
+              <a:cs typeface="Times New Roman" panose="02020603050405020304" pitchFamily="18" charset="0"/>
+            </a:endParaRPr>
+          </a:p>
+          <a:p>
+            <a:pPr marL="1143000" lvl="2" indent="-228600">
+              <a:lnSpc>
+                <a:spcPct val="107000"/>
+              </a:lnSpc>
+              <a:buFont typeface="Wingdings" panose="05000000000000000000" pitchFamily="2" charset="2"/>
+              <a:buChar char=""/>
+            </a:pPr>
+            <a:r>
+              <a:rPr lang="de-DE" sz="1200" dirty="0">
+                <a:solidFill>
+                  <a:srgbClr val="000000"/>
+                </a:solidFill>
+                <a:effectLst/>
+                <a:latin typeface="Calibri" panose="020F0502020204030204" pitchFamily="34" charset="0"/>
+                <a:ea typeface="游明朝" panose="02020400000000000000" pitchFamily="18" charset="-128"/>
+                <a:cs typeface="Times New Roman" panose="02020603050405020304" pitchFamily="18" charset="0"/>
+              </a:rPr>
+              <a:t>Falsche Ansicht wurde erzeugt</a:t>
+            </a:r>
+            <a:endParaRPr lang="en-GB" sz="1200" dirty="0">
+              <a:effectLst/>
+              <a:latin typeface="Calibri" panose="020F0502020204030204" pitchFamily="34" charset="0"/>
+              <a:ea typeface="游明朝" panose="02020400000000000000" pitchFamily="18" charset="-128"/>
+              <a:cs typeface="Times New Roman" panose="02020603050405020304" pitchFamily="18" charset="0"/>
+            </a:endParaRPr>
+          </a:p>
+          <a:p>
+            <a:pPr marL="742950" lvl="1" indent="-285750">
+              <a:lnSpc>
+                <a:spcPct val="107000"/>
+              </a:lnSpc>
+              <a:buFont typeface="Courier New" panose="02070309020205020404" pitchFamily="49" charset="0"/>
+              <a:buChar char="o"/>
+            </a:pPr>
+            <a:r>
+              <a:rPr lang="de-DE" sz="1200" b="1" dirty="0">
+                <a:solidFill>
+                  <a:srgbClr val="000000"/>
+                </a:solidFill>
+                <a:effectLst/>
+                <a:latin typeface="Calibri" panose="020F0502020204030204" pitchFamily="34" charset="0"/>
+                <a:ea typeface="游明朝" panose="02020400000000000000" pitchFamily="18" charset="-128"/>
+                <a:cs typeface="Times New Roman" panose="02020603050405020304" pitchFamily="18" charset="0"/>
+              </a:rPr>
+              <a:t>Fallback</a:t>
+            </a:r>
+            <a:endParaRPr lang="en-GB" sz="1200" dirty="0">
+              <a:effectLst/>
+              <a:latin typeface="Calibri" panose="020F0502020204030204" pitchFamily="34" charset="0"/>
+              <a:ea typeface="游明朝" panose="02020400000000000000" pitchFamily="18" charset="-128"/>
+              <a:cs typeface="Times New Roman" panose="02020603050405020304" pitchFamily="18" charset="0"/>
+            </a:endParaRPr>
+          </a:p>
+          <a:p>
+            <a:pPr marL="1143000" lvl="2" indent="-228600">
+              <a:lnSpc>
+                <a:spcPct val="107000"/>
+              </a:lnSpc>
+              <a:buFont typeface="Wingdings" panose="05000000000000000000" pitchFamily="2" charset="2"/>
+              <a:buChar char=""/>
+            </a:pPr>
+            <a:r>
+              <a:rPr lang="de-DE" sz="1200" dirty="0">
+                <a:solidFill>
+                  <a:srgbClr val="000000"/>
+                </a:solidFill>
+                <a:effectLst/>
+                <a:latin typeface="Calibri" panose="020F0502020204030204" pitchFamily="34" charset="0"/>
+                <a:ea typeface="游明朝" panose="02020400000000000000" pitchFamily="18" charset="-128"/>
+                <a:cs typeface="Times New Roman" panose="02020603050405020304" pitchFamily="18" charset="0"/>
+              </a:rPr>
+              <a:t>Ein fester User Account wird im Prototypen vorgelegt</a:t>
+            </a:r>
+            <a:endParaRPr lang="en-GB" sz="1200" dirty="0">
+              <a:effectLst/>
+              <a:latin typeface="Calibri" panose="020F0502020204030204" pitchFamily="34" charset="0"/>
+              <a:ea typeface="游明朝" panose="02020400000000000000" pitchFamily="18" charset="-128"/>
+              <a:cs typeface="Times New Roman" panose="02020603050405020304" pitchFamily="18" charset="0"/>
+            </a:endParaRPr>
+          </a:p>
+          <a:p>
+            <a:pPr marL="1143000" lvl="2" indent="-228600">
+              <a:lnSpc>
+                <a:spcPct val="107000"/>
+              </a:lnSpc>
+              <a:spcAft>
+                <a:spcPts val="800"/>
+              </a:spcAft>
+              <a:buFont typeface="Wingdings" panose="05000000000000000000" pitchFamily="2" charset="2"/>
+              <a:buChar char=""/>
+            </a:pPr>
+            <a:r>
+              <a:rPr lang="de-DE" sz="1200" dirty="0">
+                <a:solidFill>
+                  <a:srgbClr val="000000"/>
+                </a:solidFill>
+                <a:effectLst/>
+                <a:latin typeface="Calibri" panose="020F0502020204030204" pitchFamily="34" charset="0"/>
+                <a:ea typeface="游明朝" panose="02020400000000000000" pitchFamily="18" charset="-128"/>
+                <a:cs typeface="Times New Roman" panose="02020603050405020304" pitchFamily="18" charset="0"/>
+              </a:rPr>
+              <a:t>Verzicht auf externe Registry, User Accounts werden fest in den Prototypen geschrieben</a:t>
+            </a:r>
+            <a:endParaRPr lang="en-GB" sz="1200" dirty="0">
+              <a:effectLst/>
+              <a:latin typeface="Calibri" panose="020F0502020204030204" pitchFamily="34" charset="0"/>
+              <a:ea typeface="游明朝" panose="02020400000000000000" pitchFamily="18" charset="-128"/>
+              <a:cs typeface="Times New Roman" panose="02020603050405020304" pitchFamily="18" charset="0"/>
+            </a:endParaRPr>
+          </a:p>
+          <a:p>
+            <a:endParaRPr lang="en-GB" sz="3200" dirty="0"/>
+          </a:p>
+        </p:txBody>
+      </p:sp>
+      <p:sp>
+        <p:nvSpPr>
+          <p:cNvPr id="4" name="Slide Number Placeholder 3">
+            <a:extLst>
+              <a:ext uri="{FF2B5EF4-FFF2-40B4-BE49-F238E27FC236}">
+                <a16:creationId xmlns:a16="http://schemas.microsoft.com/office/drawing/2014/main" id="{BCC4C124-465E-D835-C669-538F1616DF05}"/>
+              </a:ext>
+            </a:extLst>
+          </p:cNvPr>
+          <p:cNvSpPr>
+            <a:spLocks noGrp="1"/>
+          </p:cNvSpPr>
+          <p:nvPr>
+            <p:ph type="sldNum" sz="quarter" idx="12"/>
+          </p:nvPr>
+        </p:nvSpPr>
+        <p:spPr/>
+        <p:txBody>
+          <a:bodyPr/>
+          <a:lstStyle/>
+          <a:p>
+            <a:fld id="{4FD190AE-D9AE-4074-AAED-D637288AF7F0}" type="slidenum">
+              <a:rPr lang="de-DE" smtClean="0"/>
+              <a:t>7</a:t>
+            </a:fld>
+            <a:endParaRPr lang="de-DE"/>
+          </a:p>
+        </p:txBody>
+      </p:sp>
+    </p:spTree>
+    <p:extLst>
+      <p:ext uri="{BB962C8B-B14F-4D97-AF65-F5344CB8AC3E}">
+        <p14:creationId xmlns:p14="http://schemas.microsoft.com/office/powerpoint/2010/main" val="905879043"/>
+      </p:ext>
+    </p:extLst>
+  </p:cSld>
+  <p:clrMapOvr>
+    <a:masterClrMapping/>
+  </p:clrMapOvr>
+</p:sld>
+</file>
+
 <file path=ppt/slides/slide8.xml><?xml version="1.0" encoding="utf-8"?>
 <p:sld xmlns:a="http://schemas.openxmlformats.org/drawingml/2006/main" xmlns:r="http://schemas.openxmlformats.org/officeDocument/2006/relationships" xmlns:p="http://schemas.openxmlformats.org/presentationml/2006/main">
   <p:cSld>
@@ -9797,10 +10195,10 @@
       </p:grpSpPr>
       <p:sp>
         <p:nvSpPr>
-          <p:cNvPr id="2" name="Title 1">
+          <p:cNvPr id="2" name="Titel 1">
             <a:extLst>
               <a:ext uri="{FF2B5EF4-FFF2-40B4-BE49-F238E27FC236}">
-                <a16:creationId xmlns:a16="http://schemas.microsoft.com/office/drawing/2014/main" id="{2D9F1241-A252-A34F-D19E-A0B70EDCC08C}"/>
+                <a16:creationId xmlns:a16="http://schemas.microsoft.com/office/drawing/2014/main" id="{4AC7DED0-9976-693C-8B24-D84F23C8E7B6}"/>
               </a:ext>
             </a:extLst>
           </p:cNvPr>
@@ -9811,25 +10209,29 @@
             <p:ph type="title"/>
           </p:nvPr>
         </p:nvSpPr>
-        <p:spPr/>
+        <p:spPr>
+          <a:xfrm>
+            <a:off x="209549" y="365124"/>
+            <a:ext cx="2847975" cy="3959225"/>
+          </a:xfrm>
+        </p:spPr>
         <p:txBody>
           <a:bodyPr/>
           <a:lstStyle/>
           <a:p>
-            <a:pPr algn="ctr"/>
-            <a:r>
-              <a:rPr lang="en-GB" dirty="0"/>
-              <a:t>POC Login</a:t>
-            </a:r>
-          </a:p>
-        </p:txBody>
-      </p:sp>
-      <p:sp>
-        <p:nvSpPr>
-          <p:cNvPr id="3" name="Content Placeholder 2">
+            <a:r>
+              <a:rPr lang="de-DE" dirty="0"/>
+              <a:t>Klassen-diagramm</a:t>
+            </a:r>
+          </a:p>
+        </p:txBody>
+      </p:sp>
+      <p:sp>
+        <p:nvSpPr>
+          <p:cNvPr id="5" name="Foliennummernplatzhalter 4">
             <a:extLst>
               <a:ext uri="{FF2B5EF4-FFF2-40B4-BE49-F238E27FC236}">
-                <a16:creationId xmlns:a16="http://schemas.microsoft.com/office/drawing/2014/main" id="{DE1BEAB3-472D-EF93-8F10-79654B2530AF}"/>
+                <a16:creationId xmlns:a16="http://schemas.microsoft.com/office/drawing/2014/main" id="{7B246376-21DF-8BF4-A1FD-B77C22C28AAB}"/>
               </a:ext>
             </a:extLst>
           </p:cNvPr>
@@ -9837,760 +10239,68 @@
             <a:spLocks noGrp="1"/>
           </p:cNvSpPr>
           <p:nvPr>
-            <p:ph idx="1"/>
+            <p:ph type="sldNum" sz="quarter" idx="12"/>
           </p:nvPr>
         </p:nvSpPr>
         <p:spPr/>
         <p:txBody>
-          <a:bodyPr numCol="2">
-            <a:normAutofit/>
-          </a:bodyPr>
+          <a:bodyPr/>
           <a:lstStyle/>
           <a:p>
-            <a:pPr marL="342900" lvl="0" indent="-342900">
-              <a:lnSpc>
-                <a:spcPct val="107000"/>
-              </a:lnSpc>
-              <a:buFont typeface="Symbol" panose="05050102010706020507" pitchFamily="18" charset="2"/>
-              <a:buChar char=""/>
-            </a:pPr>
-            <a:r>
-              <a:rPr lang="de-DE" sz="1400" u="sng" dirty="0">
+            <a:fld id="{4FD190AE-D9AE-4074-AAED-D637288AF7F0}" type="slidenum">
+              <a:rPr lang="de-DE" sz="2000" smtClean="0">
                 <a:solidFill>
-                  <a:srgbClr val="000000"/>
+                  <a:schemeClr val="tx1"/>
                 </a:solidFill>
-                <a:effectLst/>
-                <a:latin typeface="Calibri" panose="020F0502020204030204" pitchFamily="34" charset="0"/>
-                <a:ea typeface="游明朝" panose="02020400000000000000" pitchFamily="18" charset="-128"/>
-                <a:cs typeface="Times New Roman" panose="02020603050405020304" pitchFamily="18" charset="0"/>
               </a:rPr>
-              <a:t>Login</a:t>
-            </a:r>
-            <a:endParaRPr lang="en-GB" sz="1200" dirty="0">
-              <a:effectLst/>
-              <a:latin typeface="Calibri" panose="020F0502020204030204" pitchFamily="34" charset="0"/>
-              <a:ea typeface="游明朝" panose="02020400000000000000" pitchFamily="18" charset="-128"/>
-              <a:cs typeface="Times New Roman" panose="02020603050405020304" pitchFamily="18" charset="0"/>
+              <a:t>8</a:t>
+            </a:fld>
+            <a:endParaRPr lang="de-DE" sz="2000" dirty="0">
+              <a:solidFill>
+                <a:schemeClr val="tx1"/>
+              </a:solidFill>
             </a:endParaRPr>
           </a:p>
-          <a:p>
-            <a:pPr marL="742950" lvl="1" indent="-285750">
-              <a:lnSpc>
-                <a:spcPct val="107000"/>
-              </a:lnSpc>
-              <a:buFont typeface="Courier New" panose="02070309020205020404" pitchFamily="49" charset="0"/>
-              <a:buChar char="o"/>
-            </a:pPr>
-            <a:r>
-              <a:rPr lang="de-DE" sz="1200" b="1" dirty="0">
-                <a:solidFill>
-                  <a:srgbClr val="000000"/>
-                </a:solidFill>
-                <a:effectLst/>
-                <a:latin typeface="Calibri" panose="020F0502020204030204" pitchFamily="34" charset="0"/>
-                <a:ea typeface="游明朝" panose="02020400000000000000" pitchFamily="18" charset="-128"/>
-                <a:cs typeface="Times New Roman" panose="02020603050405020304" pitchFamily="18" charset="0"/>
-              </a:rPr>
-              <a:t>Ablauf</a:t>
-            </a:r>
-            <a:endParaRPr lang="en-GB" sz="1200" dirty="0">
-              <a:effectLst/>
-              <a:latin typeface="Calibri" panose="020F0502020204030204" pitchFamily="34" charset="0"/>
-              <a:ea typeface="游明朝" panose="02020400000000000000" pitchFamily="18" charset="-128"/>
-              <a:cs typeface="Times New Roman" panose="02020603050405020304" pitchFamily="18" charset="0"/>
-            </a:endParaRPr>
-          </a:p>
-          <a:p>
-            <a:pPr marL="1143000" lvl="2" indent="-228600">
-              <a:lnSpc>
-                <a:spcPct val="107000"/>
-              </a:lnSpc>
-              <a:buFont typeface="Wingdings" panose="05000000000000000000" pitchFamily="2" charset="2"/>
-              <a:buChar char=""/>
-            </a:pPr>
-            <a:r>
-              <a:rPr lang="de-DE" sz="1200" dirty="0">
-                <a:solidFill>
-                  <a:srgbClr val="000000"/>
-                </a:solidFill>
-                <a:effectLst/>
-                <a:latin typeface="Calibri" panose="020F0502020204030204" pitchFamily="34" charset="0"/>
-                <a:ea typeface="游明朝" panose="02020400000000000000" pitchFamily="18" charset="-128"/>
-                <a:cs typeface="Times New Roman" panose="02020603050405020304" pitchFamily="18" charset="0"/>
-              </a:rPr>
-              <a:t>Abfrage nach Username/Email - Passwort Dataset</a:t>
-            </a:r>
-            <a:endParaRPr lang="en-GB" sz="1200" dirty="0">
-              <a:effectLst/>
-              <a:latin typeface="Calibri" panose="020F0502020204030204" pitchFamily="34" charset="0"/>
-              <a:ea typeface="游明朝" panose="02020400000000000000" pitchFamily="18" charset="-128"/>
-              <a:cs typeface="Times New Roman" panose="02020603050405020304" pitchFamily="18" charset="0"/>
-            </a:endParaRPr>
-          </a:p>
-          <a:p>
-            <a:pPr marL="1143000" lvl="2" indent="-228600">
-              <a:lnSpc>
-                <a:spcPct val="107000"/>
-              </a:lnSpc>
-              <a:buFont typeface="Wingdings" panose="05000000000000000000" pitchFamily="2" charset="2"/>
-              <a:buChar char=""/>
-            </a:pPr>
-            <a:r>
-              <a:rPr lang="de-DE" sz="1200" dirty="0">
-                <a:solidFill>
-                  <a:srgbClr val="000000"/>
-                </a:solidFill>
-                <a:effectLst/>
-                <a:latin typeface="Calibri" panose="020F0502020204030204" pitchFamily="34" charset="0"/>
-                <a:ea typeface="游明朝" panose="02020400000000000000" pitchFamily="18" charset="-128"/>
-                <a:cs typeface="Times New Roman" panose="02020603050405020304" pitchFamily="18" charset="0"/>
-              </a:rPr>
-              <a:t>Systemzugriff auf Registry mit allen Username/Email-PW Datasets</a:t>
-            </a:r>
-          </a:p>
-          <a:p>
-            <a:pPr marL="1143000" lvl="2" indent="-228600">
-              <a:lnSpc>
-                <a:spcPct val="107000"/>
-              </a:lnSpc>
-              <a:buFont typeface="Wingdings" panose="05000000000000000000" pitchFamily="2" charset="2"/>
-              <a:buChar char=""/>
-            </a:pPr>
-            <a:r>
-              <a:rPr lang="de-DE" sz="1200" dirty="0">
-                <a:solidFill>
-                  <a:srgbClr val="000000"/>
-                </a:solidFill>
-                <a:latin typeface="Calibri" panose="020F0502020204030204" pitchFamily="34" charset="0"/>
-                <a:ea typeface="游明朝" panose="02020400000000000000" pitchFamily="18" charset="-128"/>
-                <a:cs typeface="Times New Roman" panose="02020603050405020304" pitchFamily="18" charset="0"/>
-              </a:rPr>
-              <a:t>Deserialisation der Registry zu Userliste</a:t>
-            </a:r>
-            <a:endParaRPr lang="en-GB" sz="1200" dirty="0">
-              <a:effectLst/>
-              <a:latin typeface="Calibri" panose="020F0502020204030204" pitchFamily="34" charset="0"/>
-              <a:ea typeface="游明朝" panose="02020400000000000000" pitchFamily="18" charset="-128"/>
-              <a:cs typeface="Times New Roman" panose="02020603050405020304" pitchFamily="18" charset="0"/>
-            </a:endParaRPr>
-          </a:p>
-          <a:p>
-            <a:pPr marL="1143000" lvl="2" indent="-228600">
-              <a:lnSpc>
-                <a:spcPct val="107000"/>
-              </a:lnSpc>
-              <a:buFont typeface="Wingdings" panose="05000000000000000000" pitchFamily="2" charset="2"/>
-              <a:buChar char=""/>
-            </a:pPr>
-            <a:r>
-              <a:rPr lang="de-DE" sz="1200" dirty="0">
-                <a:solidFill>
-                  <a:srgbClr val="000000"/>
-                </a:solidFill>
-                <a:effectLst/>
-                <a:latin typeface="Calibri" panose="020F0502020204030204" pitchFamily="34" charset="0"/>
-                <a:ea typeface="游明朝" panose="02020400000000000000" pitchFamily="18" charset="-128"/>
-                <a:cs typeface="Times New Roman" panose="02020603050405020304" pitchFamily="18" charset="0"/>
-              </a:rPr>
-              <a:t>Vergleich mit </a:t>
-            </a:r>
-            <a:r>
-              <a:rPr lang="en-GB" sz="1200" dirty="0" err="1">
-                <a:solidFill>
-                  <a:srgbClr val="000000"/>
-                </a:solidFill>
-                <a:effectLst/>
-                <a:latin typeface="Calibri" panose="020F0502020204030204" pitchFamily="34" charset="0"/>
-                <a:ea typeface="游明朝" panose="02020400000000000000" pitchFamily="18" charset="-128"/>
-                <a:cs typeface="Times New Roman" panose="02020603050405020304" pitchFamily="18" charset="0"/>
-              </a:rPr>
-              <a:t>Userliste</a:t>
-            </a:r>
-            <a:endParaRPr lang="en-GB" sz="1200" dirty="0">
-              <a:effectLst/>
-              <a:latin typeface="Calibri" panose="020F0502020204030204" pitchFamily="34" charset="0"/>
-              <a:ea typeface="游明朝" panose="02020400000000000000" pitchFamily="18" charset="-128"/>
-              <a:cs typeface="Times New Roman" panose="02020603050405020304" pitchFamily="18" charset="0"/>
-            </a:endParaRPr>
-          </a:p>
-          <a:p>
-            <a:pPr marL="1143000" lvl="2" indent="-228600">
-              <a:lnSpc>
-                <a:spcPct val="107000"/>
-              </a:lnSpc>
-              <a:buFont typeface="Wingdings" panose="05000000000000000000" pitchFamily="2" charset="2"/>
-              <a:buChar char=""/>
-            </a:pPr>
-            <a:r>
-              <a:rPr lang="de-DE" sz="1200" dirty="0">
-                <a:solidFill>
-                  <a:srgbClr val="000000"/>
-                </a:solidFill>
-                <a:effectLst/>
-                <a:latin typeface="Calibri" panose="020F0502020204030204" pitchFamily="34" charset="0"/>
-                <a:ea typeface="游明朝" panose="02020400000000000000" pitchFamily="18" charset="-128"/>
-                <a:cs typeface="Times New Roman" panose="02020603050405020304" pitchFamily="18" charset="0"/>
-              </a:rPr>
-              <a:t>Bei gefundener Übereinstimmung -&gt; Ansicht des Heimatorts</a:t>
-            </a:r>
-            <a:endParaRPr lang="en-GB" sz="1200" dirty="0">
-              <a:effectLst/>
-              <a:latin typeface="Calibri" panose="020F0502020204030204" pitchFamily="34" charset="0"/>
-              <a:ea typeface="游明朝" panose="02020400000000000000" pitchFamily="18" charset="-128"/>
-              <a:cs typeface="Times New Roman" panose="02020603050405020304" pitchFamily="18" charset="0"/>
-            </a:endParaRPr>
-          </a:p>
-          <a:p>
-            <a:pPr marL="1143000" lvl="2" indent="-228600">
-              <a:lnSpc>
-                <a:spcPct val="107000"/>
-              </a:lnSpc>
-              <a:buFont typeface="Wingdings" panose="05000000000000000000" pitchFamily="2" charset="2"/>
-              <a:buChar char=""/>
-            </a:pPr>
-            <a:r>
-              <a:rPr lang="de-DE" sz="1200" dirty="0">
-                <a:solidFill>
-                  <a:srgbClr val="000000"/>
-                </a:solidFill>
-                <a:effectLst/>
-                <a:latin typeface="Calibri" panose="020F0502020204030204" pitchFamily="34" charset="0"/>
-                <a:ea typeface="游明朝" panose="02020400000000000000" pitchFamily="18" charset="-128"/>
-                <a:cs typeface="Times New Roman" panose="02020603050405020304" pitchFamily="18" charset="0"/>
-              </a:rPr>
-              <a:t>Bei fehlender Übereinstimmung -&gt; Ansicht mit Fehlermeldung</a:t>
-            </a:r>
-            <a:endParaRPr lang="en-GB" sz="1200" dirty="0">
-              <a:effectLst/>
-              <a:latin typeface="Calibri" panose="020F0502020204030204" pitchFamily="34" charset="0"/>
-              <a:ea typeface="游明朝" panose="02020400000000000000" pitchFamily="18" charset="-128"/>
-              <a:cs typeface="Times New Roman" panose="02020603050405020304" pitchFamily="18" charset="0"/>
-            </a:endParaRPr>
-          </a:p>
-          <a:p>
-            <a:pPr marL="742950" lvl="1" indent="-285750">
-              <a:lnSpc>
-                <a:spcPct val="107000"/>
-              </a:lnSpc>
-              <a:buFont typeface="Courier New" panose="02070309020205020404" pitchFamily="49" charset="0"/>
-              <a:buChar char="o"/>
-            </a:pPr>
-            <a:r>
-              <a:rPr lang="de-DE" sz="1200" b="1" dirty="0">
-                <a:solidFill>
-                  <a:srgbClr val="000000"/>
-                </a:solidFill>
-                <a:effectLst/>
-                <a:latin typeface="Calibri" panose="020F0502020204030204" pitchFamily="34" charset="0"/>
-                <a:ea typeface="游明朝" panose="02020400000000000000" pitchFamily="18" charset="-128"/>
-                <a:cs typeface="Times New Roman" panose="02020603050405020304" pitchFamily="18" charset="0"/>
-              </a:rPr>
-              <a:t>Exit-Kriterien</a:t>
-            </a:r>
-            <a:endParaRPr lang="en-GB" sz="1200" dirty="0">
-              <a:effectLst/>
-              <a:latin typeface="Calibri" panose="020F0502020204030204" pitchFamily="34" charset="0"/>
-              <a:ea typeface="游明朝" panose="02020400000000000000" pitchFamily="18" charset="-128"/>
-              <a:cs typeface="Times New Roman" panose="02020603050405020304" pitchFamily="18" charset="0"/>
-            </a:endParaRPr>
-          </a:p>
-          <a:p>
-            <a:pPr marL="1143000" lvl="2" indent="-228600">
-              <a:lnSpc>
-                <a:spcPct val="107000"/>
-              </a:lnSpc>
-              <a:buFont typeface="Wingdings" panose="05000000000000000000" pitchFamily="2" charset="2"/>
-              <a:buChar char=""/>
-            </a:pPr>
-            <a:r>
-              <a:rPr lang="de-DE" sz="1200" dirty="0">
-                <a:solidFill>
-                  <a:srgbClr val="000000"/>
-                </a:solidFill>
-                <a:effectLst/>
-                <a:latin typeface="Calibri" panose="020F0502020204030204" pitchFamily="34" charset="0"/>
-                <a:ea typeface="游明朝" panose="02020400000000000000" pitchFamily="18" charset="-128"/>
-                <a:cs typeface="Times New Roman" panose="02020603050405020304" pitchFamily="18" charset="0"/>
-              </a:rPr>
-              <a:t>Eingabe wude erfolgreich und korrekt übernommen</a:t>
-            </a:r>
-            <a:endParaRPr lang="en-GB" sz="1200" dirty="0">
-              <a:effectLst/>
-              <a:latin typeface="Calibri" panose="020F0502020204030204" pitchFamily="34" charset="0"/>
-              <a:ea typeface="游明朝" panose="02020400000000000000" pitchFamily="18" charset="-128"/>
-              <a:cs typeface="Times New Roman" panose="02020603050405020304" pitchFamily="18" charset="0"/>
-            </a:endParaRPr>
-          </a:p>
-          <a:p>
-            <a:pPr marL="1143000" lvl="2" indent="-228600">
-              <a:lnSpc>
-                <a:spcPct val="107000"/>
-              </a:lnSpc>
-              <a:buFont typeface="Wingdings" panose="05000000000000000000" pitchFamily="2" charset="2"/>
-              <a:buChar char=""/>
-            </a:pPr>
-            <a:r>
-              <a:rPr lang="de-DE" sz="1200" dirty="0">
-                <a:solidFill>
-                  <a:srgbClr val="000000"/>
-                </a:solidFill>
-                <a:effectLst/>
-                <a:latin typeface="Calibri" panose="020F0502020204030204" pitchFamily="34" charset="0"/>
-                <a:ea typeface="游明朝" panose="02020400000000000000" pitchFamily="18" charset="-128"/>
-                <a:cs typeface="Times New Roman" panose="02020603050405020304" pitchFamily="18" charset="0"/>
-              </a:rPr>
-              <a:t>Zugriff auf Registry war erfolgreich</a:t>
-            </a:r>
-            <a:endParaRPr lang="en-GB" sz="1200" dirty="0">
-              <a:effectLst/>
-              <a:latin typeface="Calibri" panose="020F0502020204030204" pitchFamily="34" charset="0"/>
-              <a:ea typeface="游明朝" panose="02020400000000000000" pitchFamily="18" charset="-128"/>
-              <a:cs typeface="Times New Roman" panose="02020603050405020304" pitchFamily="18" charset="0"/>
-            </a:endParaRPr>
-          </a:p>
-          <a:p>
-            <a:pPr marL="1143000" lvl="2" indent="-228600">
-              <a:lnSpc>
-                <a:spcPct val="107000"/>
-              </a:lnSpc>
-              <a:buFont typeface="Wingdings" panose="05000000000000000000" pitchFamily="2" charset="2"/>
-              <a:buChar char=""/>
-            </a:pPr>
-            <a:r>
-              <a:rPr lang="de-DE" sz="1200" dirty="0">
-                <a:solidFill>
-                  <a:srgbClr val="000000"/>
-                </a:solidFill>
-                <a:effectLst/>
-                <a:latin typeface="Calibri" panose="020F0502020204030204" pitchFamily="34" charset="0"/>
-                <a:ea typeface="游明朝" panose="02020400000000000000" pitchFamily="18" charset="-128"/>
-                <a:cs typeface="Times New Roman" panose="02020603050405020304" pitchFamily="18" charset="0"/>
-              </a:rPr>
-              <a:t>Vergleich lieferte korrektes Ergebnis</a:t>
-            </a:r>
-            <a:endParaRPr lang="en-GB" sz="1200" dirty="0">
-              <a:effectLst/>
-              <a:latin typeface="Calibri" panose="020F0502020204030204" pitchFamily="34" charset="0"/>
-              <a:ea typeface="游明朝" panose="02020400000000000000" pitchFamily="18" charset="-128"/>
-              <a:cs typeface="Times New Roman" panose="02020603050405020304" pitchFamily="18" charset="0"/>
-            </a:endParaRPr>
-          </a:p>
-          <a:p>
-            <a:pPr marL="1143000" lvl="2" indent="-228600">
-              <a:lnSpc>
-                <a:spcPct val="107000"/>
-              </a:lnSpc>
-              <a:buFont typeface="Wingdings" panose="05000000000000000000" pitchFamily="2" charset="2"/>
-              <a:buChar char=""/>
-            </a:pPr>
-            <a:r>
-              <a:rPr lang="de-DE" sz="1200" dirty="0">
-                <a:solidFill>
-                  <a:srgbClr val="000000"/>
-                </a:solidFill>
-                <a:effectLst/>
-                <a:latin typeface="Calibri" panose="020F0502020204030204" pitchFamily="34" charset="0"/>
-                <a:ea typeface="游明朝" panose="02020400000000000000" pitchFamily="18" charset="-128"/>
-                <a:cs typeface="Times New Roman" panose="02020603050405020304" pitchFamily="18" charset="0"/>
-              </a:rPr>
-              <a:t>Richtige Ansicht wurde erzeugt</a:t>
-            </a:r>
-            <a:endParaRPr lang="en-GB" sz="1200" dirty="0">
-              <a:effectLst/>
-              <a:latin typeface="Calibri" panose="020F0502020204030204" pitchFamily="34" charset="0"/>
-              <a:ea typeface="游明朝" panose="02020400000000000000" pitchFamily="18" charset="-128"/>
-              <a:cs typeface="Times New Roman" panose="02020603050405020304" pitchFamily="18" charset="0"/>
-            </a:endParaRPr>
-          </a:p>
-          <a:p>
-            <a:pPr marL="742950" lvl="1" indent="-285750">
-              <a:lnSpc>
-                <a:spcPct val="107000"/>
-              </a:lnSpc>
-              <a:buFont typeface="Courier New" panose="02070309020205020404" pitchFamily="49" charset="0"/>
-              <a:buChar char="o"/>
-            </a:pPr>
-            <a:endParaRPr lang="de-DE" sz="1200" b="1" dirty="0">
-              <a:solidFill>
-                <a:srgbClr val="000000"/>
-              </a:solidFill>
-              <a:effectLst/>
-              <a:latin typeface="Calibri" panose="020F0502020204030204" pitchFamily="34" charset="0"/>
-              <a:ea typeface="游明朝" panose="02020400000000000000" pitchFamily="18" charset="-128"/>
-              <a:cs typeface="Times New Roman" panose="02020603050405020304" pitchFamily="18" charset="0"/>
-            </a:endParaRPr>
-          </a:p>
-          <a:p>
-            <a:pPr marL="742950" lvl="1" indent="-285750">
-              <a:lnSpc>
-                <a:spcPct val="107000"/>
-              </a:lnSpc>
-              <a:buFont typeface="Courier New" panose="02070309020205020404" pitchFamily="49" charset="0"/>
-              <a:buChar char="o"/>
-            </a:pPr>
-            <a:endParaRPr lang="de-DE" sz="1200" b="1" dirty="0">
-              <a:solidFill>
-                <a:srgbClr val="000000"/>
-              </a:solidFill>
-              <a:latin typeface="Calibri" panose="020F0502020204030204" pitchFamily="34" charset="0"/>
-              <a:ea typeface="游明朝" panose="02020400000000000000" pitchFamily="18" charset="-128"/>
-              <a:cs typeface="Times New Roman" panose="02020603050405020304" pitchFamily="18" charset="0"/>
-            </a:endParaRPr>
-          </a:p>
-          <a:p>
-            <a:pPr marL="742950" lvl="1" indent="-285750">
-              <a:lnSpc>
-                <a:spcPct val="107000"/>
-              </a:lnSpc>
-              <a:buFont typeface="Courier New" panose="02070309020205020404" pitchFamily="49" charset="0"/>
-              <a:buChar char="o"/>
-            </a:pPr>
-            <a:endParaRPr lang="de-DE" sz="1200" b="1" dirty="0">
-              <a:solidFill>
-                <a:srgbClr val="000000"/>
-              </a:solidFill>
-              <a:effectLst/>
-              <a:latin typeface="Calibri" panose="020F0502020204030204" pitchFamily="34" charset="0"/>
-              <a:ea typeface="游明朝" panose="02020400000000000000" pitchFamily="18" charset="-128"/>
-              <a:cs typeface="Times New Roman" panose="02020603050405020304" pitchFamily="18" charset="0"/>
-            </a:endParaRPr>
-          </a:p>
-          <a:p>
-            <a:pPr marL="742950" lvl="1" indent="-285750">
-              <a:lnSpc>
-                <a:spcPct val="107000"/>
-              </a:lnSpc>
-              <a:buFont typeface="Courier New" panose="02070309020205020404" pitchFamily="49" charset="0"/>
-              <a:buChar char="o"/>
-            </a:pPr>
-            <a:endParaRPr lang="de-DE" sz="1200" b="1" dirty="0">
-              <a:solidFill>
-                <a:srgbClr val="000000"/>
-              </a:solidFill>
-              <a:latin typeface="Calibri" panose="020F0502020204030204" pitchFamily="34" charset="0"/>
-              <a:ea typeface="游明朝" panose="02020400000000000000" pitchFamily="18" charset="-128"/>
-              <a:cs typeface="Times New Roman" panose="02020603050405020304" pitchFamily="18" charset="0"/>
-            </a:endParaRPr>
-          </a:p>
-          <a:p>
-            <a:pPr marL="742950" lvl="1" indent="-285750">
-              <a:lnSpc>
-                <a:spcPct val="107000"/>
-              </a:lnSpc>
-              <a:buFont typeface="Courier New" panose="02070309020205020404" pitchFamily="49" charset="0"/>
-              <a:buChar char="o"/>
-            </a:pPr>
-            <a:endParaRPr lang="de-DE" sz="1200" b="1" dirty="0">
-              <a:solidFill>
-                <a:srgbClr val="000000"/>
-              </a:solidFill>
-              <a:effectLst/>
-              <a:latin typeface="Calibri" panose="020F0502020204030204" pitchFamily="34" charset="0"/>
-              <a:ea typeface="游明朝" panose="02020400000000000000" pitchFamily="18" charset="-128"/>
-              <a:cs typeface="Times New Roman" panose="02020603050405020304" pitchFamily="18" charset="0"/>
-            </a:endParaRPr>
-          </a:p>
-          <a:p>
-            <a:pPr marL="742950" lvl="1" indent="-285750">
-              <a:lnSpc>
-                <a:spcPct val="107000"/>
-              </a:lnSpc>
-              <a:buFont typeface="Courier New" panose="02070309020205020404" pitchFamily="49" charset="0"/>
-              <a:buChar char="o"/>
-            </a:pPr>
-            <a:endParaRPr lang="de-DE" sz="1200" b="1" dirty="0">
-              <a:solidFill>
-                <a:srgbClr val="000000"/>
-              </a:solidFill>
-              <a:latin typeface="Calibri" panose="020F0502020204030204" pitchFamily="34" charset="0"/>
-              <a:ea typeface="游明朝" panose="02020400000000000000" pitchFamily="18" charset="-128"/>
-              <a:cs typeface="Times New Roman" panose="02020603050405020304" pitchFamily="18" charset="0"/>
-            </a:endParaRPr>
-          </a:p>
-          <a:p>
-            <a:pPr marL="742950" lvl="1" indent="-285750">
-              <a:lnSpc>
-                <a:spcPct val="107000"/>
-              </a:lnSpc>
-              <a:buFont typeface="Courier New" panose="02070309020205020404" pitchFamily="49" charset="0"/>
-              <a:buChar char="o"/>
-            </a:pPr>
-            <a:r>
-              <a:rPr lang="de-DE" sz="1200" b="1" dirty="0">
-                <a:solidFill>
-                  <a:srgbClr val="000000"/>
-                </a:solidFill>
-                <a:effectLst/>
-                <a:latin typeface="Calibri" panose="020F0502020204030204" pitchFamily="34" charset="0"/>
-                <a:ea typeface="游明朝" panose="02020400000000000000" pitchFamily="18" charset="-128"/>
-                <a:cs typeface="Times New Roman" panose="02020603050405020304" pitchFamily="18" charset="0"/>
-              </a:rPr>
-              <a:t>Fail-Kriterien</a:t>
-            </a:r>
-            <a:endParaRPr lang="en-GB" sz="1200" dirty="0">
-              <a:effectLst/>
-              <a:latin typeface="Calibri" panose="020F0502020204030204" pitchFamily="34" charset="0"/>
-              <a:ea typeface="游明朝" panose="02020400000000000000" pitchFamily="18" charset="-128"/>
-              <a:cs typeface="Times New Roman" panose="02020603050405020304" pitchFamily="18" charset="0"/>
-            </a:endParaRPr>
-          </a:p>
-          <a:p>
-            <a:pPr marL="1143000" lvl="2" indent="-228600">
-              <a:lnSpc>
-                <a:spcPct val="107000"/>
-              </a:lnSpc>
-              <a:buFont typeface="Wingdings" panose="05000000000000000000" pitchFamily="2" charset="2"/>
-              <a:buChar char=""/>
-            </a:pPr>
-            <a:r>
-              <a:rPr lang="de-DE" sz="1200" dirty="0">
-                <a:solidFill>
-                  <a:srgbClr val="000000"/>
-                </a:solidFill>
-                <a:effectLst/>
-                <a:latin typeface="Calibri" panose="020F0502020204030204" pitchFamily="34" charset="0"/>
-                <a:ea typeface="游明朝" panose="02020400000000000000" pitchFamily="18" charset="-128"/>
-                <a:cs typeface="Times New Roman" panose="02020603050405020304" pitchFamily="18" charset="0"/>
-              </a:rPr>
-              <a:t>Ungültige Eingabe wurde übernommen (Email constraints)</a:t>
-            </a:r>
-            <a:endParaRPr lang="en-GB" sz="1200" dirty="0">
-              <a:effectLst/>
-              <a:latin typeface="Calibri" panose="020F0502020204030204" pitchFamily="34" charset="0"/>
-              <a:ea typeface="游明朝" panose="02020400000000000000" pitchFamily="18" charset="-128"/>
-              <a:cs typeface="Times New Roman" panose="02020603050405020304" pitchFamily="18" charset="0"/>
-            </a:endParaRPr>
-          </a:p>
-          <a:p>
-            <a:pPr marL="1143000" lvl="2" indent="-228600">
-              <a:lnSpc>
-                <a:spcPct val="107000"/>
-              </a:lnSpc>
-              <a:buFont typeface="Wingdings" panose="05000000000000000000" pitchFamily="2" charset="2"/>
-              <a:buChar char=""/>
-            </a:pPr>
-            <a:r>
-              <a:rPr lang="de-DE" sz="1200" dirty="0">
-                <a:solidFill>
-                  <a:srgbClr val="000000"/>
-                </a:solidFill>
-                <a:effectLst/>
-                <a:latin typeface="Calibri" panose="020F0502020204030204" pitchFamily="34" charset="0"/>
-                <a:ea typeface="游明朝" panose="02020400000000000000" pitchFamily="18" charset="-128"/>
-                <a:cs typeface="Times New Roman" panose="02020603050405020304" pitchFamily="18" charset="0"/>
-              </a:rPr>
-              <a:t>Zugriff auf Registry war nicht erfolgreich</a:t>
-            </a:r>
-            <a:endParaRPr lang="en-GB" sz="1200" dirty="0">
-              <a:effectLst/>
-              <a:latin typeface="Calibri" panose="020F0502020204030204" pitchFamily="34" charset="0"/>
-              <a:ea typeface="游明朝" panose="02020400000000000000" pitchFamily="18" charset="-128"/>
-              <a:cs typeface="Times New Roman" panose="02020603050405020304" pitchFamily="18" charset="0"/>
-            </a:endParaRPr>
-          </a:p>
-          <a:p>
-            <a:pPr marL="1143000" lvl="2" indent="-228600">
-              <a:lnSpc>
-                <a:spcPct val="107000"/>
-              </a:lnSpc>
-              <a:buFont typeface="Wingdings" panose="05000000000000000000" pitchFamily="2" charset="2"/>
-              <a:buChar char=""/>
-            </a:pPr>
-            <a:r>
-              <a:rPr lang="de-DE" sz="1200" dirty="0">
-                <a:solidFill>
-                  <a:srgbClr val="000000"/>
-                </a:solidFill>
-                <a:effectLst/>
-                <a:latin typeface="Calibri" panose="020F0502020204030204" pitchFamily="34" charset="0"/>
-                <a:ea typeface="游明朝" panose="02020400000000000000" pitchFamily="18" charset="-128"/>
-                <a:cs typeface="Times New Roman" panose="02020603050405020304" pitchFamily="18" charset="0"/>
-              </a:rPr>
-              <a:t>Vergleich lieferte falsches Ergebnis</a:t>
-            </a:r>
-            <a:endParaRPr lang="en-GB" sz="1200" dirty="0">
-              <a:effectLst/>
-              <a:latin typeface="Calibri" panose="020F0502020204030204" pitchFamily="34" charset="0"/>
-              <a:ea typeface="游明朝" panose="02020400000000000000" pitchFamily="18" charset="-128"/>
-              <a:cs typeface="Times New Roman" panose="02020603050405020304" pitchFamily="18" charset="0"/>
-            </a:endParaRPr>
-          </a:p>
-          <a:p>
-            <a:pPr marL="1143000" lvl="2" indent="-228600">
-              <a:lnSpc>
-                <a:spcPct val="107000"/>
-              </a:lnSpc>
-              <a:buFont typeface="Wingdings" panose="05000000000000000000" pitchFamily="2" charset="2"/>
-              <a:buChar char=""/>
-            </a:pPr>
-            <a:r>
-              <a:rPr lang="de-DE" sz="1200" dirty="0">
-                <a:solidFill>
-                  <a:srgbClr val="000000"/>
-                </a:solidFill>
-                <a:effectLst/>
-                <a:latin typeface="Calibri" panose="020F0502020204030204" pitchFamily="34" charset="0"/>
-                <a:ea typeface="游明朝" panose="02020400000000000000" pitchFamily="18" charset="-128"/>
-                <a:cs typeface="Times New Roman" panose="02020603050405020304" pitchFamily="18" charset="0"/>
-              </a:rPr>
-              <a:t>Vergleich lieferte kein Ergebnis</a:t>
-            </a:r>
-            <a:endParaRPr lang="en-GB" sz="1200" dirty="0">
-              <a:effectLst/>
-              <a:latin typeface="Calibri" panose="020F0502020204030204" pitchFamily="34" charset="0"/>
-              <a:ea typeface="游明朝" panose="02020400000000000000" pitchFamily="18" charset="-128"/>
-              <a:cs typeface="Times New Roman" panose="02020603050405020304" pitchFamily="18" charset="0"/>
-            </a:endParaRPr>
-          </a:p>
-          <a:p>
-            <a:pPr marL="1143000" lvl="2" indent="-228600">
-              <a:lnSpc>
-                <a:spcPct val="107000"/>
-              </a:lnSpc>
-              <a:buFont typeface="Wingdings" panose="05000000000000000000" pitchFamily="2" charset="2"/>
-              <a:buChar char=""/>
-            </a:pPr>
-            <a:r>
-              <a:rPr lang="de-DE" sz="1200" dirty="0">
-                <a:solidFill>
-                  <a:srgbClr val="000000"/>
-                </a:solidFill>
-                <a:effectLst/>
-                <a:latin typeface="Calibri" panose="020F0502020204030204" pitchFamily="34" charset="0"/>
-                <a:ea typeface="游明朝" panose="02020400000000000000" pitchFamily="18" charset="-128"/>
-                <a:cs typeface="Times New Roman" panose="02020603050405020304" pitchFamily="18" charset="0"/>
-              </a:rPr>
-              <a:t>Falsche Ansicht wurde erzeugt</a:t>
-            </a:r>
-            <a:endParaRPr lang="en-GB" sz="1200" dirty="0">
-              <a:effectLst/>
-              <a:latin typeface="Calibri" panose="020F0502020204030204" pitchFamily="34" charset="0"/>
-              <a:ea typeface="游明朝" panose="02020400000000000000" pitchFamily="18" charset="-128"/>
-              <a:cs typeface="Times New Roman" panose="02020603050405020304" pitchFamily="18" charset="0"/>
-            </a:endParaRPr>
-          </a:p>
-          <a:p>
-            <a:pPr marL="742950" lvl="1" indent="-285750">
-              <a:lnSpc>
-                <a:spcPct val="107000"/>
-              </a:lnSpc>
-              <a:buFont typeface="Courier New" panose="02070309020205020404" pitchFamily="49" charset="0"/>
-              <a:buChar char="o"/>
-            </a:pPr>
-            <a:r>
-              <a:rPr lang="de-DE" sz="1200" b="1" dirty="0">
-                <a:solidFill>
-                  <a:srgbClr val="000000"/>
-                </a:solidFill>
-                <a:effectLst/>
-                <a:latin typeface="Calibri" panose="020F0502020204030204" pitchFamily="34" charset="0"/>
-                <a:ea typeface="游明朝" panose="02020400000000000000" pitchFamily="18" charset="-128"/>
-                <a:cs typeface="Times New Roman" panose="02020603050405020304" pitchFamily="18" charset="0"/>
-              </a:rPr>
-              <a:t>Fallback</a:t>
-            </a:r>
-            <a:endParaRPr lang="en-GB" sz="1200" dirty="0">
-              <a:effectLst/>
-              <a:latin typeface="Calibri" panose="020F0502020204030204" pitchFamily="34" charset="0"/>
-              <a:ea typeface="游明朝" panose="02020400000000000000" pitchFamily="18" charset="-128"/>
-              <a:cs typeface="Times New Roman" panose="02020603050405020304" pitchFamily="18" charset="0"/>
-            </a:endParaRPr>
-          </a:p>
-          <a:p>
-            <a:pPr marL="1143000" lvl="2" indent="-228600">
-              <a:lnSpc>
-                <a:spcPct val="107000"/>
-              </a:lnSpc>
-              <a:buFont typeface="Wingdings" panose="05000000000000000000" pitchFamily="2" charset="2"/>
-              <a:buChar char=""/>
-            </a:pPr>
-            <a:r>
-              <a:rPr lang="de-DE" sz="1200" dirty="0">
-                <a:solidFill>
-                  <a:srgbClr val="000000"/>
-                </a:solidFill>
-                <a:effectLst/>
-                <a:latin typeface="Calibri" panose="020F0502020204030204" pitchFamily="34" charset="0"/>
-                <a:ea typeface="游明朝" panose="02020400000000000000" pitchFamily="18" charset="-128"/>
-                <a:cs typeface="Times New Roman" panose="02020603050405020304" pitchFamily="18" charset="0"/>
-              </a:rPr>
-              <a:t>Ein fester User Account wird im Prototypen vorgelegt</a:t>
-            </a:r>
-            <a:endParaRPr lang="en-GB" sz="1200" dirty="0">
-              <a:effectLst/>
-              <a:latin typeface="Calibri" panose="020F0502020204030204" pitchFamily="34" charset="0"/>
-              <a:ea typeface="游明朝" panose="02020400000000000000" pitchFamily="18" charset="-128"/>
-              <a:cs typeface="Times New Roman" panose="02020603050405020304" pitchFamily="18" charset="0"/>
-            </a:endParaRPr>
-          </a:p>
-          <a:p>
-            <a:pPr marL="1143000" lvl="2" indent="-228600">
-              <a:lnSpc>
-                <a:spcPct val="107000"/>
-              </a:lnSpc>
-              <a:spcAft>
-                <a:spcPts val="800"/>
-              </a:spcAft>
-              <a:buFont typeface="Wingdings" panose="05000000000000000000" pitchFamily="2" charset="2"/>
-              <a:buChar char=""/>
-            </a:pPr>
-            <a:r>
-              <a:rPr lang="de-DE" sz="1200" dirty="0">
-                <a:solidFill>
-                  <a:srgbClr val="000000"/>
-                </a:solidFill>
-                <a:effectLst/>
-                <a:latin typeface="Calibri" panose="020F0502020204030204" pitchFamily="34" charset="0"/>
-                <a:ea typeface="游明朝" panose="02020400000000000000" pitchFamily="18" charset="-128"/>
-                <a:cs typeface="Times New Roman" panose="02020603050405020304" pitchFamily="18" charset="0"/>
-              </a:rPr>
-              <a:t>Verzicht auf externe Registry, User Accounts werden fest in den Prototypen geschrieben</a:t>
-            </a:r>
-            <a:endParaRPr lang="en-GB" sz="1200" dirty="0">
-              <a:effectLst/>
-              <a:latin typeface="Calibri" panose="020F0502020204030204" pitchFamily="34" charset="0"/>
-              <a:ea typeface="游明朝" panose="02020400000000000000" pitchFamily="18" charset="-128"/>
-              <a:cs typeface="Times New Roman" panose="02020603050405020304" pitchFamily="18" charset="0"/>
-            </a:endParaRPr>
-          </a:p>
-          <a:p>
-            <a:endParaRPr lang="en-GB" sz="3200" dirty="0"/>
-          </a:p>
-        </p:txBody>
-      </p:sp>
-      <p:sp>
-        <p:nvSpPr>
-          <p:cNvPr id="4" name="Slide Number Placeholder 3">
+        </p:txBody>
+      </p:sp>
+      <p:pic>
+        <p:nvPicPr>
+          <p:cNvPr id="4" name="Content Placeholder 3">
             <a:extLst>
               <a:ext uri="{FF2B5EF4-FFF2-40B4-BE49-F238E27FC236}">
-                <a16:creationId xmlns:a16="http://schemas.microsoft.com/office/drawing/2014/main" id="{BCC4C124-465E-D835-C669-538F1616DF05}"/>
+                <a16:creationId xmlns:a16="http://schemas.microsoft.com/office/drawing/2014/main" id="{832908C3-9D9B-5AF6-D8AE-FD34908985DA}"/>
               </a:ext>
             </a:extLst>
           </p:cNvPr>
-          <p:cNvSpPr>
-            <a:spLocks noGrp="1"/>
-          </p:cNvSpPr>
-          <p:nvPr>
-            <p:ph type="sldNum" sz="quarter" idx="12"/>
-          </p:nvPr>
-        </p:nvSpPr>
-        <p:spPr/>
-        <p:txBody>
-          <a:bodyPr/>
-          <a:lstStyle/>
-          <a:p>
-            <a:fld id="{4FD190AE-D9AE-4074-AAED-D637288AF7F0}" type="slidenum">
-              <a:rPr lang="de-DE" smtClean="0"/>
-              <a:t>8</a:t>
-            </a:fld>
-            <a:endParaRPr lang="de-DE"/>
-          </a:p>
-        </p:txBody>
-      </p:sp>
+          <p:cNvPicPr>
+            <a:picLocks noGrp="1" noChangeAspect="1"/>
+          </p:cNvPicPr>
+          <p:nvPr>
+            <p:ph idx="1"/>
+          </p:nvPr>
+        </p:nvPicPr>
+        <p:blipFill>
+          <a:blip r:embed="rId3">
+            <a:extLst>
+              <a:ext uri="{28A0092B-C50C-407E-A947-70E740481C1C}">
+                <a14:useLocalDpi xmlns:a14="http://schemas.microsoft.com/office/drawing/2010/main" val="0"/>
+              </a:ext>
+            </a:extLst>
+          </a:blip>
+          <a:srcRect/>
+          <a:stretch/>
+        </p:blipFill>
+        <p:spPr>
+          <a:xfrm>
+            <a:off x="2905126" y="365124"/>
+            <a:ext cx="8715373" cy="6012932"/>
+          </a:xfrm>
+        </p:spPr>
+      </p:pic>
     </p:spTree>
     <p:extLst>
       <p:ext uri="{BB962C8B-B14F-4D97-AF65-F5344CB8AC3E}">
-        <p14:creationId xmlns:p14="http://schemas.microsoft.com/office/powerpoint/2010/main" val="905879043"/>
+        <p14:creationId xmlns:p14="http://schemas.microsoft.com/office/powerpoint/2010/main" val="408210267"/>
       </p:ext>
     </p:extLst>
   </p:cSld>
@@ -10633,20 +10343,133 @@
             <p:ph type="title"/>
           </p:nvPr>
         </p:nvSpPr>
-        <p:spPr>
-          <a:xfrm>
-            <a:off x="209549" y="365124"/>
-            <a:ext cx="2847975" cy="3959225"/>
-          </a:xfrm>
-        </p:spPr>
+        <p:spPr/>
         <p:txBody>
           <a:bodyPr/>
           <a:lstStyle/>
           <a:p>
             <a:r>
               <a:rPr lang="de-DE" dirty="0"/>
-              <a:t>Klassen-diagramm</a:t>
-            </a:r>
+              <a:t>Erster Prototyp</a:t>
+            </a:r>
+          </a:p>
+        </p:txBody>
+      </p:sp>
+      <p:sp>
+        <p:nvSpPr>
+          <p:cNvPr id="3" name="Inhaltsplatzhalter 2">
+            <a:extLst>
+              <a:ext uri="{FF2B5EF4-FFF2-40B4-BE49-F238E27FC236}">
+                <a16:creationId xmlns:a16="http://schemas.microsoft.com/office/drawing/2014/main" id="{26828B3D-0288-9D01-3FAB-ED2A638AE90B}"/>
+              </a:ext>
+            </a:extLst>
+          </p:cNvPr>
+          <p:cNvSpPr>
+            <a:spLocks noGrp="1"/>
+          </p:cNvSpPr>
+          <p:nvPr>
+            <p:ph idx="1"/>
+          </p:nvPr>
+        </p:nvSpPr>
+        <p:spPr/>
+        <p:txBody>
+          <a:bodyPr>
+            <a:normAutofit fontScale="92500" lnSpcReduction="10000"/>
+          </a:bodyPr>
+          <a:lstStyle/>
+          <a:p>
+            <a:r>
+              <a:rPr lang="de-DE" sz="2000" dirty="0"/>
+              <a:t>Login </a:t>
+            </a:r>
+          </a:p>
+          <a:p>
+            <a:r>
+              <a:rPr lang="de-DE" sz="2000" dirty="0"/>
+              <a:t>Setze currentUser</a:t>
+            </a:r>
+          </a:p>
+          <a:p>
+            <a:r>
+              <a:rPr lang="de-DE" sz="2000" dirty="0"/>
+              <a:t>Setze currentStadt anhand Heimatstadt des Users</a:t>
+            </a:r>
+          </a:p>
+          <a:p>
+            <a:r>
+              <a:rPr lang="de-DE" sz="2000" dirty="0"/>
+              <a:t>Upload eines Bildes</a:t>
+            </a:r>
+          </a:p>
+          <a:p>
+            <a:pPr lvl="1"/>
+            <a:r>
+              <a:rPr lang="de-DE" sz="1600" dirty="0"/>
+              <a:t>Drawable File einlesen</a:t>
+            </a:r>
+          </a:p>
+          <a:p>
+            <a:pPr lvl="1"/>
+            <a:r>
+              <a:rPr lang="de-DE" sz="1600" dirty="0"/>
+              <a:t>Zu String enkodieren</a:t>
+            </a:r>
+          </a:p>
+          <a:p>
+            <a:pPr lvl="1"/>
+            <a:r>
+              <a:rPr lang="de-DE" sz="1600" dirty="0"/>
+              <a:t>Bildobjekt erzeugen und zur Stadt hinzufügen</a:t>
+            </a:r>
+          </a:p>
+          <a:p>
+            <a:pPr lvl="1"/>
+            <a:r>
+              <a:rPr lang="de-DE" sz="1600" dirty="0"/>
+              <a:t>Stadtliste enkodieren und abspeichern</a:t>
+            </a:r>
+          </a:p>
+          <a:p>
+            <a:pPr lvl="1"/>
+            <a:r>
+              <a:rPr lang="de-DE" sz="1600" dirty="0"/>
+              <a:t>Benachrichtigung an Subscriber senden</a:t>
+            </a:r>
+          </a:p>
+          <a:p>
+            <a:pPr lvl="1"/>
+            <a:r>
+              <a:rPr lang="de-DE" sz="1600" dirty="0"/>
+              <a:t>Userliste enkodieren und abspeichern</a:t>
+            </a:r>
+            <a:endParaRPr lang="de-DE" sz="1200" dirty="0"/>
+          </a:p>
+          <a:p>
+            <a:r>
+              <a:rPr lang="de-DE" sz="2000" dirty="0"/>
+              <a:t>Aufruf eines Bildes</a:t>
+            </a:r>
+          </a:p>
+          <a:p>
+            <a:r>
+              <a:rPr lang="de-DE" sz="2000" dirty="0"/>
+              <a:t>Subscribe/Unsubscribe zur Stadt</a:t>
+            </a:r>
+          </a:p>
+          <a:p>
+            <a:r>
+              <a:rPr lang="de-DE" sz="2000" dirty="0"/>
+              <a:t>Anzeige der Benachrichtigungen</a:t>
+            </a:r>
+          </a:p>
+          <a:p>
+            <a:r>
+              <a:rPr lang="de-DE" sz="2000" dirty="0"/>
+              <a:t>Logout</a:t>
+            </a:r>
+          </a:p>
+          <a:p>
+            <a:endParaRPr lang="de-DE" sz="2000" dirty="0"/>
           </a:p>
         </p:txBody>
       </p:sp>
@@ -10687,44 +10510,10 @@
           </a:p>
         </p:txBody>
       </p:sp>
-      <p:pic>
-        <p:nvPicPr>
-          <p:cNvPr id="4" name="Content Placeholder 3">
-            <a:extLst>
-              <a:ext uri="{FF2B5EF4-FFF2-40B4-BE49-F238E27FC236}">
-                <a16:creationId xmlns:a16="http://schemas.microsoft.com/office/drawing/2014/main" id="{832908C3-9D9B-5AF6-D8AE-FD34908985DA}"/>
-              </a:ext>
-            </a:extLst>
-          </p:cNvPr>
-          <p:cNvPicPr>
-            <a:picLocks noGrp="1" noChangeAspect="1"/>
-          </p:cNvPicPr>
-          <p:nvPr>
-            <p:ph idx="1"/>
-          </p:nvPr>
-        </p:nvPicPr>
-        <p:blipFill>
-          <a:blip r:embed="rId3">
-            <a:extLst>
-              <a:ext uri="{28A0092B-C50C-407E-A947-70E740481C1C}">
-                <a14:useLocalDpi xmlns:a14="http://schemas.microsoft.com/office/drawing/2010/main" val="0"/>
-              </a:ext>
-            </a:extLst>
-          </a:blip>
-          <a:srcRect/>
-          <a:stretch/>
-        </p:blipFill>
-        <p:spPr>
-          <a:xfrm>
-            <a:off x="2905126" y="365124"/>
-            <a:ext cx="8715373" cy="6012932"/>
-          </a:xfrm>
-        </p:spPr>
-      </p:pic>
     </p:spTree>
     <p:extLst>
       <p:ext uri="{BB962C8B-B14F-4D97-AF65-F5344CB8AC3E}">
-        <p14:creationId xmlns:p14="http://schemas.microsoft.com/office/powerpoint/2010/main" val="408210267"/>
+        <p14:creationId xmlns:p14="http://schemas.microsoft.com/office/powerpoint/2010/main" val="2702035577"/>
       </p:ext>
     </p:extLst>
   </p:cSld>

--- a/Audits/EPWS2223HausenKochZimmer Audit 3.pptx
+++ b/Audits/EPWS2223HausenKochZimmer Audit 3.pptx
@@ -5,22 +5,23 @@
     <p:sldMasterId id="2147483773" r:id="rId1"/>
   </p:sldMasterIdLst>
   <p:notesMasterIdLst>
-    <p:notesMasterId r:id="rId12"/>
+    <p:notesMasterId r:id="rId13"/>
   </p:notesMasterIdLst>
   <p:handoutMasterIdLst>
-    <p:handoutMasterId r:id="rId13"/>
+    <p:handoutMasterId r:id="rId14"/>
   </p:handoutMasterIdLst>
   <p:sldIdLst>
     <p:sldId id="256" r:id="rId2"/>
     <p:sldId id="260" r:id="rId3"/>
     <p:sldId id="259" r:id="rId4"/>
-    <p:sldId id="263" r:id="rId5"/>
-    <p:sldId id="261" r:id="rId6"/>
-    <p:sldId id="258" r:id="rId7"/>
-    <p:sldId id="266" r:id="rId8"/>
-    <p:sldId id="262" r:id="rId9"/>
-    <p:sldId id="264" r:id="rId10"/>
-    <p:sldId id="265" r:id="rId11"/>
+    <p:sldId id="267" r:id="rId5"/>
+    <p:sldId id="263" r:id="rId6"/>
+    <p:sldId id="261" r:id="rId7"/>
+    <p:sldId id="258" r:id="rId8"/>
+    <p:sldId id="266" r:id="rId9"/>
+    <p:sldId id="262" r:id="rId10"/>
+    <p:sldId id="264" r:id="rId11"/>
+    <p:sldId id="265" r:id="rId12"/>
   </p:sldIdLst>
   <p:sldSz cx="12192000" cy="6858000"/>
   <p:notesSz cx="6858000" cy="9144000"/>
@@ -127,6 +128,7 @@
             <p14:sldId id="256"/>
             <p14:sldId id="260"/>
             <p14:sldId id="259"/>
+            <p14:sldId id="267"/>
             <p14:sldId id="263"/>
             <p14:sldId id="261"/>
             <p14:sldId id="258"/>
@@ -813,7 +815,20 @@
           <a:bodyPr/>
           <a:lstStyle/>
           <a:p>
-            <a:endParaRPr lang="de-DE" dirty="0"/>
+            <a:r>
+              <a:rPr lang="de-DE" dirty="0"/>
+              <a:t>Im ersten Prototypen wurde versucht die Kernfunktionalitäten des Systems umzusetzen, der Upload von Bildern sowie damit einhergehende Pub/Sub Funktionalität. Die Grundlage für die Lösungsansätze wurden durch die PoCs, die Use Case Spezifikation sowie das Klassendiagramm gegeben. Hier ist anzumerken, dass eine detailliertere Interaktionsmodellierung die Arbeit hätte erleichtern können. Der Login erfolgt nach dem im dazugehörigen PoC getestetem Prinzip. Der damit eingeloggte User wird bis zum Logout zum currentUser. Daraufhin wird eine Liste aller Stadtobjekte geladen und anhand der Heimatstadt des Users die currentStadt gesetzt. Dem User werden daraufhin 4 Buttons angeboten (Upload, Aufruf, Sub/Unsub, Logout). Beim Upload sowie beim Aufruf eines Bildes wird aktuell noch ein hardcoded Bild verwendet. Beim Upload wird der Filepath zu diesem Bild fest verwendet und der Aufruf greift stets auf das erste Bild in der Bilderliste der Stadt zu. Dies gilt es in der weiteren Entwicklung so zu erweitern, dass ein beliebiges Bild hochgeladen und aufgerufen werden kann. Die Pub/Sub Funktionalität ist dahingegen im Grunde vollständig implementiert. Zu bedenken wäre nur ob die Verwaltung der eingegangenen Benachrichtigungen noch zu erweitern ist.</a:t>
+            </a:r>
+            <a:br>
+              <a:rPr lang="de-DE" dirty="0"/>
+            </a:br>
+            <a:br>
+              <a:rPr lang="de-DE" dirty="0"/>
+            </a:br>
+            <a:r>
+              <a:rPr lang="de-DE" dirty="0"/>
+              <a:t>Ein wichtiger Punkt bei diesem Prototypen ist, dass die Datenverwaltung auschlieslich über JSON erfolgt. So werden (1) die Bildaten zu einem String enkodiert, (2) diese in einem Bildobjekt gespeichert, (3) was Teil eines Stadtobjekts ist, (4) welches Teil einer Liste aus Stadtobjekten ist, (5) die wiederrum zum einem JSON-String enkodiert wird und (6) dieser String wird in eine entsprechende Datei geschrieben. Diese Datei, diese Liste wird zum Beginn der Activity geladen. Dies bedeutet, dass der komplette Inhalt der Datenhaltung in den Speicher geladen wird. Ab einer bestimmten Größe ist dies nicht mehr angemessen. Dieser Problematik sind wir uns bewusst aber wegen des Umfangs unseres Prototypen wird dieser Zustand in Kauf genommen. Die Alternative wäre ein Datenbanksystem einzubinden, darauf wurde aus Zeitgründen verzichtet.</a:t>
+            </a:r>
           </a:p>
         </p:txBody>
       </p:sp>
@@ -835,6 +850,90 @@
             <a:fld id="{28D422E8-2025-4E88-B448-A26268B25EC5}" type="slidenum">
               <a:rPr lang="de-DE" smtClean="0"/>
               <a:t>10</a:t>
+            </a:fld>
+            <a:endParaRPr lang="de-DE"/>
+          </a:p>
+        </p:txBody>
+      </p:sp>
+    </p:spTree>
+    <p:extLst>
+      <p:ext uri="{BB962C8B-B14F-4D97-AF65-F5344CB8AC3E}">
+        <p14:creationId xmlns:p14="http://schemas.microsoft.com/office/powerpoint/2010/main" val="109453928"/>
+      </p:ext>
+    </p:extLst>
+  </p:cSld>
+  <p:clrMapOvr>
+    <a:masterClrMapping/>
+  </p:clrMapOvr>
+</p:notes>
+</file>
+
+<file path=ppt/notesSlides/notesSlide11.xml><?xml version="1.0" encoding="utf-8"?>
+<p:notes xmlns:a="http://schemas.openxmlformats.org/drawingml/2006/main" xmlns:r="http://schemas.openxmlformats.org/officeDocument/2006/relationships" xmlns:p="http://schemas.openxmlformats.org/presentationml/2006/main">
+  <p:cSld>
+    <p:spTree>
+      <p:nvGrpSpPr>
+        <p:cNvPr id="1" name=""/>
+        <p:cNvGrpSpPr/>
+        <p:nvPr/>
+      </p:nvGrpSpPr>
+      <p:grpSpPr>
+        <a:xfrm>
+          <a:off x="0" y="0"/>
+          <a:ext cx="0" cy="0"/>
+          <a:chOff x="0" y="0"/>
+          <a:chExt cx="0" cy="0"/>
+        </a:xfrm>
+      </p:grpSpPr>
+      <p:sp>
+        <p:nvSpPr>
+          <p:cNvPr id="2" name="Folienbildplatzhalter 1"/>
+          <p:cNvSpPr>
+            <a:spLocks noGrp="1" noRot="1" noChangeAspect="1"/>
+          </p:cNvSpPr>
+          <p:nvPr>
+            <p:ph type="sldImg"/>
+          </p:nvPr>
+        </p:nvSpPr>
+        <p:spPr/>
+      </p:sp>
+      <p:sp>
+        <p:nvSpPr>
+          <p:cNvPr id="3" name="Notizenplatzhalter 2"/>
+          <p:cNvSpPr>
+            <a:spLocks noGrp="1"/>
+          </p:cNvSpPr>
+          <p:nvPr>
+            <p:ph type="body" idx="1"/>
+          </p:nvPr>
+        </p:nvSpPr>
+        <p:spPr/>
+        <p:txBody>
+          <a:bodyPr/>
+          <a:lstStyle/>
+          <a:p>
+            <a:endParaRPr lang="de-DE" dirty="0"/>
+          </a:p>
+        </p:txBody>
+      </p:sp>
+      <p:sp>
+        <p:nvSpPr>
+          <p:cNvPr id="4" name="Foliennummernplatzhalter 3"/>
+          <p:cNvSpPr>
+            <a:spLocks noGrp="1"/>
+          </p:cNvSpPr>
+          <p:nvPr>
+            <p:ph type="sldNum" sz="quarter" idx="5"/>
+          </p:nvPr>
+        </p:nvSpPr>
+        <p:spPr/>
+        <p:txBody>
+          <a:bodyPr/>
+          <a:lstStyle/>
+          <a:p>
+            <a:fld id="{28D422E8-2025-4E88-B448-A26268B25EC5}" type="slidenum">
+              <a:rPr lang="de-DE" smtClean="0"/>
+              <a:t>11</a:t>
             </a:fld>
             <a:endParaRPr lang="de-DE"/>
           </a:p>
@@ -1106,17 +1205,8 @@
           <a:p>
             <a:r>
               <a:rPr lang="de-DE" dirty="0"/>
-              <a:t>Die POC mit </a:t>
-            </a:r>
-            <a:r>
-              <a:rPr lang="de-DE" sz="1200" b="0" dirty="0" err="1"/>
-              <a:t>Priority</a:t>
-            </a:r>
-            <a:r>
-              <a:rPr lang="de-DE" sz="1200" b="0" dirty="0"/>
-              <a:t> decken die kern Funktionalitäten unseres Systems ab und wurden demensprechen eingeteilt. Die POCs decken sich ebenfalls mit unseren Use Cases.</a:t>
-            </a:r>
-            <a:endParaRPr lang="de-DE" b="0" dirty="0"/>
+              <a:t>Wir haben uns für diese Use-Cases entschieden, da wir diese als die Grundfunktionalitäten für unseren Prototypen identifiziert haben. Nach letztem Feedback werden wir den Use-Case „Login“ mit dem Use-Case „Publish“ ersetzen, da dieser für unser System relevanter ist. Aus Zeitgründen werden wir diesen Use-Case jedoch erst für Audit 4 modellieren, da dieser für unser Weiterarbeiten vorerst nicht wichtig ist und wir ihn daher gering priorisieren. </a:t>
+            </a:r>
           </a:p>
         </p:txBody>
       </p:sp>
@@ -1146,7 +1236,7 @@
     </p:spTree>
     <p:extLst>
       <p:ext uri="{BB962C8B-B14F-4D97-AF65-F5344CB8AC3E}">
-        <p14:creationId xmlns:p14="http://schemas.microsoft.com/office/powerpoint/2010/main" val="2616213806"/>
+        <p14:creationId xmlns:p14="http://schemas.microsoft.com/office/powerpoint/2010/main" val="4044938931"/>
       </p:ext>
     </p:extLst>
   </p:cSld>
@@ -1202,218 +1292,17 @@
           <a:p>
             <a:r>
               <a:rPr lang="de-DE" dirty="0"/>
-              <a:t>Upload eines Bildes</a:t>
-            </a:r>
-          </a:p>
-          <a:p>
-            <a:r>
-              <a:rPr lang="de-DE" dirty="0"/>
-              <a:t>Ablauf: Beim diesem POC ist geplant, dass er neben der Verarbeitung der gängigen </a:t>
-            </a:r>
-            <a:r>
-              <a:rPr lang="de-DE" dirty="0" err="1"/>
-              <a:t>Bildatei</a:t>
-            </a:r>
-            <a:r>
-              <a:rPr lang="de-DE" dirty="0"/>
-              <a:t> ebenso einige der für das System relevanten Metadaten der digitalisierten </a:t>
-            </a:r>
-            <a:r>
-              <a:rPr lang="de-DE" dirty="0" err="1"/>
-              <a:t>Bildatei</a:t>
-            </a:r>
-            <a:r>
-              <a:rPr lang="de-DE" dirty="0"/>
-              <a:t> verarbeitet. Als gängige </a:t>
-            </a:r>
-            <a:r>
-              <a:rPr lang="de-DE" dirty="0" err="1"/>
-              <a:t>Bildateien</a:t>
-            </a:r>
-            <a:r>
-              <a:rPr lang="de-DE" dirty="0"/>
-              <a:t> sind uns </a:t>
-            </a:r>
-            <a:r>
-              <a:rPr lang="de-DE" dirty="0" err="1"/>
-              <a:t>png</a:t>
-            </a:r>
-            <a:r>
-              <a:rPr lang="de-DE" dirty="0"/>
-              <a:t>, </a:t>
-            </a:r>
-            <a:r>
-              <a:rPr lang="de-DE" dirty="0" err="1"/>
-              <a:t>jpeg</a:t>
-            </a:r>
-            <a:r>
-              <a:rPr lang="de-DE" dirty="0"/>
-              <a:t> sowie </a:t>
-            </a:r>
-            <a:r>
-              <a:rPr lang="de-DE" dirty="0" err="1"/>
-              <a:t>webp</a:t>
-            </a:r>
-            <a:r>
-              <a:rPr lang="de-DE" dirty="0"/>
-              <a:t> geläufig und bei Recherchen zu Bildverarbeitung durch </a:t>
-            </a:r>
-            <a:r>
-              <a:rPr lang="de-DE" dirty="0" err="1"/>
-              <a:t>Kotlin</a:t>
-            </a:r>
-            <a:r>
-              <a:rPr lang="de-DE" dirty="0"/>
-              <a:t>, haben wir diese Formate als </a:t>
-            </a:r>
-            <a:r>
-              <a:rPr lang="de-DE" dirty="0" err="1"/>
-              <a:t>standart</a:t>
-            </a:r>
-            <a:r>
-              <a:rPr lang="de-DE" dirty="0"/>
-              <a:t> verarbeitbare Formate Identifiziert. Als relevante Metadaten haben wir die Auflösung, Bildformat, Uploader identifiziert, diese dienen vor allem zur Qualitätskontrolle, zum Verarbeiten und zum Zuordnen.</a:t>
-            </a:r>
-          </a:p>
-          <a:p>
-            <a:r>
-              <a:rPr lang="de-DE" dirty="0"/>
-              <a:t>Exit-Kriterien, Fail- Kriterien: Ergeben sich aus dem Ablauf des POCs</a:t>
-            </a:r>
-          </a:p>
-          <a:p>
-            <a:r>
-              <a:rPr lang="de-DE" dirty="0" err="1"/>
-              <a:t>Fallback</a:t>
-            </a:r>
-            <a:r>
-              <a:rPr lang="de-DE" dirty="0"/>
-              <a:t>: Der </a:t>
-            </a:r>
-            <a:r>
-              <a:rPr lang="de-DE" dirty="0" err="1"/>
-              <a:t>Fallback</a:t>
-            </a:r>
-            <a:r>
-              <a:rPr lang="de-DE" dirty="0"/>
-              <a:t> des </a:t>
-            </a:r>
-            <a:r>
-              <a:rPr lang="de-DE" dirty="0" err="1"/>
-              <a:t>Bilderuplads</a:t>
-            </a:r>
-            <a:r>
-              <a:rPr lang="de-DE" dirty="0"/>
-              <a:t> per Fehlermeldung soll es ermöglichen das der User immer sein Upload aus seiner Sicht erledigen kann oder wenn nötig weiß das er dies z.B. später ohne Probleme erledigen kann. Das System kann bei Störungen nicht auf alternative Funktionalitäten zurückgreifen, da der Upload als Kernfunktionalität nicht angemessen genug ersetzt werden könnte.</a:t>
-            </a:r>
-          </a:p>
-          <a:p>
-            <a:r>
-              <a:rPr lang="de-DE" dirty="0"/>
-              <a:t>Ein Fehler beim verarbeiten der Metadaten der Bilder darf den wesentlich wichtigeren Ablauf des POC nicht stören, da diese wenn nötig auch zu einem späteren Zeitpunkt ergänzt werden können.</a:t>
-            </a:r>
-          </a:p>
-          <a:p>
-            <a:r>
-              <a:rPr lang="de-DE" dirty="0"/>
-              <a:t>Die Begrenzung der </a:t>
-            </a:r>
-            <a:r>
-              <a:rPr lang="de-DE" dirty="0" err="1"/>
-              <a:t>Uploadbaren</a:t>
-            </a:r>
-            <a:r>
-              <a:rPr lang="de-DE" dirty="0"/>
-              <a:t> </a:t>
-            </a:r>
-            <a:r>
-              <a:rPr lang="de-DE" dirty="0" err="1"/>
-              <a:t>Bilformate</a:t>
-            </a:r>
-            <a:r>
-              <a:rPr lang="de-DE" dirty="0"/>
-              <a:t> auf z.B. nur </a:t>
-            </a:r>
-            <a:r>
-              <a:rPr lang="de-DE" dirty="0" err="1"/>
-              <a:t>jpq</a:t>
-            </a:r>
-            <a:r>
-              <a:rPr lang="de-DE" dirty="0"/>
-              <a:t> ist eine Option um die Funktionalität zusichern, würde aber auch die User Experimente negativ einfließen.</a:t>
-            </a:r>
-          </a:p>
-          <a:p>
-            <a:r>
-              <a:rPr lang="de-DE" dirty="0"/>
-              <a:t>Gelaufener POC: Der </a:t>
-            </a:r>
-            <a:r>
-              <a:rPr lang="de-DE" dirty="0" err="1"/>
-              <a:t>Úpload</a:t>
-            </a:r>
-            <a:r>
-              <a:rPr lang="de-DE" dirty="0"/>
-              <a:t> des Bilds hat geklappt, jedoch ist aus Zeitgründen die Speicherung und die gängigen Bildformate wie im </a:t>
-            </a:r>
-            <a:r>
-              <a:rPr lang="de-DE" dirty="0" err="1"/>
-              <a:t>Fallback</a:t>
-            </a:r>
-            <a:r>
-              <a:rPr lang="de-DE" dirty="0"/>
-              <a:t> definiert nicht enthalten.</a:t>
-            </a:r>
-          </a:p>
-          <a:p>
-            <a:r>
-              <a:rPr lang="de-DE" dirty="0"/>
-              <a:t>Aufruf eines gespeicherten Bildes</a:t>
-            </a:r>
-          </a:p>
-          <a:p>
-            <a:r>
-              <a:rPr lang="de-DE" dirty="0"/>
-              <a:t>Bei diesem POC soll sichergestellt werden das die User des User-Contents eine entsprechende Anzeige erhalten, um eine Irritation zu verhindern. </a:t>
-            </a:r>
-          </a:p>
-          <a:p>
-            <a:r>
-              <a:rPr lang="de-DE" dirty="0"/>
-              <a:t>Gelaufener POC: Durch Probleme </a:t>
-            </a:r>
-            <a:r>
-              <a:rPr lang="de-DE"/>
-              <a:t>bei </a:t>
-            </a:r>
-            <a:r>
-              <a:rPr lang="de-DE" dirty="0"/>
-              <a:t>Z</a:t>
-            </a:r>
-            <a:r>
-              <a:rPr lang="de-DE"/>
-              <a:t>ugriffsrechten </a:t>
-            </a:r>
-            <a:r>
-              <a:rPr lang="de-DE" dirty="0"/>
-              <a:t>unter Android und Fehler beim schreiben in der </a:t>
-            </a:r>
-            <a:r>
-              <a:rPr lang="de-DE" dirty="0" err="1"/>
-              <a:t>realtime</a:t>
-            </a:r>
-            <a:r>
-              <a:rPr lang="de-DE" dirty="0"/>
-              <a:t> Datenbank, wird das Bild aus dem </a:t>
-            </a:r>
-            <a:r>
-              <a:rPr lang="de-DE" dirty="0" err="1"/>
-              <a:t>programm</a:t>
-            </a:r>
-            <a:r>
-              <a:rPr lang="de-DE" dirty="0"/>
-              <a:t> Speicher zur Laufzeit geladen.</a:t>
-            </a:r>
+              <a:t>Die POC mit </a:t>
+            </a:r>
+            <a:r>
+              <a:rPr lang="de-DE" sz="1200" b="0" dirty="0" err="1"/>
+              <a:t>Priority</a:t>
+            </a:r>
+            <a:r>
+              <a:rPr lang="de-DE" sz="1200" b="0" dirty="0"/>
+              <a:t> decken die kern Funktionalitäten unseres Systems ab und wurden demensprechen eingeteilt. Die POCs decken sich ebenfalls mit unseren Use Cases.</a:t>
+            </a:r>
+            <a:endParaRPr lang="de-DE" b="0" dirty="0"/>
           </a:p>
         </p:txBody>
       </p:sp>
@@ -1443,7 +1332,7 @@
     </p:spTree>
     <p:extLst>
       <p:ext uri="{BB962C8B-B14F-4D97-AF65-F5344CB8AC3E}">
-        <p14:creationId xmlns:p14="http://schemas.microsoft.com/office/powerpoint/2010/main" val="2618932596"/>
+        <p14:creationId xmlns:p14="http://schemas.microsoft.com/office/powerpoint/2010/main" val="2616213806"/>
       </p:ext>
     </p:extLst>
   </p:cSld>
@@ -1497,97 +1386,220 @@
           <a:bodyPr/>
           <a:lstStyle/>
           <a:p>
-            <a:pPr marL="0" marR="0" lvl="0" indent="0" algn="l" defTabSz="914400" rtl="0" eaLnBrk="1" fontAlgn="auto" latinLnBrk="0" hangingPunct="1">
-              <a:lnSpc>
-                <a:spcPct val="100000"/>
-              </a:lnSpc>
-              <a:spcBef>
-                <a:spcPts val="0"/>
-              </a:spcBef>
-              <a:spcAft>
-                <a:spcPts val="0"/>
-              </a:spcAft>
-              <a:buClrTx/>
-              <a:buSzTx/>
-              <a:buFontTx/>
-              <a:buNone/>
-              <a:tabLst/>
-              <a:defRPr/>
-            </a:pPr>
-            <a:r>
-              <a:rPr lang="de-DE" b="0" i="0" dirty="0">
-                <a:solidFill>
-                  <a:srgbClr val="374151"/>
-                </a:solidFill>
-                <a:effectLst/>
-                <a:latin typeface="Söhne"/>
-              </a:rPr>
-              <a:t>Dieser Code implementiert eine Pub/Sub-Funktionalität für eine Android-App. Es gibt zwei Schaltflächen in der Benutzeroberfläche, eine zum Abonnieren (</a:t>
-            </a:r>
-            <a:r>
-              <a:rPr lang="de-DE" b="0" i="0" dirty="0" err="1">
-                <a:solidFill>
-                  <a:srgbClr val="374151"/>
-                </a:solidFill>
-                <a:effectLst/>
-                <a:latin typeface="Söhne"/>
-              </a:rPr>
-              <a:t>subscribe</a:t>
-            </a:r>
-            <a:r>
-              <a:rPr lang="de-DE" b="0" i="0" dirty="0">
-                <a:solidFill>
-                  <a:srgbClr val="374151"/>
-                </a:solidFill>
-                <a:effectLst/>
-                <a:latin typeface="Söhne"/>
-              </a:rPr>
-              <a:t>) und eine zum Veröffentlichen (publish). Beim Klicken auf die Schaltfläche „</a:t>
-            </a:r>
-            <a:r>
-              <a:rPr lang="de-DE" b="0" i="0" dirty="0" err="1">
-                <a:solidFill>
-                  <a:srgbClr val="374151"/>
-                </a:solidFill>
-                <a:effectLst/>
-                <a:latin typeface="Söhne"/>
-              </a:rPr>
-              <a:t>Subscribe</a:t>
-            </a:r>
-            <a:r>
-              <a:rPr lang="de-DE" b="0" i="0" dirty="0">
-                <a:solidFill>
-                  <a:srgbClr val="374151"/>
-                </a:solidFill>
-                <a:effectLst/>
-                <a:latin typeface="Söhne"/>
-              </a:rPr>
-              <a:t>" wird geprüft, ob der Benutzername bereits in der Liste der Abonnenten enthalten ist. Wenn nicht, wird der Benutzername zur Liste hinzugefügt. Wenn der Benutzername bereits in der Liste vorhanden ist, wird er aus der Liste entfernt und eine Meldung „</a:t>
-            </a:r>
-            <a:r>
-              <a:rPr lang="de-DE" b="0" i="0" dirty="0" err="1">
-                <a:solidFill>
-                  <a:srgbClr val="374151"/>
-                </a:solidFill>
-                <a:effectLst/>
-                <a:latin typeface="Söhne"/>
-              </a:rPr>
-              <a:t>Unsubscribed</a:t>
-            </a:r>
-            <a:r>
-              <a:rPr lang="de-DE" b="0" i="0" dirty="0">
-                <a:solidFill>
-                  <a:srgbClr val="374151"/>
-                </a:solidFill>
-                <a:effectLst/>
-                <a:latin typeface="Söhne"/>
-              </a:rPr>
-              <a:t>" angezeigt. Beim Klicken auf die Schaltfläche "Veröffentlichen" soll ein Abonnent die Möglichkeit haben, ein Bild zu einer  Stadt hochzuladen und anschließend werden alle Abonnenten in der Liste benachrichtigt. Wenn ein User nicht subscribed ist, hat er nicht die Möglichkeit, ein Bild zu einer Stadt hochzuladen.</a:t>
-            </a:r>
-            <a:endParaRPr lang="de-DE" dirty="0"/>
-          </a:p>
-          <a:p>
-            <a:endParaRPr lang="de-DE" dirty="0"/>
+            <a:r>
+              <a:rPr lang="de-DE" dirty="0"/>
+              <a:t>Upload eines Bildes</a:t>
+            </a:r>
+          </a:p>
+          <a:p>
+            <a:r>
+              <a:rPr lang="de-DE" dirty="0"/>
+              <a:t>Ablauf: Beim diesem POC ist geplant, dass er neben der Verarbeitung der gängigen </a:t>
+            </a:r>
+            <a:r>
+              <a:rPr lang="de-DE" dirty="0" err="1"/>
+              <a:t>Bildatei</a:t>
+            </a:r>
+            <a:r>
+              <a:rPr lang="de-DE" dirty="0"/>
+              <a:t> ebenso einige der für das System relevanten Metadaten der digitalisierten </a:t>
+            </a:r>
+            <a:r>
+              <a:rPr lang="de-DE" dirty="0" err="1"/>
+              <a:t>Bildatei</a:t>
+            </a:r>
+            <a:r>
+              <a:rPr lang="de-DE" dirty="0"/>
+              <a:t> verarbeitet. Als gängige </a:t>
+            </a:r>
+            <a:r>
+              <a:rPr lang="de-DE" dirty="0" err="1"/>
+              <a:t>Bildateien</a:t>
+            </a:r>
+            <a:r>
+              <a:rPr lang="de-DE" dirty="0"/>
+              <a:t> sind uns </a:t>
+            </a:r>
+            <a:r>
+              <a:rPr lang="de-DE" dirty="0" err="1"/>
+              <a:t>png</a:t>
+            </a:r>
+            <a:r>
+              <a:rPr lang="de-DE" dirty="0"/>
+              <a:t>, </a:t>
+            </a:r>
+            <a:r>
+              <a:rPr lang="de-DE" dirty="0" err="1"/>
+              <a:t>jpeg</a:t>
+            </a:r>
+            <a:r>
+              <a:rPr lang="de-DE" dirty="0"/>
+              <a:t> sowie </a:t>
+            </a:r>
+            <a:r>
+              <a:rPr lang="de-DE" dirty="0" err="1"/>
+              <a:t>webp</a:t>
+            </a:r>
+            <a:r>
+              <a:rPr lang="de-DE" dirty="0"/>
+              <a:t> geläufig und bei Recherchen zu Bildverarbeitung durch </a:t>
+            </a:r>
+            <a:r>
+              <a:rPr lang="de-DE" dirty="0" err="1"/>
+              <a:t>Kotlin</a:t>
+            </a:r>
+            <a:r>
+              <a:rPr lang="de-DE" dirty="0"/>
+              <a:t>, haben wir diese Formate als </a:t>
+            </a:r>
+            <a:r>
+              <a:rPr lang="de-DE" dirty="0" err="1"/>
+              <a:t>standart</a:t>
+            </a:r>
+            <a:r>
+              <a:rPr lang="de-DE" dirty="0"/>
+              <a:t> verarbeitbare Formate Identifiziert. Als relevante Metadaten haben wir die Auflösung, Bildformat, Uploader identifiziert, diese dienen vor allem zur Qualitätskontrolle, zum Verarbeiten und zum Zuordnen.</a:t>
+            </a:r>
+          </a:p>
+          <a:p>
+            <a:r>
+              <a:rPr lang="de-DE" dirty="0"/>
+              <a:t>Exit-Kriterien, Fail- Kriterien: Ergeben sich aus dem Ablauf des POCs</a:t>
+            </a:r>
+          </a:p>
+          <a:p>
+            <a:r>
+              <a:rPr lang="de-DE" dirty="0" err="1"/>
+              <a:t>Fallback</a:t>
+            </a:r>
+            <a:r>
+              <a:rPr lang="de-DE" dirty="0"/>
+              <a:t>: Der </a:t>
+            </a:r>
+            <a:r>
+              <a:rPr lang="de-DE" dirty="0" err="1"/>
+              <a:t>Fallback</a:t>
+            </a:r>
+            <a:r>
+              <a:rPr lang="de-DE" dirty="0"/>
+              <a:t> des </a:t>
+            </a:r>
+            <a:r>
+              <a:rPr lang="de-DE" dirty="0" err="1"/>
+              <a:t>Bilderuplads</a:t>
+            </a:r>
+            <a:r>
+              <a:rPr lang="de-DE" dirty="0"/>
+              <a:t> per Fehlermeldung soll es ermöglichen das der User immer sein Upload aus seiner Sicht erledigen kann oder wenn nötig weiß das er dies z.B. später ohne Probleme erledigen kann. Das System kann bei Störungen nicht auf alternative Funktionalitäten zurückgreifen, da der Upload als Kernfunktionalität nicht angemessen genug ersetzt werden könnte.</a:t>
+            </a:r>
+          </a:p>
+          <a:p>
+            <a:r>
+              <a:rPr lang="de-DE" dirty="0"/>
+              <a:t>Ein Fehler beim verarbeiten der Metadaten der Bilder darf den wesentlich wichtigeren Ablauf des POC nicht stören, da diese wenn nötig auch zu einem späteren Zeitpunkt ergänzt werden können.</a:t>
+            </a:r>
+          </a:p>
+          <a:p>
+            <a:r>
+              <a:rPr lang="de-DE" dirty="0"/>
+              <a:t>Die Begrenzung der </a:t>
+            </a:r>
+            <a:r>
+              <a:rPr lang="de-DE" dirty="0" err="1"/>
+              <a:t>Uploadbaren</a:t>
+            </a:r>
+            <a:r>
+              <a:rPr lang="de-DE" dirty="0"/>
+              <a:t> </a:t>
+            </a:r>
+            <a:r>
+              <a:rPr lang="de-DE" dirty="0" err="1"/>
+              <a:t>Bilformate</a:t>
+            </a:r>
+            <a:r>
+              <a:rPr lang="de-DE" dirty="0"/>
+              <a:t> auf z.B. nur </a:t>
+            </a:r>
+            <a:r>
+              <a:rPr lang="de-DE" dirty="0" err="1"/>
+              <a:t>jpq</a:t>
+            </a:r>
+            <a:r>
+              <a:rPr lang="de-DE" dirty="0"/>
+              <a:t> ist eine Option um die Funktionalität zusichern, würde aber auch die User Experimente negativ einfließen.</a:t>
+            </a:r>
+          </a:p>
+          <a:p>
+            <a:r>
+              <a:rPr lang="de-DE" dirty="0"/>
+              <a:t>Gelaufener POC: Der </a:t>
+            </a:r>
+            <a:r>
+              <a:rPr lang="de-DE" dirty="0" err="1"/>
+              <a:t>Úpload</a:t>
+            </a:r>
+            <a:r>
+              <a:rPr lang="de-DE" dirty="0"/>
+              <a:t> des Bilds hat geklappt, jedoch ist aus Zeitgründen die Speicherung und die gängigen Bildformate wie im </a:t>
+            </a:r>
+            <a:r>
+              <a:rPr lang="de-DE" dirty="0" err="1"/>
+              <a:t>Fallback</a:t>
+            </a:r>
+            <a:r>
+              <a:rPr lang="de-DE" dirty="0"/>
+              <a:t> definiert nicht enthalten.</a:t>
+            </a:r>
+          </a:p>
+          <a:p>
+            <a:r>
+              <a:rPr lang="de-DE" dirty="0"/>
+              <a:t>Aufruf eines gespeicherten Bildes</a:t>
+            </a:r>
+          </a:p>
+          <a:p>
+            <a:r>
+              <a:rPr lang="de-DE" dirty="0"/>
+              <a:t>Bei diesem POC soll sichergestellt werden das die User des User-Contents eine entsprechende Anzeige erhalten, um eine Irritation zu verhindern. </a:t>
+            </a:r>
+          </a:p>
+          <a:p>
+            <a:r>
+              <a:rPr lang="de-DE" dirty="0"/>
+              <a:t>Gelaufener POC: Durch Probleme </a:t>
+            </a:r>
+            <a:r>
+              <a:rPr lang="de-DE"/>
+              <a:t>bei </a:t>
+            </a:r>
+            <a:r>
+              <a:rPr lang="de-DE" dirty="0"/>
+              <a:t>Z</a:t>
+            </a:r>
+            <a:r>
+              <a:rPr lang="de-DE"/>
+              <a:t>ugriffsrechten </a:t>
+            </a:r>
+            <a:r>
+              <a:rPr lang="de-DE" dirty="0"/>
+              <a:t>unter Android und Fehler beim schreiben in der </a:t>
+            </a:r>
+            <a:r>
+              <a:rPr lang="de-DE" dirty="0" err="1"/>
+              <a:t>realtime</a:t>
+            </a:r>
+            <a:r>
+              <a:rPr lang="de-DE" dirty="0"/>
+              <a:t> Datenbank, wird das Bild aus dem </a:t>
+            </a:r>
+            <a:r>
+              <a:rPr lang="de-DE" dirty="0" err="1"/>
+              <a:t>programm</a:t>
+            </a:r>
+            <a:r>
+              <a:rPr lang="de-DE" dirty="0"/>
+              <a:t> Speicher zur Laufzeit geladen.</a:t>
+            </a:r>
           </a:p>
         </p:txBody>
       </p:sp>
@@ -1617,7 +1629,7 @@
     </p:spTree>
     <p:extLst>
       <p:ext uri="{BB962C8B-B14F-4D97-AF65-F5344CB8AC3E}">
-        <p14:creationId xmlns:p14="http://schemas.microsoft.com/office/powerpoint/2010/main" val="2321389857"/>
+        <p14:creationId xmlns:p14="http://schemas.microsoft.com/office/powerpoint/2010/main" val="2618932596"/>
       </p:ext>
     </p:extLst>
   </p:cSld>
@@ -1646,7 +1658,7 @@
       </p:grpSpPr>
       <p:sp>
         <p:nvSpPr>
-          <p:cNvPr id="2" name="Slide Image Placeholder 1"/>
+          <p:cNvPr id="2" name="Folienbildplatzhalter 1"/>
           <p:cNvSpPr>
             <a:spLocks noGrp="1" noRot="1" noChangeAspect="1"/>
           </p:cNvSpPr>
@@ -1658,7 +1670,7 @@
       </p:sp>
       <p:sp>
         <p:nvSpPr>
-          <p:cNvPr id="3" name="Notes Placeholder 2"/>
+          <p:cNvPr id="3" name="Notizenplatzhalter 2"/>
           <p:cNvSpPr>
             <a:spLocks noGrp="1"/>
           </p:cNvSpPr>
@@ -1671,16 +1683,103 @@
           <a:bodyPr/>
           <a:lstStyle/>
           <a:p>
-            <a:r>
-              <a:rPr lang="de-DE" noProof="0" dirty="0"/>
-              <a:t>Im Rahmen des Login PoCs stand im Raum das Speichern und den Vergleich von Passwörtern mittels hash-codes umzusetzen. Selbstverständlich dürfen Passwörter nicht in Klartext gespeichert werden, allerdings fehlte us die Zeit sich mit dem Thema auseinanderzusetzen. Da wir aber auschlieslich mit Dummy-Usern und demnach Dummy-Passwörtern arbeiten, ist das Speichern dieser in Klartext zu verzeihen. Der PoC diente dann daraufhin die Deserialisation einer JSON Datei mit den Usernamen und Passwörten zu einer Liste mit Userobjekten zu erproben. Dies war erfolgreich und diese Funktionalität wird auch im Prototypen wiedeverwendet. Wäre dies nicht erfolgreich gewesen hätte einen einzelnen User fest erzeugt und den Login übersprungen oder eine Userliste zur Laufzeit fest erzeugt und damit den Login simuliert.</a:t>
-            </a:r>
-          </a:p>
-        </p:txBody>
-      </p:sp>
-      <p:sp>
-        <p:nvSpPr>
-          <p:cNvPr id="4" name="Slide Number Placeholder 3"/>
+            <a:pPr marL="0" marR="0" lvl="0" indent="0" algn="l" defTabSz="914400" rtl="0" eaLnBrk="1" fontAlgn="auto" latinLnBrk="0" hangingPunct="1">
+              <a:lnSpc>
+                <a:spcPct val="100000"/>
+              </a:lnSpc>
+              <a:spcBef>
+                <a:spcPts val="0"/>
+              </a:spcBef>
+              <a:spcAft>
+                <a:spcPts val="0"/>
+              </a:spcAft>
+              <a:buClrTx/>
+              <a:buSzTx/>
+              <a:buFontTx/>
+              <a:buNone/>
+              <a:tabLst/>
+              <a:defRPr/>
+            </a:pPr>
+            <a:r>
+              <a:rPr lang="de-DE" b="0" i="0" dirty="0">
+                <a:solidFill>
+                  <a:srgbClr val="374151"/>
+                </a:solidFill>
+                <a:effectLst/>
+                <a:latin typeface="Söhne"/>
+              </a:rPr>
+              <a:t>Dieser Code implementiert eine Pub/Sub-Funktionalität für eine Android-App. Es gibt zwei Schaltflächen in der Benutzeroberfläche, eine zum Abonnieren (</a:t>
+            </a:r>
+            <a:r>
+              <a:rPr lang="de-DE" b="0" i="0" dirty="0" err="1">
+                <a:solidFill>
+                  <a:srgbClr val="374151"/>
+                </a:solidFill>
+                <a:effectLst/>
+                <a:latin typeface="Söhne"/>
+              </a:rPr>
+              <a:t>subscribe</a:t>
+            </a:r>
+            <a:r>
+              <a:rPr lang="de-DE" b="0" i="0" dirty="0">
+                <a:solidFill>
+                  <a:srgbClr val="374151"/>
+                </a:solidFill>
+                <a:effectLst/>
+                <a:latin typeface="Söhne"/>
+              </a:rPr>
+              <a:t>) und eine zum Veröffentlichen (publish). Beim Klicken auf die Schaltfläche „</a:t>
+            </a:r>
+            <a:r>
+              <a:rPr lang="de-DE" b="0" i="0" dirty="0" err="1">
+                <a:solidFill>
+                  <a:srgbClr val="374151"/>
+                </a:solidFill>
+                <a:effectLst/>
+                <a:latin typeface="Söhne"/>
+              </a:rPr>
+              <a:t>Subscribe</a:t>
+            </a:r>
+            <a:r>
+              <a:rPr lang="de-DE" b="0" i="0" dirty="0">
+                <a:solidFill>
+                  <a:srgbClr val="374151"/>
+                </a:solidFill>
+                <a:effectLst/>
+                <a:latin typeface="Söhne"/>
+              </a:rPr>
+              <a:t>" wird geprüft, ob der Benutzername bereits in der Liste der Abonnenten enthalten ist. Wenn nicht, wird der Benutzername zur Liste hinzugefügt. Wenn der Benutzername bereits in der Liste vorhanden ist, wird er aus der Liste entfernt und eine Meldung „</a:t>
+            </a:r>
+            <a:r>
+              <a:rPr lang="de-DE" b="0" i="0" dirty="0" err="1">
+                <a:solidFill>
+                  <a:srgbClr val="374151"/>
+                </a:solidFill>
+                <a:effectLst/>
+                <a:latin typeface="Söhne"/>
+              </a:rPr>
+              <a:t>Unsubscribed</a:t>
+            </a:r>
+            <a:r>
+              <a:rPr lang="de-DE" b="0" i="0" dirty="0">
+                <a:solidFill>
+                  <a:srgbClr val="374151"/>
+                </a:solidFill>
+                <a:effectLst/>
+                <a:latin typeface="Söhne"/>
+              </a:rPr>
+              <a:t>" angezeigt. Beim Klicken auf die Schaltfläche "Veröffentlichen" soll ein Abonnent die Möglichkeit haben, ein Bild zu einer  Stadt hochzuladen und anschließend werden alle Abonnenten in der Liste benachrichtigt. Wenn ein User nicht subscribed ist, hat er nicht die Möglichkeit, ein Bild zu einer Stadt hochzuladen.</a:t>
+            </a:r>
+            <a:endParaRPr lang="de-DE" dirty="0"/>
+          </a:p>
+          <a:p>
+            <a:endParaRPr lang="de-DE" dirty="0"/>
+          </a:p>
+        </p:txBody>
+      </p:sp>
+      <p:sp>
+        <p:nvSpPr>
+          <p:cNvPr id="4" name="Foliennummernplatzhalter 3"/>
           <p:cNvSpPr>
             <a:spLocks noGrp="1"/>
           </p:cNvSpPr>
@@ -1704,7 +1803,7 @@
     </p:spTree>
     <p:extLst>
       <p:ext uri="{BB962C8B-B14F-4D97-AF65-F5344CB8AC3E}">
-        <p14:creationId xmlns:p14="http://schemas.microsoft.com/office/powerpoint/2010/main" val="3932912972"/>
+        <p14:creationId xmlns:p14="http://schemas.microsoft.com/office/powerpoint/2010/main" val="2321389857"/>
       </p:ext>
     </p:extLst>
   </p:cSld>
@@ -1733,7 +1832,7 @@
       </p:grpSpPr>
       <p:sp>
         <p:nvSpPr>
-          <p:cNvPr id="2" name="Folienbildplatzhalter 1"/>
+          <p:cNvPr id="2" name="Slide Image Placeholder 1"/>
           <p:cNvSpPr>
             <a:spLocks noGrp="1" noRot="1" noChangeAspect="1"/>
           </p:cNvSpPr>
@@ -1745,7 +1844,7 @@
       </p:sp>
       <p:sp>
         <p:nvSpPr>
-          <p:cNvPr id="3" name="Notizenplatzhalter 2"/>
+          <p:cNvPr id="3" name="Notes Placeholder 2"/>
           <p:cNvSpPr>
             <a:spLocks noGrp="1"/>
           </p:cNvSpPr>
@@ -1759,56 +1858,15 @@
           <a:lstStyle/>
           <a:p>
             <a:r>
-              <a:rPr lang="de-DE" dirty="0"/>
-              <a:t>Quelle zum Bild: https://github.com/sebastiankoch10/EPWS2223HausenKochZimmer/blob/639b4999fcf3b82715c466e36d7729fe9b0d42e7/Modellierungen/Klassendiagramm.PNG</a:t>
-            </a:r>
-          </a:p>
-          <a:p>
-            <a:endParaRPr lang="de-DE" dirty="0"/>
-          </a:p>
-          <a:p>
-            <a:r>
-              <a:rPr lang="de-DE" dirty="0"/>
-              <a:t>Im Rahmen der Modellierungen für das System wurde ein Klassendiagramm angefertigt, um damit festzulegen welche Informationen und Daten abgespeichert werden. Außerdem erfolgt hierdurch eine klare Struktur des Systems, es wird ersichtlich, dass zur Speicherung der Daten zwei Listen ausreichen. Eine Liste aller Städte, die jeweils die Bilder, Geschichten und ihr Forum beinhalten und eine Liste aller User.</a:t>
-            </a:r>
-          </a:p>
-          <a:p>
-            <a:br>
-              <a:rPr lang="de-DE" dirty="0"/>
-            </a:br>
-            <a:r>
-              <a:rPr lang="de-DE" dirty="0"/>
-              <a:t>Im Zuge der Programmierung der PoCs und des Prototypen durchlief das Diagramm einige Iterationen. So wurde zunächst vorgesehen, dass die unterschiedlichen Rollen der User als Erben implementiert werden. Da aber sich keine einzigartigen Attribute für diese Rollen ergeben haben, wurde darauf verzichtet und die Rolle wird als einfacher String gespeichert. Beim Aufruf einer Funktion, die eine bestimmte Rolle benötigt, wird dieses Attribut des aktuellen Users geprüft. Die vorgesehenen Rollen sind regulärer User, blockierter User, Experte (Verifikation), Moderator (Löschen von Beiträgen) und Administrator (Rollenzuweisung). </a:t>
-            </a:r>
-            <a:br>
-              <a:rPr lang="de-DE" dirty="0"/>
-            </a:br>
-            <a:r>
-              <a:rPr lang="de-DE" dirty="0"/>
-              <a:t>Außerdem war noch bis zur Programmierung unklar wie die Pub/Sub Funktionalität implementiert wird. Die dabei entwickelten Funktionen und Attribute wurden daraufhin zur Vollständigkeit im Klassendiagramm integriert. </a:t>
-            </a:r>
-            <a:br>
-              <a:rPr lang="de-DE" dirty="0"/>
-            </a:br>
-            <a:r>
-              <a:rPr lang="de-DE" dirty="0"/>
-              <a:t>Schlieslich ist noch aus der Programmierung erfolgt, dass vorher in den Subscriberlisten, Autoren, Uploader, usw. User als Typ vorgesehen waren. Allerdings würde dies dazu führen, dass die User mehrfach abgespeichert werden in diesen jeweiligen Attributen und der allgemeinen Liste aller User. Es ist nun vorgesehen nur die Namen zu speichern und bei Aufruf mit der Userliste zu vergleichen.</a:t>
-            </a:r>
-          </a:p>
-          <a:p>
-            <a:endParaRPr lang="de-DE" dirty="0"/>
-          </a:p>
-          <a:p>
-            <a:r>
-              <a:rPr lang="de-DE" dirty="0"/>
-              <a:t>Die Klassen zur Implementierung eines Forums und Chatfunktionen sind noch grob gehalten, da unklar ist, ob wir diese Funktionen in dem Prototypen implementieren. Sollte dies der Fall sein ist aber damit schon mal eine Grundlage geschaffen, die dann erweitert werden kann.</a:t>
-            </a:r>
-          </a:p>
-        </p:txBody>
-      </p:sp>
-      <p:sp>
-        <p:nvSpPr>
-          <p:cNvPr id="4" name="Foliennummernplatzhalter 3"/>
+              <a:rPr lang="de-DE" noProof="0" dirty="0"/>
+              <a:t>Im Rahmen des Login PoCs stand im Raum das Speichern und den Vergleich von Passwörtern mittels hash-codes umzusetzen. Selbstverständlich dürfen Passwörter nicht in Klartext gespeichert werden, allerdings fehlte us die Zeit sich mit dem Thema auseinanderzusetzen. Da wir aber auschlieslich mit Dummy-Usern und demnach Dummy-Passwörtern arbeiten, ist das Speichern dieser in Klartext zu verzeihen. Der PoC diente dann daraufhin die Deserialisation einer JSON Datei mit den Usernamen und Passwörten zu einer Liste mit Userobjekten zu erproben. Dies war erfolgreich und diese Funktionalität wird auch im Prototypen wiedeverwendet. Wäre dies nicht erfolgreich gewesen hätte einen einzelnen User fest erzeugt und den Login übersprungen oder eine Userliste zur Laufzeit fest erzeugt und damit den Login simuliert.</a:t>
+            </a:r>
+          </a:p>
+        </p:txBody>
+      </p:sp>
+      <p:sp>
+        <p:nvSpPr>
+          <p:cNvPr id="4" name="Slide Number Placeholder 3"/>
           <p:cNvSpPr>
             <a:spLocks noGrp="1"/>
           </p:cNvSpPr>
@@ -1832,7 +1890,7 @@
     </p:spTree>
     <p:extLst>
       <p:ext uri="{BB962C8B-B14F-4D97-AF65-F5344CB8AC3E}">
-        <p14:creationId xmlns:p14="http://schemas.microsoft.com/office/powerpoint/2010/main" val="1078181049"/>
+        <p14:creationId xmlns:p14="http://schemas.microsoft.com/office/powerpoint/2010/main" val="3932912972"/>
       </p:ext>
     </p:extLst>
   </p:cSld>
@@ -1888,17 +1946,48 @@
           <a:p>
             <a:r>
               <a:rPr lang="de-DE" dirty="0"/>
-              <a:t>Im ersten Prototypen wurde versucht die Kernfunktionalitäten des Systems umzusetzen, der Upload von Bildern sowie damit einhergehende Pub/Sub Funktionalität. Die Grundlage für die Lösungsansätze wurden durch die PoCs, die Use Case Spezifikation sowie das Klassendiagramm gegeben. Hier ist anzumerken, dass eine detailliertere Interaktionsmodellierung die Arbeit hätte erleichtern können. Der Login erfolgt nach dem im dazugehörigen PoC getestetem Prinzip. Der damit eingeloggte User wird bis zum Logout zum currentUser. Daraufhin wird eine Liste aller Stadtobjekte geladen und anhand der Heimatstadt des Users die currentStadt gesetzt. Dem User werden daraufhin 4 Buttons angeboten (Upload, Aufruf, Sub/Unsub, Logout). Beim Upload sowie beim Aufruf eines Bildes wird aktuell noch ein hardcoded Bild verwendet. Beim Upload wird der Filepath zu diesem Bild fest verwendet und der Aufruf greift stets auf das erste Bild in der Bilderliste der Stadt zu. Dies gilt es in der weiteren Entwicklung so zu erweitern, dass ein beliebiges Bild hochgeladen und aufgerufen werden kann. Die Pub/Sub Funktionalität ist dahingegen im Grunde vollständig implementiert. Zu bedenken wäre nur ob die Verwaltung der eingegangenen Benachrichtigungen noch zu erweitern ist.</a:t>
-            </a:r>
+              <a:t>Quelle zum Bild: https://github.com/sebastiankoch10/EPWS2223HausenKochZimmer/blob/639b4999fcf3b82715c466e36d7729fe9b0d42e7/Modellierungen/Klassendiagramm.PNG</a:t>
+            </a:r>
+          </a:p>
+          <a:p>
+            <a:endParaRPr lang="de-DE" dirty="0"/>
+          </a:p>
+          <a:p>
+            <a:r>
+              <a:rPr lang="de-DE" dirty="0"/>
+              <a:t>Im Rahmen der Modellierungen für das System wurde ein Klassendiagramm angefertigt, um damit festzulegen welche Informationen und Daten abgespeichert werden. Außerdem erfolgt hierdurch eine klare Struktur des Systems, es wird ersichtlich, dass zur Speicherung der Daten zwei Listen ausreichen. Eine Liste aller Städte, die jeweils die Bilder, Geschichten und ihr Forum beinhalten und eine Liste aller User.</a:t>
+            </a:r>
+          </a:p>
+          <a:p>
             <a:br>
               <a:rPr lang="de-DE" dirty="0"/>
             </a:br>
+            <a:r>
+              <a:rPr lang="de-DE" dirty="0"/>
+              <a:t>Im Zuge der Programmierung der PoCs und des Prototypen durchlief das Diagramm einige Iterationen. So wurde zunächst vorgesehen, dass die unterschiedlichen Rollen der User als Erben implementiert werden. Da aber sich keine einzigartigen Attribute für diese Rollen ergeben haben, wurde darauf verzichtet und die Rolle wird als einfacher String gespeichert. Beim Aufruf einer Funktion, die eine bestimmte Rolle benötigt, wird dieses Attribut des aktuellen Users geprüft. Die vorgesehenen Rollen sind regulärer User, blockierter User, Experte (Verifikation), Moderator (Löschen von Beiträgen) und Administrator (Rollenzuweisung). </a:t>
+            </a:r>
             <a:br>
               <a:rPr lang="de-DE" dirty="0"/>
             </a:br>
             <a:r>
               <a:rPr lang="de-DE" dirty="0"/>
-              <a:t>Ein wichtiger Punkt bei diesem Prototypen ist, dass die Datenverwaltung auschlieslich über JSON erfolgt. So werden (1) die Bildaten zu einem String enkodiert, (2) diese in einem Bildobjekt gespeichert, (3) was Teil eines Stadtobjekts ist, (4) welches Teil einer Liste aus Stadtobjekten ist, (5) die wiederrum zum einem JSON-String enkodiert wird und (6) dieser String wird in eine entsprechende Datei geschrieben. Diese Datei, diese Liste wird zum Beginn der Activity geladen. Dies bedeutet, dass der komplette Inhalt der Datenhaltung in den Speicher geladen wird. Ab einer bestimmten Größe ist dies nicht mehr angemessen. Dieser Problematik sind wir uns bewusst aber wegen des Umfangs unseres Prototypen wird dieser Zustand in Kauf genommen. Die Alternative wäre ein Datenbanksystem einzubinden, darauf wurde aus Zeitgründen verzichtet.</a:t>
+              <a:t>Außerdem war noch bis zur Programmierung unklar wie die Pub/Sub Funktionalität implementiert wird. Die dabei entwickelten Funktionen und Attribute wurden daraufhin zur Vollständigkeit im Klassendiagramm integriert. </a:t>
+            </a:r>
+            <a:br>
+              <a:rPr lang="de-DE" dirty="0"/>
+            </a:br>
+            <a:r>
+              <a:rPr lang="de-DE" dirty="0"/>
+              <a:t>Schlieslich ist noch aus der Programmierung erfolgt, dass vorher in den Subscriberlisten, Autoren, Uploader, usw. User als Typ vorgesehen waren. Allerdings würde dies dazu führen, dass die User mehrfach abgespeichert werden in diesen jeweiligen Attributen und der allgemeinen Liste aller User. Es ist nun vorgesehen nur die Namen zu speichern und bei Aufruf mit der Userliste zu vergleichen.</a:t>
+            </a:r>
+          </a:p>
+          <a:p>
+            <a:endParaRPr lang="de-DE" dirty="0"/>
+          </a:p>
+          <a:p>
+            <a:r>
+              <a:rPr lang="de-DE" dirty="0"/>
+              <a:t>Die Klassen zur Implementierung eines Forums und Chatfunktionen sind noch grob gehalten, da unklar ist, ob wir diese Funktionen in dem Prototypen implementieren. Sollte dies der Fall sein ist aber damit schon mal eine Grundlage geschaffen, die dann erweitert werden kann.</a:t>
             </a:r>
           </a:p>
         </p:txBody>
@@ -1929,7 +2018,7 @@
     </p:spTree>
     <p:extLst>
       <p:ext uri="{BB962C8B-B14F-4D97-AF65-F5344CB8AC3E}">
-        <p14:creationId xmlns:p14="http://schemas.microsoft.com/office/powerpoint/2010/main" val="109453928"/>
+        <p14:creationId xmlns:p14="http://schemas.microsoft.com/office/powerpoint/2010/main" val="1078181049"/>
       </p:ext>
     </p:extLst>
   </p:cSld>
@@ -5595,15 +5684,7 @@
           <a:p>
             <a:r>
               <a:rPr lang="de-DE" dirty="0"/>
-              <a:t>Audit 4 </a:t>
-            </a:r>
-            <a:r>
-              <a:rPr lang="de-DE" dirty="0" err="1"/>
-              <a:t>Deliverables</a:t>
-            </a:r>
-            <a:r>
-              <a:rPr lang="de-DE" dirty="0"/>
-              <a:t> </a:t>
+              <a:t>Erster Prototyp</a:t>
             </a:r>
           </a:p>
         </p:txBody>
@@ -5626,39 +5707,103 @@
         </p:nvSpPr>
         <p:spPr/>
         <p:txBody>
-          <a:bodyPr/>
+          <a:bodyPr>
+            <a:normAutofit fontScale="92500" lnSpcReduction="10000"/>
+          </a:bodyPr>
           <a:lstStyle/>
           <a:p>
-            <a:pPr marL="0" indent="0">
-              <a:buNone/>
-            </a:pPr>
-            <a:endParaRPr lang="de-DE" dirty="0"/>
-          </a:p>
-          <a:p>
-            <a:r>
-              <a:rPr lang="de-DE" dirty="0"/>
-              <a:t>Use Cases iterieren (KW03)</a:t>
-            </a:r>
-          </a:p>
-          <a:p>
-            <a:r>
-              <a:rPr lang="de-DE" dirty="0"/>
-              <a:t>funktionalen Prototyps (KW07)</a:t>
-            </a:r>
-          </a:p>
-          <a:p>
-            <a:r>
-              <a:rPr lang="de-DE" dirty="0"/>
-              <a:t>Fazit und kritisch reflektiertes </a:t>
-            </a:r>
-            <a:r>
-              <a:rPr lang="de-DE" dirty="0" err="1"/>
-              <a:t>Prozessassessment</a:t>
-            </a:r>
-            <a:r>
-              <a:rPr lang="de-DE" dirty="0"/>
-              <a:t> des gesamten Projektes anhand der ursprünglichen Zielsetzung (KW08)</a:t>
-            </a:r>
+            <a:r>
+              <a:rPr lang="de-DE" sz="2000" dirty="0"/>
+              <a:t>Login </a:t>
+            </a:r>
+          </a:p>
+          <a:p>
+            <a:r>
+              <a:rPr lang="de-DE" sz="2000" dirty="0"/>
+              <a:t>Setze currentUser</a:t>
+            </a:r>
+          </a:p>
+          <a:p>
+            <a:r>
+              <a:rPr lang="de-DE" sz="2000" dirty="0"/>
+              <a:t>Setze currentStadt anhand Heimatstadt des Users</a:t>
+            </a:r>
+          </a:p>
+          <a:p>
+            <a:r>
+              <a:rPr lang="de-DE" sz="2000" dirty="0"/>
+              <a:t>Upload eines Bildes</a:t>
+            </a:r>
+          </a:p>
+          <a:p>
+            <a:pPr lvl="1"/>
+            <a:r>
+              <a:rPr lang="de-DE" sz="1600" dirty="0"/>
+              <a:t>Drawable File einlesen</a:t>
+            </a:r>
+          </a:p>
+          <a:p>
+            <a:pPr lvl="1"/>
+            <a:r>
+              <a:rPr lang="de-DE" sz="1600" dirty="0"/>
+              <a:t>Zu String enkodieren</a:t>
+            </a:r>
+          </a:p>
+          <a:p>
+            <a:pPr lvl="1"/>
+            <a:r>
+              <a:rPr lang="de-DE" sz="1600" dirty="0"/>
+              <a:t>Bildobjekt erzeugen und zur Stadt hinzufügen</a:t>
+            </a:r>
+          </a:p>
+          <a:p>
+            <a:pPr lvl="1"/>
+            <a:r>
+              <a:rPr lang="de-DE" sz="1600" dirty="0"/>
+              <a:t>Stadtliste enkodieren und abspeichern</a:t>
+            </a:r>
+          </a:p>
+          <a:p>
+            <a:pPr lvl="1"/>
+            <a:r>
+              <a:rPr lang="de-DE" sz="1600" dirty="0"/>
+              <a:t>Benachrichtigung an Subscriber senden</a:t>
+            </a:r>
+          </a:p>
+          <a:p>
+            <a:pPr lvl="1"/>
+            <a:r>
+              <a:rPr lang="de-DE" sz="1600" dirty="0"/>
+              <a:t>Userliste enkodieren und abspeichern</a:t>
+            </a:r>
+            <a:endParaRPr lang="de-DE" sz="1200" dirty="0"/>
+          </a:p>
+          <a:p>
+            <a:r>
+              <a:rPr lang="de-DE" sz="2000" dirty="0"/>
+              <a:t>Aufruf eines Bildes</a:t>
+            </a:r>
+          </a:p>
+          <a:p>
+            <a:r>
+              <a:rPr lang="de-DE" sz="2000" dirty="0"/>
+              <a:t>Subscribe/Unsubscribe zur Stadt</a:t>
+            </a:r>
+          </a:p>
+          <a:p>
+            <a:r>
+              <a:rPr lang="de-DE" sz="2000" dirty="0"/>
+              <a:t>Anzeige der Benachrichtigungen</a:t>
+            </a:r>
+          </a:p>
+          <a:p>
+            <a:r>
+              <a:rPr lang="de-DE" sz="2000" dirty="0"/>
+              <a:t>Logout</a:t>
+            </a:r>
+          </a:p>
+          <a:p>
+            <a:endParaRPr lang="de-DE" sz="2000" dirty="0"/>
           </a:p>
         </p:txBody>
       </p:sp>
@@ -5690,6 +5835,163 @@
                 </a:solidFill>
               </a:rPr>
               <a:t>10</a:t>
+            </a:fld>
+            <a:endParaRPr lang="de-DE" sz="2000" dirty="0">
+              <a:solidFill>
+                <a:schemeClr val="tx1"/>
+              </a:solidFill>
+            </a:endParaRPr>
+          </a:p>
+        </p:txBody>
+      </p:sp>
+    </p:spTree>
+    <p:extLst>
+      <p:ext uri="{BB962C8B-B14F-4D97-AF65-F5344CB8AC3E}">
+        <p14:creationId xmlns:p14="http://schemas.microsoft.com/office/powerpoint/2010/main" val="2702035577"/>
+      </p:ext>
+    </p:extLst>
+  </p:cSld>
+  <p:clrMapOvr>
+    <a:masterClrMapping/>
+  </p:clrMapOvr>
+</p:sld>
+</file>
+
+<file path=ppt/slides/slide11.xml><?xml version="1.0" encoding="utf-8"?>
+<p:sld xmlns:a="http://schemas.openxmlformats.org/drawingml/2006/main" xmlns:r="http://schemas.openxmlformats.org/officeDocument/2006/relationships" xmlns:p="http://schemas.openxmlformats.org/presentationml/2006/main">
+  <p:cSld>
+    <p:spTree>
+      <p:nvGrpSpPr>
+        <p:cNvPr id="1" name=""/>
+        <p:cNvGrpSpPr/>
+        <p:nvPr/>
+      </p:nvGrpSpPr>
+      <p:grpSpPr>
+        <a:xfrm>
+          <a:off x="0" y="0"/>
+          <a:ext cx="0" cy="0"/>
+          <a:chOff x="0" y="0"/>
+          <a:chExt cx="0" cy="0"/>
+        </a:xfrm>
+      </p:grpSpPr>
+      <p:sp>
+        <p:nvSpPr>
+          <p:cNvPr id="2" name="Titel 1">
+            <a:extLst>
+              <a:ext uri="{FF2B5EF4-FFF2-40B4-BE49-F238E27FC236}">
+                <a16:creationId xmlns:a16="http://schemas.microsoft.com/office/drawing/2014/main" id="{4AC7DED0-9976-693C-8B24-D84F23C8E7B6}"/>
+              </a:ext>
+            </a:extLst>
+          </p:cNvPr>
+          <p:cNvSpPr>
+            <a:spLocks noGrp="1"/>
+          </p:cNvSpPr>
+          <p:nvPr>
+            <p:ph type="title"/>
+          </p:nvPr>
+        </p:nvSpPr>
+        <p:spPr/>
+        <p:txBody>
+          <a:bodyPr/>
+          <a:lstStyle/>
+          <a:p>
+            <a:r>
+              <a:rPr lang="de-DE" dirty="0"/>
+              <a:t>Audit 4 </a:t>
+            </a:r>
+            <a:r>
+              <a:rPr lang="de-DE" dirty="0" err="1"/>
+              <a:t>Deliverables</a:t>
+            </a:r>
+            <a:r>
+              <a:rPr lang="de-DE" dirty="0"/>
+              <a:t> </a:t>
+            </a:r>
+          </a:p>
+        </p:txBody>
+      </p:sp>
+      <p:sp>
+        <p:nvSpPr>
+          <p:cNvPr id="3" name="Inhaltsplatzhalter 2">
+            <a:extLst>
+              <a:ext uri="{FF2B5EF4-FFF2-40B4-BE49-F238E27FC236}">
+                <a16:creationId xmlns:a16="http://schemas.microsoft.com/office/drawing/2014/main" id="{26828B3D-0288-9D01-3FAB-ED2A638AE90B}"/>
+              </a:ext>
+            </a:extLst>
+          </p:cNvPr>
+          <p:cNvSpPr>
+            <a:spLocks noGrp="1"/>
+          </p:cNvSpPr>
+          <p:nvPr>
+            <p:ph idx="1"/>
+          </p:nvPr>
+        </p:nvSpPr>
+        <p:spPr/>
+        <p:txBody>
+          <a:bodyPr/>
+          <a:lstStyle/>
+          <a:p>
+            <a:pPr marL="0" indent="0">
+              <a:buNone/>
+            </a:pPr>
+            <a:endParaRPr lang="de-DE" dirty="0"/>
+          </a:p>
+          <a:p>
+            <a:r>
+              <a:rPr lang="de-DE" dirty="0"/>
+              <a:t>Use Cases iterieren (KW03)</a:t>
+            </a:r>
+          </a:p>
+          <a:p>
+            <a:r>
+              <a:rPr lang="de-DE" dirty="0"/>
+              <a:t>funktionalen Prototyps (KW07)</a:t>
+            </a:r>
+          </a:p>
+          <a:p>
+            <a:r>
+              <a:rPr lang="de-DE" dirty="0"/>
+              <a:t>Fazit und kritisch reflektiertes </a:t>
+            </a:r>
+            <a:r>
+              <a:rPr lang="de-DE" dirty="0" err="1"/>
+              <a:t>Prozessassessment</a:t>
+            </a:r>
+            <a:r>
+              <a:rPr lang="de-DE" dirty="0"/>
+              <a:t> des gesamten Projektes anhand der ursprünglichen Zielsetzung (KW08)</a:t>
+            </a:r>
+          </a:p>
+        </p:txBody>
+      </p:sp>
+      <p:sp>
+        <p:nvSpPr>
+          <p:cNvPr id="5" name="Foliennummernplatzhalter 4">
+            <a:extLst>
+              <a:ext uri="{FF2B5EF4-FFF2-40B4-BE49-F238E27FC236}">
+                <a16:creationId xmlns:a16="http://schemas.microsoft.com/office/drawing/2014/main" id="{7B246376-21DF-8BF4-A1FD-B77C22C28AAB}"/>
+              </a:ext>
+            </a:extLst>
+          </p:cNvPr>
+          <p:cNvSpPr>
+            <a:spLocks noGrp="1"/>
+          </p:cNvSpPr>
+          <p:nvPr>
+            <p:ph type="sldNum" sz="quarter" idx="12"/>
+          </p:nvPr>
+        </p:nvSpPr>
+        <p:spPr/>
+        <p:txBody>
+          <a:bodyPr/>
+          <a:lstStyle/>
+          <a:p>
+            <a:fld id="{4FD190AE-D9AE-4074-AAED-D637288AF7F0}" type="slidenum">
+              <a:rPr lang="de-DE" sz="2000" smtClean="0">
+                <a:solidFill>
+                  <a:schemeClr val="tx1"/>
+                </a:solidFill>
+              </a:rPr>
+              <a:t>11</a:t>
             </a:fld>
             <a:endParaRPr lang="de-DE" sz="2000" dirty="0">
               <a:solidFill>
@@ -7575,10 +7877,10 @@
       </p:grpSpPr>
       <p:sp>
         <p:nvSpPr>
-          <p:cNvPr id="2" name="Titel 1">
+          <p:cNvPr id="3" name="Titel 2">
             <a:extLst>
               <a:ext uri="{FF2B5EF4-FFF2-40B4-BE49-F238E27FC236}">
-                <a16:creationId xmlns:a16="http://schemas.microsoft.com/office/drawing/2014/main" id="{4AC7DED0-9976-693C-8B24-D84F23C8E7B6}"/>
+                <a16:creationId xmlns:a16="http://schemas.microsoft.com/office/drawing/2014/main" id="{53AD19EA-19FD-31C3-9A36-EC2C3ECA7425}"/>
               </a:ext>
             </a:extLst>
           </p:cNvPr>
@@ -7597,157 +7899,8 @@
             <a:pPr algn="ctr"/>
             <a:r>
               <a:rPr lang="de-DE" dirty="0"/>
-              <a:t>POCs</a:t>
-            </a:r>
-          </a:p>
-        </p:txBody>
-      </p:sp>
-      <p:sp>
-        <p:nvSpPr>
-          <p:cNvPr id="3" name="Inhaltsplatzhalter 2">
-            <a:extLst>
-              <a:ext uri="{FF2B5EF4-FFF2-40B4-BE49-F238E27FC236}">
-                <a16:creationId xmlns:a16="http://schemas.microsoft.com/office/drawing/2014/main" id="{9AA5B10A-797A-3078-DAD6-26CFC5DC6EB5}"/>
-              </a:ext>
-            </a:extLst>
-          </p:cNvPr>
-          <p:cNvSpPr>
-            <a:spLocks noGrp="1"/>
-          </p:cNvSpPr>
-          <p:nvPr>
-            <p:ph sz="half" idx="1"/>
-          </p:nvPr>
-        </p:nvSpPr>
-        <p:spPr>
-          <a:xfrm>
-            <a:off x="838200" y="1825624"/>
-            <a:ext cx="5181600" cy="4186069"/>
-          </a:xfrm>
-        </p:spPr>
-        <p:txBody>
-          <a:bodyPr>
-            <a:normAutofit/>
-          </a:bodyPr>
-          <a:lstStyle/>
-          <a:p>
-            <a:pPr marL="0" indent="0">
-              <a:buNone/>
-            </a:pPr>
-            <a:r>
-              <a:rPr lang="de-DE" sz="1600" b="1" dirty="0" err="1"/>
-              <a:t>Priority</a:t>
-            </a:r>
-            <a:endParaRPr lang="de-DE" sz="1600" b="1" dirty="0"/>
-          </a:p>
-          <a:p>
-            <a:r>
-              <a:rPr lang="de-DE" sz="1600" dirty="0"/>
-              <a:t>Upload eines Bildes</a:t>
-            </a:r>
-          </a:p>
-          <a:p>
-            <a:r>
-              <a:rPr lang="de-DE" sz="1600" dirty="0"/>
-              <a:t>Aufruf eines gespeicherten Bildes</a:t>
-            </a:r>
-          </a:p>
-          <a:p>
-            <a:r>
-              <a:rPr lang="de-DE" sz="1600" dirty="0"/>
-              <a:t>Pub/Sub Funktionalität – </a:t>
-            </a:r>
-            <a:r>
-              <a:rPr lang="de-DE" sz="1600" dirty="0" err="1"/>
-              <a:t>subscribe</a:t>
-            </a:r>
-            <a:endParaRPr lang="de-DE" sz="1600" dirty="0"/>
-          </a:p>
-          <a:p>
-            <a:r>
-              <a:rPr lang="de-DE" sz="1600" dirty="0"/>
-              <a:t>Pub/Sub Funktionalität – publish</a:t>
-            </a:r>
-          </a:p>
-          <a:p>
-            <a:r>
-              <a:rPr lang="de-DE" sz="1600" dirty="0"/>
-              <a:t>Login</a:t>
-            </a:r>
-          </a:p>
-        </p:txBody>
-      </p:sp>
-      <p:sp>
-        <p:nvSpPr>
-          <p:cNvPr id="4" name="Inhaltsplatzhalter 3">
-            <a:extLst>
-              <a:ext uri="{FF2B5EF4-FFF2-40B4-BE49-F238E27FC236}">
-                <a16:creationId xmlns:a16="http://schemas.microsoft.com/office/drawing/2014/main" id="{3745E24A-6EBE-396A-E812-004272A50CC0}"/>
-              </a:ext>
-            </a:extLst>
-          </p:cNvPr>
-          <p:cNvSpPr>
-            <a:spLocks noGrp="1"/>
-          </p:cNvSpPr>
-          <p:nvPr>
-            <p:ph sz="half" idx="2"/>
-          </p:nvPr>
-        </p:nvSpPr>
-        <p:spPr/>
-        <p:txBody>
-          <a:bodyPr/>
-          <a:lstStyle/>
-          <a:p>
-            <a:pPr marL="0" indent="0">
-              <a:buNone/>
-            </a:pPr>
-            <a:r>
-              <a:rPr lang="de-DE" sz="1600" b="1" dirty="0"/>
-              <a:t>Keine </a:t>
-            </a:r>
-            <a:r>
-              <a:rPr lang="de-DE" sz="1600" b="1" dirty="0" err="1"/>
-              <a:t>Priority</a:t>
-            </a:r>
-            <a:endParaRPr lang="de-DE" sz="1600" b="1" dirty="0"/>
-          </a:p>
-          <a:p>
-            <a:r>
-              <a:rPr lang="de-DE" sz="1600" dirty="0"/>
-              <a:t>Registrierung</a:t>
-            </a:r>
-          </a:p>
-          <a:p>
-            <a:r>
-              <a:rPr lang="de-DE" sz="1600" dirty="0"/>
-              <a:t>Verschlüsselung</a:t>
-            </a:r>
-          </a:p>
-          <a:p>
-            <a:r>
-              <a:rPr lang="de-DE" sz="1600" dirty="0"/>
-              <a:t>„Befreunden“ mit anderem User</a:t>
-            </a:r>
-          </a:p>
-          <a:p>
-            <a:r>
-              <a:rPr lang="de-DE" sz="1600" dirty="0"/>
-              <a:t>Annahme „Befreundung“</a:t>
-            </a:r>
-          </a:p>
-          <a:p>
-            <a:r>
-              <a:rPr lang="de-DE" sz="1600" dirty="0"/>
-              <a:t>Chat Funktion</a:t>
-            </a:r>
-          </a:p>
-          <a:p>
-            <a:r>
-              <a:rPr lang="de-DE" sz="1600" dirty="0"/>
-              <a:t>Zugriff auf Datenbank</a:t>
-            </a:r>
-          </a:p>
-          <a:p>
-            <a:endParaRPr lang="de-DE" b="1" dirty="0"/>
+              <a:t>Use-Cases</a:t>
+            </a:r>
           </a:p>
         </p:txBody>
       </p:sp>
@@ -7788,10 +7941,40 @@
           </a:p>
         </p:txBody>
       </p:sp>
+      <p:pic>
+        <p:nvPicPr>
+          <p:cNvPr id="11" name="Grafik 10">
+            <a:extLst>
+              <a:ext uri="{FF2B5EF4-FFF2-40B4-BE49-F238E27FC236}">
+                <a16:creationId xmlns:a16="http://schemas.microsoft.com/office/drawing/2014/main" id="{A854C846-863A-3644-5FC9-C363B6744EB3}"/>
+              </a:ext>
+            </a:extLst>
+          </p:cNvPr>
+          <p:cNvPicPr>
+            <a:picLocks noChangeAspect="1"/>
+          </p:cNvPicPr>
+          <p:nvPr/>
+        </p:nvPicPr>
+        <p:blipFill>
+          <a:blip r:embed="rId3"/>
+          <a:stretch>
+            <a:fillRect/>
+          </a:stretch>
+        </p:blipFill>
+        <p:spPr>
+          <a:xfrm>
+            <a:off x="3869120" y="1566846"/>
+            <a:ext cx="4453760" cy="5154629"/>
+          </a:xfrm>
+          <a:prstGeom prst="rect">
+            <a:avLst/>
+          </a:prstGeom>
+        </p:spPr>
+      </p:pic>
     </p:spTree>
     <p:extLst>
       <p:ext uri="{BB962C8B-B14F-4D97-AF65-F5344CB8AC3E}">
-        <p14:creationId xmlns:p14="http://schemas.microsoft.com/office/powerpoint/2010/main" val="3388715465"/>
+        <p14:creationId xmlns:p14="http://schemas.microsoft.com/office/powerpoint/2010/main" val="1243469285"/>
       </p:ext>
     </p:extLst>
   </p:cSld>
@@ -7842,7 +8025,7 @@
             <a:pPr algn="ctr"/>
             <a:r>
               <a:rPr lang="de-DE" dirty="0"/>
-              <a:t>POC Bildaufruf/-abruf</a:t>
+              <a:t>POCs</a:t>
             </a:r>
           </a:p>
         </p:txBody>
@@ -7852,7 +8035,7 @@
           <p:cNvPr id="3" name="Inhaltsplatzhalter 2">
             <a:extLst>
               <a:ext uri="{FF2B5EF4-FFF2-40B4-BE49-F238E27FC236}">
-                <a16:creationId xmlns:a16="http://schemas.microsoft.com/office/drawing/2014/main" id="{26828B3D-0288-9D01-3FAB-ED2A638AE90B}"/>
+                <a16:creationId xmlns:a16="http://schemas.microsoft.com/office/drawing/2014/main" id="{9AA5B10A-797A-3078-DAD6-26CFC5DC6EB5}"/>
               </a:ext>
             </a:extLst>
           </p:cNvPr>
@@ -7865,422 +8048,68 @@
         </p:nvSpPr>
         <p:spPr>
           <a:xfrm>
-            <a:off x="838200" y="1825625"/>
-            <a:ext cx="5181600" cy="4769728"/>
+            <a:off x="838200" y="1825624"/>
+            <a:ext cx="5181600" cy="4186069"/>
           </a:xfrm>
         </p:spPr>
         <p:txBody>
           <a:bodyPr>
-            <a:normAutofit fontScale="92500" lnSpcReduction="20000"/>
+            <a:normAutofit/>
           </a:bodyPr>
           <a:lstStyle/>
           <a:p>
-            <a:pPr marL="342900" lvl="0" indent="-342900">
-              <a:lnSpc>
-                <a:spcPct val="107000"/>
-              </a:lnSpc>
-              <a:buFont typeface="Symbol" panose="05050102010706020507" pitchFamily="18" charset="2"/>
-              <a:buChar char=""/>
+            <a:pPr marL="0" indent="0">
+              <a:buNone/>
             </a:pPr>
             <a:r>
-              <a:rPr lang="de-DE" sz="1200" u="sng" dirty="0">
-                <a:effectLst/>
-                <a:latin typeface="Calibri" panose="020F0502020204030204" pitchFamily="34" charset="0"/>
-                <a:ea typeface="Yu Mincho" panose="02020400000000000000" pitchFamily="18" charset="-128"/>
-                <a:cs typeface="Times New Roman" panose="02020603050405020304" pitchFamily="18" charset="0"/>
-              </a:rPr>
+              <a:rPr lang="de-DE" sz="1600" b="1" dirty="0" err="1"/>
+              <a:t>Priority</a:t>
+            </a:r>
+            <a:endParaRPr lang="de-DE" sz="1600" b="1" dirty="0"/>
+          </a:p>
+          <a:p>
+            <a:r>
+              <a:rPr lang="de-DE" sz="1600" dirty="0"/>
               <a:t>Upload eines Bildes</a:t>
             </a:r>
-            <a:endParaRPr lang="de-DE" sz="1200" dirty="0">
-              <a:effectLst/>
-              <a:latin typeface="Calibri" panose="020F0502020204030204" pitchFamily="34" charset="0"/>
-              <a:ea typeface="Yu Mincho" panose="02020400000000000000" pitchFamily="18" charset="-128"/>
-              <a:cs typeface="Times New Roman" panose="02020603050405020304" pitchFamily="18" charset="0"/>
-            </a:endParaRPr>
-          </a:p>
-          <a:p>
-            <a:pPr marL="742950" lvl="1" indent="-285750">
-              <a:lnSpc>
-                <a:spcPct val="107000"/>
-              </a:lnSpc>
-              <a:buFont typeface="Courier New" panose="02070309020205020404" pitchFamily="49" charset="0"/>
-              <a:buChar char="o"/>
-            </a:pPr>
-            <a:r>
-              <a:rPr lang="de-DE" sz="1200" b="1" dirty="0">
-                <a:effectLst/>
-                <a:latin typeface="Calibri" panose="020F0502020204030204" pitchFamily="34" charset="0"/>
-                <a:ea typeface="Yu Mincho" panose="02020400000000000000" pitchFamily="18" charset="-128"/>
-                <a:cs typeface="Times New Roman" panose="02020603050405020304" pitchFamily="18" charset="0"/>
-              </a:rPr>
-              <a:t>Ablauf</a:t>
-            </a:r>
-            <a:endParaRPr lang="de-DE" sz="1200" dirty="0">
-              <a:effectLst/>
-              <a:latin typeface="Calibri" panose="020F0502020204030204" pitchFamily="34" charset="0"/>
-              <a:ea typeface="Yu Mincho" panose="02020400000000000000" pitchFamily="18" charset="-128"/>
-              <a:cs typeface="Times New Roman" panose="02020603050405020304" pitchFamily="18" charset="0"/>
-            </a:endParaRPr>
-          </a:p>
-          <a:p>
-            <a:pPr marL="1143000" lvl="2" indent="-228600">
-              <a:lnSpc>
-                <a:spcPct val="107000"/>
-              </a:lnSpc>
-              <a:buFont typeface="Wingdings" panose="05000000000000000000" pitchFamily="2" charset="2"/>
-              <a:buChar char=""/>
-            </a:pPr>
-            <a:r>
-              <a:rPr lang="de-DE" sz="1200" dirty="0">
-                <a:effectLst/>
-                <a:latin typeface="Calibri" panose="020F0502020204030204" pitchFamily="34" charset="0"/>
-                <a:ea typeface="Yu Mincho" panose="02020400000000000000" pitchFamily="18" charset="-128"/>
-                <a:cs typeface="Times New Roman" panose="02020603050405020304" pitchFamily="18" charset="0"/>
-              </a:rPr>
-              <a:t>Aufruf einer Upload Funktion</a:t>
-            </a:r>
-          </a:p>
-          <a:p>
-            <a:pPr marL="1143000" lvl="2" indent="-228600">
-              <a:lnSpc>
-                <a:spcPct val="107000"/>
-              </a:lnSpc>
-              <a:buFont typeface="Wingdings" panose="05000000000000000000" pitchFamily="2" charset="2"/>
-              <a:buChar char=""/>
-            </a:pPr>
-            <a:r>
-              <a:rPr lang="de-DE" sz="1200" dirty="0">
-                <a:effectLst/>
-                <a:latin typeface="Calibri" panose="020F0502020204030204" pitchFamily="34" charset="0"/>
-                <a:ea typeface="Yu Mincho" panose="02020400000000000000" pitchFamily="18" charset="-128"/>
-                <a:cs typeface="Times New Roman" panose="02020603050405020304" pitchFamily="18" charset="0"/>
-              </a:rPr>
-              <a:t>Auslesen des Bild mit Unterstützung gängiger Bildformate</a:t>
-            </a:r>
-          </a:p>
-          <a:p>
-            <a:pPr marL="1143000" lvl="2" indent="-228600">
-              <a:lnSpc>
-                <a:spcPct val="107000"/>
-              </a:lnSpc>
-              <a:buFont typeface="Wingdings" panose="05000000000000000000" pitchFamily="2" charset="2"/>
-              <a:buChar char=""/>
-            </a:pPr>
-            <a:r>
-              <a:rPr lang="de-DE" sz="1200" dirty="0">
-                <a:effectLst/>
-                <a:latin typeface="Calibri" panose="020F0502020204030204" pitchFamily="34" charset="0"/>
-                <a:ea typeface="Yu Mincho" panose="02020400000000000000" pitchFamily="18" charset="-128"/>
-                <a:cs typeface="Times New Roman" panose="02020603050405020304" pitchFamily="18" charset="0"/>
-              </a:rPr>
-              <a:t>Automatisches Auslesen der erforderlichen Metadaten</a:t>
-            </a:r>
-          </a:p>
-          <a:p>
-            <a:pPr marL="1143000" lvl="2" indent="-228600">
-              <a:lnSpc>
-                <a:spcPct val="107000"/>
-              </a:lnSpc>
-              <a:buFont typeface="Wingdings" panose="05000000000000000000" pitchFamily="2" charset="2"/>
-              <a:buChar char=""/>
-            </a:pPr>
-            <a:r>
-              <a:rPr lang="de-DE" sz="1200" dirty="0">
-                <a:effectLst/>
-                <a:latin typeface="Calibri" panose="020F0502020204030204" pitchFamily="34" charset="0"/>
-                <a:ea typeface="Yu Mincho" panose="02020400000000000000" pitchFamily="18" charset="-128"/>
-                <a:cs typeface="Times New Roman" panose="02020603050405020304" pitchFamily="18" charset="0"/>
-              </a:rPr>
-              <a:t>Erzeugen eines Bildobjekts mit Bild und Metadaten</a:t>
-            </a:r>
-          </a:p>
-          <a:p>
-            <a:pPr marL="1143000" lvl="2" indent="-228600">
-              <a:lnSpc>
-                <a:spcPct val="107000"/>
-              </a:lnSpc>
-              <a:buFont typeface="Wingdings" panose="05000000000000000000" pitchFamily="2" charset="2"/>
-              <a:buChar char=""/>
-            </a:pPr>
-            <a:r>
-              <a:rPr lang="de-DE" sz="1200" dirty="0">
-                <a:effectLst/>
-                <a:latin typeface="Calibri" panose="020F0502020204030204" pitchFamily="34" charset="0"/>
-                <a:ea typeface="Yu Mincho" panose="02020400000000000000" pitchFamily="18" charset="-128"/>
-                <a:cs typeface="Times New Roman" panose="02020603050405020304" pitchFamily="18" charset="0"/>
-              </a:rPr>
-              <a:t>Abspeichern des Bildobjekts</a:t>
-            </a:r>
-          </a:p>
-          <a:p>
-            <a:pPr marL="742950" lvl="1" indent="-285750">
-              <a:lnSpc>
-                <a:spcPct val="107000"/>
-              </a:lnSpc>
-              <a:buFont typeface="Courier New" panose="02070309020205020404" pitchFamily="49" charset="0"/>
-              <a:buChar char="o"/>
-            </a:pPr>
-            <a:r>
-              <a:rPr lang="de-DE" sz="1200" b="1" dirty="0">
-                <a:effectLst/>
-                <a:latin typeface="Calibri" panose="020F0502020204030204" pitchFamily="34" charset="0"/>
-                <a:ea typeface="Yu Mincho" panose="02020400000000000000" pitchFamily="18" charset="-128"/>
-                <a:cs typeface="Times New Roman" panose="02020603050405020304" pitchFamily="18" charset="0"/>
-              </a:rPr>
-              <a:t>Exit-Kriterien</a:t>
-            </a:r>
-            <a:endParaRPr lang="de-DE" sz="1200" dirty="0">
-              <a:effectLst/>
-              <a:latin typeface="Calibri" panose="020F0502020204030204" pitchFamily="34" charset="0"/>
-              <a:ea typeface="Yu Mincho" panose="02020400000000000000" pitchFamily="18" charset="-128"/>
-              <a:cs typeface="Times New Roman" panose="02020603050405020304" pitchFamily="18" charset="0"/>
-            </a:endParaRPr>
-          </a:p>
-          <a:p>
-            <a:pPr marL="1143000" lvl="2" indent="-228600">
-              <a:lnSpc>
-                <a:spcPct val="107000"/>
-              </a:lnSpc>
-              <a:buFont typeface="Wingdings" panose="05000000000000000000" pitchFamily="2" charset="2"/>
-              <a:buChar char=""/>
-            </a:pPr>
-            <a:r>
-              <a:rPr lang="de-DE" sz="1200" dirty="0">
-                <a:effectLst/>
-                <a:latin typeface="Calibri" panose="020F0502020204030204" pitchFamily="34" charset="0"/>
-                <a:ea typeface="Yu Mincho" panose="02020400000000000000" pitchFamily="18" charset="-128"/>
-                <a:cs typeface="Times New Roman" panose="02020603050405020304" pitchFamily="18" charset="0"/>
-              </a:rPr>
-              <a:t>Funktion konnte aufgerufen werden und Eingaben wurden erfolgreich und korrekt übernommen.</a:t>
-            </a:r>
-          </a:p>
-          <a:p>
-            <a:pPr marL="1143000" lvl="2" indent="-228600">
-              <a:lnSpc>
-                <a:spcPct val="107000"/>
-              </a:lnSpc>
-              <a:buFont typeface="Wingdings" panose="05000000000000000000" pitchFamily="2" charset="2"/>
-              <a:buChar char=""/>
-            </a:pPr>
-            <a:r>
-              <a:rPr lang="de-DE" sz="1200" dirty="0">
-                <a:effectLst/>
-                <a:latin typeface="Calibri" panose="020F0502020204030204" pitchFamily="34" charset="0"/>
-                <a:ea typeface="Yu Mincho" panose="02020400000000000000" pitchFamily="18" charset="-128"/>
-                <a:cs typeface="Times New Roman" panose="02020603050405020304" pitchFamily="18" charset="0"/>
-              </a:rPr>
-              <a:t>Bilddaten konnten erfolgreich geladen werden.</a:t>
-            </a:r>
-          </a:p>
-          <a:p>
-            <a:pPr marL="1143000" lvl="2" indent="-228600">
-              <a:lnSpc>
-                <a:spcPct val="107000"/>
-              </a:lnSpc>
-              <a:buFont typeface="Wingdings" panose="05000000000000000000" pitchFamily="2" charset="2"/>
-              <a:buChar char=""/>
-            </a:pPr>
-            <a:r>
-              <a:rPr lang="de-DE" sz="1200" dirty="0">
-                <a:effectLst/>
-                <a:latin typeface="Calibri" panose="020F0502020204030204" pitchFamily="34" charset="0"/>
-                <a:ea typeface="Yu Mincho" panose="02020400000000000000" pitchFamily="18" charset="-128"/>
-                <a:cs typeface="Times New Roman" panose="02020603050405020304" pitchFamily="18" charset="0"/>
-              </a:rPr>
-              <a:t>Neues Bildobjekt wurde erfolgreich erzeugt und abgespeichert.</a:t>
-            </a:r>
-          </a:p>
-          <a:p>
-            <a:pPr marL="742950" lvl="1" indent="-285750">
-              <a:lnSpc>
-                <a:spcPct val="107000"/>
-              </a:lnSpc>
-              <a:buFont typeface="Courier New" panose="02070309020205020404" pitchFamily="49" charset="0"/>
-              <a:buChar char="o"/>
-            </a:pPr>
-            <a:r>
-              <a:rPr lang="de-DE" sz="1200" b="1" dirty="0">
-                <a:effectLst/>
-                <a:latin typeface="Calibri" panose="020F0502020204030204" pitchFamily="34" charset="0"/>
-                <a:ea typeface="Yu Mincho" panose="02020400000000000000" pitchFamily="18" charset="-128"/>
-                <a:cs typeface="Times New Roman" panose="02020603050405020304" pitchFamily="18" charset="0"/>
-              </a:rPr>
-              <a:t>Fail-Kriterien</a:t>
-            </a:r>
-            <a:endParaRPr lang="de-DE" sz="1200" dirty="0">
-              <a:effectLst/>
-              <a:latin typeface="Calibri" panose="020F0502020204030204" pitchFamily="34" charset="0"/>
-              <a:ea typeface="Yu Mincho" panose="02020400000000000000" pitchFamily="18" charset="-128"/>
-              <a:cs typeface="Times New Roman" panose="02020603050405020304" pitchFamily="18" charset="0"/>
-            </a:endParaRPr>
-          </a:p>
-          <a:p>
-            <a:pPr marL="1143000" lvl="2" indent="-228600">
-              <a:lnSpc>
-                <a:spcPct val="107000"/>
-              </a:lnSpc>
-              <a:buFont typeface="Wingdings" panose="05000000000000000000" pitchFamily="2" charset="2"/>
-              <a:buChar char=""/>
-            </a:pPr>
-            <a:r>
-              <a:rPr lang="de-DE" sz="1200" dirty="0">
-                <a:effectLst/>
-                <a:latin typeface="Calibri" panose="020F0502020204030204" pitchFamily="34" charset="0"/>
-                <a:ea typeface="Yu Mincho" panose="02020400000000000000" pitchFamily="18" charset="-128"/>
-                <a:cs typeface="Times New Roman" panose="02020603050405020304" pitchFamily="18" charset="0"/>
-              </a:rPr>
-              <a:t>Bilddaten konnten gar nicht geladen werden</a:t>
-            </a:r>
-          </a:p>
-          <a:p>
-            <a:pPr marL="1143000" lvl="2" indent="-228600">
-              <a:lnSpc>
-                <a:spcPct val="107000"/>
-              </a:lnSpc>
-              <a:buFont typeface="Wingdings" panose="05000000000000000000" pitchFamily="2" charset="2"/>
-              <a:buChar char=""/>
-            </a:pPr>
-            <a:r>
-              <a:rPr lang="de-DE" sz="1200" dirty="0">
-                <a:effectLst/>
-                <a:latin typeface="Calibri" panose="020F0502020204030204" pitchFamily="34" charset="0"/>
-                <a:ea typeface="Yu Mincho" panose="02020400000000000000" pitchFamily="18" charset="-128"/>
-                <a:cs typeface="Times New Roman" panose="02020603050405020304" pitchFamily="18" charset="0"/>
-              </a:rPr>
-              <a:t>Nur begrenzte Bildformate konnten unterstützt werden</a:t>
-            </a:r>
-          </a:p>
-          <a:p>
-            <a:pPr marL="1143000" lvl="2" indent="-228600">
-              <a:lnSpc>
-                <a:spcPct val="107000"/>
-              </a:lnSpc>
-              <a:buFont typeface="Wingdings" panose="05000000000000000000" pitchFamily="2" charset="2"/>
-              <a:buChar char=""/>
-            </a:pPr>
-            <a:r>
-              <a:rPr lang="de-DE" sz="1200" dirty="0">
-                <a:effectLst/>
-                <a:latin typeface="Calibri" panose="020F0502020204030204" pitchFamily="34" charset="0"/>
-                <a:ea typeface="Yu Mincho" panose="02020400000000000000" pitchFamily="18" charset="-128"/>
-                <a:cs typeface="Times New Roman" panose="02020603050405020304" pitchFamily="18" charset="0"/>
-              </a:rPr>
-              <a:t>Neues Bildobjekt konnte nicht erzeugt werden</a:t>
-            </a:r>
-          </a:p>
-          <a:p>
-            <a:pPr marL="1143000" lvl="2" indent="-228600">
-              <a:lnSpc>
-                <a:spcPct val="107000"/>
-              </a:lnSpc>
-              <a:buFont typeface="Wingdings" panose="05000000000000000000" pitchFamily="2" charset="2"/>
-              <a:buChar char=""/>
-            </a:pPr>
-            <a:r>
-              <a:rPr lang="de-DE" sz="1200" dirty="0">
-                <a:effectLst/>
-                <a:latin typeface="Calibri" panose="020F0502020204030204" pitchFamily="34" charset="0"/>
-                <a:ea typeface="Yu Mincho" panose="02020400000000000000" pitchFamily="18" charset="-128"/>
-                <a:cs typeface="Times New Roman" panose="02020603050405020304" pitchFamily="18" charset="0"/>
-              </a:rPr>
-              <a:t>Bildobjekt konnte nicht abgespeichert werden</a:t>
-            </a:r>
-          </a:p>
-          <a:p>
-            <a:pPr marL="742950" lvl="1" indent="-285750">
-              <a:lnSpc>
-                <a:spcPct val="107000"/>
-              </a:lnSpc>
-              <a:buFont typeface="Courier New" panose="02070309020205020404" pitchFamily="49" charset="0"/>
-              <a:buChar char="o"/>
-            </a:pPr>
-            <a:r>
-              <a:rPr lang="de-DE" sz="1200" b="1" dirty="0" err="1">
-                <a:effectLst/>
-                <a:latin typeface="Calibri" panose="020F0502020204030204" pitchFamily="34" charset="0"/>
-                <a:ea typeface="Yu Mincho" panose="02020400000000000000" pitchFamily="18" charset="-128"/>
-                <a:cs typeface="Times New Roman" panose="02020603050405020304" pitchFamily="18" charset="0"/>
-              </a:rPr>
-              <a:t>Fallback</a:t>
-            </a:r>
-            <a:endParaRPr lang="de-DE" sz="1200" dirty="0">
-              <a:effectLst/>
-              <a:latin typeface="Calibri" panose="020F0502020204030204" pitchFamily="34" charset="0"/>
-              <a:ea typeface="Yu Mincho" panose="02020400000000000000" pitchFamily="18" charset="-128"/>
-              <a:cs typeface="Times New Roman" panose="02020603050405020304" pitchFamily="18" charset="0"/>
-            </a:endParaRPr>
-          </a:p>
-          <a:p>
-            <a:pPr marL="1143000" lvl="2" indent="-228600">
-              <a:lnSpc>
-                <a:spcPct val="107000"/>
-              </a:lnSpc>
-              <a:buFont typeface="Wingdings" panose="05000000000000000000" pitchFamily="2" charset="2"/>
-              <a:buChar char=""/>
-            </a:pPr>
-            <a:r>
-              <a:rPr lang="de-DE" sz="1200" dirty="0">
-                <a:effectLst/>
-                <a:latin typeface="Calibri" panose="020F0502020204030204" pitchFamily="34" charset="0"/>
-                <a:ea typeface="Yu Mincho" panose="02020400000000000000" pitchFamily="18" charset="-128"/>
-                <a:cs typeface="Times New Roman" panose="02020603050405020304" pitchFamily="18" charset="0"/>
-              </a:rPr>
-              <a:t>Aus Eindeutige Fehlermeldung wenn technische Fehler bei der Ausführung der Upload Funktion erfolgen</a:t>
-            </a:r>
-          </a:p>
-          <a:p>
-            <a:pPr marL="1143000" lvl="2" indent="-228600">
-              <a:lnSpc>
-                <a:spcPct val="107000"/>
-              </a:lnSpc>
-              <a:buFont typeface="Wingdings" panose="05000000000000000000" pitchFamily="2" charset="2"/>
-              <a:buChar char=""/>
-            </a:pPr>
-            <a:r>
-              <a:rPr lang="de-DE" sz="1200" dirty="0">
-                <a:effectLst/>
-                <a:latin typeface="Calibri" panose="020F0502020204030204" pitchFamily="34" charset="0"/>
-                <a:ea typeface="Yu Mincho" panose="02020400000000000000" pitchFamily="18" charset="-128"/>
-                <a:cs typeface="Times New Roman" panose="02020603050405020304" pitchFamily="18" charset="0"/>
-              </a:rPr>
-              <a:t>Bild wird ohne Metadaten gespeichert</a:t>
-            </a:r>
-          </a:p>
-          <a:p>
-            <a:pPr marL="1143000" lvl="2" indent="-228600">
-              <a:lnSpc>
-                <a:spcPct val="107000"/>
-              </a:lnSpc>
-              <a:spcAft>
-                <a:spcPts val="800"/>
-              </a:spcAft>
-              <a:buFont typeface="Wingdings" panose="05000000000000000000" pitchFamily="2" charset="2"/>
-              <a:buChar char=""/>
-            </a:pPr>
-            <a:r>
-              <a:rPr lang="de-DE" sz="1200" dirty="0">
-                <a:effectLst/>
-                <a:latin typeface="Calibri" panose="020F0502020204030204" pitchFamily="34" charset="0"/>
-                <a:ea typeface="Yu Mincho" panose="02020400000000000000" pitchFamily="18" charset="-128"/>
-                <a:cs typeface="Times New Roman" panose="02020603050405020304" pitchFamily="18" charset="0"/>
-              </a:rPr>
-              <a:t>Es werden begrenzte Bildformate gefordert</a:t>
-            </a:r>
-            <a:endParaRPr lang="de-DE" sz="1200" dirty="0">
-              <a:effectLst/>
-              <a:latin typeface="Calibri" panose="020F0502020204030204" pitchFamily="34" charset="0"/>
-              <a:ea typeface="Calibri" panose="020F0502020204030204" pitchFamily="34" charset="0"/>
-              <a:cs typeface="Times New Roman" panose="02020603050405020304" pitchFamily="18" charset="0"/>
-            </a:endParaRPr>
-          </a:p>
-        </p:txBody>
-      </p:sp>
-      <p:sp>
-        <p:nvSpPr>
-          <p:cNvPr id="6" name="Inhaltsplatzhalter 5">
+          </a:p>
+          <a:p>
+            <a:r>
+              <a:rPr lang="de-DE" sz="1600" dirty="0"/>
+              <a:t>Aufruf eines gespeicherten Bildes</a:t>
+            </a:r>
+          </a:p>
+          <a:p>
+            <a:r>
+              <a:rPr lang="de-DE" sz="1600" dirty="0"/>
+              <a:t>Pub/Sub Funktionalität – </a:t>
+            </a:r>
+            <a:r>
+              <a:rPr lang="de-DE" sz="1600" dirty="0" err="1"/>
+              <a:t>subscribe</a:t>
+            </a:r>
+            <a:endParaRPr lang="de-DE" sz="1600" dirty="0"/>
+          </a:p>
+          <a:p>
+            <a:r>
+              <a:rPr lang="de-DE" sz="1600" dirty="0"/>
+              <a:t>Pub/Sub Funktionalität – publish</a:t>
+            </a:r>
+          </a:p>
+          <a:p>
+            <a:r>
+              <a:rPr lang="de-DE" sz="1600" dirty="0"/>
+              <a:t>Login</a:t>
+            </a:r>
+          </a:p>
+        </p:txBody>
+      </p:sp>
+      <p:sp>
+        <p:nvSpPr>
+          <p:cNvPr id="4" name="Inhaltsplatzhalter 3">
             <a:extLst>
               <a:ext uri="{FF2B5EF4-FFF2-40B4-BE49-F238E27FC236}">
-                <a16:creationId xmlns:a16="http://schemas.microsoft.com/office/drawing/2014/main" id="{D27F10EA-731C-BC21-64B1-413E86CA7C17}"/>
+                <a16:creationId xmlns:a16="http://schemas.microsoft.com/office/drawing/2014/main" id="{3745E24A-6EBE-396A-E812-004272A50CC0}"/>
               </a:ext>
             </a:extLst>
           </p:cNvPr>
@@ -8291,283 +8120,62 @@
             <p:ph sz="half" idx="2"/>
           </p:nvPr>
         </p:nvSpPr>
-        <p:spPr>
-          <a:xfrm>
-            <a:off x="6172200" y="1825625"/>
-            <a:ext cx="5181600" cy="4769728"/>
-          </a:xfrm>
-        </p:spPr>
-        <p:txBody>
-          <a:bodyPr anchor="t" anchorCtr="0">
-            <a:normAutofit fontScale="92500" lnSpcReduction="20000"/>
-          </a:bodyPr>
+        <p:spPr/>
+        <p:txBody>
+          <a:bodyPr/>
           <a:lstStyle/>
           <a:p>
-            <a:pPr marL="342900" lvl="0" indent="-342900">
-              <a:lnSpc>
-                <a:spcPct val="107000"/>
-              </a:lnSpc>
-              <a:buFont typeface="Symbol" panose="05050102010706020507" pitchFamily="18" charset="2"/>
-              <a:buChar char=""/>
+            <a:pPr marL="0" indent="0">
+              <a:buNone/>
             </a:pPr>
             <a:r>
-              <a:rPr lang="de-DE" sz="1100" u="sng" dirty="0">
-                <a:effectLst/>
-                <a:latin typeface="Calibri" panose="020F0502020204030204" pitchFamily="34" charset="0"/>
-                <a:ea typeface="Yu Mincho" panose="02020400000000000000" pitchFamily="18" charset="-128"/>
-                <a:cs typeface="Times New Roman" panose="02020603050405020304" pitchFamily="18" charset="0"/>
-              </a:rPr>
-              <a:t>Aufruf eines gespeicherten Bildes</a:t>
-            </a:r>
-            <a:endParaRPr lang="de-DE" sz="1100" dirty="0">
-              <a:effectLst/>
-              <a:latin typeface="Calibri" panose="020F0502020204030204" pitchFamily="34" charset="0"/>
-              <a:ea typeface="Yu Mincho" panose="02020400000000000000" pitchFamily="18" charset="-128"/>
-              <a:cs typeface="Times New Roman" panose="02020603050405020304" pitchFamily="18" charset="0"/>
-            </a:endParaRPr>
-          </a:p>
-          <a:p>
-            <a:pPr marL="742950" lvl="1" indent="-285750">
-              <a:lnSpc>
-                <a:spcPct val="107000"/>
-              </a:lnSpc>
-              <a:buFont typeface="Courier New" panose="02070309020205020404" pitchFamily="49" charset="0"/>
-              <a:buChar char="o"/>
-            </a:pPr>
-            <a:r>
-              <a:rPr lang="de-DE" sz="1100" b="1" dirty="0">
-                <a:effectLst/>
-                <a:latin typeface="Calibri" panose="020F0502020204030204" pitchFamily="34" charset="0"/>
-                <a:ea typeface="Yu Mincho" panose="02020400000000000000" pitchFamily="18" charset="-128"/>
-                <a:cs typeface="Times New Roman" panose="02020603050405020304" pitchFamily="18" charset="0"/>
-              </a:rPr>
-              <a:t>Ablauf</a:t>
-            </a:r>
-            <a:endParaRPr lang="de-DE" sz="1100" dirty="0">
-              <a:effectLst/>
-              <a:latin typeface="Calibri" panose="020F0502020204030204" pitchFamily="34" charset="0"/>
-              <a:ea typeface="Yu Mincho" panose="02020400000000000000" pitchFamily="18" charset="-128"/>
-              <a:cs typeface="Times New Roman" panose="02020603050405020304" pitchFamily="18" charset="0"/>
-            </a:endParaRPr>
-          </a:p>
-          <a:p>
-            <a:pPr marL="1143000" lvl="2" indent="-228600">
-              <a:lnSpc>
-                <a:spcPct val="107000"/>
-              </a:lnSpc>
-              <a:buFont typeface="Wingdings" panose="05000000000000000000" pitchFamily="2" charset="2"/>
-              <a:buChar char=""/>
-            </a:pPr>
-            <a:r>
-              <a:rPr lang="de-DE" sz="1100" dirty="0">
-                <a:effectLst/>
-                <a:latin typeface="Calibri" panose="020F0502020204030204" pitchFamily="34" charset="0"/>
-                <a:ea typeface="Yu Mincho" panose="02020400000000000000" pitchFamily="18" charset="-128"/>
-                <a:cs typeface="Times New Roman" panose="02020603050405020304" pitchFamily="18" charset="0"/>
-              </a:rPr>
-              <a:t>Bild wird aus persistentem Speicher geladen</a:t>
-            </a:r>
-          </a:p>
-          <a:p>
-            <a:pPr marL="1143000" lvl="2" indent="-228600">
-              <a:lnSpc>
-                <a:spcPct val="107000"/>
-              </a:lnSpc>
-              <a:buFont typeface="Wingdings" panose="05000000000000000000" pitchFamily="2" charset="2"/>
-              <a:buChar char=""/>
-            </a:pPr>
-            <a:r>
-              <a:rPr lang="de-DE" sz="1100" dirty="0">
-                <a:effectLst/>
-                <a:latin typeface="Calibri" panose="020F0502020204030204" pitchFamily="34" charset="0"/>
-                <a:ea typeface="Yu Mincho" panose="02020400000000000000" pitchFamily="18" charset="-128"/>
-                <a:cs typeface="Times New Roman" panose="02020603050405020304" pitchFamily="18" charset="0"/>
-              </a:rPr>
-              <a:t>Ansicht des Bildobjekts erzeugen</a:t>
-            </a:r>
-          </a:p>
-          <a:p>
-            <a:pPr marL="742950" lvl="1" indent="-285750">
-              <a:lnSpc>
-                <a:spcPct val="107000"/>
-              </a:lnSpc>
-              <a:buFont typeface="Courier New" panose="02070309020205020404" pitchFamily="49" charset="0"/>
-              <a:buChar char="o"/>
-            </a:pPr>
-            <a:r>
-              <a:rPr lang="de-DE" sz="1100" b="1" dirty="0">
-                <a:effectLst/>
-                <a:latin typeface="Calibri" panose="020F0502020204030204" pitchFamily="34" charset="0"/>
-                <a:ea typeface="Yu Mincho" panose="02020400000000000000" pitchFamily="18" charset="-128"/>
-                <a:cs typeface="Times New Roman" panose="02020603050405020304" pitchFamily="18" charset="0"/>
-              </a:rPr>
-              <a:t>Exit-Kriterien</a:t>
-            </a:r>
-            <a:endParaRPr lang="de-DE" sz="1100" dirty="0">
-              <a:effectLst/>
-              <a:latin typeface="Calibri" panose="020F0502020204030204" pitchFamily="34" charset="0"/>
-              <a:ea typeface="Yu Mincho" panose="02020400000000000000" pitchFamily="18" charset="-128"/>
-              <a:cs typeface="Times New Roman" panose="02020603050405020304" pitchFamily="18" charset="0"/>
-            </a:endParaRPr>
-          </a:p>
-          <a:p>
-            <a:pPr marL="1143000" lvl="2" indent="-228600">
-              <a:lnSpc>
-                <a:spcPct val="107000"/>
-              </a:lnSpc>
-              <a:buFont typeface="Wingdings" panose="05000000000000000000" pitchFamily="2" charset="2"/>
-              <a:buChar char=""/>
-            </a:pPr>
-            <a:r>
-              <a:rPr lang="de-DE" sz="1100" dirty="0">
-                <a:effectLst/>
-                <a:latin typeface="Calibri" panose="020F0502020204030204" pitchFamily="34" charset="0"/>
-                <a:ea typeface="Yu Mincho" panose="02020400000000000000" pitchFamily="18" charset="-128"/>
-                <a:cs typeface="Times New Roman" panose="02020603050405020304" pitchFamily="18" charset="0"/>
-              </a:rPr>
-              <a:t>Bild wurde erfolgreich aus persistentem Speicher geladen</a:t>
-            </a:r>
-          </a:p>
-          <a:p>
-            <a:pPr marL="1143000" lvl="2" indent="-228600">
-              <a:lnSpc>
-                <a:spcPct val="107000"/>
-              </a:lnSpc>
-              <a:buFont typeface="Wingdings" panose="05000000000000000000" pitchFamily="2" charset="2"/>
-              <a:buChar char=""/>
-            </a:pPr>
-            <a:r>
-              <a:rPr lang="de-DE" sz="1100" dirty="0">
-                <a:effectLst/>
-                <a:latin typeface="Calibri" panose="020F0502020204030204" pitchFamily="34" charset="0"/>
-                <a:ea typeface="Yu Mincho" panose="02020400000000000000" pitchFamily="18" charset="-128"/>
-                <a:cs typeface="Times New Roman" panose="02020603050405020304" pitchFamily="18" charset="0"/>
-              </a:rPr>
-              <a:t>Ansicht wurde erfolgreich erzeugt.</a:t>
-            </a:r>
-          </a:p>
-          <a:p>
-            <a:pPr marL="742950" lvl="1" indent="-285750">
-              <a:lnSpc>
-                <a:spcPct val="107000"/>
-              </a:lnSpc>
-              <a:buFont typeface="Courier New" panose="02070309020205020404" pitchFamily="49" charset="0"/>
-              <a:buChar char="o"/>
-            </a:pPr>
-            <a:r>
-              <a:rPr lang="de-DE" sz="1100" b="1" dirty="0">
-                <a:effectLst/>
-                <a:latin typeface="Calibri" panose="020F0502020204030204" pitchFamily="34" charset="0"/>
-                <a:ea typeface="Yu Mincho" panose="02020400000000000000" pitchFamily="18" charset="-128"/>
-                <a:cs typeface="Times New Roman" panose="02020603050405020304" pitchFamily="18" charset="0"/>
-              </a:rPr>
-              <a:t>Fail-Kriterien</a:t>
-            </a:r>
-            <a:endParaRPr lang="de-DE" sz="1100" dirty="0">
-              <a:effectLst/>
-              <a:latin typeface="Calibri" panose="020F0502020204030204" pitchFamily="34" charset="0"/>
-              <a:ea typeface="Yu Mincho" panose="02020400000000000000" pitchFamily="18" charset="-128"/>
-              <a:cs typeface="Times New Roman" panose="02020603050405020304" pitchFamily="18" charset="0"/>
-            </a:endParaRPr>
-          </a:p>
-          <a:p>
-            <a:pPr marL="1143000" lvl="2" indent="-228600">
-              <a:lnSpc>
-                <a:spcPct val="107000"/>
-              </a:lnSpc>
-              <a:buFont typeface="Wingdings" panose="05000000000000000000" pitchFamily="2" charset="2"/>
-              <a:buChar char=""/>
-            </a:pPr>
-            <a:r>
-              <a:rPr lang="de-DE" sz="1100" dirty="0">
-                <a:effectLst/>
-                <a:latin typeface="Calibri" panose="020F0502020204030204" pitchFamily="34" charset="0"/>
-                <a:ea typeface="Yu Mincho" panose="02020400000000000000" pitchFamily="18" charset="-128"/>
-                <a:cs typeface="Times New Roman" panose="02020603050405020304" pitchFamily="18" charset="0"/>
-              </a:rPr>
-              <a:t>Bild wurde nicht aus persistentem Speicher geladen</a:t>
-            </a:r>
-          </a:p>
-          <a:p>
-            <a:pPr marL="1143000" lvl="2" indent="-228600">
-              <a:lnSpc>
-                <a:spcPct val="107000"/>
-              </a:lnSpc>
-              <a:buFont typeface="Wingdings" panose="05000000000000000000" pitchFamily="2" charset="2"/>
-              <a:buChar char=""/>
-            </a:pPr>
-            <a:r>
-              <a:rPr lang="de-DE" sz="1100" dirty="0">
-                <a:effectLst/>
-                <a:latin typeface="Calibri" panose="020F0502020204030204" pitchFamily="34" charset="0"/>
-                <a:ea typeface="Yu Mincho" panose="02020400000000000000" pitchFamily="18" charset="-128"/>
-                <a:cs typeface="Times New Roman" panose="02020603050405020304" pitchFamily="18" charset="0"/>
-              </a:rPr>
-              <a:t>Ansicht wurde nicht erzeugt</a:t>
-            </a:r>
-          </a:p>
-          <a:p>
-            <a:pPr marL="742950" lvl="1" indent="-285750">
-              <a:lnSpc>
-                <a:spcPct val="107000"/>
-              </a:lnSpc>
-              <a:buFont typeface="Courier New" panose="02070309020205020404" pitchFamily="49" charset="0"/>
-              <a:buChar char="o"/>
-            </a:pPr>
-            <a:r>
-              <a:rPr lang="de-DE" sz="1100" b="1" dirty="0" err="1">
-                <a:effectLst/>
-                <a:latin typeface="Calibri" panose="020F0502020204030204" pitchFamily="34" charset="0"/>
-                <a:ea typeface="Yu Mincho" panose="02020400000000000000" pitchFamily="18" charset="-128"/>
-                <a:cs typeface="Times New Roman" panose="02020603050405020304" pitchFamily="18" charset="0"/>
-              </a:rPr>
-              <a:t>Fallback</a:t>
-            </a:r>
-            <a:endParaRPr lang="de-DE" sz="1100" dirty="0">
-              <a:effectLst/>
-              <a:latin typeface="Calibri" panose="020F0502020204030204" pitchFamily="34" charset="0"/>
-              <a:ea typeface="Yu Mincho" panose="02020400000000000000" pitchFamily="18" charset="-128"/>
-              <a:cs typeface="Times New Roman" panose="02020603050405020304" pitchFamily="18" charset="0"/>
-            </a:endParaRPr>
-          </a:p>
-          <a:p>
-            <a:pPr marL="1143000" lvl="2" indent="-228600">
-              <a:lnSpc>
-                <a:spcPct val="107000"/>
-              </a:lnSpc>
-              <a:buFont typeface="Wingdings" panose="05000000000000000000" pitchFamily="2" charset="2"/>
-              <a:buChar char=""/>
-            </a:pPr>
-            <a:r>
-              <a:rPr lang="de-DE" sz="1100" dirty="0">
-                <a:effectLst/>
-                <a:latin typeface="Calibri" panose="020F0502020204030204" pitchFamily="34" charset="0"/>
-                <a:ea typeface="Yu Mincho" panose="02020400000000000000" pitchFamily="18" charset="-128"/>
-                <a:cs typeface="Times New Roman" panose="02020603050405020304" pitchFamily="18" charset="0"/>
-              </a:rPr>
-              <a:t>Eindeutige Fehlermeldung anzeigen</a:t>
-            </a:r>
-          </a:p>
-          <a:p>
-            <a:pPr marL="1143000" lvl="2" indent="-228600">
-              <a:lnSpc>
-                <a:spcPct val="107000"/>
-              </a:lnSpc>
-              <a:spcAft>
-                <a:spcPts val="800"/>
-              </a:spcAft>
-              <a:buFont typeface="Wingdings" panose="05000000000000000000" pitchFamily="2" charset="2"/>
-              <a:buChar char=""/>
-            </a:pPr>
-            <a:r>
-              <a:rPr lang="de-DE" sz="1100" dirty="0">
-                <a:effectLst/>
-                <a:latin typeface="Calibri" panose="020F0502020204030204" pitchFamily="34" charset="0"/>
-                <a:ea typeface="Yu Mincho" panose="02020400000000000000" pitchFamily="18" charset="-128"/>
-                <a:cs typeface="Times New Roman" panose="02020603050405020304" pitchFamily="18" charset="0"/>
-              </a:rPr>
-              <a:t>Aufforderung zum neu laden mitteilen</a:t>
-            </a:r>
+              <a:rPr lang="de-DE" sz="1600" b="1" dirty="0"/>
+              <a:t>Keine </a:t>
+            </a:r>
+            <a:r>
+              <a:rPr lang="de-DE" sz="1600" b="1" dirty="0" err="1"/>
+              <a:t>Priority</a:t>
+            </a:r>
+            <a:endParaRPr lang="de-DE" sz="1600" b="1" dirty="0"/>
+          </a:p>
+          <a:p>
+            <a:r>
+              <a:rPr lang="de-DE" sz="1600" dirty="0"/>
+              <a:t>Registrierung</a:t>
+            </a:r>
+          </a:p>
+          <a:p>
+            <a:r>
+              <a:rPr lang="de-DE" sz="1600" dirty="0"/>
+              <a:t>Verschlüsselung</a:t>
+            </a:r>
+          </a:p>
+          <a:p>
+            <a:r>
+              <a:rPr lang="de-DE" sz="1600" dirty="0"/>
+              <a:t>„Befreunden“ mit anderem User</a:t>
+            </a:r>
+          </a:p>
+          <a:p>
+            <a:r>
+              <a:rPr lang="de-DE" sz="1600" dirty="0"/>
+              <a:t>Annahme „Befreundung“</a:t>
+            </a:r>
+          </a:p>
+          <a:p>
+            <a:r>
+              <a:rPr lang="de-DE" sz="1600" dirty="0"/>
+              <a:t>Chat Funktion</a:t>
+            </a:r>
+          </a:p>
+          <a:p>
+            <a:r>
+              <a:rPr lang="de-DE" sz="1600" dirty="0"/>
+              <a:t>Zugriff auf Datenbank</a:t>
+            </a:r>
+          </a:p>
+          <a:p>
+            <a:endParaRPr lang="de-DE" b="1" dirty="0"/>
           </a:p>
         </p:txBody>
       </p:sp>
@@ -8611,7 +8219,7 @@
     </p:spTree>
     <p:extLst>
       <p:ext uri="{BB962C8B-B14F-4D97-AF65-F5344CB8AC3E}">
-        <p14:creationId xmlns:p14="http://schemas.microsoft.com/office/powerpoint/2010/main" val="1195816902"/>
+        <p14:creationId xmlns:p14="http://schemas.microsoft.com/office/powerpoint/2010/main" val="3388715465"/>
       </p:ext>
     </p:extLst>
   </p:cSld>
@@ -8662,6 +8270,826 @@
             <a:pPr algn="ctr"/>
             <a:r>
               <a:rPr lang="de-DE" dirty="0"/>
+              <a:t>POC Bildaufruf/-abruf</a:t>
+            </a:r>
+          </a:p>
+        </p:txBody>
+      </p:sp>
+      <p:sp>
+        <p:nvSpPr>
+          <p:cNvPr id="3" name="Inhaltsplatzhalter 2">
+            <a:extLst>
+              <a:ext uri="{FF2B5EF4-FFF2-40B4-BE49-F238E27FC236}">
+                <a16:creationId xmlns:a16="http://schemas.microsoft.com/office/drawing/2014/main" id="{26828B3D-0288-9D01-3FAB-ED2A638AE90B}"/>
+              </a:ext>
+            </a:extLst>
+          </p:cNvPr>
+          <p:cNvSpPr>
+            <a:spLocks noGrp="1"/>
+          </p:cNvSpPr>
+          <p:nvPr>
+            <p:ph sz="half" idx="1"/>
+          </p:nvPr>
+        </p:nvSpPr>
+        <p:spPr>
+          <a:xfrm>
+            <a:off x="838200" y="1825625"/>
+            <a:ext cx="5181600" cy="4769728"/>
+          </a:xfrm>
+        </p:spPr>
+        <p:txBody>
+          <a:bodyPr>
+            <a:normAutofit fontScale="92500" lnSpcReduction="20000"/>
+          </a:bodyPr>
+          <a:lstStyle/>
+          <a:p>
+            <a:pPr marL="342900" lvl="0" indent="-342900">
+              <a:lnSpc>
+                <a:spcPct val="107000"/>
+              </a:lnSpc>
+              <a:buFont typeface="Symbol" panose="05050102010706020507" pitchFamily="18" charset="2"/>
+              <a:buChar char=""/>
+            </a:pPr>
+            <a:r>
+              <a:rPr lang="de-DE" sz="1200" u="sng" dirty="0">
+                <a:effectLst/>
+                <a:latin typeface="Calibri" panose="020F0502020204030204" pitchFamily="34" charset="0"/>
+                <a:ea typeface="Yu Mincho" panose="02020400000000000000" pitchFamily="18" charset="-128"/>
+                <a:cs typeface="Times New Roman" panose="02020603050405020304" pitchFamily="18" charset="0"/>
+              </a:rPr>
+              <a:t>Upload eines Bildes</a:t>
+            </a:r>
+            <a:endParaRPr lang="de-DE" sz="1200" dirty="0">
+              <a:effectLst/>
+              <a:latin typeface="Calibri" panose="020F0502020204030204" pitchFamily="34" charset="0"/>
+              <a:ea typeface="Yu Mincho" panose="02020400000000000000" pitchFamily="18" charset="-128"/>
+              <a:cs typeface="Times New Roman" panose="02020603050405020304" pitchFamily="18" charset="0"/>
+            </a:endParaRPr>
+          </a:p>
+          <a:p>
+            <a:pPr marL="742950" lvl="1" indent="-285750">
+              <a:lnSpc>
+                <a:spcPct val="107000"/>
+              </a:lnSpc>
+              <a:buFont typeface="Courier New" panose="02070309020205020404" pitchFamily="49" charset="0"/>
+              <a:buChar char="o"/>
+            </a:pPr>
+            <a:r>
+              <a:rPr lang="de-DE" sz="1200" b="1" dirty="0">
+                <a:effectLst/>
+                <a:latin typeface="Calibri" panose="020F0502020204030204" pitchFamily="34" charset="0"/>
+                <a:ea typeface="Yu Mincho" panose="02020400000000000000" pitchFamily="18" charset="-128"/>
+                <a:cs typeface="Times New Roman" panose="02020603050405020304" pitchFamily="18" charset="0"/>
+              </a:rPr>
+              <a:t>Ablauf</a:t>
+            </a:r>
+            <a:endParaRPr lang="de-DE" sz="1200" dirty="0">
+              <a:effectLst/>
+              <a:latin typeface="Calibri" panose="020F0502020204030204" pitchFamily="34" charset="0"/>
+              <a:ea typeface="Yu Mincho" panose="02020400000000000000" pitchFamily="18" charset="-128"/>
+              <a:cs typeface="Times New Roman" panose="02020603050405020304" pitchFamily="18" charset="0"/>
+            </a:endParaRPr>
+          </a:p>
+          <a:p>
+            <a:pPr marL="1143000" lvl="2" indent="-228600">
+              <a:lnSpc>
+                <a:spcPct val="107000"/>
+              </a:lnSpc>
+              <a:buFont typeface="Wingdings" panose="05000000000000000000" pitchFamily="2" charset="2"/>
+              <a:buChar char=""/>
+            </a:pPr>
+            <a:r>
+              <a:rPr lang="de-DE" sz="1200" dirty="0">
+                <a:effectLst/>
+                <a:latin typeface="Calibri" panose="020F0502020204030204" pitchFamily="34" charset="0"/>
+                <a:ea typeface="Yu Mincho" panose="02020400000000000000" pitchFamily="18" charset="-128"/>
+                <a:cs typeface="Times New Roman" panose="02020603050405020304" pitchFamily="18" charset="0"/>
+              </a:rPr>
+              <a:t>Aufruf einer Upload Funktion</a:t>
+            </a:r>
+          </a:p>
+          <a:p>
+            <a:pPr marL="1143000" lvl="2" indent="-228600">
+              <a:lnSpc>
+                <a:spcPct val="107000"/>
+              </a:lnSpc>
+              <a:buFont typeface="Wingdings" panose="05000000000000000000" pitchFamily="2" charset="2"/>
+              <a:buChar char=""/>
+            </a:pPr>
+            <a:r>
+              <a:rPr lang="de-DE" sz="1200" dirty="0">
+                <a:effectLst/>
+                <a:latin typeface="Calibri" panose="020F0502020204030204" pitchFamily="34" charset="0"/>
+                <a:ea typeface="Yu Mincho" panose="02020400000000000000" pitchFamily="18" charset="-128"/>
+                <a:cs typeface="Times New Roman" panose="02020603050405020304" pitchFamily="18" charset="0"/>
+              </a:rPr>
+              <a:t>Auslesen des Bild mit Unterstützung gängiger Bildformate</a:t>
+            </a:r>
+          </a:p>
+          <a:p>
+            <a:pPr marL="1143000" lvl="2" indent="-228600">
+              <a:lnSpc>
+                <a:spcPct val="107000"/>
+              </a:lnSpc>
+              <a:buFont typeface="Wingdings" panose="05000000000000000000" pitchFamily="2" charset="2"/>
+              <a:buChar char=""/>
+            </a:pPr>
+            <a:r>
+              <a:rPr lang="de-DE" sz="1200" dirty="0">
+                <a:effectLst/>
+                <a:latin typeface="Calibri" panose="020F0502020204030204" pitchFamily="34" charset="0"/>
+                <a:ea typeface="Yu Mincho" panose="02020400000000000000" pitchFamily="18" charset="-128"/>
+                <a:cs typeface="Times New Roman" panose="02020603050405020304" pitchFamily="18" charset="0"/>
+              </a:rPr>
+              <a:t>Automatisches Auslesen der erforderlichen Metadaten</a:t>
+            </a:r>
+          </a:p>
+          <a:p>
+            <a:pPr marL="1143000" lvl="2" indent="-228600">
+              <a:lnSpc>
+                <a:spcPct val="107000"/>
+              </a:lnSpc>
+              <a:buFont typeface="Wingdings" panose="05000000000000000000" pitchFamily="2" charset="2"/>
+              <a:buChar char=""/>
+            </a:pPr>
+            <a:r>
+              <a:rPr lang="de-DE" sz="1200" dirty="0">
+                <a:effectLst/>
+                <a:latin typeface="Calibri" panose="020F0502020204030204" pitchFamily="34" charset="0"/>
+                <a:ea typeface="Yu Mincho" panose="02020400000000000000" pitchFamily="18" charset="-128"/>
+                <a:cs typeface="Times New Roman" panose="02020603050405020304" pitchFamily="18" charset="0"/>
+              </a:rPr>
+              <a:t>Erzeugen eines Bildobjekts mit Bild und Metadaten</a:t>
+            </a:r>
+          </a:p>
+          <a:p>
+            <a:pPr marL="1143000" lvl="2" indent="-228600">
+              <a:lnSpc>
+                <a:spcPct val="107000"/>
+              </a:lnSpc>
+              <a:buFont typeface="Wingdings" panose="05000000000000000000" pitchFamily="2" charset="2"/>
+              <a:buChar char=""/>
+            </a:pPr>
+            <a:r>
+              <a:rPr lang="de-DE" sz="1200" dirty="0">
+                <a:effectLst/>
+                <a:latin typeface="Calibri" panose="020F0502020204030204" pitchFamily="34" charset="0"/>
+                <a:ea typeface="Yu Mincho" panose="02020400000000000000" pitchFamily="18" charset="-128"/>
+                <a:cs typeface="Times New Roman" panose="02020603050405020304" pitchFamily="18" charset="0"/>
+              </a:rPr>
+              <a:t>Abspeichern des Bildobjekts</a:t>
+            </a:r>
+          </a:p>
+          <a:p>
+            <a:pPr marL="742950" lvl="1" indent="-285750">
+              <a:lnSpc>
+                <a:spcPct val="107000"/>
+              </a:lnSpc>
+              <a:buFont typeface="Courier New" panose="02070309020205020404" pitchFamily="49" charset="0"/>
+              <a:buChar char="o"/>
+            </a:pPr>
+            <a:r>
+              <a:rPr lang="de-DE" sz="1200" b="1" dirty="0">
+                <a:effectLst/>
+                <a:latin typeface="Calibri" panose="020F0502020204030204" pitchFamily="34" charset="0"/>
+                <a:ea typeface="Yu Mincho" panose="02020400000000000000" pitchFamily="18" charset="-128"/>
+                <a:cs typeface="Times New Roman" panose="02020603050405020304" pitchFamily="18" charset="0"/>
+              </a:rPr>
+              <a:t>Exit-Kriterien</a:t>
+            </a:r>
+            <a:endParaRPr lang="de-DE" sz="1200" dirty="0">
+              <a:effectLst/>
+              <a:latin typeface="Calibri" panose="020F0502020204030204" pitchFamily="34" charset="0"/>
+              <a:ea typeface="Yu Mincho" panose="02020400000000000000" pitchFamily="18" charset="-128"/>
+              <a:cs typeface="Times New Roman" panose="02020603050405020304" pitchFamily="18" charset="0"/>
+            </a:endParaRPr>
+          </a:p>
+          <a:p>
+            <a:pPr marL="1143000" lvl="2" indent="-228600">
+              <a:lnSpc>
+                <a:spcPct val="107000"/>
+              </a:lnSpc>
+              <a:buFont typeface="Wingdings" panose="05000000000000000000" pitchFamily="2" charset="2"/>
+              <a:buChar char=""/>
+            </a:pPr>
+            <a:r>
+              <a:rPr lang="de-DE" sz="1200" dirty="0">
+                <a:effectLst/>
+                <a:latin typeface="Calibri" panose="020F0502020204030204" pitchFamily="34" charset="0"/>
+                <a:ea typeface="Yu Mincho" panose="02020400000000000000" pitchFamily="18" charset="-128"/>
+                <a:cs typeface="Times New Roman" panose="02020603050405020304" pitchFamily="18" charset="0"/>
+              </a:rPr>
+              <a:t>Funktion konnte aufgerufen werden und Eingaben wurden erfolgreich und korrekt übernommen.</a:t>
+            </a:r>
+          </a:p>
+          <a:p>
+            <a:pPr marL="1143000" lvl="2" indent="-228600">
+              <a:lnSpc>
+                <a:spcPct val="107000"/>
+              </a:lnSpc>
+              <a:buFont typeface="Wingdings" panose="05000000000000000000" pitchFamily="2" charset="2"/>
+              <a:buChar char=""/>
+            </a:pPr>
+            <a:r>
+              <a:rPr lang="de-DE" sz="1200" dirty="0">
+                <a:effectLst/>
+                <a:latin typeface="Calibri" panose="020F0502020204030204" pitchFamily="34" charset="0"/>
+                <a:ea typeface="Yu Mincho" panose="02020400000000000000" pitchFamily="18" charset="-128"/>
+                <a:cs typeface="Times New Roman" panose="02020603050405020304" pitchFamily="18" charset="0"/>
+              </a:rPr>
+              <a:t>Bilddaten konnten erfolgreich geladen werden.</a:t>
+            </a:r>
+          </a:p>
+          <a:p>
+            <a:pPr marL="1143000" lvl="2" indent="-228600">
+              <a:lnSpc>
+                <a:spcPct val="107000"/>
+              </a:lnSpc>
+              <a:buFont typeface="Wingdings" panose="05000000000000000000" pitchFamily="2" charset="2"/>
+              <a:buChar char=""/>
+            </a:pPr>
+            <a:r>
+              <a:rPr lang="de-DE" sz="1200" dirty="0">
+                <a:effectLst/>
+                <a:latin typeface="Calibri" panose="020F0502020204030204" pitchFamily="34" charset="0"/>
+                <a:ea typeface="Yu Mincho" panose="02020400000000000000" pitchFamily="18" charset="-128"/>
+                <a:cs typeface="Times New Roman" panose="02020603050405020304" pitchFamily="18" charset="0"/>
+              </a:rPr>
+              <a:t>Neues Bildobjekt wurde erfolgreich erzeugt und abgespeichert.</a:t>
+            </a:r>
+          </a:p>
+          <a:p>
+            <a:pPr marL="742950" lvl="1" indent="-285750">
+              <a:lnSpc>
+                <a:spcPct val="107000"/>
+              </a:lnSpc>
+              <a:buFont typeface="Courier New" panose="02070309020205020404" pitchFamily="49" charset="0"/>
+              <a:buChar char="o"/>
+            </a:pPr>
+            <a:r>
+              <a:rPr lang="de-DE" sz="1200" b="1" dirty="0">
+                <a:effectLst/>
+                <a:latin typeface="Calibri" panose="020F0502020204030204" pitchFamily="34" charset="0"/>
+                <a:ea typeface="Yu Mincho" panose="02020400000000000000" pitchFamily="18" charset="-128"/>
+                <a:cs typeface="Times New Roman" panose="02020603050405020304" pitchFamily="18" charset="0"/>
+              </a:rPr>
+              <a:t>Fail-Kriterien</a:t>
+            </a:r>
+            <a:endParaRPr lang="de-DE" sz="1200" dirty="0">
+              <a:effectLst/>
+              <a:latin typeface="Calibri" panose="020F0502020204030204" pitchFamily="34" charset="0"/>
+              <a:ea typeface="Yu Mincho" panose="02020400000000000000" pitchFamily="18" charset="-128"/>
+              <a:cs typeface="Times New Roman" panose="02020603050405020304" pitchFamily="18" charset="0"/>
+            </a:endParaRPr>
+          </a:p>
+          <a:p>
+            <a:pPr marL="1143000" lvl="2" indent="-228600">
+              <a:lnSpc>
+                <a:spcPct val="107000"/>
+              </a:lnSpc>
+              <a:buFont typeface="Wingdings" panose="05000000000000000000" pitchFamily="2" charset="2"/>
+              <a:buChar char=""/>
+            </a:pPr>
+            <a:r>
+              <a:rPr lang="de-DE" sz="1200" dirty="0">
+                <a:effectLst/>
+                <a:latin typeface="Calibri" panose="020F0502020204030204" pitchFamily="34" charset="0"/>
+                <a:ea typeface="Yu Mincho" panose="02020400000000000000" pitchFamily="18" charset="-128"/>
+                <a:cs typeface="Times New Roman" panose="02020603050405020304" pitchFamily="18" charset="0"/>
+              </a:rPr>
+              <a:t>Bilddaten konnten gar nicht geladen werden</a:t>
+            </a:r>
+          </a:p>
+          <a:p>
+            <a:pPr marL="1143000" lvl="2" indent="-228600">
+              <a:lnSpc>
+                <a:spcPct val="107000"/>
+              </a:lnSpc>
+              <a:buFont typeface="Wingdings" panose="05000000000000000000" pitchFamily="2" charset="2"/>
+              <a:buChar char=""/>
+            </a:pPr>
+            <a:r>
+              <a:rPr lang="de-DE" sz="1200" dirty="0">
+                <a:effectLst/>
+                <a:latin typeface="Calibri" panose="020F0502020204030204" pitchFamily="34" charset="0"/>
+                <a:ea typeface="Yu Mincho" panose="02020400000000000000" pitchFamily="18" charset="-128"/>
+                <a:cs typeface="Times New Roman" panose="02020603050405020304" pitchFamily="18" charset="0"/>
+              </a:rPr>
+              <a:t>Nur begrenzte Bildformate konnten unterstützt werden</a:t>
+            </a:r>
+          </a:p>
+          <a:p>
+            <a:pPr marL="1143000" lvl="2" indent="-228600">
+              <a:lnSpc>
+                <a:spcPct val="107000"/>
+              </a:lnSpc>
+              <a:buFont typeface="Wingdings" panose="05000000000000000000" pitchFamily="2" charset="2"/>
+              <a:buChar char=""/>
+            </a:pPr>
+            <a:r>
+              <a:rPr lang="de-DE" sz="1200" dirty="0">
+                <a:effectLst/>
+                <a:latin typeface="Calibri" panose="020F0502020204030204" pitchFamily="34" charset="0"/>
+                <a:ea typeface="Yu Mincho" panose="02020400000000000000" pitchFamily="18" charset="-128"/>
+                <a:cs typeface="Times New Roman" panose="02020603050405020304" pitchFamily="18" charset="0"/>
+              </a:rPr>
+              <a:t>Neues Bildobjekt konnte nicht erzeugt werden</a:t>
+            </a:r>
+          </a:p>
+          <a:p>
+            <a:pPr marL="1143000" lvl="2" indent="-228600">
+              <a:lnSpc>
+                <a:spcPct val="107000"/>
+              </a:lnSpc>
+              <a:buFont typeface="Wingdings" panose="05000000000000000000" pitchFamily="2" charset="2"/>
+              <a:buChar char=""/>
+            </a:pPr>
+            <a:r>
+              <a:rPr lang="de-DE" sz="1200" dirty="0">
+                <a:effectLst/>
+                <a:latin typeface="Calibri" panose="020F0502020204030204" pitchFamily="34" charset="0"/>
+                <a:ea typeface="Yu Mincho" panose="02020400000000000000" pitchFamily="18" charset="-128"/>
+                <a:cs typeface="Times New Roman" panose="02020603050405020304" pitchFamily="18" charset="0"/>
+              </a:rPr>
+              <a:t>Bildobjekt konnte nicht abgespeichert werden</a:t>
+            </a:r>
+          </a:p>
+          <a:p>
+            <a:pPr marL="742950" lvl="1" indent="-285750">
+              <a:lnSpc>
+                <a:spcPct val="107000"/>
+              </a:lnSpc>
+              <a:buFont typeface="Courier New" panose="02070309020205020404" pitchFamily="49" charset="0"/>
+              <a:buChar char="o"/>
+            </a:pPr>
+            <a:r>
+              <a:rPr lang="de-DE" sz="1200" b="1" dirty="0" err="1">
+                <a:effectLst/>
+                <a:latin typeface="Calibri" panose="020F0502020204030204" pitchFamily="34" charset="0"/>
+                <a:ea typeface="Yu Mincho" panose="02020400000000000000" pitchFamily="18" charset="-128"/>
+                <a:cs typeface="Times New Roman" panose="02020603050405020304" pitchFamily="18" charset="0"/>
+              </a:rPr>
+              <a:t>Fallback</a:t>
+            </a:r>
+            <a:endParaRPr lang="de-DE" sz="1200" dirty="0">
+              <a:effectLst/>
+              <a:latin typeface="Calibri" panose="020F0502020204030204" pitchFamily="34" charset="0"/>
+              <a:ea typeface="Yu Mincho" panose="02020400000000000000" pitchFamily="18" charset="-128"/>
+              <a:cs typeface="Times New Roman" panose="02020603050405020304" pitchFamily="18" charset="0"/>
+            </a:endParaRPr>
+          </a:p>
+          <a:p>
+            <a:pPr marL="1143000" lvl="2" indent="-228600">
+              <a:lnSpc>
+                <a:spcPct val="107000"/>
+              </a:lnSpc>
+              <a:buFont typeface="Wingdings" panose="05000000000000000000" pitchFamily="2" charset="2"/>
+              <a:buChar char=""/>
+            </a:pPr>
+            <a:r>
+              <a:rPr lang="de-DE" sz="1200" dirty="0">
+                <a:effectLst/>
+                <a:latin typeface="Calibri" panose="020F0502020204030204" pitchFamily="34" charset="0"/>
+                <a:ea typeface="Yu Mincho" panose="02020400000000000000" pitchFamily="18" charset="-128"/>
+                <a:cs typeface="Times New Roman" panose="02020603050405020304" pitchFamily="18" charset="0"/>
+              </a:rPr>
+              <a:t>Aus Eindeutige Fehlermeldung wenn technische Fehler bei der Ausführung der Upload Funktion erfolgen</a:t>
+            </a:r>
+          </a:p>
+          <a:p>
+            <a:pPr marL="1143000" lvl="2" indent="-228600">
+              <a:lnSpc>
+                <a:spcPct val="107000"/>
+              </a:lnSpc>
+              <a:buFont typeface="Wingdings" panose="05000000000000000000" pitchFamily="2" charset="2"/>
+              <a:buChar char=""/>
+            </a:pPr>
+            <a:r>
+              <a:rPr lang="de-DE" sz="1200" dirty="0">
+                <a:effectLst/>
+                <a:latin typeface="Calibri" panose="020F0502020204030204" pitchFamily="34" charset="0"/>
+                <a:ea typeface="Yu Mincho" panose="02020400000000000000" pitchFamily="18" charset="-128"/>
+                <a:cs typeface="Times New Roman" panose="02020603050405020304" pitchFamily="18" charset="0"/>
+              </a:rPr>
+              <a:t>Bild wird ohne Metadaten gespeichert</a:t>
+            </a:r>
+          </a:p>
+          <a:p>
+            <a:pPr marL="1143000" lvl="2" indent="-228600">
+              <a:lnSpc>
+                <a:spcPct val="107000"/>
+              </a:lnSpc>
+              <a:spcAft>
+                <a:spcPts val="800"/>
+              </a:spcAft>
+              <a:buFont typeface="Wingdings" panose="05000000000000000000" pitchFamily="2" charset="2"/>
+              <a:buChar char=""/>
+            </a:pPr>
+            <a:r>
+              <a:rPr lang="de-DE" sz="1200" dirty="0">
+                <a:effectLst/>
+                <a:latin typeface="Calibri" panose="020F0502020204030204" pitchFamily="34" charset="0"/>
+                <a:ea typeface="Yu Mincho" panose="02020400000000000000" pitchFamily="18" charset="-128"/>
+                <a:cs typeface="Times New Roman" panose="02020603050405020304" pitchFamily="18" charset="0"/>
+              </a:rPr>
+              <a:t>Es werden begrenzte Bildformate gefordert</a:t>
+            </a:r>
+            <a:endParaRPr lang="de-DE" sz="1200" dirty="0">
+              <a:effectLst/>
+              <a:latin typeface="Calibri" panose="020F0502020204030204" pitchFamily="34" charset="0"/>
+              <a:ea typeface="Calibri" panose="020F0502020204030204" pitchFamily="34" charset="0"/>
+              <a:cs typeface="Times New Roman" panose="02020603050405020304" pitchFamily="18" charset="0"/>
+            </a:endParaRPr>
+          </a:p>
+        </p:txBody>
+      </p:sp>
+      <p:sp>
+        <p:nvSpPr>
+          <p:cNvPr id="6" name="Inhaltsplatzhalter 5">
+            <a:extLst>
+              <a:ext uri="{FF2B5EF4-FFF2-40B4-BE49-F238E27FC236}">
+                <a16:creationId xmlns:a16="http://schemas.microsoft.com/office/drawing/2014/main" id="{D27F10EA-731C-BC21-64B1-413E86CA7C17}"/>
+              </a:ext>
+            </a:extLst>
+          </p:cNvPr>
+          <p:cNvSpPr>
+            <a:spLocks noGrp="1"/>
+          </p:cNvSpPr>
+          <p:nvPr>
+            <p:ph sz="half" idx="2"/>
+          </p:nvPr>
+        </p:nvSpPr>
+        <p:spPr>
+          <a:xfrm>
+            <a:off x="6172200" y="1825625"/>
+            <a:ext cx="5181600" cy="4769728"/>
+          </a:xfrm>
+        </p:spPr>
+        <p:txBody>
+          <a:bodyPr anchor="t" anchorCtr="0">
+            <a:normAutofit fontScale="92500" lnSpcReduction="20000"/>
+          </a:bodyPr>
+          <a:lstStyle/>
+          <a:p>
+            <a:pPr marL="342900" lvl="0" indent="-342900">
+              <a:lnSpc>
+                <a:spcPct val="107000"/>
+              </a:lnSpc>
+              <a:buFont typeface="Symbol" panose="05050102010706020507" pitchFamily="18" charset="2"/>
+              <a:buChar char=""/>
+            </a:pPr>
+            <a:r>
+              <a:rPr lang="de-DE" sz="1100" u="sng" dirty="0">
+                <a:effectLst/>
+                <a:latin typeface="Calibri" panose="020F0502020204030204" pitchFamily="34" charset="0"/>
+                <a:ea typeface="Yu Mincho" panose="02020400000000000000" pitchFamily="18" charset="-128"/>
+                <a:cs typeface="Times New Roman" panose="02020603050405020304" pitchFamily="18" charset="0"/>
+              </a:rPr>
+              <a:t>Aufruf eines gespeicherten Bildes</a:t>
+            </a:r>
+            <a:endParaRPr lang="de-DE" sz="1100" dirty="0">
+              <a:effectLst/>
+              <a:latin typeface="Calibri" panose="020F0502020204030204" pitchFamily="34" charset="0"/>
+              <a:ea typeface="Yu Mincho" panose="02020400000000000000" pitchFamily="18" charset="-128"/>
+              <a:cs typeface="Times New Roman" panose="02020603050405020304" pitchFamily="18" charset="0"/>
+            </a:endParaRPr>
+          </a:p>
+          <a:p>
+            <a:pPr marL="742950" lvl="1" indent="-285750">
+              <a:lnSpc>
+                <a:spcPct val="107000"/>
+              </a:lnSpc>
+              <a:buFont typeface="Courier New" panose="02070309020205020404" pitchFamily="49" charset="0"/>
+              <a:buChar char="o"/>
+            </a:pPr>
+            <a:r>
+              <a:rPr lang="de-DE" sz="1100" b="1" dirty="0">
+                <a:effectLst/>
+                <a:latin typeface="Calibri" panose="020F0502020204030204" pitchFamily="34" charset="0"/>
+                <a:ea typeface="Yu Mincho" panose="02020400000000000000" pitchFamily="18" charset="-128"/>
+                <a:cs typeface="Times New Roman" panose="02020603050405020304" pitchFamily="18" charset="0"/>
+              </a:rPr>
+              <a:t>Ablauf</a:t>
+            </a:r>
+            <a:endParaRPr lang="de-DE" sz="1100" dirty="0">
+              <a:effectLst/>
+              <a:latin typeface="Calibri" panose="020F0502020204030204" pitchFamily="34" charset="0"/>
+              <a:ea typeface="Yu Mincho" panose="02020400000000000000" pitchFamily="18" charset="-128"/>
+              <a:cs typeface="Times New Roman" panose="02020603050405020304" pitchFamily="18" charset="0"/>
+            </a:endParaRPr>
+          </a:p>
+          <a:p>
+            <a:pPr marL="1143000" lvl="2" indent="-228600">
+              <a:lnSpc>
+                <a:spcPct val="107000"/>
+              </a:lnSpc>
+              <a:buFont typeface="Wingdings" panose="05000000000000000000" pitchFamily="2" charset="2"/>
+              <a:buChar char=""/>
+            </a:pPr>
+            <a:r>
+              <a:rPr lang="de-DE" sz="1100" dirty="0">
+                <a:effectLst/>
+                <a:latin typeface="Calibri" panose="020F0502020204030204" pitchFamily="34" charset="0"/>
+                <a:ea typeface="Yu Mincho" panose="02020400000000000000" pitchFamily="18" charset="-128"/>
+                <a:cs typeface="Times New Roman" panose="02020603050405020304" pitchFamily="18" charset="0"/>
+              </a:rPr>
+              <a:t>Bild wird aus persistentem Speicher geladen</a:t>
+            </a:r>
+          </a:p>
+          <a:p>
+            <a:pPr marL="1143000" lvl="2" indent="-228600">
+              <a:lnSpc>
+                <a:spcPct val="107000"/>
+              </a:lnSpc>
+              <a:buFont typeface="Wingdings" panose="05000000000000000000" pitchFamily="2" charset="2"/>
+              <a:buChar char=""/>
+            </a:pPr>
+            <a:r>
+              <a:rPr lang="de-DE" sz="1100" dirty="0">
+                <a:effectLst/>
+                <a:latin typeface="Calibri" panose="020F0502020204030204" pitchFamily="34" charset="0"/>
+                <a:ea typeface="Yu Mincho" panose="02020400000000000000" pitchFamily="18" charset="-128"/>
+                <a:cs typeface="Times New Roman" panose="02020603050405020304" pitchFamily="18" charset="0"/>
+              </a:rPr>
+              <a:t>Ansicht des Bildobjekts erzeugen</a:t>
+            </a:r>
+          </a:p>
+          <a:p>
+            <a:pPr marL="742950" lvl="1" indent="-285750">
+              <a:lnSpc>
+                <a:spcPct val="107000"/>
+              </a:lnSpc>
+              <a:buFont typeface="Courier New" panose="02070309020205020404" pitchFamily="49" charset="0"/>
+              <a:buChar char="o"/>
+            </a:pPr>
+            <a:r>
+              <a:rPr lang="de-DE" sz="1100" b="1" dirty="0">
+                <a:effectLst/>
+                <a:latin typeface="Calibri" panose="020F0502020204030204" pitchFamily="34" charset="0"/>
+                <a:ea typeface="Yu Mincho" panose="02020400000000000000" pitchFamily="18" charset="-128"/>
+                <a:cs typeface="Times New Roman" panose="02020603050405020304" pitchFamily="18" charset="0"/>
+              </a:rPr>
+              <a:t>Exit-Kriterien</a:t>
+            </a:r>
+            <a:endParaRPr lang="de-DE" sz="1100" dirty="0">
+              <a:effectLst/>
+              <a:latin typeface="Calibri" panose="020F0502020204030204" pitchFamily="34" charset="0"/>
+              <a:ea typeface="Yu Mincho" panose="02020400000000000000" pitchFamily="18" charset="-128"/>
+              <a:cs typeface="Times New Roman" panose="02020603050405020304" pitchFamily="18" charset="0"/>
+            </a:endParaRPr>
+          </a:p>
+          <a:p>
+            <a:pPr marL="1143000" lvl="2" indent="-228600">
+              <a:lnSpc>
+                <a:spcPct val="107000"/>
+              </a:lnSpc>
+              <a:buFont typeface="Wingdings" panose="05000000000000000000" pitchFamily="2" charset="2"/>
+              <a:buChar char=""/>
+            </a:pPr>
+            <a:r>
+              <a:rPr lang="de-DE" sz="1100" dirty="0">
+                <a:effectLst/>
+                <a:latin typeface="Calibri" panose="020F0502020204030204" pitchFamily="34" charset="0"/>
+                <a:ea typeface="Yu Mincho" panose="02020400000000000000" pitchFamily="18" charset="-128"/>
+                <a:cs typeface="Times New Roman" panose="02020603050405020304" pitchFamily="18" charset="0"/>
+              </a:rPr>
+              <a:t>Bild wurde erfolgreich aus persistentem Speicher geladen</a:t>
+            </a:r>
+          </a:p>
+          <a:p>
+            <a:pPr marL="1143000" lvl="2" indent="-228600">
+              <a:lnSpc>
+                <a:spcPct val="107000"/>
+              </a:lnSpc>
+              <a:buFont typeface="Wingdings" panose="05000000000000000000" pitchFamily="2" charset="2"/>
+              <a:buChar char=""/>
+            </a:pPr>
+            <a:r>
+              <a:rPr lang="de-DE" sz="1100" dirty="0">
+                <a:effectLst/>
+                <a:latin typeface="Calibri" panose="020F0502020204030204" pitchFamily="34" charset="0"/>
+                <a:ea typeface="Yu Mincho" panose="02020400000000000000" pitchFamily="18" charset="-128"/>
+                <a:cs typeface="Times New Roman" panose="02020603050405020304" pitchFamily="18" charset="0"/>
+              </a:rPr>
+              <a:t>Ansicht wurde erfolgreich erzeugt.</a:t>
+            </a:r>
+          </a:p>
+          <a:p>
+            <a:pPr marL="742950" lvl="1" indent="-285750">
+              <a:lnSpc>
+                <a:spcPct val="107000"/>
+              </a:lnSpc>
+              <a:buFont typeface="Courier New" panose="02070309020205020404" pitchFamily="49" charset="0"/>
+              <a:buChar char="o"/>
+            </a:pPr>
+            <a:r>
+              <a:rPr lang="de-DE" sz="1100" b="1" dirty="0">
+                <a:effectLst/>
+                <a:latin typeface="Calibri" panose="020F0502020204030204" pitchFamily="34" charset="0"/>
+                <a:ea typeface="Yu Mincho" panose="02020400000000000000" pitchFamily="18" charset="-128"/>
+                <a:cs typeface="Times New Roman" panose="02020603050405020304" pitchFamily="18" charset="0"/>
+              </a:rPr>
+              <a:t>Fail-Kriterien</a:t>
+            </a:r>
+            <a:endParaRPr lang="de-DE" sz="1100" dirty="0">
+              <a:effectLst/>
+              <a:latin typeface="Calibri" panose="020F0502020204030204" pitchFamily="34" charset="0"/>
+              <a:ea typeface="Yu Mincho" panose="02020400000000000000" pitchFamily="18" charset="-128"/>
+              <a:cs typeface="Times New Roman" panose="02020603050405020304" pitchFamily="18" charset="0"/>
+            </a:endParaRPr>
+          </a:p>
+          <a:p>
+            <a:pPr marL="1143000" lvl="2" indent="-228600">
+              <a:lnSpc>
+                <a:spcPct val="107000"/>
+              </a:lnSpc>
+              <a:buFont typeface="Wingdings" panose="05000000000000000000" pitchFamily="2" charset="2"/>
+              <a:buChar char=""/>
+            </a:pPr>
+            <a:r>
+              <a:rPr lang="de-DE" sz="1100" dirty="0">
+                <a:effectLst/>
+                <a:latin typeface="Calibri" panose="020F0502020204030204" pitchFamily="34" charset="0"/>
+                <a:ea typeface="Yu Mincho" panose="02020400000000000000" pitchFamily="18" charset="-128"/>
+                <a:cs typeface="Times New Roman" panose="02020603050405020304" pitchFamily="18" charset="0"/>
+              </a:rPr>
+              <a:t>Bild wurde nicht aus persistentem Speicher geladen</a:t>
+            </a:r>
+          </a:p>
+          <a:p>
+            <a:pPr marL="1143000" lvl="2" indent="-228600">
+              <a:lnSpc>
+                <a:spcPct val="107000"/>
+              </a:lnSpc>
+              <a:buFont typeface="Wingdings" panose="05000000000000000000" pitchFamily="2" charset="2"/>
+              <a:buChar char=""/>
+            </a:pPr>
+            <a:r>
+              <a:rPr lang="de-DE" sz="1100" dirty="0">
+                <a:effectLst/>
+                <a:latin typeface="Calibri" panose="020F0502020204030204" pitchFamily="34" charset="0"/>
+                <a:ea typeface="Yu Mincho" panose="02020400000000000000" pitchFamily="18" charset="-128"/>
+                <a:cs typeface="Times New Roman" panose="02020603050405020304" pitchFamily="18" charset="0"/>
+              </a:rPr>
+              <a:t>Ansicht wurde nicht erzeugt</a:t>
+            </a:r>
+          </a:p>
+          <a:p>
+            <a:pPr marL="742950" lvl="1" indent="-285750">
+              <a:lnSpc>
+                <a:spcPct val="107000"/>
+              </a:lnSpc>
+              <a:buFont typeface="Courier New" panose="02070309020205020404" pitchFamily="49" charset="0"/>
+              <a:buChar char="o"/>
+            </a:pPr>
+            <a:r>
+              <a:rPr lang="de-DE" sz="1100" b="1" dirty="0" err="1">
+                <a:effectLst/>
+                <a:latin typeface="Calibri" panose="020F0502020204030204" pitchFamily="34" charset="0"/>
+                <a:ea typeface="Yu Mincho" panose="02020400000000000000" pitchFamily="18" charset="-128"/>
+                <a:cs typeface="Times New Roman" panose="02020603050405020304" pitchFamily="18" charset="0"/>
+              </a:rPr>
+              <a:t>Fallback</a:t>
+            </a:r>
+            <a:endParaRPr lang="de-DE" sz="1100" dirty="0">
+              <a:effectLst/>
+              <a:latin typeface="Calibri" panose="020F0502020204030204" pitchFamily="34" charset="0"/>
+              <a:ea typeface="Yu Mincho" panose="02020400000000000000" pitchFamily="18" charset="-128"/>
+              <a:cs typeface="Times New Roman" panose="02020603050405020304" pitchFamily="18" charset="0"/>
+            </a:endParaRPr>
+          </a:p>
+          <a:p>
+            <a:pPr marL="1143000" lvl="2" indent="-228600">
+              <a:lnSpc>
+                <a:spcPct val="107000"/>
+              </a:lnSpc>
+              <a:buFont typeface="Wingdings" panose="05000000000000000000" pitchFamily="2" charset="2"/>
+              <a:buChar char=""/>
+            </a:pPr>
+            <a:r>
+              <a:rPr lang="de-DE" sz="1100" dirty="0">
+                <a:effectLst/>
+                <a:latin typeface="Calibri" panose="020F0502020204030204" pitchFamily="34" charset="0"/>
+                <a:ea typeface="Yu Mincho" panose="02020400000000000000" pitchFamily="18" charset="-128"/>
+                <a:cs typeface="Times New Roman" panose="02020603050405020304" pitchFamily="18" charset="0"/>
+              </a:rPr>
+              <a:t>Eindeutige Fehlermeldung anzeigen</a:t>
+            </a:r>
+          </a:p>
+          <a:p>
+            <a:pPr marL="1143000" lvl="2" indent="-228600">
+              <a:lnSpc>
+                <a:spcPct val="107000"/>
+              </a:lnSpc>
+              <a:spcAft>
+                <a:spcPts val="800"/>
+              </a:spcAft>
+              <a:buFont typeface="Wingdings" panose="05000000000000000000" pitchFamily="2" charset="2"/>
+              <a:buChar char=""/>
+            </a:pPr>
+            <a:r>
+              <a:rPr lang="de-DE" sz="1100" dirty="0">
+                <a:effectLst/>
+                <a:latin typeface="Calibri" panose="020F0502020204030204" pitchFamily="34" charset="0"/>
+                <a:ea typeface="Yu Mincho" panose="02020400000000000000" pitchFamily="18" charset="-128"/>
+                <a:cs typeface="Times New Roman" panose="02020603050405020304" pitchFamily="18" charset="0"/>
+              </a:rPr>
+              <a:t>Aufforderung zum neu laden mitteilen</a:t>
+            </a:r>
+          </a:p>
+        </p:txBody>
+      </p:sp>
+      <p:sp>
+        <p:nvSpPr>
+          <p:cNvPr id="5" name="Foliennummernplatzhalter 4">
+            <a:extLst>
+              <a:ext uri="{FF2B5EF4-FFF2-40B4-BE49-F238E27FC236}">
+                <a16:creationId xmlns:a16="http://schemas.microsoft.com/office/drawing/2014/main" id="{7B246376-21DF-8BF4-A1FD-B77C22C28AAB}"/>
+              </a:ext>
+            </a:extLst>
+          </p:cNvPr>
+          <p:cNvSpPr>
+            <a:spLocks noGrp="1"/>
+          </p:cNvSpPr>
+          <p:nvPr>
+            <p:ph type="sldNum" sz="quarter" idx="12"/>
+          </p:nvPr>
+        </p:nvSpPr>
+        <p:spPr/>
+        <p:txBody>
+          <a:bodyPr/>
+          <a:lstStyle/>
+          <a:p>
+            <a:fld id="{4FD190AE-D9AE-4074-AAED-D637288AF7F0}" type="slidenum">
+              <a:rPr lang="de-DE" sz="2000" smtClean="0">
+                <a:solidFill>
+                  <a:schemeClr val="tx1"/>
+                </a:solidFill>
+              </a:rPr>
+              <a:t>6</a:t>
+            </a:fld>
+            <a:endParaRPr lang="de-DE" sz="2000" dirty="0">
+              <a:solidFill>
+                <a:schemeClr val="tx1"/>
+              </a:solidFill>
+            </a:endParaRPr>
+          </a:p>
+        </p:txBody>
+      </p:sp>
+    </p:spTree>
+    <p:extLst>
+      <p:ext uri="{BB962C8B-B14F-4D97-AF65-F5344CB8AC3E}">
+        <p14:creationId xmlns:p14="http://schemas.microsoft.com/office/powerpoint/2010/main" val="1195816902"/>
+      </p:ext>
+    </p:extLst>
+  </p:cSld>
+  <p:clrMapOvr>
+    <a:masterClrMapping/>
+  </p:clrMapOvr>
+</p:sld>
+</file>
+
+<file path=ppt/slides/slide7.xml><?xml version="1.0" encoding="utf-8"?>
+<p:sld xmlns:a="http://schemas.openxmlformats.org/drawingml/2006/main" xmlns:r="http://schemas.openxmlformats.org/officeDocument/2006/relationships" xmlns:p="http://schemas.openxmlformats.org/presentationml/2006/main">
+  <p:cSld>
+    <p:spTree>
+      <p:nvGrpSpPr>
+        <p:cNvPr id="1" name=""/>
+        <p:cNvGrpSpPr/>
+        <p:nvPr/>
+      </p:nvGrpSpPr>
+      <p:grpSpPr>
+        <a:xfrm>
+          <a:off x="0" y="0"/>
+          <a:ext cx="0" cy="0"/>
+          <a:chOff x="0" y="0"/>
+          <a:chExt cx="0" cy="0"/>
+        </a:xfrm>
+      </p:grpSpPr>
+      <p:sp>
+        <p:nvSpPr>
+          <p:cNvPr id="2" name="Titel 1">
+            <a:extLst>
+              <a:ext uri="{FF2B5EF4-FFF2-40B4-BE49-F238E27FC236}">
+                <a16:creationId xmlns:a16="http://schemas.microsoft.com/office/drawing/2014/main" id="{4AC7DED0-9976-693C-8B24-D84F23C8E7B6}"/>
+              </a:ext>
+            </a:extLst>
+          </p:cNvPr>
+          <p:cNvSpPr>
+            <a:spLocks noGrp="1"/>
+          </p:cNvSpPr>
+          <p:nvPr>
+            <p:ph type="title"/>
+          </p:nvPr>
+        </p:nvSpPr>
+        <p:spPr/>
+        <p:txBody>
+          <a:bodyPr/>
+          <a:lstStyle/>
+          <a:p>
+            <a:pPr algn="ctr"/>
+            <a:r>
+              <a:rPr lang="de-DE" dirty="0"/>
               <a:t>POC Pub/Sub</a:t>
             </a:r>
           </a:p>
@@ -8982,7 +9410,7 @@
                   <a:schemeClr val="tx1"/>
                 </a:solidFill>
               </a:rPr>
-              <a:t>6</a:t>
+              <a:t>7</a:t>
             </a:fld>
             <a:endParaRPr lang="de-DE" sz="2000" dirty="0">
               <a:solidFill>
@@ -9396,828 +9824,6 @@
 </p:sld>
 </file>
 
-<file path=ppt/slides/slide7.xml><?xml version="1.0" encoding="utf-8"?>
-<p:sld xmlns:a="http://schemas.openxmlformats.org/drawingml/2006/main" xmlns:r="http://schemas.openxmlformats.org/officeDocument/2006/relationships" xmlns:p="http://schemas.openxmlformats.org/presentationml/2006/main">
-  <p:cSld>
-    <p:spTree>
-      <p:nvGrpSpPr>
-        <p:cNvPr id="1" name=""/>
-        <p:cNvGrpSpPr/>
-        <p:nvPr/>
-      </p:nvGrpSpPr>
-      <p:grpSpPr>
-        <a:xfrm>
-          <a:off x="0" y="0"/>
-          <a:ext cx="0" cy="0"/>
-          <a:chOff x="0" y="0"/>
-          <a:chExt cx="0" cy="0"/>
-        </a:xfrm>
-      </p:grpSpPr>
-      <p:sp>
-        <p:nvSpPr>
-          <p:cNvPr id="2" name="Title 1">
-            <a:extLst>
-              <a:ext uri="{FF2B5EF4-FFF2-40B4-BE49-F238E27FC236}">
-                <a16:creationId xmlns:a16="http://schemas.microsoft.com/office/drawing/2014/main" id="{2D9F1241-A252-A34F-D19E-A0B70EDCC08C}"/>
-              </a:ext>
-            </a:extLst>
-          </p:cNvPr>
-          <p:cNvSpPr>
-            <a:spLocks noGrp="1"/>
-          </p:cNvSpPr>
-          <p:nvPr>
-            <p:ph type="title"/>
-          </p:nvPr>
-        </p:nvSpPr>
-        <p:spPr/>
-        <p:txBody>
-          <a:bodyPr/>
-          <a:lstStyle/>
-          <a:p>
-            <a:pPr algn="ctr"/>
-            <a:r>
-              <a:rPr lang="en-GB" dirty="0"/>
-              <a:t>POC Login</a:t>
-            </a:r>
-          </a:p>
-        </p:txBody>
-      </p:sp>
-      <p:sp>
-        <p:nvSpPr>
-          <p:cNvPr id="3" name="Content Placeholder 2">
-            <a:extLst>
-              <a:ext uri="{FF2B5EF4-FFF2-40B4-BE49-F238E27FC236}">
-                <a16:creationId xmlns:a16="http://schemas.microsoft.com/office/drawing/2014/main" id="{DE1BEAB3-472D-EF93-8F10-79654B2530AF}"/>
-              </a:ext>
-            </a:extLst>
-          </p:cNvPr>
-          <p:cNvSpPr>
-            <a:spLocks noGrp="1"/>
-          </p:cNvSpPr>
-          <p:nvPr>
-            <p:ph idx="1"/>
-          </p:nvPr>
-        </p:nvSpPr>
-        <p:spPr/>
-        <p:txBody>
-          <a:bodyPr numCol="2">
-            <a:normAutofit/>
-          </a:bodyPr>
-          <a:lstStyle/>
-          <a:p>
-            <a:pPr marL="342900" lvl="0" indent="-342900">
-              <a:lnSpc>
-                <a:spcPct val="107000"/>
-              </a:lnSpc>
-              <a:buFont typeface="Symbol" panose="05050102010706020507" pitchFamily="18" charset="2"/>
-              <a:buChar char=""/>
-            </a:pPr>
-            <a:r>
-              <a:rPr lang="de-DE" sz="1400" u="sng" dirty="0">
-                <a:solidFill>
-                  <a:srgbClr val="000000"/>
-                </a:solidFill>
-                <a:effectLst/>
-                <a:latin typeface="Calibri" panose="020F0502020204030204" pitchFamily="34" charset="0"/>
-                <a:ea typeface="游明朝" panose="02020400000000000000" pitchFamily="18" charset="-128"/>
-                <a:cs typeface="Times New Roman" panose="02020603050405020304" pitchFamily="18" charset="0"/>
-              </a:rPr>
-              <a:t>Login</a:t>
-            </a:r>
-            <a:endParaRPr lang="en-GB" sz="1200" dirty="0">
-              <a:effectLst/>
-              <a:latin typeface="Calibri" panose="020F0502020204030204" pitchFamily="34" charset="0"/>
-              <a:ea typeface="游明朝" panose="02020400000000000000" pitchFamily="18" charset="-128"/>
-              <a:cs typeface="Times New Roman" panose="02020603050405020304" pitchFamily="18" charset="0"/>
-            </a:endParaRPr>
-          </a:p>
-          <a:p>
-            <a:pPr marL="742950" lvl="1" indent="-285750">
-              <a:lnSpc>
-                <a:spcPct val="107000"/>
-              </a:lnSpc>
-              <a:buFont typeface="Courier New" panose="02070309020205020404" pitchFamily="49" charset="0"/>
-              <a:buChar char="o"/>
-            </a:pPr>
-            <a:r>
-              <a:rPr lang="de-DE" sz="1200" b="1" dirty="0">
-                <a:solidFill>
-                  <a:srgbClr val="000000"/>
-                </a:solidFill>
-                <a:effectLst/>
-                <a:latin typeface="Calibri" panose="020F0502020204030204" pitchFamily="34" charset="0"/>
-                <a:ea typeface="游明朝" panose="02020400000000000000" pitchFamily="18" charset="-128"/>
-                <a:cs typeface="Times New Roman" panose="02020603050405020304" pitchFamily="18" charset="0"/>
-              </a:rPr>
-              <a:t>Ablauf</a:t>
-            </a:r>
-            <a:endParaRPr lang="en-GB" sz="1200" dirty="0">
-              <a:effectLst/>
-              <a:latin typeface="Calibri" panose="020F0502020204030204" pitchFamily="34" charset="0"/>
-              <a:ea typeface="游明朝" panose="02020400000000000000" pitchFamily="18" charset="-128"/>
-              <a:cs typeface="Times New Roman" panose="02020603050405020304" pitchFamily="18" charset="0"/>
-            </a:endParaRPr>
-          </a:p>
-          <a:p>
-            <a:pPr marL="1143000" lvl="2" indent="-228600">
-              <a:lnSpc>
-                <a:spcPct val="107000"/>
-              </a:lnSpc>
-              <a:buFont typeface="Wingdings" panose="05000000000000000000" pitchFamily="2" charset="2"/>
-              <a:buChar char=""/>
-            </a:pPr>
-            <a:r>
-              <a:rPr lang="de-DE" sz="1200" dirty="0">
-                <a:solidFill>
-                  <a:srgbClr val="000000"/>
-                </a:solidFill>
-                <a:effectLst/>
-                <a:latin typeface="Calibri" panose="020F0502020204030204" pitchFamily="34" charset="0"/>
-                <a:ea typeface="游明朝" panose="02020400000000000000" pitchFamily="18" charset="-128"/>
-                <a:cs typeface="Times New Roman" panose="02020603050405020304" pitchFamily="18" charset="0"/>
-              </a:rPr>
-              <a:t>Abfrage nach Username/Email - Passwort Dataset</a:t>
-            </a:r>
-            <a:endParaRPr lang="en-GB" sz="1200" dirty="0">
-              <a:effectLst/>
-              <a:latin typeface="Calibri" panose="020F0502020204030204" pitchFamily="34" charset="0"/>
-              <a:ea typeface="游明朝" panose="02020400000000000000" pitchFamily="18" charset="-128"/>
-              <a:cs typeface="Times New Roman" panose="02020603050405020304" pitchFamily="18" charset="0"/>
-            </a:endParaRPr>
-          </a:p>
-          <a:p>
-            <a:pPr marL="1143000" lvl="2" indent="-228600">
-              <a:lnSpc>
-                <a:spcPct val="107000"/>
-              </a:lnSpc>
-              <a:buFont typeface="Wingdings" panose="05000000000000000000" pitchFamily="2" charset="2"/>
-              <a:buChar char=""/>
-            </a:pPr>
-            <a:r>
-              <a:rPr lang="de-DE" sz="1200" dirty="0">
-                <a:solidFill>
-                  <a:srgbClr val="000000"/>
-                </a:solidFill>
-                <a:effectLst/>
-                <a:latin typeface="Calibri" panose="020F0502020204030204" pitchFamily="34" charset="0"/>
-                <a:ea typeface="游明朝" panose="02020400000000000000" pitchFamily="18" charset="-128"/>
-                <a:cs typeface="Times New Roman" panose="02020603050405020304" pitchFamily="18" charset="0"/>
-              </a:rPr>
-              <a:t>Systemzugriff auf Registry mit allen Username/Email-PW Datasets</a:t>
-            </a:r>
-          </a:p>
-          <a:p>
-            <a:pPr marL="1143000" lvl="2" indent="-228600">
-              <a:lnSpc>
-                <a:spcPct val="107000"/>
-              </a:lnSpc>
-              <a:buFont typeface="Wingdings" panose="05000000000000000000" pitchFamily="2" charset="2"/>
-              <a:buChar char=""/>
-            </a:pPr>
-            <a:r>
-              <a:rPr lang="de-DE" sz="1200" dirty="0">
-                <a:solidFill>
-                  <a:srgbClr val="000000"/>
-                </a:solidFill>
-                <a:latin typeface="Calibri" panose="020F0502020204030204" pitchFamily="34" charset="0"/>
-                <a:ea typeface="游明朝" panose="02020400000000000000" pitchFamily="18" charset="-128"/>
-                <a:cs typeface="Times New Roman" panose="02020603050405020304" pitchFamily="18" charset="0"/>
-              </a:rPr>
-              <a:t>Deserialisation der Registry zu Userliste</a:t>
-            </a:r>
-            <a:endParaRPr lang="en-GB" sz="1200" dirty="0">
-              <a:effectLst/>
-              <a:latin typeface="Calibri" panose="020F0502020204030204" pitchFamily="34" charset="0"/>
-              <a:ea typeface="游明朝" panose="02020400000000000000" pitchFamily="18" charset="-128"/>
-              <a:cs typeface="Times New Roman" panose="02020603050405020304" pitchFamily="18" charset="0"/>
-            </a:endParaRPr>
-          </a:p>
-          <a:p>
-            <a:pPr marL="1143000" lvl="2" indent="-228600">
-              <a:lnSpc>
-                <a:spcPct val="107000"/>
-              </a:lnSpc>
-              <a:buFont typeface="Wingdings" panose="05000000000000000000" pitchFamily="2" charset="2"/>
-              <a:buChar char=""/>
-            </a:pPr>
-            <a:r>
-              <a:rPr lang="de-DE" sz="1200" dirty="0">
-                <a:solidFill>
-                  <a:srgbClr val="000000"/>
-                </a:solidFill>
-                <a:effectLst/>
-                <a:latin typeface="Calibri" panose="020F0502020204030204" pitchFamily="34" charset="0"/>
-                <a:ea typeface="游明朝" panose="02020400000000000000" pitchFamily="18" charset="-128"/>
-                <a:cs typeface="Times New Roman" panose="02020603050405020304" pitchFamily="18" charset="0"/>
-              </a:rPr>
-              <a:t>Vergleich mit </a:t>
-            </a:r>
-            <a:r>
-              <a:rPr lang="en-GB" sz="1200" dirty="0" err="1">
-                <a:solidFill>
-                  <a:srgbClr val="000000"/>
-                </a:solidFill>
-                <a:effectLst/>
-                <a:latin typeface="Calibri" panose="020F0502020204030204" pitchFamily="34" charset="0"/>
-                <a:ea typeface="游明朝" panose="02020400000000000000" pitchFamily="18" charset="-128"/>
-                <a:cs typeface="Times New Roman" panose="02020603050405020304" pitchFamily="18" charset="0"/>
-              </a:rPr>
-              <a:t>Userliste</a:t>
-            </a:r>
-            <a:endParaRPr lang="en-GB" sz="1200" dirty="0">
-              <a:effectLst/>
-              <a:latin typeface="Calibri" panose="020F0502020204030204" pitchFamily="34" charset="0"/>
-              <a:ea typeface="游明朝" panose="02020400000000000000" pitchFamily="18" charset="-128"/>
-              <a:cs typeface="Times New Roman" panose="02020603050405020304" pitchFamily="18" charset="0"/>
-            </a:endParaRPr>
-          </a:p>
-          <a:p>
-            <a:pPr marL="1143000" lvl="2" indent="-228600">
-              <a:lnSpc>
-                <a:spcPct val="107000"/>
-              </a:lnSpc>
-              <a:buFont typeface="Wingdings" panose="05000000000000000000" pitchFamily="2" charset="2"/>
-              <a:buChar char=""/>
-            </a:pPr>
-            <a:r>
-              <a:rPr lang="de-DE" sz="1200" dirty="0">
-                <a:solidFill>
-                  <a:srgbClr val="000000"/>
-                </a:solidFill>
-                <a:effectLst/>
-                <a:latin typeface="Calibri" panose="020F0502020204030204" pitchFamily="34" charset="0"/>
-                <a:ea typeface="游明朝" panose="02020400000000000000" pitchFamily="18" charset="-128"/>
-                <a:cs typeface="Times New Roman" panose="02020603050405020304" pitchFamily="18" charset="0"/>
-              </a:rPr>
-              <a:t>Bei gefundener Übereinstimmung -&gt; Ansicht des Heimatorts</a:t>
-            </a:r>
-            <a:endParaRPr lang="en-GB" sz="1200" dirty="0">
-              <a:effectLst/>
-              <a:latin typeface="Calibri" panose="020F0502020204030204" pitchFamily="34" charset="0"/>
-              <a:ea typeface="游明朝" panose="02020400000000000000" pitchFamily="18" charset="-128"/>
-              <a:cs typeface="Times New Roman" panose="02020603050405020304" pitchFamily="18" charset="0"/>
-            </a:endParaRPr>
-          </a:p>
-          <a:p>
-            <a:pPr marL="1143000" lvl="2" indent="-228600">
-              <a:lnSpc>
-                <a:spcPct val="107000"/>
-              </a:lnSpc>
-              <a:buFont typeface="Wingdings" panose="05000000000000000000" pitchFamily="2" charset="2"/>
-              <a:buChar char=""/>
-            </a:pPr>
-            <a:r>
-              <a:rPr lang="de-DE" sz="1200" dirty="0">
-                <a:solidFill>
-                  <a:srgbClr val="000000"/>
-                </a:solidFill>
-                <a:effectLst/>
-                <a:latin typeface="Calibri" panose="020F0502020204030204" pitchFamily="34" charset="0"/>
-                <a:ea typeface="游明朝" panose="02020400000000000000" pitchFamily="18" charset="-128"/>
-                <a:cs typeface="Times New Roman" panose="02020603050405020304" pitchFamily="18" charset="0"/>
-              </a:rPr>
-              <a:t>Bei fehlender Übereinstimmung -&gt; Ansicht mit Fehlermeldung</a:t>
-            </a:r>
-            <a:endParaRPr lang="en-GB" sz="1200" dirty="0">
-              <a:effectLst/>
-              <a:latin typeface="Calibri" panose="020F0502020204030204" pitchFamily="34" charset="0"/>
-              <a:ea typeface="游明朝" panose="02020400000000000000" pitchFamily="18" charset="-128"/>
-              <a:cs typeface="Times New Roman" panose="02020603050405020304" pitchFamily="18" charset="0"/>
-            </a:endParaRPr>
-          </a:p>
-          <a:p>
-            <a:pPr marL="742950" lvl="1" indent="-285750">
-              <a:lnSpc>
-                <a:spcPct val="107000"/>
-              </a:lnSpc>
-              <a:buFont typeface="Courier New" panose="02070309020205020404" pitchFamily="49" charset="0"/>
-              <a:buChar char="o"/>
-            </a:pPr>
-            <a:r>
-              <a:rPr lang="de-DE" sz="1200" b="1" dirty="0">
-                <a:solidFill>
-                  <a:srgbClr val="000000"/>
-                </a:solidFill>
-                <a:effectLst/>
-                <a:latin typeface="Calibri" panose="020F0502020204030204" pitchFamily="34" charset="0"/>
-                <a:ea typeface="游明朝" panose="02020400000000000000" pitchFamily="18" charset="-128"/>
-                <a:cs typeface="Times New Roman" panose="02020603050405020304" pitchFamily="18" charset="0"/>
-              </a:rPr>
-              <a:t>Exit-Kriterien</a:t>
-            </a:r>
-            <a:endParaRPr lang="en-GB" sz="1200" dirty="0">
-              <a:effectLst/>
-              <a:latin typeface="Calibri" panose="020F0502020204030204" pitchFamily="34" charset="0"/>
-              <a:ea typeface="游明朝" panose="02020400000000000000" pitchFamily="18" charset="-128"/>
-              <a:cs typeface="Times New Roman" panose="02020603050405020304" pitchFamily="18" charset="0"/>
-            </a:endParaRPr>
-          </a:p>
-          <a:p>
-            <a:pPr marL="1143000" lvl="2" indent="-228600">
-              <a:lnSpc>
-                <a:spcPct val="107000"/>
-              </a:lnSpc>
-              <a:buFont typeface="Wingdings" panose="05000000000000000000" pitchFamily="2" charset="2"/>
-              <a:buChar char=""/>
-            </a:pPr>
-            <a:r>
-              <a:rPr lang="de-DE" sz="1200" dirty="0">
-                <a:solidFill>
-                  <a:srgbClr val="000000"/>
-                </a:solidFill>
-                <a:effectLst/>
-                <a:latin typeface="Calibri" panose="020F0502020204030204" pitchFamily="34" charset="0"/>
-                <a:ea typeface="游明朝" panose="02020400000000000000" pitchFamily="18" charset="-128"/>
-                <a:cs typeface="Times New Roman" panose="02020603050405020304" pitchFamily="18" charset="0"/>
-              </a:rPr>
-              <a:t>Eingabe wude erfolgreich und korrekt übernommen</a:t>
-            </a:r>
-            <a:endParaRPr lang="en-GB" sz="1200" dirty="0">
-              <a:effectLst/>
-              <a:latin typeface="Calibri" panose="020F0502020204030204" pitchFamily="34" charset="0"/>
-              <a:ea typeface="游明朝" panose="02020400000000000000" pitchFamily="18" charset="-128"/>
-              <a:cs typeface="Times New Roman" panose="02020603050405020304" pitchFamily="18" charset="0"/>
-            </a:endParaRPr>
-          </a:p>
-          <a:p>
-            <a:pPr marL="1143000" lvl="2" indent="-228600">
-              <a:lnSpc>
-                <a:spcPct val="107000"/>
-              </a:lnSpc>
-              <a:buFont typeface="Wingdings" panose="05000000000000000000" pitchFamily="2" charset="2"/>
-              <a:buChar char=""/>
-            </a:pPr>
-            <a:r>
-              <a:rPr lang="de-DE" sz="1200" dirty="0">
-                <a:solidFill>
-                  <a:srgbClr val="000000"/>
-                </a:solidFill>
-                <a:effectLst/>
-                <a:latin typeface="Calibri" panose="020F0502020204030204" pitchFamily="34" charset="0"/>
-                <a:ea typeface="游明朝" panose="02020400000000000000" pitchFamily="18" charset="-128"/>
-                <a:cs typeface="Times New Roman" panose="02020603050405020304" pitchFamily="18" charset="0"/>
-              </a:rPr>
-              <a:t>Zugriff auf Registry war erfolgreich</a:t>
-            </a:r>
-            <a:endParaRPr lang="en-GB" sz="1200" dirty="0">
-              <a:effectLst/>
-              <a:latin typeface="Calibri" panose="020F0502020204030204" pitchFamily="34" charset="0"/>
-              <a:ea typeface="游明朝" panose="02020400000000000000" pitchFamily="18" charset="-128"/>
-              <a:cs typeface="Times New Roman" panose="02020603050405020304" pitchFamily="18" charset="0"/>
-            </a:endParaRPr>
-          </a:p>
-          <a:p>
-            <a:pPr marL="1143000" lvl="2" indent="-228600">
-              <a:lnSpc>
-                <a:spcPct val="107000"/>
-              </a:lnSpc>
-              <a:buFont typeface="Wingdings" panose="05000000000000000000" pitchFamily="2" charset="2"/>
-              <a:buChar char=""/>
-            </a:pPr>
-            <a:r>
-              <a:rPr lang="de-DE" sz="1200" dirty="0">
-                <a:solidFill>
-                  <a:srgbClr val="000000"/>
-                </a:solidFill>
-                <a:effectLst/>
-                <a:latin typeface="Calibri" panose="020F0502020204030204" pitchFamily="34" charset="0"/>
-                <a:ea typeface="游明朝" panose="02020400000000000000" pitchFamily="18" charset="-128"/>
-                <a:cs typeface="Times New Roman" panose="02020603050405020304" pitchFamily="18" charset="0"/>
-              </a:rPr>
-              <a:t>Vergleich lieferte korrektes Ergebnis</a:t>
-            </a:r>
-            <a:endParaRPr lang="en-GB" sz="1200" dirty="0">
-              <a:effectLst/>
-              <a:latin typeface="Calibri" panose="020F0502020204030204" pitchFamily="34" charset="0"/>
-              <a:ea typeface="游明朝" panose="02020400000000000000" pitchFamily="18" charset="-128"/>
-              <a:cs typeface="Times New Roman" panose="02020603050405020304" pitchFamily="18" charset="0"/>
-            </a:endParaRPr>
-          </a:p>
-          <a:p>
-            <a:pPr marL="1143000" lvl="2" indent="-228600">
-              <a:lnSpc>
-                <a:spcPct val="107000"/>
-              </a:lnSpc>
-              <a:buFont typeface="Wingdings" panose="05000000000000000000" pitchFamily="2" charset="2"/>
-              <a:buChar char=""/>
-            </a:pPr>
-            <a:r>
-              <a:rPr lang="de-DE" sz="1200" dirty="0">
-                <a:solidFill>
-                  <a:srgbClr val="000000"/>
-                </a:solidFill>
-                <a:effectLst/>
-                <a:latin typeface="Calibri" panose="020F0502020204030204" pitchFamily="34" charset="0"/>
-                <a:ea typeface="游明朝" panose="02020400000000000000" pitchFamily="18" charset="-128"/>
-                <a:cs typeface="Times New Roman" panose="02020603050405020304" pitchFamily="18" charset="0"/>
-              </a:rPr>
-              <a:t>Richtige Ansicht wurde erzeugt</a:t>
-            </a:r>
-            <a:endParaRPr lang="en-GB" sz="1200" dirty="0">
-              <a:effectLst/>
-              <a:latin typeface="Calibri" panose="020F0502020204030204" pitchFamily="34" charset="0"/>
-              <a:ea typeface="游明朝" panose="02020400000000000000" pitchFamily="18" charset="-128"/>
-              <a:cs typeface="Times New Roman" panose="02020603050405020304" pitchFamily="18" charset="0"/>
-            </a:endParaRPr>
-          </a:p>
-          <a:p>
-            <a:pPr marL="742950" lvl="1" indent="-285750">
-              <a:lnSpc>
-                <a:spcPct val="107000"/>
-              </a:lnSpc>
-              <a:buFont typeface="Courier New" panose="02070309020205020404" pitchFamily="49" charset="0"/>
-              <a:buChar char="o"/>
-            </a:pPr>
-            <a:endParaRPr lang="de-DE" sz="1200" b="1" dirty="0">
-              <a:solidFill>
-                <a:srgbClr val="000000"/>
-              </a:solidFill>
-              <a:effectLst/>
-              <a:latin typeface="Calibri" panose="020F0502020204030204" pitchFamily="34" charset="0"/>
-              <a:ea typeface="游明朝" panose="02020400000000000000" pitchFamily="18" charset="-128"/>
-              <a:cs typeface="Times New Roman" panose="02020603050405020304" pitchFamily="18" charset="0"/>
-            </a:endParaRPr>
-          </a:p>
-          <a:p>
-            <a:pPr marL="742950" lvl="1" indent="-285750">
-              <a:lnSpc>
-                <a:spcPct val="107000"/>
-              </a:lnSpc>
-              <a:buFont typeface="Courier New" panose="02070309020205020404" pitchFamily="49" charset="0"/>
-              <a:buChar char="o"/>
-            </a:pPr>
-            <a:endParaRPr lang="de-DE" sz="1200" b="1" dirty="0">
-              <a:solidFill>
-                <a:srgbClr val="000000"/>
-              </a:solidFill>
-              <a:latin typeface="Calibri" panose="020F0502020204030204" pitchFamily="34" charset="0"/>
-              <a:ea typeface="游明朝" panose="02020400000000000000" pitchFamily="18" charset="-128"/>
-              <a:cs typeface="Times New Roman" panose="02020603050405020304" pitchFamily="18" charset="0"/>
-            </a:endParaRPr>
-          </a:p>
-          <a:p>
-            <a:pPr marL="742950" lvl="1" indent="-285750">
-              <a:lnSpc>
-                <a:spcPct val="107000"/>
-              </a:lnSpc>
-              <a:buFont typeface="Courier New" panose="02070309020205020404" pitchFamily="49" charset="0"/>
-              <a:buChar char="o"/>
-            </a:pPr>
-            <a:endParaRPr lang="de-DE" sz="1200" b="1" dirty="0">
-              <a:solidFill>
-                <a:srgbClr val="000000"/>
-              </a:solidFill>
-              <a:effectLst/>
-              <a:latin typeface="Calibri" panose="020F0502020204030204" pitchFamily="34" charset="0"/>
-              <a:ea typeface="游明朝" panose="02020400000000000000" pitchFamily="18" charset="-128"/>
-              <a:cs typeface="Times New Roman" panose="02020603050405020304" pitchFamily="18" charset="0"/>
-            </a:endParaRPr>
-          </a:p>
-          <a:p>
-            <a:pPr marL="742950" lvl="1" indent="-285750">
-              <a:lnSpc>
-                <a:spcPct val="107000"/>
-              </a:lnSpc>
-              <a:buFont typeface="Courier New" panose="02070309020205020404" pitchFamily="49" charset="0"/>
-              <a:buChar char="o"/>
-            </a:pPr>
-            <a:endParaRPr lang="de-DE" sz="1200" b="1" dirty="0">
-              <a:solidFill>
-                <a:srgbClr val="000000"/>
-              </a:solidFill>
-              <a:latin typeface="Calibri" panose="020F0502020204030204" pitchFamily="34" charset="0"/>
-              <a:ea typeface="游明朝" panose="02020400000000000000" pitchFamily="18" charset="-128"/>
-              <a:cs typeface="Times New Roman" panose="02020603050405020304" pitchFamily="18" charset="0"/>
-            </a:endParaRPr>
-          </a:p>
-          <a:p>
-            <a:pPr marL="742950" lvl="1" indent="-285750">
-              <a:lnSpc>
-                <a:spcPct val="107000"/>
-              </a:lnSpc>
-              <a:buFont typeface="Courier New" panose="02070309020205020404" pitchFamily="49" charset="0"/>
-              <a:buChar char="o"/>
-            </a:pPr>
-            <a:endParaRPr lang="de-DE" sz="1200" b="1" dirty="0">
-              <a:solidFill>
-                <a:srgbClr val="000000"/>
-              </a:solidFill>
-              <a:effectLst/>
-              <a:latin typeface="Calibri" panose="020F0502020204030204" pitchFamily="34" charset="0"/>
-              <a:ea typeface="游明朝" panose="02020400000000000000" pitchFamily="18" charset="-128"/>
-              <a:cs typeface="Times New Roman" panose="02020603050405020304" pitchFamily="18" charset="0"/>
-            </a:endParaRPr>
-          </a:p>
-          <a:p>
-            <a:pPr marL="742950" lvl="1" indent="-285750">
-              <a:lnSpc>
-                <a:spcPct val="107000"/>
-              </a:lnSpc>
-              <a:buFont typeface="Courier New" panose="02070309020205020404" pitchFamily="49" charset="0"/>
-              <a:buChar char="o"/>
-            </a:pPr>
-            <a:endParaRPr lang="de-DE" sz="1200" b="1" dirty="0">
-              <a:solidFill>
-                <a:srgbClr val="000000"/>
-              </a:solidFill>
-              <a:latin typeface="Calibri" panose="020F0502020204030204" pitchFamily="34" charset="0"/>
-              <a:ea typeface="游明朝" panose="02020400000000000000" pitchFamily="18" charset="-128"/>
-              <a:cs typeface="Times New Roman" panose="02020603050405020304" pitchFamily="18" charset="0"/>
-            </a:endParaRPr>
-          </a:p>
-          <a:p>
-            <a:pPr marL="742950" lvl="1" indent="-285750">
-              <a:lnSpc>
-                <a:spcPct val="107000"/>
-              </a:lnSpc>
-              <a:buFont typeface="Courier New" panose="02070309020205020404" pitchFamily="49" charset="0"/>
-              <a:buChar char="o"/>
-            </a:pPr>
-            <a:r>
-              <a:rPr lang="de-DE" sz="1200" b="1" dirty="0">
-                <a:solidFill>
-                  <a:srgbClr val="000000"/>
-                </a:solidFill>
-                <a:effectLst/>
-                <a:latin typeface="Calibri" panose="020F0502020204030204" pitchFamily="34" charset="0"/>
-                <a:ea typeface="游明朝" panose="02020400000000000000" pitchFamily="18" charset="-128"/>
-                <a:cs typeface="Times New Roman" panose="02020603050405020304" pitchFamily="18" charset="0"/>
-              </a:rPr>
-              <a:t>Fail-Kriterien</a:t>
-            </a:r>
-            <a:endParaRPr lang="en-GB" sz="1200" dirty="0">
-              <a:effectLst/>
-              <a:latin typeface="Calibri" panose="020F0502020204030204" pitchFamily="34" charset="0"/>
-              <a:ea typeface="游明朝" panose="02020400000000000000" pitchFamily="18" charset="-128"/>
-              <a:cs typeface="Times New Roman" panose="02020603050405020304" pitchFamily="18" charset="0"/>
-            </a:endParaRPr>
-          </a:p>
-          <a:p>
-            <a:pPr marL="1143000" lvl="2" indent="-228600">
-              <a:lnSpc>
-                <a:spcPct val="107000"/>
-              </a:lnSpc>
-              <a:buFont typeface="Wingdings" panose="05000000000000000000" pitchFamily="2" charset="2"/>
-              <a:buChar char=""/>
-            </a:pPr>
-            <a:r>
-              <a:rPr lang="de-DE" sz="1200" dirty="0">
-                <a:solidFill>
-                  <a:srgbClr val="000000"/>
-                </a:solidFill>
-                <a:effectLst/>
-                <a:latin typeface="Calibri" panose="020F0502020204030204" pitchFamily="34" charset="0"/>
-                <a:ea typeface="游明朝" panose="02020400000000000000" pitchFamily="18" charset="-128"/>
-                <a:cs typeface="Times New Roman" panose="02020603050405020304" pitchFamily="18" charset="0"/>
-              </a:rPr>
-              <a:t>Ungültige Eingabe wurde übernommen (Email constraints)</a:t>
-            </a:r>
-            <a:endParaRPr lang="en-GB" sz="1200" dirty="0">
-              <a:effectLst/>
-              <a:latin typeface="Calibri" panose="020F0502020204030204" pitchFamily="34" charset="0"/>
-              <a:ea typeface="游明朝" panose="02020400000000000000" pitchFamily="18" charset="-128"/>
-              <a:cs typeface="Times New Roman" panose="02020603050405020304" pitchFamily="18" charset="0"/>
-            </a:endParaRPr>
-          </a:p>
-          <a:p>
-            <a:pPr marL="1143000" lvl="2" indent="-228600">
-              <a:lnSpc>
-                <a:spcPct val="107000"/>
-              </a:lnSpc>
-              <a:buFont typeface="Wingdings" panose="05000000000000000000" pitchFamily="2" charset="2"/>
-              <a:buChar char=""/>
-            </a:pPr>
-            <a:r>
-              <a:rPr lang="de-DE" sz="1200" dirty="0">
-                <a:solidFill>
-                  <a:srgbClr val="000000"/>
-                </a:solidFill>
-                <a:effectLst/>
-                <a:latin typeface="Calibri" panose="020F0502020204030204" pitchFamily="34" charset="0"/>
-                <a:ea typeface="游明朝" panose="02020400000000000000" pitchFamily="18" charset="-128"/>
-                <a:cs typeface="Times New Roman" panose="02020603050405020304" pitchFamily="18" charset="0"/>
-              </a:rPr>
-              <a:t>Zugriff auf Registry war nicht erfolgreich</a:t>
-            </a:r>
-            <a:endParaRPr lang="en-GB" sz="1200" dirty="0">
-              <a:effectLst/>
-              <a:latin typeface="Calibri" panose="020F0502020204030204" pitchFamily="34" charset="0"/>
-              <a:ea typeface="游明朝" panose="02020400000000000000" pitchFamily="18" charset="-128"/>
-              <a:cs typeface="Times New Roman" panose="02020603050405020304" pitchFamily="18" charset="0"/>
-            </a:endParaRPr>
-          </a:p>
-          <a:p>
-            <a:pPr marL="1143000" lvl="2" indent="-228600">
-              <a:lnSpc>
-                <a:spcPct val="107000"/>
-              </a:lnSpc>
-              <a:buFont typeface="Wingdings" panose="05000000000000000000" pitchFamily="2" charset="2"/>
-              <a:buChar char=""/>
-            </a:pPr>
-            <a:r>
-              <a:rPr lang="de-DE" sz="1200" dirty="0">
-                <a:solidFill>
-                  <a:srgbClr val="000000"/>
-                </a:solidFill>
-                <a:effectLst/>
-                <a:latin typeface="Calibri" panose="020F0502020204030204" pitchFamily="34" charset="0"/>
-                <a:ea typeface="游明朝" panose="02020400000000000000" pitchFamily="18" charset="-128"/>
-                <a:cs typeface="Times New Roman" panose="02020603050405020304" pitchFamily="18" charset="0"/>
-              </a:rPr>
-              <a:t>Vergleich lieferte falsches Ergebnis</a:t>
-            </a:r>
-            <a:endParaRPr lang="en-GB" sz="1200" dirty="0">
-              <a:effectLst/>
-              <a:latin typeface="Calibri" panose="020F0502020204030204" pitchFamily="34" charset="0"/>
-              <a:ea typeface="游明朝" panose="02020400000000000000" pitchFamily="18" charset="-128"/>
-              <a:cs typeface="Times New Roman" panose="02020603050405020304" pitchFamily="18" charset="0"/>
-            </a:endParaRPr>
-          </a:p>
-          <a:p>
-            <a:pPr marL="1143000" lvl="2" indent="-228600">
-              <a:lnSpc>
-                <a:spcPct val="107000"/>
-              </a:lnSpc>
-              <a:buFont typeface="Wingdings" panose="05000000000000000000" pitchFamily="2" charset="2"/>
-              <a:buChar char=""/>
-            </a:pPr>
-            <a:r>
-              <a:rPr lang="de-DE" sz="1200" dirty="0">
-                <a:solidFill>
-                  <a:srgbClr val="000000"/>
-                </a:solidFill>
-                <a:effectLst/>
-                <a:latin typeface="Calibri" panose="020F0502020204030204" pitchFamily="34" charset="0"/>
-                <a:ea typeface="游明朝" panose="02020400000000000000" pitchFamily="18" charset="-128"/>
-                <a:cs typeface="Times New Roman" panose="02020603050405020304" pitchFamily="18" charset="0"/>
-              </a:rPr>
-              <a:t>Vergleich lieferte kein Ergebnis</a:t>
-            </a:r>
-            <a:endParaRPr lang="en-GB" sz="1200" dirty="0">
-              <a:effectLst/>
-              <a:latin typeface="Calibri" panose="020F0502020204030204" pitchFamily="34" charset="0"/>
-              <a:ea typeface="游明朝" panose="02020400000000000000" pitchFamily="18" charset="-128"/>
-              <a:cs typeface="Times New Roman" panose="02020603050405020304" pitchFamily="18" charset="0"/>
-            </a:endParaRPr>
-          </a:p>
-          <a:p>
-            <a:pPr marL="1143000" lvl="2" indent="-228600">
-              <a:lnSpc>
-                <a:spcPct val="107000"/>
-              </a:lnSpc>
-              <a:buFont typeface="Wingdings" panose="05000000000000000000" pitchFamily="2" charset="2"/>
-              <a:buChar char=""/>
-            </a:pPr>
-            <a:r>
-              <a:rPr lang="de-DE" sz="1200" dirty="0">
-                <a:solidFill>
-                  <a:srgbClr val="000000"/>
-                </a:solidFill>
-                <a:effectLst/>
-                <a:latin typeface="Calibri" panose="020F0502020204030204" pitchFamily="34" charset="0"/>
-                <a:ea typeface="游明朝" panose="02020400000000000000" pitchFamily="18" charset="-128"/>
-                <a:cs typeface="Times New Roman" panose="02020603050405020304" pitchFamily="18" charset="0"/>
-              </a:rPr>
-              <a:t>Falsche Ansicht wurde erzeugt</a:t>
-            </a:r>
-            <a:endParaRPr lang="en-GB" sz="1200" dirty="0">
-              <a:effectLst/>
-              <a:latin typeface="Calibri" panose="020F0502020204030204" pitchFamily="34" charset="0"/>
-              <a:ea typeface="游明朝" panose="02020400000000000000" pitchFamily="18" charset="-128"/>
-              <a:cs typeface="Times New Roman" panose="02020603050405020304" pitchFamily="18" charset="0"/>
-            </a:endParaRPr>
-          </a:p>
-          <a:p>
-            <a:pPr marL="742950" lvl="1" indent="-285750">
-              <a:lnSpc>
-                <a:spcPct val="107000"/>
-              </a:lnSpc>
-              <a:buFont typeface="Courier New" panose="02070309020205020404" pitchFamily="49" charset="0"/>
-              <a:buChar char="o"/>
-            </a:pPr>
-            <a:r>
-              <a:rPr lang="de-DE" sz="1200" b="1" dirty="0">
-                <a:solidFill>
-                  <a:srgbClr val="000000"/>
-                </a:solidFill>
-                <a:effectLst/>
-                <a:latin typeface="Calibri" panose="020F0502020204030204" pitchFamily="34" charset="0"/>
-                <a:ea typeface="游明朝" panose="02020400000000000000" pitchFamily="18" charset="-128"/>
-                <a:cs typeface="Times New Roman" panose="02020603050405020304" pitchFamily="18" charset="0"/>
-              </a:rPr>
-              <a:t>Fallback</a:t>
-            </a:r>
-            <a:endParaRPr lang="en-GB" sz="1200" dirty="0">
-              <a:effectLst/>
-              <a:latin typeface="Calibri" panose="020F0502020204030204" pitchFamily="34" charset="0"/>
-              <a:ea typeface="游明朝" panose="02020400000000000000" pitchFamily="18" charset="-128"/>
-              <a:cs typeface="Times New Roman" panose="02020603050405020304" pitchFamily="18" charset="0"/>
-            </a:endParaRPr>
-          </a:p>
-          <a:p>
-            <a:pPr marL="1143000" lvl="2" indent="-228600">
-              <a:lnSpc>
-                <a:spcPct val="107000"/>
-              </a:lnSpc>
-              <a:buFont typeface="Wingdings" panose="05000000000000000000" pitchFamily="2" charset="2"/>
-              <a:buChar char=""/>
-            </a:pPr>
-            <a:r>
-              <a:rPr lang="de-DE" sz="1200" dirty="0">
-                <a:solidFill>
-                  <a:srgbClr val="000000"/>
-                </a:solidFill>
-                <a:effectLst/>
-                <a:latin typeface="Calibri" panose="020F0502020204030204" pitchFamily="34" charset="0"/>
-                <a:ea typeface="游明朝" panose="02020400000000000000" pitchFamily="18" charset="-128"/>
-                <a:cs typeface="Times New Roman" panose="02020603050405020304" pitchFamily="18" charset="0"/>
-              </a:rPr>
-              <a:t>Ein fester User Account wird im Prototypen vorgelegt</a:t>
-            </a:r>
-            <a:endParaRPr lang="en-GB" sz="1200" dirty="0">
-              <a:effectLst/>
-              <a:latin typeface="Calibri" panose="020F0502020204030204" pitchFamily="34" charset="0"/>
-              <a:ea typeface="游明朝" panose="02020400000000000000" pitchFamily="18" charset="-128"/>
-              <a:cs typeface="Times New Roman" panose="02020603050405020304" pitchFamily="18" charset="0"/>
-            </a:endParaRPr>
-          </a:p>
-          <a:p>
-            <a:pPr marL="1143000" lvl="2" indent="-228600">
-              <a:lnSpc>
-                <a:spcPct val="107000"/>
-              </a:lnSpc>
-              <a:spcAft>
-                <a:spcPts val="800"/>
-              </a:spcAft>
-              <a:buFont typeface="Wingdings" panose="05000000000000000000" pitchFamily="2" charset="2"/>
-              <a:buChar char=""/>
-            </a:pPr>
-            <a:r>
-              <a:rPr lang="de-DE" sz="1200" dirty="0">
-                <a:solidFill>
-                  <a:srgbClr val="000000"/>
-                </a:solidFill>
-                <a:effectLst/>
-                <a:latin typeface="Calibri" panose="020F0502020204030204" pitchFamily="34" charset="0"/>
-                <a:ea typeface="游明朝" panose="02020400000000000000" pitchFamily="18" charset="-128"/>
-                <a:cs typeface="Times New Roman" panose="02020603050405020304" pitchFamily="18" charset="0"/>
-              </a:rPr>
-              <a:t>Verzicht auf externe Registry, User Accounts werden fest in den Prototypen geschrieben</a:t>
-            </a:r>
-            <a:endParaRPr lang="en-GB" sz="1200" dirty="0">
-              <a:effectLst/>
-              <a:latin typeface="Calibri" panose="020F0502020204030204" pitchFamily="34" charset="0"/>
-              <a:ea typeface="游明朝" panose="02020400000000000000" pitchFamily="18" charset="-128"/>
-              <a:cs typeface="Times New Roman" panose="02020603050405020304" pitchFamily="18" charset="0"/>
-            </a:endParaRPr>
-          </a:p>
-          <a:p>
-            <a:endParaRPr lang="en-GB" sz="3200" dirty="0"/>
-          </a:p>
-        </p:txBody>
-      </p:sp>
-      <p:sp>
-        <p:nvSpPr>
-          <p:cNvPr id="4" name="Slide Number Placeholder 3">
-            <a:extLst>
-              <a:ext uri="{FF2B5EF4-FFF2-40B4-BE49-F238E27FC236}">
-                <a16:creationId xmlns:a16="http://schemas.microsoft.com/office/drawing/2014/main" id="{BCC4C124-465E-D835-C669-538F1616DF05}"/>
-              </a:ext>
-            </a:extLst>
-          </p:cNvPr>
-          <p:cNvSpPr>
-            <a:spLocks noGrp="1"/>
-          </p:cNvSpPr>
-          <p:nvPr>
-            <p:ph type="sldNum" sz="quarter" idx="12"/>
-          </p:nvPr>
-        </p:nvSpPr>
-        <p:spPr/>
-        <p:txBody>
-          <a:bodyPr/>
-          <a:lstStyle/>
-          <a:p>
-            <a:fld id="{4FD190AE-D9AE-4074-AAED-D637288AF7F0}" type="slidenum">
-              <a:rPr lang="de-DE" smtClean="0"/>
-              <a:t>7</a:t>
-            </a:fld>
-            <a:endParaRPr lang="de-DE"/>
-          </a:p>
-        </p:txBody>
-      </p:sp>
-    </p:spTree>
-    <p:extLst>
-      <p:ext uri="{BB962C8B-B14F-4D97-AF65-F5344CB8AC3E}">
-        <p14:creationId xmlns:p14="http://schemas.microsoft.com/office/powerpoint/2010/main" val="905879043"/>
-      </p:ext>
-    </p:extLst>
-  </p:cSld>
-  <p:clrMapOvr>
-    <a:masterClrMapping/>
-  </p:clrMapOvr>
-</p:sld>
-</file>
-
 <file path=ppt/slides/slide8.xml><?xml version="1.0" encoding="utf-8"?>
 <p:sld xmlns:a="http://schemas.openxmlformats.org/drawingml/2006/main" xmlns:r="http://schemas.openxmlformats.org/officeDocument/2006/relationships" xmlns:p="http://schemas.openxmlformats.org/presentationml/2006/main">
   <p:cSld>
@@ -10237,10 +9843,10 @@
       </p:grpSpPr>
       <p:sp>
         <p:nvSpPr>
-          <p:cNvPr id="2" name="Titel 1">
+          <p:cNvPr id="2" name="Title 1">
             <a:extLst>
               <a:ext uri="{FF2B5EF4-FFF2-40B4-BE49-F238E27FC236}">
-                <a16:creationId xmlns:a16="http://schemas.microsoft.com/office/drawing/2014/main" id="{4AC7DED0-9976-693C-8B24-D84F23C8E7B6}"/>
+                <a16:creationId xmlns:a16="http://schemas.microsoft.com/office/drawing/2014/main" id="{2D9F1241-A252-A34F-D19E-A0B70EDCC08C}"/>
               </a:ext>
             </a:extLst>
           </p:cNvPr>
@@ -10251,29 +9857,25 @@
             <p:ph type="title"/>
           </p:nvPr>
         </p:nvSpPr>
-        <p:spPr>
-          <a:xfrm>
-            <a:off x="209549" y="365124"/>
-            <a:ext cx="2847975" cy="3959225"/>
-          </a:xfrm>
-        </p:spPr>
+        <p:spPr/>
         <p:txBody>
           <a:bodyPr/>
           <a:lstStyle/>
           <a:p>
-            <a:r>
-              <a:rPr lang="de-DE" dirty="0"/>
-              <a:t>Klassen-diagramm</a:t>
-            </a:r>
-          </a:p>
-        </p:txBody>
-      </p:sp>
-      <p:sp>
-        <p:nvSpPr>
-          <p:cNvPr id="5" name="Foliennummernplatzhalter 4">
+            <a:pPr algn="ctr"/>
+            <a:r>
+              <a:rPr lang="en-GB" dirty="0"/>
+              <a:t>POC Login</a:t>
+            </a:r>
+          </a:p>
+        </p:txBody>
+      </p:sp>
+      <p:sp>
+        <p:nvSpPr>
+          <p:cNvPr id="3" name="Content Placeholder 2">
             <a:extLst>
               <a:ext uri="{FF2B5EF4-FFF2-40B4-BE49-F238E27FC236}">
-                <a16:creationId xmlns:a16="http://schemas.microsoft.com/office/drawing/2014/main" id="{7B246376-21DF-8BF4-A1FD-B77C22C28AAB}"/>
+                <a16:creationId xmlns:a16="http://schemas.microsoft.com/office/drawing/2014/main" id="{DE1BEAB3-472D-EF93-8F10-79654B2530AF}"/>
               </a:ext>
             </a:extLst>
           </p:cNvPr>
@@ -10281,68 +9883,760 @@
             <a:spLocks noGrp="1"/>
           </p:cNvSpPr>
           <p:nvPr>
-            <p:ph type="sldNum" sz="quarter" idx="12"/>
+            <p:ph idx="1"/>
           </p:nvPr>
         </p:nvSpPr>
         <p:spPr/>
         <p:txBody>
-          <a:bodyPr/>
+          <a:bodyPr numCol="2">
+            <a:normAutofit/>
+          </a:bodyPr>
           <a:lstStyle/>
           <a:p>
-            <a:fld id="{4FD190AE-D9AE-4074-AAED-D637288AF7F0}" type="slidenum">
-              <a:rPr lang="de-DE" sz="2000" smtClean="0">
+            <a:pPr marL="342900" lvl="0" indent="-342900">
+              <a:lnSpc>
+                <a:spcPct val="107000"/>
+              </a:lnSpc>
+              <a:buFont typeface="Symbol" panose="05050102010706020507" pitchFamily="18" charset="2"/>
+              <a:buChar char=""/>
+            </a:pPr>
+            <a:r>
+              <a:rPr lang="de-DE" sz="1400" u="sng" dirty="0">
                 <a:solidFill>
-                  <a:schemeClr val="tx1"/>
+                  <a:srgbClr val="000000"/>
                 </a:solidFill>
+                <a:effectLst/>
+                <a:latin typeface="Calibri" panose="020F0502020204030204" pitchFamily="34" charset="0"/>
+                <a:ea typeface="游明朝" panose="02020400000000000000" pitchFamily="18" charset="-128"/>
+                <a:cs typeface="Times New Roman" panose="02020603050405020304" pitchFamily="18" charset="0"/>
               </a:rPr>
-              <a:t>8</a:t>
-            </a:fld>
-            <a:endParaRPr lang="de-DE" sz="2000" dirty="0">
+              <a:t>Login</a:t>
+            </a:r>
+            <a:endParaRPr lang="en-GB" sz="1200" dirty="0">
+              <a:effectLst/>
+              <a:latin typeface="Calibri" panose="020F0502020204030204" pitchFamily="34" charset="0"/>
+              <a:ea typeface="游明朝" panose="02020400000000000000" pitchFamily="18" charset="-128"/>
+              <a:cs typeface="Times New Roman" panose="02020603050405020304" pitchFamily="18" charset="0"/>
+            </a:endParaRPr>
+          </a:p>
+          <a:p>
+            <a:pPr marL="742950" lvl="1" indent="-285750">
+              <a:lnSpc>
+                <a:spcPct val="107000"/>
+              </a:lnSpc>
+              <a:buFont typeface="Courier New" panose="02070309020205020404" pitchFamily="49" charset="0"/>
+              <a:buChar char="o"/>
+            </a:pPr>
+            <a:r>
+              <a:rPr lang="de-DE" sz="1200" b="1" dirty="0">
+                <a:solidFill>
+                  <a:srgbClr val="000000"/>
+                </a:solidFill>
+                <a:effectLst/>
+                <a:latin typeface="Calibri" panose="020F0502020204030204" pitchFamily="34" charset="0"/>
+                <a:ea typeface="游明朝" panose="02020400000000000000" pitchFamily="18" charset="-128"/>
+                <a:cs typeface="Times New Roman" panose="02020603050405020304" pitchFamily="18" charset="0"/>
+              </a:rPr>
+              <a:t>Ablauf</a:t>
+            </a:r>
+            <a:endParaRPr lang="en-GB" sz="1200" dirty="0">
+              <a:effectLst/>
+              <a:latin typeface="Calibri" panose="020F0502020204030204" pitchFamily="34" charset="0"/>
+              <a:ea typeface="游明朝" panose="02020400000000000000" pitchFamily="18" charset="-128"/>
+              <a:cs typeface="Times New Roman" panose="02020603050405020304" pitchFamily="18" charset="0"/>
+            </a:endParaRPr>
+          </a:p>
+          <a:p>
+            <a:pPr marL="1143000" lvl="2" indent="-228600">
+              <a:lnSpc>
+                <a:spcPct val="107000"/>
+              </a:lnSpc>
+              <a:buFont typeface="Wingdings" panose="05000000000000000000" pitchFamily="2" charset="2"/>
+              <a:buChar char=""/>
+            </a:pPr>
+            <a:r>
+              <a:rPr lang="de-DE" sz="1200" dirty="0">
+                <a:solidFill>
+                  <a:srgbClr val="000000"/>
+                </a:solidFill>
+                <a:effectLst/>
+                <a:latin typeface="Calibri" panose="020F0502020204030204" pitchFamily="34" charset="0"/>
+                <a:ea typeface="游明朝" panose="02020400000000000000" pitchFamily="18" charset="-128"/>
+                <a:cs typeface="Times New Roman" panose="02020603050405020304" pitchFamily="18" charset="0"/>
+              </a:rPr>
+              <a:t>Abfrage nach Username/Email - Passwort Dataset</a:t>
+            </a:r>
+            <a:endParaRPr lang="en-GB" sz="1200" dirty="0">
+              <a:effectLst/>
+              <a:latin typeface="Calibri" panose="020F0502020204030204" pitchFamily="34" charset="0"/>
+              <a:ea typeface="游明朝" panose="02020400000000000000" pitchFamily="18" charset="-128"/>
+              <a:cs typeface="Times New Roman" panose="02020603050405020304" pitchFamily="18" charset="0"/>
+            </a:endParaRPr>
+          </a:p>
+          <a:p>
+            <a:pPr marL="1143000" lvl="2" indent="-228600">
+              <a:lnSpc>
+                <a:spcPct val="107000"/>
+              </a:lnSpc>
+              <a:buFont typeface="Wingdings" panose="05000000000000000000" pitchFamily="2" charset="2"/>
+              <a:buChar char=""/>
+            </a:pPr>
+            <a:r>
+              <a:rPr lang="de-DE" sz="1200" dirty="0">
+                <a:solidFill>
+                  <a:srgbClr val="000000"/>
+                </a:solidFill>
+                <a:effectLst/>
+                <a:latin typeface="Calibri" panose="020F0502020204030204" pitchFamily="34" charset="0"/>
+                <a:ea typeface="游明朝" panose="02020400000000000000" pitchFamily="18" charset="-128"/>
+                <a:cs typeface="Times New Roman" panose="02020603050405020304" pitchFamily="18" charset="0"/>
+              </a:rPr>
+              <a:t>Systemzugriff auf Registry mit allen Username/Email-PW Datasets</a:t>
+            </a:r>
+          </a:p>
+          <a:p>
+            <a:pPr marL="1143000" lvl="2" indent="-228600">
+              <a:lnSpc>
+                <a:spcPct val="107000"/>
+              </a:lnSpc>
+              <a:buFont typeface="Wingdings" panose="05000000000000000000" pitchFamily="2" charset="2"/>
+              <a:buChar char=""/>
+            </a:pPr>
+            <a:r>
+              <a:rPr lang="de-DE" sz="1200" dirty="0">
+                <a:solidFill>
+                  <a:srgbClr val="000000"/>
+                </a:solidFill>
+                <a:latin typeface="Calibri" panose="020F0502020204030204" pitchFamily="34" charset="0"/>
+                <a:ea typeface="游明朝" panose="02020400000000000000" pitchFamily="18" charset="-128"/>
+                <a:cs typeface="Times New Roman" panose="02020603050405020304" pitchFamily="18" charset="0"/>
+              </a:rPr>
+              <a:t>Deserialisation der Registry zu Userliste</a:t>
+            </a:r>
+            <a:endParaRPr lang="en-GB" sz="1200" dirty="0">
+              <a:effectLst/>
+              <a:latin typeface="Calibri" panose="020F0502020204030204" pitchFamily="34" charset="0"/>
+              <a:ea typeface="游明朝" panose="02020400000000000000" pitchFamily="18" charset="-128"/>
+              <a:cs typeface="Times New Roman" panose="02020603050405020304" pitchFamily="18" charset="0"/>
+            </a:endParaRPr>
+          </a:p>
+          <a:p>
+            <a:pPr marL="1143000" lvl="2" indent="-228600">
+              <a:lnSpc>
+                <a:spcPct val="107000"/>
+              </a:lnSpc>
+              <a:buFont typeface="Wingdings" panose="05000000000000000000" pitchFamily="2" charset="2"/>
+              <a:buChar char=""/>
+            </a:pPr>
+            <a:r>
+              <a:rPr lang="de-DE" sz="1200" dirty="0">
+                <a:solidFill>
+                  <a:srgbClr val="000000"/>
+                </a:solidFill>
+                <a:effectLst/>
+                <a:latin typeface="Calibri" panose="020F0502020204030204" pitchFamily="34" charset="0"/>
+                <a:ea typeface="游明朝" panose="02020400000000000000" pitchFamily="18" charset="-128"/>
+                <a:cs typeface="Times New Roman" panose="02020603050405020304" pitchFamily="18" charset="0"/>
+              </a:rPr>
+              <a:t>Vergleich mit </a:t>
+            </a:r>
+            <a:r>
+              <a:rPr lang="en-GB" sz="1200" dirty="0" err="1">
+                <a:solidFill>
+                  <a:srgbClr val="000000"/>
+                </a:solidFill>
+                <a:effectLst/>
+                <a:latin typeface="Calibri" panose="020F0502020204030204" pitchFamily="34" charset="0"/>
+                <a:ea typeface="游明朝" panose="02020400000000000000" pitchFamily="18" charset="-128"/>
+                <a:cs typeface="Times New Roman" panose="02020603050405020304" pitchFamily="18" charset="0"/>
+              </a:rPr>
+              <a:t>Userliste</a:t>
+            </a:r>
+            <a:endParaRPr lang="en-GB" sz="1200" dirty="0">
+              <a:effectLst/>
+              <a:latin typeface="Calibri" panose="020F0502020204030204" pitchFamily="34" charset="0"/>
+              <a:ea typeface="游明朝" panose="02020400000000000000" pitchFamily="18" charset="-128"/>
+              <a:cs typeface="Times New Roman" panose="02020603050405020304" pitchFamily="18" charset="0"/>
+            </a:endParaRPr>
+          </a:p>
+          <a:p>
+            <a:pPr marL="1143000" lvl="2" indent="-228600">
+              <a:lnSpc>
+                <a:spcPct val="107000"/>
+              </a:lnSpc>
+              <a:buFont typeface="Wingdings" panose="05000000000000000000" pitchFamily="2" charset="2"/>
+              <a:buChar char=""/>
+            </a:pPr>
+            <a:r>
+              <a:rPr lang="de-DE" sz="1200" dirty="0">
+                <a:solidFill>
+                  <a:srgbClr val="000000"/>
+                </a:solidFill>
+                <a:effectLst/>
+                <a:latin typeface="Calibri" panose="020F0502020204030204" pitchFamily="34" charset="0"/>
+                <a:ea typeface="游明朝" panose="02020400000000000000" pitchFamily="18" charset="-128"/>
+                <a:cs typeface="Times New Roman" panose="02020603050405020304" pitchFamily="18" charset="0"/>
+              </a:rPr>
+              <a:t>Bei gefundener Übereinstimmung -&gt; Ansicht des Heimatorts</a:t>
+            </a:r>
+            <a:endParaRPr lang="en-GB" sz="1200" dirty="0">
+              <a:effectLst/>
+              <a:latin typeface="Calibri" panose="020F0502020204030204" pitchFamily="34" charset="0"/>
+              <a:ea typeface="游明朝" panose="02020400000000000000" pitchFamily="18" charset="-128"/>
+              <a:cs typeface="Times New Roman" panose="02020603050405020304" pitchFamily="18" charset="0"/>
+            </a:endParaRPr>
+          </a:p>
+          <a:p>
+            <a:pPr marL="1143000" lvl="2" indent="-228600">
+              <a:lnSpc>
+                <a:spcPct val="107000"/>
+              </a:lnSpc>
+              <a:buFont typeface="Wingdings" panose="05000000000000000000" pitchFamily="2" charset="2"/>
+              <a:buChar char=""/>
+            </a:pPr>
+            <a:r>
+              <a:rPr lang="de-DE" sz="1200" dirty="0">
+                <a:solidFill>
+                  <a:srgbClr val="000000"/>
+                </a:solidFill>
+                <a:effectLst/>
+                <a:latin typeface="Calibri" panose="020F0502020204030204" pitchFamily="34" charset="0"/>
+                <a:ea typeface="游明朝" panose="02020400000000000000" pitchFamily="18" charset="-128"/>
+                <a:cs typeface="Times New Roman" panose="02020603050405020304" pitchFamily="18" charset="0"/>
+              </a:rPr>
+              <a:t>Bei fehlender Übereinstimmung -&gt; Ansicht mit Fehlermeldung</a:t>
+            </a:r>
+            <a:endParaRPr lang="en-GB" sz="1200" dirty="0">
+              <a:effectLst/>
+              <a:latin typeface="Calibri" panose="020F0502020204030204" pitchFamily="34" charset="0"/>
+              <a:ea typeface="游明朝" panose="02020400000000000000" pitchFamily="18" charset="-128"/>
+              <a:cs typeface="Times New Roman" panose="02020603050405020304" pitchFamily="18" charset="0"/>
+            </a:endParaRPr>
+          </a:p>
+          <a:p>
+            <a:pPr marL="742950" lvl="1" indent="-285750">
+              <a:lnSpc>
+                <a:spcPct val="107000"/>
+              </a:lnSpc>
+              <a:buFont typeface="Courier New" panose="02070309020205020404" pitchFamily="49" charset="0"/>
+              <a:buChar char="o"/>
+            </a:pPr>
+            <a:r>
+              <a:rPr lang="de-DE" sz="1200" b="1" dirty="0">
+                <a:solidFill>
+                  <a:srgbClr val="000000"/>
+                </a:solidFill>
+                <a:effectLst/>
+                <a:latin typeface="Calibri" panose="020F0502020204030204" pitchFamily="34" charset="0"/>
+                <a:ea typeface="游明朝" panose="02020400000000000000" pitchFamily="18" charset="-128"/>
+                <a:cs typeface="Times New Roman" panose="02020603050405020304" pitchFamily="18" charset="0"/>
+              </a:rPr>
+              <a:t>Exit-Kriterien</a:t>
+            </a:r>
+            <a:endParaRPr lang="en-GB" sz="1200" dirty="0">
+              <a:effectLst/>
+              <a:latin typeface="Calibri" panose="020F0502020204030204" pitchFamily="34" charset="0"/>
+              <a:ea typeface="游明朝" panose="02020400000000000000" pitchFamily="18" charset="-128"/>
+              <a:cs typeface="Times New Roman" panose="02020603050405020304" pitchFamily="18" charset="0"/>
+            </a:endParaRPr>
+          </a:p>
+          <a:p>
+            <a:pPr marL="1143000" lvl="2" indent="-228600">
+              <a:lnSpc>
+                <a:spcPct val="107000"/>
+              </a:lnSpc>
+              <a:buFont typeface="Wingdings" panose="05000000000000000000" pitchFamily="2" charset="2"/>
+              <a:buChar char=""/>
+            </a:pPr>
+            <a:r>
+              <a:rPr lang="de-DE" sz="1200" dirty="0">
+                <a:solidFill>
+                  <a:srgbClr val="000000"/>
+                </a:solidFill>
+                <a:effectLst/>
+                <a:latin typeface="Calibri" panose="020F0502020204030204" pitchFamily="34" charset="0"/>
+                <a:ea typeface="游明朝" panose="02020400000000000000" pitchFamily="18" charset="-128"/>
+                <a:cs typeface="Times New Roman" panose="02020603050405020304" pitchFamily="18" charset="0"/>
+              </a:rPr>
+              <a:t>Eingabe wude erfolgreich und korrekt übernommen</a:t>
+            </a:r>
+            <a:endParaRPr lang="en-GB" sz="1200" dirty="0">
+              <a:effectLst/>
+              <a:latin typeface="Calibri" panose="020F0502020204030204" pitchFamily="34" charset="0"/>
+              <a:ea typeface="游明朝" panose="02020400000000000000" pitchFamily="18" charset="-128"/>
+              <a:cs typeface="Times New Roman" panose="02020603050405020304" pitchFamily="18" charset="0"/>
+            </a:endParaRPr>
+          </a:p>
+          <a:p>
+            <a:pPr marL="1143000" lvl="2" indent="-228600">
+              <a:lnSpc>
+                <a:spcPct val="107000"/>
+              </a:lnSpc>
+              <a:buFont typeface="Wingdings" panose="05000000000000000000" pitchFamily="2" charset="2"/>
+              <a:buChar char=""/>
+            </a:pPr>
+            <a:r>
+              <a:rPr lang="de-DE" sz="1200" dirty="0">
+                <a:solidFill>
+                  <a:srgbClr val="000000"/>
+                </a:solidFill>
+                <a:effectLst/>
+                <a:latin typeface="Calibri" panose="020F0502020204030204" pitchFamily="34" charset="0"/>
+                <a:ea typeface="游明朝" panose="02020400000000000000" pitchFamily="18" charset="-128"/>
+                <a:cs typeface="Times New Roman" panose="02020603050405020304" pitchFamily="18" charset="0"/>
+              </a:rPr>
+              <a:t>Zugriff auf Registry war erfolgreich</a:t>
+            </a:r>
+            <a:endParaRPr lang="en-GB" sz="1200" dirty="0">
+              <a:effectLst/>
+              <a:latin typeface="Calibri" panose="020F0502020204030204" pitchFamily="34" charset="0"/>
+              <a:ea typeface="游明朝" panose="02020400000000000000" pitchFamily="18" charset="-128"/>
+              <a:cs typeface="Times New Roman" panose="02020603050405020304" pitchFamily="18" charset="0"/>
+            </a:endParaRPr>
+          </a:p>
+          <a:p>
+            <a:pPr marL="1143000" lvl="2" indent="-228600">
+              <a:lnSpc>
+                <a:spcPct val="107000"/>
+              </a:lnSpc>
+              <a:buFont typeface="Wingdings" panose="05000000000000000000" pitchFamily="2" charset="2"/>
+              <a:buChar char=""/>
+            </a:pPr>
+            <a:r>
+              <a:rPr lang="de-DE" sz="1200" dirty="0">
+                <a:solidFill>
+                  <a:srgbClr val="000000"/>
+                </a:solidFill>
+                <a:effectLst/>
+                <a:latin typeface="Calibri" panose="020F0502020204030204" pitchFamily="34" charset="0"/>
+                <a:ea typeface="游明朝" panose="02020400000000000000" pitchFamily="18" charset="-128"/>
+                <a:cs typeface="Times New Roman" panose="02020603050405020304" pitchFamily="18" charset="0"/>
+              </a:rPr>
+              <a:t>Vergleich lieferte korrektes Ergebnis</a:t>
+            </a:r>
+            <a:endParaRPr lang="en-GB" sz="1200" dirty="0">
+              <a:effectLst/>
+              <a:latin typeface="Calibri" panose="020F0502020204030204" pitchFamily="34" charset="0"/>
+              <a:ea typeface="游明朝" panose="02020400000000000000" pitchFamily="18" charset="-128"/>
+              <a:cs typeface="Times New Roman" panose="02020603050405020304" pitchFamily="18" charset="0"/>
+            </a:endParaRPr>
+          </a:p>
+          <a:p>
+            <a:pPr marL="1143000" lvl="2" indent="-228600">
+              <a:lnSpc>
+                <a:spcPct val="107000"/>
+              </a:lnSpc>
+              <a:buFont typeface="Wingdings" panose="05000000000000000000" pitchFamily="2" charset="2"/>
+              <a:buChar char=""/>
+            </a:pPr>
+            <a:r>
+              <a:rPr lang="de-DE" sz="1200" dirty="0">
+                <a:solidFill>
+                  <a:srgbClr val="000000"/>
+                </a:solidFill>
+                <a:effectLst/>
+                <a:latin typeface="Calibri" panose="020F0502020204030204" pitchFamily="34" charset="0"/>
+                <a:ea typeface="游明朝" panose="02020400000000000000" pitchFamily="18" charset="-128"/>
+                <a:cs typeface="Times New Roman" panose="02020603050405020304" pitchFamily="18" charset="0"/>
+              </a:rPr>
+              <a:t>Richtige Ansicht wurde erzeugt</a:t>
+            </a:r>
+            <a:endParaRPr lang="en-GB" sz="1200" dirty="0">
+              <a:effectLst/>
+              <a:latin typeface="Calibri" panose="020F0502020204030204" pitchFamily="34" charset="0"/>
+              <a:ea typeface="游明朝" panose="02020400000000000000" pitchFamily="18" charset="-128"/>
+              <a:cs typeface="Times New Roman" panose="02020603050405020304" pitchFamily="18" charset="0"/>
+            </a:endParaRPr>
+          </a:p>
+          <a:p>
+            <a:pPr marL="742950" lvl="1" indent="-285750">
+              <a:lnSpc>
+                <a:spcPct val="107000"/>
+              </a:lnSpc>
+              <a:buFont typeface="Courier New" panose="02070309020205020404" pitchFamily="49" charset="0"/>
+              <a:buChar char="o"/>
+            </a:pPr>
+            <a:endParaRPr lang="de-DE" sz="1200" b="1" dirty="0">
               <a:solidFill>
-                <a:schemeClr val="tx1"/>
+                <a:srgbClr val="000000"/>
               </a:solidFill>
+              <a:effectLst/>
+              <a:latin typeface="Calibri" panose="020F0502020204030204" pitchFamily="34" charset="0"/>
+              <a:ea typeface="游明朝" panose="02020400000000000000" pitchFamily="18" charset="-128"/>
+              <a:cs typeface="Times New Roman" panose="02020603050405020304" pitchFamily="18" charset="0"/>
             </a:endParaRPr>
           </a:p>
-        </p:txBody>
-      </p:sp>
-      <p:pic>
-        <p:nvPicPr>
-          <p:cNvPr id="4" name="Content Placeholder 3">
+          <a:p>
+            <a:pPr marL="742950" lvl="1" indent="-285750">
+              <a:lnSpc>
+                <a:spcPct val="107000"/>
+              </a:lnSpc>
+              <a:buFont typeface="Courier New" panose="02070309020205020404" pitchFamily="49" charset="0"/>
+              <a:buChar char="o"/>
+            </a:pPr>
+            <a:endParaRPr lang="de-DE" sz="1200" b="1" dirty="0">
+              <a:solidFill>
+                <a:srgbClr val="000000"/>
+              </a:solidFill>
+              <a:latin typeface="Calibri" panose="020F0502020204030204" pitchFamily="34" charset="0"/>
+              <a:ea typeface="游明朝" panose="02020400000000000000" pitchFamily="18" charset="-128"/>
+              <a:cs typeface="Times New Roman" panose="02020603050405020304" pitchFamily="18" charset="0"/>
+            </a:endParaRPr>
+          </a:p>
+          <a:p>
+            <a:pPr marL="742950" lvl="1" indent="-285750">
+              <a:lnSpc>
+                <a:spcPct val="107000"/>
+              </a:lnSpc>
+              <a:buFont typeface="Courier New" panose="02070309020205020404" pitchFamily="49" charset="0"/>
+              <a:buChar char="o"/>
+            </a:pPr>
+            <a:endParaRPr lang="de-DE" sz="1200" b="1" dirty="0">
+              <a:solidFill>
+                <a:srgbClr val="000000"/>
+              </a:solidFill>
+              <a:effectLst/>
+              <a:latin typeface="Calibri" panose="020F0502020204030204" pitchFamily="34" charset="0"/>
+              <a:ea typeface="游明朝" panose="02020400000000000000" pitchFamily="18" charset="-128"/>
+              <a:cs typeface="Times New Roman" panose="02020603050405020304" pitchFamily="18" charset="0"/>
+            </a:endParaRPr>
+          </a:p>
+          <a:p>
+            <a:pPr marL="742950" lvl="1" indent="-285750">
+              <a:lnSpc>
+                <a:spcPct val="107000"/>
+              </a:lnSpc>
+              <a:buFont typeface="Courier New" panose="02070309020205020404" pitchFamily="49" charset="0"/>
+              <a:buChar char="o"/>
+            </a:pPr>
+            <a:endParaRPr lang="de-DE" sz="1200" b="1" dirty="0">
+              <a:solidFill>
+                <a:srgbClr val="000000"/>
+              </a:solidFill>
+              <a:latin typeface="Calibri" panose="020F0502020204030204" pitchFamily="34" charset="0"/>
+              <a:ea typeface="游明朝" panose="02020400000000000000" pitchFamily="18" charset="-128"/>
+              <a:cs typeface="Times New Roman" panose="02020603050405020304" pitchFamily="18" charset="0"/>
+            </a:endParaRPr>
+          </a:p>
+          <a:p>
+            <a:pPr marL="742950" lvl="1" indent="-285750">
+              <a:lnSpc>
+                <a:spcPct val="107000"/>
+              </a:lnSpc>
+              <a:buFont typeface="Courier New" panose="02070309020205020404" pitchFamily="49" charset="0"/>
+              <a:buChar char="o"/>
+            </a:pPr>
+            <a:endParaRPr lang="de-DE" sz="1200" b="1" dirty="0">
+              <a:solidFill>
+                <a:srgbClr val="000000"/>
+              </a:solidFill>
+              <a:effectLst/>
+              <a:latin typeface="Calibri" panose="020F0502020204030204" pitchFamily="34" charset="0"/>
+              <a:ea typeface="游明朝" panose="02020400000000000000" pitchFamily="18" charset="-128"/>
+              <a:cs typeface="Times New Roman" panose="02020603050405020304" pitchFamily="18" charset="0"/>
+            </a:endParaRPr>
+          </a:p>
+          <a:p>
+            <a:pPr marL="742950" lvl="1" indent="-285750">
+              <a:lnSpc>
+                <a:spcPct val="107000"/>
+              </a:lnSpc>
+              <a:buFont typeface="Courier New" panose="02070309020205020404" pitchFamily="49" charset="0"/>
+              <a:buChar char="o"/>
+            </a:pPr>
+            <a:endParaRPr lang="de-DE" sz="1200" b="1" dirty="0">
+              <a:solidFill>
+                <a:srgbClr val="000000"/>
+              </a:solidFill>
+              <a:latin typeface="Calibri" panose="020F0502020204030204" pitchFamily="34" charset="0"/>
+              <a:ea typeface="游明朝" panose="02020400000000000000" pitchFamily="18" charset="-128"/>
+              <a:cs typeface="Times New Roman" panose="02020603050405020304" pitchFamily="18" charset="0"/>
+            </a:endParaRPr>
+          </a:p>
+          <a:p>
+            <a:pPr marL="742950" lvl="1" indent="-285750">
+              <a:lnSpc>
+                <a:spcPct val="107000"/>
+              </a:lnSpc>
+              <a:buFont typeface="Courier New" panose="02070309020205020404" pitchFamily="49" charset="0"/>
+              <a:buChar char="o"/>
+            </a:pPr>
+            <a:r>
+              <a:rPr lang="de-DE" sz="1200" b="1" dirty="0">
+                <a:solidFill>
+                  <a:srgbClr val="000000"/>
+                </a:solidFill>
+                <a:effectLst/>
+                <a:latin typeface="Calibri" panose="020F0502020204030204" pitchFamily="34" charset="0"/>
+                <a:ea typeface="游明朝" panose="02020400000000000000" pitchFamily="18" charset="-128"/>
+                <a:cs typeface="Times New Roman" panose="02020603050405020304" pitchFamily="18" charset="0"/>
+              </a:rPr>
+              <a:t>Fail-Kriterien</a:t>
+            </a:r>
+            <a:endParaRPr lang="en-GB" sz="1200" dirty="0">
+              <a:effectLst/>
+              <a:latin typeface="Calibri" panose="020F0502020204030204" pitchFamily="34" charset="0"/>
+              <a:ea typeface="游明朝" panose="02020400000000000000" pitchFamily="18" charset="-128"/>
+              <a:cs typeface="Times New Roman" panose="02020603050405020304" pitchFamily="18" charset="0"/>
+            </a:endParaRPr>
+          </a:p>
+          <a:p>
+            <a:pPr marL="1143000" lvl="2" indent="-228600">
+              <a:lnSpc>
+                <a:spcPct val="107000"/>
+              </a:lnSpc>
+              <a:buFont typeface="Wingdings" panose="05000000000000000000" pitchFamily="2" charset="2"/>
+              <a:buChar char=""/>
+            </a:pPr>
+            <a:r>
+              <a:rPr lang="de-DE" sz="1200" dirty="0">
+                <a:solidFill>
+                  <a:srgbClr val="000000"/>
+                </a:solidFill>
+                <a:effectLst/>
+                <a:latin typeface="Calibri" panose="020F0502020204030204" pitchFamily="34" charset="0"/>
+                <a:ea typeface="游明朝" panose="02020400000000000000" pitchFamily="18" charset="-128"/>
+                <a:cs typeface="Times New Roman" panose="02020603050405020304" pitchFamily="18" charset="0"/>
+              </a:rPr>
+              <a:t>Ungültige Eingabe wurde übernommen (Email constraints)</a:t>
+            </a:r>
+            <a:endParaRPr lang="en-GB" sz="1200" dirty="0">
+              <a:effectLst/>
+              <a:latin typeface="Calibri" panose="020F0502020204030204" pitchFamily="34" charset="0"/>
+              <a:ea typeface="游明朝" panose="02020400000000000000" pitchFamily="18" charset="-128"/>
+              <a:cs typeface="Times New Roman" panose="02020603050405020304" pitchFamily="18" charset="0"/>
+            </a:endParaRPr>
+          </a:p>
+          <a:p>
+            <a:pPr marL="1143000" lvl="2" indent="-228600">
+              <a:lnSpc>
+                <a:spcPct val="107000"/>
+              </a:lnSpc>
+              <a:buFont typeface="Wingdings" panose="05000000000000000000" pitchFamily="2" charset="2"/>
+              <a:buChar char=""/>
+            </a:pPr>
+            <a:r>
+              <a:rPr lang="de-DE" sz="1200" dirty="0">
+                <a:solidFill>
+                  <a:srgbClr val="000000"/>
+                </a:solidFill>
+                <a:effectLst/>
+                <a:latin typeface="Calibri" panose="020F0502020204030204" pitchFamily="34" charset="0"/>
+                <a:ea typeface="游明朝" panose="02020400000000000000" pitchFamily="18" charset="-128"/>
+                <a:cs typeface="Times New Roman" panose="02020603050405020304" pitchFamily="18" charset="0"/>
+              </a:rPr>
+              <a:t>Zugriff auf Registry war nicht erfolgreich</a:t>
+            </a:r>
+            <a:endParaRPr lang="en-GB" sz="1200" dirty="0">
+              <a:effectLst/>
+              <a:latin typeface="Calibri" panose="020F0502020204030204" pitchFamily="34" charset="0"/>
+              <a:ea typeface="游明朝" panose="02020400000000000000" pitchFamily="18" charset="-128"/>
+              <a:cs typeface="Times New Roman" panose="02020603050405020304" pitchFamily="18" charset="0"/>
+            </a:endParaRPr>
+          </a:p>
+          <a:p>
+            <a:pPr marL="1143000" lvl="2" indent="-228600">
+              <a:lnSpc>
+                <a:spcPct val="107000"/>
+              </a:lnSpc>
+              <a:buFont typeface="Wingdings" panose="05000000000000000000" pitchFamily="2" charset="2"/>
+              <a:buChar char=""/>
+            </a:pPr>
+            <a:r>
+              <a:rPr lang="de-DE" sz="1200" dirty="0">
+                <a:solidFill>
+                  <a:srgbClr val="000000"/>
+                </a:solidFill>
+                <a:effectLst/>
+                <a:latin typeface="Calibri" panose="020F0502020204030204" pitchFamily="34" charset="0"/>
+                <a:ea typeface="游明朝" panose="02020400000000000000" pitchFamily="18" charset="-128"/>
+                <a:cs typeface="Times New Roman" panose="02020603050405020304" pitchFamily="18" charset="0"/>
+              </a:rPr>
+              <a:t>Vergleich lieferte falsches Ergebnis</a:t>
+            </a:r>
+            <a:endParaRPr lang="en-GB" sz="1200" dirty="0">
+              <a:effectLst/>
+              <a:latin typeface="Calibri" panose="020F0502020204030204" pitchFamily="34" charset="0"/>
+              <a:ea typeface="游明朝" panose="02020400000000000000" pitchFamily="18" charset="-128"/>
+              <a:cs typeface="Times New Roman" panose="02020603050405020304" pitchFamily="18" charset="0"/>
+            </a:endParaRPr>
+          </a:p>
+          <a:p>
+            <a:pPr marL="1143000" lvl="2" indent="-228600">
+              <a:lnSpc>
+                <a:spcPct val="107000"/>
+              </a:lnSpc>
+              <a:buFont typeface="Wingdings" panose="05000000000000000000" pitchFamily="2" charset="2"/>
+              <a:buChar char=""/>
+            </a:pPr>
+            <a:r>
+              <a:rPr lang="de-DE" sz="1200" dirty="0">
+                <a:solidFill>
+                  <a:srgbClr val="000000"/>
+                </a:solidFill>
+                <a:effectLst/>
+                <a:latin typeface="Calibri" panose="020F0502020204030204" pitchFamily="34" charset="0"/>
+                <a:ea typeface="游明朝" panose="02020400000000000000" pitchFamily="18" charset="-128"/>
+                <a:cs typeface="Times New Roman" panose="02020603050405020304" pitchFamily="18" charset="0"/>
+              </a:rPr>
+              <a:t>Vergleich lieferte kein Ergebnis</a:t>
+            </a:r>
+            <a:endParaRPr lang="en-GB" sz="1200" dirty="0">
+              <a:effectLst/>
+              <a:latin typeface="Calibri" panose="020F0502020204030204" pitchFamily="34" charset="0"/>
+              <a:ea typeface="游明朝" panose="02020400000000000000" pitchFamily="18" charset="-128"/>
+              <a:cs typeface="Times New Roman" panose="02020603050405020304" pitchFamily="18" charset="0"/>
+            </a:endParaRPr>
+          </a:p>
+          <a:p>
+            <a:pPr marL="1143000" lvl="2" indent="-228600">
+              <a:lnSpc>
+                <a:spcPct val="107000"/>
+              </a:lnSpc>
+              <a:buFont typeface="Wingdings" panose="05000000000000000000" pitchFamily="2" charset="2"/>
+              <a:buChar char=""/>
+            </a:pPr>
+            <a:r>
+              <a:rPr lang="de-DE" sz="1200" dirty="0">
+                <a:solidFill>
+                  <a:srgbClr val="000000"/>
+                </a:solidFill>
+                <a:effectLst/>
+                <a:latin typeface="Calibri" panose="020F0502020204030204" pitchFamily="34" charset="0"/>
+                <a:ea typeface="游明朝" panose="02020400000000000000" pitchFamily="18" charset="-128"/>
+                <a:cs typeface="Times New Roman" panose="02020603050405020304" pitchFamily="18" charset="0"/>
+              </a:rPr>
+              <a:t>Falsche Ansicht wurde erzeugt</a:t>
+            </a:r>
+            <a:endParaRPr lang="en-GB" sz="1200" dirty="0">
+              <a:effectLst/>
+              <a:latin typeface="Calibri" panose="020F0502020204030204" pitchFamily="34" charset="0"/>
+              <a:ea typeface="游明朝" panose="02020400000000000000" pitchFamily="18" charset="-128"/>
+              <a:cs typeface="Times New Roman" panose="02020603050405020304" pitchFamily="18" charset="0"/>
+            </a:endParaRPr>
+          </a:p>
+          <a:p>
+            <a:pPr marL="742950" lvl="1" indent="-285750">
+              <a:lnSpc>
+                <a:spcPct val="107000"/>
+              </a:lnSpc>
+              <a:buFont typeface="Courier New" panose="02070309020205020404" pitchFamily="49" charset="0"/>
+              <a:buChar char="o"/>
+            </a:pPr>
+            <a:r>
+              <a:rPr lang="de-DE" sz="1200" b="1" dirty="0">
+                <a:solidFill>
+                  <a:srgbClr val="000000"/>
+                </a:solidFill>
+                <a:effectLst/>
+                <a:latin typeface="Calibri" panose="020F0502020204030204" pitchFamily="34" charset="0"/>
+                <a:ea typeface="游明朝" panose="02020400000000000000" pitchFamily="18" charset="-128"/>
+                <a:cs typeface="Times New Roman" panose="02020603050405020304" pitchFamily="18" charset="0"/>
+              </a:rPr>
+              <a:t>Fallback</a:t>
+            </a:r>
+            <a:endParaRPr lang="en-GB" sz="1200" dirty="0">
+              <a:effectLst/>
+              <a:latin typeface="Calibri" panose="020F0502020204030204" pitchFamily="34" charset="0"/>
+              <a:ea typeface="游明朝" panose="02020400000000000000" pitchFamily="18" charset="-128"/>
+              <a:cs typeface="Times New Roman" panose="02020603050405020304" pitchFamily="18" charset="0"/>
+            </a:endParaRPr>
+          </a:p>
+          <a:p>
+            <a:pPr marL="1143000" lvl="2" indent="-228600">
+              <a:lnSpc>
+                <a:spcPct val="107000"/>
+              </a:lnSpc>
+              <a:buFont typeface="Wingdings" panose="05000000000000000000" pitchFamily="2" charset="2"/>
+              <a:buChar char=""/>
+            </a:pPr>
+            <a:r>
+              <a:rPr lang="de-DE" sz="1200" dirty="0">
+                <a:solidFill>
+                  <a:srgbClr val="000000"/>
+                </a:solidFill>
+                <a:effectLst/>
+                <a:latin typeface="Calibri" panose="020F0502020204030204" pitchFamily="34" charset="0"/>
+                <a:ea typeface="游明朝" panose="02020400000000000000" pitchFamily="18" charset="-128"/>
+                <a:cs typeface="Times New Roman" panose="02020603050405020304" pitchFamily="18" charset="0"/>
+              </a:rPr>
+              <a:t>Ein fester User Account wird im Prototypen vorgelegt</a:t>
+            </a:r>
+            <a:endParaRPr lang="en-GB" sz="1200" dirty="0">
+              <a:effectLst/>
+              <a:latin typeface="Calibri" panose="020F0502020204030204" pitchFamily="34" charset="0"/>
+              <a:ea typeface="游明朝" panose="02020400000000000000" pitchFamily="18" charset="-128"/>
+              <a:cs typeface="Times New Roman" panose="02020603050405020304" pitchFamily="18" charset="0"/>
+            </a:endParaRPr>
+          </a:p>
+          <a:p>
+            <a:pPr marL="1143000" lvl="2" indent="-228600">
+              <a:lnSpc>
+                <a:spcPct val="107000"/>
+              </a:lnSpc>
+              <a:spcAft>
+                <a:spcPts val="800"/>
+              </a:spcAft>
+              <a:buFont typeface="Wingdings" panose="05000000000000000000" pitchFamily="2" charset="2"/>
+              <a:buChar char=""/>
+            </a:pPr>
+            <a:r>
+              <a:rPr lang="de-DE" sz="1200" dirty="0">
+                <a:solidFill>
+                  <a:srgbClr val="000000"/>
+                </a:solidFill>
+                <a:effectLst/>
+                <a:latin typeface="Calibri" panose="020F0502020204030204" pitchFamily="34" charset="0"/>
+                <a:ea typeface="游明朝" panose="02020400000000000000" pitchFamily="18" charset="-128"/>
+                <a:cs typeface="Times New Roman" panose="02020603050405020304" pitchFamily="18" charset="0"/>
+              </a:rPr>
+              <a:t>Verzicht auf externe Registry, User Accounts werden fest in den Prototypen geschrieben</a:t>
+            </a:r>
+            <a:endParaRPr lang="en-GB" sz="1200" dirty="0">
+              <a:effectLst/>
+              <a:latin typeface="Calibri" panose="020F0502020204030204" pitchFamily="34" charset="0"/>
+              <a:ea typeface="游明朝" panose="02020400000000000000" pitchFamily="18" charset="-128"/>
+              <a:cs typeface="Times New Roman" panose="02020603050405020304" pitchFamily="18" charset="0"/>
+            </a:endParaRPr>
+          </a:p>
+          <a:p>
+            <a:endParaRPr lang="en-GB" sz="3200" dirty="0"/>
+          </a:p>
+        </p:txBody>
+      </p:sp>
+      <p:sp>
+        <p:nvSpPr>
+          <p:cNvPr id="4" name="Slide Number Placeholder 3">
             <a:extLst>
               <a:ext uri="{FF2B5EF4-FFF2-40B4-BE49-F238E27FC236}">
-                <a16:creationId xmlns:a16="http://schemas.microsoft.com/office/drawing/2014/main" id="{832908C3-9D9B-5AF6-D8AE-FD34908985DA}"/>
+                <a16:creationId xmlns:a16="http://schemas.microsoft.com/office/drawing/2014/main" id="{BCC4C124-465E-D835-C669-538F1616DF05}"/>
               </a:ext>
             </a:extLst>
           </p:cNvPr>
-          <p:cNvPicPr>
-            <a:picLocks noGrp="1" noChangeAspect="1"/>
-          </p:cNvPicPr>
-          <p:nvPr>
-            <p:ph idx="1"/>
-          </p:nvPr>
-        </p:nvPicPr>
-        <p:blipFill>
-          <a:blip r:embed="rId3">
-            <a:extLst>
-              <a:ext uri="{28A0092B-C50C-407E-A947-70E740481C1C}">
-                <a14:useLocalDpi xmlns:a14="http://schemas.microsoft.com/office/drawing/2010/main" val="0"/>
-              </a:ext>
-            </a:extLst>
-          </a:blip>
-          <a:srcRect/>
-          <a:stretch/>
-        </p:blipFill>
-        <p:spPr>
-          <a:xfrm>
-            <a:off x="2905126" y="365124"/>
-            <a:ext cx="8715373" cy="6012932"/>
-          </a:xfrm>
-        </p:spPr>
-      </p:pic>
+          <p:cNvSpPr>
+            <a:spLocks noGrp="1"/>
+          </p:cNvSpPr>
+          <p:nvPr>
+            <p:ph type="sldNum" sz="quarter" idx="12"/>
+          </p:nvPr>
+        </p:nvSpPr>
+        <p:spPr/>
+        <p:txBody>
+          <a:bodyPr/>
+          <a:lstStyle/>
+          <a:p>
+            <a:fld id="{4FD190AE-D9AE-4074-AAED-D637288AF7F0}" type="slidenum">
+              <a:rPr lang="de-DE" smtClean="0"/>
+              <a:t>8</a:t>
+            </a:fld>
+            <a:endParaRPr lang="de-DE"/>
+          </a:p>
+        </p:txBody>
+      </p:sp>
     </p:spTree>
     <p:extLst>
       <p:ext uri="{BB962C8B-B14F-4D97-AF65-F5344CB8AC3E}">
-        <p14:creationId xmlns:p14="http://schemas.microsoft.com/office/powerpoint/2010/main" val="408210267"/>
+        <p14:creationId xmlns:p14="http://schemas.microsoft.com/office/powerpoint/2010/main" val="905879043"/>
       </p:ext>
     </p:extLst>
   </p:cSld>
@@ -10385,133 +10679,20 @@
             <p:ph type="title"/>
           </p:nvPr>
         </p:nvSpPr>
-        <p:spPr/>
+        <p:spPr>
+          <a:xfrm>
+            <a:off x="209549" y="365124"/>
+            <a:ext cx="2847975" cy="3959225"/>
+          </a:xfrm>
+        </p:spPr>
         <p:txBody>
           <a:bodyPr/>
           <a:lstStyle/>
           <a:p>
             <a:r>
               <a:rPr lang="de-DE" dirty="0"/>
-              <a:t>Erster Prototyp</a:t>
-            </a:r>
-          </a:p>
-        </p:txBody>
-      </p:sp>
-      <p:sp>
-        <p:nvSpPr>
-          <p:cNvPr id="3" name="Inhaltsplatzhalter 2">
-            <a:extLst>
-              <a:ext uri="{FF2B5EF4-FFF2-40B4-BE49-F238E27FC236}">
-                <a16:creationId xmlns:a16="http://schemas.microsoft.com/office/drawing/2014/main" id="{26828B3D-0288-9D01-3FAB-ED2A638AE90B}"/>
-              </a:ext>
-            </a:extLst>
-          </p:cNvPr>
-          <p:cNvSpPr>
-            <a:spLocks noGrp="1"/>
-          </p:cNvSpPr>
-          <p:nvPr>
-            <p:ph idx="1"/>
-          </p:nvPr>
-        </p:nvSpPr>
-        <p:spPr/>
-        <p:txBody>
-          <a:bodyPr>
-            <a:normAutofit fontScale="92500" lnSpcReduction="10000"/>
-          </a:bodyPr>
-          <a:lstStyle/>
-          <a:p>
-            <a:r>
-              <a:rPr lang="de-DE" sz="2000" dirty="0"/>
-              <a:t>Login </a:t>
-            </a:r>
-          </a:p>
-          <a:p>
-            <a:r>
-              <a:rPr lang="de-DE" sz="2000" dirty="0"/>
-              <a:t>Setze currentUser</a:t>
-            </a:r>
-          </a:p>
-          <a:p>
-            <a:r>
-              <a:rPr lang="de-DE" sz="2000" dirty="0"/>
-              <a:t>Setze currentStadt anhand Heimatstadt des Users</a:t>
-            </a:r>
-          </a:p>
-          <a:p>
-            <a:r>
-              <a:rPr lang="de-DE" sz="2000" dirty="0"/>
-              <a:t>Upload eines Bildes</a:t>
-            </a:r>
-          </a:p>
-          <a:p>
-            <a:pPr lvl="1"/>
-            <a:r>
-              <a:rPr lang="de-DE" sz="1600" dirty="0"/>
-              <a:t>Drawable File einlesen</a:t>
-            </a:r>
-          </a:p>
-          <a:p>
-            <a:pPr lvl="1"/>
-            <a:r>
-              <a:rPr lang="de-DE" sz="1600" dirty="0"/>
-              <a:t>Zu String enkodieren</a:t>
-            </a:r>
-          </a:p>
-          <a:p>
-            <a:pPr lvl="1"/>
-            <a:r>
-              <a:rPr lang="de-DE" sz="1600" dirty="0"/>
-              <a:t>Bildobjekt erzeugen und zur Stadt hinzufügen</a:t>
-            </a:r>
-          </a:p>
-          <a:p>
-            <a:pPr lvl="1"/>
-            <a:r>
-              <a:rPr lang="de-DE" sz="1600" dirty="0"/>
-              <a:t>Stadtliste enkodieren und abspeichern</a:t>
-            </a:r>
-          </a:p>
-          <a:p>
-            <a:pPr lvl="1"/>
-            <a:r>
-              <a:rPr lang="de-DE" sz="1600" dirty="0"/>
-              <a:t>Benachrichtigung an Subscriber senden</a:t>
-            </a:r>
-          </a:p>
-          <a:p>
-            <a:pPr lvl="1"/>
-            <a:r>
-              <a:rPr lang="de-DE" sz="1600" dirty="0"/>
-              <a:t>Userliste enkodieren und abspeichern</a:t>
-            </a:r>
-            <a:endParaRPr lang="de-DE" sz="1200" dirty="0"/>
-          </a:p>
-          <a:p>
-            <a:r>
-              <a:rPr lang="de-DE" sz="2000" dirty="0"/>
-              <a:t>Aufruf eines Bildes</a:t>
-            </a:r>
-          </a:p>
-          <a:p>
-            <a:r>
-              <a:rPr lang="de-DE" sz="2000" dirty="0"/>
-              <a:t>Subscribe/Unsubscribe zur Stadt</a:t>
-            </a:r>
-          </a:p>
-          <a:p>
-            <a:r>
-              <a:rPr lang="de-DE" sz="2000" dirty="0"/>
-              <a:t>Anzeige der Benachrichtigungen</a:t>
-            </a:r>
-          </a:p>
-          <a:p>
-            <a:r>
-              <a:rPr lang="de-DE" sz="2000" dirty="0"/>
-              <a:t>Logout</a:t>
-            </a:r>
-          </a:p>
-          <a:p>
-            <a:endParaRPr lang="de-DE" sz="2000" dirty="0"/>
+              <a:t>Klassen-diagramm</a:t>
+            </a:r>
           </a:p>
         </p:txBody>
       </p:sp>
@@ -10552,10 +10733,44 @@
           </a:p>
         </p:txBody>
       </p:sp>
+      <p:pic>
+        <p:nvPicPr>
+          <p:cNvPr id="4" name="Content Placeholder 3">
+            <a:extLst>
+              <a:ext uri="{FF2B5EF4-FFF2-40B4-BE49-F238E27FC236}">
+                <a16:creationId xmlns:a16="http://schemas.microsoft.com/office/drawing/2014/main" id="{832908C3-9D9B-5AF6-D8AE-FD34908985DA}"/>
+              </a:ext>
+            </a:extLst>
+          </p:cNvPr>
+          <p:cNvPicPr>
+            <a:picLocks noGrp="1" noChangeAspect="1"/>
+          </p:cNvPicPr>
+          <p:nvPr>
+            <p:ph idx="1"/>
+          </p:nvPr>
+        </p:nvPicPr>
+        <p:blipFill>
+          <a:blip r:embed="rId3">
+            <a:extLst>
+              <a:ext uri="{28A0092B-C50C-407E-A947-70E740481C1C}">
+                <a14:useLocalDpi xmlns:a14="http://schemas.microsoft.com/office/drawing/2010/main" val="0"/>
+              </a:ext>
+            </a:extLst>
+          </a:blip>
+          <a:srcRect/>
+          <a:stretch/>
+        </p:blipFill>
+        <p:spPr>
+          <a:xfrm>
+            <a:off x="2905126" y="365124"/>
+            <a:ext cx="8715373" cy="6012932"/>
+          </a:xfrm>
+        </p:spPr>
+      </p:pic>
     </p:spTree>
     <p:extLst>
       <p:ext uri="{BB962C8B-B14F-4D97-AF65-F5344CB8AC3E}">
-        <p14:creationId xmlns:p14="http://schemas.microsoft.com/office/powerpoint/2010/main" val="2702035577"/>
+        <p14:creationId xmlns:p14="http://schemas.microsoft.com/office/powerpoint/2010/main" val="408210267"/>
       </p:ext>
     </p:extLst>
   </p:cSld>

--- a/Audits/EPWS2223HausenKochZimmer Audit 3.pptx
+++ b/Audits/EPWS2223HausenKochZimmer Audit 3.pptx
@@ -998,15 +998,6 @@
           <a:p>
             <a:r>
               <a:rPr lang="de-DE" dirty="0"/>
-              <a:t>Ausgewählte Profiles aus: https://github.com/sebastiankoch10/EPWS2223HausenKochZimmer/blob/639b4999fcf3b82715c466e36d7729fe9b0d42e7/Modellierungen/User%20Profiles.docx</a:t>
-            </a:r>
-          </a:p>
-          <a:p>
-            <a:endParaRPr lang="de-DE" dirty="0"/>
-          </a:p>
-          <a:p>
-            <a:r>
-              <a:rPr lang="de-DE" dirty="0"/>
               <a:t>Anhand von Feedback zu den User Profiles aus dem letzten Audit wurden diese mit weiteren Profilen angereichert. Die damit definierte Zielgruppe war sehr eng bezüglich der inludierten Stakeholder und in Teilen schlecht definiert, so war beim Alter nur von „Senioren“ und „Durchschnitt“ die Rede anstatt klare Jahresangaben zu benutzen. Vor allen Dingen wurden jüngere Menschen nicht mit in das System einbezogen. Es ergaben sich daraus nur sehr begrenzte Use Szenarien. Die hier vorgestellten Profile sind Beispielhaft für die erfolgte Erweiterung. Anhand dieser beiden wurden zudem auch noch neue Personas erstellt.</a:t>
             </a:r>
             <a:br>
@@ -1943,15 +1934,6 @@
         <p:txBody>
           <a:bodyPr/>
           <a:lstStyle/>
-          <a:p>
-            <a:r>
-              <a:rPr lang="de-DE" dirty="0"/>
-              <a:t>Quelle zum Bild: https://github.com/sebastiankoch10/EPWS2223HausenKochZimmer/blob/639b4999fcf3b82715c466e36d7729fe9b0d42e7/Modellierungen/Klassendiagramm.PNG</a:t>
-            </a:r>
-          </a:p>
-          <a:p>
-            <a:endParaRPr lang="de-DE" dirty="0"/>
-          </a:p>
           <a:p>
             <a:r>
               <a:rPr lang="de-DE" dirty="0"/>
@@ -7691,6 +7673,51 @@
           </a:graphicData>
         </a:graphic>
       </p:graphicFrame>
+      <p:sp>
+        <p:nvSpPr>
+          <p:cNvPr id="8" name="Textfeld 7">
+            <a:extLst>
+              <a:ext uri="{FF2B5EF4-FFF2-40B4-BE49-F238E27FC236}">
+                <a16:creationId xmlns:a16="http://schemas.microsoft.com/office/drawing/2014/main" id="{74A72A49-F93A-158F-3F8A-8FF59FD63AB4}"/>
+              </a:ext>
+            </a:extLst>
+          </p:cNvPr>
+          <p:cNvSpPr txBox="1"/>
+          <p:nvPr/>
+        </p:nvSpPr>
+        <p:spPr>
+          <a:xfrm>
+            <a:off x="2424619" y="5433020"/>
+            <a:ext cx="6094378" cy="369332"/>
+          </a:xfrm>
+          <a:prstGeom prst="rect">
+            <a:avLst/>
+          </a:prstGeom>
+          <a:noFill/>
+        </p:spPr>
+        <p:txBody>
+          <a:bodyPr wrap="square">
+            <a:spAutoFit/>
+          </a:bodyPr>
+          <a:lstStyle/>
+          <a:p>
+            <a:pPr algn="ctr"/>
+            <a:r>
+              <a:rPr lang="de-DE" dirty="0">
+                <a:hlinkClick r:id="rId3"/>
+              </a:rPr>
+              <a:t>Zu User-</a:t>
+            </a:r>
+            <a:r>
+              <a:rPr lang="de-DE" dirty="0" err="1">
+                <a:hlinkClick r:id="rId3"/>
+              </a:rPr>
+              <a:t>Profiles</a:t>
+            </a:r>
+            <a:endParaRPr lang="de-DE" dirty="0"/>
+          </a:p>
+        </p:txBody>
+      </p:sp>
     </p:spTree>
     <p:extLst>
       <p:ext uri="{BB962C8B-B14F-4D97-AF65-F5344CB8AC3E}">
@@ -10767,6 +10794,52 @@
           </a:xfrm>
         </p:spPr>
       </p:pic>
+      <p:sp>
+        <p:nvSpPr>
+          <p:cNvPr id="3" name="Textfeld 2">
+            <a:extLst>
+              <a:ext uri="{FF2B5EF4-FFF2-40B4-BE49-F238E27FC236}">
+                <a16:creationId xmlns:a16="http://schemas.microsoft.com/office/drawing/2014/main" id="{27D8FE95-9BA2-204C-45DC-EC1714C5B2A0}"/>
+              </a:ext>
+            </a:extLst>
+          </p:cNvPr>
+          <p:cNvSpPr txBox="1"/>
+          <p:nvPr/>
+        </p:nvSpPr>
+        <p:spPr>
+          <a:xfrm>
+            <a:off x="609902" y="5564221"/>
+            <a:ext cx="2047268" cy="646331"/>
+          </a:xfrm>
+          <a:prstGeom prst="rect">
+            <a:avLst/>
+          </a:prstGeom>
+          <a:noFill/>
+        </p:spPr>
+        <p:txBody>
+          <a:bodyPr wrap="square" rtlCol="0">
+            <a:spAutoFit/>
+          </a:bodyPr>
+          <a:lstStyle/>
+          <a:p>
+            <a:r>
+              <a:rPr lang="de-DE" dirty="0">
+                <a:hlinkClick r:id="rId4"/>
+              </a:rPr>
+              <a:t>Zum Klassen-</a:t>
+            </a:r>
+          </a:p>
+          <a:p>
+            <a:r>
+              <a:rPr lang="de-DE" dirty="0">
+                <a:hlinkClick r:id="rId4"/>
+              </a:rPr>
+              <a:t>Diagramm</a:t>
+            </a:r>
+            <a:endParaRPr lang="de-DE" dirty="0"/>
+          </a:p>
+        </p:txBody>
+      </p:sp>
     </p:spTree>
     <p:extLst>
       <p:ext uri="{BB962C8B-B14F-4D97-AF65-F5344CB8AC3E}">
